--- a/01 - Курсовые проекты/2022-2023 - Разработка библиотеки функций на языке Python, реализующей автоматизированное построение динамических GUI/rndhpc_rpt_pres_gui_2023_73_VasilyanA.pptx
+++ b/01 - Курсовые проекты/2022-2023 - Разработка библиотеки функций на языке Python, реализующей автоматизированное построение динамических GUI/rndhpc_rpt_pres_gui_2023_73_VasilyanA.pptx
@@ -4639,7 +4639,7 @@
                 <a:latin typeface="Times New Roman" panose="02020603050405020304" pitchFamily="18" charset="0"/>
                 <a:cs typeface="Times New Roman" panose="02020603050405020304" pitchFamily="18" charset="0"/>
               </a:rPr>
-              <a:t>Постановка задач</a:t>
+              <a:t>Содержание</a:t>
             </a:r>
           </a:p>
           <a:p>

--- a/01 - Курсовые проекты/2022-2023 - Разработка библиотеки функций на языке Python, реализующей автоматизированное построение динамических GUI/rndhpc_rpt_pres_gui_2023_73_VasilyanA.pptx
+++ b/01 - Курсовые проекты/2022-2023 - Разработка библиотеки функций на языке Python, реализующей автоматизированное построение динамических GUI/rndhpc_rpt_pres_gui_2023_73_VasilyanA.pptx
@@ -5,20 +5,21 @@
     <p:sldMasterId id="2147483754" r:id="rId1"/>
   </p:sldMasterIdLst>
   <p:notesMasterIdLst>
-    <p:notesMasterId r:id="rId13"/>
+    <p:notesMasterId r:id="rId14"/>
   </p:notesMasterIdLst>
   <p:sldIdLst>
     <p:sldId id="256" r:id="rId2"/>
     <p:sldId id="267" r:id="rId3"/>
-    <p:sldId id="260" r:id="rId4"/>
-    <p:sldId id="259" r:id="rId5"/>
-    <p:sldId id="257" r:id="rId6"/>
-    <p:sldId id="266" r:id="rId7"/>
-    <p:sldId id="258" r:id="rId8"/>
-    <p:sldId id="262" r:id="rId9"/>
+    <p:sldId id="259" r:id="rId4"/>
+    <p:sldId id="272" r:id="rId5"/>
+    <p:sldId id="260" r:id="rId6"/>
+    <p:sldId id="268" r:id="rId7"/>
+    <p:sldId id="270" r:id="rId8"/>
+    <p:sldId id="274" r:id="rId9"/>
     <p:sldId id="265" r:id="rId10"/>
     <p:sldId id="264" r:id="rId11"/>
     <p:sldId id="263" r:id="rId12"/>
+    <p:sldId id="273" r:id="rId13"/>
   </p:sldIdLst>
   <p:sldSz cx="12192000" cy="6858000"/>
   <p:notesSz cx="6858000" cy="9144000"/>
@@ -207,7 +208,7 @@
           <a:p>
             <a:fld id="{1433DABF-D097-44E0-82C0-1AAF5966212D}" type="datetimeFigureOut">
               <a:rPr lang="ru-RU" smtClean="0"/>
-              <a:t>23.01.2023</a:t>
+              <a:t>26.01.2023</a:t>
             </a:fld>
             <a:endParaRPr lang="ru-RU"/>
           </a:p>
@@ -474,90 +475,6 @@
 </p:notesMaster>
 </file>
 
-<file path=ppt/notesSlides/notesSlide1.xml><?xml version="1.0" encoding="utf-8"?>
-<p:notes xmlns:a="http://schemas.openxmlformats.org/drawingml/2006/main" xmlns:r="http://schemas.openxmlformats.org/officeDocument/2006/relationships" xmlns:p="http://schemas.openxmlformats.org/presentationml/2006/main">
-  <p:cSld>
-    <p:spTree>
-      <p:nvGrpSpPr>
-        <p:cNvPr id="1" name=""/>
-        <p:cNvGrpSpPr/>
-        <p:nvPr/>
-      </p:nvGrpSpPr>
-      <p:grpSpPr>
-        <a:xfrm>
-          <a:off x="0" y="0"/>
-          <a:ext cx="0" cy="0"/>
-          <a:chOff x="0" y="0"/>
-          <a:chExt cx="0" cy="0"/>
-        </a:xfrm>
-      </p:grpSpPr>
-      <p:sp>
-        <p:nvSpPr>
-          <p:cNvPr id="2" name="Образ слайда 1"/>
-          <p:cNvSpPr>
-            <a:spLocks noGrp="1" noRot="1" noChangeAspect="1"/>
-          </p:cNvSpPr>
-          <p:nvPr>
-            <p:ph type="sldImg"/>
-          </p:nvPr>
-        </p:nvSpPr>
-        <p:spPr/>
-      </p:sp>
-      <p:sp>
-        <p:nvSpPr>
-          <p:cNvPr id="3" name="Заметки 2"/>
-          <p:cNvSpPr>
-            <a:spLocks noGrp="1"/>
-          </p:cNvSpPr>
-          <p:nvPr>
-            <p:ph type="body" idx="1"/>
-          </p:nvPr>
-        </p:nvSpPr>
-        <p:spPr/>
-        <p:txBody>
-          <a:bodyPr/>
-          <a:lstStyle/>
-          <a:p>
-            <a:endParaRPr lang="ru-RU" dirty="0"/>
-          </a:p>
-        </p:txBody>
-      </p:sp>
-      <p:sp>
-        <p:nvSpPr>
-          <p:cNvPr id="4" name="Номер слайда 3"/>
-          <p:cNvSpPr>
-            <a:spLocks noGrp="1"/>
-          </p:cNvSpPr>
-          <p:nvPr>
-            <p:ph type="sldNum" sz="quarter" idx="5"/>
-          </p:nvPr>
-        </p:nvSpPr>
-        <p:spPr/>
-        <p:txBody>
-          <a:bodyPr/>
-          <a:lstStyle/>
-          <a:p>
-            <a:fld id="{A3DC8647-A8F2-4A8D-8F90-7E55E52D761A}" type="slidenum">
-              <a:rPr lang="ru-RU" smtClean="0"/>
-              <a:t>6</a:t>
-            </a:fld>
-            <a:endParaRPr lang="ru-RU"/>
-          </a:p>
-        </p:txBody>
-      </p:sp>
-    </p:spTree>
-    <p:extLst>
-      <p:ext uri="{BB962C8B-B14F-4D97-AF65-F5344CB8AC3E}">
-        <p14:creationId xmlns:p14="http://schemas.microsoft.com/office/powerpoint/2010/main" val="1706425610"/>
-      </p:ext>
-    </p:extLst>
-  </p:cSld>
-  <p:clrMapOvr>
-    <a:masterClrMapping/>
-  </p:clrMapOvr>
-</p:notes>
-</file>
-
 <file path=ppt/slideLayouts/slideLayout1.xml><?xml version="1.0" encoding="utf-8"?>
 <p:sldLayout xmlns:a="http://schemas.openxmlformats.org/drawingml/2006/main" xmlns:r="http://schemas.openxmlformats.org/officeDocument/2006/relationships" xmlns:p="http://schemas.openxmlformats.org/presentationml/2006/main" type="title" preserve="1">
   <p:cSld name="Титульный слайд">
@@ -689,7 +606,7 @@
           <a:p>
             <a:fld id="{6157714A-B5FA-4BDA-BAC5-CE551E0D5C71}" type="datetime1">
               <a:rPr lang="ru-RU" smtClean="0"/>
-              <a:t>23.01.2023</a:t>
+              <a:t>26.01.2023</a:t>
             </a:fld>
             <a:endParaRPr lang="ru-RU"/>
           </a:p>
@@ -859,7 +776,7 @@
           <a:p>
             <a:fld id="{27CE9654-3562-4100-A766-537F27551235}" type="datetime1">
               <a:rPr lang="ru-RU" smtClean="0"/>
-              <a:t>23.01.2023</a:t>
+              <a:t>26.01.2023</a:t>
             </a:fld>
             <a:endParaRPr lang="ru-RU"/>
           </a:p>
@@ -1039,7 +956,7 @@
           <a:p>
             <a:fld id="{820807FA-9BD8-40AF-A59F-C82356EC0E74}" type="datetime1">
               <a:rPr lang="ru-RU" smtClean="0"/>
-              <a:t>23.01.2023</a:t>
+              <a:t>26.01.2023</a:t>
             </a:fld>
             <a:endParaRPr lang="ru-RU"/>
           </a:p>
@@ -1214,7 +1131,7 @@
           <a:p>
             <a:fld id="{5878E360-8AEE-4B90-99BC-1D6B98DA5EE2}" type="datetime1">
               <a:rPr lang="ru-RU" smtClean="0"/>
-              <a:t>23.01.2023</a:t>
+              <a:t>26.01.2023</a:t>
             </a:fld>
             <a:endParaRPr lang="ru-RU"/>
           </a:p>
@@ -1476,7 +1393,7 @@
           <a:p>
             <a:fld id="{D429DEF6-BF7E-4AAA-BE08-A3E2C310E23A}" type="datetime1">
               <a:rPr lang="ru-RU" smtClean="0"/>
-              <a:t>23.01.2023</a:t>
+              <a:t>26.01.2023</a:t>
             </a:fld>
             <a:endParaRPr lang="ru-RU"/>
           </a:p>
@@ -1708,7 +1625,7 @@
           <a:p>
             <a:fld id="{2118AE50-8815-4DDF-8D38-374A41423F79}" type="datetime1">
               <a:rPr lang="ru-RU" smtClean="0"/>
-              <a:t>23.01.2023</a:t>
+              <a:t>26.01.2023</a:t>
             </a:fld>
             <a:endParaRPr lang="ru-RU"/>
           </a:p>
@@ -2075,7 +1992,7 @@
           <a:p>
             <a:fld id="{3B4F339C-11A2-47C7-8682-F5E088FCD6CD}" type="datetime1">
               <a:rPr lang="ru-RU" smtClean="0"/>
-              <a:t>23.01.2023</a:t>
+              <a:t>26.01.2023</a:t>
             </a:fld>
             <a:endParaRPr lang="ru-RU"/>
           </a:p>
@@ -2193,7 +2110,7 @@
           <a:p>
             <a:fld id="{541086C6-E43C-4031-9DEE-B110F5665883}" type="datetime1">
               <a:rPr lang="ru-RU" smtClean="0"/>
-              <a:t>23.01.2023</a:t>
+              <a:t>26.01.2023</a:t>
             </a:fld>
             <a:endParaRPr lang="ru-RU"/>
           </a:p>
@@ -2288,7 +2205,7 @@
           <a:p>
             <a:fld id="{6E673D86-633A-4A5C-99A8-AF67CDA3F4C5}" type="datetime1">
               <a:rPr lang="ru-RU" smtClean="0"/>
-              <a:t>23.01.2023</a:t>
+              <a:t>26.01.2023</a:t>
             </a:fld>
             <a:endParaRPr lang="ru-RU"/>
           </a:p>
@@ -2565,7 +2482,7 @@
           <a:p>
             <a:fld id="{9F141B0F-4B70-46F9-8E49-A8927A8EF61C}" type="datetime1">
               <a:rPr lang="ru-RU" smtClean="0"/>
-              <a:t>23.01.2023</a:t>
+              <a:t>26.01.2023</a:t>
             </a:fld>
             <a:endParaRPr lang="ru-RU"/>
           </a:p>
@@ -2822,7 +2739,7 @@
           <a:p>
             <a:fld id="{66E4E755-3C6B-40C3-812B-8DBAD8856AD3}" type="datetime1">
               <a:rPr lang="ru-RU" smtClean="0"/>
-              <a:t>23.01.2023</a:t>
+              <a:t>26.01.2023</a:t>
             </a:fld>
             <a:endParaRPr lang="ru-RU"/>
           </a:p>
@@ -3035,7 +2952,7 @@
           <a:p>
             <a:fld id="{41888E7E-34F9-43C6-9C08-101ACE33D9FB}" type="datetime1">
               <a:rPr lang="ru-RU" smtClean="0"/>
-              <a:t>23.01.2023</a:t>
+              <a:t>26.01.2023</a:t>
             </a:fld>
             <a:endParaRPr lang="ru-RU"/>
           </a:p>
@@ -3515,7 +3432,7 @@
         </p:spPr>
         <p:txBody>
           <a:bodyPr>
-            <a:normAutofit/>
+            <a:normAutofit lnSpcReduction="10000"/>
           </a:bodyPr>
           <a:lstStyle/>
           <a:p>
@@ -3564,6 +3481,30 @@
                 <a:latin typeface="Times New Roman" panose="02020603050405020304" pitchFamily="18" charset="0"/>
                 <a:cs typeface="Times New Roman" panose="02020603050405020304" pitchFamily="18" charset="0"/>
               </a:rPr>
+              <a:t>Научный руководитель</a:t>
+            </a:r>
+            <a:r>
+              <a:rPr lang="en-US" dirty="0">
+                <a:latin typeface="Times New Roman" panose="02020603050405020304" pitchFamily="18" charset="0"/>
+                <a:cs typeface="Times New Roman" panose="02020603050405020304" pitchFamily="18" charset="0"/>
+              </a:rPr>
+              <a:t>: </a:t>
+            </a:r>
+            <a:r>
+              <a:rPr lang="ru-RU" dirty="0">
+                <a:latin typeface="Times New Roman" panose="02020603050405020304" pitchFamily="18" charset="0"/>
+                <a:cs typeface="Times New Roman" panose="02020603050405020304" pitchFamily="18" charset="0"/>
+              </a:rPr>
+              <a:t>Соколов Александр Павлович</a:t>
+            </a:r>
+          </a:p>
+          <a:p>
+            <a:pPr algn="l"/>
+            <a:r>
+              <a:rPr lang="ru-RU" dirty="0">
+                <a:latin typeface="Times New Roman" panose="02020603050405020304" pitchFamily="18" charset="0"/>
+                <a:cs typeface="Times New Roman" panose="02020603050405020304" pitchFamily="18" charset="0"/>
+              </a:rPr>
               <a:t>Место проведения</a:t>
             </a:r>
             <a:r>
@@ -3579,6 +3520,30 @@
                 <a:cs typeface="Times New Roman" panose="02020603050405020304" pitchFamily="18" charset="0"/>
               </a:rPr>
               <a:t>МГТУ им. Н. Э. Баумана</a:t>
+            </a:r>
+          </a:p>
+          <a:p>
+            <a:pPr algn="l"/>
+            <a:r>
+              <a:rPr lang="ru-RU" dirty="0">
+                <a:latin typeface="Times New Roman" panose="02020603050405020304" pitchFamily="18" charset="0"/>
+                <a:cs typeface="Times New Roman" panose="02020603050405020304" pitchFamily="18" charset="0"/>
+              </a:rPr>
+              <a:t>Кафедра</a:t>
+            </a:r>
+            <a:r>
+              <a:rPr lang="en-US" dirty="0">
+                <a:latin typeface="Times New Roman" panose="02020603050405020304" pitchFamily="18" charset="0"/>
+                <a:cs typeface="Times New Roman" panose="02020603050405020304" pitchFamily="18" charset="0"/>
+              </a:rPr>
+              <a:t>:</a:t>
+            </a:r>
+            <a:r>
+              <a:rPr lang="ru-RU" dirty="0">
+                <a:latin typeface="Times New Roman" panose="02020603050405020304" pitchFamily="18" charset="0"/>
+                <a:cs typeface="Times New Roman" panose="02020603050405020304" pitchFamily="18" charset="0"/>
+              </a:rPr>
+              <a:t> Системы автоматизированного проектирования (РК-6)</a:t>
             </a:r>
           </a:p>
           <a:p>
@@ -3590,13 +3555,6 @@
           </a:p>
           <a:p>
             <a:pPr algn="l"/>
-            <a:endParaRPr lang="ru-RU" dirty="0">
-              <a:latin typeface="Times New Roman" panose="02020603050405020304" pitchFamily="18" charset="0"/>
-              <a:cs typeface="Times New Roman" panose="02020603050405020304" pitchFamily="18" charset="0"/>
-            </a:endParaRPr>
-          </a:p>
-          <a:p>
-            <a:pPr algn="l"/>
             <a:endParaRPr lang="en-US" dirty="0">
               <a:latin typeface="Times New Roman" panose="02020603050405020304" pitchFamily="18" charset="0"/>
               <a:cs typeface="Times New Roman" panose="02020603050405020304" pitchFamily="18" charset="0"/>
@@ -3609,7 +3567,7 @@
                 <a:latin typeface="Times New Roman" panose="02020603050405020304" pitchFamily="18" charset="0"/>
                 <a:cs typeface="Times New Roman" panose="02020603050405020304" pitchFamily="18" charset="0"/>
               </a:rPr>
-              <a:t>Россия, Москва</a:t>
+              <a:t>Россия, Москва, 2023 г.</a:t>
             </a:r>
           </a:p>
         </p:txBody>
@@ -3891,7 +3849,7 @@
           </a:lstStyle>
           <a:p>
             <a:r>
-              <a:rPr lang="ru-RU" sz="2700" b="1" dirty="0">
+              <a:rPr lang="ru-RU" sz="2600" b="1" dirty="0">
                 <a:solidFill>
                   <a:schemeClr val="tx1"/>
                 </a:solidFill>
@@ -3901,7 +3859,7 @@
               <a:t>Запуск </a:t>
             </a:r>
             <a:r>
-              <a:rPr lang="ru-RU" sz="2700" b="1" dirty="0" err="1">
+              <a:rPr lang="ru-RU" sz="2600" b="1" dirty="0" err="1">
                 <a:solidFill>
                   <a:schemeClr val="tx1"/>
                 </a:solidFill>
@@ -3911,7 +3869,7 @@
               <a:t>web</a:t>
             </a:r>
             <a:r>
-              <a:rPr lang="ru-RU" sz="2700" b="1" dirty="0">
+              <a:rPr lang="ru-RU" sz="2600" b="1" dirty="0">
                 <a:solidFill>
                   <a:schemeClr val="tx1"/>
                 </a:solidFill>
@@ -3975,7 +3933,7 @@
                 <a:latin typeface="Times New Roman" panose="02020603050405020304" pitchFamily="18" charset="0"/>
                 <a:ea typeface="Calibri" panose="020F0502020204030204" pitchFamily="34" charset="0"/>
               </a:rPr>
-              <a:t>Рис. 6</a:t>
+              <a:t>Рис. 5</a:t>
             </a:r>
             <a:r>
               <a:rPr lang="en-US" dirty="0">
@@ -4029,7 +3987,7 @@
                 <a:latin typeface="Times New Roman" panose="02020603050405020304" pitchFamily="18" charset="0"/>
                 <a:ea typeface="Calibri" panose="020F0502020204030204" pitchFamily="34" charset="0"/>
               </a:rPr>
-              <a:t>Рис. 7</a:t>
+              <a:t>Рис. 6</a:t>
             </a:r>
             <a:r>
               <a:rPr lang="en-US" dirty="0">
@@ -4118,7 +4076,7 @@
         </p:nvSpPr>
         <p:spPr>
           <a:xfrm>
-            <a:off x="346591" y="1498255"/>
+            <a:off x="346590" y="1777050"/>
             <a:ext cx="11498817" cy="3303900"/>
           </a:xfrm>
         </p:spPr>
@@ -4176,88 +4134,96 @@
                 <a:latin typeface="Times New Roman" panose="02020603050405020304" pitchFamily="18" charset="0"/>
                 <a:cs typeface="Times New Roman" panose="02020603050405020304" pitchFamily="18" charset="0"/>
               </a:rPr>
-              <a:t>-клиента для доступа к подсистемам РВС GCD и другим программным системам)</a:t>
+              <a:t>-клиента для доступа к подсистемам РВС GCD и другим программным системам).</a:t>
+            </a:r>
+            <a:endParaRPr lang="en-US" sz="2400" dirty="0">
+              <a:latin typeface="Times New Roman" panose="02020603050405020304" pitchFamily="18" charset="0"/>
+              <a:cs typeface="Times New Roman" panose="02020603050405020304" pitchFamily="18" charset="0"/>
+            </a:endParaRPr>
+          </a:p>
+          <a:p>
+            <a:pPr algn="just"/>
+            <a:r>
+              <a:rPr lang="ru-RU" sz="2400" dirty="0">
+                <a:latin typeface="Times New Roman" panose="02020603050405020304" pitchFamily="18" charset="0"/>
+                <a:cs typeface="Times New Roman" panose="02020603050405020304" pitchFamily="18" charset="0"/>
+              </a:rPr>
+              <a:t>Доработка библиотеки</a:t>
             </a:r>
             <a:r>
               <a:rPr lang="en-US" sz="2400" dirty="0">
                 <a:latin typeface="Times New Roman" panose="02020603050405020304" pitchFamily="18" charset="0"/>
                 <a:cs typeface="Times New Roman" panose="02020603050405020304" pitchFamily="18" charset="0"/>
               </a:rPr>
-              <a:t>;</a:t>
-            </a:r>
-          </a:p>
-          <a:p>
-            <a:pPr algn="just"/>
+              <a:t> </a:t>
+            </a:r>
+            <a:r>
+              <a:rPr lang="en-US" sz="2400" dirty="0" err="1">
+                <a:latin typeface="Times New Roman" panose="02020603050405020304" pitchFamily="18" charset="0"/>
+                <a:cs typeface="Times New Roman" panose="02020603050405020304" pitchFamily="18" charset="0"/>
+              </a:rPr>
+              <a:t>pycomsdk</a:t>
+            </a:r>
+            <a:r>
+              <a:rPr lang="en-US" sz="2400" dirty="0">
+                <a:latin typeface="Times New Roman" panose="02020603050405020304" pitchFamily="18" charset="0"/>
+                <a:cs typeface="Times New Roman" panose="02020603050405020304" pitchFamily="18" charset="0"/>
+              </a:rPr>
+              <a:t> (</a:t>
+            </a:r>
             <a:r>
               <a:rPr lang="ru-RU" sz="2400" dirty="0">
                 <a:latin typeface="Times New Roman" panose="02020603050405020304" pitchFamily="18" charset="0"/>
                 <a:cs typeface="Times New Roman" panose="02020603050405020304" pitchFamily="18" charset="0"/>
               </a:rPr>
-              <a:t>Доработка библиотеки</a:t>
+              <a:t>SDK для программных реализаций сложных вычислительных методов в рамках </a:t>
+            </a:r>
+            <a:r>
+              <a:rPr lang="ru-RU" sz="2400" dirty="0" err="1">
+                <a:latin typeface="Times New Roman" panose="02020603050405020304" pitchFamily="18" charset="0"/>
+                <a:cs typeface="Times New Roman" panose="02020603050405020304" pitchFamily="18" charset="0"/>
+              </a:rPr>
+              <a:t>графоориентированной</a:t>
+            </a:r>
+            <a:r>
+              <a:rPr lang="ru-RU" sz="2400" dirty="0">
+                <a:latin typeface="Times New Roman" panose="02020603050405020304" pitchFamily="18" charset="0"/>
+                <a:cs typeface="Times New Roman" panose="02020603050405020304" pitchFamily="18" charset="0"/>
+              </a:rPr>
+              <a:t> технологии GBSE</a:t>
             </a:r>
             <a:r>
               <a:rPr lang="en-US" sz="2400" dirty="0">
                 <a:latin typeface="Times New Roman" panose="02020603050405020304" pitchFamily="18" charset="0"/>
                 <a:cs typeface="Times New Roman" panose="02020603050405020304" pitchFamily="18" charset="0"/>
               </a:rPr>
-              <a:t> </a:t>
-            </a:r>
-            <a:r>
-              <a:rPr lang="en-US" sz="2400" dirty="0" err="1">
-                <a:latin typeface="Times New Roman" panose="02020603050405020304" pitchFamily="18" charset="0"/>
-                <a:cs typeface="Times New Roman" panose="02020603050405020304" pitchFamily="18" charset="0"/>
-              </a:rPr>
-              <a:t>pycomsdk</a:t>
+              <a:t>) </a:t>
+            </a:r>
+            <a:r>
+              <a:rPr lang="ru-RU" sz="2400" dirty="0">
+                <a:latin typeface="Times New Roman" panose="02020603050405020304" pitchFamily="18" charset="0"/>
+                <a:cs typeface="Times New Roman" panose="02020603050405020304" pitchFamily="18" charset="0"/>
+              </a:rPr>
+              <a:t>в части возможности генерации </a:t>
             </a:r>
             <a:r>
               <a:rPr lang="en-US" sz="2400" dirty="0">
                 <a:latin typeface="Times New Roman" panose="02020603050405020304" pitchFamily="18" charset="0"/>
                 <a:cs typeface="Times New Roman" panose="02020603050405020304" pitchFamily="18" charset="0"/>
               </a:rPr>
-              <a:t> (</a:t>
+              <a:t>GUI</a:t>
             </a:r>
             <a:r>
               <a:rPr lang="ru-RU" sz="2400" dirty="0">
                 <a:latin typeface="Times New Roman" panose="02020603050405020304" pitchFamily="18" charset="0"/>
                 <a:cs typeface="Times New Roman" panose="02020603050405020304" pitchFamily="18" charset="0"/>
               </a:rPr>
-              <a:t>SDK для программных реализаций сложных вычислительных методов в рамках </a:t>
-            </a:r>
-            <a:r>
-              <a:rPr lang="ru-RU" sz="2400" dirty="0" err="1">
-                <a:latin typeface="Times New Roman" panose="02020603050405020304" pitchFamily="18" charset="0"/>
-                <a:cs typeface="Times New Roman" panose="02020603050405020304" pitchFamily="18" charset="0"/>
-              </a:rPr>
-              <a:t>графоориентированной</a:t>
-            </a:r>
-            <a:r>
-              <a:rPr lang="ru-RU" sz="2400" dirty="0">
-                <a:latin typeface="Times New Roman" panose="02020603050405020304" pitchFamily="18" charset="0"/>
-                <a:cs typeface="Times New Roman" panose="02020603050405020304" pitchFamily="18" charset="0"/>
-              </a:rPr>
-              <a:t> технологии GBSE</a:t>
-            </a:r>
-            <a:r>
-              <a:rPr lang="en-US" sz="2400" dirty="0">
-                <a:latin typeface="Times New Roman" panose="02020603050405020304" pitchFamily="18" charset="0"/>
-                <a:cs typeface="Times New Roman" panose="02020603050405020304" pitchFamily="18" charset="0"/>
-              </a:rPr>
-              <a:t>) </a:t>
-            </a:r>
-            <a:r>
-              <a:rPr lang="ru-RU" sz="2400" dirty="0">
-                <a:latin typeface="Times New Roman" panose="02020603050405020304" pitchFamily="18" charset="0"/>
-                <a:cs typeface="Times New Roman" panose="02020603050405020304" pitchFamily="18" charset="0"/>
-              </a:rPr>
-              <a:t>в части возможности генерации </a:t>
-            </a:r>
-            <a:r>
-              <a:rPr lang="en-US" sz="2400" dirty="0">
-                <a:latin typeface="Times New Roman" panose="02020603050405020304" pitchFamily="18" charset="0"/>
-                <a:cs typeface="Times New Roman" panose="02020603050405020304" pitchFamily="18" charset="0"/>
-              </a:rPr>
-              <a:t>GUI;</a:t>
-            </a:r>
+              <a:t>.</a:t>
+            </a:r>
+            <a:endParaRPr lang="en-US" sz="2400" dirty="0">
+              <a:latin typeface="Times New Roman" panose="02020603050405020304" pitchFamily="18" charset="0"/>
+              <a:cs typeface="Times New Roman" panose="02020603050405020304" pitchFamily="18" charset="0"/>
+            </a:endParaRPr>
           </a:p>
           <a:p>
             <a:pPr algn="just"/>
@@ -4429,14 +4395,14 @@
           </a:lstStyle>
           <a:p>
             <a:r>
-              <a:rPr lang="ru-RU" sz="2700" b="1" dirty="0">
+              <a:rPr lang="ru-RU" sz="2600" b="1" dirty="0">
                 <a:solidFill>
                   <a:schemeClr val="tx1"/>
                 </a:solidFill>
                 <a:latin typeface="Times New Roman" panose="02020603050405020304" pitchFamily="18" charset="0"/>
                 <a:cs typeface="Times New Roman" panose="02020603050405020304" pitchFamily="18" charset="0"/>
               </a:rPr>
-              <a:t>Дальнейшая работа</a:t>
+              <a:t>Дальнейшие планы</a:t>
             </a:r>
           </a:p>
           <a:p>
@@ -4475,6 +4441,383 @@
     <p:extLst>
       <p:ext uri="{BB962C8B-B14F-4D97-AF65-F5344CB8AC3E}">
         <p14:creationId xmlns:p14="http://schemas.microsoft.com/office/powerpoint/2010/main" val="2236620265"/>
+      </p:ext>
+    </p:extLst>
+  </p:cSld>
+  <p:clrMapOvr>
+    <a:masterClrMapping/>
+  </p:clrMapOvr>
+</p:sld>
+</file>
+
+<file path=ppt/slides/slide12.xml><?xml version="1.0" encoding="utf-8"?>
+<p:sld xmlns:a="http://schemas.openxmlformats.org/drawingml/2006/main" xmlns:r="http://schemas.openxmlformats.org/officeDocument/2006/relationships" xmlns:p="http://schemas.openxmlformats.org/presentationml/2006/main">
+  <p:cSld>
+    <p:spTree>
+      <p:nvGrpSpPr>
+        <p:cNvPr id="1" name=""/>
+        <p:cNvGrpSpPr/>
+        <p:nvPr/>
+      </p:nvGrpSpPr>
+      <p:grpSpPr>
+        <a:xfrm>
+          <a:off x="0" y="0"/>
+          <a:ext cx="0" cy="0"/>
+          <a:chOff x="0" y="0"/>
+          <a:chExt cx="0" cy="0"/>
+        </a:xfrm>
+      </p:grpSpPr>
+      <p:sp>
+        <p:nvSpPr>
+          <p:cNvPr id="5" name="Объект 2">
+            <a:extLst>
+              <a:ext uri="{FF2B5EF4-FFF2-40B4-BE49-F238E27FC236}">
+                <a16:creationId xmlns:a16="http://schemas.microsoft.com/office/drawing/2014/main" id="{55A50336-E84D-AD90-D45D-744D2CC6BCC6}"/>
+              </a:ext>
+            </a:extLst>
+          </p:cNvPr>
+          <p:cNvSpPr>
+            <a:spLocks noGrp="1"/>
+          </p:cNvSpPr>
+          <p:nvPr>
+            <p:ph idx="4294967295"/>
+          </p:nvPr>
+        </p:nvSpPr>
+        <p:spPr>
+          <a:xfrm>
+            <a:off x="346591" y="1535806"/>
+            <a:ext cx="11498817" cy="3786387"/>
+          </a:xfrm>
+        </p:spPr>
+        <p:txBody>
+          <a:bodyPr>
+            <a:normAutofit/>
+          </a:bodyPr>
+          <a:lstStyle/>
+          <a:p>
+            <a:pPr marL="0" indent="0" algn="just">
+              <a:buNone/>
+            </a:pPr>
+            <a:r>
+              <a:rPr lang="en-US" sz="2400" dirty="0">
+                <a:latin typeface="Times New Roman" panose="02020603050405020304" pitchFamily="18" charset="0"/>
+                <a:cs typeface="Times New Roman" panose="02020603050405020304" pitchFamily="18" charset="0"/>
+              </a:rPr>
+              <a:t>[1] </a:t>
+            </a:r>
+            <a:r>
+              <a:rPr lang="ru-RU" sz="2400" dirty="0">
+                <a:latin typeface="Times New Roman" panose="02020603050405020304" pitchFamily="18" charset="0"/>
+                <a:cs typeface="Times New Roman" panose="02020603050405020304" pitchFamily="18" charset="0"/>
+              </a:rPr>
+              <a:t>Лукьянов Д. В. Разработка графического пользовательского интерфейса // Новые информационные технологии в автоматизированных системах. 2012</a:t>
+            </a:r>
+            <a:endParaRPr lang="en-US" sz="2400" dirty="0">
+              <a:latin typeface="Times New Roman" panose="02020603050405020304" pitchFamily="18" charset="0"/>
+              <a:cs typeface="Times New Roman" panose="02020603050405020304" pitchFamily="18" charset="0"/>
+            </a:endParaRPr>
+          </a:p>
+          <a:p>
+            <a:pPr marL="0" indent="0" algn="just">
+              <a:buNone/>
+            </a:pPr>
+            <a:r>
+              <a:rPr lang="en-US" sz="2400" dirty="0">
+                <a:latin typeface="Times New Roman" panose="02020603050405020304" pitchFamily="18" charset="0"/>
+                <a:cs typeface="Times New Roman" panose="02020603050405020304" pitchFamily="18" charset="0"/>
+              </a:rPr>
+              <a:t>[2] </a:t>
+            </a:r>
+            <a:r>
+              <a:rPr lang="ru-RU" sz="2400" dirty="0" err="1">
+                <a:latin typeface="Times New Roman" panose="02020603050405020304" pitchFamily="18" charset="0"/>
+                <a:cs typeface="Times New Roman" panose="02020603050405020304" pitchFamily="18" charset="0"/>
+              </a:rPr>
+              <a:t>Санковский</a:t>
+            </a:r>
+            <a:r>
+              <a:rPr lang="ru-RU" sz="2400" dirty="0">
+                <a:latin typeface="Times New Roman" panose="02020603050405020304" pitchFamily="18" charset="0"/>
+                <a:cs typeface="Times New Roman" panose="02020603050405020304" pitchFamily="18" charset="0"/>
+              </a:rPr>
+              <a:t> Ю.Е. Метод построения оконного интерфейса пользователя на основе моделирования пользовательских целей. 1998</a:t>
+            </a:r>
+          </a:p>
+          <a:p>
+            <a:pPr marL="0" indent="0" algn="just">
+              <a:buNone/>
+            </a:pPr>
+            <a:r>
+              <a:rPr lang="en-US" sz="2400" dirty="0">
+                <a:latin typeface="Times New Roman" panose="02020603050405020304" pitchFamily="18" charset="0"/>
+                <a:cs typeface="Times New Roman" panose="02020603050405020304" pitchFamily="18" charset="0"/>
+              </a:rPr>
+              <a:t>[3] </a:t>
+            </a:r>
+            <a:r>
+              <a:rPr lang="ru-RU" sz="2400" dirty="0">
+                <a:latin typeface="Times New Roman" panose="02020603050405020304" pitchFamily="18" charset="0"/>
+                <a:cs typeface="Times New Roman" panose="02020603050405020304" pitchFamily="18" charset="0"/>
+              </a:rPr>
+              <a:t>Казаков Г.В., </a:t>
+            </a:r>
+            <a:r>
+              <a:rPr lang="ru-RU" sz="2400" dirty="0" err="1">
+                <a:latin typeface="Times New Roman" panose="02020603050405020304" pitchFamily="18" charset="0"/>
+                <a:cs typeface="Times New Roman" panose="02020603050405020304" pitchFamily="18" charset="0"/>
+              </a:rPr>
+              <a:t>Корянов</a:t>
+            </a:r>
+            <a:r>
+              <a:rPr lang="ru-RU" sz="2400" dirty="0">
+                <a:latin typeface="Times New Roman" panose="02020603050405020304" pitchFamily="18" charset="0"/>
+                <a:cs typeface="Times New Roman" panose="02020603050405020304" pitchFamily="18" charset="0"/>
+              </a:rPr>
+              <a:t> В.В., </a:t>
+            </a:r>
+            <a:r>
+              <a:rPr lang="ru-RU" sz="2400" dirty="0" err="1">
+                <a:latin typeface="Times New Roman" panose="02020603050405020304" pitchFamily="18" charset="0"/>
+                <a:cs typeface="Times New Roman" panose="02020603050405020304" pitchFamily="18" charset="0"/>
+              </a:rPr>
+              <a:t>Чемирисов</a:t>
+            </a:r>
+            <a:r>
+              <a:rPr lang="ru-RU" sz="2400" dirty="0">
+                <a:latin typeface="Times New Roman" panose="02020603050405020304" pitchFamily="18" charset="0"/>
+                <a:cs typeface="Times New Roman" panose="02020603050405020304" pitchFamily="18" charset="0"/>
+              </a:rPr>
+              <a:t> В.В., Уваров А.В. Методический подход к созданию универсального пользовательского интерфейса // Наука и инновации. 2020. №11.</a:t>
+            </a:r>
+            <a:endParaRPr lang="en-US" sz="2400" dirty="0">
+              <a:latin typeface="Times New Roman" panose="02020603050405020304" pitchFamily="18" charset="0"/>
+              <a:cs typeface="Times New Roman" panose="02020603050405020304" pitchFamily="18" charset="0"/>
+            </a:endParaRPr>
+          </a:p>
+          <a:p>
+            <a:pPr marL="0" indent="0" algn="just">
+              <a:buNone/>
+            </a:pPr>
+            <a:r>
+              <a:rPr lang="en-US" sz="2400" dirty="0">
+                <a:latin typeface="Times New Roman" panose="02020603050405020304" pitchFamily="18" charset="0"/>
+                <a:cs typeface="Times New Roman" panose="02020603050405020304" pitchFamily="18" charset="0"/>
+              </a:rPr>
+              <a:t>[4] </a:t>
+            </a:r>
+            <a:r>
+              <a:rPr lang="ru-RU" sz="2400" dirty="0">
+                <a:latin typeface="Times New Roman" panose="02020603050405020304" pitchFamily="18" charset="0"/>
+                <a:cs typeface="Times New Roman" panose="02020603050405020304" pitchFamily="18" charset="0"/>
+              </a:rPr>
+              <a:t>Юркин В.А., </a:t>
+            </a:r>
+            <a:r>
+              <a:rPr lang="ru-RU" sz="2400" dirty="0" err="1">
+                <a:latin typeface="Times New Roman" panose="02020603050405020304" pitchFamily="18" charset="0"/>
+                <a:cs typeface="Times New Roman" panose="02020603050405020304" pitchFamily="18" charset="0"/>
+              </a:rPr>
+              <a:t>Сараджишвили</a:t>
+            </a:r>
+            <a:r>
+              <a:rPr lang="ru-RU" sz="2400" dirty="0">
+                <a:latin typeface="Times New Roman" panose="02020603050405020304" pitchFamily="18" charset="0"/>
+                <a:cs typeface="Times New Roman" panose="02020603050405020304" pitchFamily="18" charset="0"/>
+              </a:rPr>
+              <a:t> С.Э. Построение пользовательского интерфейса с использованием интерактивного машинного обучения // СОВРЕМЕННАЯ НАУКА: АКТУАЛЬНЫЕ ПРОБЛЕМЫ ТЕОРИИ И ПРАКТИКИ. 2020. №3.</a:t>
+            </a:r>
+            <a:endParaRPr lang="en-US" sz="2400" dirty="0">
+              <a:latin typeface="Times New Roman" panose="02020603050405020304" pitchFamily="18" charset="0"/>
+              <a:cs typeface="Times New Roman" panose="02020603050405020304" pitchFamily="18" charset="0"/>
+            </a:endParaRPr>
+          </a:p>
+          <a:p>
+            <a:pPr marL="0" indent="0" algn="just">
+              <a:buNone/>
+            </a:pPr>
+            <a:endParaRPr lang="en-US" sz="2400" dirty="0">
+              <a:latin typeface="Times New Roman" panose="02020603050405020304" pitchFamily="18" charset="0"/>
+              <a:cs typeface="Times New Roman" panose="02020603050405020304" pitchFamily="18" charset="0"/>
+            </a:endParaRPr>
+          </a:p>
+        </p:txBody>
+      </p:sp>
+      <p:sp>
+        <p:nvSpPr>
+          <p:cNvPr id="2" name="Номер слайда 1">
+            <a:extLst>
+              <a:ext uri="{FF2B5EF4-FFF2-40B4-BE49-F238E27FC236}">
+                <a16:creationId xmlns:a16="http://schemas.microsoft.com/office/drawing/2014/main" id="{7FB0AEA9-13B1-BB11-3C6E-1CCA91B1B681}"/>
+              </a:ext>
+            </a:extLst>
+          </p:cNvPr>
+          <p:cNvSpPr>
+            <a:spLocks noGrp="1"/>
+          </p:cNvSpPr>
+          <p:nvPr>
+            <p:ph type="sldNum" sz="quarter" idx="12"/>
+          </p:nvPr>
+        </p:nvSpPr>
+        <p:spPr/>
+        <p:txBody>
+          <a:bodyPr/>
+          <a:lstStyle/>
+          <a:p>
+            <a:fld id="{5552E39F-73D0-4A16-9BC8-08DD5BB183DF}" type="slidenum">
+              <a:rPr lang="ru-RU" smtClean="0"/>
+              <a:t>11</a:t>
+            </a:fld>
+            <a:endParaRPr lang="ru-RU"/>
+          </a:p>
+        </p:txBody>
+      </p:sp>
+      <p:sp>
+        <p:nvSpPr>
+          <p:cNvPr id="3" name="Заголовок 1">
+            <a:extLst>
+              <a:ext uri="{FF2B5EF4-FFF2-40B4-BE49-F238E27FC236}">
+                <a16:creationId xmlns:a16="http://schemas.microsoft.com/office/drawing/2014/main" id="{CAFED0E2-96AF-82DE-BF2F-7838CBB4B992}"/>
+              </a:ext>
+            </a:extLst>
+          </p:cNvPr>
+          <p:cNvSpPr txBox="1">
+            <a:spLocks/>
+          </p:cNvSpPr>
+          <p:nvPr/>
+        </p:nvSpPr>
+        <p:spPr>
+          <a:xfrm>
+            <a:off x="346591" y="147767"/>
+            <a:ext cx="11498817" cy="1046920"/>
+          </a:xfrm>
+          <a:prstGeom prst="rect">
+            <a:avLst/>
+          </a:prstGeom>
+        </p:spPr>
+        <p:txBody>
+          <a:bodyPr vert="horz" lIns="91440" tIns="45720" rIns="91440" bIns="45720" rtlCol="0" anchor="t">
+            <a:normAutofit fontScale="97500"/>
+          </a:bodyPr>
+          <a:lstStyle>
+            <a:lvl1pPr algn="l" defTabSz="457200" rtl="0" eaLnBrk="1" latinLnBrk="0" hangingPunct="1">
+              <a:spcBef>
+                <a:spcPct val="0"/>
+              </a:spcBef>
+              <a:buNone/>
+              <a:defRPr sz="3600" kern="1200">
+                <a:solidFill>
+                  <a:schemeClr val="accent1"/>
+                </a:solidFill>
+                <a:latin typeface="+mj-lt"/>
+                <a:ea typeface="+mj-ea"/>
+                <a:cs typeface="+mj-cs"/>
+              </a:defRPr>
+            </a:lvl1pPr>
+            <a:lvl2pPr eaLnBrk="1" hangingPunct="1">
+              <a:defRPr>
+                <a:solidFill>
+                  <a:schemeClr val="tx2"/>
+                </a:solidFill>
+              </a:defRPr>
+            </a:lvl2pPr>
+            <a:lvl3pPr eaLnBrk="1" hangingPunct="1">
+              <a:defRPr>
+                <a:solidFill>
+                  <a:schemeClr val="tx2"/>
+                </a:solidFill>
+              </a:defRPr>
+            </a:lvl3pPr>
+            <a:lvl4pPr eaLnBrk="1" hangingPunct="1">
+              <a:defRPr>
+                <a:solidFill>
+                  <a:schemeClr val="tx2"/>
+                </a:solidFill>
+              </a:defRPr>
+            </a:lvl4pPr>
+            <a:lvl5pPr eaLnBrk="1" hangingPunct="1">
+              <a:defRPr>
+                <a:solidFill>
+                  <a:schemeClr val="tx2"/>
+                </a:solidFill>
+              </a:defRPr>
+            </a:lvl5pPr>
+            <a:lvl6pPr eaLnBrk="1" hangingPunct="1">
+              <a:defRPr>
+                <a:solidFill>
+                  <a:schemeClr val="tx2"/>
+                </a:solidFill>
+              </a:defRPr>
+            </a:lvl6pPr>
+            <a:lvl7pPr eaLnBrk="1" hangingPunct="1">
+              <a:defRPr>
+                <a:solidFill>
+                  <a:schemeClr val="tx2"/>
+                </a:solidFill>
+              </a:defRPr>
+            </a:lvl7pPr>
+            <a:lvl8pPr eaLnBrk="1" hangingPunct="1">
+              <a:defRPr>
+                <a:solidFill>
+                  <a:schemeClr val="tx2"/>
+                </a:solidFill>
+              </a:defRPr>
+            </a:lvl8pPr>
+            <a:lvl9pPr eaLnBrk="1" hangingPunct="1">
+              <a:defRPr>
+                <a:solidFill>
+                  <a:schemeClr val="tx2"/>
+                </a:solidFill>
+              </a:defRPr>
+            </a:lvl9pPr>
+          </a:lstStyle>
+          <a:p>
+            <a:r>
+              <a:rPr lang="ru-RU" sz="2600" b="1" dirty="0">
+                <a:solidFill>
+                  <a:schemeClr val="tx1"/>
+                </a:solidFill>
+                <a:latin typeface="Times New Roman" panose="02020603050405020304" pitchFamily="18" charset="0"/>
+                <a:cs typeface="Times New Roman" panose="02020603050405020304" pitchFamily="18" charset="0"/>
+              </a:rPr>
+              <a:t>Список литературы</a:t>
+            </a:r>
+          </a:p>
+          <a:p>
+            <a:r>
+              <a:rPr lang="ru-RU" sz="2700" b="1" dirty="0">
+                <a:solidFill>
+                  <a:schemeClr val="tx1"/>
+                </a:solidFill>
+                <a:latin typeface="Times New Roman" panose="02020603050405020304" pitchFamily="18" charset="0"/>
+                <a:cs typeface="Times New Roman" panose="02020603050405020304" pitchFamily="18" charset="0"/>
+              </a:rPr>
+              <a:t> </a:t>
+            </a:r>
+          </a:p>
+          <a:p>
+            <a:endParaRPr lang="ru-RU" sz="2700" b="1" dirty="0">
+              <a:solidFill>
+                <a:schemeClr val="tx1"/>
+              </a:solidFill>
+              <a:latin typeface="Times New Roman" panose="02020603050405020304" pitchFamily="18" charset="0"/>
+              <a:cs typeface="Times New Roman" panose="02020603050405020304" pitchFamily="18" charset="0"/>
+            </a:endParaRPr>
+          </a:p>
+          <a:p>
+            <a:endParaRPr lang="ru-RU" sz="2500" b="1" dirty="0">
+              <a:solidFill>
+                <a:schemeClr val="tx1"/>
+              </a:solidFill>
+              <a:latin typeface="Times New Roman" panose="02020603050405020304" pitchFamily="18" charset="0"/>
+              <a:cs typeface="Times New Roman" panose="02020603050405020304" pitchFamily="18" charset="0"/>
+            </a:endParaRPr>
+          </a:p>
+        </p:txBody>
+      </p:sp>
+    </p:spTree>
+    <p:extLst>
+      <p:ext uri="{BB962C8B-B14F-4D97-AF65-F5344CB8AC3E}">
+        <p14:creationId xmlns:p14="http://schemas.microsoft.com/office/powerpoint/2010/main" val="2100443327"/>
       </p:ext>
     </p:extLst>
   </p:cSld>
@@ -4632,7 +4975,7 @@
           </a:lstStyle>
           <a:p>
             <a:r>
-              <a:rPr lang="ru-RU" sz="2700" b="1" dirty="0">
+              <a:rPr lang="ru-RU" sz="2600" b="1" dirty="0">
                 <a:solidFill>
                   <a:schemeClr val="tx1"/>
                 </a:solidFill>
@@ -4859,20 +5202,57 @@
           <a:p>
             <a:pPr algn="just"/>
             <a:r>
-              <a:rPr lang="ru-RU" dirty="0">
-                <a:latin typeface="Times New Roman" panose="02020603050405020304" pitchFamily="18" charset="0"/>
-                <a:cs typeface="Times New Roman" panose="02020603050405020304" pitchFamily="18" charset="0"/>
-              </a:rPr>
-              <a:t>Постановка задач</a:t>
-            </a:r>
-            <a:r>
-              <a:rPr lang="en-US" dirty="0">
-                <a:latin typeface="Times New Roman" panose="02020603050405020304" pitchFamily="18" charset="0"/>
-                <a:cs typeface="Times New Roman" panose="02020603050405020304" pitchFamily="18" charset="0"/>
-              </a:rPr>
-              <a:t>;</a:t>
-            </a:r>
-            <a:endParaRPr lang="ru-RU" dirty="0">
+              <a:rPr lang="ru-RU" sz="2400" dirty="0">
+                <a:latin typeface="Times New Roman" panose="02020603050405020304" pitchFamily="18" charset="0"/>
+                <a:cs typeface="Times New Roman" panose="02020603050405020304" pitchFamily="18" charset="0"/>
+              </a:rPr>
+              <a:t>Введение.</a:t>
+            </a:r>
+          </a:p>
+          <a:p>
+            <a:pPr algn="just"/>
+            <a:r>
+              <a:rPr lang="ru-RU" sz="2400" dirty="0">
+                <a:latin typeface="Times New Roman" panose="02020603050405020304" pitchFamily="18" charset="0"/>
+                <a:cs typeface="Times New Roman" panose="02020603050405020304" pitchFamily="18" charset="0"/>
+              </a:rPr>
+              <a:t>Подходы к разработке пользовательского интерфейса.</a:t>
+            </a:r>
+          </a:p>
+          <a:p>
+            <a:pPr algn="just"/>
+            <a:r>
+              <a:rPr lang="ru-RU" sz="2400" dirty="0">
+                <a:latin typeface="Times New Roman" panose="02020603050405020304" pitchFamily="18" charset="0"/>
+                <a:cs typeface="Times New Roman" panose="02020603050405020304" pitchFamily="18" charset="0"/>
+              </a:rPr>
+              <a:t>Постановка задачи.</a:t>
+            </a:r>
+          </a:p>
+          <a:p>
+            <a:pPr algn="just"/>
+            <a:r>
+              <a:rPr lang="ru-RU" sz="2400" dirty="0">
+                <a:latin typeface="Times New Roman" panose="02020603050405020304" pitchFamily="18" charset="0"/>
+                <a:cs typeface="Times New Roman" panose="02020603050405020304" pitchFamily="18" charset="0"/>
+              </a:rPr>
+              <a:t>Разработка тестового </a:t>
+            </a:r>
+            <a:r>
+              <a:rPr lang="en-US" sz="2400" dirty="0">
+                <a:latin typeface="Times New Roman" panose="02020603050405020304" pitchFamily="18" charset="0"/>
+                <a:cs typeface="Times New Roman" panose="02020603050405020304" pitchFamily="18" charset="0"/>
+              </a:rPr>
+              <a:t>web-</a:t>
+            </a:r>
+            <a:r>
+              <a:rPr lang="ru-RU" sz="2400" dirty="0">
+                <a:latin typeface="Times New Roman" panose="02020603050405020304" pitchFamily="18" charset="0"/>
+                <a:cs typeface="Times New Roman" panose="02020603050405020304" pitchFamily="18" charset="0"/>
+              </a:rPr>
+              <a:t>приложения.</a:t>
+            </a:r>
+            <a:endParaRPr lang="en-US" sz="2400" dirty="0">
               <a:latin typeface="Times New Roman" panose="02020603050405020304" pitchFamily="18" charset="0"/>
               <a:cs typeface="Times New Roman" panose="02020603050405020304" pitchFamily="18" charset="0"/>
             </a:endParaRPr>
@@ -4880,20 +5260,44 @@
           <a:p>
             <a:pPr algn="just"/>
             <a:r>
-              <a:rPr lang="ru-RU" dirty="0">
-                <a:latin typeface="Times New Roman" panose="02020603050405020304" pitchFamily="18" charset="0"/>
-                <a:cs typeface="Times New Roman" panose="02020603050405020304" pitchFamily="18" charset="0"/>
-              </a:rPr>
-              <a:t>Введение</a:t>
-            </a:r>
-            <a:r>
-              <a:rPr lang="en-US" dirty="0">
-                <a:latin typeface="Times New Roman" panose="02020603050405020304" pitchFamily="18" charset="0"/>
-                <a:cs typeface="Times New Roman" panose="02020603050405020304" pitchFamily="18" charset="0"/>
-              </a:rPr>
-              <a:t>;</a:t>
-            </a:r>
-            <a:endParaRPr lang="ru-RU" dirty="0">
+              <a:rPr lang="ru-RU" sz="2400" dirty="0">
+                <a:latin typeface="Times New Roman" panose="02020603050405020304" pitchFamily="18" charset="0"/>
+                <a:cs typeface="Times New Roman" panose="02020603050405020304" pitchFamily="18" charset="0"/>
+              </a:rPr>
+              <a:t>Запуск </a:t>
+            </a:r>
+            <a:r>
+              <a:rPr lang="ru-RU" sz="2400" dirty="0" err="1">
+                <a:latin typeface="Times New Roman" panose="02020603050405020304" pitchFamily="18" charset="0"/>
+                <a:cs typeface="Times New Roman" panose="02020603050405020304" pitchFamily="18" charset="0"/>
+              </a:rPr>
+              <a:t>web</a:t>
+            </a:r>
+            <a:r>
+              <a:rPr lang="ru-RU" sz="2400" dirty="0">
+                <a:latin typeface="Times New Roman" panose="02020603050405020304" pitchFamily="18" charset="0"/>
+                <a:cs typeface="Times New Roman" panose="02020603050405020304" pitchFamily="18" charset="0"/>
+              </a:rPr>
+              <a:t>-приложения на тестовом сервере.</a:t>
+            </a:r>
+          </a:p>
+          <a:p>
+            <a:pPr algn="just"/>
+            <a:r>
+              <a:rPr lang="ru-RU" sz="2400" dirty="0">
+                <a:latin typeface="Times New Roman" panose="02020603050405020304" pitchFamily="18" charset="0"/>
+                <a:cs typeface="Times New Roman" panose="02020603050405020304" pitchFamily="18" charset="0"/>
+              </a:rPr>
+              <a:t>Дальнейшие планы</a:t>
+            </a:r>
+            <a:r>
+              <a:rPr lang="en-US" sz="2400" dirty="0">
+                <a:latin typeface="Times New Roman" panose="02020603050405020304" pitchFamily="18" charset="0"/>
+                <a:cs typeface="Times New Roman" panose="02020603050405020304" pitchFamily="18" charset="0"/>
+              </a:rPr>
+              <a:t>.</a:t>
+            </a:r>
+            <a:endParaRPr lang="ru-RU" sz="2400" dirty="0">
               <a:latin typeface="Times New Roman" panose="02020603050405020304" pitchFamily="18" charset="0"/>
               <a:cs typeface="Times New Roman" panose="02020603050405020304" pitchFamily="18" charset="0"/>
             </a:endParaRPr>
@@ -4901,149 +5305,30 @@
           <a:p>
             <a:pPr algn="just"/>
             <a:r>
-              <a:rPr lang="ru-RU" dirty="0">
-                <a:latin typeface="Times New Roman" panose="02020603050405020304" pitchFamily="18" charset="0"/>
-                <a:cs typeface="Times New Roman" panose="02020603050405020304" pitchFamily="18" charset="0"/>
-              </a:rPr>
-              <a:t>Методы взаимодействия пользователя и ЭВМ</a:t>
-            </a:r>
-            <a:r>
-              <a:rPr lang="en-US" dirty="0">
-                <a:latin typeface="Times New Roman" panose="02020603050405020304" pitchFamily="18" charset="0"/>
-                <a:cs typeface="Times New Roman" panose="02020603050405020304" pitchFamily="18" charset="0"/>
-              </a:rPr>
-              <a:t>;</a:t>
-            </a:r>
-            <a:endParaRPr lang="ru-RU" dirty="0">
+              <a:rPr lang="ru-RU" sz="2400" dirty="0">
+                <a:latin typeface="Times New Roman" panose="02020603050405020304" pitchFamily="18" charset="0"/>
+                <a:cs typeface="Times New Roman" panose="02020603050405020304" pitchFamily="18" charset="0"/>
+              </a:rPr>
+              <a:t>Список литературы.</a:t>
+            </a:r>
+          </a:p>
+          <a:p>
+            <a:pPr algn="just"/>
+            <a:endParaRPr lang="ru-RU" sz="2400" dirty="0">
               <a:latin typeface="Times New Roman" panose="02020603050405020304" pitchFamily="18" charset="0"/>
               <a:cs typeface="Times New Roman" panose="02020603050405020304" pitchFamily="18" charset="0"/>
             </a:endParaRPr>
           </a:p>
           <a:p>
             <a:pPr algn="just"/>
-            <a:r>
-              <a:rPr lang="ru-RU" dirty="0">
-                <a:latin typeface="Times New Roman" panose="02020603050405020304" pitchFamily="18" charset="0"/>
-                <a:cs typeface="Times New Roman" panose="02020603050405020304" pitchFamily="18" charset="0"/>
-              </a:rPr>
-              <a:t>Подходы к разработке пользовательского интерфейса</a:t>
-            </a:r>
-            <a:r>
-              <a:rPr lang="en-US" dirty="0">
-                <a:latin typeface="Times New Roman" panose="02020603050405020304" pitchFamily="18" charset="0"/>
-                <a:cs typeface="Times New Roman" panose="02020603050405020304" pitchFamily="18" charset="0"/>
-              </a:rPr>
-              <a:t>;</a:t>
-            </a:r>
-            <a:endParaRPr lang="ru-RU" dirty="0">
+            <a:endParaRPr lang="ru-RU" sz="2400" dirty="0">
               <a:latin typeface="Times New Roman" panose="02020603050405020304" pitchFamily="18" charset="0"/>
               <a:cs typeface="Times New Roman" panose="02020603050405020304" pitchFamily="18" charset="0"/>
             </a:endParaRPr>
           </a:p>
           <a:p>
             <a:pPr algn="just"/>
-            <a:r>
-              <a:rPr lang="ru-RU" dirty="0">
-                <a:latin typeface="Times New Roman" panose="02020603050405020304" pitchFamily="18" charset="0"/>
-                <a:cs typeface="Times New Roman" panose="02020603050405020304" pitchFamily="18" charset="0"/>
-              </a:rPr>
-              <a:t>Разработка тестового </a:t>
-            </a:r>
-            <a:r>
-              <a:rPr lang="en-US" dirty="0">
-                <a:latin typeface="Times New Roman" panose="02020603050405020304" pitchFamily="18" charset="0"/>
-                <a:cs typeface="Times New Roman" panose="02020603050405020304" pitchFamily="18" charset="0"/>
-              </a:rPr>
-              <a:t>web-</a:t>
-            </a:r>
-            <a:r>
-              <a:rPr lang="ru-RU" dirty="0">
-                <a:latin typeface="Times New Roman" panose="02020603050405020304" pitchFamily="18" charset="0"/>
-                <a:cs typeface="Times New Roman" panose="02020603050405020304" pitchFamily="18" charset="0"/>
-              </a:rPr>
-              <a:t>приложения</a:t>
-            </a:r>
-            <a:r>
-              <a:rPr lang="en-US" dirty="0">
-                <a:latin typeface="Times New Roman" panose="02020603050405020304" pitchFamily="18" charset="0"/>
-                <a:cs typeface="Times New Roman" panose="02020603050405020304" pitchFamily="18" charset="0"/>
-              </a:rPr>
-              <a:t>;</a:t>
-            </a:r>
-          </a:p>
-          <a:p>
-            <a:pPr algn="just"/>
-            <a:r>
-              <a:rPr lang="ru-RU" dirty="0">
-                <a:latin typeface="Times New Roman" panose="02020603050405020304" pitchFamily="18" charset="0"/>
-                <a:cs typeface="Times New Roman" panose="02020603050405020304" pitchFamily="18" charset="0"/>
-              </a:rPr>
-              <a:t>Запуск </a:t>
-            </a:r>
-            <a:r>
-              <a:rPr lang="ru-RU" dirty="0" err="1">
-                <a:latin typeface="Times New Roman" panose="02020603050405020304" pitchFamily="18" charset="0"/>
-                <a:cs typeface="Times New Roman" panose="02020603050405020304" pitchFamily="18" charset="0"/>
-              </a:rPr>
-              <a:t>web</a:t>
-            </a:r>
-            <a:r>
-              <a:rPr lang="ru-RU" dirty="0">
-                <a:latin typeface="Times New Roman" panose="02020603050405020304" pitchFamily="18" charset="0"/>
-                <a:cs typeface="Times New Roman" panose="02020603050405020304" pitchFamily="18" charset="0"/>
-              </a:rPr>
-              <a:t>-приложения на тестовом сервере</a:t>
-            </a:r>
-            <a:r>
-              <a:rPr lang="en-US" dirty="0">
-                <a:latin typeface="Times New Roman" panose="02020603050405020304" pitchFamily="18" charset="0"/>
-                <a:cs typeface="Times New Roman" panose="02020603050405020304" pitchFamily="18" charset="0"/>
-              </a:rPr>
-              <a:t>;</a:t>
-            </a:r>
-            <a:endParaRPr lang="ru-RU" dirty="0">
-              <a:latin typeface="Times New Roman" panose="02020603050405020304" pitchFamily="18" charset="0"/>
-              <a:cs typeface="Times New Roman" panose="02020603050405020304" pitchFamily="18" charset="0"/>
-            </a:endParaRPr>
-          </a:p>
-          <a:p>
-            <a:pPr algn="just"/>
-            <a:r>
-              <a:rPr lang="ru-RU" dirty="0">
-                <a:latin typeface="Times New Roman" panose="02020603050405020304" pitchFamily="18" charset="0"/>
-                <a:cs typeface="Times New Roman" panose="02020603050405020304" pitchFamily="18" charset="0"/>
-              </a:rPr>
-              <a:t>Дальнейшая работа</a:t>
-            </a:r>
-            <a:r>
-              <a:rPr lang="en-US" dirty="0">
-                <a:latin typeface="Times New Roman" panose="02020603050405020304" pitchFamily="18" charset="0"/>
-                <a:cs typeface="Times New Roman" panose="02020603050405020304" pitchFamily="18" charset="0"/>
-              </a:rPr>
-              <a:t>.</a:t>
-            </a:r>
-            <a:endParaRPr lang="ru-RU" dirty="0">
-              <a:latin typeface="Times New Roman" panose="02020603050405020304" pitchFamily="18" charset="0"/>
-              <a:cs typeface="Times New Roman" panose="02020603050405020304" pitchFamily="18" charset="0"/>
-            </a:endParaRPr>
-          </a:p>
-          <a:p>
-            <a:pPr algn="just"/>
-            <a:endParaRPr lang="ru-RU" dirty="0">
-              <a:latin typeface="Times New Roman" panose="02020603050405020304" pitchFamily="18" charset="0"/>
-              <a:cs typeface="Times New Roman" panose="02020603050405020304" pitchFamily="18" charset="0"/>
-            </a:endParaRPr>
-          </a:p>
-          <a:p>
-            <a:pPr algn="just"/>
-            <a:endParaRPr lang="ru-RU" dirty="0">
-              <a:latin typeface="Times New Roman" panose="02020603050405020304" pitchFamily="18" charset="0"/>
-              <a:cs typeface="Times New Roman" panose="02020603050405020304" pitchFamily="18" charset="0"/>
-            </a:endParaRPr>
-          </a:p>
-          <a:p>
-            <a:pPr algn="just"/>
-            <a:endParaRPr lang="ru-RU" dirty="0">
+            <a:endParaRPr lang="ru-RU" sz="2400" dirty="0">
               <a:latin typeface="Times New Roman" panose="02020603050405020304" pitchFamily="18" charset="0"/>
               <a:cs typeface="Times New Roman" panose="02020603050405020304" pitchFamily="18" charset="0"/>
             </a:endParaRPr>
@@ -5080,12 +5365,645 @@
           <a:chExt cx="0" cy="0"/>
         </a:xfrm>
       </p:grpSpPr>
-      <p:sp>
-        <p:nvSpPr>
-          <p:cNvPr id="8" name="Заголовок 1">
+      <mc:AlternateContent xmlns:mc="http://schemas.openxmlformats.org/markup-compatibility/2006" xmlns:a14="http://schemas.microsoft.com/office/drawing/2010/main">
+        <mc:Choice Requires="a14">
+          <p:sp>
+            <p:nvSpPr>
+              <p:cNvPr id="3" name="Объект 2">
+                <a:extLst>
+                  <a:ext uri="{FF2B5EF4-FFF2-40B4-BE49-F238E27FC236}">
+                    <a16:creationId xmlns:a16="http://schemas.microsoft.com/office/drawing/2014/main" id="{24102B1F-A0A8-F7E5-1EE9-48E49DD46F25}"/>
+                  </a:ext>
+                </a:extLst>
+              </p:cNvPr>
+              <p:cNvSpPr>
+                <a:spLocks noGrp="1"/>
+              </p:cNvSpPr>
+              <p:nvPr>
+                <p:ph idx="4294967295"/>
+              </p:nvPr>
+            </p:nvSpPr>
+            <p:spPr>
+              <a:xfrm>
+                <a:off x="346591" y="808826"/>
+                <a:ext cx="11498817" cy="3386667"/>
+              </a:xfrm>
+            </p:spPr>
+            <p:txBody>
+              <a:bodyPr>
+                <a:normAutofit/>
+              </a:bodyPr>
+              <a:lstStyle/>
+              <a:p>
+                <a:pPr algn="just">
+                  <a:buClr>
+                    <a:schemeClr val="tx1"/>
+                  </a:buClr>
+                </a:pPr>
+                <a14:m>
+                  <m:oMath xmlns:m="http://schemas.openxmlformats.org/officeDocument/2006/math">
+                    <m:sSup>
+                      <m:sSupPr>
+                        <m:ctrlPr>
+                          <a:rPr lang="ru-RU" sz="2400" i="1" smtClean="0">
+                            <a:solidFill>
+                              <a:srgbClr val="7030A0"/>
+                            </a:solidFill>
+                            <a:latin typeface="Cambria Math" panose="02040503050406030204" pitchFamily="18" charset="0"/>
+                            <a:cs typeface="Times New Roman" panose="02020603050405020304" pitchFamily="18" charset="0"/>
+                          </a:rPr>
+                        </m:ctrlPr>
+                      </m:sSupPr>
+                      <m:e>
+                        <m:r>
+                          <a:rPr lang="ru-RU" sz="2400" i="0">
+                            <a:solidFill>
+                              <a:srgbClr val="7030A0"/>
+                            </a:solidFill>
+                            <a:latin typeface="Cambria Math" panose="02040503050406030204" pitchFamily="18" charset="0"/>
+                            <a:cs typeface="Times New Roman" panose="02020603050405020304" pitchFamily="18" charset="0"/>
+                          </a:rPr>
+                          <m:t>Интерфейс</m:t>
+                        </m:r>
+                      </m:e>
+                      <m:sup>
+                        <m:r>
+                          <a:rPr lang="ru-RU" sz="2400" b="0" i="0" smtClean="0">
+                            <a:solidFill>
+                              <a:srgbClr val="7030A0"/>
+                            </a:solidFill>
+                            <a:latin typeface="Cambria Math" panose="02040503050406030204" pitchFamily="18" charset="0"/>
+                            <a:cs typeface="Times New Roman" panose="02020603050405020304" pitchFamily="18" charset="0"/>
+                          </a:rPr>
+                          <m:t>1</m:t>
+                        </m:r>
+                      </m:sup>
+                    </m:sSup>
+                  </m:oMath>
+                </a14:m>
+                <a:r>
+                  <a:rPr lang="ru-RU" sz="2400" dirty="0">
+                    <a:latin typeface="Times New Roman" panose="02020603050405020304" pitchFamily="18" charset="0"/>
+                    <a:cs typeface="Times New Roman" panose="02020603050405020304" pitchFamily="18" charset="0"/>
+                  </a:rPr>
+                  <a:t> </a:t>
+                </a:r>
+                <a:r>
+                  <a:rPr lang="ru-RU" sz="2400" dirty="0">
+                    <a:effectLst/>
+                    <a:latin typeface="Times New Roman" panose="02020603050405020304" pitchFamily="18" charset="0"/>
+                    <a:ea typeface="Calibri" panose="020F0502020204030204" pitchFamily="34" charset="0"/>
+                    <a:cs typeface="Times New Roman" panose="02020603050405020304" pitchFamily="18" charset="0"/>
+                  </a:rPr>
+                  <a:t>— </a:t>
+                </a:r>
+                <a:r>
+                  <a:rPr lang="ru-RU" sz="2400" dirty="0">
+                    <a:latin typeface="Times New Roman" panose="02020603050405020304" pitchFamily="18" charset="0"/>
+                    <a:cs typeface="Times New Roman" panose="02020603050405020304" pitchFamily="18" charset="0"/>
+                  </a:rPr>
+                  <a:t>это совокупность средств методов и правил взаимодействия</a:t>
+                </a:r>
+                <a:r>
+                  <a:rPr lang="en-US" sz="2400" dirty="0">
+                    <a:latin typeface="Times New Roman" panose="02020603050405020304" pitchFamily="18" charset="0"/>
+                    <a:cs typeface="Times New Roman" panose="02020603050405020304" pitchFamily="18" charset="0"/>
+                  </a:rPr>
+                  <a:t> </a:t>
+                </a:r>
+                <a:r>
+                  <a:rPr lang="ru-RU" sz="2400" dirty="0">
+                    <a:latin typeface="Times New Roman" panose="02020603050405020304" pitchFamily="18" charset="0"/>
+                    <a:cs typeface="Times New Roman" panose="02020603050405020304" pitchFamily="18" charset="0"/>
+                  </a:rPr>
+                  <a:t>управления контроля и т</a:t>
+                </a:r>
+                <a:r>
+                  <a:rPr lang="en-US" sz="2400" dirty="0">
+                    <a:latin typeface="Times New Roman" panose="02020603050405020304" pitchFamily="18" charset="0"/>
+                    <a:cs typeface="Times New Roman" panose="02020603050405020304" pitchFamily="18" charset="0"/>
+                  </a:rPr>
+                  <a:t>.</a:t>
+                </a:r>
+                <a:r>
+                  <a:rPr lang="ru-RU" sz="2400" dirty="0">
+                    <a:latin typeface="Times New Roman" panose="02020603050405020304" pitchFamily="18" charset="0"/>
+                    <a:cs typeface="Times New Roman" panose="02020603050405020304" pitchFamily="18" charset="0"/>
+                  </a:rPr>
+                  <a:t>д</a:t>
+                </a:r>
+                <a:r>
+                  <a:rPr lang="en-US" sz="2400" dirty="0">
+                    <a:latin typeface="Times New Roman" panose="02020603050405020304" pitchFamily="18" charset="0"/>
+                    <a:cs typeface="Times New Roman" panose="02020603050405020304" pitchFamily="18" charset="0"/>
+                  </a:rPr>
+                  <a:t>.</a:t>
+                </a:r>
+                <a:r>
+                  <a:rPr lang="ru-RU" sz="2400" dirty="0">
+                    <a:latin typeface="Times New Roman" panose="02020603050405020304" pitchFamily="18" charset="0"/>
+                    <a:cs typeface="Times New Roman" panose="02020603050405020304" pitchFamily="18" charset="0"/>
+                  </a:rPr>
+                  <a:t> между элементами системы</a:t>
+                </a:r>
+                <a:r>
+                  <a:rPr lang="en-US" sz="2400" dirty="0">
+                    <a:latin typeface="Times New Roman" panose="02020603050405020304" pitchFamily="18" charset="0"/>
+                    <a:cs typeface="Times New Roman" panose="02020603050405020304" pitchFamily="18" charset="0"/>
+                  </a:rPr>
+                  <a:t>;</a:t>
+                </a:r>
+              </a:p>
+              <a:p>
+                <a:pPr algn="just">
+                  <a:buClr>
+                    <a:schemeClr val="tx1"/>
+                  </a:buClr>
+                </a:pPr>
+                <a14:m>
+                  <m:oMath xmlns:m="http://schemas.openxmlformats.org/officeDocument/2006/math">
+                    <m:sSup>
+                      <m:sSupPr>
+                        <m:ctrlPr>
+                          <a:rPr lang="ru-RU" sz="2400" i="1" dirty="0" smtClean="0">
+                            <a:solidFill>
+                              <a:srgbClr val="7030A0"/>
+                            </a:solidFill>
+                            <a:latin typeface="Cambria Math" panose="02040503050406030204" pitchFamily="18" charset="0"/>
+                            <a:cs typeface="Times New Roman" panose="02020603050405020304" pitchFamily="18" charset="0"/>
+                          </a:rPr>
+                        </m:ctrlPr>
+                      </m:sSupPr>
+                      <m:e>
+                        <m:r>
+                          <a:rPr lang="ru-RU" sz="2400" i="0" dirty="0">
+                            <a:solidFill>
+                              <a:srgbClr val="7030A0"/>
+                            </a:solidFill>
+                            <a:latin typeface="Cambria Math" panose="02040503050406030204" pitchFamily="18" charset="0"/>
+                            <a:cs typeface="Times New Roman" panose="02020603050405020304" pitchFamily="18" charset="0"/>
+                          </a:rPr>
+                          <m:t>Пользовательский интерфейс</m:t>
+                        </m:r>
+                      </m:e>
+                      <m:sup>
+                        <m:r>
+                          <a:rPr lang="ru-RU" sz="2400" b="0" i="0" dirty="0" smtClean="0">
+                            <a:solidFill>
+                              <a:srgbClr val="7030A0"/>
+                            </a:solidFill>
+                            <a:latin typeface="Cambria Math" panose="02040503050406030204" pitchFamily="18" charset="0"/>
+                            <a:cs typeface="Times New Roman" panose="02020603050405020304" pitchFamily="18" charset="0"/>
+                          </a:rPr>
+                          <m:t>1</m:t>
+                        </m:r>
+                      </m:sup>
+                    </m:sSup>
+                  </m:oMath>
+                </a14:m>
+                <a:r>
+                  <a:rPr lang="ru-RU" sz="2400" dirty="0">
+                    <a:effectLst/>
+                    <a:latin typeface="Times New Roman" panose="02020603050405020304" pitchFamily="18" charset="0"/>
+                    <a:ea typeface="Calibri" panose="020F0502020204030204" pitchFamily="34" charset="0"/>
+                    <a:cs typeface="Times New Roman" panose="02020603050405020304" pitchFamily="18" charset="0"/>
+                  </a:rPr>
+                  <a:t>—</a:t>
+                </a:r>
+                <a:r>
+                  <a:rPr lang="en-US" sz="2400" dirty="0">
+                    <a:effectLst/>
+                    <a:latin typeface="Times New Roman" panose="02020603050405020304" pitchFamily="18" charset="0"/>
+                    <a:ea typeface="Calibri" panose="020F0502020204030204" pitchFamily="34" charset="0"/>
+                    <a:cs typeface="Times New Roman" panose="02020603050405020304" pitchFamily="18" charset="0"/>
+                  </a:rPr>
+                  <a:t> </a:t>
+                </a:r>
+                <a:r>
+                  <a:rPr lang="ru-RU" sz="2400" dirty="0">
+                    <a:latin typeface="Times New Roman" panose="02020603050405020304" pitchFamily="18" charset="0"/>
+                    <a:cs typeface="Times New Roman" panose="02020603050405020304" pitchFamily="18" charset="0"/>
+                  </a:rPr>
+                  <a:t>это разновидность интерфейсов</a:t>
+                </a:r>
+                <a:r>
+                  <a:rPr lang="en-US" sz="2400" dirty="0">
+                    <a:latin typeface="Times New Roman" panose="02020603050405020304" pitchFamily="18" charset="0"/>
+                    <a:cs typeface="Times New Roman" panose="02020603050405020304" pitchFamily="18" charset="0"/>
+                  </a:rPr>
+                  <a:t>,</a:t>
+                </a:r>
+                <a:r>
+                  <a:rPr lang="ru-RU" sz="2400" dirty="0">
+                    <a:latin typeface="Times New Roman" panose="02020603050405020304" pitchFamily="18" charset="0"/>
+                    <a:cs typeface="Times New Roman" panose="02020603050405020304" pitchFamily="18" charset="0"/>
+                  </a:rPr>
+                  <a:t> в котором одна</a:t>
+                </a:r>
+                <a:r>
+                  <a:rPr lang="en-US" sz="2400" dirty="0">
+                    <a:latin typeface="Times New Roman" panose="02020603050405020304" pitchFamily="18" charset="0"/>
+                    <a:cs typeface="Times New Roman" panose="02020603050405020304" pitchFamily="18" charset="0"/>
+                  </a:rPr>
+                  <a:t> </a:t>
+                </a:r>
+                <a:r>
+                  <a:rPr lang="ru-RU" sz="2400" dirty="0">
+                    <a:latin typeface="Times New Roman" panose="02020603050405020304" pitchFamily="18" charset="0"/>
+                    <a:cs typeface="Times New Roman" panose="02020603050405020304" pitchFamily="18" charset="0"/>
+                  </a:rPr>
+                  <a:t>сторона представлена человеком</a:t>
+                </a:r>
+                <a:r>
+                  <a:rPr lang="en-US" sz="2400" dirty="0">
+                    <a:latin typeface="Times New Roman" panose="02020603050405020304" pitchFamily="18" charset="0"/>
+                    <a:cs typeface="Times New Roman" panose="02020603050405020304" pitchFamily="18" charset="0"/>
+                  </a:rPr>
+                  <a:t>-</a:t>
+                </a:r>
+                <a:r>
+                  <a:rPr lang="ru-RU" sz="2400" dirty="0">
+                    <a:latin typeface="Times New Roman" panose="02020603050405020304" pitchFamily="18" charset="0"/>
+                    <a:cs typeface="Times New Roman" panose="02020603050405020304" pitchFamily="18" charset="0"/>
+                  </a:rPr>
+                  <a:t>пользователем</a:t>
+                </a:r>
+                <a:r>
+                  <a:rPr lang="en-US" sz="2400" dirty="0">
+                    <a:latin typeface="Times New Roman" panose="02020603050405020304" pitchFamily="18" charset="0"/>
+                    <a:cs typeface="Times New Roman" panose="02020603050405020304" pitchFamily="18" charset="0"/>
+                  </a:rPr>
+                  <a:t>,</a:t>
+                </a:r>
+                <a:r>
+                  <a:rPr lang="ru-RU" sz="2400" dirty="0">
+                    <a:latin typeface="Times New Roman" panose="02020603050405020304" pitchFamily="18" charset="0"/>
+                    <a:cs typeface="Times New Roman" panose="02020603050405020304" pitchFamily="18" charset="0"/>
+                  </a:rPr>
+                  <a:t> другая</a:t>
+                </a:r>
+                <a:r>
+                  <a:rPr lang="en-US" sz="2400" dirty="0">
+                    <a:latin typeface="Times New Roman" panose="02020603050405020304" pitchFamily="18" charset="0"/>
+                    <a:cs typeface="Times New Roman" panose="02020603050405020304" pitchFamily="18" charset="0"/>
+                  </a:rPr>
+                  <a:t> </a:t>
+                </a:r>
+                <a:r>
+                  <a:rPr lang="ru-RU" sz="2400" dirty="0">
+                    <a:effectLst/>
+                    <a:latin typeface="Times New Roman" panose="02020603050405020304" pitchFamily="18" charset="0"/>
+                    <a:ea typeface="Calibri" panose="020F0502020204030204" pitchFamily="34" charset="0"/>
+                    <a:cs typeface="Times New Roman" panose="02020603050405020304" pitchFamily="18" charset="0"/>
+                  </a:rPr>
+                  <a:t>—</a:t>
+                </a:r>
+                <a:r>
+                  <a:rPr lang="en-US" sz="2400" dirty="0">
+                    <a:latin typeface="Times New Roman" panose="02020603050405020304" pitchFamily="18" charset="0"/>
+                    <a:cs typeface="Times New Roman" panose="02020603050405020304" pitchFamily="18" charset="0"/>
+                  </a:rPr>
+                  <a:t> </a:t>
+                </a:r>
+                <a:r>
+                  <a:rPr lang="ru-RU" sz="2400" dirty="0">
+                    <a:latin typeface="Times New Roman" panose="02020603050405020304" pitchFamily="18" charset="0"/>
+                    <a:cs typeface="Times New Roman" panose="02020603050405020304" pitchFamily="18" charset="0"/>
+                  </a:rPr>
+                  <a:t>машиной</a:t>
+                </a:r>
+                <a:r>
+                  <a:rPr lang="en-US" sz="2400" dirty="0">
+                    <a:latin typeface="Times New Roman" panose="02020603050405020304" pitchFamily="18" charset="0"/>
+                    <a:cs typeface="Times New Roman" panose="02020603050405020304" pitchFamily="18" charset="0"/>
+                  </a:rPr>
+                  <a:t>-</a:t>
+                </a:r>
+                <a:r>
+                  <a:rPr lang="ru-RU" sz="2400" dirty="0">
+                    <a:latin typeface="Times New Roman" panose="02020603050405020304" pitchFamily="18" charset="0"/>
+                    <a:cs typeface="Times New Roman" panose="02020603050405020304" pitchFamily="18" charset="0"/>
+                  </a:rPr>
+                  <a:t>устройством</a:t>
+                </a:r>
+                <a:r>
+                  <a:rPr lang="en-US" sz="2400" dirty="0">
+                    <a:latin typeface="Times New Roman" panose="02020603050405020304" pitchFamily="18" charset="0"/>
+                    <a:cs typeface="Times New Roman" panose="02020603050405020304" pitchFamily="18" charset="0"/>
+                  </a:rPr>
+                  <a:t>. </a:t>
+                </a:r>
+                <a:endParaRPr lang="ru-RU" sz="2400" dirty="0">
+                  <a:latin typeface="Times New Roman" panose="02020603050405020304" pitchFamily="18" charset="0"/>
+                  <a:cs typeface="Times New Roman" panose="02020603050405020304" pitchFamily="18" charset="0"/>
+                </a:endParaRPr>
+              </a:p>
+              <a:p>
+                <a:pPr algn="just">
+                  <a:buClr>
+                    <a:schemeClr val="tx1"/>
+                  </a:buClr>
+                </a:pPr>
+                <a14:m>
+                  <m:oMath xmlns:m="http://schemas.openxmlformats.org/officeDocument/2006/math">
+                    <m:sSup>
+                      <m:sSupPr>
+                        <m:ctrlPr>
+                          <a:rPr lang="ru-RU" sz="2400" i="1" smtClean="0">
+                            <a:latin typeface="Cambria Math" panose="02040503050406030204" pitchFamily="18" charset="0"/>
+                            <a:cs typeface="Times New Roman" panose="02020603050405020304" pitchFamily="18" charset="0"/>
+                          </a:rPr>
+                        </m:ctrlPr>
+                      </m:sSupPr>
+                      <m:e>
+                        <m:r>
+                          <m:rPr>
+                            <m:nor/>
+                          </m:rPr>
+                          <a:rPr lang="ru-RU" sz="2400" dirty="0">
+                            <a:solidFill>
+                              <a:srgbClr val="7030A0"/>
+                            </a:solidFill>
+                            <a:latin typeface="Times New Roman" panose="02020603050405020304" pitchFamily="18" charset="0"/>
+                            <a:cs typeface="Times New Roman" panose="02020603050405020304" pitchFamily="18" charset="0"/>
+                          </a:rPr>
+                          <m:t>Графический пользовательский интерфейс</m:t>
+                        </m:r>
+                      </m:e>
+                      <m:sup>
+                        <m:r>
+                          <a:rPr lang="ru-RU" sz="2400" b="0" i="0" smtClean="0">
+                            <a:latin typeface="Cambria Math" panose="02040503050406030204" pitchFamily="18" charset="0"/>
+                            <a:cs typeface="Times New Roman" panose="02020603050405020304" pitchFamily="18" charset="0"/>
+                          </a:rPr>
+                          <m:t>1</m:t>
+                        </m:r>
+                      </m:sup>
+                    </m:sSup>
+                  </m:oMath>
+                </a14:m>
+                <a:r>
+                  <a:rPr lang="ru-RU" sz="2400" dirty="0">
+                    <a:latin typeface="Times New Roman" panose="02020603050405020304" pitchFamily="18" charset="0"/>
+                    <a:cs typeface="Times New Roman" panose="02020603050405020304" pitchFamily="18" charset="0"/>
+                  </a:rPr>
+                  <a:t>(</a:t>
+                </a:r>
+                <a:r>
+                  <a:rPr lang="en-US" sz="2400" dirty="0">
+                    <a:solidFill>
+                      <a:srgbClr val="7030A0"/>
+                    </a:solidFill>
+                    <a:latin typeface="Times New Roman" panose="02020603050405020304" pitchFamily="18" charset="0"/>
+                    <a:cs typeface="Times New Roman" panose="02020603050405020304" pitchFamily="18" charset="0"/>
+                  </a:rPr>
+                  <a:t>GUI</a:t>
+                </a:r>
+                <a:r>
+                  <a:rPr lang="ru-RU" sz="2400" dirty="0">
+                    <a:latin typeface="Times New Roman" panose="02020603050405020304" pitchFamily="18" charset="0"/>
+                    <a:cs typeface="Times New Roman" panose="02020603050405020304" pitchFamily="18" charset="0"/>
+                  </a:rPr>
+                  <a:t>)</a:t>
+                </a:r>
+                <a:r>
+                  <a:rPr lang="en-US" sz="2400" dirty="0">
+                    <a:latin typeface="Times New Roman" panose="02020603050405020304" pitchFamily="18" charset="0"/>
+                    <a:cs typeface="Times New Roman" panose="02020603050405020304" pitchFamily="18" charset="0"/>
+                  </a:rPr>
+                  <a:t> </a:t>
+                </a:r>
+                <a:r>
+                  <a:rPr lang="ru-RU" sz="2400" dirty="0">
+                    <a:effectLst/>
+                    <a:latin typeface="Times New Roman" panose="02020603050405020304" pitchFamily="18" charset="0"/>
+                    <a:ea typeface="Calibri" panose="020F0502020204030204" pitchFamily="34" charset="0"/>
+                    <a:cs typeface="Times New Roman" panose="02020603050405020304" pitchFamily="18" charset="0"/>
+                  </a:rPr>
+                  <a:t>—</a:t>
+                </a:r>
+                <a:r>
+                  <a:rPr lang="en-US" sz="2400" dirty="0">
+                    <a:effectLst/>
+                    <a:latin typeface="Times New Roman" panose="02020603050405020304" pitchFamily="18" charset="0"/>
+                    <a:ea typeface="Calibri" panose="020F0502020204030204" pitchFamily="34" charset="0"/>
+                    <a:cs typeface="Times New Roman" panose="02020603050405020304" pitchFamily="18" charset="0"/>
+                  </a:rPr>
+                  <a:t> </a:t>
+                </a:r>
+                <a:r>
+                  <a:rPr lang="ru-RU" sz="2400" dirty="0">
+                    <a:latin typeface="Times New Roman" panose="02020603050405020304" pitchFamily="18" charset="0"/>
+                    <a:cs typeface="Times New Roman" panose="02020603050405020304" pitchFamily="18" charset="0"/>
+                  </a:rPr>
+                  <a:t>это</a:t>
+                </a:r>
+                <a:r>
+                  <a:rPr lang="en-US" sz="2400" dirty="0">
+                    <a:latin typeface="Times New Roman" panose="02020603050405020304" pitchFamily="18" charset="0"/>
+                    <a:cs typeface="Times New Roman" panose="02020603050405020304" pitchFamily="18" charset="0"/>
+                  </a:rPr>
+                  <a:t> </a:t>
+                </a:r>
+                <a:r>
+                  <a:rPr lang="ru-RU" sz="2400" dirty="0">
+                    <a:latin typeface="Times New Roman" panose="02020603050405020304" pitchFamily="18" charset="0"/>
+                    <a:cs typeface="Times New Roman" panose="02020603050405020304" pitchFamily="18" charset="0"/>
+                  </a:rPr>
+                  <a:t>разновидность</a:t>
+                </a:r>
+                <a:r>
+                  <a:rPr lang="en-US" sz="2400" dirty="0">
+                    <a:latin typeface="Times New Roman" panose="02020603050405020304" pitchFamily="18" charset="0"/>
+                    <a:cs typeface="Times New Roman" panose="02020603050405020304" pitchFamily="18" charset="0"/>
+                  </a:rPr>
+                  <a:t> </a:t>
+                </a:r>
+                <a:r>
+                  <a:rPr lang="ru-RU" sz="2400" dirty="0">
+                    <a:latin typeface="Times New Roman" panose="02020603050405020304" pitchFamily="18" charset="0"/>
+                    <a:cs typeface="Times New Roman" panose="02020603050405020304" pitchFamily="18" charset="0"/>
+                  </a:rPr>
+                  <a:t>пользовательского интерфейса</a:t>
+                </a:r>
+                <a:r>
+                  <a:rPr lang="en-US" sz="2400" dirty="0">
+                    <a:latin typeface="Times New Roman" panose="02020603050405020304" pitchFamily="18" charset="0"/>
+                    <a:cs typeface="Times New Roman" panose="02020603050405020304" pitchFamily="18" charset="0"/>
+                  </a:rPr>
+                  <a:t>,</a:t>
+                </a:r>
+                <a:r>
+                  <a:rPr lang="ru-RU" sz="2400" dirty="0">
+                    <a:latin typeface="Times New Roman" panose="02020603050405020304" pitchFamily="18" charset="0"/>
+                    <a:cs typeface="Times New Roman" panose="02020603050405020304" pitchFamily="18" charset="0"/>
+                  </a:rPr>
+                  <a:t> в котором элементы интерфейса меню кнопки</a:t>
+                </a:r>
+                <a:r>
+                  <a:rPr lang="en-US" sz="2400" dirty="0">
+                    <a:latin typeface="Times New Roman" panose="02020603050405020304" pitchFamily="18" charset="0"/>
+                    <a:cs typeface="Times New Roman" panose="02020603050405020304" pitchFamily="18" charset="0"/>
+                  </a:rPr>
+                  <a:t> </a:t>
+                </a:r>
+                <a:r>
+                  <a:rPr lang="ru-RU" sz="2400" dirty="0">
+                    <a:latin typeface="Times New Roman" panose="02020603050405020304" pitchFamily="18" charset="0"/>
+                    <a:cs typeface="Times New Roman" panose="02020603050405020304" pitchFamily="18" charset="0"/>
+                  </a:rPr>
+                  <a:t>значки списки и т</a:t>
+                </a:r>
+                <a:r>
+                  <a:rPr lang="en-US" sz="2400" dirty="0">
+                    <a:latin typeface="Times New Roman" panose="02020603050405020304" pitchFamily="18" charset="0"/>
+                    <a:cs typeface="Times New Roman" panose="02020603050405020304" pitchFamily="18" charset="0"/>
+                  </a:rPr>
+                  <a:t>.</a:t>
+                </a:r>
+                <a:r>
+                  <a:rPr lang="ru-RU" sz="2400" dirty="0">
+                    <a:latin typeface="Times New Roman" panose="02020603050405020304" pitchFamily="18" charset="0"/>
+                    <a:cs typeface="Times New Roman" panose="02020603050405020304" pitchFamily="18" charset="0"/>
+                  </a:rPr>
+                  <a:t>п</a:t>
+                </a:r>
+                <a:r>
+                  <a:rPr lang="en-US" sz="2400" dirty="0">
+                    <a:latin typeface="Times New Roman" panose="02020603050405020304" pitchFamily="18" charset="0"/>
+                    <a:cs typeface="Times New Roman" panose="02020603050405020304" pitchFamily="18" charset="0"/>
+                  </a:rPr>
+                  <a:t>.,</a:t>
+                </a:r>
+                <a:r>
+                  <a:rPr lang="ru-RU" sz="2400" dirty="0">
+                    <a:latin typeface="Times New Roman" panose="02020603050405020304" pitchFamily="18" charset="0"/>
+                    <a:cs typeface="Times New Roman" panose="02020603050405020304" pitchFamily="18" charset="0"/>
+                  </a:rPr>
+                  <a:t> представленные пользователю на дисплее</a:t>
+                </a:r>
+                <a:r>
+                  <a:rPr lang="en-US" sz="2400" dirty="0">
+                    <a:latin typeface="Times New Roman" panose="02020603050405020304" pitchFamily="18" charset="0"/>
+                    <a:cs typeface="Times New Roman" panose="02020603050405020304" pitchFamily="18" charset="0"/>
+                  </a:rPr>
+                  <a:t>,</a:t>
+                </a:r>
+                <a:r>
+                  <a:rPr lang="ru-RU" sz="2400" dirty="0">
+                    <a:latin typeface="Times New Roman" panose="02020603050405020304" pitchFamily="18" charset="0"/>
+                    <a:cs typeface="Times New Roman" panose="02020603050405020304" pitchFamily="18" charset="0"/>
+                  </a:rPr>
+                  <a:t> исполнены в виде</a:t>
+                </a:r>
+                <a:r>
+                  <a:rPr lang="en-US" sz="2400" dirty="0">
+                    <a:latin typeface="Times New Roman" panose="02020603050405020304" pitchFamily="18" charset="0"/>
+                    <a:cs typeface="Times New Roman" panose="02020603050405020304" pitchFamily="18" charset="0"/>
+                  </a:rPr>
+                  <a:t> </a:t>
+                </a:r>
+                <a:r>
+                  <a:rPr lang="ru-RU" sz="2400" dirty="0">
+                    <a:latin typeface="Times New Roman" panose="02020603050405020304" pitchFamily="18" charset="0"/>
+                    <a:cs typeface="Times New Roman" panose="02020603050405020304" pitchFamily="18" charset="0"/>
+                  </a:rPr>
+                  <a:t>графических изображений</a:t>
+                </a:r>
+                <a:r>
+                  <a:rPr lang="en-US" sz="2400" dirty="0">
+                    <a:latin typeface="Times New Roman" panose="02020603050405020304" pitchFamily="18" charset="0"/>
+                    <a:cs typeface="Times New Roman" panose="02020603050405020304" pitchFamily="18" charset="0"/>
+                  </a:rPr>
+                  <a:t>.</a:t>
+                </a:r>
+                <a:endParaRPr lang="ru-RU" sz="2400" dirty="0">
+                  <a:latin typeface="Times New Roman" panose="02020603050405020304" pitchFamily="18" charset="0"/>
+                  <a:cs typeface="Times New Roman" panose="02020603050405020304" pitchFamily="18" charset="0"/>
+                </a:endParaRPr>
+              </a:p>
+            </p:txBody>
+          </p:sp>
+        </mc:Choice>
+        <mc:Fallback xmlns="">
+          <p:sp>
+            <p:nvSpPr>
+              <p:cNvPr id="3" name="Объект 2">
+                <a:extLst>
+                  <a:ext uri="{FF2B5EF4-FFF2-40B4-BE49-F238E27FC236}">
+                    <a16:creationId xmlns:a16="http://schemas.microsoft.com/office/drawing/2014/main" id="{24102B1F-A0A8-F7E5-1EE9-48E49DD46F25}"/>
+                  </a:ext>
+                </a:extLst>
+              </p:cNvPr>
+              <p:cNvSpPr>
+                <a:spLocks noGrp="1" noRot="1" noChangeAspect="1" noMove="1" noResize="1" noEditPoints="1" noAdjustHandles="1" noChangeArrowheads="1" noChangeShapeType="1" noTextEdit="1"/>
+              </p:cNvSpPr>
+              <p:nvPr>
+                <p:ph idx="4294967295"/>
+              </p:nvPr>
+            </p:nvSpPr>
+            <p:spPr>
+              <a:xfrm>
+                <a:off x="346591" y="808826"/>
+                <a:ext cx="11498817" cy="3386667"/>
+              </a:xfrm>
+              <a:blipFill>
+                <a:blip r:embed="rId2"/>
+                <a:stretch>
+                  <a:fillRect l="-742" t="-2523" r="-795"/>
+                </a:stretch>
+              </a:blipFill>
+            </p:spPr>
+            <p:txBody>
+              <a:bodyPr/>
+              <a:lstStyle/>
+              <a:p>
+                <a:r>
+                  <a:rPr lang="ru-RU">
+                    <a:noFill/>
+                  </a:rPr>
+                  <a:t> </a:t>
+                </a:r>
+              </a:p>
+            </p:txBody>
+          </p:sp>
+        </mc:Fallback>
+      </mc:AlternateContent>
+      <p:sp>
+        <p:nvSpPr>
+          <p:cNvPr id="2" name="Номер слайда 1">
             <a:extLst>
               <a:ext uri="{FF2B5EF4-FFF2-40B4-BE49-F238E27FC236}">
-                <a16:creationId xmlns:a16="http://schemas.microsoft.com/office/drawing/2014/main" id="{97A3A147-0937-5E8E-B8C7-105D4A412B32}"/>
+                <a16:creationId xmlns:a16="http://schemas.microsoft.com/office/drawing/2014/main" id="{BD256EB1-5237-DB4D-105D-07D8AE46F3AE}"/>
+              </a:ext>
+            </a:extLst>
+          </p:cNvPr>
+          <p:cNvSpPr>
+            <a:spLocks noGrp="1"/>
+          </p:cNvSpPr>
+          <p:nvPr>
+            <p:ph type="sldNum" sz="quarter" idx="12"/>
+          </p:nvPr>
+        </p:nvSpPr>
+        <p:spPr/>
+        <p:txBody>
+          <a:bodyPr/>
+          <a:lstStyle/>
+          <a:p>
+            <a:fld id="{5552E39F-73D0-4A16-9BC8-08DD5BB183DF}" type="slidenum">
+              <a:rPr lang="ru-RU" smtClean="0"/>
+              <a:t>2</a:t>
+            </a:fld>
+            <a:endParaRPr lang="ru-RU"/>
+          </a:p>
+        </p:txBody>
+      </p:sp>
+      <p:sp>
+        <p:nvSpPr>
+          <p:cNvPr id="5" name="Заголовок 1">
+            <a:extLst>
+              <a:ext uri="{FF2B5EF4-FFF2-40B4-BE49-F238E27FC236}">
+                <a16:creationId xmlns:a16="http://schemas.microsoft.com/office/drawing/2014/main" id="{F4145AC5-383E-42DA-67B2-652626697FF6}"/>
               </a:ext>
             </a:extLst>
           </p:cNvPr>
@@ -5096,8 +6014,8 @@
         </p:nvSpPr>
         <p:spPr>
           <a:xfrm>
-            <a:off x="1008328" y="5359745"/>
-            <a:ext cx="11498817" cy="1320800"/>
+            <a:off x="346591" y="147767"/>
+            <a:ext cx="11498817" cy="1046920"/>
           </a:xfrm>
           <a:prstGeom prst="rect">
             <a:avLst/>
@@ -5180,302 +6098,131 @@
             </a:lvl9pPr>
           </a:lstStyle>
           <a:p>
-            <a:endParaRPr lang="ru-RU" b="1" dirty="0">
-              <a:solidFill>
-                <a:schemeClr val="tx1"/>
-              </a:solidFill>
-            </a:endParaRPr>
-          </a:p>
-        </p:txBody>
-      </p:sp>
-      <p:sp>
-        <p:nvSpPr>
-          <p:cNvPr id="9" name="Объект 2">
+            <a:r>
+              <a:rPr lang="ru-RU" sz="2600" b="1" dirty="0">
+                <a:solidFill>
+                  <a:schemeClr val="tx1"/>
+                </a:solidFill>
+                <a:latin typeface="Times New Roman" panose="02020603050405020304" pitchFamily="18" charset="0"/>
+                <a:cs typeface="Times New Roman" panose="02020603050405020304" pitchFamily="18" charset="0"/>
+              </a:rPr>
+              <a:t>Введение</a:t>
+            </a:r>
+          </a:p>
+        </p:txBody>
+      </p:sp>
+      <p:pic>
+        <p:nvPicPr>
+          <p:cNvPr id="1026" name="Picture 2" descr="Введение в разработку графического интерфейса">
             <a:extLst>
               <a:ext uri="{FF2B5EF4-FFF2-40B4-BE49-F238E27FC236}">
-                <a16:creationId xmlns:a16="http://schemas.microsoft.com/office/drawing/2014/main" id="{8C40137B-EF34-7170-2D35-01C294B39151}"/>
+                <a16:creationId xmlns:a16="http://schemas.microsoft.com/office/drawing/2014/main" id="{52F6709E-0E07-A5B2-CF6A-8F98AA6D042A}"/>
               </a:ext>
             </a:extLst>
           </p:cNvPr>
-          <p:cNvSpPr>
-            <a:spLocks noGrp="1"/>
-          </p:cNvSpPr>
-          <p:nvPr>
-            <p:ph idx="4294967295"/>
-          </p:nvPr>
-        </p:nvSpPr>
-        <p:spPr>
-          <a:xfrm>
-            <a:off x="346591" y="1498255"/>
-            <a:ext cx="11498817" cy="5203507"/>
-          </a:xfrm>
-        </p:spPr>
-        <p:txBody>
-          <a:bodyPr/>
-          <a:lstStyle/>
-          <a:p>
-            <a:pPr algn="just"/>
-            <a:r>
-              <a:rPr lang="ru-RU" dirty="0">
-                <a:latin typeface="Times New Roman" panose="02020603050405020304" pitchFamily="18" charset="0"/>
-                <a:cs typeface="Times New Roman" panose="02020603050405020304" pitchFamily="18" charset="0"/>
-              </a:rPr>
-              <a:t>Рассмотреть существующие подходы разработки </a:t>
-            </a:r>
-            <a:r>
-              <a:rPr lang="en-US" dirty="0">
-                <a:latin typeface="Times New Roman" panose="02020603050405020304" pitchFamily="18" charset="0"/>
-                <a:cs typeface="Times New Roman" panose="02020603050405020304" pitchFamily="18" charset="0"/>
-              </a:rPr>
-              <a:t>GUI</a:t>
-            </a:r>
-            <a:r>
-              <a:rPr lang="ru-RU" dirty="0">
-                <a:latin typeface="Times New Roman" panose="02020603050405020304" pitchFamily="18" charset="0"/>
-                <a:cs typeface="Times New Roman" panose="02020603050405020304" pitchFamily="18" charset="0"/>
-              </a:rPr>
-              <a:t> (графический пользовательский интерфейс</a:t>
-            </a:r>
-            <a:r>
-              <a:rPr lang="en-US" dirty="0">
-                <a:latin typeface="Times New Roman" panose="02020603050405020304" pitchFamily="18" charset="0"/>
-                <a:cs typeface="Times New Roman" panose="02020603050405020304" pitchFamily="18" charset="0"/>
-              </a:rPr>
-              <a:t>;</a:t>
-            </a:r>
-            <a:endParaRPr lang="ru-RU" dirty="0">
-              <a:latin typeface="Times New Roman" panose="02020603050405020304" pitchFamily="18" charset="0"/>
-              <a:cs typeface="Times New Roman" panose="02020603050405020304" pitchFamily="18" charset="0"/>
-            </a:endParaRPr>
-          </a:p>
-          <a:p>
-            <a:pPr algn="just"/>
-            <a:r>
-              <a:rPr lang="ru-RU" dirty="0">
-                <a:latin typeface="Times New Roman" panose="02020603050405020304" pitchFamily="18" charset="0"/>
-                <a:cs typeface="Times New Roman" panose="02020603050405020304" pitchFamily="18" charset="0"/>
-              </a:rPr>
-              <a:t>Разработать тестовое </a:t>
-            </a:r>
-            <a:r>
-              <a:rPr lang="en-US" dirty="0">
-                <a:latin typeface="Times New Roman" panose="02020603050405020304" pitchFamily="18" charset="0"/>
-                <a:cs typeface="Times New Roman" panose="02020603050405020304" pitchFamily="18" charset="0"/>
-              </a:rPr>
-              <a:t>web-</a:t>
-            </a:r>
-            <a:r>
-              <a:rPr lang="ru-RU" dirty="0">
-                <a:latin typeface="Times New Roman" panose="02020603050405020304" pitchFamily="18" charset="0"/>
-                <a:cs typeface="Times New Roman" panose="02020603050405020304" pitchFamily="18" charset="0"/>
-              </a:rPr>
-              <a:t>приложение</a:t>
-            </a:r>
-            <a:r>
-              <a:rPr lang="en-US" dirty="0">
-                <a:latin typeface="Times New Roman" panose="02020603050405020304" pitchFamily="18" charset="0"/>
-                <a:cs typeface="Times New Roman" panose="02020603050405020304" pitchFamily="18" charset="0"/>
-              </a:rPr>
-              <a:t>;</a:t>
-            </a:r>
-            <a:endParaRPr lang="ru-RU" dirty="0">
-              <a:latin typeface="Times New Roman" panose="02020603050405020304" pitchFamily="18" charset="0"/>
-              <a:cs typeface="Times New Roman" panose="02020603050405020304" pitchFamily="18" charset="0"/>
-            </a:endParaRPr>
-          </a:p>
-          <a:p>
-            <a:pPr algn="just"/>
-            <a:r>
-              <a:rPr lang="ru-RU" dirty="0">
-                <a:latin typeface="Times New Roman" panose="02020603050405020304" pitchFamily="18" charset="0"/>
-                <a:cs typeface="Times New Roman" panose="02020603050405020304" pitchFamily="18" charset="0"/>
-              </a:rPr>
-              <a:t>Запустить разработанное </a:t>
-            </a:r>
-            <a:r>
-              <a:rPr lang="en-US" dirty="0">
-                <a:latin typeface="Times New Roman" panose="02020603050405020304" pitchFamily="18" charset="0"/>
-                <a:cs typeface="Times New Roman" panose="02020603050405020304" pitchFamily="18" charset="0"/>
-              </a:rPr>
-              <a:t>web-</a:t>
-            </a:r>
-            <a:r>
-              <a:rPr lang="ru-RU" dirty="0">
-                <a:latin typeface="Times New Roman" panose="02020603050405020304" pitchFamily="18" charset="0"/>
-                <a:cs typeface="Times New Roman" panose="02020603050405020304" pitchFamily="18" charset="0"/>
-              </a:rPr>
-              <a:t>приложение на тестовом сервере.</a:t>
-            </a:r>
-          </a:p>
-        </p:txBody>
-      </p:sp>
-      <p:sp>
-        <p:nvSpPr>
-          <p:cNvPr id="2" name="Номер слайда 1">
+          <p:cNvPicPr>
+            <a:picLocks noChangeAspect="1" noChangeArrowheads="1"/>
+          </p:cNvPicPr>
+          <p:nvPr/>
+        </p:nvPicPr>
+        <p:blipFill>
+          <a:blip r:embed="rId3">
             <a:extLst>
-              <a:ext uri="{FF2B5EF4-FFF2-40B4-BE49-F238E27FC236}">
-                <a16:creationId xmlns:a16="http://schemas.microsoft.com/office/drawing/2014/main" id="{E5A6EA0D-72FE-B12A-B37F-22BA48DEA966}"/>
+              <a:ext uri="{28A0092B-C50C-407E-A947-70E740481C1C}">
+                <a14:useLocalDpi xmlns:a14="http://schemas.microsoft.com/office/drawing/2010/main" val="0"/>
               </a:ext>
             </a:extLst>
-          </p:cNvPr>
-          <p:cNvSpPr>
-            <a:spLocks noGrp="1"/>
-          </p:cNvSpPr>
-          <p:nvPr>
-            <p:ph type="sldNum" sz="quarter" idx="12"/>
-          </p:nvPr>
-        </p:nvSpPr>
-        <p:spPr/>
-        <p:txBody>
-          <a:bodyPr/>
-          <a:lstStyle/>
-          <a:p>
-            <a:fld id="{5552E39F-73D0-4A16-9BC8-08DD5BB183DF}" type="slidenum">
-              <a:rPr lang="ru-RU" smtClean="0"/>
-              <a:t>2</a:t>
-            </a:fld>
-            <a:endParaRPr lang="ru-RU"/>
-          </a:p>
-        </p:txBody>
-      </p:sp>
-      <p:sp>
-        <p:nvSpPr>
-          <p:cNvPr id="3" name="Заголовок 1">
-            <a:extLst>
-              <a:ext uri="{FF2B5EF4-FFF2-40B4-BE49-F238E27FC236}">
-                <a16:creationId xmlns:a16="http://schemas.microsoft.com/office/drawing/2014/main" id="{993C9459-D47B-5B3C-D080-55CA8909852B}"/>
-              </a:ext>
-            </a:extLst>
-          </p:cNvPr>
-          <p:cNvSpPr txBox="1">
-            <a:spLocks/>
-          </p:cNvSpPr>
-          <p:nvPr/>
-        </p:nvSpPr>
-        <p:spPr>
+          </a:blip>
+          <a:srcRect/>
+          <a:stretch>
+            <a:fillRect/>
+          </a:stretch>
+        </p:blipFill>
+        <p:spPr bwMode="auto">
           <a:xfrm>
-            <a:off x="346591" y="147767"/>
-            <a:ext cx="11498817" cy="1046920"/>
+            <a:off x="6397083" y="3429000"/>
+            <a:ext cx="4046982" cy="3012317"/>
           </a:xfrm>
           <a:prstGeom prst="rect">
             <a:avLst/>
           </a:prstGeom>
+          <a:noFill/>
+          <a:extLst>
+            <a:ext uri="{909E8E84-426E-40DD-AFC4-6F175D3DCCD1}">
+              <a14:hiddenFill xmlns:a14="http://schemas.microsoft.com/office/drawing/2010/main">
+                <a:solidFill>
+                  <a:srgbClr val="FFFFFF"/>
+                </a:solidFill>
+              </a14:hiddenFill>
+            </a:ext>
+          </a:extLst>
         </p:spPr>
-        <p:txBody>
-          <a:bodyPr vert="horz" lIns="91440" tIns="45720" rIns="91440" bIns="45720" rtlCol="0" anchor="t">
-            <a:normAutofit fontScale="97500"/>
+      </p:pic>
+      <p:sp>
+        <p:nvSpPr>
+          <p:cNvPr id="4" name="TextBox 3">
+            <a:extLst>
+              <a:ext uri="{FF2B5EF4-FFF2-40B4-BE49-F238E27FC236}">
+                <a16:creationId xmlns:a16="http://schemas.microsoft.com/office/drawing/2014/main" id="{38A8E67E-3F86-BE0E-077D-0982B3CADC3B}"/>
+              </a:ext>
+            </a:extLst>
+          </p:cNvPr>
+          <p:cNvSpPr txBox="1"/>
+          <p:nvPr/>
+        </p:nvSpPr>
+        <p:spPr>
+          <a:xfrm>
+            <a:off x="6397083" y="6441317"/>
+            <a:ext cx="4046982" cy="369332"/>
+          </a:xfrm>
+          <a:prstGeom prst="rect">
+            <a:avLst/>
+          </a:prstGeom>
+          <a:noFill/>
+        </p:spPr>
+        <p:txBody>
+          <a:bodyPr wrap="square">
+            <a:spAutoFit/>
           </a:bodyPr>
-          <a:lstStyle>
-            <a:lvl1pPr algn="l" defTabSz="457200" rtl="0" eaLnBrk="1" latinLnBrk="0" hangingPunct="1">
-              <a:spcBef>
-                <a:spcPct val="0"/>
-              </a:spcBef>
-              <a:buNone/>
-              <a:defRPr sz="3600" kern="1200">
-                <a:solidFill>
-                  <a:schemeClr val="accent1"/>
-                </a:solidFill>
-                <a:latin typeface="+mj-lt"/>
-                <a:ea typeface="+mj-ea"/>
-                <a:cs typeface="+mj-cs"/>
-              </a:defRPr>
-            </a:lvl1pPr>
-            <a:lvl2pPr eaLnBrk="1" hangingPunct="1">
-              <a:defRPr>
-                <a:solidFill>
-                  <a:schemeClr val="tx2"/>
-                </a:solidFill>
-              </a:defRPr>
-            </a:lvl2pPr>
-            <a:lvl3pPr eaLnBrk="1" hangingPunct="1">
-              <a:defRPr>
-                <a:solidFill>
-                  <a:schemeClr val="tx2"/>
-                </a:solidFill>
-              </a:defRPr>
-            </a:lvl3pPr>
-            <a:lvl4pPr eaLnBrk="1" hangingPunct="1">
-              <a:defRPr>
-                <a:solidFill>
-                  <a:schemeClr val="tx2"/>
-                </a:solidFill>
-              </a:defRPr>
-            </a:lvl4pPr>
-            <a:lvl5pPr eaLnBrk="1" hangingPunct="1">
-              <a:defRPr>
-                <a:solidFill>
-                  <a:schemeClr val="tx2"/>
-                </a:solidFill>
-              </a:defRPr>
-            </a:lvl5pPr>
-            <a:lvl6pPr eaLnBrk="1" hangingPunct="1">
-              <a:defRPr>
-                <a:solidFill>
-                  <a:schemeClr val="tx2"/>
-                </a:solidFill>
-              </a:defRPr>
-            </a:lvl6pPr>
-            <a:lvl7pPr eaLnBrk="1" hangingPunct="1">
-              <a:defRPr>
-                <a:solidFill>
-                  <a:schemeClr val="tx2"/>
-                </a:solidFill>
-              </a:defRPr>
-            </a:lvl7pPr>
-            <a:lvl8pPr eaLnBrk="1" hangingPunct="1">
-              <a:defRPr>
-                <a:solidFill>
-                  <a:schemeClr val="tx2"/>
-                </a:solidFill>
-              </a:defRPr>
-            </a:lvl8pPr>
-            <a:lvl9pPr eaLnBrk="1" hangingPunct="1">
-              <a:defRPr>
-                <a:solidFill>
-                  <a:schemeClr val="tx2"/>
-                </a:solidFill>
-              </a:defRPr>
-            </a:lvl9pPr>
-          </a:lstStyle>
-          <a:p>
-            <a:r>
-              <a:rPr lang="ru-RU" sz="2700" b="1" dirty="0">
-                <a:solidFill>
-                  <a:schemeClr val="tx1"/>
-                </a:solidFill>
-                <a:latin typeface="Times New Roman" panose="02020603050405020304" pitchFamily="18" charset="0"/>
-                <a:cs typeface="Times New Roman" panose="02020603050405020304" pitchFamily="18" charset="0"/>
-              </a:rPr>
-              <a:t>Постановка задач</a:t>
-            </a:r>
-          </a:p>
-          <a:p>
-            <a:r>
-              <a:rPr lang="ru-RU" sz="2500" b="1" dirty="0">
-                <a:solidFill>
-                  <a:schemeClr val="tx1"/>
-                </a:solidFill>
-                <a:latin typeface="Times New Roman" panose="02020603050405020304" pitchFamily="18" charset="0"/>
-                <a:cs typeface="Times New Roman" panose="02020603050405020304" pitchFamily="18" charset="0"/>
-              </a:rPr>
-              <a:t> </a:t>
-            </a:r>
-          </a:p>
-          <a:p>
-            <a:endParaRPr lang="ru-RU" sz="2500" b="1" dirty="0">
-              <a:solidFill>
-                <a:schemeClr val="tx1"/>
-              </a:solidFill>
-              <a:latin typeface="Times New Roman" panose="02020603050405020304" pitchFamily="18" charset="0"/>
-              <a:cs typeface="Times New Roman" panose="02020603050405020304" pitchFamily="18" charset="0"/>
-            </a:endParaRPr>
+          <a:lstStyle/>
+          <a:p>
+            <a:pPr algn="ctr"/>
+            <a:r>
+              <a:rPr lang="ru-RU" dirty="0">
+                <a:latin typeface="Times New Roman" panose="02020603050405020304" pitchFamily="18" charset="0"/>
+                <a:ea typeface="Calibri" panose="020F0502020204030204" pitchFamily="34" charset="0"/>
+              </a:rPr>
+              <a:t>Рис. 1</a:t>
+            </a:r>
+            <a:r>
+              <a:rPr lang="en-US" dirty="0">
+                <a:latin typeface="Times New Roman" panose="02020603050405020304" pitchFamily="18" charset="0"/>
+                <a:ea typeface="Calibri" panose="020F0502020204030204" pitchFamily="34" charset="0"/>
+              </a:rPr>
+              <a:t>.</a:t>
+            </a:r>
+            <a:r>
+              <a:rPr lang="ru-RU" dirty="0">
+                <a:latin typeface="Times New Roman" panose="02020603050405020304" pitchFamily="18" charset="0"/>
+                <a:ea typeface="Calibri" panose="020F0502020204030204" pitchFamily="34" charset="0"/>
+              </a:rPr>
+              <a:t> Пример </a:t>
+            </a:r>
+            <a:r>
+              <a:rPr lang="en-US" dirty="0">
+                <a:latin typeface="Times New Roman" panose="02020603050405020304" pitchFamily="18" charset="0"/>
+                <a:ea typeface="Calibri" panose="020F0502020204030204" pitchFamily="34" charset="0"/>
+              </a:rPr>
+              <a:t>GUI</a:t>
+            </a:r>
+            <a:endParaRPr lang="ru-RU" dirty="0"/>
           </a:p>
         </p:txBody>
       </p:sp>
     </p:spTree>
     <p:extLst>
       <p:ext uri="{BB962C8B-B14F-4D97-AF65-F5344CB8AC3E}">
-        <p14:creationId xmlns:p14="http://schemas.microsoft.com/office/powerpoint/2010/main" val="1132650357"/>
+        <p14:creationId xmlns:p14="http://schemas.microsoft.com/office/powerpoint/2010/main" val="2994230572"/>
       </p:ext>
     </p:extLst>
   </p:cSld>
@@ -5504,451 +6251,10 @@
       </p:grpSpPr>
       <p:sp>
         <p:nvSpPr>
-          <p:cNvPr id="3" name="Объект 2">
+          <p:cNvPr id="4" name="Номер слайда 3">
             <a:extLst>
               <a:ext uri="{FF2B5EF4-FFF2-40B4-BE49-F238E27FC236}">
-                <a16:creationId xmlns:a16="http://schemas.microsoft.com/office/drawing/2014/main" id="{24102B1F-A0A8-F7E5-1EE9-48E49DD46F25}"/>
-              </a:ext>
-            </a:extLst>
-          </p:cNvPr>
-          <p:cNvSpPr>
-            <a:spLocks noGrp="1"/>
-          </p:cNvSpPr>
-          <p:nvPr>
-            <p:ph idx="4294967295"/>
-          </p:nvPr>
-        </p:nvSpPr>
-        <p:spPr>
-          <a:xfrm>
-            <a:off x="346591" y="1438545"/>
-            <a:ext cx="11498817" cy="4673946"/>
-          </a:xfrm>
-        </p:spPr>
-        <p:txBody>
-          <a:bodyPr>
-            <a:normAutofit/>
-          </a:bodyPr>
-          <a:lstStyle/>
-          <a:p>
-            <a:pPr algn="just">
-              <a:buClr>
-                <a:schemeClr val="tx1"/>
-              </a:buClr>
-            </a:pPr>
-            <a:r>
-              <a:rPr lang="ru-RU" dirty="0">
-                <a:latin typeface="Times New Roman" panose="02020603050405020304" pitchFamily="18" charset="0"/>
-                <a:cs typeface="Times New Roman" panose="02020603050405020304" pitchFamily="18" charset="0"/>
-              </a:rPr>
-              <a:t>Интерфейс </a:t>
-            </a:r>
-            <a:r>
-              <a:rPr lang="ru-RU" dirty="0">
-                <a:effectLst/>
-                <a:latin typeface="Times New Roman" panose="02020603050405020304" pitchFamily="18" charset="0"/>
-                <a:ea typeface="Calibri" panose="020F0502020204030204" pitchFamily="34" charset="0"/>
-                <a:cs typeface="Times New Roman" panose="02020603050405020304" pitchFamily="18" charset="0"/>
-              </a:rPr>
-              <a:t>— </a:t>
-            </a:r>
-            <a:r>
-              <a:rPr lang="ru-RU" dirty="0">
-                <a:latin typeface="Times New Roman" panose="02020603050405020304" pitchFamily="18" charset="0"/>
-                <a:cs typeface="Times New Roman" panose="02020603050405020304" pitchFamily="18" charset="0"/>
-              </a:rPr>
-              <a:t>это совокупность средств методов и правил взаимодействия</a:t>
-            </a:r>
-            <a:r>
-              <a:rPr lang="en-US" dirty="0">
-                <a:latin typeface="Times New Roman" panose="02020603050405020304" pitchFamily="18" charset="0"/>
-                <a:cs typeface="Times New Roman" panose="02020603050405020304" pitchFamily="18" charset="0"/>
-              </a:rPr>
-              <a:t> </a:t>
-            </a:r>
-            <a:r>
-              <a:rPr lang="ru-RU" dirty="0">
-                <a:latin typeface="Times New Roman" panose="02020603050405020304" pitchFamily="18" charset="0"/>
-                <a:cs typeface="Times New Roman" panose="02020603050405020304" pitchFamily="18" charset="0"/>
-              </a:rPr>
-              <a:t>управления контроля и т</a:t>
-            </a:r>
-            <a:r>
-              <a:rPr lang="en-US" dirty="0">
-                <a:latin typeface="Times New Roman" panose="02020603050405020304" pitchFamily="18" charset="0"/>
-                <a:cs typeface="Times New Roman" panose="02020603050405020304" pitchFamily="18" charset="0"/>
-              </a:rPr>
-              <a:t>.</a:t>
-            </a:r>
-            <a:r>
-              <a:rPr lang="ru-RU" dirty="0">
-                <a:latin typeface="Times New Roman" panose="02020603050405020304" pitchFamily="18" charset="0"/>
-                <a:cs typeface="Times New Roman" panose="02020603050405020304" pitchFamily="18" charset="0"/>
-              </a:rPr>
-              <a:t>д</a:t>
-            </a:r>
-            <a:r>
-              <a:rPr lang="en-US" dirty="0">
-                <a:latin typeface="Times New Roman" panose="02020603050405020304" pitchFamily="18" charset="0"/>
-                <a:cs typeface="Times New Roman" panose="02020603050405020304" pitchFamily="18" charset="0"/>
-              </a:rPr>
-              <a:t>.</a:t>
-            </a:r>
-            <a:r>
-              <a:rPr lang="ru-RU" dirty="0">
-                <a:latin typeface="Times New Roman" panose="02020603050405020304" pitchFamily="18" charset="0"/>
-                <a:cs typeface="Times New Roman" panose="02020603050405020304" pitchFamily="18" charset="0"/>
-              </a:rPr>
-              <a:t> между элементами системы</a:t>
-            </a:r>
-            <a:r>
-              <a:rPr lang="en-US" dirty="0">
-                <a:latin typeface="Times New Roman" panose="02020603050405020304" pitchFamily="18" charset="0"/>
-                <a:cs typeface="Times New Roman" panose="02020603050405020304" pitchFamily="18" charset="0"/>
-              </a:rPr>
-              <a:t>;</a:t>
-            </a:r>
-          </a:p>
-          <a:p>
-            <a:pPr algn="just">
-              <a:buClr>
-                <a:schemeClr val="tx1"/>
-              </a:buClr>
-            </a:pPr>
-            <a:r>
-              <a:rPr lang="ru-RU" dirty="0">
-                <a:latin typeface="Times New Roman" panose="02020603050405020304" pitchFamily="18" charset="0"/>
-                <a:cs typeface="Times New Roman" panose="02020603050405020304" pitchFamily="18" charset="0"/>
-              </a:rPr>
-              <a:t>Пользовательский интерфейс </a:t>
-            </a:r>
-            <a:r>
-              <a:rPr lang="ru-RU" dirty="0">
-                <a:effectLst/>
-                <a:latin typeface="Times New Roman" panose="02020603050405020304" pitchFamily="18" charset="0"/>
-                <a:ea typeface="Calibri" panose="020F0502020204030204" pitchFamily="34" charset="0"/>
-                <a:cs typeface="Times New Roman" panose="02020603050405020304" pitchFamily="18" charset="0"/>
-              </a:rPr>
-              <a:t>—</a:t>
-            </a:r>
-            <a:r>
-              <a:rPr lang="en-US" dirty="0">
-                <a:effectLst/>
-                <a:latin typeface="Times New Roman" panose="02020603050405020304" pitchFamily="18" charset="0"/>
-                <a:ea typeface="Calibri" panose="020F0502020204030204" pitchFamily="34" charset="0"/>
-                <a:cs typeface="Times New Roman" panose="02020603050405020304" pitchFamily="18" charset="0"/>
-              </a:rPr>
-              <a:t> </a:t>
-            </a:r>
-            <a:r>
-              <a:rPr lang="ru-RU" dirty="0">
-                <a:latin typeface="Times New Roman" panose="02020603050405020304" pitchFamily="18" charset="0"/>
-                <a:cs typeface="Times New Roman" panose="02020603050405020304" pitchFamily="18" charset="0"/>
-              </a:rPr>
-              <a:t>это разновидность интерфейсов</a:t>
-            </a:r>
-            <a:r>
-              <a:rPr lang="en-US" dirty="0">
-                <a:latin typeface="Times New Roman" panose="02020603050405020304" pitchFamily="18" charset="0"/>
-                <a:cs typeface="Times New Roman" panose="02020603050405020304" pitchFamily="18" charset="0"/>
-              </a:rPr>
-              <a:t>,</a:t>
-            </a:r>
-            <a:r>
-              <a:rPr lang="ru-RU" dirty="0">
-                <a:latin typeface="Times New Roman" panose="02020603050405020304" pitchFamily="18" charset="0"/>
-                <a:cs typeface="Times New Roman" panose="02020603050405020304" pitchFamily="18" charset="0"/>
-              </a:rPr>
-              <a:t> в котором одна</a:t>
-            </a:r>
-            <a:r>
-              <a:rPr lang="en-US" dirty="0">
-                <a:latin typeface="Times New Roman" panose="02020603050405020304" pitchFamily="18" charset="0"/>
-                <a:cs typeface="Times New Roman" panose="02020603050405020304" pitchFamily="18" charset="0"/>
-              </a:rPr>
-              <a:t> </a:t>
-            </a:r>
-            <a:r>
-              <a:rPr lang="ru-RU" dirty="0">
-                <a:latin typeface="Times New Roman" panose="02020603050405020304" pitchFamily="18" charset="0"/>
-                <a:cs typeface="Times New Roman" panose="02020603050405020304" pitchFamily="18" charset="0"/>
-              </a:rPr>
-              <a:t>сторона представлена человеком</a:t>
-            </a:r>
-            <a:r>
-              <a:rPr lang="en-US" dirty="0">
-                <a:latin typeface="Times New Roman" panose="02020603050405020304" pitchFamily="18" charset="0"/>
-                <a:cs typeface="Times New Roman" panose="02020603050405020304" pitchFamily="18" charset="0"/>
-              </a:rPr>
-              <a:t>-</a:t>
-            </a:r>
-            <a:r>
-              <a:rPr lang="ru-RU" dirty="0">
-                <a:latin typeface="Times New Roman" panose="02020603050405020304" pitchFamily="18" charset="0"/>
-                <a:cs typeface="Times New Roman" panose="02020603050405020304" pitchFamily="18" charset="0"/>
-              </a:rPr>
-              <a:t>пользователем</a:t>
-            </a:r>
-            <a:r>
-              <a:rPr lang="en-US" dirty="0">
-                <a:latin typeface="Times New Roman" panose="02020603050405020304" pitchFamily="18" charset="0"/>
-                <a:cs typeface="Times New Roman" panose="02020603050405020304" pitchFamily="18" charset="0"/>
-              </a:rPr>
-              <a:t>,</a:t>
-            </a:r>
-            <a:r>
-              <a:rPr lang="ru-RU" dirty="0">
-                <a:latin typeface="Times New Roman" panose="02020603050405020304" pitchFamily="18" charset="0"/>
-                <a:cs typeface="Times New Roman" panose="02020603050405020304" pitchFamily="18" charset="0"/>
-              </a:rPr>
-              <a:t> другая</a:t>
-            </a:r>
-            <a:r>
-              <a:rPr lang="en-US" dirty="0">
-                <a:latin typeface="Times New Roman" panose="02020603050405020304" pitchFamily="18" charset="0"/>
-                <a:cs typeface="Times New Roman" panose="02020603050405020304" pitchFamily="18" charset="0"/>
-              </a:rPr>
-              <a:t> </a:t>
-            </a:r>
-            <a:r>
-              <a:rPr lang="ru-RU" dirty="0">
-                <a:effectLst/>
-                <a:latin typeface="Times New Roman" panose="02020603050405020304" pitchFamily="18" charset="0"/>
-                <a:ea typeface="Calibri" panose="020F0502020204030204" pitchFamily="34" charset="0"/>
-                <a:cs typeface="Times New Roman" panose="02020603050405020304" pitchFamily="18" charset="0"/>
-              </a:rPr>
-              <a:t>—</a:t>
-            </a:r>
-            <a:r>
-              <a:rPr lang="en-US" dirty="0">
-                <a:latin typeface="Times New Roman" panose="02020603050405020304" pitchFamily="18" charset="0"/>
-                <a:cs typeface="Times New Roman" panose="02020603050405020304" pitchFamily="18" charset="0"/>
-              </a:rPr>
-              <a:t> </a:t>
-            </a:r>
-            <a:r>
-              <a:rPr lang="ru-RU" dirty="0">
-                <a:latin typeface="Times New Roman" panose="02020603050405020304" pitchFamily="18" charset="0"/>
-                <a:cs typeface="Times New Roman" panose="02020603050405020304" pitchFamily="18" charset="0"/>
-              </a:rPr>
-              <a:t>машиной</a:t>
-            </a:r>
-            <a:r>
-              <a:rPr lang="en-US" dirty="0">
-                <a:latin typeface="Times New Roman" panose="02020603050405020304" pitchFamily="18" charset="0"/>
-                <a:cs typeface="Times New Roman" panose="02020603050405020304" pitchFamily="18" charset="0"/>
-              </a:rPr>
-              <a:t>-</a:t>
-            </a:r>
-            <a:r>
-              <a:rPr lang="ru-RU" dirty="0">
-                <a:latin typeface="Times New Roman" panose="02020603050405020304" pitchFamily="18" charset="0"/>
-                <a:cs typeface="Times New Roman" panose="02020603050405020304" pitchFamily="18" charset="0"/>
-              </a:rPr>
-              <a:t>устройством</a:t>
-            </a:r>
-            <a:r>
-              <a:rPr lang="en-US" dirty="0">
-                <a:latin typeface="Times New Roman" panose="02020603050405020304" pitchFamily="18" charset="0"/>
-                <a:cs typeface="Times New Roman" panose="02020603050405020304" pitchFamily="18" charset="0"/>
-              </a:rPr>
-              <a:t>. </a:t>
-            </a:r>
-            <a:endParaRPr lang="ru-RU" dirty="0">
-              <a:latin typeface="Times New Roman" panose="02020603050405020304" pitchFamily="18" charset="0"/>
-              <a:cs typeface="Times New Roman" panose="02020603050405020304" pitchFamily="18" charset="0"/>
-            </a:endParaRPr>
-          </a:p>
-          <a:p>
-            <a:pPr algn="just">
-              <a:buClr>
-                <a:schemeClr val="tx1"/>
-              </a:buClr>
-            </a:pPr>
-            <a:r>
-              <a:rPr lang="ru-RU" dirty="0">
-                <a:latin typeface="Times New Roman" panose="02020603050405020304" pitchFamily="18" charset="0"/>
-                <a:cs typeface="Times New Roman" panose="02020603050405020304" pitchFamily="18" charset="0"/>
-              </a:rPr>
-              <a:t>Графический пользовательский интерфейс (</a:t>
-            </a:r>
-            <a:r>
-              <a:rPr lang="en-US" dirty="0">
-                <a:latin typeface="Times New Roman" panose="02020603050405020304" pitchFamily="18" charset="0"/>
-                <a:cs typeface="Times New Roman" panose="02020603050405020304" pitchFamily="18" charset="0"/>
-              </a:rPr>
-              <a:t>GUI</a:t>
-            </a:r>
-            <a:r>
-              <a:rPr lang="ru-RU" dirty="0">
-                <a:latin typeface="Times New Roman" panose="02020603050405020304" pitchFamily="18" charset="0"/>
-                <a:cs typeface="Times New Roman" panose="02020603050405020304" pitchFamily="18" charset="0"/>
-              </a:rPr>
-              <a:t>)</a:t>
-            </a:r>
-            <a:r>
-              <a:rPr lang="en-US" dirty="0">
-                <a:latin typeface="Times New Roman" panose="02020603050405020304" pitchFamily="18" charset="0"/>
-                <a:cs typeface="Times New Roman" panose="02020603050405020304" pitchFamily="18" charset="0"/>
-              </a:rPr>
-              <a:t> </a:t>
-            </a:r>
-            <a:r>
-              <a:rPr lang="ru-RU" dirty="0">
-                <a:effectLst/>
-                <a:latin typeface="Times New Roman" panose="02020603050405020304" pitchFamily="18" charset="0"/>
-                <a:ea typeface="Calibri" panose="020F0502020204030204" pitchFamily="34" charset="0"/>
-                <a:cs typeface="Times New Roman" panose="02020603050405020304" pitchFamily="18" charset="0"/>
-              </a:rPr>
-              <a:t>—</a:t>
-            </a:r>
-            <a:r>
-              <a:rPr lang="en-US" dirty="0">
-                <a:effectLst/>
-                <a:latin typeface="Times New Roman" panose="02020603050405020304" pitchFamily="18" charset="0"/>
-                <a:ea typeface="Calibri" panose="020F0502020204030204" pitchFamily="34" charset="0"/>
-                <a:cs typeface="Times New Roman" panose="02020603050405020304" pitchFamily="18" charset="0"/>
-              </a:rPr>
-              <a:t> </a:t>
-            </a:r>
-            <a:r>
-              <a:rPr lang="ru-RU" dirty="0">
-                <a:latin typeface="Times New Roman" panose="02020603050405020304" pitchFamily="18" charset="0"/>
-                <a:cs typeface="Times New Roman" panose="02020603050405020304" pitchFamily="18" charset="0"/>
-              </a:rPr>
-              <a:t>это</a:t>
-            </a:r>
-            <a:r>
-              <a:rPr lang="en-US" dirty="0">
-                <a:latin typeface="Times New Roman" panose="02020603050405020304" pitchFamily="18" charset="0"/>
-                <a:cs typeface="Times New Roman" panose="02020603050405020304" pitchFamily="18" charset="0"/>
-              </a:rPr>
-              <a:t> </a:t>
-            </a:r>
-            <a:r>
-              <a:rPr lang="ru-RU" dirty="0">
-                <a:latin typeface="Times New Roman" panose="02020603050405020304" pitchFamily="18" charset="0"/>
-                <a:cs typeface="Times New Roman" panose="02020603050405020304" pitchFamily="18" charset="0"/>
-              </a:rPr>
-              <a:t>разновидность</a:t>
-            </a:r>
-            <a:r>
-              <a:rPr lang="en-US" dirty="0">
-                <a:latin typeface="Times New Roman" panose="02020603050405020304" pitchFamily="18" charset="0"/>
-                <a:cs typeface="Times New Roman" panose="02020603050405020304" pitchFamily="18" charset="0"/>
-              </a:rPr>
-              <a:t> </a:t>
-            </a:r>
-            <a:r>
-              <a:rPr lang="ru-RU" dirty="0">
-                <a:latin typeface="Times New Roman" panose="02020603050405020304" pitchFamily="18" charset="0"/>
-                <a:cs typeface="Times New Roman" panose="02020603050405020304" pitchFamily="18" charset="0"/>
-              </a:rPr>
-              <a:t>пользовательского интерфейса</a:t>
-            </a:r>
-            <a:r>
-              <a:rPr lang="en-US" dirty="0">
-                <a:latin typeface="Times New Roman" panose="02020603050405020304" pitchFamily="18" charset="0"/>
-                <a:cs typeface="Times New Roman" panose="02020603050405020304" pitchFamily="18" charset="0"/>
-              </a:rPr>
-              <a:t>,</a:t>
-            </a:r>
-            <a:r>
-              <a:rPr lang="ru-RU" dirty="0">
-                <a:latin typeface="Times New Roman" panose="02020603050405020304" pitchFamily="18" charset="0"/>
-                <a:cs typeface="Times New Roman" panose="02020603050405020304" pitchFamily="18" charset="0"/>
-              </a:rPr>
-              <a:t> в котором элементы интерфейса меню кнопки</a:t>
-            </a:r>
-            <a:r>
-              <a:rPr lang="en-US" dirty="0">
-                <a:latin typeface="Times New Roman" panose="02020603050405020304" pitchFamily="18" charset="0"/>
-                <a:cs typeface="Times New Roman" panose="02020603050405020304" pitchFamily="18" charset="0"/>
-              </a:rPr>
-              <a:t> </a:t>
-            </a:r>
-            <a:r>
-              <a:rPr lang="ru-RU" dirty="0">
-                <a:latin typeface="Times New Roman" panose="02020603050405020304" pitchFamily="18" charset="0"/>
-                <a:cs typeface="Times New Roman" panose="02020603050405020304" pitchFamily="18" charset="0"/>
-              </a:rPr>
-              <a:t>значки списки и т</a:t>
-            </a:r>
-            <a:r>
-              <a:rPr lang="en-US" dirty="0">
-                <a:latin typeface="Times New Roman" panose="02020603050405020304" pitchFamily="18" charset="0"/>
-                <a:cs typeface="Times New Roman" panose="02020603050405020304" pitchFamily="18" charset="0"/>
-              </a:rPr>
-              <a:t>.</a:t>
-            </a:r>
-            <a:r>
-              <a:rPr lang="ru-RU" dirty="0">
-                <a:latin typeface="Times New Roman" panose="02020603050405020304" pitchFamily="18" charset="0"/>
-                <a:cs typeface="Times New Roman" panose="02020603050405020304" pitchFamily="18" charset="0"/>
-              </a:rPr>
-              <a:t>п</a:t>
-            </a:r>
-            <a:r>
-              <a:rPr lang="en-US" dirty="0">
-                <a:latin typeface="Times New Roman" panose="02020603050405020304" pitchFamily="18" charset="0"/>
-                <a:cs typeface="Times New Roman" panose="02020603050405020304" pitchFamily="18" charset="0"/>
-              </a:rPr>
-              <a:t>.,</a:t>
-            </a:r>
-            <a:r>
-              <a:rPr lang="ru-RU" dirty="0">
-                <a:latin typeface="Times New Roman" panose="02020603050405020304" pitchFamily="18" charset="0"/>
-                <a:cs typeface="Times New Roman" panose="02020603050405020304" pitchFamily="18" charset="0"/>
-              </a:rPr>
-              <a:t> представленные пользователю на дисплее</a:t>
-            </a:r>
-            <a:r>
-              <a:rPr lang="en-US" dirty="0">
-                <a:latin typeface="Times New Roman" panose="02020603050405020304" pitchFamily="18" charset="0"/>
-                <a:cs typeface="Times New Roman" panose="02020603050405020304" pitchFamily="18" charset="0"/>
-              </a:rPr>
-              <a:t>,</a:t>
-            </a:r>
-            <a:r>
-              <a:rPr lang="ru-RU" dirty="0">
-                <a:latin typeface="Times New Roman" panose="02020603050405020304" pitchFamily="18" charset="0"/>
-                <a:cs typeface="Times New Roman" panose="02020603050405020304" pitchFamily="18" charset="0"/>
-              </a:rPr>
-              <a:t> исполнены в виде</a:t>
-            </a:r>
-            <a:r>
-              <a:rPr lang="en-US" dirty="0">
-                <a:latin typeface="Times New Roman" panose="02020603050405020304" pitchFamily="18" charset="0"/>
-                <a:cs typeface="Times New Roman" panose="02020603050405020304" pitchFamily="18" charset="0"/>
-              </a:rPr>
-              <a:t> </a:t>
-            </a:r>
-            <a:r>
-              <a:rPr lang="ru-RU" dirty="0">
-                <a:latin typeface="Times New Roman" panose="02020603050405020304" pitchFamily="18" charset="0"/>
-                <a:cs typeface="Times New Roman" panose="02020603050405020304" pitchFamily="18" charset="0"/>
-              </a:rPr>
-              <a:t>графических изображений</a:t>
-            </a:r>
-            <a:r>
-              <a:rPr lang="en-US" dirty="0">
-                <a:latin typeface="Times New Roman" panose="02020603050405020304" pitchFamily="18" charset="0"/>
-                <a:cs typeface="Times New Roman" panose="02020603050405020304" pitchFamily="18" charset="0"/>
-              </a:rPr>
-              <a:t>.</a:t>
-            </a:r>
-            <a:endParaRPr lang="ru-RU" dirty="0">
-              <a:latin typeface="Times New Roman" panose="02020603050405020304" pitchFamily="18" charset="0"/>
-              <a:cs typeface="Times New Roman" panose="02020603050405020304" pitchFamily="18" charset="0"/>
-            </a:endParaRPr>
-          </a:p>
-        </p:txBody>
-      </p:sp>
-      <p:sp>
-        <p:nvSpPr>
-          <p:cNvPr id="2" name="Номер слайда 1">
-            <a:extLst>
-              <a:ext uri="{FF2B5EF4-FFF2-40B4-BE49-F238E27FC236}">
-                <a16:creationId xmlns:a16="http://schemas.microsoft.com/office/drawing/2014/main" id="{BD256EB1-5237-DB4D-105D-07D8AE46F3AE}"/>
+                <a16:creationId xmlns:a16="http://schemas.microsoft.com/office/drawing/2014/main" id="{A83E672F-48CF-FDD4-5730-A69D167C6F32}"/>
               </a:ext>
             </a:extLst>
           </p:cNvPr>
@@ -5966,9 +6272,10 @@
           <a:p>
             <a:fld id="{5552E39F-73D0-4A16-9BC8-08DD5BB183DF}" type="slidenum">
               <a:rPr lang="ru-RU" smtClean="0"/>
+              <a:pPr/>
               <a:t>3</a:t>
             </a:fld>
-            <a:endParaRPr lang="ru-RU"/>
+            <a:endParaRPr lang="ru-RU" dirty="0"/>
           </a:p>
         </p:txBody>
       </p:sp>
@@ -5977,7 +6284,7 @@
           <p:cNvPr id="5" name="Заголовок 1">
             <a:extLst>
               <a:ext uri="{FF2B5EF4-FFF2-40B4-BE49-F238E27FC236}">
-                <a16:creationId xmlns:a16="http://schemas.microsoft.com/office/drawing/2014/main" id="{F4145AC5-383E-42DA-67B2-652626697FF6}"/>
+                <a16:creationId xmlns:a16="http://schemas.microsoft.com/office/drawing/2014/main" id="{6A293D09-6913-4587-D223-C9B0EDDC49E2}"/>
               </a:ext>
             </a:extLst>
           </p:cNvPr>
@@ -5989,7 +6296,7 @@
         <p:spPr>
           <a:xfrm>
             <a:off x="346591" y="147767"/>
-            <a:ext cx="11498817" cy="1046920"/>
+            <a:ext cx="11845409" cy="667106"/>
           </a:xfrm>
           <a:prstGeom prst="rect">
             <a:avLst/>
@@ -6080,15 +6387,402 @@
                 <a:latin typeface="Times New Roman" panose="02020603050405020304" pitchFamily="18" charset="0"/>
                 <a:cs typeface="Times New Roman" panose="02020603050405020304" pitchFamily="18" charset="0"/>
               </a:rPr>
-              <a:t>Введение</a:t>
-            </a:r>
-          </a:p>
-        </p:txBody>
-      </p:sp>
+              <a:t>Подходы к разработке пользовательского интерфейса</a:t>
+            </a:r>
+          </a:p>
+        </p:txBody>
+      </p:sp>
+      <mc:AlternateContent xmlns:mc="http://schemas.openxmlformats.org/markup-compatibility/2006" xmlns:a14="http://schemas.microsoft.com/office/drawing/2010/main">
+        <mc:Choice Requires="a14">
+          <p:sp>
+            <p:nvSpPr>
+              <p:cNvPr id="6" name="TextBox 5">
+                <a:extLst>
+                  <a:ext uri="{FF2B5EF4-FFF2-40B4-BE49-F238E27FC236}">
+                    <a16:creationId xmlns:a16="http://schemas.microsoft.com/office/drawing/2014/main" id="{33275310-278B-D68A-F141-341B0933FC1D}"/>
+                  </a:ext>
+                </a:extLst>
+              </p:cNvPr>
+              <p:cNvSpPr txBox="1"/>
+              <p:nvPr/>
+            </p:nvSpPr>
+            <p:spPr>
+              <a:xfrm>
+                <a:off x="346591" y="669634"/>
+                <a:ext cx="11498818" cy="5397055"/>
+              </a:xfrm>
+              <a:prstGeom prst="rect">
+                <a:avLst/>
+              </a:prstGeom>
+              <a:noFill/>
+            </p:spPr>
+            <p:txBody>
+              <a:bodyPr wrap="square">
+                <a:spAutoFit/>
+              </a:bodyPr>
+              <a:lstStyle/>
+              <a:p>
+                <a:pPr algn="just"/>
+                <a:r>
+                  <a:rPr lang="ru-RU" sz="1900" dirty="0">
+                    <a:latin typeface="Times New Roman" panose="02020603050405020304" pitchFamily="18" charset="0"/>
+                    <a:cs typeface="Times New Roman" panose="02020603050405020304" pitchFamily="18" charset="0"/>
+                  </a:rPr>
+                  <a:t>При изучении статьи о </a:t>
+                </a:r>
+                <a:r>
+                  <a:rPr lang="ru-RU" sz="1900" dirty="0">
+                    <a:solidFill>
+                      <a:srgbClr val="7030A0"/>
+                    </a:solidFill>
+                    <a:latin typeface="Times New Roman" panose="02020603050405020304" pitchFamily="18" charset="0"/>
+                    <a:cs typeface="Times New Roman" panose="02020603050405020304" pitchFamily="18" charset="0"/>
+                  </a:rPr>
+                  <a:t>построении интерфейса на основе пользовательских </a:t>
+                </a:r>
+                <a14:m>
+                  <m:oMath xmlns:m="http://schemas.openxmlformats.org/officeDocument/2006/math">
+                    <m:sSup>
+                      <m:sSupPr>
+                        <m:ctrlPr>
+                          <a:rPr lang="ru-RU" sz="1900" i="1" smtClean="0">
+                            <a:latin typeface="Cambria Math" panose="02040503050406030204" pitchFamily="18" charset="0"/>
+                            <a:cs typeface="Times New Roman" panose="02020603050405020304" pitchFamily="18" charset="0"/>
+                          </a:rPr>
+                        </m:ctrlPr>
+                      </m:sSupPr>
+                      <m:e>
+                        <m:r>
+                          <a:rPr lang="ru-RU" sz="1900" i="0" smtClean="0">
+                            <a:solidFill>
+                              <a:srgbClr val="7030A0"/>
+                            </a:solidFill>
+                            <a:latin typeface="Cambria Math" panose="02040503050406030204" pitchFamily="18" charset="0"/>
+                            <a:cs typeface="Times New Roman" panose="02020603050405020304" pitchFamily="18" charset="0"/>
+                          </a:rPr>
+                          <m:t>целей</m:t>
+                        </m:r>
+                      </m:e>
+                      <m:sup>
+                        <m:r>
+                          <a:rPr lang="en-US" sz="1900" b="0" i="1" smtClean="0">
+                            <a:latin typeface="Cambria Math" panose="02040503050406030204" pitchFamily="18" charset="0"/>
+                            <a:cs typeface="Times New Roman" panose="02020603050405020304" pitchFamily="18" charset="0"/>
+                          </a:rPr>
+                          <m:t>2</m:t>
+                        </m:r>
+                      </m:sup>
+                    </m:sSup>
+                  </m:oMath>
+                </a14:m>
+                <a:r>
+                  <a:rPr lang="ru-RU" sz="1900" dirty="0">
+                    <a:latin typeface="Times New Roman" panose="02020603050405020304" pitchFamily="18" charset="0"/>
+                    <a:cs typeface="Times New Roman" panose="02020603050405020304" pitchFamily="18" charset="0"/>
+                  </a:rPr>
+                  <a:t> были выделены два метода взаимодействия человека и ЭВМ: </a:t>
+                </a:r>
+              </a:p>
+              <a:p>
+                <a:pPr marL="342900" indent="-342900" algn="just">
+                  <a:buClr>
+                    <a:schemeClr val="tx1"/>
+                  </a:buClr>
+                  <a:buFont typeface="+mj-lt"/>
+                  <a:buAutoNum type="arabicPeriod"/>
+                </a:pPr>
+                <a:r>
+                  <a:rPr lang="ru-RU" sz="1900" dirty="0">
+                    <a:solidFill>
+                      <a:srgbClr val="7030A0"/>
+                    </a:solidFill>
+                    <a:latin typeface="Times New Roman" panose="02020603050405020304" pitchFamily="18" charset="0"/>
+                    <a:cs typeface="Times New Roman" panose="02020603050405020304" pitchFamily="18" charset="0"/>
+                  </a:rPr>
+                  <a:t>Ограничительный</a:t>
+                </a:r>
+                <a:r>
+                  <a:rPr lang="ru-RU" sz="1900" dirty="0">
+                    <a:latin typeface="Times New Roman" panose="02020603050405020304" pitchFamily="18" charset="0"/>
+                    <a:cs typeface="Times New Roman" panose="02020603050405020304" pitchFamily="18" charset="0"/>
+                  </a:rPr>
+                  <a:t>. Пользователь должен иметь необходимые знания для того, чтобы самому планировать ход выполнения своего задания из предоставляемых ему операций.</a:t>
+                </a:r>
+              </a:p>
+              <a:p>
+                <a:pPr marL="342900" indent="-342900" algn="just">
+                  <a:buClr>
+                    <a:schemeClr val="tx1"/>
+                  </a:buClr>
+                  <a:buFont typeface="+mj-lt"/>
+                  <a:buAutoNum type="arabicPeriod"/>
+                </a:pPr>
+                <a:r>
+                  <a:rPr lang="ru-RU" sz="1900" dirty="0">
+                    <a:solidFill>
+                      <a:srgbClr val="7030A0"/>
+                    </a:solidFill>
+                    <a:latin typeface="Times New Roman" panose="02020603050405020304" pitchFamily="18" charset="0"/>
+                    <a:cs typeface="Times New Roman" panose="02020603050405020304" pitchFamily="18" charset="0"/>
+                  </a:rPr>
+                  <a:t>Направляющий</a:t>
+                </a:r>
+                <a:r>
+                  <a:rPr lang="ru-RU" sz="1900" dirty="0">
+                    <a:latin typeface="Times New Roman" panose="02020603050405020304" pitchFamily="18" charset="0"/>
+                    <a:cs typeface="Times New Roman" panose="02020603050405020304" pitchFamily="18" charset="0"/>
+                  </a:rPr>
+                  <a:t>. Каждая из целей соответствует определенному пользовательскому заданию, которое может выполнить ЭВМ, взаимодействуя с пользователем. </a:t>
+                </a:r>
+              </a:p>
+              <a:p>
+                <a:pPr algn="just"/>
+                <a:endParaRPr lang="ru-RU" sz="1900" dirty="0">
+                  <a:latin typeface="Times New Roman" panose="02020603050405020304" pitchFamily="18" charset="0"/>
+                  <a:cs typeface="Times New Roman" panose="02020603050405020304" pitchFamily="18" charset="0"/>
+                </a:endParaRPr>
+              </a:p>
+              <a:p>
+                <a:pPr algn="just"/>
+                <a:r>
+                  <a:rPr lang="ru-RU" sz="1900" dirty="0">
+                    <a:solidFill>
+                      <a:srgbClr val="7030A0"/>
+                    </a:solidFill>
+                    <a:latin typeface="Times New Roman" panose="02020603050405020304" pitchFamily="18" charset="0"/>
+                    <a:cs typeface="Times New Roman" panose="02020603050405020304" pitchFamily="18" charset="0"/>
+                  </a:rPr>
+                  <a:t>Методический подход к созданию средства построения пользовательского </a:t>
+                </a:r>
+                <a14:m>
+                  <m:oMath xmlns:m="http://schemas.openxmlformats.org/officeDocument/2006/math">
+                    <m:sSup>
+                      <m:sSupPr>
+                        <m:ctrlPr>
+                          <a:rPr lang="ru-RU" sz="1900" i="1" smtClean="0">
+                            <a:latin typeface="Cambria Math" panose="02040503050406030204" pitchFamily="18" charset="0"/>
+                            <a:cs typeface="Times New Roman" panose="02020603050405020304" pitchFamily="18" charset="0"/>
+                          </a:rPr>
+                        </m:ctrlPr>
+                      </m:sSupPr>
+                      <m:e>
+                        <m:r>
+                          <m:rPr>
+                            <m:nor/>
+                          </m:rPr>
+                          <a:rPr lang="ru-RU" sz="1900" dirty="0">
+                            <a:solidFill>
+                              <a:srgbClr val="7030A0"/>
+                            </a:solidFill>
+                            <a:latin typeface="Times New Roman" panose="02020603050405020304" pitchFamily="18" charset="0"/>
+                            <a:cs typeface="Times New Roman" panose="02020603050405020304" pitchFamily="18" charset="0"/>
+                          </a:rPr>
+                          <m:t>интерфейса</m:t>
+                        </m:r>
+                      </m:e>
+                      <m:sup>
+                        <m:r>
+                          <a:rPr lang="en-US" sz="1900" b="0" i="1" smtClean="0">
+                            <a:latin typeface="Cambria Math" panose="02040503050406030204" pitchFamily="18" charset="0"/>
+                            <a:cs typeface="Times New Roman" panose="02020603050405020304" pitchFamily="18" charset="0"/>
+                          </a:rPr>
+                          <m:t>3</m:t>
+                        </m:r>
+                      </m:sup>
+                    </m:sSup>
+                  </m:oMath>
+                </a14:m>
+                <a:r>
+                  <a:rPr lang="ru-RU" sz="1900" dirty="0">
+                    <a:latin typeface="Times New Roman" panose="02020603050405020304" pitchFamily="18" charset="0"/>
+                    <a:cs typeface="Times New Roman" panose="02020603050405020304" pitchFamily="18" charset="0"/>
+                  </a:rPr>
+                  <a:t>. </a:t>
+                </a:r>
+              </a:p>
+              <a:p>
+                <a:pPr marL="457200" indent="-457200" algn="just">
+                  <a:buFont typeface="+mj-lt"/>
+                  <a:buAutoNum type="arabicPeriod"/>
+                </a:pPr>
+                <a:r>
+                  <a:rPr lang="ru-RU" sz="1900" dirty="0">
+                    <a:latin typeface="Times New Roman" panose="02020603050405020304" pitchFamily="18" charset="0"/>
+                    <a:cs typeface="Times New Roman" panose="02020603050405020304" pitchFamily="18" charset="0"/>
+                  </a:rPr>
+                  <a:t>Мониторинг действий оператора.</a:t>
+                </a:r>
+              </a:p>
+              <a:p>
+                <a:pPr marL="457200" indent="-457200" algn="just">
+                  <a:buFont typeface="+mj-lt"/>
+                  <a:buAutoNum type="arabicPeriod"/>
+                </a:pPr>
+                <a:r>
+                  <a:rPr lang="ru-RU" sz="1900" dirty="0">
+                    <a:latin typeface="Times New Roman" panose="02020603050405020304" pitchFamily="18" charset="0"/>
+                    <a:cs typeface="Times New Roman" panose="02020603050405020304" pitchFamily="18" charset="0"/>
+                  </a:rPr>
+                  <a:t>Применения типовой системы показателей качества. Обеспечивается оценка качества пользовательского интерфейса.</a:t>
+                </a:r>
+              </a:p>
+              <a:p>
+                <a:pPr marL="457200" indent="-457200" algn="just">
+                  <a:buFont typeface="+mj-lt"/>
+                  <a:buAutoNum type="arabicPeriod"/>
+                </a:pPr>
+                <a:r>
+                  <a:rPr lang="ru-RU" sz="1900" dirty="0">
+                    <a:latin typeface="Times New Roman" panose="02020603050405020304" pitchFamily="18" charset="0"/>
+                    <a:cs typeface="Times New Roman" panose="02020603050405020304" pitchFamily="18" charset="0"/>
+                  </a:rPr>
+                  <a:t>Автоматизация программирования и документирования пользовательского интерфейса (возможность автоматизированного документирования интерфейса программы).</a:t>
+                </a:r>
+              </a:p>
+              <a:p>
+                <a:pPr marL="457200" indent="-457200" algn="just">
+                  <a:buFont typeface="+mj-lt"/>
+                  <a:buAutoNum type="arabicPeriod"/>
+                </a:pPr>
+                <a:r>
+                  <a:rPr lang="ru-RU" sz="1900" dirty="0">
+                    <a:latin typeface="Times New Roman" panose="02020603050405020304" pitchFamily="18" charset="0"/>
+                    <a:cs typeface="Times New Roman" panose="02020603050405020304" pitchFamily="18" charset="0"/>
+                  </a:rPr>
+                  <a:t>Отображение некоторого абстрактного сценария осуществляет механизм его интерпретации в стандартные программные процедуры. </a:t>
+                </a:r>
+              </a:p>
+              <a:p>
+                <a:pPr marL="457200" indent="-457200" algn="just">
+                  <a:buFont typeface="+mj-lt"/>
+                  <a:buAutoNum type="arabicPeriod"/>
+                </a:pPr>
+                <a:endParaRPr lang="ru-RU" sz="1900" dirty="0">
+                  <a:latin typeface="Times New Roman" panose="02020603050405020304" pitchFamily="18" charset="0"/>
+                  <a:cs typeface="Times New Roman" panose="02020603050405020304" pitchFamily="18" charset="0"/>
+                </a:endParaRPr>
+              </a:p>
+              <a:p>
+                <a:pPr algn="just"/>
+                <a:r>
+                  <a:rPr lang="ru-RU" sz="1900" dirty="0">
+                    <a:latin typeface="Times New Roman" panose="02020603050405020304" pitchFamily="18" charset="0"/>
+                    <a:cs typeface="Times New Roman" panose="02020603050405020304" pitchFamily="18" charset="0"/>
+                  </a:rPr>
+                  <a:t>Так же существует метод  </a:t>
+                </a:r>
+                <a:r>
+                  <a:rPr lang="ru-RU" sz="1900" dirty="0">
+                    <a:solidFill>
+                      <a:srgbClr val="7030A0"/>
+                    </a:solidFill>
+                    <a:latin typeface="Times New Roman" panose="02020603050405020304" pitchFamily="18" charset="0"/>
+                    <a:cs typeface="Times New Roman" panose="02020603050405020304" pitchFamily="18" charset="0"/>
+                  </a:rPr>
+                  <a:t>построение пользовательского интерфейса с использованием интерактивного машинного </a:t>
+                </a:r>
+                <a14:m>
+                  <m:oMath xmlns:m="http://schemas.openxmlformats.org/officeDocument/2006/math">
+                    <m:sSup>
+                      <m:sSupPr>
+                        <m:ctrlPr>
+                          <a:rPr lang="ru-RU" sz="1900" i="1" smtClean="0">
+                            <a:latin typeface="Cambria Math" panose="02040503050406030204" pitchFamily="18" charset="0"/>
+                            <a:cs typeface="Times New Roman" panose="02020603050405020304" pitchFamily="18" charset="0"/>
+                          </a:rPr>
+                        </m:ctrlPr>
+                      </m:sSupPr>
+                      <m:e>
+                        <m:r>
+                          <a:rPr lang="ru-RU" sz="1900" i="0" smtClean="0">
+                            <a:solidFill>
+                              <a:srgbClr val="7030A0"/>
+                            </a:solidFill>
+                            <a:latin typeface="Cambria Math" panose="02040503050406030204" pitchFamily="18" charset="0"/>
+                            <a:cs typeface="Times New Roman" panose="02020603050405020304" pitchFamily="18" charset="0"/>
+                          </a:rPr>
+                          <m:t>обучения</m:t>
+                        </m:r>
+                      </m:e>
+                      <m:sup>
+                        <m:r>
+                          <a:rPr lang="en-US" sz="1900" b="0" i="1" smtClean="0">
+                            <a:latin typeface="Cambria Math" panose="02040503050406030204" pitchFamily="18" charset="0"/>
+                            <a:cs typeface="Times New Roman" panose="02020603050405020304" pitchFamily="18" charset="0"/>
+                          </a:rPr>
+                          <m:t>4</m:t>
+                        </m:r>
+                      </m:sup>
+                    </m:sSup>
+                  </m:oMath>
+                </a14:m>
+                <a:r>
+                  <a:rPr lang="ru-RU" sz="1900" dirty="0">
+                    <a:latin typeface="Times New Roman" panose="02020603050405020304" pitchFamily="18" charset="0"/>
+                    <a:cs typeface="Times New Roman" panose="02020603050405020304" pitchFamily="18" charset="0"/>
+                  </a:rPr>
+                  <a:t>.</a:t>
+                </a:r>
+                <a:endParaRPr lang="ru-RU" sz="1900" dirty="0">
+                  <a:solidFill>
+                    <a:srgbClr val="7030A0"/>
+                  </a:solidFill>
+                  <a:latin typeface="Times New Roman" panose="02020603050405020304" pitchFamily="18" charset="0"/>
+                  <a:cs typeface="Times New Roman" panose="02020603050405020304" pitchFamily="18" charset="0"/>
+                </a:endParaRPr>
+              </a:p>
+            </p:txBody>
+          </p:sp>
+        </mc:Choice>
+        <mc:Fallback xmlns="">
+          <p:sp>
+            <p:nvSpPr>
+              <p:cNvPr id="6" name="TextBox 5">
+                <a:extLst>
+                  <a:ext uri="{FF2B5EF4-FFF2-40B4-BE49-F238E27FC236}">
+                    <a16:creationId xmlns:a16="http://schemas.microsoft.com/office/drawing/2014/main" id="{33275310-278B-D68A-F141-341B0933FC1D}"/>
+                  </a:ext>
+                </a:extLst>
+              </p:cNvPr>
+              <p:cNvSpPr txBox="1">
+                <a:spLocks noRot="1" noChangeAspect="1" noMove="1" noResize="1" noEditPoints="1" noAdjustHandles="1" noChangeArrowheads="1" noChangeShapeType="1" noTextEdit="1"/>
+              </p:cNvSpPr>
+              <p:nvPr/>
+            </p:nvSpPr>
+            <p:spPr>
+              <a:xfrm>
+                <a:off x="346591" y="669634"/>
+                <a:ext cx="11498818" cy="5397055"/>
+              </a:xfrm>
+              <a:prstGeom prst="rect">
+                <a:avLst/>
+              </a:prstGeom>
+              <a:blipFill>
+                <a:blip r:embed="rId2"/>
+                <a:stretch>
+                  <a:fillRect l="-530" t="-565" r="-477" b="-339"/>
+                </a:stretch>
+              </a:blipFill>
+            </p:spPr>
+            <p:txBody>
+              <a:bodyPr/>
+              <a:lstStyle/>
+              <a:p>
+                <a:r>
+                  <a:rPr lang="ru-RU">
+                    <a:noFill/>
+                  </a:rPr>
+                  <a:t> </a:t>
+                </a:r>
+              </a:p>
+            </p:txBody>
+          </p:sp>
+        </mc:Fallback>
+      </mc:AlternateContent>
     </p:spTree>
     <p:extLst>
       <p:ext uri="{BB962C8B-B14F-4D97-AF65-F5344CB8AC3E}">
-        <p14:creationId xmlns:p14="http://schemas.microsoft.com/office/powerpoint/2010/main" val="2994230572"/>
+        <p14:creationId xmlns:p14="http://schemas.microsoft.com/office/powerpoint/2010/main" val="2439453543"/>
       </p:ext>
     </p:extLst>
   </p:cSld>
@@ -6117,179 +6811,10 @@
       </p:grpSpPr>
       <p:sp>
         <p:nvSpPr>
-          <p:cNvPr id="7" name="Объект 2">
+          <p:cNvPr id="8" name="Заголовок 1">
             <a:extLst>
               <a:ext uri="{FF2B5EF4-FFF2-40B4-BE49-F238E27FC236}">
-                <a16:creationId xmlns:a16="http://schemas.microsoft.com/office/drawing/2014/main" id="{18E62D94-1B16-B8D3-E099-D07DCD88DB36}"/>
-              </a:ext>
-            </a:extLst>
-          </p:cNvPr>
-          <p:cNvSpPr>
-            <a:spLocks noGrp="1"/>
-          </p:cNvSpPr>
-          <p:nvPr>
-            <p:ph idx="4294967295"/>
-          </p:nvPr>
-        </p:nvSpPr>
-        <p:spPr>
-          <a:xfrm>
-            <a:off x="346591" y="1236792"/>
-            <a:ext cx="3528723" cy="480491"/>
-          </a:xfrm>
-        </p:spPr>
-        <p:txBody>
-          <a:bodyPr/>
-          <a:lstStyle/>
-          <a:p>
-            <a:pPr marL="514350" indent="-514350">
-              <a:buFont typeface="+mj-lt"/>
-              <a:buAutoNum type="arabicPeriod"/>
-            </a:pPr>
-            <a:r>
-              <a:rPr lang="ru-RU" dirty="0">
-                <a:latin typeface="Times New Roman" panose="02020603050405020304" pitchFamily="18" charset="0"/>
-                <a:cs typeface="Times New Roman" panose="02020603050405020304" pitchFamily="18" charset="0"/>
-              </a:rPr>
-              <a:t>Ограничительный</a:t>
-            </a:r>
-          </a:p>
-        </p:txBody>
-      </p:sp>
-      <p:pic>
-        <p:nvPicPr>
-          <p:cNvPr id="3" name="Рисунок 2">
-            <a:extLst>
-              <a:ext uri="{FF2B5EF4-FFF2-40B4-BE49-F238E27FC236}">
-                <a16:creationId xmlns:a16="http://schemas.microsoft.com/office/drawing/2014/main" id="{DD54FF36-0D0F-7ADA-B487-5EDE2DE44DF3}"/>
-              </a:ext>
-            </a:extLst>
-          </p:cNvPr>
-          <p:cNvPicPr>
-            <a:picLocks noChangeAspect="1"/>
-          </p:cNvPicPr>
-          <p:nvPr/>
-        </p:nvPicPr>
-        <p:blipFill>
-          <a:blip r:embed="rId2">
-            <a:extLst>
-              <a:ext uri="{28A0092B-C50C-407E-A947-70E740481C1C}">
-                <a14:useLocalDpi xmlns:a14="http://schemas.microsoft.com/office/drawing/2010/main" val="0"/>
-              </a:ext>
-            </a:extLst>
-          </a:blip>
-          <a:stretch>
-            <a:fillRect/>
-          </a:stretch>
-        </p:blipFill>
-        <p:spPr>
-          <a:xfrm>
-            <a:off x="6985518" y="0"/>
-            <a:ext cx="5206482" cy="6224905"/>
-          </a:xfrm>
-          <a:prstGeom prst="rect">
-            <a:avLst/>
-          </a:prstGeom>
-        </p:spPr>
-      </p:pic>
-      <p:sp>
-        <p:nvSpPr>
-          <p:cNvPr id="4" name="TextBox 3">
-            <a:extLst>
-              <a:ext uri="{FF2B5EF4-FFF2-40B4-BE49-F238E27FC236}">
-                <a16:creationId xmlns:a16="http://schemas.microsoft.com/office/drawing/2014/main" id="{29CC3A23-2B42-636A-7619-49E1A7C4813D}"/>
-              </a:ext>
-            </a:extLst>
-          </p:cNvPr>
-          <p:cNvSpPr txBox="1"/>
-          <p:nvPr/>
-        </p:nvSpPr>
-        <p:spPr>
-          <a:xfrm>
-            <a:off x="346591" y="1717283"/>
-            <a:ext cx="6638927" cy="3785652"/>
-          </a:xfrm>
-          <a:prstGeom prst="rect">
-            <a:avLst/>
-          </a:prstGeom>
-          <a:noFill/>
-        </p:spPr>
-        <p:txBody>
-          <a:bodyPr wrap="square">
-            <a:spAutoFit/>
-          </a:bodyPr>
-          <a:lstStyle/>
-          <a:p>
-            <a:pPr algn="just"/>
-            <a:r>
-              <a:rPr lang="ru-RU" sz="2000" b="0" dirty="0">
-                <a:effectLst/>
-                <a:latin typeface="Times New Roman" panose="02020603050405020304" pitchFamily="18" charset="0"/>
-                <a:cs typeface="Times New Roman" panose="02020603050405020304" pitchFamily="18" charset="0"/>
-              </a:rPr>
-              <a:t>	Пользователю предоставляется набор операций. Операция имеет название, исходные данные и результаты. Пользователь решает, какую из операций необходимо выбрать, и задает для нее исходные данные. После чего ЭВМ выполняет указанную операцию, активируя соответствующие функции приложения, и выдаёт результаты операции пользователю. И этот процесс продолжается </a:t>
-            </a:r>
-            <a:r>
-              <a:rPr lang="ru-RU" sz="2000" dirty="0">
-                <a:effectLst/>
-                <a:latin typeface="Times New Roman" panose="02020603050405020304" pitchFamily="18" charset="0"/>
-                <a:ea typeface="Calibri" panose="020F0502020204030204" pitchFamily="34" charset="0"/>
-                <a:cs typeface="Times New Roman" panose="02020603050405020304" pitchFamily="18" charset="0"/>
-              </a:rPr>
-              <a:t>до тех пор, пока не будет достигнут желаемый результат.</a:t>
-            </a:r>
-            <a:endParaRPr lang="ru-RU" sz="2000" dirty="0">
-              <a:latin typeface="Times New Roman" panose="02020603050405020304" pitchFamily="18" charset="0"/>
-              <a:cs typeface="Times New Roman" panose="02020603050405020304" pitchFamily="18" charset="0"/>
-            </a:endParaRPr>
-          </a:p>
-          <a:p>
-            <a:pPr algn="just"/>
-            <a:r>
-              <a:rPr lang="ru-RU" sz="2000" b="0" dirty="0">
-                <a:effectLst/>
-                <a:latin typeface="Times New Roman" panose="02020603050405020304" pitchFamily="18" charset="0"/>
-                <a:cs typeface="Times New Roman" panose="02020603050405020304" pitchFamily="18" charset="0"/>
-              </a:rPr>
-              <a:t>	Следовательно, пользователь должен сам планировать ход выполнения своего задания из предоставляемых ему операций. </a:t>
-            </a:r>
-          </a:p>
-        </p:txBody>
-      </p:sp>
-      <p:sp>
-        <p:nvSpPr>
-          <p:cNvPr id="2" name="Номер слайда 1">
-            <a:extLst>
-              <a:ext uri="{FF2B5EF4-FFF2-40B4-BE49-F238E27FC236}">
-                <a16:creationId xmlns:a16="http://schemas.microsoft.com/office/drawing/2014/main" id="{867C0271-93EB-82F8-6E0C-8B5B456CC2F8}"/>
-              </a:ext>
-            </a:extLst>
-          </p:cNvPr>
-          <p:cNvSpPr>
-            <a:spLocks noGrp="1"/>
-          </p:cNvSpPr>
-          <p:nvPr>
-            <p:ph type="sldNum" sz="quarter" idx="12"/>
-          </p:nvPr>
-        </p:nvSpPr>
-        <p:spPr/>
-        <p:txBody>
-          <a:bodyPr/>
-          <a:lstStyle/>
-          <a:p>
-            <a:fld id="{5552E39F-73D0-4A16-9BC8-08DD5BB183DF}" type="slidenum">
-              <a:rPr lang="ru-RU" smtClean="0"/>
-              <a:t>4</a:t>
-            </a:fld>
-            <a:endParaRPr lang="ru-RU"/>
-          </a:p>
-        </p:txBody>
-      </p:sp>
-      <p:sp>
-        <p:nvSpPr>
-          <p:cNvPr id="5" name="Заголовок 1">
-            <a:extLst>
-              <a:ext uri="{FF2B5EF4-FFF2-40B4-BE49-F238E27FC236}">
-                <a16:creationId xmlns:a16="http://schemas.microsoft.com/office/drawing/2014/main" id="{981C8BD4-F853-BA4D-13A7-D392F93BD64A}"/>
+                <a16:creationId xmlns:a16="http://schemas.microsoft.com/office/drawing/2014/main" id="{97A3A147-0937-5E8E-B8C7-105D4A412B32}"/>
               </a:ext>
             </a:extLst>
           </p:cNvPr>
@@ -6300,8 +6825,8 @@
         </p:nvSpPr>
         <p:spPr>
           <a:xfrm>
-            <a:off x="346591" y="147767"/>
-            <a:ext cx="11498817" cy="1046920"/>
+            <a:off x="1008328" y="5359745"/>
+            <a:ext cx="11498817" cy="1320800"/>
           </a:xfrm>
           <a:prstGeom prst="rect">
             <a:avLst/>
@@ -6384,76 +6909,537 @@
             </a:lvl9pPr>
           </a:lstStyle>
           <a:p>
-            <a:r>
-              <a:rPr lang="ru-RU" sz="2600" b="1" dirty="0">
-                <a:solidFill>
-                  <a:schemeClr val="tx1"/>
-                </a:solidFill>
-                <a:latin typeface="Times New Roman" panose="02020603050405020304" pitchFamily="18" charset="0"/>
-                <a:cs typeface="Times New Roman" panose="02020603050405020304" pitchFamily="18" charset="0"/>
-              </a:rPr>
-              <a:t>Методы взаимодействия пользователя и ЭВМ</a:t>
-            </a:r>
-          </a:p>
-        </p:txBody>
-      </p:sp>
-      <p:sp>
-        <p:nvSpPr>
-          <p:cNvPr id="8" name="TextBox 7">
+            <a:endParaRPr lang="ru-RU" b="1" dirty="0">
+              <a:solidFill>
+                <a:schemeClr val="tx1"/>
+              </a:solidFill>
+            </a:endParaRPr>
+          </a:p>
+        </p:txBody>
+      </p:sp>
+      <p:sp>
+        <p:nvSpPr>
+          <p:cNvPr id="9" name="Объект 2">
             <a:extLst>
               <a:ext uri="{FF2B5EF4-FFF2-40B4-BE49-F238E27FC236}">
-                <a16:creationId xmlns:a16="http://schemas.microsoft.com/office/drawing/2014/main" id="{2B215676-6CA8-83B8-D36B-0F64573EB409}"/>
+                <a16:creationId xmlns:a16="http://schemas.microsoft.com/office/drawing/2014/main" id="{8C40137B-EF34-7170-2D35-01C294B39151}"/>
               </a:ext>
             </a:extLst>
           </p:cNvPr>
-          <p:cNvSpPr txBox="1"/>
-          <p:nvPr/>
+          <p:cNvSpPr>
+            <a:spLocks noGrp="1"/>
+          </p:cNvSpPr>
+          <p:nvPr>
+            <p:ph idx="4294967295"/>
+          </p:nvPr>
         </p:nvSpPr>
         <p:spPr>
           <a:xfrm>
-            <a:off x="6897593" y="6181696"/>
-            <a:ext cx="5294407" cy="646331"/>
+            <a:off x="346591" y="752669"/>
+            <a:ext cx="11498817" cy="5949093"/>
+          </a:xfrm>
+        </p:spPr>
+        <p:txBody>
+          <a:bodyPr>
+            <a:normAutofit/>
+          </a:bodyPr>
+          <a:lstStyle/>
+          <a:p>
+            <a:pPr marL="0" indent="0" algn="just">
+              <a:buNone/>
+            </a:pPr>
+            <a:r>
+              <a:rPr lang="ru-RU" sz="2400" dirty="0">
+                <a:latin typeface="Times New Roman" panose="02020603050405020304" pitchFamily="18" charset="0"/>
+                <a:cs typeface="Times New Roman" panose="02020603050405020304" pitchFamily="18" charset="0"/>
+              </a:rPr>
+              <a:t>Цель</a:t>
+            </a:r>
+            <a:r>
+              <a:rPr lang="en-US" sz="2400" dirty="0">
+                <a:latin typeface="Times New Roman" panose="02020603050405020304" pitchFamily="18" charset="0"/>
+                <a:cs typeface="Times New Roman" panose="02020603050405020304" pitchFamily="18" charset="0"/>
+              </a:rPr>
+              <a:t>: </a:t>
+            </a:r>
+            <a:r>
+              <a:rPr lang="ru-RU" sz="2400" dirty="0">
+                <a:latin typeface="Times New Roman" panose="02020603050405020304" pitchFamily="18" charset="0"/>
+                <a:cs typeface="Times New Roman" panose="02020603050405020304" pitchFamily="18" charset="0"/>
+              </a:rPr>
+              <a:t>разработать библиотеку, обеспечивающую автоматизацию построения динамических пользовательских интерфейсов и создать основу для разработки </a:t>
+            </a:r>
+            <a:r>
+              <a:rPr lang="ru-RU" sz="2400" dirty="0" err="1">
+                <a:latin typeface="Times New Roman" panose="02020603050405020304" pitchFamily="18" charset="0"/>
+                <a:cs typeface="Times New Roman" panose="02020603050405020304" pitchFamily="18" charset="0"/>
+              </a:rPr>
+              <a:t>web</a:t>
+            </a:r>
+            <a:r>
+              <a:rPr lang="ru-RU" sz="2400" dirty="0">
+                <a:latin typeface="Times New Roman" panose="02020603050405020304" pitchFamily="18" charset="0"/>
+                <a:cs typeface="Times New Roman" panose="02020603050405020304" pitchFamily="18" charset="0"/>
+              </a:rPr>
+              <a:t>-ориентированного препроцессора инженерной программной системы.</a:t>
+            </a:r>
+          </a:p>
+          <a:p>
+            <a:pPr marL="0" indent="0" algn="just">
+              <a:buNone/>
+            </a:pPr>
+            <a:endParaRPr lang="ru-RU" sz="2400" dirty="0">
+              <a:latin typeface="Times New Roman" panose="02020603050405020304" pitchFamily="18" charset="0"/>
+              <a:cs typeface="Times New Roman" panose="02020603050405020304" pitchFamily="18" charset="0"/>
+            </a:endParaRPr>
+          </a:p>
+          <a:p>
+            <a:pPr marL="0" indent="0" algn="just">
+              <a:buNone/>
+            </a:pPr>
+            <a:r>
+              <a:rPr lang="ru-RU" sz="2400" dirty="0">
+                <a:latin typeface="Times New Roman" panose="02020603050405020304" pitchFamily="18" charset="0"/>
+                <a:cs typeface="Times New Roman" panose="02020603050405020304" pitchFamily="18" charset="0"/>
+              </a:rPr>
+              <a:t>Задачи</a:t>
+            </a:r>
+            <a:r>
+              <a:rPr lang="en-US" sz="2400" dirty="0">
+                <a:latin typeface="Times New Roman" panose="02020603050405020304" pitchFamily="18" charset="0"/>
+                <a:cs typeface="Times New Roman" panose="02020603050405020304" pitchFamily="18" charset="0"/>
+              </a:rPr>
+              <a:t>:</a:t>
+            </a:r>
+            <a:endParaRPr lang="ru-RU" sz="2400" dirty="0">
+              <a:latin typeface="Times New Roman" panose="02020603050405020304" pitchFamily="18" charset="0"/>
+              <a:cs typeface="Times New Roman" panose="02020603050405020304" pitchFamily="18" charset="0"/>
+            </a:endParaRPr>
+          </a:p>
+          <a:p>
+            <a:pPr algn="just"/>
+            <a:r>
+              <a:rPr lang="ru-RU" sz="2400">
+                <a:solidFill>
+                  <a:srgbClr val="7030A0"/>
+                </a:solidFill>
+                <a:latin typeface="Times New Roman" panose="02020603050405020304" pitchFamily="18" charset="0"/>
+                <a:cs typeface="Times New Roman" panose="02020603050405020304" pitchFamily="18" charset="0"/>
+              </a:rPr>
+              <a:t>Рассмотреть </a:t>
+            </a:r>
+            <a:r>
+              <a:rPr lang="ru-RU" sz="2400" dirty="0">
+                <a:solidFill>
+                  <a:srgbClr val="7030A0"/>
+                </a:solidFill>
+                <a:latin typeface="Times New Roman" panose="02020603050405020304" pitchFamily="18" charset="0"/>
+                <a:cs typeface="Times New Roman" panose="02020603050405020304" pitchFamily="18" charset="0"/>
+              </a:rPr>
+              <a:t>существующие подходы разработки </a:t>
+            </a:r>
+            <a:r>
+              <a:rPr lang="en-US" sz="2400" dirty="0">
+                <a:solidFill>
+                  <a:srgbClr val="7030A0"/>
+                </a:solidFill>
+                <a:latin typeface="Times New Roman" panose="02020603050405020304" pitchFamily="18" charset="0"/>
+                <a:cs typeface="Times New Roman" panose="02020603050405020304" pitchFamily="18" charset="0"/>
+              </a:rPr>
+              <a:t>GUI.</a:t>
+            </a:r>
+            <a:endParaRPr lang="ru-RU" sz="2400" dirty="0">
+              <a:solidFill>
+                <a:srgbClr val="7030A0"/>
+              </a:solidFill>
+              <a:latin typeface="Times New Roman" panose="02020603050405020304" pitchFamily="18" charset="0"/>
+              <a:cs typeface="Times New Roman" panose="02020603050405020304" pitchFamily="18" charset="0"/>
+            </a:endParaRPr>
+          </a:p>
+          <a:p>
+            <a:pPr algn="just"/>
+            <a:r>
+              <a:rPr lang="ru-RU" sz="2400" dirty="0">
+                <a:solidFill>
+                  <a:srgbClr val="7030A0"/>
+                </a:solidFill>
+                <a:latin typeface="Times New Roman" panose="02020603050405020304" pitchFamily="18" charset="0"/>
+                <a:cs typeface="Times New Roman" panose="02020603050405020304" pitchFamily="18" charset="0"/>
+              </a:rPr>
+              <a:t>Разработать тестовое </a:t>
+            </a:r>
+            <a:r>
+              <a:rPr lang="en-US" sz="2400" dirty="0">
+                <a:solidFill>
+                  <a:srgbClr val="7030A0"/>
+                </a:solidFill>
+                <a:latin typeface="Times New Roman" panose="02020603050405020304" pitchFamily="18" charset="0"/>
+                <a:cs typeface="Times New Roman" panose="02020603050405020304" pitchFamily="18" charset="0"/>
+              </a:rPr>
+              <a:t>web-</a:t>
+            </a:r>
+            <a:r>
+              <a:rPr lang="ru-RU" sz="2400" dirty="0">
+                <a:solidFill>
+                  <a:srgbClr val="7030A0"/>
+                </a:solidFill>
+                <a:latin typeface="Times New Roman" panose="02020603050405020304" pitchFamily="18" charset="0"/>
+                <a:cs typeface="Times New Roman" panose="02020603050405020304" pitchFamily="18" charset="0"/>
+              </a:rPr>
+              <a:t>приложение</a:t>
+            </a:r>
+            <a:r>
+              <a:rPr lang="en-US" sz="2400" dirty="0">
+                <a:solidFill>
+                  <a:srgbClr val="7030A0"/>
+                </a:solidFill>
+                <a:latin typeface="Times New Roman" panose="02020603050405020304" pitchFamily="18" charset="0"/>
+                <a:cs typeface="Times New Roman" panose="02020603050405020304" pitchFamily="18" charset="0"/>
+              </a:rPr>
+              <a:t>.</a:t>
+            </a:r>
+            <a:endParaRPr lang="ru-RU" sz="2400" dirty="0">
+              <a:solidFill>
+                <a:srgbClr val="7030A0"/>
+              </a:solidFill>
+              <a:latin typeface="Times New Roman" panose="02020603050405020304" pitchFamily="18" charset="0"/>
+              <a:cs typeface="Times New Roman" panose="02020603050405020304" pitchFamily="18" charset="0"/>
+            </a:endParaRPr>
+          </a:p>
+          <a:p>
+            <a:pPr algn="just"/>
+            <a:r>
+              <a:rPr lang="ru-RU" sz="2400" dirty="0">
+                <a:solidFill>
+                  <a:srgbClr val="7030A0"/>
+                </a:solidFill>
+                <a:latin typeface="Times New Roman" panose="02020603050405020304" pitchFamily="18" charset="0"/>
+                <a:cs typeface="Times New Roman" panose="02020603050405020304" pitchFamily="18" charset="0"/>
+              </a:rPr>
+              <a:t>Запустить разработанное </a:t>
+            </a:r>
+            <a:r>
+              <a:rPr lang="en-US" sz="2400" dirty="0">
+                <a:solidFill>
+                  <a:srgbClr val="7030A0"/>
+                </a:solidFill>
+                <a:latin typeface="Times New Roman" panose="02020603050405020304" pitchFamily="18" charset="0"/>
+                <a:cs typeface="Times New Roman" panose="02020603050405020304" pitchFamily="18" charset="0"/>
+              </a:rPr>
+              <a:t>web-</a:t>
+            </a:r>
+            <a:r>
+              <a:rPr lang="ru-RU" sz="2400" dirty="0">
+                <a:solidFill>
+                  <a:srgbClr val="7030A0"/>
+                </a:solidFill>
+                <a:latin typeface="Times New Roman" panose="02020603050405020304" pitchFamily="18" charset="0"/>
+                <a:cs typeface="Times New Roman" panose="02020603050405020304" pitchFamily="18" charset="0"/>
+              </a:rPr>
+              <a:t>приложение на тестовом сервере</a:t>
+            </a:r>
+            <a:r>
+              <a:rPr lang="en-US" sz="2400" dirty="0">
+                <a:solidFill>
+                  <a:srgbClr val="7030A0"/>
+                </a:solidFill>
+                <a:latin typeface="Times New Roman" panose="02020603050405020304" pitchFamily="18" charset="0"/>
+                <a:cs typeface="Times New Roman" panose="02020603050405020304" pitchFamily="18" charset="0"/>
+              </a:rPr>
+              <a:t>.</a:t>
+            </a:r>
+            <a:endParaRPr lang="ru-RU" sz="2400" dirty="0">
+              <a:solidFill>
+                <a:srgbClr val="7030A0"/>
+              </a:solidFill>
+              <a:latin typeface="Times New Roman" panose="02020603050405020304" pitchFamily="18" charset="0"/>
+              <a:cs typeface="Times New Roman" panose="02020603050405020304" pitchFamily="18" charset="0"/>
+            </a:endParaRPr>
+          </a:p>
+          <a:p>
+            <a:pPr algn="just"/>
+            <a:r>
+              <a:rPr lang="ru-RU" sz="2400" dirty="0">
+                <a:latin typeface="Times New Roman" panose="02020603050405020304" pitchFamily="18" charset="0"/>
+                <a:cs typeface="Times New Roman" panose="02020603050405020304" pitchFamily="18" charset="0"/>
+              </a:rPr>
+              <a:t>Изучение существующего </a:t>
+            </a:r>
+            <a:r>
+              <a:rPr lang="ru-RU" sz="2400" dirty="0" err="1">
+                <a:latin typeface="Times New Roman" panose="02020603050405020304" pitchFamily="18" charset="0"/>
+                <a:cs typeface="Times New Roman" panose="02020603050405020304" pitchFamily="18" charset="0"/>
+              </a:rPr>
+              <a:t>web</a:t>
+            </a:r>
+            <a:r>
+              <a:rPr lang="ru-RU" sz="2400" dirty="0">
+                <a:latin typeface="Times New Roman" panose="02020603050405020304" pitchFamily="18" charset="0"/>
+                <a:cs typeface="Times New Roman" panose="02020603050405020304" pitchFamily="18" charset="0"/>
+              </a:rPr>
+              <a:t>-приложения </a:t>
+            </a:r>
+            <a:r>
+              <a:rPr lang="ru-RU" sz="2400" dirty="0" err="1">
+                <a:latin typeface="Times New Roman" panose="02020603050405020304" pitchFamily="18" charset="0"/>
+                <a:cs typeface="Times New Roman" panose="02020603050405020304" pitchFamily="18" charset="0"/>
+              </a:rPr>
+              <a:t>comwpc</a:t>
+            </a:r>
+            <a:r>
+              <a:rPr lang="en-US" sz="2400" dirty="0">
+                <a:latin typeface="Times New Roman" panose="02020603050405020304" pitchFamily="18" charset="0"/>
+                <a:cs typeface="Times New Roman" panose="02020603050405020304" pitchFamily="18" charset="0"/>
+              </a:rPr>
+              <a:t>.</a:t>
+            </a:r>
+            <a:endParaRPr lang="ru-RU" sz="2400" dirty="0">
+              <a:latin typeface="Times New Roman" panose="02020603050405020304" pitchFamily="18" charset="0"/>
+              <a:cs typeface="Times New Roman" panose="02020603050405020304" pitchFamily="18" charset="0"/>
+            </a:endParaRPr>
+          </a:p>
+          <a:p>
+            <a:pPr algn="just"/>
+            <a:r>
+              <a:rPr lang="ru-RU" sz="2400" dirty="0">
+                <a:latin typeface="Times New Roman" panose="02020603050405020304" pitchFamily="18" charset="0"/>
+                <a:cs typeface="Times New Roman" panose="02020603050405020304" pitchFamily="18" charset="0"/>
+              </a:rPr>
+              <a:t>Доработка библиотеки </a:t>
+            </a:r>
+            <a:r>
+              <a:rPr lang="ru-RU" sz="2400" dirty="0" err="1">
+                <a:latin typeface="Times New Roman" panose="02020603050405020304" pitchFamily="18" charset="0"/>
+                <a:cs typeface="Times New Roman" panose="02020603050405020304" pitchFamily="18" charset="0"/>
+              </a:rPr>
+              <a:t>pycomsdk</a:t>
+            </a:r>
+            <a:r>
+              <a:rPr lang="ru-RU" sz="2400" dirty="0">
+                <a:latin typeface="Times New Roman" panose="02020603050405020304" pitchFamily="18" charset="0"/>
+                <a:cs typeface="Times New Roman" panose="02020603050405020304" pitchFamily="18" charset="0"/>
+              </a:rPr>
+              <a:t> в части возможности генерации GUI</a:t>
+            </a:r>
+            <a:r>
+              <a:rPr lang="en-US" sz="2400" dirty="0">
+                <a:latin typeface="Times New Roman" panose="02020603050405020304" pitchFamily="18" charset="0"/>
+                <a:cs typeface="Times New Roman" panose="02020603050405020304" pitchFamily="18" charset="0"/>
+              </a:rPr>
+              <a:t>.</a:t>
+            </a:r>
+            <a:endParaRPr lang="ru-RU" sz="2400" dirty="0">
+              <a:latin typeface="Times New Roman" panose="02020603050405020304" pitchFamily="18" charset="0"/>
+              <a:cs typeface="Times New Roman" panose="02020603050405020304" pitchFamily="18" charset="0"/>
+            </a:endParaRPr>
+          </a:p>
+          <a:p>
+            <a:pPr algn="just"/>
+            <a:r>
+              <a:rPr lang="ru-RU" sz="2400" dirty="0">
+                <a:latin typeface="Times New Roman" panose="02020603050405020304" pitchFamily="18" charset="0"/>
+                <a:cs typeface="Times New Roman" panose="02020603050405020304" pitchFamily="18" charset="0"/>
+              </a:rPr>
+              <a:t>Интеграция разработки в состав </a:t>
+            </a:r>
+            <a:r>
+              <a:rPr lang="ru-RU" sz="2400" dirty="0" err="1">
+                <a:latin typeface="Times New Roman" panose="02020603050405020304" pitchFamily="18" charset="0"/>
+                <a:cs typeface="Times New Roman" panose="02020603050405020304" pitchFamily="18" charset="0"/>
+              </a:rPr>
+              <a:t>web</a:t>
+            </a:r>
+            <a:r>
+              <a:rPr lang="ru-RU" sz="2400" dirty="0">
+                <a:latin typeface="Times New Roman" panose="02020603050405020304" pitchFamily="18" charset="0"/>
+                <a:cs typeface="Times New Roman" panose="02020603050405020304" pitchFamily="18" charset="0"/>
+              </a:rPr>
+              <a:t>-приложения </a:t>
+            </a:r>
+            <a:r>
+              <a:rPr lang="ru-RU" sz="2400" dirty="0" err="1">
+                <a:latin typeface="Times New Roman" panose="02020603050405020304" pitchFamily="18" charset="0"/>
+                <a:cs typeface="Times New Roman" panose="02020603050405020304" pitchFamily="18" charset="0"/>
+              </a:rPr>
+              <a:t>comwpc</a:t>
+            </a:r>
+            <a:r>
+              <a:rPr lang="ru-RU" sz="2400" dirty="0">
+                <a:latin typeface="Times New Roman" panose="02020603050405020304" pitchFamily="18" charset="0"/>
+                <a:cs typeface="Times New Roman" panose="02020603050405020304" pitchFamily="18" charset="0"/>
+              </a:rPr>
+              <a:t> и тестирование.</a:t>
+            </a:r>
+          </a:p>
+        </p:txBody>
+      </p:sp>
+      <p:sp>
+        <p:nvSpPr>
+          <p:cNvPr id="2" name="Номер слайда 1">
+            <a:extLst>
+              <a:ext uri="{FF2B5EF4-FFF2-40B4-BE49-F238E27FC236}">
+                <a16:creationId xmlns:a16="http://schemas.microsoft.com/office/drawing/2014/main" id="{E5A6EA0D-72FE-B12A-B37F-22BA48DEA966}"/>
+              </a:ext>
+            </a:extLst>
+          </p:cNvPr>
+          <p:cNvSpPr>
+            <a:spLocks noGrp="1"/>
+          </p:cNvSpPr>
+          <p:nvPr>
+            <p:ph type="sldNum" sz="quarter" idx="12"/>
+          </p:nvPr>
+        </p:nvSpPr>
+        <p:spPr/>
+        <p:txBody>
+          <a:bodyPr/>
+          <a:lstStyle/>
+          <a:p>
+            <a:fld id="{5552E39F-73D0-4A16-9BC8-08DD5BB183DF}" type="slidenum">
+              <a:rPr lang="ru-RU" smtClean="0"/>
+              <a:t>4</a:t>
+            </a:fld>
+            <a:endParaRPr lang="ru-RU"/>
+          </a:p>
+        </p:txBody>
+      </p:sp>
+      <p:sp>
+        <p:nvSpPr>
+          <p:cNvPr id="3" name="Заголовок 1">
+            <a:extLst>
+              <a:ext uri="{FF2B5EF4-FFF2-40B4-BE49-F238E27FC236}">
+                <a16:creationId xmlns:a16="http://schemas.microsoft.com/office/drawing/2014/main" id="{993C9459-D47B-5B3C-D080-55CA8909852B}"/>
+              </a:ext>
+            </a:extLst>
+          </p:cNvPr>
+          <p:cNvSpPr txBox="1">
+            <a:spLocks/>
+          </p:cNvSpPr>
+          <p:nvPr/>
+        </p:nvSpPr>
+        <p:spPr>
+          <a:xfrm>
+            <a:off x="346591" y="147766"/>
+            <a:ext cx="11498817" cy="1152299"/>
           </a:xfrm>
           <a:prstGeom prst="rect">
             <a:avLst/>
           </a:prstGeom>
-          <a:noFill/>
         </p:spPr>
         <p:txBody>
-          <a:bodyPr wrap="square">
-            <a:spAutoFit/>
+          <a:bodyPr vert="horz" lIns="91440" tIns="45720" rIns="91440" bIns="45720" rtlCol="0" anchor="t">
+            <a:normAutofit fontScale="97500"/>
           </a:bodyPr>
-          <a:lstStyle/>
-          <a:p>
-            <a:r>
-              <a:rPr lang="ru-RU" dirty="0">
-                <a:latin typeface="Times New Roman" panose="02020603050405020304" pitchFamily="18" charset="0"/>
-                <a:ea typeface="Calibri" panose="020F0502020204030204" pitchFamily="34" charset="0"/>
-              </a:rPr>
-              <a:t>Рис. </a:t>
-            </a:r>
-            <a:r>
-              <a:rPr lang="en-US" dirty="0">
-                <a:latin typeface="Times New Roman" panose="02020603050405020304" pitchFamily="18" charset="0"/>
-                <a:ea typeface="Calibri" panose="020F0502020204030204" pitchFamily="34" charset="0"/>
-              </a:rPr>
-              <a:t>1. </a:t>
-            </a:r>
-            <a:r>
-              <a:rPr lang="ru-RU" dirty="0">
-                <a:latin typeface="Times New Roman" panose="02020603050405020304" pitchFamily="18" charset="0"/>
-                <a:ea typeface="Calibri" panose="020F0502020204030204" pitchFamily="34" charset="0"/>
-              </a:rPr>
-              <a:t>Обобщенная схема ограничительного метода взаимодействия </a:t>
-            </a:r>
-            <a:endParaRPr lang="ru-RU" dirty="0"/>
+          <a:lstStyle>
+            <a:lvl1pPr algn="l" defTabSz="457200" rtl="0" eaLnBrk="1" latinLnBrk="0" hangingPunct="1">
+              <a:spcBef>
+                <a:spcPct val="0"/>
+              </a:spcBef>
+              <a:buNone/>
+              <a:defRPr sz="3600" kern="1200">
+                <a:solidFill>
+                  <a:schemeClr val="accent1"/>
+                </a:solidFill>
+                <a:latin typeface="+mj-lt"/>
+                <a:ea typeface="+mj-ea"/>
+                <a:cs typeface="+mj-cs"/>
+              </a:defRPr>
+            </a:lvl1pPr>
+            <a:lvl2pPr eaLnBrk="1" hangingPunct="1">
+              <a:defRPr>
+                <a:solidFill>
+                  <a:schemeClr val="tx2"/>
+                </a:solidFill>
+              </a:defRPr>
+            </a:lvl2pPr>
+            <a:lvl3pPr eaLnBrk="1" hangingPunct="1">
+              <a:defRPr>
+                <a:solidFill>
+                  <a:schemeClr val="tx2"/>
+                </a:solidFill>
+              </a:defRPr>
+            </a:lvl3pPr>
+            <a:lvl4pPr eaLnBrk="1" hangingPunct="1">
+              <a:defRPr>
+                <a:solidFill>
+                  <a:schemeClr val="tx2"/>
+                </a:solidFill>
+              </a:defRPr>
+            </a:lvl4pPr>
+            <a:lvl5pPr eaLnBrk="1" hangingPunct="1">
+              <a:defRPr>
+                <a:solidFill>
+                  <a:schemeClr val="tx2"/>
+                </a:solidFill>
+              </a:defRPr>
+            </a:lvl5pPr>
+            <a:lvl6pPr eaLnBrk="1" hangingPunct="1">
+              <a:defRPr>
+                <a:solidFill>
+                  <a:schemeClr val="tx2"/>
+                </a:solidFill>
+              </a:defRPr>
+            </a:lvl6pPr>
+            <a:lvl7pPr eaLnBrk="1" hangingPunct="1">
+              <a:defRPr>
+                <a:solidFill>
+                  <a:schemeClr val="tx2"/>
+                </a:solidFill>
+              </a:defRPr>
+            </a:lvl7pPr>
+            <a:lvl8pPr eaLnBrk="1" hangingPunct="1">
+              <a:defRPr>
+                <a:solidFill>
+                  <a:schemeClr val="tx2"/>
+                </a:solidFill>
+              </a:defRPr>
+            </a:lvl8pPr>
+            <a:lvl9pPr eaLnBrk="1" hangingPunct="1">
+              <a:defRPr>
+                <a:solidFill>
+                  <a:schemeClr val="tx2"/>
+                </a:solidFill>
+              </a:defRPr>
+            </a:lvl9pPr>
+          </a:lstStyle>
+          <a:p>
+            <a:r>
+              <a:rPr lang="ru-RU" sz="2600" b="1" dirty="0">
+                <a:solidFill>
+                  <a:schemeClr val="tx1"/>
+                </a:solidFill>
+                <a:latin typeface="Times New Roman" panose="02020603050405020304" pitchFamily="18" charset="0"/>
+                <a:cs typeface="Times New Roman" panose="02020603050405020304" pitchFamily="18" charset="0"/>
+              </a:rPr>
+              <a:t>Постановка задачи</a:t>
+            </a:r>
+          </a:p>
+          <a:p>
+            <a:r>
+              <a:rPr lang="ru-RU" sz="2500" b="1" dirty="0">
+                <a:solidFill>
+                  <a:schemeClr val="tx1"/>
+                </a:solidFill>
+                <a:latin typeface="Times New Roman" panose="02020603050405020304" pitchFamily="18" charset="0"/>
+                <a:cs typeface="Times New Roman" panose="02020603050405020304" pitchFamily="18" charset="0"/>
+              </a:rPr>
+              <a:t> </a:t>
+            </a:r>
+          </a:p>
+          <a:p>
+            <a:endParaRPr lang="ru-RU" sz="2500" b="1" dirty="0">
+              <a:solidFill>
+                <a:schemeClr val="tx1"/>
+              </a:solidFill>
+              <a:latin typeface="Times New Roman" panose="02020603050405020304" pitchFamily="18" charset="0"/>
+              <a:cs typeface="Times New Roman" panose="02020603050405020304" pitchFamily="18" charset="0"/>
+            </a:endParaRPr>
           </a:p>
         </p:txBody>
       </p:sp>
     </p:spTree>
     <p:extLst>
       <p:ext uri="{BB962C8B-B14F-4D97-AF65-F5344CB8AC3E}">
-        <p14:creationId xmlns:p14="http://schemas.microsoft.com/office/powerpoint/2010/main" val="2077059671"/>
+        <p14:creationId xmlns:p14="http://schemas.microsoft.com/office/powerpoint/2010/main" val="1132650357"/>
       </p:ext>
     </p:extLst>
   </p:cSld>
@@ -6482,10 +7468,10 @@
       </p:grpSpPr>
       <p:sp>
         <p:nvSpPr>
-          <p:cNvPr id="12" name="Объект 2">
+          <p:cNvPr id="8" name="Заголовок 1">
             <a:extLst>
               <a:ext uri="{FF2B5EF4-FFF2-40B4-BE49-F238E27FC236}">
-                <a16:creationId xmlns:a16="http://schemas.microsoft.com/office/drawing/2014/main" id="{8AC3DBDB-907E-5812-36EF-ED5D2598CB20}"/>
+                <a16:creationId xmlns:a16="http://schemas.microsoft.com/office/drawing/2014/main" id="{97A3A147-0937-5E8E-B8C7-105D4A412B32}"/>
               </a:ext>
             </a:extLst>
           </p:cNvPr>
@@ -6496,425 +7482,8 @@
         </p:nvSpPr>
         <p:spPr>
           <a:xfrm>
-            <a:off x="346591" y="1236792"/>
-            <a:ext cx="3528723" cy="480491"/>
-          </a:xfrm>
-          <a:prstGeom prst="rect">
-            <a:avLst/>
-          </a:prstGeom>
-        </p:spPr>
-        <p:txBody>
-          <a:bodyPr vert="horz" lIns="91440" tIns="45720" rIns="91440" bIns="45720" rtlCol="0">
-            <a:normAutofit/>
-          </a:bodyPr>
-          <a:lstStyle>
-            <a:lvl1pPr marL="228600" indent="-228600" algn="l" defTabSz="914400" rtl="0" eaLnBrk="1" latinLnBrk="0" hangingPunct="1">
-              <a:lnSpc>
-                <a:spcPct val="90000"/>
-              </a:lnSpc>
-              <a:spcBef>
-                <a:spcPts val="1000"/>
-              </a:spcBef>
-              <a:buFont typeface="Arial" panose="020B0604020202020204" pitchFamily="34" charset="0"/>
-              <a:buChar char="•"/>
-              <a:defRPr sz="2800" kern="1200">
-                <a:solidFill>
-                  <a:schemeClr val="tx1"/>
-                </a:solidFill>
-                <a:latin typeface="+mn-lt"/>
-                <a:ea typeface="+mn-ea"/>
-                <a:cs typeface="+mn-cs"/>
-              </a:defRPr>
-            </a:lvl1pPr>
-            <a:lvl2pPr marL="685800" indent="-228600" algn="l" defTabSz="914400" rtl="0" eaLnBrk="1" latinLnBrk="0" hangingPunct="1">
-              <a:lnSpc>
-                <a:spcPct val="90000"/>
-              </a:lnSpc>
-              <a:spcBef>
-                <a:spcPts val="500"/>
-              </a:spcBef>
-              <a:buFont typeface="Arial" panose="020B0604020202020204" pitchFamily="34" charset="0"/>
-              <a:buChar char="•"/>
-              <a:defRPr sz="2400" kern="1200">
-                <a:solidFill>
-                  <a:schemeClr val="tx1"/>
-                </a:solidFill>
-                <a:latin typeface="+mn-lt"/>
-                <a:ea typeface="+mn-ea"/>
-                <a:cs typeface="+mn-cs"/>
-              </a:defRPr>
-            </a:lvl2pPr>
-            <a:lvl3pPr marL="1143000" indent="-228600" algn="l" defTabSz="914400" rtl="0" eaLnBrk="1" latinLnBrk="0" hangingPunct="1">
-              <a:lnSpc>
-                <a:spcPct val="90000"/>
-              </a:lnSpc>
-              <a:spcBef>
-                <a:spcPts val="500"/>
-              </a:spcBef>
-              <a:buFont typeface="Arial" panose="020B0604020202020204" pitchFamily="34" charset="0"/>
-              <a:buChar char="•"/>
-              <a:defRPr sz="2000" kern="1200">
-                <a:solidFill>
-                  <a:schemeClr val="tx1"/>
-                </a:solidFill>
-                <a:latin typeface="+mn-lt"/>
-                <a:ea typeface="+mn-ea"/>
-                <a:cs typeface="+mn-cs"/>
-              </a:defRPr>
-            </a:lvl3pPr>
-            <a:lvl4pPr marL="1600200" indent="-228600" algn="l" defTabSz="914400" rtl="0" eaLnBrk="1" latinLnBrk="0" hangingPunct="1">
-              <a:lnSpc>
-                <a:spcPct val="90000"/>
-              </a:lnSpc>
-              <a:spcBef>
-                <a:spcPts val="500"/>
-              </a:spcBef>
-              <a:buFont typeface="Arial" panose="020B0604020202020204" pitchFamily="34" charset="0"/>
-              <a:buChar char="•"/>
-              <a:defRPr sz="1800" kern="1200">
-                <a:solidFill>
-                  <a:schemeClr val="tx1"/>
-                </a:solidFill>
-                <a:latin typeface="+mn-lt"/>
-                <a:ea typeface="+mn-ea"/>
-                <a:cs typeface="+mn-cs"/>
-              </a:defRPr>
-            </a:lvl4pPr>
-            <a:lvl5pPr marL="2057400" indent="-228600" algn="l" defTabSz="914400" rtl="0" eaLnBrk="1" latinLnBrk="0" hangingPunct="1">
-              <a:lnSpc>
-                <a:spcPct val="90000"/>
-              </a:lnSpc>
-              <a:spcBef>
-                <a:spcPts val="500"/>
-              </a:spcBef>
-              <a:buFont typeface="Arial" panose="020B0604020202020204" pitchFamily="34" charset="0"/>
-              <a:buChar char="•"/>
-              <a:defRPr sz="1800" kern="1200">
-                <a:solidFill>
-                  <a:schemeClr val="tx1"/>
-                </a:solidFill>
-                <a:latin typeface="+mn-lt"/>
-                <a:ea typeface="+mn-ea"/>
-                <a:cs typeface="+mn-cs"/>
-              </a:defRPr>
-            </a:lvl5pPr>
-            <a:lvl6pPr marL="2514600" indent="-228600" algn="l" defTabSz="914400" rtl="0" eaLnBrk="1" latinLnBrk="0" hangingPunct="1">
-              <a:lnSpc>
-                <a:spcPct val="90000"/>
-              </a:lnSpc>
-              <a:spcBef>
-                <a:spcPts val="500"/>
-              </a:spcBef>
-              <a:buFont typeface="Arial" panose="020B0604020202020204" pitchFamily="34" charset="0"/>
-              <a:buChar char="•"/>
-              <a:defRPr sz="1800" kern="1200">
-                <a:solidFill>
-                  <a:schemeClr val="tx1"/>
-                </a:solidFill>
-                <a:latin typeface="+mn-lt"/>
-                <a:ea typeface="+mn-ea"/>
-                <a:cs typeface="+mn-cs"/>
-              </a:defRPr>
-            </a:lvl6pPr>
-            <a:lvl7pPr marL="2971800" indent="-228600" algn="l" defTabSz="914400" rtl="0" eaLnBrk="1" latinLnBrk="0" hangingPunct="1">
-              <a:lnSpc>
-                <a:spcPct val="90000"/>
-              </a:lnSpc>
-              <a:spcBef>
-                <a:spcPts val="500"/>
-              </a:spcBef>
-              <a:buFont typeface="Arial" panose="020B0604020202020204" pitchFamily="34" charset="0"/>
-              <a:buChar char="•"/>
-              <a:defRPr sz="1800" kern="1200">
-                <a:solidFill>
-                  <a:schemeClr val="tx1"/>
-                </a:solidFill>
-                <a:latin typeface="+mn-lt"/>
-                <a:ea typeface="+mn-ea"/>
-                <a:cs typeface="+mn-cs"/>
-              </a:defRPr>
-            </a:lvl7pPr>
-            <a:lvl8pPr marL="3429000" indent="-228600" algn="l" defTabSz="914400" rtl="0" eaLnBrk="1" latinLnBrk="0" hangingPunct="1">
-              <a:lnSpc>
-                <a:spcPct val="90000"/>
-              </a:lnSpc>
-              <a:spcBef>
-                <a:spcPts val="500"/>
-              </a:spcBef>
-              <a:buFont typeface="Arial" panose="020B0604020202020204" pitchFamily="34" charset="0"/>
-              <a:buChar char="•"/>
-              <a:defRPr sz="1800" kern="1200">
-                <a:solidFill>
-                  <a:schemeClr val="tx1"/>
-                </a:solidFill>
-                <a:latin typeface="+mn-lt"/>
-                <a:ea typeface="+mn-ea"/>
-                <a:cs typeface="+mn-cs"/>
-              </a:defRPr>
-            </a:lvl8pPr>
-            <a:lvl9pPr marL="3886200" indent="-228600" algn="l" defTabSz="914400" rtl="0" eaLnBrk="1" latinLnBrk="0" hangingPunct="1">
-              <a:lnSpc>
-                <a:spcPct val="90000"/>
-              </a:lnSpc>
-              <a:spcBef>
-                <a:spcPts val="500"/>
-              </a:spcBef>
-              <a:buFont typeface="Arial" panose="020B0604020202020204" pitchFamily="34" charset="0"/>
-              <a:buChar char="•"/>
-              <a:defRPr sz="1800" kern="1200">
-                <a:solidFill>
-                  <a:schemeClr val="tx1"/>
-                </a:solidFill>
-                <a:latin typeface="+mn-lt"/>
-                <a:ea typeface="+mn-ea"/>
-                <a:cs typeface="+mn-cs"/>
-              </a:defRPr>
-            </a:lvl9pPr>
-          </a:lstStyle>
-          <a:p>
-            <a:pPr marL="514350" indent="-514350">
-              <a:buFont typeface="+mj-lt"/>
-              <a:buAutoNum type="arabicPeriod" startAt="2"/>
-            </a:pPr>
-            <a:r>
-              <a:rPr lang="ru-RU" dirty="0">
-                <a:latin typeface="Times New Roman" panose="02020603050405020304" pitchFamily="18" charset="0"/>
-                <a:cs typeface="Times New Roman" panose="02020603050405020304" pitchFamily="18" charset="0"/>
-              </a:rPr>
-              <a:t>Направляющий</a:t>
-            </a:r>
-          </a:p>
-        </p:txBody>
-      </p:sp>
-      <p:pic>
-        <p:nvPicPr>
-          <p:cNvPr id="11" name="Рисунок 10">
-            <a:extLst>
-              <a:ext uri="{FF2B5EF4-FFF2-40B4-BE49-F238E27FC236}">
-                <a16:creationId xmlns:a16="http://schemas.microsoft.com/office/drawing/2014/main" id="{52545634-CBF6-27D5-D19E-D51B3449DFEE}"/>
-              </a:ext>
-            </a:extLst>
-          </p:cNvPr>
-          <p:cNvPicPr>
-            <a:picLocks noChangeAspect="1"/>
-          </p:cNvPicPr>
-          <p:nvPr/>
-        </p:nvPicPr>
-        <p:blipFill>
-          <a:blip r:embed="rId2">
-            <a:extLst>
-              <a:ext uri="{28A0092B-C50C-407E-A947-70E740481C1C}">
-                <a14:useLocalDpi xmlns:a14="http://schemas.microsoft.com/office/drawing/2010/main" val="0"/>
-              </a:ext>
-            </a:extLst>
-          </a:blip>
-          <a:stretch>
-            <a:fillRect/>
-          </a:stretch>
-        </p:blipFill>
-        <p:spPr>
-          <a:xfrm>
-            <a:off x="7683205" y="0"/>
-            <a:ext cx="4265603" cy="6208460"/>
-          </a:xfrm>
-          <a:prstGeom prst="rect">
-            <a:avLst/>
-          </a:prstGeom>
-        </p:spPr>
-      </p:pic>
-      <p:sp>
-        <p:nvSpPr>
-          <p:cNvPr id="14" name="TextBox 13">
-            <a:extLst>
-              <a:ext uri="{FF2B5EF4-FFF2-40B4-BE49-F238E27FC236}">
-                <a16:creationId xmlns:a16="http://schemas.microsoft.com/office/drawing/2014/main" id="{43299FBC-8D49-B14A-3CCF-A81BAF298115}"/>
-              </a:ext>
-            </a:extLst>
-          </p:cNvPr>
-          <p:cNvSpPr txBox="1"/>
-          <p:nvPr/>
-        </p:nvSpPr>
-        <p:spPr>
-          <a:xfrm>
-            <a:off x="346591" y="1717283"/>
-            <a:ext cx="7250711" cy="3693319"/>
-          </a:xfrm>
-          <a:prstGeom prst="rect">
-            <a:avLst/>
-          </a:prstGeom>
-          <a:noFill/>
-        </p:spPr>
-        <p:txBody>
-          <a:bodyPr wrap="square">
-            <a:spAutoFit/>
-          </a:bodyPr>
-          <a:lstStyle/>
-          <a:p>
-            <a:pPr algn="just"/>
-            <a:r>
-              <a:rPr lang="ru-RU" b="0" dirty="0">
-                <a:effectLst/>
-                <a:latin typeface="Times New Roman" panose="02020603050405020304" pitchFamily="18" charset="0"/>
-                <a:cs typeface="Times New Roman" panose="02020603050405020304" pitchFamily="18" charset="0"/>
-              </a:rPr>
-              <a:t>	Основой направляющего метода является DT-модель (модель диалоговой транзакции).</a:t>
-            </a:r>
-          </a:p>
-          <a:p>
-            <a:pPr algn="just"/>
-            <a:r>
-              <a:rPr lang="ru-RU" b="0" dirty="0">
-                <a:effectLst/>
-                <a:latin typeface="Times New Roman" panose="02020603050405020304" pitchFamily="18" charset="0"/>
-                <a:cs typeface="Times New Roman" panose="02020603050405020304" pitchFamily="18" charset="0"/>
-              </a:rPr>
-              <a:t>	Направляющий метод взаимодействия “пользователь-ЭВМ” состоит из следующих основных этапов:</a:t>
-            </a:r>
-            <a:endParaRPr lang="en-US" b="0" dirty="0">
-              <a:effectLst/>
-              <a:latin typeface="Times New Roman" panose="02020603050405020304" pitchFamily="18" charset="0"/>
-              <a:cs typeface="Times New Roman" panose="02020603050405020304" pitchFamily="18" charset="0"/>
-            </a:endParaRPr>
-          </a:p>
-          <a:p>
-            <a:pPr marL="285750" indent="-285750" algn="just">
-              <a:buFont typeface="Arial" panose="020B0604020202020204" pitchFamily="34" charset="0"/>
-              <a:buChar char="•"/>
-            </a:pPr>
-            <a:r>
-              <a:rPr lang="ru-RU" b="0" dirty="0">
-                <a:effectLst/>
-                <a:latin typeface="Times New Roman" panose="02020603050405020304" pitchFamily="18" charset="0"/>
-                <a:cs typeface="Times New Roman" panose="02020603050405020304" pitchFamily="18" charset="0"/>
-              </a:rPr>
-              <a:t>информирование пользователя о множестве допустимых заданий, которые может выполнять ЭВМ в рамках данного приложения;</a:t>
-            </a:r>
-            <a:endParaRPr lang="en-US" b="0" dirty="0">
-              <a:effectLst/>
-              <a:latin typeface="Times New Roman" panose="02020603050405020304" pitchFamily="18" charset="0"/>
-              <a:cs typeface="Times New Roman" panose="02020603050405020304" pitchFamily="18" charset="0"/>
-            </a:endParaRPr>
-          </a:p>
-          <a:p>
-            <a:pPr marL="285750" indent="-285750" algn="just">
-              <a:buFont typeface="Arial" panose="020B0604020202020204" pitchFamily="34" charset="0"/>
-              <a:buChar char="•"/>
-            </a:pPr>
-            <a:r>
-              <a:rPr lang="ru-RU" b="0" dirty="0">
-                <a:effectLst/>
-                <a:latin typeface="Times New Roman" panose="02020603050405020304" pitchFamily="18" charset="0"/>
-                <a:cs typeface="Times New Roman" panose="02020603050405020304" pitchFamily="18" charset="0"/>
-              </a:rPr>
-              <a:t>выбор пользователем задания по меню заданий и передача его ЭВМ на выполнение;</a:t>
-            </a:r>
-            <a:endParaRPr lang="en-US" b="0" dirty="0">
-              <a:effectLst/>
-              <a:latin typeface="Times New Roman" panose="02020603050405020304" pitchFamily="18" charset="0"/>
-              <a:cs typeface="Times New Roman" panose="02020603050405020304" pitchFamily="18" charset="0"/>
-            </a:endParaRPr>
-          </a:p>
-          <a:p>
-            <a:pPr marL="285750" indent="-285750" algn="just">
-              <a:buFont typeface="Arial" panose="020B0604020202020204" pitchFamily="34" charset="0"/>
-              <a:buChar char="•"/>
-            </a:pPr>
-            <a:r>
-              <a:rPr lang="ru-RU" b="0" dirty="0">
-                <a:effectLst/>
-                <a:latin typeface="Times New Roman" panose="02020603050405020304" pitchFamily="18" charset="0"/>
-                <a:cs typeface="Times New Roman" panose="02020603050405020304" pitchFamily="18" charset="0"/>
-              </a:rPr>
-              <a:t>планирование процесса взаимодействия при выполнении задания;</a:t>
-            </a:r>
-            <a:endParaRPr lang="en-US" b="0" dirty="0">
-              <a:effectLst/>
-              <a:latin typeface="Times New Roman" panose="02020603050405020304" pitchFamily="18" charset="0"/>
-              <a:cs typeface="Times New Roman" panose="02020603050405020304" pitchFamily="18" charset="0"/>
-            </a:endParaRPr>
-          </a:p>
-          <a:p>
-            <a:pPr marL="285750" indent="-285750" algn="just">
-              <a:buFont typeface="Arial" panose="020B0604020202020204" pitchFamily="34" charset="0"/>
-              <a:buChar char="•"/>
-            </a:pPr>
-            <a:r>
-              <a:rPr lang="ru-RU" b="0" dirty="0">
-                <a:effectLst/>
-                <a:latin typeface="Times New Roman" panose="02020603050405020304" pitchFamily="18" charset="0"/>
-                <a:cs typeface="Times New Roman" panose="02020603050405020304" pitchFamily="18" charset="0"/>
-              </a:rPr>
-              <a:t>ввод пользователем данных, необходимых ЭВМ для выполнения задания;</a:t>
-            </a:r>
-            <a:endParaRPr lang="en-US" b="0" dirty="0">
-              <a:effectLst/>
-              <a:latin typeface="Times New Roman" panose="02020603050405020304" pitchFamily="18" charset="0"/>
-              <a:cs typeface="Times New Roman" panose="02020603050405020304" pitchFamily="18" charset="0"/>
-            </a:endParaRPr>
-          </a:p>
-          <a:p>
-            <a:pPr marL="285750" indent="-285750" algn="just">
-              <a:buFont typeface="Arial" panose="020B0604020202020204" pitchFamily="34" charset="0"/>
-              <a:buChar char="•"/>
-            </a:pPr>
-            <a:r>
-              <a:rPr lang="ru-RU" b="0" dirty="0">
-                <a:effectLst/>
-                <a:latin typeface="Times New Roman" panose="02020603050405020304" pitchFamily="18" charset="0"/>
-                <a:cs typeface="Times New Roman" panose="02020603050405020304" pitchFamily="18" charset="0"/>
-              </a:rPr>
-              <a:t>передача пользователю результатов выполнения задания и их оценка пользователем. </a:t>
-            </a:r>
-          </a:p>
-        </p:txBody>
-      </p:sp>
-      <p:sp>
-        <p:nvSpPr>
-          <p:cNvPr id="2" name="Номер слайда 1">
-            <a:extLst>
-              <a:ext uri="{FF2B5EF4-FFF2-40B4-BE49-F238E27FC236}">
-                <a16:creationId xmlns:a16="http://schemas.microsoft.com/office/drawing/2014/main" id="{4DD2C642-A312-658D-A22C-6708E158B99C}"/>
-              </a:ext>
-            </a:extLst>
-          </p:cNvPr>
-          <p:cNvSpPr>
-            <a:spLocks noGrp="1"/>
-          </p:cNvSpPr>
-          <p:nvPr>
-            <p:ph type="sldNum" sz="quarter" idx="12"/>
-          </p:nvPr>
-        </p:nvSpPr>
-        <p:spPr/>
-        <p:txBody>
-          <a:bodyPr/>
-          <a:lstStyle/>
-          <a:p>
-            <a:fld id="{5552E39F-73D0-4A16-9BC8-08DD5BB183DF}" type="slidenum">
-              <a:rPr lang="ru-RU" smtClean="0"/>
-              <a:t>5</a:t>
-            </a:fld>
-            <a:endParaRPr lang="ru-RU"/>
-          </a:p>
-        </p:txBody>
-      </p:sp>
-      <p:sp>
-        <p:nvSpPr>
-          <p:cNvPr id="3" name="Заголовок 1">
-            <a:extLst>
-              <a:ext uri="{FF2B5EF4-FFF2-40B4-BE49-F238E27FC236}">
-                <a16:creationId xmlns:a16="http://schemas.microsoft.com/office/drawing/2014/main" id="{D5761128-2D04-B246-34AE-DEC045EE2A48}"/>
-              </a:ext>
-            </a:extLst>
-          </p:cNvPr>
-          <p:cNvSpPr txBox="1">
-            <a:spLocks/>
-          </p:cNvSpPr>
-          <p:nvPr/>
-        </p:nvSpPr>
-        <p:spPr>
-          <a:xfrm>
-            <a:off x="346591" y="147767"/>
-            <a:ext cx="11498817" cy="1046920"/>
+            <a:off x="1008328" y="5359745"/>
+            <a:ext cx="11498817" cy="1320800"/>
           </a:xfrm>
           <a:prstGeom prst="rect">
             <a:avLst/>
@@ -6997,76 +7566,210 @@
             </a:lvl9pPr>
           </a:lstStyle>
           <a:p>
-            <a:r>
-              <a:rPr lang="ru-RU" sz="2600" b="1" dirty="0">
-                <a:solidFill>
-                  <a:schemeClr val="tx1"/>
-                </a:solidFill>
-                <a:latin typeface="Times New Roman" panose="02020603050405020304" pitchFamily="18" charset="0"/>
-                <a:cs typeface="Times New Roman" panose="02020603050405020304" pitchFamily="18" charset="0"/>
-              </a:rPr>
-              <a:t>Методы взаимодействия пользователя и ЭВМ</a:t>
-            </a:r>
-          </a:p>
-        </p:txBody>
-      </p:sp>
-      <p:sp>
-        <p:nvSpPr>
-          <p:cNvPr id="7" name="TextBox 6">
+            <a:endParaRPr lang="ru-RU" b="1" dirty="0">
+              <a:solidFill>
+                <a:schemeClr val="tx1"/>
+              </a:solidFill>
+            </a:endParaRPr>
+          </a:p>
+        </p:txBody>
+      </p:sp>
+      <p:sp>
+        <p:nvSpPr>
+          <p:cNvPr id="2" name="Номер слайда 1">
             <a:extLst>
               <a:ext uri="{FF2B5EF4-FFF2-40B4-BE49-F238E27FC236}">
-                <a16:creationId xmlns:a16="http://schemas.microsoft.com/office/drawing/2014/main" id="{E45F595B-DE26-6667-7E6F-E265CDFC6B98}"/>
+                <a16:creationId xmlns:a16="http://schemas.microsoft.com/office/drawing/2014/main" id="{E5A6EA0D-72FE-B12A-B37F-22BA48DEA966}"/>
               </a:ext>
             </a:extLst>
           </p:cNvPr>
-          <p:cNvSpPr txBox="1"/>
+          <p:cNvSpPr>
+            <a:spLocks noGrp="1"/>
+          </p:cNvSpPr>
+          <p:nvPr>
+            <p:ph type="sldNum" sz="quarter" idx="12"/>
+          </p:nvPr>
+        </p:nvSpPr>
+        <p:spPr/>
+        <p:txBody>
+          <a:bodyPr/>
+          <a:lstStyle/>
+          <a:p>
+            <a:fld id="{5552E39F-73D0-4A16-9BC8-08DD5BB183DF}" type="slidenum">
+              <a:rPr lang="ru-RU" smtClean="0"/>
+              <a:t>5</a:t>
+            </a:fld>
+            <a:endParaRPr lang="ru-RU"/>
+          </a:p>
+        </p:txBody>
+      </p:sp>
+      <p:sp>
+        <p:nvSpPr>
+          <p:cNvPr id="3" name="Заголовок 1">
+            <a:extLst>
+              <a:ext uri="{FF2B5EF4-FFF2-40B4-BE49-F238E27FC236}">
+                <a16:creationId xmlns:a16="http://schemas.microsoft.com/office/drawing/2014/main" id="{993C9459-D47B-5B3C-D080-55CA8909852B}"/>
+              </a:ext>
+            </a:extLst>
+          </p:cNvPr>
+          <p:cNvSpPr txBox="1">
+            <a:spLocks/>
+          </p:cNvSpPr>
           <p:nvPr/>
         </p:nvSpPr>
         <p:spPr>
           <a:xfrm>
-            <a:off x="7597301" y="6160386"/>
-            <a:ext cx="4594699" cy="646331"/>
+            <a:off x="346591" y="147767"/>
+            <a:ext cx="11498817" cy="1046920"/>
           </a:xfrm>
           <a:prstGeom prst="rect">
             <a:avLst/>
           </a:prstGeom>
-          <a:noFill/>
         </p:spPr>
         <p:txBody>
-          <a:bodyPr wrap="square">
-            <a:spAutoFit/>
+          <a:bodyPr vert="horz" lIns="91440" tIns="45720" rIns="91440" bIns="45720" rtlCol="0" anchor="t">
+            <a:normAutofit fontScale="97500"/>
           </a:bodyPr>
-          <a:lstStyle/>
-          <a:p>
-            <a:r>
-              <a:rPr lang="ru-RU" dirty="0">
-                <a:latin typeface="Times New Roman" panose="02020603050405020304" pitchFamily="18" charset="0"/>
-                <a:ea typeface="Calibri" panose="020F0502020204030204" pitchFamily="34" charset="0"/>
-              </a:rPr>
-              <a:t>Рис. 2</a:t>
-            </a:r>
-            <a:r>
-              <a:rPr lang="en-US" dirty="0">
-                <a:latin typeface="Times New Roman" panose="02020603050405020304" pitchFamily="18" charset="0"/>
-                <a:ea typeface="Calibri" panose="020F0502020204030204" pitchFamily="34" charset="0"/>
-              </a:rPr>
-              <a:t>. </a:t>
-            </a:r>
-            <a:r>
-              <a:rPr lang="ru-RU" dirty="0">
-                <a:latin typeface="Times New Roman" panose="02020603050405020304" pitchFamily="18" charset="0"/>
-                <a:ea typeface="Calibri" panose="020F0502020204030204" pitchFamily="34" charset="0"/>
-              </a:rPr>
-              <a:t>Обобщенная схема направляющего метода взаимодействия </a:t>
-            </a:r>
-            <a:endParaRPr lang="ru-RU" dirty="0"/>
-          </a:p>
-        </p:txBody>
-      </p:sp>
+          <a:lstStyle>
+            <a:lvl1pPr algn="l" defTabSz="457200" rtl="0" eaLnBrk="1" latinLnBrk="0" hangingPunct="1">
+              <a:spcBef>
+                <a:spcPct val="0"/>
+              </a:spcBef>
+              <a:buNone/>
+              <a:defRPr sz="3600" kern="1200">
+                <a:solidFill>
+                  <a:schemeClr val="accent1"/>
+                </a:solidFill>
+                <a:latin typeface="+mj-lt"/>
+                <a:ea typeface="+mj-ea"/>
+                <a:cs typeface="+mj-cs"/>
+              </a:defRPr>
+            </a:lvl1pPr>
+            <a:lvl2pPr eaLnBrk="1" hangingPunct="1">
+              <a:defRPr>
+                <a:solidFill>
+                  <a:schemeClr val="tx2"/>
+                </a:solidFill>
+              </a:defRPr>
+            </a:lvl2pPr>
+            <a:lvl3pPr eaLnBrk="1" hangingPunct="1">
+              <a:defRPr>
+                <a:solidFill>
+                  <a:schemeClr val="tx2"/>
+                </a:solidFill>
+              </a:defRPr>
+            </a:lvl3pPr>
+            <a:lvl4pPr eaLnBrk="1" hangingPunct="1">
+              <a:defRPr>
+                <a:solidFill>
+                  <a:schemeClr val="tx2"/>
+                </a:solidFill>
+              </a:defRPr>
+            </a:lvl4pPr>
+            <a:lvl5pPr eaLnBrk="1" hangingPunct="1">
+              <a:defRPr>
+                <a:solidFill>
+                  <a:schemeClr val="tx2"/>
+                </a:solidFill>
+              </a:defRPr>
+            </a:lvl5pPr>
+            <a:lvl6pPr eaLnBrk="1" hangingPunct="1">
+              <a:defRPr>
+                <a:solidFill>
+                  <a:schemeClr val="tx2"/>
+                </a:solidFill>
+              </a:defRPr>
+            </a:lvl6pPr>
+            <a:lvl7pPr eaLnBrk="1" hangingPunct="1">
+              <a:defRPr>
+                <a:solidFill>
+                  <a:schemeClr val="tx2"/>
+                </a:solidFill>
+              </a:defRPr>
+            </a:lvl7pPr>
+            <a:lvl8pPr eaLnBrk="1" hangingPunct="1">
+              <a:defRPr>
+                <a:solidFill>
+                  <a:schemeClr val="tx2"/>
+                </a:solidFill>
+              </a:defRPr>
+            </a:lvl8pPr>
+            <a:lvl9pPr eaLnBrk="1" hangingPunct="1">
+              <a:defRPr>
+                <a:solidFill>
+                  <a:schemeClr val="tx2"/>
+                </a:solidFill>
+              </a:defRPr>
+            </a:lvl9pPr>
+          </a:lstStyle>
+          <a:p>
+            <a:r>
+              <a:rPr lang="ru-RU" sz="2600" b="1" dirty="0">
+                <a:solidFill>
+                  <a:schemeClr val="tx1"/>
+                </a:solidFill>
+                <a:latin typeface="Times New Roman" panose="02020603050405020304" pitchFamily="18" charset="0"/>
+                <a:cs typeface="Times New Roman" panose="02020603050405020304" pitchFamily="18" charset="0"/>
+              </a:rPr>
+              <a:t>Постановка задачи</a:t>
+            </a:r>
+          </a:p>
+          <a:p>
+            <a:r>
+              <a:rPr lang="ru-RU" sz="2500" b="1" dirty="0">
+                <a:solidFill>
+                  <a:schemeClr val="tx1"/>
+                </a:solidFill>
+                <a:latin typeface="Times New Roman" panose="02020603050405020304" pitchFamily="18" charset="0"/>
+                <a:cs typeface="Times New Roman" panose="02020603050405020304" pitchFamily="18" charset="0"/>
+              </a:rPr>
+              <a:t> </a:t>
+            </a:r>
+          </a:p>
+          <a:p>
+            <a:endParaRPr lang="ru-RU" sz="2500" b="1" dirty="0">
+              <a:solidFill>
+                <a:schemeClr val="tx1"/>
+              </a:solidFill>
+              <a:latin typeface="Times New Roman" panose="02020603050405020304" pitchFamily="18" charset="0"/>
+              <a:cs typeface="Times New Roman" panose="02020603050405020304" pitchFamily="18" charset="0"/>
+            </a:endParaRPr>
+          </a:p>
+        </p:txBody>
+      </p:sp>
+      <p:pic>
+        <p:nvPicPr>
+          <p:cNvPr id="11" name="Рисунок 10">
+            <a:extLst>
+              <a:ext uri="{FF2B5EF4-FFF2-40B4-BE49-F238E27FC236}">
+                <a16:creationId xmlns:a16="http://schemas.microsoft.com/office/drawing/2014/main" id="{D1A6360F-1EF6-C145-C094-C2F974817B96}"/>
+              </a:ext>
+            </a:extLst>
+          </p:cNvPr>
+          <p:cNvPicPr>
+            <a:picLocks noChangeAspect="1"/>
+          </p:cNvPicPr>
+          <p:nvPr/>
+        </p:nvPicPr>
+        <p:blipFill rotWithShape="1">
+          <a:blip r:embed="rId2"/>
+          <a:srcRect l="7809" t="3628" r="3167" b="1991"/>
+          <a:stretch/>
+        </p:blipFill>
+        <p:spPr>
+          <a:xfrm>
+            <a:off x="3396342" y="0"/>
+            <a:ext cx="8469092" cy="6858000"/>
+          </a:xfrm>
+          <a:prstGeom prst="rect">
+            <a:avLst/>
+          </a:prstGeom>
+        </p:spPr>
+      </p:pic>
     </p:spTree>
     <p:extLst>
       <p:ext uri="{BB962C8B-B14F-4D97-AF65-F5344CB8AC3E}">
-        <p14:creationId xmlns:p14="http://schemas.microsoft.com/office/powerpoint/2010/main" val="3186367595"/>
+        <p14:creationId xmlns:p14="http://schemas.microsoft.com/office/powerpoint/2010/main" val="153372662"/>
       </p:ext>
     </p:extLst>
   </p:cSld>
@@ -7093,164 +7796,12 @@
           <a:chExt cx="0" cy="0"/>
         </a:xfrm>
       </p:grpSpPr>
-      <p:pic>
-        <p:nvPicPr>
-          <p:cNvPr id="4" name="Рисунок 3">
-            <a:extLst>
-              <a:ext uri="{FF2B5EF4-FFF2-40B4-BE49-F238E27FC236}">
-                <a16:creationId xmlns:a16="http://schemas.microsoft.com/office/drawing/2014/main" id="{7ED478AC-D890-0DF8-E973-615C6E4AE5C1}"/>
-              </a:ext>
-            </a:extLst>
-          </p:cNvPr>
-          <p:cNvPicPr>
-            <a:picLocks noChangeAspect="1"/>
-          </p:cNvPicPr>
-          <p:nvPr/>
-        </p:nvPicPr>
-        <p:blipFill rotWithShape="1">
-          <a:blip r:embed="rId3"/>
-          <a:srcRect r="1070"/>
-          <a:stretch/>
-        </p:blipFill>
-        <p:spPr>
-          <a:xfrm>
-            <a:off x="8479652" y="248510"/>
-            <a:ext cx="3383901" cy="3174269"/>
-          </a:xfrm>
-          <a:prstGeom prst="rect">
-            <a:avLst/>
-          </a:prstGeom>
-        </p:spPr>
-      </p:pic>
-      <p:sp>
-        <p:nvSpPr>
-          <p:cNvPr id="11" name="TextBox 10">
-            <a:extLst>
-              <a:ext uri="{FF2B5EF4-FFF2-40B4-BE49-F238E27FC236}">
-                <a16:creationId xmlns:a16="http://schemas.microsoft.com/office/drawing/2014/main" id="{77582F3A-B459-86D3-7374-52CF2C187C63}"/>
-              </a:ext>
-            </a:extLst>
-          </p:cNvPr>
-          <p:cNvSpPr txBox="1"/>
-          <p:nvPr/>
-        </p:nvSpPr>
-        <p:spPr>
-          <a:xfrm>
-            <a:off x="395654" y="622012"/>
-            <a:ext cx="7827267" cy="2800767"/>
-          </a:xfrm>
-          <a:prstGeom prst="rect">
-            <a:avLst/>
-          </a:prstGeom>
-          <a:noFill/>
-        </p:spPr>
-        <p:txBody>
-          <a:bodyPr wrap="square">
-            <a:spAutoFit/>
-          </a:bodyPr>
-          <a:lstStyle/>
-          <a:p>
-            <a:r>
-              <a:rPr lang="ru-RU" sz="1600" b="1" dirty="0">
-                <a:latin typeface="Times New Roman" panose="02020603050405020304" pitchFamily="18" charset="0"/>
-                <a:cs typeface="Times New Roman" panose="02020603050405020304" pitchFamily="18" charset="0"/>
-              </a:rPr>
-              <a:t>Методический подход к созданию средства построения пользовательского интерфейса </a:t>
-            </a:r>
-          </a:p>
-          <a:p>
-            <a:pPr marL="457200" indent="-457200">
-              <a:buFont typeface="+mj-lt"/>
-              <a:buAutoNum type="arabicPeriod"/>
-            </a:pPr>
-            <a:r>
-              <a:rPr lang="ru-RU" sz="1600" dirty="0">
-                <a:latin typeface="Times New Roman" panose="02020603050405020304" pitchFamily="18" charset="0"/>
-                <a:cs typeface="Times New Roman" panose="02020603050405020304" pitchFamily="18" charset="0"/>
-              </a:rPr>
-              <a:t>Мониторинг действий оператора позволяет осуществлять сбор и накопление статистики деятельности оператора во время эксплуатации программных средств</a:t>
-            </a:r>
-            <a:r>
-              <a:rPr lang="en-US" sz="1600" dirty="0">
-                <a:latin typeface="Times New Roman" panose="02020603050405020304" pitchFamily="18" charset="0"/>
-                <a:cs typeface="Times New Roman" panose="02020603050405020304" pitchFamily="18" charset="0"/>
-              </a:rPr>
-              <a:t>;</a:t>
-            </a:r>
-            <a:endParaRPr lang="ru-RU" sz="1600" dirty="0">
-              <a:latin typeface="Times New Roman" panose="02020603050405020304" pitchFamily="18" charset="0"/>
-              <a:cs typeface="Times New Roman" panose="02020603050405020304" pitchFamily="18" charset="0"/>
-            </a:endParaRPr>
-          </a:p>
-          <a:p>
-            <a:pPr marL="457200" indent="-457200">
-              <a:buFont typeface="+mj-lt"/>
-              <a:buAutoNum type="arabicPeriod"/>
-            </a:pPr>
-            <a:r>
-              <a:rPr lang="ru-RU" sz="1600" dirty="0">
-                <a:latin typeface="Times New Roman" panose="02020603050405020304" pitchFamily="18" charset="0"/>
-                <a:cs typeface="Times New Roman" panose="02020603050405020304" pitchFamily="18" charset="0"/>
-              </a:rPr>
-              <a:t>Применения типовой системы показателей качества. Обеспечивается оценка качества пользовательского интерфейса</a:t>
-            </a:r>
-            <a:r>
-              <a:rPr lang="en-US" sz="1600" dirty="0">
-                <a:latin typeface="Times New Roman" panose="02020603050405020304" pitchFamily="18" charset="0"/>
-                <a:cs typeface="Times New Roman" panose="02020603050405020304" pitchFamily="18" charset="0"/>
-              </a:rPr>
-              <a:t>;</a:t>
-            </a:r>
-            <a:endParaRPr lang="ru-RU" sz="1600" dirty="0">
-              <a:latin typeface="Times New Roman" panose="02020603050405020304" pitchFamily="18" charset="0"/>
-              <a:cs typeface="Times New Roman" panose="02020603050405020304" pitchFamily="18" charset="0"/>
-            </a:endParaRPr>
-          </a:p>
-          <a:p>
-            <a:pPr marL="457200" indent="-457200">
-              <a:buFont typeface="+mj-lt"/>
-              <a:buAutoNum type="arabicPeriod"/>
-            </a:pPr>
-            <a:r>
-              <a:rPr lang="ru-RU" sz="1600" dirty="0">
-                <a:latin typeface="Times New Roman" panose="02020603050405020304" pitchFamily="18" charset="0"/>
-                <a:cs typeface="Times New Roman" panose="02020603050405020304" pitchFamily="18" charset="0"/>
-              </a:rPr>
-              <a:t>Автоматизация программирования и документирования пользовательского интерфейса подразумевает возможность автоматизированного документирования интерфейса программы</a:t>
-            </a:r>
-            <a:r>
-              <a:rPr lang="en-US" sz="1600" dirty="0">
-                <a:latin typeface="Times New Roman" panose="02020603050405020304" pitchFamily="18" charset="0"/>
-                <a:cs typeface="Times New Roman" panose="02020603050405020304" pitchFamily="18" charset="0"/>
-              </a:rPr>
-              <a:t>;</a:t>
-            </a:r>
-            <a:endParaRPr lang="ru-RU" sz="1600" dirty="0">
-              <a:latin typeface="Times New Roman" panose="02020603050405020304" pitchFamily="18" charset="0"/>
-              <a:cs typeface="Times New Roman" panose="02020603050405020304" pitchFamily="18" charset="0"/>
-            </a:endParaRPr>
-          </a:p>
-          <a:p>
-            <a:pPr marL="457200" indent="-457200">
-              <a:buFont typeface="+mj-lt"/>
-              <a:buAutoNum type="arabicPeriod"/>
-            </a:pPr>
-            <a:r>
-              <a:rPr lang="ru-RU" sz="1600" dirty="0">
-                <a:latin typeface="Times New Roman" panose="02020603050405020304" pitchFamily="18" charset="0"/>
-                <a:cs typeface="Times New Roman" panose="02020603050405020304" pitchFamily="18" charset="0"/>
-              </a:rPr>
-              <a:t>Отображение некоторого абстрактного сценария осуществляет механизм его интерпретации в стандартные программные процедуры. </a:t>
-            </a:r>
-          </a:p>
-        </p:txBody>
-      </p:sp>
       <p:sp>
         <p:nvSpPr>
           <p:cNvPr id="2" name="Номер слайда 1">
             <a:extLst>
               <a:ext uri="{FF2B5EF4-FFF2-40B4-BE49-F238E27FC236}">
-                <a16:creationId xmlns:a16="http://schemas.microsoft.com/office/drawing/2014/main" id="{B3E2FD2D-FCBF-0883-44AA-FFC10EE2D603}"/>
+                <a16:creationId xmlns:a16="http://schemas.microsoft.com/office/drawing/2014/main" id="{59106089-6942-817E-3737-7B853F109B46}"/>
               </a:ext>
             </a:extLst>
           </p:cNvPr>
@@ -7276,71 +7827,10 @@
       </p:sp>
       <p:sp>
         <p:nvSpPr>
-          <p:cNvPr id="9" name="TextBox 8">
+          <p:cNvPr id="3" name="Заголовок 1">
             <a:extLst>
               <a:ext uri="{FF2B5EF4-FFF2-40B4-BE49-F238E27FC236}">
-                <a16:creationId xmlns:a16="http://schemas.microsoft.com/office/drawing/2014/main" id="{1FC128FF-A449-7F1F-CA77-85D07AF56509}"/>
-              </a:ext>
-            </a:extLst>
-          </p:cNvPr>
-          <p:cNvSpPr txBox="1"/>
-          <p:nvPr/>
-        </p:nvSpPr>
-        <p:spPr>
-          <a:xfrm>
-            <a:off x="8092749" y="3307348"/>
-            <a:ext cx="4180114" cy="523220"/>
-          </a:xfrm>
-          <a:prstGeom prst="rect">
-            <a:avLst/>
-          </a:prstGeom>
-          <a:noFill/>
-        </p:spPr>
-        <p:txBody>
-          <a:bodyPr wrap="square">
-            <a:spAutoFit/>
-          </a:bodyPr>
-          <a:lstStyle/>
-          <a:p>
-            <a:r>
-              <a:rPr lang="ru-RU" sz="1400" dirty="0">
-                <a:latin typeface="Times New Roman" panose="02020603050405020304" pitchFamily="18" charset="0"/>
-                <a:ea typeface="Calibri" panose="020F0502020204030204" pitchFamily="34" charset="0"/>
-              </a:rPr>
-              <a:t>Рис. 3</a:t>
-            </a:r>
-            <a:r>
-              <a:rPr lang="en-US" sz="1400" dirty="0">
-                <a:latin typeface="Times New Roman" panose="02020603050405020304" pitchFamily="18" charset="0"/>
-                <a:ea typeface="Calibri" panose="020F0502020204030204" pitchFamily="34" charset="0"/>
-              </a:rPr>
-              <a:t>. </a:t>
-            </a:r>
-            <a:r>
-              <a:rPr lang="ru-RU" sz="1400" dirty="0">
-                <a:latin typeface="Times New Roman" panose="02020603050405020304" pitchFamily="18" charset="0"/>
-                <a:ea typeface="Calibri" panose="020F0502020204030204" pitchFamily="34" charset="0"/>
-              </a:rPr>
-              <a:t>С</a:t>
-            </a:r>
-            <a:r>
-              <a:rPr lang="ru-RU" sz="1400" dirty="0">
-                <a:effectLst/>
-                <a:latin typeface="Times New Roman" panose="02020603050405020304" pitchFamily="18" charset="0"/>
-                <a:ea typeface="Calibri" panose="020F0502020204030204" pitchFamily="34" charset="0"/>
-              </a:rPr>
-              <a:t>оставные элементы подхода к созданию средства построения пользовательского интерфейса</a:t>
-            </a:r>
-            <a:endParaRPr lang="ru-RU" sz="1400" dirty="0"/>
-          </a:p>
-        </p:txBody>
-      </p:sp>
-      <p:sp>
-        <p:nvSpPr>
-          <p:cNvPr id="10" name="Заголовок 1">
-            <a:extLst>
-              <a:ext uri="{FF2B5EF4-FFF2-40B4-BE49-F238E27FC236}">
-                <a16:creationId xmlns:a16="http://schemas.microsoft.com/office/drawing/2014/main" id="{F45BF19E-BF97-0E0F-9033-B8D1F5D61D7F}"/>
+                <a16:creationId xmlns:a16="http://schemas.microsoft.com/office/drawing/2014/main" id="{07D84D18-7307-42D8-543E-C1DFC8471C8A}"/>
               </a:ext>
             </a:extLst>
           </p:cNvPr>
@@ -7352,7 +7842,7 @@
         <p:spPr>
           <a:xfrm>
             <a:off x="346591" y="147767"/>
-            <a:ext cx="11845409" cy="667106"/>
+            <a:ext cx="11498817" cy="1046920"/>
           </a:xfrm>
           <a:prstGeom prst="rect">
             <a:avLst/>
@@ -7443,17 +7933,46 @@
                 <a:latin typeface="Times New Roman" panose="02020603050405020304" pitchFamily="18" charset="0"/>
                 <a:cs typeface="Times New Roman" panose="02020603050405020304" pitchFamily="18" charset="0"/>
               </a:rPr>
-              <a:t>Подходы к разработке пользовательского интерфейса</a:t>
-            </a:r>
-          </a:p>
-        </p:txBody>
-      </p:sp>
-      <p:sp>
-        <p:nvSpPr>
-          <p:cNvPr id="19" name="Заголовок 1">
+              <a:t>Разработка тестового </a:t>
+            </a:r>
+            <a:r>
+              <a:rPr lang="en-US" sz="2600" b="1" dirty="0">
+                <a:solidFill>
+                  <a:schemeClr val="tx1"/>
+                </a:solidFill>
+                <a:latin typeface="Times New Roman" panose="02020603050405020304" pitchFamily="18" charset="0"/>
+                <a:cs typeface="Times New Roman" panose="02020603050405020304" pitchFamily="18" charset="0"/>
+              </a:rPr>
+              <a:t>web-</a:t>
+            </a:r>
+            <a:r>
+              <a:rPr lang="ru-RU" sz="2600" b="1" dirty="0">
+                <a:solidFill>
+                  <a:schemeClr val="tx1"/>
+                </a:solidFill>
+                <a:latin typeface="Times New Roman" panose="02020603050405020304" pitchFamily="18" charset="0"/>
+                <a:cs typeface="Times New Roman" panose="02020603050405020304" pitchFamily="18" charset="0"/>
+              </a:rPr>
+              <a:t>приложения</a:t>
+            </a:r>
+          </a:p>
+          <a:p>
+            <a:endParaRPr lang="ru-RU" sz="2500" b="1" dirty="0">
+              <a:solidFill>
+                <a:schemeClr val="tx1"/>
+              </a:solidFill>
+              <a:latin typeface="Times New Roman" panose="02020603050405020304" pitchFamily="18" charset="0"/>
+              <a:cs typeface="Times New Roman" panose="02020603050405020304" pitchFamily="18" charset="0"/>
+            </a:endParaRPr>
+          </a:p>
+        </p:txBody>
+      </p:sp>
+      <p:sp>
+        <p:nvSpPr>
+          <p:cNvPr id="4" name="Объект 2">
             <a:extLst>
               <a:ext uri="{FF2B5EF4-FFF2-40B4-BE49-F238E27FC236}">
-                <a16:creationId xmlns:a16="http://schemas.microsoft.com/office/drawing/2014/main" id="{596A695C-894E-F9C3-8553-B64E37A3587A}"/>
+                <a16:creationId xmlns:a16="http://schemas.microsoft.com/office/drawing/2014/main" id="{7327D3BF-2772-B2EB-4926-D35AF6D58349}"/>
               </a:ext>
             </a:extLst>
           </p:cNvPr>
@@ -7464,106 +7983,414 @@
         </p:nvSpPr>
         <p:spPr>
           <a:xfrm>
-            <a:off x="364738" y="4053768"/>
-            <a:ext cx="11498817" cy="1046920"/>
+            <a:off x="346590" y="671226"/>
+            <a:ext cx="11498817" cy="5685123"/>
           </a:xfrm>
           <a:prstGeom prst="rect">
             <a:avLst/>
           </a:prstGeom>
         </p:spPr>
         <p:txBody>
-          <a:bodyPr vert="horz" lIns="91440" tIns="45720" rIns="91440" bIns="45720" rtlCol="0" anchor="t">
-            <a:normAutofit fontScale="97500"/>
+          <a:bodyPr vert="horz" lIns="91440" tIns="45720" rIns="91440" bIns="45720" rtlCol="0">
+            <a:normAutofit/>
           </a:bodyPr>
           <a:lstStyle>
-            <a:lvl1pPr algn="l" defTabSz="457200" rtl="0" eaLnBrk="1" latinLnBrk="0" hangingPunct="1">
+            <a:lvl1pPr marL="228600" indent="-228600" algn="l" defTabSz="914400" rtl="0" eaLnBrk="1" latinLnBrk="0" hangingPunct="1">
+              <a:lnSpc>
+                <a:spcPct val="90000"/>
+              </a:lnSpc>
               <a:spcBef>
-                <a:spcPct val="0"/>
+                <a:spcPts val="1000"/>
               </a:spcBef>
-              <a:buNone/>
-              <a:defRPr sz="3600" kern="1200">
-                <a:solidFill>
-                  <a:schemeClr val="accent1"/>
-                </a:solidFill>
-                <a:latin typeface="+mj-lt"/>
-                <a:ea typeface="+mj-ea"/>
-                <a:cs typeface="+mj-cs"/>
+              <a:buFont typeface="Arial" panose="020B0604020202020204" pitchFamily="34" charset="0"/>
+              <a:buChar char="•"/>
+              <a:defRPr sz="2800" kern="1200">
+                <a:solidFill>
+                  <a:schemeClr val="tx1"/>
+                </a:solidFill>
+                <a:latin typeface="+mn-lt"/>
+                <a:ea typeface="+mn-ea"/>
+                <a:cs typeface="+mn-cs"/>
               </a:defRPr>
             </a:lvl1pPr>
-            <a:lvl2pPr eaLnBrk="1" hangingPunct="1">
-              <a:defRPr>
-                <a:solidFill>
-                  <a:schemeClr val="tx2"/>
-                </a:solidFill>
+            <a:lvl2pPr marL="685800" indent="-228600" algn="l" defTabSz="914400" rtl="0" eaLnBrk="1" latinLnBrk="0" hangingPunct="1">
+              <a:lnSpc>
+                <a:spcPct val="90000"/>
+              </a:lnSpc>
+              <a:spcBef>
+                <a:spcPts val="500"/>
+              </a:spcBef>
+              <a:buFont typeface="Arial" panose="020B0604020202020204" pitchFamily="34" charset="0"/>
+              <a:buChar char="•"/>
+              <a:defRPr sz="2400" kern="1200">
+                <a:solidFill>
+                  <a:schemeClr val="tx1"/>
+                </a:solidFill>
+                <a:latin typeface="+mn-lt"/>
+                <a:ea typeface="+mn-ea"/>
+                <a:cs typeface="+mn-cs"/>
               </a:defRPr>
             </a:lvl2pPr>
-            <a:lvl3pPr eaLnBrk="1" hangingPunct="1">
-              <a:defRPr>
-                <a:solidFill>
-                  <a:schemeClr val="tx2"/>
-                </a:solidFill>
+            <a:lvl3pPr marL="1143000" indent="-228600" algn="l" defTabSz="914400" rtl="0" eaLnBrk="1" latinLnBrk="0" hangingPunct="1">
+              <a:lnSpc>
+                <a:spcPct val="90000"/>
+              </a:lnSpc>
+              <a:spcBef>
+                <a:spcPts val="500"/>
+              </a:spcBef>
+              <a:buFont typeface="Arial" panose="020B0604020202020204" pitchFamily="34" charset="0"/>
+              <a:buChar char="•"/>
+              <a:defRPr sz="2000" kern="1200">
+                <a:solidFill>
+                  <a:schemeClr val="tx1"/>
+                </a:solidFill>
+                <a:latin typeface="+mn-lt"/>
+                <a:ea typeface="+mn-ea"/>
+                <a:cs typeface="+mn-cs"/>
               </a:defRPr>
             </a:lvl3pPr>
-            <a:lvl4pPr eaLnBrk="1" hangingPunct="1">
-              <a:defRPr>
-                <a:solidFill>
-                  <a:schemeClr val="tx2"/>
-                </a:solidFill>
+            <a:lvl4pPr marL="1600200" indent="-228600" algn="l" defTabSz="914400" rtl="0" eaLnBrk="1" latinLnBrk="0" hangingPunct="1">
+              <a:lnSpc>
+                <a:spcPct val="90000"/>
+              </a:lnSpc>
+              <a:spcBef>
+                <a:spcPts val="500"/>
+              </a:spcBef>
+              <a:buFont typeface="Arial" panose="020B0604020202020204" pitchFamily="34" charset="0"/>
+              <a:buChar char="•"/>
+              <a:defRPr sz="1800" kern="1200">
+                <a:solidFill>
+                  <a:schemeClr val="tx1"/>
+                </a:solidFill>
+                <a:latin typeface="+mn-lt"/>
+                <a:ea typeface="+mn-ea"/>
+                <a:cs typeface="+mn-cs"/>
               </a:defRPr>
             </a:lvl4pPr>
-            <a:lvl5pPr eaLnBrk="1" hangingPunct="1">
-              <a:defRPr>
-                <a:solidFill>
-                  <a:schemeClr val="tx2"/>
-                </a:solidFill>
+            <a:lvl5pPr marL="2057400" indent="-228600" algn="l" defTabSz="914400" rtl="0" eaLnBrk="1" latinLnBrk="0" hangingPunct="1">
+              <a:lnSpc>
+                <a:spcPct val="90000"/>
+              </a:lnSpc>
+              <a:spcBef>
+                <a:spcPts val="500"/>
+              </a:spcBef>
+              <a:buFont typeface="Arial" panose="020B0604020202020204" pitchFamily="34" charset="0"/>
+              <a:buChar char="•"/>
+              <a:defRPr sz="1800" kern="1200">
+                <a:solidFill>
+                  <a:schemeClr val="tx1"/>
+                </a:solidFill>
+                <a:latin typeface="+mn-lt"/>
+                <a:ea typeface="+mn-ea"/>
+                <a:cs typeface="+mn-cs"/>
               </a:defRPr>
             </a:lvl5pPr>
-            <a:lvl6pPr eaLnBrk="1" hangingPunct="1">
-              <a:defRPr>
-                <a:solidFill>
-                  <a:schemeClr val="tx2"/>
-                </a:solidFill>
+            <a:lvl6pPr marL="2514600" indent="-228600" algn="l" defTabSz="914400" rtl="0" eaLnBrk="1" latinLnBrk="0" hangingPunct="1">
+              <a:lnSpc>
+                <a:spcPct val="90000"/>
+              </a:lnSpc>
+              <a:spcBef>
+                <a:spcPts val="500"/>
+              </a:spcBef>
+              <a:buFont typeface="Arial" panose="020B0604020202020204" pitchFamily="34" charset="0"/>
+              <a:buChar char="•"/>
+              <a:defRPr sz="1800" kern="1200">
+                <a:solidFill>
+                  <a:schemeClr val="tx1"/>
+                </a:solidFill>
+                <a:latin typeface="+mn-lt"/>
+                <a:ea typeface="+mn-ea"/>
+                <a:cs typeface="+mn-cs"/>
               </a:defRPr>
             </a:lvl6pPr>
-            <a:lvl7pPr eaLnBrk="1" hangingPunct="1">
-              <a:defRPr>
-                <a:solidFill>
-                  <a:schemeClr val="tx2"/>
-                </a:solidFill>
+            <a:lvl7pPr marL="2971800" indent="-228600" algn="l" defTabSz="914400" rtl="0" eaLnBrk="1" latinLnBrk="0" hangingPunct="1">
+              <a:lnSpc>
+                <a:spcPct val="90000"/>
+              </a:lnSpc>
+              <a:spcBef>
+                <a:spcPts val="500"/>
+              </a:spcBef>
+              <a:buFont typeface="Arial" panose="020B0604020202020204" pitchFamily="34" charset="0"/>
+              <a:buChar char="•"/>
+              <a:defRPr sz="1800" kern="1200">
+                <a:solidFill>
+                  <a:schemeClr val="tx1"/>
+                </a:solidFill>
+                <a:latin typeface="+mn-lt"/>
+                <a:ea typeface="+mn-ea"/>
+                <a:cs typeface="+mn-cs"/>
               </a:defRPr>
             </a:lvl7pPr>
-            <a:lvl8pPr eaLnBrk="1" hangingPunct="1">
-              <a:defRPr>
-                <a:solidFill>
-                  <a:schemeClr val="tx2"/>
-                </a:solidFill>
+            <a:lvl8pPr marL="3429000" indent="-228600" algn="l" defTabSz="914400" rtl="0" eaLnBrk="1" latinLnBrk="0" hangingPunct="1">
+              <a:lnSpc>
+                <a:spcPct val="90000"/>
+              </a:lnSpc>
+              <a:spcBef>
+                <a:spcPts val="500"/>
+              </a:spcBef>
+              <a:buFont typeface="Arial" panose="020B0604020202020204" pitchFamily="34" charset="0"/>
+              <a:buChar char="•"/>
+              <a:defRPr sz="1800" kern="1200">
+                <a:solidFill>
+                  <a:schemeClr val="tx1"/>
+                </a:solidFill>
+                <a:latin typeface="+mn-lt"/>
+                <a:ea typeface="+mn-ea"/>
+                <a:cs typeface="+mn-cs"/>
               </a:defRPr>
             </a:lvl8pPr>
-            <a:lvl9pPr eaLnBrk="1" hangingPunct="1">
-              <a:defRPr>
-                <a:solidFill>
-                  <a:schemeClr val="tx2"/>
-                </a:solidFill>
+            <a:lvl9pPr marL="3886200" indent="-228600" algn="l" defTabSz="914400" rtl="0" eaLnBrk="1" latinLnBrk="0" hangingPunct="1">
+              <a:lnSpc>
+                <a:spcPct val="90000"/>
+              </a:lnSpc>
+              <a:spcBef>
+                <a:spcPts val="500"/>
+              </a:spcBef>
+              <a:buFont typeface="Arial" panose="020B0604020202020204" pitchFamily="34" charset="0"/>
+              <a:buChar char="•"/>
+              <a:defRPr sz="1800" kern="1200">
+                <a:solidFill>
+                  <a:schemeClr val="tx1"/>
+                </a:solidFill>
+                <a:latin typeface="+mn-lt"/>
+                <a:ea typeface="+mn-ea"/>
+                <a:cs typeface="+mn-cs"/>
               </a:defRPr>
             </a:lvl9pPr>
           </a:lstStyle>
           <a:p>
-            <a:endParaRPr lang="ru-RU" sz="2600" b="1" dirty="0">
-              <a:solidFill>
-                <a:schemeClr val="tx1"/>
-              </a:solidFill>
+            <a:pPr marL="0" indent="0" algn="just">
+              <a:buNone/>
+            </a:pPr>
+            <a:r>
+              <a:rPr lang="ru-RU" sz="1800" dirty="0">
+                <a:latin typeface="Times New Roman" panose="02020603050405020304" pitchFamily="18" charset="0"/>
+                <a:cs typeface="Times New Roman" panose="02020603050405020304" pitchFamily="18" charset="0"/>
+              </a:rPr>
+              <a:t>Были использованы </a:t>
+            </a:r>
+            <a:r>
+              <a:rPr lang="en-US" sz="1800" dirty="0">
+                <a:solidFill>
+                  <a:srgbClr val="7030A0"/>
+                </a:solidFill>
+                <a:latin typeface="Times New Roman" panose="02020603050405020304" pitchFamily="18" charset="0"/>
+                <a:cs typeface="Times New Roman" panose="02020603050405020304" pitchFamily="18" charset="0"/>
+              </a:rPr>
+              <a:t>Django</a:t>
+            </a:r>
+            <a:r>
+              <a:rPr lang="en-US" sz="1800" dirty="0">
+                <a:latin typeface="Times New Roman" panose="02020603050405020304" pitchFamily="18" charset="0"/>
+                <a:cs typeface="Times New Roman" panose="02020603050405020304" pitchFamily="18" charset="0"/>
+              </a:rPr>
+              <a:t> </a:t>
+            </a:r>
+            <a:r>
+              <a:rPr lang="ru-RU" sz="1800" dirty="0">
+                <a:latin typeface="Times New Roman" panose="02020603050405020304" pitchFamily="18" charset="0"/>
+                <a:cs typeface="Times New Roman" panose="02020603050405020304" pitchFamily="18" charset="0"/>
+              </a:rPr>
+              <a:t>и </a:t>
+            </a:r>
+            <a:r>
+              <a:rPr lang="en-US" sz="1800" dirty="0">
+                <a:solidFill>
+                  <a:srgbClr val="7030A0"/>
+                </a:solidFill>
+                <a:latin typeface="Times New Roman" panose="02020603050405020304" pitchFamily="18" charset="0"/>
+                <a:cs typeface="Times New Roman" panose="02020603050405020304" pitchFamily="18" charset="0"/>
+              </a:rPr>
+              <a:t>Docker</a:t>
+            </a:r>
+            <a:r>
+              <a:rPr lang="en-US" sz="1800" dirty="0">
+                <a:latin typeface="Times New Roman" panose="02020603050405020304" pitchFamily="18" charset="0"/>
+                <a:cs typeface="Times New Roman" panose="02020603050405020304" pitchFamily="18" charset="0"/>
+              </a:rPr>
+              <a:t>.</a:t>
+            </a:r>
+            <a:endParaRPr lang="ru-RU" sz="1800" dirty="0">
               <a:latin typeface="Times New Roman" panose="02020603050405020304" pitchFamily="18" charset="0"/>
               <a:cs typeface="Times New Roman" panose="02020603050405020304" pitchFamily="18" charset="0"/>
             </a:endParaRPr>
           </a:p>
-        </p:txBody>
-      </p:sp>
-      <p:sp>
-        <p:nvSpPr>
-          <p:cNvPr id="23" name="TextBox 22">
+          <a:p>
+            <a:pPr marL="0" indent="0" algn="just">
+              <a:buNone/>
+            </a:pPr>
+            <a:r>
+              <a:rPr lang="ru-RU" sz="1800" dirty="0" err="1">
+                <a:effectLst/>
+                <a:latin typeface="Times New Roman" panose="02020603050405020304" pitchFamily="18" charset="0"/>
+                <a:ea typeface="Calibri" panose="020F0502020204030204" pitchFamily="34" charset="0"/>
+                <a:cs typeface="Times New Roman" panose="02020603050405020304" pitchFamily="18" charset="0"/>
+              </a:rPr>
+              <a:t>Django</a:t>
+            </a:r>
+            <a:r>
+              <a:rPr lang="ru-RU" sz="1800" dirty="0">
+                <a:effectLst/>
+                <a:latin typeface="Times New Roman" panose="02020603050405020304" pitchFamily="18" charset="0"/>
+                <a:ea typeface="Calibri" panose="020F0502020204030204" pitchFamily="34" charset="0"/>
+                <a:cs typeface="Times New Roman" panose="02020603050405020304" pitchFamily="18" charset="0"/>
+              </a:rPr>
+              <a:t> — это Python </a:t>
+            </a:r>
+            <a:r>
+              <a:rPr lang="ru-RU" sz="1800" dirty="0" err="1">
+                <a:effectLst/>
+                <a:latin typeface="Times New Roman" panose="02020603050405020304" pitchFamily="18" charset="0"/>
+                <a:ea typeface="Calibri" panose="020F0502020204030204" pitchFamily="34" charset="0"/>
+                <a:cs typeface="Times New Roman" panose="02020603050405020304" pitchFamily="18" charset="0"/>
+              </a:rPr>
+              <a:t>web</a:t>
+            </a:r>
+            <a:r>
+              <a:rPr lang="ru-RU" sz="1800" dirty="0">
+                <a:effectLst/>
+                <a:latin typeface="Times New Roman" panose="02020603050405020304" pitchFamily="18" charset="0"/>
+                <a:ea typeface="Calibri" panose="020F0502020204030204" pitchFamily="34" charset="0"/>
+                <a:cs typeface="Times New Roman" panose="02020603050405020304" pitchFamily="18" charset="0"/>
+              </a:rPr>
+              <a:t>-фреймворк, с помощью которого можно вести разработку </a:t>
+            </a:r>
+            <a:r>
+              <a:rPr lang="ru-RU" sz="1800" dirty="0" err="1">
+                <a:effectLst/>
+                <a:latin typeface="Times New Roman" panose="02020603050405020304" pitchFamily="18" charset="0"/>
+                <a:ea typeface="Calibri" panose="020F0502020204030204" pitchFamily="34" charset="0"/>
+                <a:cs typeface="Times New Roman" panose="02020603050405020304" pitchFamily="18" charset="0"/>
+              </a:rPr>
+              <a:t>web</a:t>
+            </a:r>
+            <a:r>
+              <a:rPr lang="ru-RU" sz="1800" dirty="0">
+                <a:effectLst/>
+                <a:latin typeface="Times New Roman" panose="02020603050405020304" pitchFamily="18" charset="0"/>
+                <a:ea typeface="Calibri" panose="020F0502020204030204" pitchFamily="34" charset="0"/>
+                <a:cs typeface="Times New Roman" panose="02020603050405020304" pitchFamily="18" charset="0"/>
+              </a:rPr>
+              <a:t>-приложения.</a:t>
+            </a:r>
+            <a:endParaRPr lang="ru-RU" sz="1800" dirty="0">
+              <a:effectLst/>
+              <a:latin typeface="Calibri" panose="020F0502020204030204" pitchFamily="34" charset="0"/>
+              <a:ea typeface="Calibri" panose="020F0502020204030204" pitchFamily="34" charset="0"/>
+              <a:cs typeface="Times New Roman" panose="02020603050405020304" pitchFamily="18" charset="0"/>
+            </a:endParaRPr>
+          </a:p>
+          <a:p>
+            <a:pPr marL="0" indent="0" algn="just">
+              <a:buNone/>
+            </a:pPr>
+            <a:r>
+              <a:rPr lang="ru-RU" sz="1800" dirty="0" err="1">
+                <a:effectLst/>
+                <a:latin typeface="Times New Roman" panose="02020603050405020304" pitchFamily="18" charset="0"/>
+                <a:ea typeface="Calibri" panose="020F0502020204030204" pitchFamily="34" charset="0"/>
+              </a:rPr>
+              <a:t>Docker</a:t>
+            </a:r>
+            <a:r>
+              <a:rPr lang="ru-RU" sz="1800" dirty="0">
+                <a:effectLst/>
+                <a:latin typeface="Times New Roman" panose="02020603050405020304" pitchFamily="18" charset="0"/>
+                <a:ea typeface="Calibri" panose="020F0502020204030204" pitchFamily="34" charset="0"/>
+              </a:rPr>
+              <a:t> — программное обеспечение, применяемое для разработки </a:t>
+            </a:r>
+            <a:r>
+              <a:rPr lang="ru-RU" sz="1800" dirty="0" err="1">
+                <a:effectLst/>
+                <a:latin typeface="Times New Roman" panose="02020603050405020304" pitchFamily="18" charset="0"/>
+                <a:ea typeface="Calibri" panose="020F0502020204030204" pitchFamily="34" charset="0"/>
+              </a:rPr>
+              <a:t>web</a:t>
+            </a:r>
+            <a:r>
+              <a:rPr lang="ru-RU" sz="1800" dirty="0">
+                <a:effectLst/>
+                <a:latin typeface="Times New Roman" panose="02020603050405020304" pitchFamily="18" charset="0"/>
+                <a:ea typeface="Calibri" panose="020F0502020204030204" pitchFamily="34" charset="0"/>
+              </a:rPr>
+              <a:t>-приложений в средах с поддержкой контейнеризации. </a:t>
+            </a:r>
+          </a:p>
+          <a:p>
+            <a:pPr marL="0" indent="0" algn="just">
+              <a:buNone/>
+            </a:pPr>
+            <a:r>
+              <a:rPr lang="ru-RU" sz="1800" dirty="0" err="1">
+                <a:effectLst/>
+                <a:latin typeface="Times New Roman" panose="02020603050405020304" pitchFamily="18" charset="0"/>
+                <a:ea typeface="Calibri" panose="020F0502020204030204" pitchFamily="34" charset="0"/>
+              </a:rPr>
+              <a:t>Docker</a:t>
+            </a:r>
+            <a:r>
+              <a:rPr lang="ru-RU" sz="1800" dirty="0">
+                <a:effectLst/>
+                <a:latin typeface="Times New Roman" panose="02020603050405020304" pitchFamily="18" charset="0"/>
+                <a:ea typeface="Calibri" panose="020F0502020204030204" pitchFamily="34" charset="0"/>
+              </a:rPr>
+              <a:t>-образ — шаблон для создания </a:t>
+            </a:r>
+            <a:r>
+              <a:rPr lang="ru-RU" sz="1800" dirty="0" err="1">
+                <a:effectLst/>
+                <a:latin typeface="Times New Roman" panose="02020603050405020304" pitchFamily="18" charset="0"/>
+                <a:ea typeface="Calibri" panose="020F0502020204030204" pitchFamily="34" charset="0"/>
+              </a:rPr>
+              <a:t>Docker</a:t>
+            </a:r>
+            <a:r>
+              <a:rPr lang="ru-RU" sz="1800" dirty="0">
+                <a:effectLst/>
+                <a:latin typeface="Times New Roman" panose="02020603050405020304" pitchFamily="18" charset="0"/>
+                <a:ea typeface="Calibri" panose="020F0502020204030204" pitchFamily="34" charset="0"/>
+              </a:rPr>
+              <a:t>-контейнеров.</a:t>
+            </a:r>
+          </a:p>
+        </p:txBody>
+      </p:sp>
+      <p:pic>
+        <p:nvPicPr>
+          <p:cNvPr id="6" name="Рисунок 5">
             <a:extLst>
               <a:ext uri="{FF2B5EF4-FFF2-40B4-BE49-F238E27FC236}">
-                <a16:creationId xmlns:a16="http://schemas.microsoft.com/office/drawing/2014/main" id="{80B53FD7-E7DA-86F2-4745-4E7365993839}"/>
+                <a16:creationId xmlns:a16="http://schemas.microsoft.com/office/drawing/2014/main" id="{C28ECC6A-338F-23AE-4D2F-3764BF24E138}"/>
+              </a:ext>
+            </a:extLst>
+          </p:cNvPr>
+          <p:cNvPicPr>
+            <a:picLocks noChangeAspect="1"/>
+          </p:cNvPicPr>
+          <p:nvPr/>
+        </p:nvPicPr>
+        <p:blipFill rotWithShape="1">
+          <a:blip r:embed="rId2"/>
+          <a:srcRect l="6641" t="31226" r="3979" b="26197"/>
+          <a:stretch/>
+        </p:blipFill>
+        <p:spPr>
+          <a:xfrm>
+            <a:off x="2812481" y="3429000"/>
+            <a:ext cx="6567037" cy="1634412"/>
+          </a:xfrm>
+          <a:prstGeom prst="rect">
+            <a:avLst/>
+          </a:prstGeom>
+        </p:spPr>
+      </p:pic>
+      <p:sp>
+        <p:nvSpPr>
+          <p:cNvPr id="7" name="TextBox 6">
+            <a:extLst>
+              <a:ext uri="{FF2B5EF4-FFF2-40B4-BE49-F238E27FC236}">
+                <a16:creationId xmlns:a16="http://schemas.microsoft.com/office/drawing/2014/main" id="{A8E83B26-638D-9CE4-4D8D-050CCF7214A3}"/>
               </a:ext>
             </a:extLst>
           </p:cNvPr>
@@ -7572,8 +8399,8 @@
         </p:nvSpPr>
         <p:spPr>
           <a:xfrm>
-            <a:off x="395654" y="3907589"/>
-            <a:ext cx="11681286" cy="2554545"/>
+            <a:off x="2812479" y="5063412"/>
+            <a:ext cx="6567038" cy="369332"/>
           </a:xfrm>
           <a:prstGeom prst="rect">
             <a:avLst/>
@@ -7586,98 +8413,36 @@
           </a:bodyPr>
           <a:lstStyle/>
           <a:p>
-            <a:r>
-              <a:rPr lang="ru-RU" sz="1600" b="1" dirty="0">
-                <a:solidFill>
-                  <a:schemeClr val="tx1"/>
-                </a:solidFill>
-                <a:latin typeface="Times New Roman" panose="02020603050405020304" pitchFamily="18" charset="0"/>
-                <a:cs typeface="Times New Roman" panose="02020603050405020304" pitchFamily="18" charset="0"/>
-              </a:rPr>
-              <a:t>Построение пользовательского интерфейса с использованием интерактивного машинного обучения</a:t>
-            </a:r>
-          </a:p>
-          <a:p>
-            <a:r>
-              <a:rPr lang="ru-RU" sz="1600" dirty="0">
-                <a:latin typeface="Times New Roman" panose="02020603050405020304" pitchFamily="18" charset="0"/>
-                <a:cs typeface="Times New Roman" panose="02020603050405020304" pitchFamily="18" charset="0"/>
-              </a:rPr>
-              <a:t> </a:t>
-            </a:r>
-            <a:r>
-              <a:rPr lang="en-US" sz="1600" dirty="0">
-                <a:latin typeface="Times New Roman" panose="02020603050405020304" pitchFamily="18" charset="0"/>
-                <a:cs typeface="Times New Roman" panose="02020603050405020304" pitchFamily="18" charset="0"/>
-              </a:rPr>
-              <a:t>	</a:t>
-            </a:r>
-            <a:r>
-              <a:rPr lang="ru-RU" sz="1600" dirty="0">
-                <a:latin typeface="Times New Roman" panose="02020603050405020304" pitchFamily="18" charset="0"/>
-                <a:cs typeface="Times New Roman" panose="02020603050405020304" pitchFamily="18" charset="0"/>
-              </a:rPr>
-              <a:t>Существуют так же методы предполагающие использование машинного обучения. Ниже представлен пример этапов построения в этом случае.</a:t>
-            </a:r>
-          </a:p>
-          <a:p>
-            <a:pPr marL="342900" indent="-342900">
-              <a:buFont typeface="+mj-lt"/>
-              <a:buAutoNum type="arabicPeriod"/>
-            </a:pPr>
-            <a:r>
-              <a:rPr lang="ru-RU" sz="1600" dirty="0">
-                <a:latin typeface="Times New Roman" panose="02020603050405020304" pitchFamily="18" charset="0"/>
-                <a:cs typeface="Times New Roman" panose="02020603050405020304" pitchFamily="18" charset="0"/>
-              </a:rPr>
-              <a:t>Сбор входных данных (частота, последовательность, достигаемый результат и время между использованиями рассматриваемых функций);</a:t>
-            </a:r>
-          </a:p>
-          <a:p>
-            <a:pPr marL="342900" indent="-342900">
-              <a:buFont typeface="+mj-lt"/>
-              <a:buAutoNum type="arabicPeriod"/>
-            </a:pPr>
-            <a:r>
-              <a:rPr lang="ru-RU" sz="1600" dirty="0">
-                <a:latin typeface="Times New Roman" panose="02020603050405020304" pitchFamily="18" charset="0"/>
-                <a:cs typeface="Times New Roman" panose="02020603050405020304" pitchFamily="18" charset="0"/>
-              </a:rPr>
-              <a:t>На основании собранных данных проводится обучение, целью которого является сокращение количества шагов и затрачиваемого времени для выполнения идентичных задач;</a:t>
-            </a:r>
-          </a:p>
-          <a:p>
-            <a:pPr marL="342900" indent="-342900">
-              <a:buFont typeface="+mj-lt"/>
-              <a:buAutoNum type="arabicPeriod"/>
-            </a:pPr>
-            <a:r>
-              <a:rPr lang="ru-RU" sz="1600" dirty="0">
-                <a:latin typeface="Times New Roman" panose="02020603050405020304" pitchFamily="18" charset="0"/>
-                <a:cs typeface="Times New Roman" panose="02020603050405020304" pitchFamily="18" charset="0"/>
-              </a:rPr>
-              <a:t>По результатам обучения строится последовательность действий для достижения необходимого результата;</a:t>
-            </a:r>
-          </a:p>
-          <a:p>
-            <a:pPr marL="342900" indent="-342900">
-              <a:buFont typeface="+mj-lt"/>
-              <a:buAutoNum type="arabicPeriod"/>
-            </a:pPr>
-            <a:r>
-              <a:rPr lang="ru-RU" sz="1600" dirty="0">
-                <a:latin typeface="Times New Roman" panose="02020603050405020304" pitchFamily="18" charset="0"/>
-                <a:cs typeface="Times New Roman" panose="02020603050405020304" pitchFamily="18" charset="0"/>
-              </a:rPr>
-              <a:t>На основании полученных результатов вносятся корректировки в существующий интерфейс, после чего обучение продолжается</a:t>
-            </a:r>
+            <a:pPr algn="ctr"/>
+            <a:r>
+              <a:rPr lang="ru-RU" dirty="0">
+                <a:latin typeface="Times New Roman" panose="02020603050405020304" pitchFamily="18" charset="0"/>
+                <a:ea typeface="Calibri" panose="020F0502020204030204" pitchFamily="34" charset="0"/>
+              </a:rPr>
+              <a:t>Рис. </a:t>
+            </a:r>
+            <a:r>
+              <a:rPr lang="en-US" dirty="0">
+                <a:latin typeface="Times New Roman" panose="02020603050405020304" pitchFamily="18" charset="0"/>
+                <a:ea typeface="Calibri" panose="020F0502020204030204" pitchFamily="34" charset="0"/>
+              </a:rPr>
+              <a:t>2. </a:t>
+            </a:r>
+            <a:r>
+              <a:rPr lang="ru-RU" dirty="0">
+                <a:latin typeface="Times New Roman" panose="02020603050405020304" pitchFamily="18" charset="0"/>
+                <a:ea typeface="Calibri" panose="020F0502020204030204" pitchFamily="34" charset="0"/>
+              </a:rPr>
+              <a:t>Создание контейнера на основе образа </a:t>
+            </a:r>
+            <a:endParaRPr lang="ru-RU" dirty="0"/>
           </a:p>
         </p:txBody>
       </p:sp>
     </p:spTree>
     <p:extLst>
       <p:ext uri="{BB962C8B-B14F-4D97-AF65-F5344CB8AC3E}">
-        <p14:creationId xmlns:p14="http://schemas.microsoft.com/office/powerpoint/2010/main" val="1749309556"/>
+        <p14:creationId xmlns:p14="http://schemas.microsoft.com/office/powerpoint/2010/main" val="4171121609"/>
       </p:ext>
     </p:extLst>
   </p:cSld>
@@ -7706,10 +8471,607 @@
       </p:grpSpPr>
       <p:sp>
         <p:nvSpPr>
-          <p:cNvPr id="6" name="Заголовок 1">
+          <p:cNvPr id="4" name="Номер слайда 3">
             <a:extLst>
               <a:ext uri="{FF2B5EF4-FFF2-40B4-BE49-F238E27FC236}">
-                <a16:creationId xmlns:a16="http://schemas.microsoft.com/office/drawing/2014/main" id="{82F418FC-A3E8-7B9A-E77E-A4E9E16129D4}"/>
+                <a16:creationId xmlns:a16="http://schemas.microsoft.com/office/drawing/2014/main" id="{494C791E-47AA-B674-2AE1-5FB825E1C19C}"/>
+              </a:ext>
+            </a:extLst>
+          </p:cNvPr>
+          <p:cNvSpPr>
+            <a:spLocks noGrp="1"/>
+          </p:cNvSpPr>
+          <p:nvPr>
+            <p:ph type="sldNum" sz="quarter" idx="12"/>
+          </p:nvPr>
+        </p:nvSpPr>
+        <p:spPr/>
+        <p:txBody>
+          <a:bodyPr/>
+          <a:lstStyle/>
+          <a:p>
+            <a:fld id="{5552E39F-73D0-4A16-9BC8-08DD5BB183DF}" type="slidenum">
+              <a:rPr lang="ru-RU" smtClean="0"/>
+              <a:pPr/>
+              <a:t>7</a:t>
+            </a:fld>
+            <a:endParaRPr lang="ru-RU" dirty="0"/>
+          </a:p>
+        </p:txBody>
+      </p:sp>
+      <p:sp>
+        <p:nvSpPr>
+          <p:cNvPr id="5" name="TextBox 4">
+            <a:extLst>
+              <a:ext uri="{FF2B5EF4-FFF2-40B4-BE49-F238E27FC236}">
+                <a16:creationId xmlns:a16="http://schemas.microsoft.com/office/drawing/2014/main" id="{39F67FAA-1AFD-8145-9805-DBBB5BC37575}"/>
+              </a:ext>
+            </a:extLst>
+          </p:cNvPr>
+          <p:cNvSpPr txBox="1"/>
+          <p:nvPr/>
+        </p:nvSpPr>
+        <p:spPr>
+          <a:xfrm>
+            <a:off x="7476931" y="671227"/>
+            <a:ext cx="4368476" cy="1384995"/>
+          </a:xfrm>
+          <a:prstGeom prst="rect">
+            <a:avLst/>
+          </a:prstGeom>
+          <a:noFill/>
+          <a:ln>
+            <a:solidFill>
+              <a:schemeClr val="tx1"/>
+            </a:solidFill>
+          </a:ln>
+        </p:spPr>
+        <p:txBody>
+          <a:bodyPr wrap="square">
+            <a:spAutoFit/>
+          </a:bodyPr>
+          <a:lstStyle/>
+          <a:p>
+            <a:r>
+              <a:rPr lang="en-US" sz="1400" dirty="0">
+                <a:latin typeface="Consolas" panose="020B0609020204030204" pitchFamily="49" charset="0"/>
+              </a:rPr>
+              <a:t>…</a:t>
+            </a:r>
+          </a:p>
+          <a:p>
+            <a:r>
+              <a:rPr lang="en-US" sz="1400" dirty="0" err="1">
+                <a:latin typeface="Consolas" panose="020B0609020204030204" pitchFamily="49" charset="0"/>
+              </a:rPr>
+              <a:t>urlpatterns</a:t>
+            </a:r>
+            <a:r>
+              <a:rPr lang="en-US" sz="1400" dirty="0">
+                <a:latin typeface="Consolas" panose="020B0609020204030204" pitchFamily="49" charset="0"/>
+              </a:rPr>
+              <a:t> = [</a:t>
+            </a:r>
+          </a:p>
+          <a:p>
+            <a:r>
+              <a:rPr lang="en-US" sz="1400" dirty="0">
+                <a:latin typeface="Consolas" panose="020B0609020204030204" pitchFamily="49" charset="0"/>
+              </a:rPr>
+              <a:t>    path("", </a:t>
+            </a:r>
+            <a:r>
+              <a:rPr lang="en-US" sz="1400" dirty="0" err="1">
+                <a:solidFill>
+                  <a:srgbClr val="7030A0"/>
+                </a:solidFill>
+                <a:latin typeface="Consolas" panose="020B0609020204030204" pitchFamily="49" charset="0"/>
+              </a:rPr>
+              <a:t>image_upload</a:t>
+            </a:r>
+            <a:r>
+              <a:rPr lang="en-US" sz="1400" dirty="0">
+                <a:latin typeface="Consolas" panose="020B0609020204030204" pitchFamily="49" charset="0"/>
+              </a:rPr>
+              <a:t>, name="upload"),</a:t>
+            </a:r>
+          </a:p>
+          <a:p>
+            <a:r>
+              <a:rPr lang="en-US" sz="1400" dirty="0">
+                <a:latin typeface="Consolas" panose="020B0609020204030204" pitchFamily="49" charset="0"/>
+              </a:rPr>
+              <a:t>    path("admin/", </a:t>
+            </a:r>
+            <a:r>
+              <a:rPr lang="en-US" sz="1400" dirty="0" err="1">
+                <a:latin typeface="Consolas" panose="020B0609020204030204" pitchFamily="49" charset="0"/>
+              </a:rPr>
+              <a:t>admin.site.urls</a:t>
+            </a:r>
+            <a:r>
+              <a:rPr lang="en-US" sz="1400" dirty="0">
+                <a:latin typeface="Consolas" panose="020B0609020204030204" pitchFamily="49" charset="0"/>
+              </a:rPr>
+              <a:t>),</a:t>
+            </a:r>
+          </a:p>
+          <a:p>
+            <a:r>
+              <a:rPr lang="en-US" sz="1400" dirty="0">
+                <a:latin typeface="Consolas" panose="020B0609020204030204" pitchFamily="49" charset="0"/>
+              </a:rPr>
+              <a:t>]</a:t>
+            </a:r>
+          </a:p>
+          <a:p>
+            <a:r>
+              <a:rPr lang="en-US" sz="1400" dirty="0">
+                <a:latin typeface="Consolas" panose="020B0609020204030204" pitchFamily="49" charset="0"/>
+              </a:rPr>
+              <a:t>…</a:t>
+            </a:r>
+            <a:endParaRPr lang="ru-RU" sz="1400" dirty="0">
+              <a:latin typeface="Consolas" panose="020B0609020204030204" pitchFamily="49" charset="0"/>
+            </a:endParaRPr>
+          </a:p>
+        </p:txBody>
+      </p:sp>
+      <p:sp>
+        <p:nvSpPr>
+          <p:cNvPr id="6" name="TextBox 5">
+            <a:extLst>
+              <a:ext uri="{FF2B5EF4-FFF2-40B4-BE49-F238E27FC236}">
+                <a16:creationId xmlns:a16="http://schemas.microsoft.com/office/drawing/2014/main" id="{71770A22-C5D8-0204-3F25-FF4AB8DC1C04}"/>
+              </a:ext>
+            </a:extLst>
+          </p:cNvPr>
+          <p:cNvSpPr txBox="1"/>
+          <p:nvPr/>
+        </p:nvSpPr>
+        <p:spPr>
+          <a:xfrm>
+            <a:off x="5337111" y="2760612"/>
+            <a:ext cx="6508296" cy="2462213"/>
+          </a:xfrm>
+          <a:prstGeom prst="rect">
+            <a:avLst/>
+          </a:prstGeom>
+          <a:noFill/>
+          <a:ln>
+            <a:solidFill>
+              <a:schemeClr val="tx1"/>
+            </a:solidFill>
+          </a:ln>
+        </p:spPr>
+        <p:txBody>
+          <a:bodyPr wrap="square">
+            <a:spAutoFit/>
+          </a:bodyPr>
+          <a:lstStyle/>
+          <a:p>
+            <a:r>
+              <a:rPr lang="en-US" sz="1400" dirty="0">
+                <a:latin typeface="Consolas" panose="020B0609020204030204" pitchFamily="49" charset="0"/>
+              </a:rPr>
+              <a:t>def </a:t>
+            </a:r>
+            <a:r>
+              <a:rPr lang="en-US" sz="1400" dirty="0" err="1">
+                <a:latin typeface="Consolas" panose="020B0609020204030204" pitchFamily="49" charset="0"/>
+              </a:rPr>
+              <a:t>image_upload</a:t>
+            </a:r>
+            <a:r>
+              <a:rPr lang="en-US" sz="1400" dirty="0">
+                <a:latin typeface="Consolas" panose="020B0609020204030204" pitchFamily="49" charset="0"/>
+              </a:rPr>
+              <a:t>(request):</a:t>
+            </a:r>
+          </a:p>
+          <a:p>
+            <a:r>
+              <a:rPr lang="en-US" sz="1400" dirty="0">
+                <a:latin typeface="Consolas" panose="020B0609020204030204" pitchFamily="49" charset="0"/>
+              </a:rPr>
+              <a:t>    if </a:t>
+            </a:r>
+            <a:r>
+              <a:rPr lang="en-US" sz="1400" dirty="0" err="1">
+                <a:latin typeface="Consolas" panose="020B0609020204030204" pitchFamily="49" charset="0"/>
+              </a:rPr>
+              <a:t>request.method</a:t>
+            </a:r>
+            <a:r>
+              <a:rPr lang="en-US" sz="1400" dirty="0">
+                <a:latin typeface="Consolas" panose="020B0609020204030204" pitchFamily="49" charset="0"/>
+              </a:rPr>
+              <a:t> == "POST" and </a:t>
+            </a:r>
+            <a:r>
+              <a:rPr lang="en-US" sz="1400" dirty="0" err="1">
+                <a:latin typeface="Consolas" panose="020B0609020204030204" pitchFamily="49" charset="0"/>
+              </a:rPr>
+              <a:t>request.FILES</a:t>
+            </a:r>
+            <a:r>
+              <a:rPr lang="en-US" sz="1400" dirty="0">
+                <a:latin typeface="Consolas" panose="020B0609020204030204" pitchFamily="49" charset="0"/>
+              </a:rPr>
+              <a:t>["</a:t>
+            </a:r>
+            <a:r>
+              <a:rPr lang="en-US" sz="1400" dirty="0" err="1">
+                <a:latin typeface="Consolas" panose="020B0609020204030204" pitchFamily="49" charset="0"/>
+              </a:rPr>
+              <a:t>image_file</a:t>
+            </a:r>
+            <a:r>
+              <a:rPr lang="en-US" sz="1400" dirty="0">
+                <a:latin typeface="Consolas" panose="020B0609020204030204" pitchFamily="49" charset="0"/>
+              </a:rPr>
+              <a:t>"]:</a:t>
+            </a:r>
+          </a:p>
+          <a:p>
+            <a:r>
+              <a:rPr lang="en-US" sz="1400" dirty="0">
+                <a:latin typeface="Consolas" panose="020B0609020204030204" pitchFamily="49" charset="0"/>
+              </a:rPr>
+              <a:t>        </a:t>
+            </a:r>
+            <a:r>
+              <a:rPr lang="en-US" sz="1400" dirty="0" err="1">
+                <a:latin typeface="Consolas" panose="020B0609020204030204" pitchFamily="49" charset="0"/>
+              </a:rPr>
+              <a:t>image_file</a:t>
+            </a:r>
+            <a:r>
+              <a:rPr lang="en-US" sz="1400" dirty="0">
+                <a:latin typeface="Consolas" panose="020B0609020204030204" pitchFamily="49" charset="0"/>
+              </a:rPr>
+              <a:t> = </a:t>
+            </a:r>
+            <a:r>
+              <a:rPr lang="en-US" sz="1400" dirty="0" err="1">
+                <a:latin typeface="Consolas" panose="020B0609020204030204" pitchFamily="49" charset="0"/>
+              </a:rPr>
+              <a:t>request.FILES</a:t>
+            </a:r>
+            <a:r>
+              <a:rPr lang="en-US" sz="1400" dirty="0">
+                <a:latin typeface="Consolas" panose="020B0609020204030204" pitchFamily="49" charset="0"/>
+              </a:rPr>
+              <a:t>["</a:t>
+            </a:r>
+            <a:r>
+              <a:rPr lang="en-US" sz="1400" dirty="0" err="1">
+                <a:latin typeface="Consolas" panose="020B0609020204030204" pitchFamily="49" charset="0"/>
+              </a:rPr>
+              <a:t>image_file</a:t>
+            </a:r>
+            <a:r>
+              <a:rPr lang="en-US" sz="1400" dirty="0">
+                <a:latin typeface="Consolas" panose="020B0609020204030204" pitchFamily="49" charset="0"/>
+              </a:rPr>
+              <a:t>"]</a:t>
+            </a:r>
+          </a:p>
+          <a:p>
+            <a:r>
+              <a:rPr lang="en-US" sz="1400" dirty="0">
+                <a:latin typeface="Consolas" panose="020B0609020204030204" pitchFamily="49" charset="0"/>
+              </a:rPr>
+              <a:t>        fs = </a:t>
+            </a:r>
+            <a:r>
+              <a:rPr lang="en-US" sz="1400" dirty="0" err="1">
+                <a:latin typeface="Consolas" panose="020B0609020204030204" pitchFamily="49" charset="0"/>
+              </a:rPr>
+              <a:t>FileSystemStorage</a:t>
+            </a:r>
+            <a:r>
+              <a:rPr lang="en-US" sz="1400" dirty="0">
+                <a:latin typeface="Consolas" panose="020B0609020204030204" pitchFamily="49" charset="0"/>
+              </a:rPr>
+              <a:t>()</a:t>
+            </a:r>
+          </a:p>
+          <a:p>
+            <a:r>
+              <a:rPr lang="en-US" sz="1400" dirty="0">
+                <a:latin typeface="Consolas" panose="020B0609020204030204" pitchFamily="49" charset="0"/>
+              </a:rPr>
+              <a:t>        filename = </a:t>
+            </a:r>
+            <a:r>
+              <a:rPr lang="en-US" sz="1400" dirty="0" err="1">
+                <a:latin typeface="Consolas" panose="020B0609020204030204" pitchFamily="49" charset="0"/>
+              </a:rPr>
+              <a:t>fs.save</a:t>
+            </a:r>
+            <a:r>
+              <a:rPr lang="en-US" sz="1400" dirty="0">
+                <a:latin typeface="Consolas" panose="020B0609020204030204" pitchFamily="49" charset="0"/>
+              </a:rPr>
+              <a:t>(image_file.name, </a:t>
+            </a:r>
+            <a:r>
+              <a:rPr lang="en-US" sz="1400" dirty="0" err="1">
+                <a:latin typeface="Consolas" panose="020B0609020204030204" pitchFamily="49" charset="0"/>
+              </a:rPr>
+              <a:t>image_file</a:t>
+            </a:r>
+            <a:r>
+              <a:rPr lang="en-US" sz="1400" dirty="0">
+                <a:latin typeface="Consolas" panose="020B0609020204030204" pitchFamily="49" charset="0"/>
+              </a:rPr>
+              <a:t>)</a:t>
+            </a:r>
+          </a:p>
+          <a:p>
+            <a:r>
+              <a:rPr lang="en-US" sz="1400" dirty="0">
+                <a:latin typeface="Consolas" panose="020B0609020204030204" pitchFamily="49" charset="0"/>
+              </a:rPr>
+              <a:t>        </a:t>
+            </a:r>
+            <a:r>
+              <a:rPr lang="en-US" sz="1400" dirty="0" err="1">
+                <a:latin typeface="Consolas" panose="020B0609020204030204" pitchFamily="49" charset="0"/>
+              </a:rPr>
+              <a:t>image_url</a:t>
+            </a:r>
+            <a:r>
+              <a:rPr lang="en-US" sz="1400" dirty="0">
+                <a:latin typeface="Consolas" panose="020B0609020204030204" pitchFamily="49" charset="0"/>
+              </a:rPr>
+              <a:t> = fs.url(filename)</a:t>
+            </a:r>
+          </a:p>
+          <a:p>
+            <a:r>
+              <a:rPr lang="en-US" sz="1400" dirty="0">
+                <a:latin typeface="Consolas" panose="020B0609020204030204" pitchFamily="49" charset="0"/>
+              </a:rPr>
+              <a:t>        print(</a:t>
+            </a:r>
+            <a:r>
+              <a:rPr lang="en-US" sz="1400" dirty="0" err="1">
+                <a:latin typeface="Consolas" panose="020B0609020204030204" pitchFamily="49" charset="0"/>
+              </a:rPr>
+              <a:t>image_url</a:t>
+            </a:r>
+            <a:r>
+              <a:rPr lang="en-US" sz="1400" dirty="0">
+                <a:latin typeface="Consolas" panose="020B0609020204030204" pitchFamily="49" charset="0"/>
+              </a:rPr>
+              <a:t>)</a:t>
+            </a:r>
+          </a:p>
+          <a:p>
+            <a:r>
+              <a:rPr lang="en-US" sz="1400" dirty="0">
+                <a:latin typeface="Consolas" panose="020B0609020204030204" pitchFamily="49" charset="0"/>
+              </a:rPr>
+              <a:t>        return render(request, "</a:t>
+            </a:r>
+            <a:r>
+              <a:rPr lang="en-US" sz="1400" dirty="0">
+                <a:solidFill>
+                  <a:srgbClr val="7030A0"/>
+                </a:solidFill>
+                <a:latin typeface="Consolas" panose="020B0609020204030204" pitchFamily="49" charset="0"/>
+              </a:rPr>
+              <a:t>upload.html</a:t>
+            </a:r>
+            <a:r>
+              <a:rPr lang="en-US" sz="1400" dirty="0">
+                <a:latin typeface="Consolas" panose="020B0609020204030204" pitchFamily="49" charset="0"/>
+              </a:rPr>
+              <a:t>", {</a:t>
+            </a:r>
+          </a:p>
+          <a:p>
+            <a:r>
+              <a:rPr lang="en-US" sz="1400" dirty="0">
+                <a:latin typeface="Consolas" panose="020B0609020204030204" pitchFamily="49" charset="0"/>
+              </a:rPr>
+              <a:t>            "</a:t>
+            </a:r>
+            <a:r>
+              <a:rPr lang="en-US" sz="1400" dirty="0" err="1">
+                <a:latin typeface="Consolas" panose="020B0609020204030204" pitchFamily="49" charset="0"/>
+              </a:rPr>
+              <a:t>image_url</a:t>
+            </a:r>
+            <a:r>
+              <a:rPr lang="en-US" sz="1400" dirty="0">
+                <a:latin typeface="Consolas" panose="020B0609020204030204" pitchFamily="49" charset="0"/>
+              </a:rPr>
+              <a:t>": </a:t>
+            </a:r>
+            <a:r>
+              <a:rPr lang="en-US" sz="1400" dirty="0" err="1">
+                <a:latin typeface="Consolas" panose="020B0609020204030204" pitchFamily="49" charset="0"/>
+              </a:rPr>
+              <a:t>image_url</a:t>
+            </a:r>
+            <a:endParaRPr lang="en-US" sz="1400" dirty="0">
+              <a:latin typeface="Consolas" panose="020B0609020204030204" pitchFamily="49" charset="0"/>
+            </a:endParaRPr>
+          </a:p>
+          <a:p>
+            <a:r>
+              <a:rPr lang="en-US" sz="1400" dirty="0">
+                <a:latin typeface="Consolas" panose="020B0609020204030204" pitchFamily="49" charset="0"/>
+              </a:rPr>
+              <a:t>        })</a:t>
+            </a:r>
+          </a:p>
+          <a:p>
+            <a:r>
+              <a:rPr lang="en-US" sz="1400" dirty="0">
+                <a:latin typeface="Consolas" panose="020B0609020204030204" pitchFamily="49" charset="0"/>
+              </a:rPr>
+              <a:t>    return render(request, "</a:t>
+            </a:r>
+            <a:r>
+              <a:rPr lang="en-US" sz="1400" dirty="0">
+                <a:solidFill>
+                  <a:srgbClr val="7030A0"/>
+                </a:solidFill>
+                <a:latin typeface="Consolas" panose="020B0609020204030204" pitchFamily="49" charset="0"/>
+              </a:rPr>
+              <a:t>upload.html</a:t>
+            </a:r>
+            <a:r>
+              <a:rPr lang="en-US" sz="1400" dirty="0">
+                <a:latin typeface="Consolas" panose="020B0609020204030204" pitchFamily="49" charset="0"/>
+              </a:rPr>
+              <a:t>")</a:t>
+            </a:r>
+            <a:endParaRPr lang="ru-RU" sz="1400" dirty="0">
+              <a:latin typeface="Consolas" panose="020B0609020204030204" pitchFamily="49" charset="0"/>
+            </a:endParaRPr>
+          </a:p>
+        </p:txBody>
+      </p:sp>
+      <p:sp>
+        <p:nvSpPr>
+          <p:cNvPr id="7" name="TextBox 6">
+            <a:extLst>
+              <a:ext uri="{FF2B5EF4-FFF2-40B4-BE49-F238E27FC236}">
+                <a16:creationId xmlns:a16="http://schemas.microsoft.com/office/drawing/2014/main" id="{9CDE0A3F-C3D6-BC48-25BC-81A6C22963CB}"/>
+              </a:ext>
+            </a:extLst>
+          </p:cNvPr>
+          <p:cNvSpPr txBox="1"/>
+          <p:nvPr/>
+        </p:nvSpPr>
+        <p:spPr>
+          <a:xfrm>
+            <a:off x="7476931" y="2056222"/>
+            <a:ext cx="4368476" cy="369332"/>
+          </a:xfrm>
+          <a:prstGeom prst="rect">
+            <a:avLst/>
+          </a:prstGeom>
+          <a:noFill/>
+        </p:spPr>
+        <p:txBody>
+          <a:bodyPr wrap="square">
+            <a:spAutoFit/>
+          </a:bodyPr>
+          <a:lstStyle/>
+          <a:p>
+            <a:pPr algn="ctr"/>
+            <a:r>
+              <a:rPr lang="ru-RU" dirty="0">
+                <a:latin typeface="Times New Roman" panose="02020603050405020304" pitchFamily="18" charset="0"/>
+                <a:ea typeface="Calibri" panose="020F0502020204030204" pitchFamily="34" charset="0"/>
+              </a:rPr>
+              <a:t>Листинг 1. Содержимое </a:t>
+            </a:r>
+            <a:r>
+              <a:rPr lang="en-US" dirty="0">
+                <a:latin typeface="Times New Roman" panose="02020603050405020304" pitchFamily="18" charset="0"/>
+                <a:ea typeface="Calibri" panose="020F0502020204030204" pitchFamily="34" charset="0"/>
+              </a:rPr>
+              <a:t>urls.py </a:t>
+            </a:r>
+            <a:endParaRPr lang="ru-RU" dirty="0"/>
+          </a:p>
+        </p:txBody>
+      </p:sp>
+      <p:sp>
+        <p:nvSpPr>
+          <p:cNvPr id="8" name="TextBox 7">
+            <a:extLst>
+              <a:ext uri="{FF2B5EF4-FFF2-40B4-BE49-F238E27FC236}">
+                <a16:creationId xmlns:a16="http://schemas.microsoft.com/office/drawing/2014/main" id="{E45F481C-E376-5692-97EF-253A4D226253}"/>
+              </a:ext>
+            </a:extLst>
+          </p:cNvPr>
+          <p:cNvSpPr txBox="1"/>
+          <p:nvPr/>
+        </p:nvSpPr>
+        <p:spPr>
+          <a:xfrm>
+            <a:off x="5337111" y="5222825"/>
+            <a:ext cx="6508296" cy="369332"/>
+          </a:xfrm>
+          <a:prstGeom prst="rect">
+            <a:avLst/>
+          </a:prstGeom>
+          <a:noFill/>
+        </p:spPr>
+        <p:txBody>
+          <a:bodyPr wrap="square">
+            <a:spAutoFit/>
+          </a:bodyPr>
+          <a:lstStyle/>
+          <a:p>
+            <a:pPr algn="ctr"/>
+            <a:r>
+              <a:rPr lang="ru-RU" dirty="0">
+                <a:latin typeface="Times New Roman" panose="02020603050405020304" pitchFamily="18" charset="0"/>
+                <a:ea typeface="Calibri" panose="020F0502020204030204" pitchFamily="34" charset="0"/>
+              </a:rPr>
+              <a:t>Листинг </a:t>
+            </a:r>
+            <a:r>
+              <a:rPr lang="en-US" dirty="0">
+                <a:latin typeface="Times New Roman" panose="02020603050405020304" pitchFamily="18" charset="0"/>
+                <a:ea typeface="Calibri" panose="020F0502020204030204" pitchFamily="34" charset="0"/>
+              </a:rPr>
+              <a:t>2</a:t>
+            </a:r>
+            <a:r>
+              <a:rPr lang="ru-RU" dirty="0">
+                <a:latin typeface="Times New Roman" panose="02020603050405020304" pitchFamily="18" charset="0"/>
+                <a:ea typeface="Calibri" panose="020F0502020204030204" pitchFamily="34" charset="0"/>
+              </a:rPr>
+              <a:t>. функция-представления </a:t>
+            </a:r>
+            <a:r>
+              <a:rPr lang="en-US" dirty="0" err="1">
+                <a:latin typeface="Times New Roman" panose="02020603050405020304" pitchFamily="18" charset="0"/>
+                <a:ea typeface="Calibri" panose="020F0502020204030204" pitchFamily="34" charset="0"/>
+              </a:rPr>
+              <a:t>image_upload</a:t>
+            </a:r>
+            <a:r>
+              <a:rPr lang="en-US" dirty="0">
+                <a:latin typeface="Times New Roman" panose="02020603050405020304" pitchFamily="18" charset="0"/>
+                <a:ea typeface="Calibri" panose="020F0502020204030204" pitchFamily="34" charset="0"/>
+              </a:rPr>
+              <a:t> </a:t>
+            </a:r>
+            <a:r>
+              <a:rPr lang="ru-RU" dirty="0">
+                <a:latin typeface="Times New Roman" panose="02020603050405020304" pitchFamily="18" charset="0"/>
+                <a:ea typeface="Calibri" panose="020F0502020204030204" pitchFamily="34" charset="0"/>
+              </a:rPr>
+              <a:t>в </a:t>
+            </a:r>
+            <a:r>
+              <a:rPr lang="en-US" dirty="0">
+                <a:latin typeface="Times New Roman" panose="02020603050405020304" pitchFamily="18" charset="0"/>
+                <a:ea typeface="Calibri" panose="020F0502020204030204" pitchFamily="34" charset="0"/>
+              </a:rPr>
+              <a:t>views.py</a:t>
+            </a:r>
+            <a:endParaRPr lang="ru-RU" dirty="0"/>
+          </a:p>
+        </p:txBody>
+      </p:sp>
+      <p:sp>
+        <p:nvSpPr>
+          <p:cNvPr id="9" name="Заголовок 1">
+            <a:extLst>
+              <a:ext uri="{FF2B5EF4-FFF2-40B4-BE49-F238E27FC236}">
+                <a16:creationId xmlns:a16="http://schemas.microsoft.com/office/drawing/2014/main" id="{DAC0A007-6809-A77C-2FC3-54114F8DF2FF}"/>
               </a:ext>
             </a:extLst>
           </p:cNvPr>
@@ -7720,8 +9082,8 @@
         </p:nvSpPr>
         <p:spPr>
           <a:xfrm>
-            <a:off x="100787" y="4375311"/>
-            <a:ext cx="11498817" cy="1320800"/>
+            <a:off x="346591" y="147767"/>
+            <a:ext cx="11498817" cy="1046920"/>
           </a:xfrm>
           <a:prstGeom prst="rect">
             <a:avLst/>
@@ -7804,349 +9166,64 @@
             </a:lvl9pPr>
           </a:lstStyle>
           <a:p>
-            <a:endParaRPr lang="ru-RU" b="1" dirty="0"/>
-          </a:p>
-        </p:txBody>
-      </p:sp>
-      <p:sp>
-        <p:nvSpPr>
-          <p:cNvPr id="11" name="Объект 2">
-            <a:extLst>
-              <a:ext uri="{FF2B5EF4-FFF2-40B4-BE49-F238E27FC236}">
-                <a16:creationId xmlns:a16="http://schemas.microsoft.com/office/drawing/2014/main" id="{0502273D-1A53-361D-3256-C519BC170FE8}"/>
-              </a:ext>
-            </a:extLst>
-          </p:cNvPr>
-          <p:cNvSpPr>
-            <a:spLocks noGrp="1"/>
-          </p:cNvSpPr>
-          <p:nvPr>
-            <p:ph idx="4294967295"/>
-          </p:nvPr>
-        </p:nvSpPr>
-        <p:spPr>
-          <a:xfrm>
-            <a:off x="346591" y="1498254"/>
-            <a:ext cx="9182420" cy="5203507"/>
-          </a:xfrm>
-        </p:spPr>
-        <p:txBody>
-          <a:bodyPr>
-            <a:normAutofit/>
-          </a:bodyPr>
-          <a:lstStyle/>
-          <a:p>
-            <a:pPr marL="0" indent="0" algn="just">
-              <a:buNone/>
-            </a:pPr>
-            <a:r>
-              <a:rPr lang="ru-RU" sz="2400" dirty="0">
-                <a:latin typeface="Times New Roman" panose="02020603050405020304" pitchFamily="18" charset="0"/>
-                <a:cs typeface="Times New Roman" panose="02020603050405020304" pitchFamily="18" charset="0"/>
-              </a:rPr>
-              <a:t>В рамках проекта использовались</a:t>
-            </a:r>
-            <a:r>
-              <a:rPr lang="en-US" sz="2400" dirty="0">
-                <a:latin typeface="Times New Roman" panose="02020603050405020304" pitchFamily="18" charset="0"/>
-                <a:cs typeface="Times New Roman" panose="02020603050405020304" pitchFamily="18" charset="0"/>
-              </a:rPr>
-              <a:t>:</a:t>
-            </a:r>
-          </a:p>
-          <a:p>
-            <a:pPr algn="just">
-              <a:buClr>
+            <a:r>
+              <a:rPr lang="ru-RU" sz="2600" b="1" dirty="0">
+                <a:solidFill>
+                  <a:schemeClr val="tx1"/>
+                </a:solidFill>
+                <a:latin typeface="Times New Roman" panose="02020603050405020304" pitchFamily="18" charset="0"/>
+                <a:cs typeface="Times New Roman" panose="02020603050405020304" pitchFamily="18" charset="0"/>
+              </a:rPr>
+              <a:t>Разработка тестового </a:t>
+            </a:r>
+            <a:r>
+              <a:rPr lang="en-US" sz="2600" b="1" dirty="0">
+                <a:solidFill>
+                  <a:schemeClr val="tx1"/>
+                </a:solidFill>
+                <a:latin typeface="Times New Roman" panose="02020603050405020304" pitchFamily="18" charset="0"/>
+                <a:cs typeface="Times New Roman" panose="02020603050405020304" pitchFamily="18" charset="0"/>
+              </a:rPr>
+              <a:t>web-</a:t>
+            </a:r>
+            <a:r>
+              <a:rPr lang="ru-RU" sz="2600" b="1" dirty="0">
+                <a:solidFill>
+                  <a:schemeClr val="tx1"/>
+                </a:solidFill>
+                <a:latin typeface="Times New Roman" panose="02020603050405020304" pitchFamily="18" charset="0"/>
+                <a:cs typeface="Times New Roman" panose="02020603050405020304" pitchFamily="18" charset="0"/>
+              </a:rPr>
+              <a:t>приложения</a:t>
+            </a:r>
+          </a:p>
+          <a:p>
+            <a:r>
+              <a:rPr lang="en-US" sz="2500" b="1" dirty="0">
+                <a:solidFill>
+                  <a:schemeClr val="tx1"/>
+                </a:solidFill>
+                <a:latin typeface="Times New Roman" panose="02020603050405020304" pitchFamily="18" charset="0"/>
+                <a:cs typeface="Times New Roman" panose="02020603050405020304" pitchFamily="18" charset="0"/>
+              </a:rPr>
+              <a:t> </a:t>
+            </a:r>
+            <a:endParaRPr lang="ru-RU" sz="2500" b="1" dirty="0">
+              <a:solidFill>
                 <a:schemeClr val="tx1"/>
-              </a:buClr>
-            </a:pPr>
-            <a:r>
-              <a:rPr lang="en-US" sz="2400" dirty="0">
-                <a:latin typeface="Times New Roman" panose="02020603050405020304" pitchFamily="18" charset="0"/>
-                <a:cs typeface="Times New Roman" panose="02020603050405020304" pitchFamily="18" charset="0"/>
-              </a:rPr>
-              <a:t>Django </a:t>
-            </a:r>
-            <a:r>
-              <a:rPr lang="ru-RU" sz="2400" dirty="0">
-                <a:effectLst/>
-                <a:latin typeface="Times New Roman" panose="02020603050405020304" pitchFamily="18" charset="0"/>
-                <a:ea typeface="Calibri" panose="020F0502020204030204" pitchFamily="34" charset="0"/>
-                <a:cs typeface="Times New Roman" panose="02020603050405020304" pitchFamily="18" charset="0"/>
-              </a:rPr>
-              <a:t>—</a:t>
-            </a:r>
-            <a:r>
-              <a:rPr lang="en-US" sz="2400" dirty="0">
-                <a:latin typeface="Times New Roman" panose="02020603050405020304" pitchFamily="18" charset="0"/>
-                <a:cs typeface="Times New Roman" panose="02020603050405020304" pitchFamily="18" charset="0"/>
-              </a:rPr>
-              <a:t> </a:t>
-            </a:r>
-            <a:r>
-              <a:rPr lang="ru-RU" sz="2400" b="0" dirty="0">
-                <a:effectLst/>
-                <a:latin typeface="Times New Roman" panose="02020603050405020304" pitchFamily="18" charset="0"/>
-                <a:cs typeface="Times New Roman" panose="02020603050405020304" pitchFamily="18" charset="0"/>
-              </a:rPr>
-              <a:t>это Python </a:t>
-            </a:r>
-            <a:r>
-              <a:rPr lang="en-US" sz="2400" b="0" dirty="0">
-                <a:effectLst/>
-                <a:latin typeface="Times New Roman" panose="02020603050405020304" pitchFamily="18" charset="0"/>
-                <a:cs typeface="Times New Roman" panose="02020603050405020304" pitchFamily="18" charset="0"/>
-              </a:rPr>
-              <a:t>web</a:t>
-            </a:r>
-            <a:r>
-              <a:rPr lang="ru-RU" sz="2400" b="0" dirty="0">
-                <a:effectLst/>
-                <a:latin typeface="Times New Roman" panose="02020603050405020304" pitchFamily="18" charset="0"/>
-                <a:cs typeface="Times New Roman" panose="02020603050405020304" pitchFamily="18" charset="0"/>
-              </a:rPr>
-              <a:t>-фреймворк, </a:t>
-            </a:r>
-            <a:r>
-              <a:rPr lang="ru-RU" sz="2400" dirty="0">
-                <a:latin typeface="Times New Roman" panose="02020603050405020304" pitchFamily="18" charset="0"/>
-                <a:cs typeface="Times New Roman" panose="02020603050405020304" pitchFamily="18" charset="0"/>
-              </a:rPr>
-              <a:t>с помощью которого можно вести разработку </a:t>
-            </a:r>
-            <a:r>
-              <a:rPr lang="en-US" sz="2400" dirty="0">
-                <a:latin typeface="Times New Roman" panose="02020603050405020304" pitchFamily="18" charset="0"/>
-                <a:cs typeface="Times New Roman" panose="02020603050405020304" pitchFamily="18" charset="0"/>
-              </a:rPr>
-              <a:t>web-</a:t>
-            </a:r>
-            <a:r>
-              <a:rPr lang="ru-RU" sz="2400" dirty="0">
-                <a:latin typeface="Times New Roman" panose="02020603050405020304" pitchFamily="18" charset="0"/>
-                <a:cs typeface="Times New Roman" panose="02020603050405020304" pitchFamily="18" charset="0"/>
-              </a:rPr>
-              <a:t>приложения</a:t>
-            </a:r>
-            <a:r>
-              <a:rPr lang="en-US" sz="2400" dirty="0">
-                <a:latin typeface="Times New Roman" panose="02020603050405020304" pitchFamily="18" charset="0"/>
-                <a:cs typeface="Times New Roman" panose="02020603050405020304" pitchFamily="18" charset="0"/>
-              </a:rPr>
-              <a:t>.</a:t>
-            </a:r>
-          </a:p>
-          <a:p>
-            <a:pPr marL="0" indent="0" algn="just">
-              <a:buNone/>
-            </a:pPr>
-            <a:endParaRPr lang="ru-RU" sz="2400" b="0" dirty="0">
-              <a:effectLst/>
+              </a:solidFill>
               <a:latin typeface="Times New Roman" panose="02020603050405020304" pitchFamily="18" charset="0"/>
               <a:cs typeface="Times New Roman" panose="02020603050405020304" pitchFamily="18" charset="0"/>
             </a:endParaRPr>
           </a:p>
-          <a:p>
-            <a:pPr marL="0" indent="0" algn="just">
-              <a:buNone/>
-            </a:pPr>
-            <a:endParaRPr lang="ru-RU" sz="2400" dirty="0">
-              <a:latin typeface="Times New Roman" panose="02020603050405020304" pitchFamily="18" charset="0"/>
-              <a:cs typeface="Times New Roman" panose="02020603050405020304" pitchFamily="18" charset="0"/>
-            </a:endParaRPr>
-          </a:p>
-          <a:p>
-            <a:pPr marL="0" indent="0" algn="just">
-              <a:buNone/>
-            </a:pPr>
-            <a:endParaRPr lang="ru-RU" sz="2400" b="0" dirty="0">
-              <a:effectLst/>
-              <a:latin typeface="Times New Roman" panose="02020603050405020304" pitchFamily="18" charset="0"/>
-              <a:cs typeface="Times New Roman" panose="02020603050405020304" pitchFamily="18" charset="0"/>
-            </a:endParaRPr>
-          </a:p>
-          <a:p>
-            <a:pPr algn="just">
-              <a:buClr>
-                <a:schemeClr val="tx1"/>
-              </a:buClr>
-            </a:pPr>
-            <a:r>
-              <a:rPr lang="en-US" sz="2400" dirty="0">
-                <a:latin typeface="Times New Roman" panose="02020603050405020304" pitchFamily="18" charset="0"/>
-                <a:cs typeface="Times New Roman" panose="02020603050405020304" pitchFamily="18" charset="0"/>
-              </a:rPr>
-              <a:t>Docker </a:t>
-            </a:r>
-            <a:r>
-              <a:rPr lang="ru-RU" sz="2400" dirty="0">
-                <a:effectLst/>
-                <a:latin typeface="Times New Roman" panose="02020603050405020304" pitchFamily="18" charset="0"/>
-                <a:ea typeface="Calibri" panose="020F0502020204030204" pitchFamily="34" charset="0"/>
-                <a:cs typeface="Times New Roman" panose="02020603050405020304" pitchFamily="18" charset="0"/>
-              </a:rPr>
-              <a:t>—</a:t>
-            </a:r>
-            <a:r>
-              <a:rPr lang="en-US" sz="2400" dirty="0">
-                <a:latin typeface="Times New Roman" panose="02020603050405020304" pitchFamily="18" charset="0"/>
-                <a:cs typeface="Times New Roman" panose="02020603050405020304" pitchFamily="18" charset="0"/>
-              </a:rPr>
-              <a:t> </a:t>
-            </a:r>
-            <a:r>
-              <a:rPr lang="ru-RU" sz="2400" dirty="0">
-                <a:latin typeface="Times New Roman" panose="02020603050405020304" pitchFamily="18" charset="0"/>
-                <a:cs typeface="Times New Roman" panose="02020603050405020304" pitchFamily="18" charset="0"/>
-              </a:rPr>
-              <a:t>программное обеспечение, применяемое для разработки </a:t>
-            </a:r>
-            <a:r>
-              <a:rPr lang="en-US" sz="2400" dirty="0">
-                <a:latin typeface="Times New Roman" panose="02020603050405020304" pitchFamily="18" charset="0"/>
-                <a:cs typeface="Times New Roman" panose="02020603050405020304" pitchFamily="18" charset="0"/>
-              </a:rPr>
-              <a:t>web</a:t>
-            </a:r>
-            <a:r>
-              <a:rPr lang="ru-RU" sz="2400" dirty="0">
-                <a:latin typeface="Times New Roman" panose="02020603050405020304" pitchFamily="18" charset="0"/>
-                <a:cs typeface="Times New Roman" panose="02020603050405020304" pitchFamily="18" charset="0"/>
-              </a:rPr>
-              <a:t>-приложений в средах с поддержкой контейнеризации. </a:t>
-            </a:r>
-          </a:p>
-        </p:txBody>
-      </p:sp>
-      <p:pic>
-        <p:nvPicPr>
-          <p:cNvPr id="1026" name="Picture 2">
+        </p:txBody>
+      </p:sp>
+      <p:sp>
+        <p:nvSpPr>
+          <p:cNvPr id="10" name="Объект 2">
             <a:extLst>
               <a:ext uri="{FF2B5EF4-FFF2-40B4-BE49-F238E27FC236}">
-                <a16:creationId xmlns:a16="http://schemas.microsoft.com/office/drawing/2014/main" id="{7F416943-ACB6-044D-0DBA-7BEAD0FBEF9A}"/>
-              </a:ext>
-            </a:extLst>
-          </p:cNvPr>
-          <p:cNvPicPr>
-            <a:picLocks noChangeAspect="1" noChangeArrowheads="1"/>
-          </p:cNvPicPr>
-          <p:nvPr/>
-        </p:nvPicPr>
-        <p:blipFill>
-          <a:blip r:embed="rId2">
-            <a:extLst>
-              <a:ext uri="{28A0092B-C50C-407E-A947-70E740481C1C}">
-                <a14:useLocalDpi xmlns:a14="http://schemas.microsoft.com/office/drawing/2010/main" val="0"/>
-              </a:ext>
-            </a:extLst>
-          </a:blip>
-          <a:srcRect/>
-          <a:stretch>
-            <a:fillRect/>
-          </a:stretch>
-        </p:blipFill>
-        <p:spPr bwMode="auto">
-          <a:xfrm>
-            <a:off x="9644787" y="1938307"/>
-            <a:ext cx="2446421" cy="846691"/>
-          </a:xfrm>
-          <a:prstGeom prst="rect">
-            <a:avLst/>
-          </a:prstGeom>
-          <a:noFill/>
-          <a:extLst>
-            <a:ext uri="{909E8E84-426E-40DD-AFC4-6F175D3DCCD1}">
-              <a14:hiddenFill xmlns:a14="http://schemas.microsoft.com/office/drawing/2010/main">
-                <a:solidFill>
-                  <a:srgbClr val="FFFFFF"/>
-                </a:solidFill>
-              </a14:hiddenFill>
-            </a:ext>
-          </a:extLst>
-        </p:spPr>
-      </p:pic>
-      <p:pic>
-        <p:nvPicPr>
-          <p:cNvPr id="1028" name="Picture 4" descr="Press and Media Resources - Docker">
-            <a:extLst>
-              <a:ext uri="{FF2B5EF4-FFF2-40B4-BE49-F238E27FC236}">
-                <a16:creationId xmlns:a16="http://schemas.microsoft.com/office/drawing/2014/main" id="{429A091B-FC28-EA4C-5008-A45BF112F440}"/>
-              </a:ext>
-            </a:extLst>
-          </p:cNvPr>
-          <p:cNvPicPr>
-            <a:picLocks noChangeAspect="1" noChangeArrowheads="1"/>
-          </p:cNvPicPr>
-          <p:nvPr/>
-        </p:nvPicPr>
-        <p:blipFill>
-          <a:blip r:embed="rId3">
-            <a:extLst>
-              <a:ext uri="{28A0092B-C50C-407E-A947-70E740481C1C}">
-                <a14:useLocalDpi xmlns:a14="http://schemas.microsoft.com/office/drawing/2010/main" val="0"/>
-              </a:ext>
-            </a:extLst>
-          </a:blip>
-          <a:srcRect/>
-          <a:stretch>
-            <a:fillRect/>
-          </a:stretch>
-        </p:blipFill>
-        <p:spPr bwMode="auto">
-          <a:xfrm>
-            <a:off x="9644788" y="3825508"/>
-            <a:ext cx="2446421" cy="2093195"/>
-          </a:xfrm>
-          <a:prstGeom prst="rect">
-            <a:avLst/>
-          </a:prstGeom>
-          <a:noFill/>
-          <a:extLst>
-            <a:ext uri="{909E8E84-426E-40DD-AFC4-6F175D3DCCD1}">
-              <a14:hiddenFill xmlns:a14="http://schemas.microsoft.com/office/drawing/2010/main">
-                <a:solidFill>
-                  <a:srgbClr val="FFFFFF"/>
-                </a:solidFill>
-              </a14:hiddenFill>
-            </a:ext>
-          </a:extLst>
-        </p:spPr>
-      </p:pic>
-      <p:sp>
-        <p:nvSpPr>
-          <p:cNvPr id="2" name="Номер слайда 1">
-            <a:extLst>
-              <a:ext uri="{FF2B5EF4-FFF2-40B4-BE49-F238E27FC236}">
-                <a16:creationId xmlns:a16="http://schemas.microsoft.com/office/drawing/2014/main" id="{75E4D7AE-3950-85D2-5C0F-806F3A15A562}"/>
-              </a:ext>
-            </a:extLst>
-          </p:cNvPr>
-          <p:cNvSpPr>
-            <a:spLocks noGrp="1"/>
-          </p:cNvSpPr>
-          <p:nvPr>
-            <p:ph type="sldNum" sz="quarter" idx="12"/>
-          </p:nvPr>
-        </p:nvSpPr>
-        <p:spPr/>
-        <p:txBody>
-          <a:bodyPr/>
-          <a:lstStyle/>
-          <a:p>
-            <a:fld id="{5552E39F-73D0-4A16-9BC8-08DD5BB183DF}" type="slidenum">
-              <a:rPr lang="ru-RU" smtClean="0"/>
-              <a:t>7</a:t>
-            </a:fld>
-            <a:endParaRPr lang="ru-RU"/>
-          </a:p>
-        </p:txBody>
-      </p:sp>
-      <p:sp>
-        <p:nvSpPr>
-          <p:cNvPr id="3" name="Заголовок 1">
-            <a:extLst>
-              <a:ext uri="{FF2B5EF4-FFF2-40B4-BE49-F238E27FC236}">
-                <a16:creationId xmlns:a16="http://schemas.microsoft.com/office/drawing/2014/main" id="{EA8CA11E-96BE-BC04-6BE6-36CC822EDDF7}"/>
+                <a16:creationId xmlns:a16="http://schemas.microsoft.com/office/drawing/2014/main" id="{00E310B6-F866-68EA-8F23-0CDBAA99052A}"/>
               </a:ext>
             </a:extLst>
           </p:cNvPr>
@@ -8157,237 +9234,511 @@
         </p:nvSpPr>
         <p:spPr>
           <a:xfrm>
-            <a:off x="529060" y="5595994"/>
-            <a:ext cx="11498817" cy="1046920"/>
+            <a:off x="346591" y="671227"/>
+            <a:ext cx="7130339" cy="2093120"/>
           </a:xfrm>
           <a:prstGeom prst="rect">
             <a:avLst/>
           </a:prstGeom>
         </p:spPr>
         <p:txBody>
-          <a:bodyPr vert="horz" lIns="91440" tIns="45720" rIns="91440" bIns="45720" rtlCol="0" anchor="t">
-            <a:normAutofit fontScale="97500"/>
+          <a:bodyPr vert="horz" lIns="91440" tIns="45720" rIns="91440" bIns="45720" rtlCol="0">
+            <a:normAutofit/>
           </a:bodyPr>
           <a:lstStyle>
-            <a:lvl1pPr algn="l" defTabSz="457200" rtl="0" eaLnBrk="1" latinLnBrk="0" hangingPunct="1">
+            <a:lvl1pPr marL="228600" indent="-228600" algn="l" defTabSz="914400" rtl="0" eaLnBrk="1" latinLnBrk="0" hangingPunct="1">
+              <a:lnSpc>
+                <a:spcPct val="90000"/>
+              </a:lnSpc>
               <a:spcBef>
-                <a:spcPct val="0"/>
+                <a:spcPts val="1000"/>
               </a:spcBef>
-              <a:buNone/>
-              <a:defRPr sz="3600" kern="1200">
-                <a:solidFill>
-                  <a:schemeClr val="accent1"/>
-                </a:solidFill>
-                <a:latin typeface="+mj-lt"/>
-                <a:ea typeface="+mj-ea"/>
-                <a:cs typeface="+mj-cs"/>
+              <a:buFont typeface="Arial" panose="020B0604020202020204" pitchFamily="34" charset="0"/>
+              <a:buChar char="•"/>
+              <a:defRPr sz="2800" kern="1200">
+                <a:solidFill>
+                  <a:schemeClr val="tx1"/>
+                </a:solidFill>
+                <a:latin typeface="+mn-lt"/>
+                <a:ea typeface="+mn-ea"/>
+                <a:cs typeface="+mn-cs"/>
               </a:defRPr>
             </a:lvl1pPr>
-            <a:lvl2pPr eaLnBrk="1" hangingPunct="1">
-              <a:defRPr>
-                <a:solidFill>
-                  <a:schemeClr val="tx2"/>
-                </a:solidFill>
+            <a:lvl2pPr marL="685800" indent="-228600" algn="l" defTabSz="914400" rtl="0" eaLnBrk="1" latinLnBrk="0" hangingPunct="1">
+              <a:lnSpc>
+                <a:spcPct val="90000"/>
+              </a:lnSpc>
+              <a:spcBef>
+                <a:spcPts val="500"/>
+              </a:spcBef>
+              <a:buFont typeface="Arial" panose="020B0604020202020204" pitchFamily="34" charset="0"/>
+              <a:buChar char="•"/>
+              <a:defRPr sz="2400" kern="1200">
+                <a:solidFill>
+                  <a:schemeClr val="tx1"/>
+                </a:solidFill>
+                <a:latin typeface="+mn-lt"/>
+                <a:ea typeface="+mn-ea"/>
+                <a:cs typeface="+mn-cs"/>
               </a:defRPr>
             </a:lvl2pPr>
-            <a:lvl3pPr eaLnBrk="1" hangingPunct="1">
-              <a:defRPr>
-                <a:solidFill>
-                  <a:schemeClr val="tx2"/>
-                </a:solidFill>
+            <a:lvl3pPr marL="1143000" indent="-228600" algn="l" defTabSz="914400" rtl="0" eaLnBrk="1" latinLnBrk="0" hangingPunct="1">
+              <a:lnSpc>
+                <a:spcPct val="90000"/>
+              </a:lnSpc>
+              <a:spcBef>
+                <a:spcPts val="500"/>
+              </a:spcBef>
+              <a:buFont typeface="Arial" panose="020B0604020202020204" pitchFamily="34" charset="0"/>
+              <a:buChar char="•"/>
+              <a:defRPr sz="2000" kern="1200">
+                <a:solidFill>
+                  <a:schemeClr val="tx1"/>
+                </a:solidFill>
+                <a:latin typeface="+mn-lt"/>
+                <a:ea typeface="+mn-ea"/>
+                <a:cs typeface="+mn-cs"/>
               </a:defRPr>
             </a:lvl3pPr>
-            <a:lvl4pPr eaLnBrk="1" hangingPunct="1">
-              <a:defRPr>
-                <a:solidFill>
-                  <a:schemeClr val="tx2"/>
-                </a:solidFill>
+            <a:lvl4pPr marL="1600200" indent="-228600" algn="l" defTabSz="914400" rtl="0" eaLnBrk="1" latinLnBrk="0" hangingPunct="1">
+              <a:lnSpc>
+                <a:spcPct val="90000"/>
+              </a:lnSpc>
+              <a:spcBef>
+                <a:spcPts val="500"/>
+              </a:spcBef>
+              <a:buFont typeface="Arial" panose="020B0604020202020204" pitchFamily="34" charset="0"/>
+              <a:buChar char="•"/>
+              <a:defRPr sz="1800" kern="1200">
+                <a:solidFill>
+                  <a:schemeClr val="tx1"/>
+                </a:solidFill>
+                <a:latin typeface="+mn-lt"/>
+                <a:ea typeface="+mn-ea"/>
+                <a:cs typeface="+mn-cs"/>
               </a:defRPr>
             </a:lvl4pPr>
-            <a:lvl5pPr eaLnBrk="1" hangingPunct="1">
-              <a:defRPr>
-                <a:solidFill>
-                  <a:schemeClr val="tx2"/>
-                </a:solidFill>
+            <a:lvl5pPr marL="2057400" indent="-228600" algn="l" defTabSz="914400" rtl="0" eaLnBrk="1" latinLnBrk="0" hangingPunct="1">
+              <a:lnSpc>
+                <a:spcPct val="90000"/>
+              </a:lnSpc>
+              <a:spcBef>
+                <a:spcPts val="500"/>
+              </a:spcBef>
+              <a:buFont typeface="Arial" panose="020B0604020202020204" pitchFamily="34" charset="0"/>
+              <a:buChar char="•"/>
+              <a:defRPr sz="1800" kern="1200">
+                <a:solidFill>
+                  <a:schemeClr val="tx1"/>
+                </a:solidFill>
+                <a:latin typeface="+mn-lt"/>
+                <a:ea typeface="+mn-ea"/>
+                <a:cs typeface="+mn-cs"/>
               </a:defRPr>
             </a:lvl5pPr>
-            <a:lvl6pPr eaLnBrk="1" hangingPunct="1">
-              <a:defRPr>
-                <a:solidFill>
-                  <a:schemeClr val="tx2"/>
-                </a:solidFill>
+            <a:lvl6pPr marL="2514600" indent="-228600" algn="l" defTabSz="914400" rtl="0" eaLnBrk="1" latinLnBrk="0" hangingPunct="1">
+              <a:lnSpc>
+                <a:spcPct val="90000"/>
+              </a:lnSpc>
+              <a:spcBef>
+                <a:spcPts val="500"/>
+              </a:spcBef>
+              <a:buFont typeface="Arial" panose="020B0604020202020204" pitchFamily="34" charset="0"/>
+              <a:buChar char="•"/>
+              <a:defRPr sz="1800" kern="1200">
+                <a:solidFill>
+                  <a:schemeClr val="tx1"/>
+                </a:solidFill>
+                <a:latin typeface="+mn-lt"/>
+                <a:ea typeface="+mn-ea"/>
+                <a:cs typeface="+mn-cs"/>
               </a:defRPr>
             </a:lvl6pPr>
-            <a:lvl7pPr eaLnBrk="1" hangingPunct="1">
-              <a:defRPr>
-                <a:solidFill>
-                  <a:schemeClr val="tx2"/>
-                </a:solidFill>
+            <a:lvl7pPr marL="2971800" indent="-228600" algn="l" defTabSz="914400" rtl="0" eaLnBrk="1" latinLnBrk="0" hangingPunct="1">
+              <a:lnSpc>
+                <a:spcPct val="90000"/>
+              </a:lnSpc>
+              <a:spcBef>
+                <a:spcPts val="500"/>
+              </a:spcBef>
+              <a:buFont typeface="Arial" panose="020B0604020202020204" pitchFamily="34" charset="0"/>
+              <a:buChar char="•"/>
+              <a:defRPr sz="1800" kern="1200">
+                <a:solidFill>
+                  <a:schemeClr val="tx1"/>
+                </a:solidFill>
+                <a:latin typeface="+mn-lt"/>
+                <a:ea typeface="+mn-ea"/>
+                <a:cs typeface="+mn-cs"/>
               </a:defRPr>
             </a:lvl7pPr>
-            <a:lvl8pPr eaLnBrk="1" hangingPunct="1">
-              <a:defRPr>
-                <a:solidFill>
-                  <a:schemeClr val="tx2"/>
-                </a:solidFill>
+            <a:lvl8pPr marL="3429000" indent="-228600" algn="l" defTabSz="914400" rtl="0" eaLnBrk="1" latinLnBrk="0" hangingPunct="1">
+              <a:lnSpc>
+                <a:spcPct val="90000"/>
+              </a:lnSpc>
+              <a:spcBef>
+                <a:spcPts val="500"/>
+              </a:spcBef>
+              <a:buFont typeface="Arial" panose="020B0604020202020204" pitchFamily="34" charset="0"/>
+              <a:buChar char="•"/>
+              <a:defRPr sz="1800" kern="1200">
+                <a:solidFill>
+                  <a:schemeClr val="tx1"/>
+                </a:solidFill>
+                <a:latin typeface="+mn-lt"/>
+                <a:ea typeface="+mn-ea"/>
+                <a:cs typeface="+mn-cs"/>
               </a:defRPr>
             </a:lvl8pPr>
-            <a:lvl9pPr eaLnBrk="1" hangingPunct="1">
-              <a:defRPr>
-                <a:solidFill>
-                  <a:schemeClr val="tx2"/>
-                </a:solidFill>
+            <a:lvl9pPr marL="3886200" indent="-228600" algn="l" defTabSz="914400" rtl="0" eaLnBrk="1" latinLnBrk="0" hangingPunct="1">
+              <a:lnSpc>
+                <a:spcPct val="90000"/>
+              </a:lnSpc>
+              <a:spcBef>
+                <a:spcPts val="500"/>
+              </a:spcBef>
+              <a:buFont typeface="Arial" panose="020B0604020202020204" pitchFamily="34" charset="0"/>
+              <a:buChar char="•"/>
+              <a:defRPr sz="1800" kern="1200">
+                <a:solidFill>
+                  <a:schemeClr val="tx1"/>
+                </a:solidFill>
+                <a:latin typeface="+mn-lt"/>
+                <a:ea typeface="+mn-ea"/>
+                <a:cs typeface="+mn-cs"/>
               </a:defRPr>
             </a:lvl9pPr>
           </a:lstStyle>
           <a:p>
-            <a:endParaRPr lang="ru-RU" sz="2600" b="1" dirty="0">
-              <a:solidFill>
-                <a:schemeClr val="tx1"/>
-              </a:solidFill>
+            <a:pPr marL="0" indent="0">
+              <a:buNone/>
+            </a:pPr>
+            <a:r>
+              <a:rPr lang="ru-RU" sz="1800" dirty="0">
+                <a:latin typeface="Times New Roman" panose="02020603050405020304" pitchFamily="18" charset="0"/>
+                <a:cs typeface="Times New Roman" panose="02020603050405020304" pitchFamily="18" charset="0"/>
+              </a:rPr>
+              <a:t>	</a:t>
+            </a:r>
+            <a:r>
+              <a:rPr lang="en-US" sz="1800" dirty="0" err="1">
+                <a:latin typeface="Times New Roman" panose="02020603050405020304" pitchFamily="18" charset="0"/>
+                <a:cs typeface="Times New Roman" panose="02020603050405020304" pitchFamily="18" charset="0"/>
+              </a:rPr>
+              <a:t>urlpatterns</a:t>
+            </a:r>
+            <a:r>
+              <a:rPr lang="en-US" sz="1800" dirty="0">
+                <a:latin typeface="Times New Roman" panose="02020603050405020304" pitchFamily="18" charset="0"/>
+                <a:cs typeface="Times New Roman" panose="02020603050405020304" pitchFamily="18" charset="0"/>
+              </a:rPr>
+              <a:t> – </a:t>
+            </a:r>
+            <a:r>
+              <a:rPr lang="ru-RU" sz="1800" dirty="0">
+                <a:latin typeface="Times New Roman" panose="02020603050405020304" pitchFamily="18" charset="0"/>
+                <a:cs typeface="Times New Roman" panose="02020603050405020304" pitchFamily="18" charset="0"/>
+              </a:rPr>
+              <a:t>список всех </a:t>
+            </a:r>
+            <a:r>
+              <a:rPr lang="en-US" sz="1800" dirty="0">
+                <a:latin typeface="Times New Roman" panose="02020603050405020304" pitchFamily="18" charset="0"/>
+                <a:cs typeface="Times New Roman" panose="02020603050405020304" pitchFamily="18" charset="0"/>
+              </a:rPr>
+              <a:t>URL</a:t>
+            </a:r>
+            <a:r>
+              <a:rPr lang="ru-RU" sz="1800" dirty="0">
+                <a:latin typeface="Times New Roman" panose="02020603050405020304" pitchFamily="18" charset="0"/>
+                <a:cs typeface="Times New Roman" panose="02020603050405020304" pitchFamily="18" charset="0"/>
+              </a:rPr>
+              <a:t>, которые обрабатываются </a:t>
+            </a:r>
+            <a:r>
+              <a:rPr lang="en-US" sz="1800" dirty="0">
+                <a:latin typeface="Times New Roman" panose="02020603050405020304" pitchFamily="18" charset="0"/>
+                <a:cs typeface="Times New Roman" panose="02020603050405020304" pitchFamily="18" charset="0"/>
+              </a:rPr>
+              <a:t>web-</a:t>
+            </a:r>
+            <a:r>
+              <a:rPr lang="ru-RU" sz="1800" dirty="0">
+                <a:latin typeface="Times New Roman" panose="02020603050405020304" pitchFamily="18" charset="0"/>
+                <a:cs typeface="Times New Roman" panose="02020603050405020304" pitchFamily="18" charset="0"/>
+              </a:rPr>
+              <a:t>приложением.</a:t>
+            </a:r>
+            <a:endParaRPr lang="en-US" sz="1800" dirty="0">
               <a:latin typeface="Times New Roman" panose="02020603050405020304" pitchFamily="18" charset="0"/>
               <a:cs typeface="Times New Roman" panose="02020603050405020304" pitchFamily="18" charset="0"/>
             </a:endParaRPr>
           </a:p>
-        </p:txBody>
-      </p:sp>
-      <p:sp>
-        <p:nvSpPr>
-          <p:cNvPr id="4" name="Заголовок 1">
+          <a:p>
+            <a:pPr marL="0" indent="0">
+              <a:buNone/>
+            </a:pPr>
+            <a:r>
+              <a:rPr lang="ru-RU" sz="1800" dirty="0">
+                <a:latin typeface="Times New Roman" panose="02020603050405020304" pitchFamily="18" charset="0"/>
+                <a:cs typeface="Times New Roman" panose="02020603050405020304" pitchFamily="18" charset="0"/>
+              </a:rPr>
+              <a:t>	</a:t>
+            </a:r>
+            <a:r>
+              <a:rPr lang="en-US" sz="1800" dirty="0" err="1">
+                <a:solidFill>
+                  <a:srgbClr val="7030A0"/>
+                </a:solidFill>
+                <a:latin typeface="Times New Roman" panose="02020603050405020304" pitchFamily="18" charset="0"/>
+                <a:cs typeface="Times New Roman" panose="02020603050405020304" pitchFamily="18" charset="0"/>
+              </a:rPr>
+              <a:t>image_upload</a:t>
+            </a:r>
+            <a:r>
+              <a:rPr lang="en-US" sz="1800" dirty="0">
+                <a:solidFill>
+                  <a:srgbClr val="7030A0"/>
+                </a:solidFill>
+                <a:latin typeface="Times New Roman" panose="02020603050405020304" pitchFamily="18" charset="0"/>
+                <a:cs typeface="Times New Roman" panose="02020603050405020304" pitchFamily="18" charset="0"/>
+              </a:rPr>
+              <a:t> </a:t>
+            </a:r>
+            <a:r>
+              <a:rPr lang="en-US" sz="1800" dirty="0">
+                <a:latin typeface="Times New Roman" panose="02020603050405020304" pitchFamily="18" charset="0"/>
+                <a:cs typeface="Times New Roman" panose="02020603050405020304" pitchFamily="18" charset="0"/>
+              </a:rPr>
+              <a:t>– </a:t>
+            </a:r>
+            <a:r>
+              <a:rPr lang="ru-RU" sz="1800" dirty="0">
+                <a:latin typeface="Times New Roman" panose="02020603050405020304" pitchFamily="18" charset="0"/>
+                <a:cs typeface="Times New Roman" panose="02020603050405020304" pitchFamily="18" charset="0"/>
+              </a:rPr>
+              <a:t>функция</a:t>
+            </a:r>
+            <a:r>
+              <a:rPr lang="en-US" sz="1800" dirty="0">
+                <a:latin typeface="Times New Roman" panose="02020603050405020304" pitchFamily="18" charset="0"/>
+                <a:cs typeface="Times New Roman" panose="02020603050405020304" pitchFamily="18" charset="0"/>
+              </a:rPr>
+              <a:t>-</a:t>
+            </a:r>
+            <a:r>
+              <a:rPr lang="ru-RU" sz="1800" dirty="0">
+                <a:latin typeface="Times New Roman" panose="02020603050405020304" pitchFamily="18" charset="0"/>
+                <a:cs typeface="Times New Roman" panose="02020603050405020304" pitchFamily="18" charset="0"/>
+              </a:rPr>
+              <a:t>представления</a:t>
+            </a:r>
+            <a:r>
+              <a:rPr lang="en-US" sz="1800" dirty="0">
+                <a:latin typeface="Times New Roman" panose="02020603050405020304" pitchFamily="18" charset="0"/>
+                <a:cs typeface="Times New Roman" panose="02020603050405020304" pitchFamily="18" charset="0"/>
+              </a:rPr>
+              <a:t>, </a:t>
+            </a:r>
+            <a:r>
+              <a:rPr lang="ru-RU" sz="1800" dirty="0">
+                <a:latin typeface="Times New Roman" panose="02020603050405020304" pitchFamily="18" charset="0"/>
+                <a:cs typeface="Times New Roman" panose="02020603050405020304" pitchFamily="18" charset="0"/>
+              </a:rPr>
+              <a:t>которая сопоставлена с адресом </a:t>
+            </a:r>
+            <a:r>
+              <a:rPr lang="en-US" sz="1800" dirty="0">
+                <a:latin typeface="Times New Roman" panose="02020603050405020304" pitchFamily="18" charset="0"/>
+                <a:cs typeface="Times New Roman" panose="02020603050405020304" pitchFamily="18" charset="0"/>
+              </a:rPr>
+              <a:t>URL</a:t>
+            </a:r>
+            <a:r>
+              <a:rPr lang="ru-RU" sz="1800" dirty="0">
+                <a:latin typeface="Times New Roman" panose="02020603050405020304" pitchFamily="18" charset="0"/>
+                <a:cs typeface="Times New Roman" panose="02020603050405020304" pitchFamily="18" charset="0"/>
+              </a:rPr>
+              <a:t> с помощью функции </a:t>
+            </a:r>
+            <a:r>
+              <a:rPr lang="en-US" sz="1800" dirty="0">
+                <a:latin typeface="Times New Roman" panose="02020603050405020304" pitchFamily="18" charset="0"/>
+                <a:cs typeface="Times New Roman" panose="02020603050405020304" pitchFamily="18" charset="0"/>
+              </a:rPr>
+              <a:t>path() </a:t>
+            </a:r>
+            <a:r>
+              <a:rPr lang="ru-RU" sz="1800" dirty="0">
+                <a:latin typeface="Times New Roman" panose="02020603050405020304" pitchFamily="18" charset="0"/>
+                <a:cs typeface="Times New Roman" panose="02020603050405020304" pitchFamily="18" charset="0"/>
+              </a:rPr>
+              <a:t>и которая обрабатывает</a:t>
+            </a:r>
+            <a:r>
+              <a:rPr lang="en-US" sz="1800" dirty="0">
+                <a:latin typeface="Times New Roman" panose="02020603050405020304" pitchFamily="18" charset="0"/>
+                <a:cs typeface="Times New Roman" panose="02020603050405020304" pitchFamily="18" charset="0"/>
+              </a:rPr>
+              <a:t> </a:t>
+            </a:r>
+            <a:r>
+              <a:rPr lang="ru-RU" sz="1800" dirty="0">
+                <a:latin typeface="Times New Roman" panose="02020603050405020304" pitchFamily="18" charset="0"/>
+                <a:cs typeface="Times New Roman" panose="02020603050405020304" pitchFamily="18" charset="0"/>
+              </a:rPr>
+              <a:t>запрос по этому</a:t>
+            </a:r>
+            <a:r>
+              <a:rPr lang="en-US" sz="1800" dirty="0">
+                <a:latin typeface="Times New Roman" panose="02020603050405020304" pitchFamily="18" charset="0"/>
+                <a:cs typeface="Times New Roman" panose="02020603050405020304" pitchFamily="18" charset="0"/>
+              </a:rPr>
+              <a:t> </a:t>
+            </a:r>
+            <a:r>
+              <a:rPr lang="ru-RU" sz="1800" dirty="0">
+                <a:latin typeface="Times New Roman" panose="02020603050405020304" pitchFamily="18" charset="0"/>
+                <a:cs typeface="Times New Roman" panose="02020603050405020304" pitchFamily="18" charset="0"/>
+              </a:rPr>
+              <a:t>адресу</a:t>
+            </a:r>
+            <a:r>
+              <a:rPr lang="en-US" sz="1800" dirty="0">
+                <a:latin typeface="Times New Roman" panose="02020603050405020304" pitchFamily="18" charset="0"/>
+                <a:cs typeface="Times New Roman" panose="02020603050405020304" pitchFamily="18" charset="0"/>
+              </a:rPr>
+              <a:t>.</a:t>
+            </a:r>
+          </a:p>
+          <a:p>
+            <a:pPr marL="0" indent="0">
+              <a:buNone/>
+            </a:pPr>
+            <a:endParaRPr lang="en-US" sz="1800" dirty="0">
+              <a:latin typeface="Times New Roman" panose="02020603050405020304" pitchFamily="18" charset="0"/>
+              <a:cs typeface="Times New Roman" panose="02020603050405020304" pitchFamily="18" charset="0"/>
+            </a:endParaRPr>
+          </a:p>
+        </p:txBody>
+      </p:sp>
+      <p:sp>
+        <p:nvSpPr>
+          <p:cNvPr id="3" name="TextBox 2">
             <a:extLst>
               <a:ext uri="{FF2B5EF4-FFF2-40B4-BE49-F238E27FC236}">
-                <a16:creationId xmlns:a16="http://schemas.microsoft.com/office/drawing/2014/main" id="{E7B2DEBE-AE13-8F62-E9D1-622A78E594BC}"/>
+                <a16:creationId xmlns:a16="http://schemas.microsoft.com/office/drawing/2014/main" id="{C1BAA0E6-0800-3A51-4921-3DCA51451A6B}"/>
               </a:ext>
             </a:extLst>
           </p:cNvPr>
-          <p:cNvSpPr txBox="1">
-            <a:spLocks/>
-          </p:cNvSpPr>
+          <p:cNvSpPr txBox="1"/>
           <p:nvPr/>
         </p:nvSpPr>
         <p:spPr>
           <a:xfrm>
-            <a:off x="346591" y="147767"/>
-            <a:ext cx="11498817" cy="1046920"/>
+            <a:off x="346591" y="2760612"/>
+            <a:ext cx="4990519" cy="2308324"/>
           </a:xfrm>
           <a:prstGeom prst="rect">
             <a:avLst/>
           </a:prstGeom>
+          <a:noFill/>
         </p:spPr>
         <p:txBody>
-          <a:bodyPr vert="horz" lIns="91440" tIns="45720" rIns="91440" bIns="45720" rtlCol="0" anchor="t">
-            <a:normAutofit fontScale="97500"/>
+          <a:bodyPr wrap="square">
+            <a:spAutoFit/>
           </a:bodyPr>
-          <a:lstStyle>
-            <a:lvl1pPr algn="l" defTabSz="457200" rtl="0" eaLnBrk="1" latinLnBrk="0" hangingPunct="1">
-              <a:spcBef>
-                <a:spcPct val="0"/>
-              </a:spcBef>
+          <a:lstStyle/>
+          <a:p>
+            <a:pPr marL="0" indent="0">
               <a:buNone/>
-              <a:defRPr sz="3600" kern="1200">
-                <a:solidFill>
-                  <a:schemeClr val="accent1"/>
-                </a:solidFill>
-                <a:latin typeface="+mj-lt"/>
-                <a:ea typeface="+mj-ea"/>
-                <a:cs typeface="+mj-cs"/>
-              </a:defRPr>
-            </a:lvl1pPr>
-            <a:lvl2pPr eaLnBrk="1" hangingPunct="1">
-              <a:defRPr>
-                <a:solidFill>
-                  <a:schemeClr val="tx2"/>
-                </a:solidFill>
-              </a:defRPr>
-            </a:lvl2pPr>
-            <a:lvl3pPr eaLnBrk="1" hangingPunct="1">
-              <a:defRPr>
-                <a:solidFill>
-                  <a:schemeClr val="tx2"/>
-                </a:solidFill>
-              </a:defRPr>
-            </a:lvl3pPr>
-            <a:lvl4pPr eaLnBrk="1" hangingPunct="1">
-              <a:defRPr>
-                <a:solidFill>
-                  <a:schemeClr val="tx2"/>
-                </a:solidFill>
-              </a:defRPr>
-            </a:lvl4pPr>
-            <a:lvl5pPr eaLnBrk="1" hangingPunct="1">
-              <a:defRPr>
-                <a:solidFill>
-                  <a:schemeClr val="tx2"/>
-                </a:solidFill>
-              </a:defRPr>
-            </a:lvl5pPr>
-            <a:lvl6pPr eaLnBrk="1" hangingPunct="1">
-              <a:defRPr>
-                <a:solidFill>
-                  <a:schemeClr val="tx2"/>
-                </a:solidFill>
-              </a:defRPr>
-            </a:lvl6pPr>
-            <a:lvl7pPr eaLnBrk="1" hangingPunct="1">
-              <a:defRPr>
-                <a:solidFill>
-                  <a:schemeClr val="tx2"/>
-                </a:solidFill>
-              </a:defRPr>
-            </a:lvl7pPr>
-            <a:lvl8pPr eaLnBrk="1" hangingPunct="1">
-              <a:defRPr>
-                <a:solidFill>
-                  <a:schemeClr val="tx2"/>
-                </a:solidFill>
-              </a:defRPr>
-            </a:lvl8pPr>
-            <a:lvl9pPr eaLnBrk="1" hangingPunct="1">
-              <a:defRPr>
-                <a:solidFill>
-                  <a:schemeClr val="tx2"/>
-                </a:solidFill>
-              </a:defRPr>
-            </a:lvl9pPr>
-          </a:lstStyle>
-          <a:p>
-            <a:r>
-              <a:rPr lang="ru-RU" sz="2600" b="1" dirty="0">
-                <a:solidFill>
-                  <a:schemeClr val="tx1"/>
-                </a:solidFill>
-                <a:latin typeface="Times New Roman" panose="02020603050405020304" pitchFamily="18" charset="0"/>
-                <a:cs typeface="Times New Roman" panose="02020603050405020304" pitchFamily="18" charset="0"/>
-              </a:rPr>
-              <a:t>Разработка тестового </a:t>
-            </a:r>
-            <a:r>
-              <a:rPr lang="en-US" sz="2600" b="1" dirty="0">
-                <a:solidFill>
-                  <a:schemeClr val="tx1"/>
-                </a:solidFill>
-                <a:latin typeface="Times New Roman" panose="02020603050405020304" pitchFamily="18" charset="0"/>
-                <a:cs typeface="Times New Roman" panose="02020603050405020304" pitchFamily="18" charset="0"/>
-              </a:rPr>
-              <a:t>web-</a:t>
-            </a:r>
-            <a:r>
-              <a:rPr lang="ru-RU" sz="2600" b="1" dirty="0">
-                <a:solidFill>
-                  <a:schemeClr val="tx1"/>
-                </a:solidFill>
-                <a:latin typeface="Times New Roman" panose="02020603050405020304" pitchFamily="18" charset="0"/>
-                <a:cs typeface="Times New Roman" panose="02020603050405020304" pitchFamily="18" charset="0"/>
-              </a:rPr>
-              <a:t>приложения</a:t>
-            </a:r>
+            </a:pPr>
+            <a:r>
+              <a:rPr lang="ru-RU" sz="1800" dirty="0">
+                <a:latin typeface="Times New Roman" panose="02020603050405020304" pitchFamily="18" charset="0"/>
+                <a:cs typeface="Times New Roman" panose="02020603050405020304" pitchFamily="18" charset="0"/>
+              </a:rPr>
+              <a:t>	В данном случае в функции-представления используется </a:t>
+            </a:r>
+            <a:r>
+              <a:rPr lang="en-US" sz="1800" dirty="0">
+                <a:latin typeface="Times New Roman" panose="02020603050405020304" pitchFamily="18" charset="0"/>
+                <a:cs typeface="Times New Roman" panose="02020603050405020304" pitchFamily="18" charset="0"/>
+              </a:rPr>
+              <a:t>html </a:t>
+            </a:r>
+            <a:r>
+              <a:rPr lang="ru-RU" sz="1800" dirty="0">
+                <a:latin typeface="Times New Roman" panose="02020603050405020304" pitchFamily="18" charset="0"/>
+                <a:cs typeface="Times New Roman" panose="02020603050405020304" pitchFamily="18" charset="0"/>
+              </a:rPr>
+              <a:t>файл (</a:t>
+            </a:r>
+            <a:r>
+              <a:rPr lang="en-US" sz="1800" dirty="0">
+                <a:solidFill>
+                  <a:srgbClr val="7030A0"/>
+                </a:solidFill>
+                <a:latin typeface="Times New Roman" panose="02020603050405020304" pitchFamily="18" charset="0"/>
+                <a:cs typeface="Times New Roman" panose="02020603050405020304" pitchFamily="18" charset="0"/>
+              </a:rPr>
+              <a:t>upload.html</a:t>
+            </a:r>
+            <a:r>
+              <a:rPr lang="ru-RU" sz="1800" dirty="0">
+                <a:latin typeface="Times New Roman" panose="02020603050405020304" pitchFamily="18" charset="0"/>
+                <a:cs typeface="Times New Roman" panose="02020603050405020304" pitchFamily="18" charset="0"/>
+              </a:rPr>
+              <a:t>) , который так раз можно генерировать и заменять, если потребуется. </a:t>
+            </a:r>
+            <a:endParaRPr lang="ru-RU" dirty="0">
+              <a:latin typeface="Times New Roman" panose="02020603050405020304" pitchFamily="18" charset="0"/>
+              <a:cs typeface="Times New Roman" panose="02020603050405020304" pitchFamily="18" charset="0"/>
+            </a:endParaRPr>
+          </a:p>
+          <a:p>
+            <a:pPr marL="0" indent="0">
+              <a:buNone/>
+            </a:pPr>
+            <a:r>
+              <a:rPr lang="ru-RU" sz="1800" dirty="0">
+                <a:latin typeface="Times New Roman" panose="02020603050405020304" pitchFamily="18" charset="0"/>
+                <a:cs typeface="Times New Roman" panose="02020603050405020304" pitchFamily="18" charset="0"/>
+              </a:rPr>
+              <a:t>	</a:t>
+            </a:r>
+            <a:r>
+              <a:rPr lang="ru-RU" dirty="0">
+                <a:latin typeface="Times New Roman" panose="02020603050405020304" pitchFamily="18" charset="0"/>
+                <a:cs typeface="Times New Roman" panose="02020603050405020304" pitchFamily="18" charset="0"/>
+              </a:rPr>
+              <a:t>Но в случае изменения взаимодействия пользователя со страницей, помимо </a:t>
+            </a:r>
+            <a:r>
+              <a:rPr lang="en-US" dirty="0">
+                <a:latin typeface="Times New Roman" panose="02020603050405020304" pitchFamily="18" charset="0"/>
+                <a:cs typeface="Times New Roman" panose="02020603050405020304" pitchFamily="18" charset="0"/>
+              </a:rPr>
+              <a:t>html </a:t>
+            </a:r>
+            <a:r>
+              <a:rPr lang="ru-RU" dirty="0">
+                <a:latin typeface="Times New Roman" panose="02020603050405020304" pitchFamily="18" charset="0"/>
+                <a:cs typeface="Times New Roman" panose="02020603050405020304" pitchFamily="18" charset="0"/>
+              </a:rPr>
+              <a:t>файла требуется так же переписать функцию-представления.</a:t>
+            </a:r>
+            <a:endParaRPr lang="en-US" sz="1800" dirty="0">
+              <a:latin typeface="Times New Roman" panose="02020603050405020304" pitchFamily="18" charset="0"/>
+              <a:cs typeface="Times New Roman" panose="02020603050405020304" pitchFamily="18" charset="0"/>
+            </a:endParaRPr>
           </a:p>
         </p:txBody>
       </p:sp>
     </p:spTree>
     <p:extLst>
       <p:ext uri="{BB962C8B-B14F-4D97-AF65-F5344CB8AC3E}">
-        <p14:creationId xmlns:p14="http://schemas.microsoft.com/office/powerpoint/2010/main" val="1303023639"/>
+        <p14:creationId xmlns:p14="http://schemas.microsoft.com/office/powerpoint/2010/main" val="3117030043"/>
       </p:ext>
     </p:extLst>
   </p:cSld>
@@ -8579,7 +9930,7 @@
           </a:lstStyle>
           <a:p>
             <a:r>
-              <a:rPr lang="ru-RU" sz="2700" b="1" dirty="0">
+              <a:rPr lang="ru-RU" sz="2600" b="1" dirty="0">
                 <a:solidFill>
                   <a:schemeClr val="tx1"/>
                 </a:solidFill>
@@ -8589,7 +9940,7 @@
               <a:t>Разработка тестового </a:t>
             </a:r>
             <a:r>
-              <a:rPr lang="en-US" sz="2700" b="1" dirty="0">
+              <a:rPr lang="en-US" sz="2600" b="1" dirty="0">
                 <a:solidFill>
                   <a:schemeClr val="tx1"/>
                 </a:solidFill>
@@ -8599,7 +9950,7 @@
               <a:t>web-</a:t>
             </a:r>
             <a:r>
-              <a:rPr lang="ru-RU" sz="2700" b="1" dirty="0">
+              <a:rPr lang="ru-RU" sz="2600" b="1" dirty="0">
                 <a:solidFill>
                   <a:schemeClr val="tx1"/>
                 </a:solidFill>
@@ -8654,7 +10005,7 @@
                 <a:latin typeface="Times New Roman" panose="02020603050405020304" pitchFamily="18" charset="0"/>
                 <a:ea typeface="Calibri" panose="020F0502020204030204" pitchFamily="34" charset="0"/>
               </a:rPr>
-              <a:t>Рис. 5</a:t>
+              <a:t>Рис. 4</a:t>
             </a:r>
             <a:r>
               <a:rPr lang="en-US" dirty="0">
@@ -8752,7 +10103,7 @@
                 <a:latin typeface="Times New Roman" panose="02020603050405020304" pitchFamily="18" charset="0"/>
                 <a:ea typeface="Calibri" panose="020F0502020204030204" pitchFamily="34" charset="0"/>
               </a:rPr>
-              <a:t>Рис. 4</a:t>
+              <a:t>Рис. 3</a:t>
             </a:r>
             <a:r>
               <a:rPr lang="en-US" dirty="0">

--- a/01 - Курсовые проекты/2022-2023 - Разработка библиотеки функций на языке Python, реализующей автоматизированное построение динамических GUI/rndhpc_rpt_pres_gui_2023_73_VasilyanA.pptx
+++ b/01 - Курсовые проекты/2022-2023 - Разработка библиотеки функций на языке Python, реализующей автоматизированное построение динамических GUI/rndhpc_rpt_pres_gui_2023_73_VasilyanA.pptx
@@ -126,6 +126,18 @@
 </p:presentation>
 </file>
 
+<file path=ppt/commentAuthors.xml><?xml version="1.0" encoding="utf-8"?>
+<p:cmAuthorLst xmlns:a="http://schemas.openxmlformats.org/drawingml/2006/main" xmlns:r="http://schemas.openxmlformats.org/officeDocument/2006/relationships" xmlns:p="http://schemas.openxmlformats.org/presentationml/2006/main">
+  <p:cmAuthor id="1" name="Александр Соколов" initials="АС" lastIdx="1" clrIdx="0">
+    <p:extLst>
+      <p:ext uri="{19B8F6BF-5375-455C-9EA6-DF929625EA0E}">
+        <p15:presenceInfo xmlns:p15="http://schemas.microsoft.com/office/powerpoint/2012/main" userId="8874f918b52946c1" providerId="Windows Live"/>
+      </p:ext>
+    </p:extLst>
+  </p:cmAuthor>
+</p:cmAuthorLst>
+</file>
+
 <file path=ppt/notesMasters/notesMaster1.xml><?xml version="1.0" encoding="utf-8"?>
 <p:notesMaster xmlns:a="http://schemas.openxmlformats.org/drawingml/2006/main" xmlns:r="http://schemas.openxmlformats.org/officeDocument/2006/relationships" xmlns:p="http://schemas.openxmlformats.org/presentationml/2006/main">
   <p:cSld>
@@ -208,7 +220,7 @@
           <a:p>
             <a:fld id="{1433DABF-D097-44E0-82C0-1AAF5966212D}" type="datetimeFigureOut">
               <a:rPr lang="ru-RU" smtClean="0"/>
-              <a:t>26.01.2023</a:t>
+              <a:t>10.02.2023</a:t>
             </a:fld>
             <a:endParaRPr lang="ru-RU"/>
           </a:p>
@@ -606,7 +618,7 @@
           <a:p>
             <a:fld id="{6157714A-B5FA-4BDA-BAC5-CE551E0D5C71}" type="datetime1">
               <a:rPr lang="ru-RU" smtClean="0"/>
-              <a:t>26.01.2023</a:t>
+              <a:t>10.02.2023</a:t>
             </a:fld>
             <a:endParaRPr lang="ru-RU"/>
           </a:p>
@@ -776,7 +788,7 @@
           <a:p>
             <a:fld id="{27CE9654-3562-4100-A766-537F27551235}" type="datetime1">
               <a:rPr lang="ru-RU" smtClean="0"/>
-              <a:t>26.01.2023</a:t>
+              <a:t>10.02.2023</a:t>
             </a:fld>
             <a:endParaRPr lang="ru-RU"/>
           </a:p>
@@ -956,7 +968,7 @@
           <a:p>
             <a:fld id="{820807FA-9BD8-40AF-A59F-C82356EC0E74}" type="datetime1">
               <a:rPr lang="ru-RU" smtClean="0"/>
-              <a:t>26.01.2023</a:t>
+              <a:t>10.02.2023</a:t>
             </a:fld>
             <a:endParaRPr lang="ru-RU"/>
           </a:p>
@@ -1131,7 +1143,7 @@
           <a:p>
             <a:fld id="{5878E360-8AEE-4B90-99BC-1D6B98DA5EE2}" type="datetime1">
               <a:rPr lang="ru-RU" smtClean="0"/>
-              <a:t>26.01.2023</a:t>
+              <a:t>10.02.2023</a:t>
             </a:fld>
             <a:endParaRPr lang="ru-RU"/>
           </a:p>
@@ -1393,7 +1405,7 @@
           <a:p>
             <a:fld id="{D429DEF6-BF7E-4AAA-BE08-A3E2C310E23A}" type="datetime1">
               <a:rPr lang="ru-RU" smtClean="0"/>
-              <a:t>26.01.2023</a:t>
+              <a:t>10.02.2023</a:t>
             </a:fld>
             <a:endParaRPr lang="ru-RU"/>
           </a:p>
@@ -1625,7 +1637,7 @@
           <a:p>
             <a:fld id="{2118AE50-8815-4DDF-8D38-374A41423F79}" type="datetime1">
               <a:rPr lang="ru-RU" smtClean="0"/>
-              <a:t>26.01.2023</a:t>
+              <a:t>10.02.2023</a:t>
             </a:fld>
             <a:endParaRPr lang="ru-RU"/>
           </a:p>
@@ -1992,7 +2004,7 @@
           <a:p>
             <a:fld id="{3B4F339C-11A2-47C7-8682-F5E088FCD6CD}" type="datetime1">
               <a:rPr lang="ru-RU" smtClean="0"/>
-              <a:t>26.01.2023</a:t>
+              <a:t>10.02.2023</a:t>
             </a:fld>
             <a:endParaRPr lang="ru-RU"/>
           </a:p>
@@ -2110,7 +2122,7 @@
           <a:p>
             <a:fld id="{541086C6-E43C-4031-9DEE-B110F5665883}" type="datetime1">
               <a:rPr lang="ru-RU" smtClean="0"/>
-              <a:t>26.01.2023</a:t>
+              <a:t>10.02.2023</a:t>
             </a:fld>
             <a:endParaRPr lang="ru-RU"/>
           </a:p>
@@ -2205,7 +2217,7 @@
           <a:p>
             <a:fld id="{6E673D86-633A-4A5C-99A8-AF67CDA3F4C5}" type="datetime1">
               <a:rPr lang="ru-RU" smtClean="0"/>
-              <a:t>26.01.2023</a:t>
+              <a:t>10.02.2023</a:t>
             </a:fld>
             <a:endParaRPr lang="ru-RU"/>
           </a:p>
@@ -2482,7 +2494,7 @@
           <a:p>
             <a:fld id="{9F141B0F-4B70-46F9-8E49-A8927A8EF61C}" type="datetime1">
               <a:rPr lang="ru-RU" smtClean="0"/>
-              <a:t>26.01.2023</a:t>
+              <a:t>10.02.2023</a:t>
             </a:fld>
             <a:endParaRPr lang="ru-RU"/>
           </a:p>
@@ -2739,7 +2751,7 @@
           <a:p>
             <a:fld id="{66E4E755-3C6B-40C3-812B-8DBAD8856AD3}" type="datetime1">
               <a:rPr lang="ru-RU" smtClean="0"/>
-              <a:t>26.01.2023</a:t>
+              <a:t>10.02.2023</a:t>
             </a:fld>
             <a:endParaRPr lang="ru-RU"/>
           </a:p>
@@ -2952,7 +2964,7 @@
           <a:p>
             <a:fld id="{41888E7E-34F9-43C6-9C08-101ACE33D9FB}" type="datetime1">
               <a:rPr lang="ru-RU" smtClean="0"/>
-              <a:t>26.01.2023</a:t>
+              <a:t>10.02.2023</a:t>
             </a:fld>
             <a:endParaRPr lang="ru-RU"/>
           </a:p>
@@ -7842,7 +7854,7 @@
         <p:spPr>
           <a:xfrm>
             <a:off x="346591" y="147767"/>
-            <a:ext cx="11498817" cy="1046920"/>
+            <a:ext cx="11498817" cy="873165"/>
           </a:xfrm>
           <a:prstGeom prst="rect">
             <a:avLst/>
@@ -7933,10 +7945,22 @@
                 <a:latin typeface="Times New Roman" panose="02020603050405020304" pitchFamily="18" charset="0"/>
                 <a:cs typeface="Times New Roman" panose="02020603050405020304" pitchFamily="18" charset="0"/>
               </a:rPr>
+              <a:t>Программная реализация</a:t>
+            </a:r>
+          </a:p>
+          <a:p>
+            <a:r>
+              <a:rPr lang="ru-RU" sz="2100" b="1" dirty="0">
+                <a:solidFill>
+                  <a:schemeClr val="tx1"/>
+                </a:solidFill>
+                <a:latin typeface="Times New Roman" panose="02020603050405020304" pitchFamily="18" charset="0"/>
+                <a:cs typeface="Times New Roman" panose="02020603050405020304" pitchFamily="18" charset="0"/>
+              </a:rPr>
               <a:t>Разработка тестового </a:t>
             </a:r>
             <a:r>
-              <a:rPr lang="en-US" sz="2600" b="1" dirty="0">
+              <a:rPr lang="en-US" sz="2100" b="1" dirty="0">
                 <a:solidFill>
                   <a:schemeClr val="tx1"/>
                 </a:solidFill>
@@ -7946,7 +7970,7 @@
               <a:t>web-</a:t>
             </a:r>
             <a:r>
-              <a:rPr lang="ru-RU" sz="2600" b="1" dirty="0">
+              <a:rPr lang="ru-RU" sz="2100" b="1" dirty="0">
                 <a:solidFill>
                   <a:schemeClr val="tx1"/>
                 </a:solidFill>
@@ -7955,6 +7979,13 @@
               </a:rPr>
               <a:t>приложения</a:t>
             </a:r>
+            <a:endParaRPr lang="ru-RU" sz="2600" b="1" dirty="0">
+              <a:solidFill>
+                <a:schemeClr val="tx1"/>
+              </a:solidFill>
+              <a:latin typeface="Times New Roman" panose="02020603050405020304" pitchFamily="18" charset="0"/>
+              <a:cs typeface="Times New Roman" panose="02020603050405020304" pitchFamily="18" charset="0"/>
+            </a:endParaRPr>
           </a:p>
           <a:p>
             <a:endParaRPr lang="ru-RU" sz="2500" b="1" dirty="0">
@@ -7983,8 +8014,8 @@
         </p:nvSpPr>
         <p:spPr>
           <a:xfrm>
-            <a:off x="346590" y="671226"/>
-            <a:ext cx="11498817" cy="5685123"/>
+            <a:off x="346591" y="1511109"/>
+            <a:ext cx="11498817" cy="637288"/>
           </a:xfrm>
           <a:prstGeom prst="rect">
             <a:avLst/>
@@ -8159,15 +8190,13 @@
             </a:lvl9pPr>
           </a:lstStyle>
           <a:p>
-            <a:pPr marL="0" indent="0" algn="just">
-              <a:buNone/>
-            </a:pPr>
+            <a:pPr algn="just"/>
             <a:r>
               <a:rPr lang="ru-RU" sz="1800" dirty="0">
                 <a:latin typeface="Times New Roman" panose="02020603050405020304" pitchFamily="18" charset="0"/>
                 <a:cs typeface="Times New Roman" panose="02020603050405020304" pitchFamily="18" charset="0"/>
               </a:rPr>
-              <a:t>Были использованы </a:t>
+              <a:t>Использовались: </a:t>
             </a:r>
             <a:r>
               <a:rPr lang="en-US" sz="1800" dirty="0">
@@ -8180,179 +8209,104 @@
               <a:t>Django</a:t>
             </a:r>
             <a:r>
+              <a:rPr lang="ru-RU" sz="1800" baseline="30000" dirty="0">
+                <a:solidFill>
+                  <a:srgbClr val="7030A0"/>
+                </a:solidFill>
+                <a:latin typeface="Times New Roman" panose="02020603050405020304" pitchFamily="18" charset="0"/>
+                <a:cs typeface="Times New Roman" panose="02020603050405020304" pitchFamily="18" charset="0"/>
+              </a:rPr>
+              <a:t>1</a:t>
+            </a:r>
+            <a:r>
+              <a:rPr lang="ru-RU" sz="1800" dirty="0">
+                <a:solidFill>
+                  <a:srgbClr val="7030A0"/>
+                </a:solidFill>
+                <a:latin typeface="Times New Roman" panose="02020603050405020304" pitchFamily="18" charset="0"/>
+                <a:cs typeface="Times New Roman" panose="02020603050405020304" pitchFamily="18" charset="0"/>
+              </a:rPr>
+              <a:t>,</a:t>
+            </a:r>
+            <a:r>
+              <a:rPr lang="ru-RU" sz="1800" dirty="0">
+                <a:latin typeface="Times New Roman" panose="02020603050405020304" pitchFamily="18" charset="0"/>
+                <a:cs typeface="Times New Roman" panose="02020603050405020304" pitchFamily="18" charset="0"/>
+              </a:rPr>
+              <a:t> </a:t>
+            </a:r>
+            <a:r>
               <a:rPr lang="en-US" sz="1800" dirty="0">
-                <a:latin typeface="Times New Roman" panose="02020603050405020304" pitchFamily="18" charset="0"/>
-                <a:cs typeface="Times New Roman" panose="02020603050405020304" pitchFamily="18" charset="0"/>
-              </a:rPr>
-              <a:t> </a:t>
+                <a:solidFill>
+                  <a:srgbClr val="7030A0"/>
+                </a:solidFill>
+                <a:latin typeface="Times New Roman" panose="02020603050405020304" pitchFamily="18" charset="0"/>
+                <a:cs typeface="Times New Roman" panose="02020603050405020304" pitchFamily="18" charset="0"/>
+              </a:rPr>
+              <a:t>Docker</a:t>
+            </a:r>
+            <a:r>
+              <a:rPr lang="ru-RU" sz="1800" baseline="30000" dirty="0">
+                <a:solidFill>
+                  <a:srgbClr val="7030A0"/>
+                </a:solidFill>
+                <a:latin typeface="Times New Roman" panose="02020603050405020304" pitchFamily="18" charset="0"/>
+                <a:cs typeface="Times New Roman" panose="02020603050405020304" pitchFamily="18" charset="0"/>
+              </a:rPr>
+              <a:t>2</a:t>
+            </a:r>
+            <a:r>
+              <a:rPr lang="en-US" sz="1800" dirty="0">
+                <a:latin typeface="Times New Roman" panose="02020603050405020304" pitchFamily="18" charset="0"/>
+                <a:cs typeface="Times New Roman" panose="02020603050405020304" pitchFamily="18" charset="0"/>
+              </a:rPr>
+              <a:t>, </a:t>
+            </a:r>
+            <a:r>
+              <a:rPr lang="en-US" sz="1800" dirty="0">
+                <a:latin typeface="Times New Roman" panose="02020603050405020304" pitchFamily="18" charset="0"/>
+                <a:ea typeface="Calibri" panose="020F0502020204030204" pitchFamily="34" charset="0"/>
+              </a:rPr>
+              <a:t>NGINX</a:t>
             </a:r>
             <a:r>
               <a:rPr lang="ru-RU" sz="1800" dirty="0">
                 <a:latin typeface="Times New Roman" panose="02020603050405020304" pitchFamily="18" charset="0"/>
-                <a:cs typeface="Times New Roman" panose="02020603050405020304" pitchFamily="18" charset="0"/>
-              </a:rPr>
-              <a:t>и </a:t>
+                <a:ea typeface="Calibri" panose="020F0502020204030204" pitchFamily="34" charset="0"/>
+              </a:rPr>
+              <a:t>, </a:t>
             </a:r>
             <a:r>
               <a:rPr lang="en-US" sz="1800" dirty="0">
-                <a:solidFill>
-                  <a:srgbClr val="7030A0"/>
-                </a:solidFill>
-                <a:latin typeface="Times New Roman" panose="02020603050405020304" pitchFamily="18" charset="0"/>
-                <a:cs typeface="Times New Roman" panose="02020603050405020304" pitchFamily="18" charset="0"/>
-              </a:rPr>
-              <a:t>Docker</a:t>
-            </a:r>
-            <a:r>
-              <a:rPr lang="en-US" sz="1800" dirty="0">
-                <a:latin typeface="Times New Roman" panose="02020603050405020304" pitchFamily="18" charset="0"/>
-                <a:cs typeface="Times New Roman" panose="02020603050405020304" pitchFamily="18" charset="0"/>
-              </a:rPr>
-              <a:t>.</a:t>
-            </a:r>
-            <a:endParaRPr lang="ru-RU" sz="1800" dirty="0">
-              <a:latin typeface="Times New Roman" panose="02020603050405020304" pitchFamily="18" charset="0"/>
-              <a:cs typeface="Times New Roman" panose="02020603050405020304" pitchFamily="18" charset="0"/>
-            </a:endParaRPr>
-          </a:p>
-          <a:p>
-            <a:pPr marL="0" indent="0" algn="just">
-              <a:buNone/>
-            </a:pPr>
-            <a:r>
-              <a:rPr lang="ru-RU" sz="1800" dirty="0" err="1">
-                <a:effectLst/>
                 <a:latin typeface="Times New Roman" panose="02020603050405020304" pitchFamily="18" charset="0"/>
                 <a:ea typeface="Calibri" panose="020F0502020204030204" pitchFamily="34" charset="0"/>
-                <a:cs typeface="Times New Roman" panose="02020603050405020304" pitchFamily="18" charset="0"/>
-              </a:rPr>
-              <a:t>Django</a:t>
+              </a:rPr>
+              <a:t>YAML …</a:t>
             </a:r>
             <a:r>
               <a:rPr lang="ru-RU" sz="1800" dirty="0">
                 <a:effectLst/>
                 <a:latin typeface="Times New Roman" panose="02020603050405020304" pitchFamily="18" charset="0"/>
                 <a:ea typeface="Calibri" panose="020F0502020204030204" pitchFamily="34" charset="0"/>
-                <a:cs typeface="Times New Roman" panose="02020603050405020304" pitchFamily="18" charset="0"/>
-              </a:rPr>
-              <a:t> — это Python </a:t>
-            </a:r>
-            <a:r>
-              <a:rPr lang="ru-RU" sz="1800" dirty="0" err="1">
-                <a:effectLst/>
-                <a:latin typeface="Times New Roman" panose="02020603050405020304" pitchFamily="18" charset="0"/>
-                <a:ea typeface="Calibri" panose="020F0502020204030204" pitchFamily="34" charset="0"/>
-                <a:cs typeface="Times New Roman" panose="02020603050405020304" pitchFamily="18" charset="0"/>
-              </a:rPr>
-              <a:t>web</a:t>
-            </a:r>
-            <a:r>
-              <a:rPr lang="ru-RU" sz="1800" dirty="0">
-                <a:effectLst/>
-                <a:latin typeface="Times New Roman" panose="02020603050405020304" pitchFamily="18" charset="0"/>
-                <a:ea typeface="Calibri" panose="020F0502020204030204" pitchFamily="34" charset="0"/>
-                <a:cs typeface="Times New Roman" panose="02020603050405020304" pitchFamily="18" charset="0"/>
-              </a:rPr>
-              <a:t>-фреймворк, с помощью которого можно вести разработку </a:t>
-            </a:r>
-            <a:r>
-              <a:rPr lang="ru-RU" sz="1800" dirty="0" err="1">
-                <a:effectLst/>
-                <a:latin typeface="Times New Roman" panose="02020603050405020304" pitchFamily="18" charset="0"/>
-                <a:ea typeface="Calibri" panose="020F0502020204030204" pitchFamily="34" charset="0"/>
-                <a:cs typeface="Times New Roman" panose="02020603050405020304" pitchFamily="18" charset="0"/>
-              </a:rPr>
-              <a:t>web</a:t>
-            </a:r>
-            <a:r>
-              <a:rPr lang="ru-RU" sz="1800" dirty="0">
-                <a:effectLst/>
-                <a:latin typeface="Times New Roman" panose="02020603050405020304" pitchFamily="18" charset="0"/>
-                <a:ea typeface="Calibri" panose="020F0502020204030204" pitchFamily="34" charset="0"/>
-                <a:cs typeface="Times New Roman" panose="02020603050405020304" pitchFamily="18" charset="0"/>
-              </a:rPr>
-              <a:t>-приложения.</a:t>
-            </a:r>
+              </a:rPr>
+              <a:t>.</a:t>
+            </a:r>
+          </a:p>
+          <a:p>
+            <a:pPr algn="just"/>
+            <a:endParaRPr lang="en-US" sz="1800" dirty="0">
+              <a:effectLst/>
+              <a:latin typeface="Times New Roman" panose="02020603050405020304" pitchFamily="18" charset="0"/>
+              <a:ea typeface="Calibri" panose="020F0502020204030204" pitchFamily="34" charset="0"/>
+            </a:endParaRPr>
+          </a:p>
+          <a:p>
+            <a:pPr algn="just"/>
             <a:endParaRPr lang="ru-RU" sz="1800" dirty="0">
               <a:effectLst/>
-              <a:latin typeface="Calibri" panose="020F0502020204030204" pitchFamily="34" charset="0"/>
+              <a:latin typeface="Times New Roman" panose="02020603050405020304" pitchFamily="18" charset="0"/>
               <a:ea typeface="Calibri" panose="020F0502020204030204" pitchFamily="34" charset="0"/>
-              <a:cs typeface="Times New Roman" panose="02020603050405020304" pitchFamily="18" charset="0"/>
             </a:endParaRPr>
-          </a:p>
-          <a:p>
-            <a:pPr marL="0" indent="0" algn="just">
-              <a:buNone/>
-            </a:pPr>
-            <a:r>
-              <a:rPr lang="ru-RU" sz="1800" dirty="0" err="1">
-                <a:effectLst/>
-                <a:latin typeface="Times New Roman" panose="02020603050405020304" pitchFamily="18" charset="0"/>
-                <a:ea typeface="Calibri" panose="020F0502020204030204" pitchFamily="34" charset="0"/>
-              </a:rPr>
-              <a:t>Docker</a:t>
-            </a:r>
-            <a:r>
-              <a:rPr lang="ru-RU" sz="1800" dirty="0">
-                <a:effectLst/>
-                <a:latin typeface="Times New Roman" panose="02020603050405020304" pitchFamily="18" charset="0"/>
-                <a:ea typeface="Calibri" panose="020F0502020204030204" pitchFamily="34" charset="0"/>
-              </a:rPr>
-              <a:t> — программное обеспечение, применяемое для разработки </a:t>
-            </a:r>
-            <a:r>
-              <a:rPr lang="ru-RU" sz="1800" dirty="0" err="1">
-                <a:effectLst/>
-                <a:latin typeface="Times New Roman" panose="02020603050405020304" pitchFamily="18" charset="0"/>
-                <a:ea typeface="Calibri" panose="020F0502020204030204" pitchFamily="34" charset="0"/>
-              </a:rPr>
-              <a:t>web</a:t>
-            </a:r>
-            <a:r>
-              <a:rPr lang="ru-RU" sz="1800" dirty="0">
-                <a:effectLst/>
-                <a:latin typeface="Times New Roman" panose="02020603050405020304" pitchFamily="18" charset="0"/>
-                <a:ea typeface="Calibri" panose="020F0502020204030204" pitchFamily="34" charset="0"/>
-              </a:rPr>
-              <a:t>-приложений в средах с поддержкой контейнеризации. </a:t>
-            </a:r>
-          </a:p>
-          <a:p>
-            <a:pPr marL="0" indent="0" algn="just">
-              <a:buNone/>
-            </a:pPr>
-            <a:r>
-              <a:rPr lang="ru-RU" sz="1800" dirty="0" err="1">
-                <a:effectLst/>
-                <a:latin typeface="Times New Roman" panose="02020603050405020304" pitchFamily="18" charset="0"/>
-                <a:ea typeface="Calibri" panose="020F0502020204030204" pitchFamily="34" charset="0"/>
-              </a:rPr>
-              <a:t>Docker</a:t>
-            </a:r>
-            <a:r>
-              <a:rPr lang="ru-RU" sz="1800" dirty="0">
-                <a:effectLst/>
-                <a:latin typeface="Times New Roman" panose="02020603050405020304" pitchFamily="18" charset="0"/>
-                <a:ea typeface="Calibri" panose="020F0502020204030204" pitchFamily="34" charset="0"/>
-              </a:rPr>
-              <a:t>-образ — шаблон для создания </a:t>
-            </a:r>
-            <a:r>
-              <a:rPr lang="ru-RU" sz="1800" dirty="0" err="1">
-                <a:effectLst/>
-                <a:latin typeface="Times New Roman" panose="02020603050405020304" pitchFamily="18" charset="0"/>
-                <a:ea typeface="Calibri" panose="020F0502020204030204" pitchFamily="34" charset="0"/>
-              </a:rPr>
-              <a:t>Docker</a:t>
-            </a:r>
-            <a:r>
-              <a:rPr lang="ru-RU" sz="1800" dirty="0">
-                <a:effectLst/>
-                <a:latin typeface="Times New Roman" panose="02020603050405020304" pitchFamily="18" charset="0"/>
-                <a:ea typeface="Calibri" panose="020F0502020204030204" pitchFamily="34" charset="0"/>
-              </a:rPr>
-              <a:t>-контейнеров.</a:t>
-            </a:r>
           </a:p>
         </p:txBody>
       </p:sp>
@@ -8377,8 +8331,8 @@
         </p:blipFill>
         <p:spPr>
           <a:xfrm>
-            <a:off x="2812481" y="3429000"/>
-            <a:ext cx="6567037" cy="1634412"/>
+            <a:off x="3124249" y="2422807"/>
+            <a:ext cx="4795681" cy="1193555"/>
           </a:xfrm>
           <a:prstGeom prst="rect">
             <a:avLst/>
@@ -8399,8 +8353,8 @@
         </p:nvSpPr>
         <p:spPr>
           <a:xfrm>
-            <a:off x="2812479" y="5063412"/>
-            <a:ext cx="6567038" cy="369332"/>
+            <a:off x="3045040" y="3688700"/>
+            <a:ext cx="4700986" cy="369332"/>
           </a:xfrm>
           <a:prstGeom prst="rect">
             <a:avLst/>
@@ -8436,6 +8390,354 @@
               <a:t>Создание контейнера на основе образа </a:t>
             </a:r>
             <a:endParaRPr lang="ru-RU" dirty="0"/>
+          </a:p>
+        </p:txBody>
+      </p:sp>
+      <p:sp>
+        <p:nvSpPr>
+          <p:cNvPr id="8" name="Объект 2">
+            <a:extLst>
+              <a:ext uri="{FF2B5EF4-FFF2-40B4-BE49-F238E27FC236}">
+                <a16:creationId xmlns:a16="http://schemas.microsoft.com/office/drawing/2014/main" id="{3ED82763-9C53-4351-8289-E29B35951555}"/>
+              </a:ext>
+            </a:extLst>
+          </p:cNvPr>
+          <p:cNvSpPr txBox="1">
+            <a:spLocks/>
+          </p:cNvSpPr>
+          <p:nvPr/>
+        </p:nvSpPr>
+        <p:spPr>
+          <a:xfrm>
+            <a:off x="754962" y="5432744"/>
+            <a:ext cx="9534257" cy="1359573"/>
+          </a:xfrm>
+          <a:prstGeom prst="rect">
+            <a:avLst/>
+          </a:prstGeom>
+        </p:spPr>
+        <p:txBody>
+          <a:bodyPr vert="horz" lIns="91440" tIns="45720" rIns="91440" bIns="45720" rtlCol="0">
+            <a:normAutofit fontScale="85000" lnSpcReduction="20000"/>
+          </a:bodyPr>
+          <a:lstStyle>
+            <a:lvl1pPr marL="228600" indent="-228600" algn="l" defTabSz="914400" rtl="0" eaLnBrk="1" latinLnBrk="0" hangingPunct="1">
+              <a:lnSpc>
+                <a:spcPct val="90000"/>
+              </a:lnSpc>
+              <a:spcBef>
+                <a:spcPts val="1000"/>
+              </a:spcBef>
+              <a:buFont typeface="Arial" panose="020B0604020202020204" pitchFamily="34" charset="0"/>
+              <a:buChar char="•"/>
+              <a:defRPr sz="2800" kern="1200">
+                <a:solidFill>
+                  <a:schemeClr val="tx1"/>
+                </a:solidFill>
+                <a:latin typeface="+mn-lt"/>
+                <a:ea typeface="+mn-ea"/>
+                <a:cs typeface="+mn-cs"/>
+              </a:defRPr>
+            </a:lvl1pPr>
+            <a:lvl2pPr marL="685800" indent="-228600" algn="l" defTabSz="914400" rtl="0" eaLnBrk="1" latinLnBrk="0" hangingPunct="1">
+              <a:lnSpc>
+                <a:spcPct val="90000"/>
+              </a:lnSpc>
+              <a:spcBef>
+                <a:spcPts val="500"/>
+              </a:spcBef>
+              <a:buFont typeface="Arial" panose="020B0604020202020204" pitchFamily="34" charset="0"/>
+              <a:buChar char="•"/>
+              <a:defRPr sz="2400" kern="1200">
+                <a:solidFill>
+                  <a:schemeClr val="tx1"/>
+                </a:solidFill>
+                <a:latin typeface="+mn-lt"/>
+                <a:ea typeface="+mn-ea"/>
+                <a:cs typeface="+mn-cs"/>
+              </a:defRPr>
+            </a:lvl2pPr>
+            <a:lvl3pPr marL="1143000" indent="-228600" algn="l" defTabSz="914400" rtl="0" eaLnBrk="1" latinLnBrk="0" hangingPunct="1">
+              <a:lnSpc>
+                <a:spcPct val="90000"/>
+              </a:lnSpc>
+              <a:spcBef>
+                <a:spcPts val="500"/>
+              </a:spcBef>
+              <a:buFont typeface="Arial" panose="020B0604020202020204" pitchFamily="34" charset="0"/>
+              <a:buChar char="•"/>
+              <a:defRPr sz="2000" kern="1200">
+                <a:solidFill>
+                  <a:schemeClr val="tx1"/>
+                </a:solidFill>
+                <a:latin typeface="+mn-lt"/>
+                <a:ea typeface="+mn-ea"/>
+                <a:cs typeface="+mn-cs"/>
+              </a:defRPr>
+            </a:lvl3pPr>
+            <a:lvl4pPr marL="1600200" indent="-228600" algn="l" defTabSz="914400" rtl="0" eaLnBrk="1" latinLnBrk="0" hangingPunct="1">
+              <a:lnSpc>
+                <a:spcPct val="90000"/>
+              </a:lnSpc>
+              <a:spcBef>
+                <a:spcPts val="500"/>
+              </a:spcBef>
+              <a:buFont typeface="Arial" panose="020B0604020202020204" pitchFamily="34" charset="0"/>
+              <a:buChar char="•"/>
+              <a:defRPr sz="1800" kern="1200">
+                <a:solidFill>
+                  <a:schemeClr val="tx1"/>
+                </a:solidFill>
+                <a:latin typeface="+mn-lt"/>
+                <a:ea typeface="+mn-ea"/>
+                <a:cs typeface="+mn-cs"/>
+              </a:defRPr>
+            </a:lvl4pPr>
+            <a:lvl5pPr marL="2057400" indent="-228600" algn="l" defTabSz="914400" rtl="0" eaLnBrk="1" latinLnBrk="0" hangingPunct="1">
+              <a:lnSpc>
+                <a:spcPct val="90000"/>
+              </a:lnSpc>
+              <a:spcBef>
+                <a:spcPts val="500"/>
+              </a:spcBef>
+              <a:buFont typeface="Arial" panose="020B0604020202020204" pitchFamily="34" charset="0"/>
+              <a:buChar char="•"/>
+              <a:defRPr sz="1800" kern="1200">
+                <a:solidFill>
+                  <a:schemeClr val="tx1"/>
+                </a:solidFill>
+                <a:latin typeface="+mn-lt"/>
+                <a:ea typeface="+mn-ea"/>
+                <a:cs typeface="+mn-cs"/>
+              </a:defRPr>
+            </a:lvl5pPr>
+            <a:lvl6pPr marL="2514600" indent="-228600" algn="l" defTabSz="914400" rtl="0" eaLnBrk="1" latinLnBrk="0" hangingPunct="1">
+              <a:lnSpc>
+                <a:spcPct val="90000"/>
+              </a:lnSpc>
+              <a:spcBef>
+                <a:spcPts val="500"/>
+              </a:spcBef>
+              <a:buFont typeface="Arial" panose="020B0604020202020204" pitchFamily="34" charset="0"/>
+              <a:buChar char="•"/>
+              <a:defRPr sz="1800" kern="1200">
+                <a:solidFill>
+                  <a:schemeClr val="tx1"/>
+                </a:solidFill>
+                <a:latin typeface="+mn-lt"/>
+                <a:ea typeface="+mn-ea"/>
+                <a:cs typeface="+mn-cs"/>
+              </a:defRPr>
+            </a:lvl6pPr>
+            <a:lvl7pPr marL="2971800" indent="-228600" algn="l" defTabSz="914400" rtl="0" eaLnBrk="1" latinLnBrk="0" hangingPunct="1">
+              <a:lnSpc>
+                <a:spcPct val="90000"/>
+              </a:lnSpc>
+              <a:spcBef>
+                <a:spcPts val="500"/>
+              </a:spcBef>
+              <a:buFont typeface="Arial" panose="020B0604020202020204" pitchFamily="34" charset="0"/>
+              <a:buChar char="•"/>
+              <a:defRPr sz="1800" kern="1200">
+                <a:solidFill>
+                  <a:schemeClr val="tx1"/>
+                </a:solidFill>
+                <a:latin typeface="+mn-lt"/>
+                <a:ea typeface="+mn-ea"/>
+                <a:cs typeface="+mn-cs"/>
+              </a:defRPr>
+            </a:lvl7pPr>
+            <a:lvl8pPr marL="3429000" indent="-228600" algn="l" defTabSz="914400" rtl="0" eaLnBrk="1" latinLnBrk="0" hangingPunct="1">
+              <a:lnSpc>
+                <a:spcPct val="90000"/>
+              </a:lnSpc>
+              <a:spcBef>
+                <a:spcPts val="500"/>
+              </a:spcBef>
+              <a:buFont typeface="Arial" panose="020B0604020202020204" pitchFamily="34" charset="0"/>
+              <a:buChar char="•"/>
+              <a:defRPr sz="1800" kern="1200">
+                <a:solidFill>
+                  <a:schemeClr val="tx1"/>
+                </a:solidFill>
+                <a:latin typeface="+mn-lt"/>
+                <a:ea typeface="+mn-ea"/>
+                <a:cs typeface="+mn-cs"/>
+              </a:defRPr>
+            </a:lvl8pPr>
+            <a:lvl9pPr marL="3886200" indent="-228600" algn="l" defTabSz="914400" rtl="0" eaLnBrk="1" latinLnBrk="0" hangingPunct="1">
+              <a:lnSpc>
+                <a:spcPct val="90000"/>
+              </a:lnSpc>
+              <a:spcBef>
+                <a:spcPts val="500"/>
+              </a:spcBef>
+              <a:buFont typeface="Arial" panose="020B0604020202020204" pitchFamily="34" charset="0"/>
+              <a:buChar char="•"/>
+              <a:defRPr sz="1800" kern="1200">
+                <a:solidFill>
+                  <a:schemeClr val="tx1"/>
+                </a:solidFill>
+                <a:latin typeface="+mn-lt"/>
+                <a:ea typeface="+mn-ea"/>
+                <a:cs typeface="+mn-cs"/>
+              </a:defRPr>
+            </a:lvl9pPr>
+          </a:lstStyle>
+          <a:p>
+            <a:pPr marL="0" indent="0" algn="just">
+              <a:buNone/>
+            </a:pPr>
+            <a:r>
+              <a:rPr lang="ru-RU" sz="1800" dirty="0">
+                <a:effectLst/>
+                <a:latin typeface="Times New Roman" panose="02020603050405020304" pitchFamily="18" charset="0"/>
+                <a:ea typeface="Calibri" panose="020F0502020204030204" pitchFamily="34" charset="0"/>
+                <a:cs typeface="Times New Roman" panose="02020603050405020304" pitchFamily="18" charset="0"/>
+              </a:rPr>
+              <a:t>________________________________________________________________________________________</a:t>
+            </a:r>
+          </a:p>
+          <a:p>
+            <a:pPr marL="342900" indent="-342900" algn="just">
+              <a:buFont typeface="+mj-lt"/>
+              <a:buAutoNum type="arabicPeriod"/>
+            </a:pPr>
+            <a:r>
+              <a:rPr lang="ru-RU" sz="1800" dirty="0" err="1">
+                <a:effectLst/>
+                <a:latin typeface="Times New Roman" panose="02020603050405020304" pitchFamily="18" charset="0"/>
+                <a:ea typeface="Calibri" panose="020F0502020204030204" pitchFamily="34" charset="0"/>
+                <a:cs typeface="Times New Roman" panose="02020603050405020304" pitchFamily="18" charset="0"/>
+              </a:rPr>
+              <a:t>Django</a:t>
+            </a:r>
+            <a:r>
+              <a:rPr lang="ru-RU" sz="1800" dirty="0">
+                <a:effectLst/>
+                <a:latin typeface="Times New Roman" panose="02020603050405020304" pitchFamily="18" charset="0"/>
+                <a:ea typeface="Calibri" panose="020F0502020204030204" pitchFamily="34" charset="0"/>
+                <a:cs typeface="Times New Roman" panose="02020603050405020304" pitchFamily="18" charset="0"/>
+              </a:rPr>
+              <a:t> — это Python </a:t>
+            </a:r>
+            <a:r>
+              <a:rPr lang="ru-RU" sz="1800" dirty="0" err="1">
+                <a:effectLst/>
+                <a:latin typeface="Times New Roman" panose="02020603050405020304" pitchFamily="18" charset="0"/>
+                <a:ea typeface="Calibri" panose="020F0502020204030204" pitchFamily="34" charset="0"/>
+                <a:cs typeface="Times New Roman" panose="02020603050405020304" pitchFamily="18" charset="0"/>
+              </a:rPr>
+              <a:t>web</a:t>
+            </a:r>
+            <a:r>
+              <a:rPr lang="ru-RU" sz="1800" dirty="0">
+                <a:effectLst/>
+                <a:latin typeface="Times New Roman" panose="02020603050405020304" pitchFamily="18" charset="0"/>
+                <a:ea typeface="Calibri" panose="020F0502020204030204" pitchFamily="34" charset="0"/>
+                <a:cs typeface="Times New Roman" panose="02020603050405020304" pitchFamily="18" charset="0"/>
+              </a:rPr>
+              <a:t>-фреймворк, с помощью которого можно вести разработку </a:t>
+            </a:r>
+            <a:r>
+              <a:rPr lang="ru-RU" sz="1800" dirty="0" err="1">
+                <a:effectLst/>
+                <a:latin typeface="Times New Roman" panose="02020603050405020304" pitchFamily="18" charset="0"/>
+                <a:ea typeface="Calibri" panose="020F0502020204030204" pitchFamily="34" charset="0"/>
+                <a:cs typeface="Times New Roman" panose="02020603050405020304" pitchFamily="18" charset="0"/>
+              </a:rPr>
+              <a:t>web</a:t>
+            </a:r>
+            <a:r>
+              <a:rPr lang="ru-RU" sz="1800" dirty="0">
+                <a:effectLst/>
+                <a:latin typeface="Times New Roman" panose="02020603050405020304" pitchFamily="18" charset="0"/>
+                <a:ea typeface="Calibri" panose="020F0502020204030204" pitchFamily="34" charset="0"/>
+                <a:cs typeface="Times New Roman" panose="02020603050405020304" pitchFamily="18" charset="0"/>
+              </a:rPr>
+              <a:t>-приложения.</a:t>
+            </a:r>
+            <a:endParaRPr lang="ru-RU" sz="1800" dirty="0">
+              <a:latin typeface="Calibri" panose="020F0502020204030204" pitchFamily="34" charset="0"/>
+              <a:ea typeface="Calibri" panose="020F0502020204030204" pitchFamily="34" charset="0"/>
+              <a:cs typeface="Times New Roman" panose="02020603050405020304" pitchFamily="18" charset="0"/>
+            </a:endParaRPr>
+          </a:p>
+          <a:p>
+            <a:pPr marL="342900" indent="-342900" algn="just">
+              <a:buFont typeface="+mj-lt"/>
+              <a:buAutoNum type="arabicPeriod"/>
+            </a:pPr>
+            <a:r>
+              <a:rPr lang="ru-RU" sz="1800" dirty="0" err="1">
+                <a:effectLst/>
+                <a:latin typeface="Times New Roman" panose="02020603050405020304" pitchFamily="18" charset="0"/>
+                <a:ea typeface="Calibri" panose="020F0502020204030204" pitchFamily="34" charset="0"/>
+              </a:rPr>
+              <a:t>Docker</a:t>
+            </a:r>
+            <a:r>
+              <a:rPr lang="ru-RU" sz="1800" dirty="0">
+                <a:effectLst/>
+                <a:latin typeface="Times New Roman" panose="02020603050405020304" pitchFamily="18" charset="0"/>
+                <a:ea typeface="Calibri" panose="020F0502020204030204" pitchFamily="34" charset="0"/>
+              </a:rPr>
+              <a:t> — программное обеспечение, применяемое для разработки </a:t>
+            </a:r>
+            <a:r>
+              <a:rPr lang="ru-RU" sz="1800" dirty="0" err="1">
+                <a:effectLst/>
+                <a:latin typeface="Times New Roman" panose="02020603050405020304" pitchFamily="18" charset="0"/>
+                <a:ea typeface="Calibri" panose="020F0502020204030204" pitchFamily="34" charset="0"/>
+              </a:rPr>
+              <a:t>web</a:t>
+            </a:r>
+            <a:r>
+              <a:rPr lang="ru-RU" sz="1800" dirty="0">
+                <a:effectLst/>
+                <a:latin typeface="Times New Roman" panose="02020603050405020304" pitchFamily="18" charset="0"/>
+                <a:ea typeface="Calibri" panose="020F0502020204030204" pitchFamily="34" charset="0"/>
+              </a:rPr>
+              <a:t>-приложений в средах с поддержкой контейнеризации.</a:t>
+            </a:r>
+          </a:p>
+          <a:p>
+            <a:pPr marL="342900" indent="-342900" algn="just">
+              <a:buFont typeface="+mj-lt"/>
+              <a:buAutoNum type="arabicPeriod"/>
+            </a:pPr>
+            <a:r>
+              <a:rPr lang="ru-RU" sz="1800" dirty="0" err="1">
+                <a:effectLst/>
+                <a:latin typeface="Times New Roman" panose="02020603050405020304" pitchFamily="18" charset="0"/>
+                <a:ea typeface="Calibri" panose="020F0502020204030204" pitchFamily="34" charset="0"/>
+              </a:rPr>
+              <a:t>Docker</a:t>
+            </a:r>
+            <a:r>
+              <a:rPr lang="ru-RU" sz="1800" dirty="0">
+                <a:effectLst/>
+                <a:latin typeface="Times New Roman" panose="02020603050405020304" pitchFamily="18" charset="0"/>
+                <a:ea typeface="Calibri" panose="020F0502020204030204" pitchFamily="34" charset="0"/>
+              </a:rPr>
+              <a:t>-образ — шаблон для создания </a:t>
+            </a:r>
+            <a:r>
+              <a:rPr lang="ru-RU" sz="1800" dirty="0" err="1">
+                <a:effectLst/>
+                <a:latin typeface="Times New Roman" panose="02020603050405020304" pitchFamily="18" charset="0"/>
+                <a:ea typeface="Calibri" panose="020F0502020204030204" pitchFamily="34" charset="0"/>
+              </a:rPr>
+              <a:t>Docker</a:t>
+            </a:r>
+            <a:r>
+              <a:rPr lang="ru-RU" sz="1800" dirty="0">
+                <a:effectLst/>
+                <a:latin typeface="Times New Roman" panose="02020603050405020304" pitchFamily="18" charset="0"/>
+                <a:ea typeface="Calibri" panose="020F0502020204030204" pitchFamily="34" charset="0"/>
+              </a:rPr>
+              <a:t>-контейнеров.</a:t>
+            </a:r>
           </a:p>
         </p:txBody>
       </p:sp>
@@ -8513,7 +8815,7 @@
         </p:nvSpPr>
         <p:spPr>
           <a:xfrm>
-            <a:off x="7476931" y="671227"/>
+            <a:off x="6405873" y="941248"/>
             <a:ext cx="4368476" cy="1384995"/>
           </a:xfrm>
           <a:prstGeom prst="rect">
@@ -8631,8 +8933,8 @@
         </p:nvSpPr>
         <p:spPr>
           <a:xfrm>
-            <a:off x="5337111" y="2760612"/>
-            <a:ext cx="6508296" cy="2462213"/>
+            <a:off x="5565635" y="3436710"/>
+            <a:ext cx="5749407" cy="2123658"/>
           </a:xfrm>
           <a:prstGeom prst="rect">
             <a:avLst/>
@@ -8651,19 +8953,19 @@
           <a:lstStyle/>
           <a:p>
             <a:r>
-              <a:rPr lang="en-US" sz="1400" dirty="0">
+              <a:rPr lang="en-US" sz="1200" dirty="0">
                 <a:latin typeface="Consolas" panose="020B0609020204030204" pitchFamily="49" charset="0"/>
               </a:rPr>
               <a:t>def </a:t>
             </a:r>
             <a:r>
-              <a:rPr lang="en-US" sz="1400" dirty="0" err="1">
+              <a:rPr lang="en-US" sz="1200" dirty="0" err="1">
                 <a:latin typeface="Consolas" panose="020B0609020204030204" pitchFamily="49" charset="0"/>
               </a:rPr>
               <a:t>image_upload</a:t>
             </a:r>
             <a:r>
-              <a:rPr lang="en-US" sz="1400" dirty="0">
+              <a:rPr lang="en-US" sz="1200" dirty="0">
                 <a:latin typeface="Consolas" panose="020B0609020204030204" pitchFamily="49" charset="0"/>
               </a:rPr>
               <a:t>(request):</a:t>
@@ -8671,43 +8973,43 @@
           </a:p>
           <a:p>
             <a:r>
-              <a:rPr lang="en-US" sz="1400" dirty="0">
+              <a:rPr lang="en-US" sz="1200" dirty="0">
                 <a:latin typeface="Consolas" panose="020B0609020204030204" pitchFamily="49" charset="0"/>
               </a:rPr>
               <a:t>    if </a:t>
             </a:r>
             <a:r>
-              <a:rPr lang="en-US" sz="1400" dirty="0" err="1">
+              <a:rPr lang="en-US" sz="1200" dirty="0" err="1">
                 <a:latin typeface="Consolas" panose="020B0609020204030204" pitchFamily="49" charset="0"/>
               </a:rPr>
               <a:t>request.method</a:t>
             </a:r>
             <a:r>
-              <a:rPr lang="en-US" sz="1400" dirty="0">
+              <a:rPr lang="en-US" sz="1200" dirty="0">
                 <a:latin typeface="Consolas" panose="020B0609020204030204" pitchFamily="49" charset="0"/>
               </a:rPr>
               <a:t> == "POST" and </a:t>
             </a:r>
             <a:r>
-              <a:rPr lang="en-US" sz="1400" dirty="0" err="1">
+              <a:rPr lang="en-US" sz="1200" dirty="0" err="1">
                 <a:latin typeface="Consolas" panose="020B0609020204030204" pitchFamily="49" charset="0"/>
               </a:rPr>
               <a:t>request.FILES</a:t>
             </a:r>
             <a:r>
-              <a:rPr lang="en-US" sz="1400" dirty="0">
+              <a:rPr lang="en-US" sz="1200" dirty="0">
                 <a:latin typeface="Consolas" panose="020B0609020204030204" pitchFamily="49" charset="0"/>
               </a:rPr>
               <a:t>["</a:t>
             </a:r>
             <a:r>
-              <a:rPr lang="en-US" sz="1400" dirty="0" err="1">
+              <a:rPr lang="en-US" sz="1200" dirty="0" err="1">
                 <a:latin typeface="Consolas" panose="020B0609020204030204" pitchFamily="49" charset="0"/>
               </a:rPr>
               <a:t>image_file</a:t>
             </a:r>
             <a:r>
-              <a:rPr lang="en-US" sz="1400" dirty="0">
+              <a:rPr lang="en-US" sz="1200" dirty="0">
                 <a:latin typeface="Consolas" panose="020B0609020204030204" pitchFamily="49" charset="0"/>
               </a:rPr>
               <a:t>"]:</a:t>
@@ -8715,43 +9017,43 @@
           </a:p>
           <a:p>
             <a:r>
-              <a:rPr lang="en-US" sz="1400" dirty="0">
+              <a:rPr lang="en-US" sz="1200" dirty="0">
                 <a:latin typeface="Consolas" panose="020B0609020204030204" pitchFamily="49" charset="0"/>
               </a:rPr>
               <a:t>        </a:t>
             </a:r>
             <a:r>
-              <a:rPr lang="en-US" sz="1400" dirty="0" err="1">
+              <a:rPr lang="en-US" sz="1200" dirty="0" err="1">
                 <a:latin typeface="Consolas" panose="020B0609020204030204" pitchFamily="49" charset="0"/>
               </a:rPr>
               <a:t>image_file</a:t>
             </a:r>
             <a:r>
-              <a:rPr lang="en-US" sz="1400" dirty="0">
+              <a:rPr lang="en-US" sz="1200" dirty="0">
                 <a:latin typeface="Consolas" panose="020B0609020204030204" pitchFamily="49" charset="0"/>
               </a:rPr>
               <a:t> = </a:t>
             </a:r>
             <a:r>
-              <a:rPr lang="en-US" sz="1400" dirty="0" err="1">
+              <a:rPr lang="en-US" sz="1200" dirty="0" err="1">
                 <a:latin typeface="Consolas" panose="020B0609020204030204" pitchFamily="49" charset="0"/>
               </a:rPr>
               <a:t>request.FILES</a:t>
             </a:r>
             <a:r>
-              <a:rPr lang="en-US" sz="1400" dirty="0">
+              <a:rPr lang="en-US" sz="1200" dirty="0">
                 <a:latin typeface="Consolas" panose="020B0609020204030204" pitchFamily="49" charset="0"/>
               </a:rPr>
               <a:t>["</a:t>
             </a:r>
             <a:r>
-              <a:rPr lang="en-US" sz="1400" dirty="0" err="1">
+              <a:rPr lang="en-US" sz="1200" dirty="0" err="1">
                 <a:latin typeface="Consolas" panose="020B0609020204030204" pitchFamily="49" charset="0"/>
               </a:rPr>
               <a:t>image_file</a:t>
             </a:r>
             <a:r>
-              <a:rPr lang="en-US" sz="1400" dirty="0">
+              <a:rPr lang="en-US" sz="1200" dirty="0">
                 <a:latin typeface="Consolas" panose="020B0609020204030204" pitchFamily="49" charset="0"/>
               </a:rPr>
               <a:t>"]</a:t>
@@ -8759,19 +9061,19 @@
           </a:p>
           <a:p>
             <a:r>
-              <a:rPr lang="en-US" sz="1400" dirty="0">
+              <a:rPr lang="en-US" sz="1200" dirty="0">
                 <a:latin typeface="Consolas" panose="020B0609020204030204" pitchFamily="49" charset="0"/>
               </a:rPr>
               <a:t>        fs = </a:t>
             </a:r>
             <a:r>
-              <a:rPr lang="en-US" sz="1400" dirty="0" err="1">
+              <a:rPr lang="en-US" sz="1200" dirty="0" err="1">
                 <a:latin typeface="Consolas" panose="020B0609020204030204" pitchFamily="49" charset="0"/>
               </a:rPr>
               <a:t>FileSystemStorage</a:t>
             </a:r>
             <a:r>
-              <a:rPr lang="en-US" sz="1400" dirty="0">
+              <a:rPr lang="en-US" sz="1200" dirty="0">
                 <a:latin typeface="Consolas" panose="020B0609020204030204" pitchFamily="49" charset="0"/>
               </a:rPr>
               <a:t>()</a:t>
@@ -8779,31 +9081,31 @@
           </a:p>
           <a:p>
             <a:r>
-              <a:rPr lang="en-US" sz="1400" dirty="0">
+              <a:rPr lang="en-US" sz="1200" dirty="0">
                 <a:latin typeface="Consolas" panose="020B0609020204030204" pitchFamily="49" charset="0"/>
               </a:rPr>
               <a:t>        filename = </a:t>
             </a:r>
             <a:r>
-              <a:rPr lang="en-US" sz="1400" dirty="0" err="1">
+              <a:rPr lang="en-US" sz="1200" dirty="0" err="1">
                 <a:latin typeface="Consolas" panose="020B0609020204030204" pitchFamily="49" charset="0"/>
               </a:rPr>
               <a:t>fs.save</a:t>
             </a:r>
             <a:r>
-              <a:rPr lang="en-US" sz="1400" dirty="0">
+              <a:rPr lang="en-US" sz="1200" dirty="0">
                 <a:latin typeface="Consolas" panose="020B0609020204030204" pitchFamily="49" charset="0"/>
               </a:rPr>
               <a:t>(image_file.name, </a:t>
             </a:r>
             <a:r>
-              <a:rPr lang="en-US" sz="1400" dirty="0" err="1">
+              <a:rPr lang="en-US" sz="1200" dirty="0" err="1">
                 <a:latin typeface="Consolas" panose="020B0609020204030204" pitchFamily="49" charset="0"/>
               </a:rPr>
               <a:t>image_file</a:t>
             </a:r>
             <a:r>
-              <a:rPr lang="en-US" sz="1400" dirty="0">
+              <a:rPr lang="en-US" sz="1200" dirty="0">
                 <a:latin typeface="Consolas" panose="020B0609020204030204" pitchFamily="49" charset="0"/>
               </a:rPr>
               <a:t>)</a:t>
@@ -8811,19 +9113,19 @@
           </a:p>
           <a:p>
             <a:r>
-              <a:rPr lang="en-US" sz="1400" dirty="0">
+              <a:rPr lang="en-US" sz="1200" dirty="0">
                 <a:latin typeface="Consolas" panose="020B0609020204030204" pitchFamily="49" charset="0"/>
               </a:rPr>
               <a:t>        </a:t>
             </a:r>
             <a:r>
-              <a:rPr lang="en-US" sz="1400" dirty="0" err="1">
+              <a:rPr lang="en-US" sz="1200" dirty="0" err="1">
                 <a:latin typeface="Consolas" panose="020B0609020204030204" pitchFamily="49" charset="0"/>
               </a:rPr>
               <a:t>image_url</a:t>
             </a:r>
             <a:r>
-              <a:rPr lang="en-US" sz="1400" dirty="0">
+              <a:rPr lang="en-US" sz="1200" dirty="0">
                 <a:latin typeface="Consolas" panose="020B0609020204030204" pitchFamily="49" charset="0"/>
               </a:rPr>
               <a:t> = fs.url(filename)</a:t>
@@ -8831,19 +9133,19 @@
           </a:p>
           <a:p>
             <a:r>
-              <a:rPr lang="en-US" sz="1400" dirty="0">
+              <a:rPr lang="en-US" sz="1200" dirty="0">
                 <a:latin typeface="Consolas" panose="020B0609020204030204" pitchFamily="49" charset="0"/>
               </a:rPr>
               <a:t>        print(</a:t>
             </a:r>
             <a:r>
-              <a:rPr lang="en-US" sz="1400" dirty="0" err="1">
+              <a:rPr lang="en-US" sz="1200" dirty="0" err="1">
                 <a:latin typeface="Consolas" panose="020B0609020204030204" pitchFamily="49" charset="0"/>
               </a:rPr>
               <a:t>image_url</a:t>
             </a:r>
             <a:r>
-              <a:rPr lang="en-US" sz="1400" dirty="0">
+              <a:rPr lang="en-US" sz="1200" dirty="0">
                 <a:latin typeface="Consolas" panose="020B0609020204030204" pitchFamily="49" charset="0"/>
               </a:rPr>
               <a:t>)</a:t>
@@ -8851,13 +9153,13 @@
           </a:p>
           <a:p>
             <a:r>
-              <a:rPr lang="en-US" sz="1400" dirty="0">
+              <a:rPr lang="en-US" sz="1200" dirty="0">
                 <a:latin typeface="Consolas" panose="020B0609020204030204" pitchFamily="49" charset="0"/>
               </a:rPr>
               <a:t>        return render(request, "</a:t>
             </a:r>
             <a:r>
-              <a:rPr lang="en-US" sz="1400" dirty="0">
+              <a:rPr lang="en-US" sz="1200" dirty="0">
                 <a:solidFill>
                   <a:srgbClr val="7030A0"/>
                 </a:solidFill>
@@ -8866,7 +9168,7 @@
               <a:t>upload.html</a:t>
             </a:r>
             <a:r>
-              <a:rPr lang="en-US" sz="1400" dirty="0">
+              <a:rPr lang="en-US" sz="1200" dirty="0">
                 <a:latin typeface="Consolas" panose="020B0609020204030204" pitchFamily="49" charset="0"/>
               </a:rPr>
               <a:t>", {</a:t>
@@ -8874,36 +9176,36 @@
           </a:p>
           <a:p>
             <a:r>
-              <a:rPr lang="en-US" sz="1400" dirty="0">
+              <a:rPr lang="en-US" sz="1200" dirty="0">
                 <a:latin typeface="Consolas" panose="020B0609020204030204" pitchFamily="49" charset="0"/>
               </a:rPr>
               <a:t>            "</a:t>
             </a:r>
             <a:r>
-              <a:rPr lang="en-US" sz="1400" dirty="0" err="1">
+              <a:rPr lang="en-US" sz="1200" dirty="0" err="1">
                 <a:latin typeface="Consolas" panose="020B0609020204030204" pitchFamily="49" charset="0"/>
               </a:rPr>
               <a:t>image_url</a:t>
             </a:r>
             <a:r>
-              <a:rPr lang="en-US" sz="1400" dirty="0">
+              <a:rPr lang="en-US" sz="1200" dirty="0">
                 <a:latin typeface="Consolas" panose="020B0609020204030204" pitchFamily="49" charset="0"/>
               </a:rPr>
               <a:t>": </a:t>
             </a:r>
             <a:r>
-              <a:rPr lang="en-US" sz="1400" dirty="0" err="1">
+              <a:rPr lang="en-US" sz="1200" dirty="0" err="1">
                 <a:latin typeface="Consolas" panose="020B0609020204030204" pitchFamily="49" charset="0"/>
               </a:rPr>
               <a:t>image_url</a:t>
             </a:r>
-            <a:endParaRPr lang="en-US" sz="1400" dirty="0">
+            <a:endParaRPr lang="en-US" sz="1200" dirty="0">
               <a:latin typeface="Consolas" panose="020B0609020204030204" pitchFamily="49" charset="0"/>
             </a:endParaRPr>
           </a:p>
           <a:p>
             <a:r>
-              <a:rPr lang="en-US" sz="1400" dirty="0">
+              <a:rPr lang="en-US" sz="1200" dirty="0">
                 <a:latin typeface="Consolas" panose="020B0609020204030204" pitchFamily="49" charset="0"/>
               </a:rPr>
               <a:t>        })</a:t>
@@ -8911,13 +9213,13 @@
           </a:p>
           <a:p>
             <a:r>
-              <a:rPr lang="en-US" sz="1400" dirty="0">
+              <a:rPr lang="en-US" sz="1200" dirty="0">
                 <a:latin typeface="Consolas" panose="020B0609020204030204" pitchFamily="49" charset="0"/>
               </a:rPr>
               <a:t>    return render(request, "</a:t>
             </a:r>
             <a:r>
-              <a:rPr lang="en-US" sz="1400" dirty="0">
+              <a:rPr lang="en-US" sz="1200" dirty="0">
                 <a:solidFill>
                   <a:srgbClr val="7030A0"/>
                 </a:solidFill>
@@ -8926,12 +9228,12 @@
               <a:t>upload.html</a:t>
             </a:r>
             <a:r>
-              <a:rPr lang="en-US" sz="1400" dirty="0">
+              <a:rPr lang="en-US" sz="1200" dirty="0">
                 <a:latin typeface="Consolas" panose="020B0609020204030204" pitchFamily="49" charset="0"/>
               </a:rPr>
               <a:t>")</a:t>
             </a:r>
-            <a:endParaRPr lang="ru-RU" sz="1400" dirty="0">
+            <a:endParaRPr lang="ru-RU" sz="1200" dirty="0">
               <a:latin typeface="Consolas" panose="020B0609020204030204" pitchFamily="49" charset="0"/>
             </a:endParaRPr>
           </a:p>
@@ -8951,7 +9253,7 @@
         </p:nvSpPr>
         <p:spPr>
           <a:xfrm>
-            <a:off x="7476931" y="2056222"/>
+            <a:off x="6405873" y="2326243"/>
             <a:ext cx="4368476" cy="369332"/>
           </a:xfrm>
           <a:prstGeom prst="rect">
@@ -8971,7 +9273,7 @@
                 <a:latin typeface="Times New Roman" panose="02020603050405020304" pitchFamily="18" charset="0"/>
                 <a:ea typeface="Calibri" panose="020F0502020204030204" pitchFamily="34" charset="0"/>
               </a:rPr>
-              <a:t>Листинг 1. Содержимое </a:t>
+              <a:t>Листинг 1. Содержимое файла </a:t>
             </a:r>
             <a:r>
               <a:rPr lang="en-US" dirty="0">
@@ -8998,7 +9300,7 @@
         </p:nvSpPr>
         <p:spPr>
           <a:xfrm>
-            <a:off x="5337111" y="5222825"/>
+            <a:off x="5186190" y="5590183"/>
             <a:ext cx="6508296" cy="369332"/>
           </a:xfrm>
           <a:prstGeom prst="rect">
@@ -9032,7 +9334,7 @@
                 <a:latin typeface="Times New Roman" panose="02020603050405020304" pitchFamily="18" charset="0"/>
                 <a:ea typeface="Calibri" panose="020F0502020204030204" pitchFamily="34" charset="0"/>
               </a:rPr>
-              <a:t>. функция-представления </a:t>
+              <a:t>. Функция-представления </a:t>
             </a:r>
             <a:r>
               <a:rPr lang="en-US" dirty="0" err="1">
@@ -9199,15 +9501,63 @@
           </a:p>
           <a:p>
             <a:r>
-              <a:rPr lang="en-US" sz="2500" b="1" dirty="0">
+              <a:rPr lang="ru-RU" sz="2600" b="1" dirty="0">
                 <a:solidFill>
                   <a:schemeClr val="tx1"/>
                 </a:solidFill>
+                <a:highlight>
+                  <a:srgbClr val="FFFF00"/>
+                </a:highlight>
+                <a:latin typeface="Times New Roman" panose="02020603050405020304" pitchFamily="18" charset="0"/>
+                <a:cs typeface="Times New Roman" panose="02020603050405020304" pitchFamily="18" charset="0"/>
+              </a:rPr>
+              <a:t>Особенности генерации </a:t>
+            </a:r>
+            <a:r>
+              <a:rPr lang="en-US" sz="2600" b="1" dirty="0">
+                <a:solidFill>
+                  <a:schemeClr val="tx1"/>
+                </a:solidFill>
+                <a:highlight>
+                  <a:srgbClr val="FFFF00"/>
+                </a:highlight>
+                <a:latin typeface="Times New Roman" panose="02020603050405020304" pitchFamily="18" charset="0"/>
+                <a:cs typeface="Times New Roman" panose="02020603050405020304" pitchFamily="18" charset="0"/>
+              </a:rPr>
+              <a:t>GUI </a:t>
+            </a:r>
+            <a:r>
+              <a:rPr lang="ru-RU" sz="2600" b="1">
+                <a:solidFill>
+                  <a:schemeClr val="tx1"/>
+                </a:solidFill>
+                <a:highlight>
+                  <a:srgbClr val="FFFF00"/>
+                </a:highlight>
+                <a:latin typeface="Times New Roman" panose="02020603050405020304" pitchFamily="18" charset="0"/>
+                <a:cs typeface="Times New Roman" panose="02020603050405020304" pitchFamily="18" charset="0"/>
+              </a:rPr>
+              <a:t>на основе ???</a:t>
+            </a:r>
+            <a:r>
+              <a:rPr lang="ru-RU" sz="2600" b="1">
+                <a:solidFill>
+                  <a:schemeClr val="tx1"/>
+                </a:solidFill>
                 <a:latin typeface="Times New Roman" panose="02020603050405020304" pitchFamily="18" charset="0"/>
                 <a:cs typeface="Times New Roman" panose="02020603050405020304" pitchFamily="18" charset="0"/>
               </a:rPr>
               <a:t> </a:t>
             </a:r>
+            <a:endParaRPr lang="ru-RU" sz="2600" b="1" dirty="0">
+              <a:solidFill>
+                <a:schemeClr val="tx1"/>
+              </a:solidFill>
+              <a:latin typeface="Times New Roman" panose="02020603050405020304" pitchFamily="18" charset="0"/>
+              <a:cs typeface="Times New Roman" panose="02020603050405020304" pitchFamily="18" charset="0"/>
+            </a:endParaRPr>
+          </a:p>
+          <a:p>
             <a:endParaRPr lang="ru-RU" sz="2500" b="1" dirty="0">
               <a:solidFill>
                 <a:schemeClr val="tx1"/>
@@ -9234,8 +9584,8 @@
         </p:nvSpPr>
         <p:spPr>
           <a:xfrm>
-            <a:off x="346591" y="671227"/>
-            <a:ext cx="7130339" cy="2093120"/>
+            <a:off x="346591" y="1022800"/>
+            <a:ext cx="5219044" cy="2093120"/>
           </a:xfrm>
           <a:prstGeom prst="rect">
             <a:avLst/>
@@ -9410,16 +9760,6 @@
             </a:lvl9pPr>
           </a:lstStyle>
           <a:p>
-            <a:pPr marL="0" indent="0">
-              <a:buNone/>
-            </a:pPr>
-            <a:r>
-              <a:rPr lang="ru-RU" sz="1800" dirty="0">
-                <a:latin typeface="Times New Roman" panose="02020603050405020304" pitchFamily="18" charset="0"/>
-                <a:cs typeface="Times New Roman" panose="02020603050405020304" pitchFamily="18" charset="0"/>
-              </a:rPr>
-              <a:t>	</a:t>
-            </a:r>
             <a:r>
               <a:rPr lang="en-US" sz="1800" dirty="0" err="1">
                 <a:latin typeface="Times New Roman" panose="02020603050405020304" pitchFamily="18" charset="0"/>
@@ -9475,16 +9815,6 @@
             </a:endParaRPr>
           </a:p>
           <a:p>
-            <a:pPr marL="0" indent="0">
-              <a:buNone/>
-            </a:pPr>
-            <a:r>
-              <a:rPr lang="ru-RU" sz="1800" dirty="0">
-                <a:latin typeface="Times New Roman" panose="02020603050405020304" pitchFamily="18" charset="0"/>
-                <a:cs typeface="Times New Roman" panose="02020603050405020304" pitchFamily="18" charset="0"/>
-              </a:rPr>
-              <a:t>	</a:t>
-            </a:r>
             <a:r>
               <a:rPr lang="en-US" sz="1800" dirty="0" err="1">
                 <a:solidFill>
@@ -9636,8 +9966,8 @@
         </p:nvSpPr>
         <p:spPr>
           <a:xfrm>
-            <a:off x="346591" y="2760612"/>
-            <a:ext cx="4990519" cy="2308324"/>
+            <a:off x="346591" y="3439023"/>
+            <a:ext cx="5219044" cy="1754326"/>
           </a:xfrm>
           <a:prstGeom prst="rect">
             <a:avLst/>
@@ -9650,22 +9980,57 @@
           </a:bodyPr>
           <a:lstStyle/>
           <a:p>
-            <a:pPr marL="0" indent="0">
-              <a:buNone/>
+            <a:pPr marL="285750" indent="-285750">
+              <a:buFont typeface="Arial" panose="020B0604020202020204" pitchFamily="34" charset="0"/>
+              <a:buChar char="•"/>
             </a:pPr>
             <a:r>
               <a:rPr lang="ru-RU" sz="1800" dirty="0">
                 <a:latin typeface="Times New Roman" panose="02020603050405020304" pitchFamily="18" charset="0"/>
                 <a:cs typeface="Times New Roman" panose="02020603050405020304" pitchFamily="18" charset="0"/>
               </a:rPr>
-              <a:t>	В данном случае в функции-представления используется </a:t>
+              <a:t>В функции </a:t>
+            </a:r>
+            <a:r>
+              <a:rPr lang="en-US" dirty="0" err="1">
+                <a:solidFill>
+                  <a:srgbClr val="7030A0"/>
+                </a:solidFill>
+                <a:latin typeface="Times New Roman" panose="02020603050405020304" pitchFamily="18" charset="0"/>
+                <a:cs typeface="Times New Roman" panose="02020603050405020304" pitchFamily="18" charset="0"/>
+              </a:rPr>
+              <a:t>image_upload</a:t>
+            </a:r>
+            <a:r>
+              <a:rPr lang="ru-RU" dirty="0">
+                <a:solidFill>
+                  <a:srgbClr val="7030A0"/>
+                </a:solidFill>
+                <a:latin typeface="Times New Roman" panose="02020603050405020304" pitchFamily="18" charset="0"/>
+                <a:cs typeface="Times New Roman" panose="02020603050405020304" pitchFamily="18" charset="0"/>
+              </a:rPr>
+              <a:t> </a:t>
+            </a:r>
+            <a:r>
+              <a:rPr lang="ru-RU" sz="1800" dirty="0">
+                <a:latin typeface="Times New Roman" panose="02020603050405020304" pitchFamily="18" charset="0"/>
+                <a:cs typeface="Times New Roman" panose="02020603050405020304" pitchFamily="18" charset="0"/>
+              </a:rPr>
+              <a:t>используется </a:t>
+            </a:r>
+            <a:r>
+              <a:rPr lang="en-US" dirty="0">
+                <a:latin typeface="Times New Roman" panose="02020603050405020304" pitchFamily="18" charset="0"/>
+                <a:cs typeface="Times New Roman" panose="02020603050405020304" pitchFamily="18" charset="0"/>
+              </a:rPr>
+              <a:t>HTML</a:t>
             </a:r>
             <a:r>
               <a:rPr lang="en-US" sz="1800" dirty="0">
                 <a:latin typeface="Times New Roman" panose="02020603050405020304" pitchFamily="18" charset="0"/>
                 <a:cs typeface="Times New Roman" panose="02020603050405020304" pitchFamily="18" charset="0"/>
               </a:rPr>
-              <a:t>html </a:t>
+              <a:t> </a:t>
             </a:r>
             <a:r>
               <a:rPr lang="ru-RU" sz="1800" dirty="0">
@@ -9689,7 +10054,24 @@
                 <a:latin typeface="Times New Roman" panose="02020603050405020304" pitchFamily="18" charset="0"/>
                 <a:cs typeface="Times New Roman" panose="02020603050405020304" pitchFamily="18" charset="0"/>
               </a:rPr>
-              <a:t>) , который так раз можно генерировать и заменять, если потребуется. </a:t>
+              <a:t>), который должен быть </a:t>
+            </a:r>
+            <a:r>
+              <a:rPr lang="ru-RU" sz="1800" dirty="0">
+                <a:highlight>
+                  <a:srgbClr val="00FF00"/>
+                </a:highlight>
+                <a:latin typeface="Times New Roman" panose="02020603050405020304" pitchFamily="18" charset="0"/>
+                <a:cs typeface="Times New Roman" panose="02020603050405020304" pitchFamily="18" charset="0"/>
+              </a:rPr>
+              <a:t>сгенерирован</a:t>
+            </a:r>
+            <a:r>
+              <a:rPr lang="ru-RU" sz="1800" dirty="0">
+                <a:latin typeface="Times New Roman" panose="02020603050405020304" pitchFamily="18" charset="0"/>
+                <a:cs typeface="Times New Roman" panose="02020603050405020304" pitchFamily="18" charset="0"/>
+              </a:rPr>
+              <a:t>. </a:t>
             </a:r>
             <a:endParaRPr lang="ru-RU" dirty="0">
               <a:latin typeface="Times New Roman" panose="02020603050405020304" pitchFamily="18" charset="0"/>
@@ -9697,38 +10079,44 @@
             </a:endParaRPr>
           </a:p>
           <a:p>
-            <a:pPr marL="0" indent="0">
-              <a:buNone/>
+            <a:pPr marL="285750" indent="-285750">
+              <a:buFont typeface="Arial" panose="020B0604020202020204" pitchFamily="34" charset="0"/>
+              <a:buChar char="•"/>
             </a:pPr>
             <a:r>
-              <a:rPr lang="ru-RU" sz="1800" dirty="0">
-                <a:latin typeface="Times New Roman" panose="02020603050405020304" pitchFamily="18" charset="0"/>
-                <a:cs typeface="Times New Roman" panose="02020603050405020304" pitchFamily="18" charset="0"/>
-              </a:rPr>
-              <a:t>	</a:t>
-            </a:r>
-            <a:r>
               <a:rPr lang="ru-RU" dirty="0">
-                <a:latin typeface="Times New Roman" panose="02020603050405020304" pitchFamily="18" charset="0"/>
-                <a:cs typeface="Times New Roman" panose="02020603050405020304" pitchFamily="18" charset="0"/>
-              </a:rPr>
-              <a:t>Но в случае изменения взаимодействия пользователя со страницей, помимо </a:t>
+                <a:highlight>
+                  <a:srgbClr val="FFFF00"/>
+                </a:highlight>
+                <a:latin typeface="Times New Roman" panose="02020603050405020304" pitchFamily="18" charset="0"/>
+                <a:cs typeface="Times New Roman" panose="02020603050405020304" pitchFamily="18" charset="0"/>
+              </a:rPr>
+              <a:t>При изменении взаимодействия пользователя со страницей, помимо </a:t>
             </a:r>
             <a:r>
               <a:rPr lang="en-US" dirty="0">
-                <a:latin typeface="Times New Roman" panose="02020603050405020304" pitchFamily="18" charset="0"/>
-                <a:cs typeface="Times New Roman" panose="02020603050405020304" pitchFamily="18" charset="0"/>
-              </a:rPr>
-              <a:t>html </a:t>
+                <a:highlight>
+                  <a:srgbClr val="FFFF00"/>
+                </a:highlight>
+                <a:latin typeface="Times New Roman" panose="02020603050405020304" pitchFamily="18" charset="0"/>
+                <a:cs typeface="Times New Roman" panose="02020603050405020304" pitchFamily="18" charset="0"/>
+              </a:rPr>
+              <a:t>HTML-</a:t>
             </a:r>
             <a:r>
               <a:rPr lang="ru-RU" dirty="0">
-                <a:latin typeface="Times New Roman" panose="02020603050405020304" pitchFamily="18" charset="0"/>
-                <a:cs typeface="Times New Roman" panose="02020603050405020304" pitchFamily="18" charset="0"/>
-              </a:rPr>
-              <a:t>файла требуется так же переписать функцию-представления.</a:t>
+                <a:highlight>
+                  <a:srgbClr val="FFFF00"/>
+                </a:highlight>
+                <a:latin typeface="Times New Roman" panose="02020603050405020304" pitchFamily="18" charset="0"/>
+                <a:cs typeface="Times New Roman" panose="02020603050405020304" pitchFamily="18" charset="0"/>
+              </a:rPr>
+              <a:t>файла требуется также переписать функцию-представления.</a:t>
             </a:r>
             <a:endParaRPr lang="en-US" sz="1800" dirty="0">
+              <a:highlight>
+                <a:srgbClr val="FFFF00"/>
+              </a:highlight>
               <a:latin typeface="Times New Roman" panose="02020603050405020304" pitchFamily="18" charset="0"/>
               <a:cs typeface="Times New Roman" panose="02020603050405020304" pitchFamily="18" charset="0"/>
             </a:endParaRPr>

--- a/01 - Курсовые проекты/2022-2023 - Разработка библиотеки функций на языке Python, реализующей автоматизированное построение динамических GUI/rndhpc_rpt_pres_gui_2023_73_VasilyanA.pptx
+++ b/01 - Курсовые проекты/2022-2023 - Разработка библиотеки функций на языке Python, реализующей автоматизированное построение динамических GUI/rndhpc_rpt_pres_gui_2023_73_VasilyanA.pptx
@@ -5,7 +5,7 @@
     <p:sldMasterId id="2147483754" r:id="rId1"/>
   </p:sldMasterIdLst>
   <p:notesMasterIdLst>
-    <p:notesMasterId r:id="rId14"/>
+    <p:notesMasterId r:id="rId12"/>
   </p:notesMasterIdLst>
   <p:sldIdLst>
     <p:sldId id="256" r:id="rId2"/>
@@ -16,10 +16,8 @@
     <p:sldId id="268" r:id="rId7"/>
     <p:sldId id="270" r:id="rId8"/>
     <p:sldId id="274" r:id="rId9"/>
-    <p:sldId id="265" r:id="rId10"/>
+    <p:sldId id="275" r:id="rId10"/>
     <p:sldId id="264" r:id="rId11"/>
-    <p:sldId id="263" r:id="rId12"/>
-    <p:sldId id="273" r:id="rId13"/>
   </p:sldIdLst>
   <p:sldSz cx="12192000" cy="6858000"/>
   <p:notesSz cx="6858000" cy="9144000"/>
@@ -220,7 +218,7 @@
           <a:p>
             <a:fld id="{1433DABF-D097-44E0-82C0-1AAF5966212D}" type="datetimeFigureOut">
               <a:rPr lang="ru-RU" smtClean="0"/>
-              <a:t>10.02.2023</a:t>
+              <a:t>16.02.2023</a:t>
             </a:fld>
             <a:endParaRPr lang="ru-RU"/>
           </a:p>
@@ -487,6 +485,174 @@
 </p:notesMaster>
 </file>
 
+<file path=ppt/notesSlides/notesSlide1.xml><?xml version="1.0" encoding="utf-8"?>
+<p:notes xmlns:a="http://schemas.openxmlformats.org/drawingml/2006/main" xmlns:r="http://schemas.openxmlformats.org/officeDocument/2006/relationships" xmlns:p="http://schemas.openxmlformats.org/presentationml/2006/main">
+  <p:cSld>
+    <p:spTree>
+      <p:nvGrpSpPr>
+        <p:cNvPr id="1" name=""/>
+        <p:cNvGrpSpPr/>
+        <p:nvPr/>
+      </p:nvGrpSpPr>
+      <p:grpSpPr>
+        <a:xfrm>
+          <a:off x="0" y="0"/>
+          <a:ext cx="0" cy="0"/>
+          <a:chOff x="0" y="0"/>
+          <a:chExt cx="0" cy="0"/>
+        </a:xfrm>
+      </p:grpSpPr>
+      <p:sp>
+        <p:nvSpPr>
+          <p:cNvPr id="2" name="Образ слайда 1"/>
+          <p:cNvSpPr>
+            <a:spLocks noGrp="1" noRot="1" noChangeAspect="1"/>
+          </p:cNvSpPr>
+          <p:nvPr>
+            <p:ph type="sldImg"/>
+          </p:nvPr>
+        </p:nvSpPr>
+        <p:spPr/>
+      </p:sp>
+      <p:sp>
+        <p:nvSpPr>
+          <p:cNvPr id="3" name="Заметки 2"/>
+          <p:cNvSpPr>
+            <a:spLocks noGrp="1"/>
+          </p:cNvSpPr>
+          <p:nvPr>
+            <p:ph type="body" idx="1"/>
+          </p:nvPr>
+        </p:nvSpPr>
+        <p:spPr/>
+        <p:txBody>
+          <a:bodyPr/>
+          <a:lstStyle/>
+          <a:p>
+            <a:endParaRPr lang="ru-RU" dirty="0"/>
+          </a:p>
+        </p:txBody>
+      </p:sp>
+      <p:sp>
+        <p:nvSpPr>
+          <p:cNvPr id="4" name="Номер слайда 3"/>
+          <p:cNvSpPr>
+            <a:spLocks noGrp="1"/>
+          </p:cNvSpPr>
+          <p:nvPr>
+            <p:ph type="sldNum" sz="quarter" idx="5"/>
+          </p:nvPr>
+        </p:nvSpPr>
+        <p:spPr/>
+        <p:txBody>
+          <a:bodyPr/>
+          <a:lstStyle/>
+          <a:p>
+            <a:fld id="{A3DC8647-A8F2-4A8D-8F90-7E55E52D761A}" type="slidenum">
+              <a:rPr lang="ru-RU" smtClean="0"/>
+              <a:t>2</a:t>
+            </a:fld>
+            <a:endParaRPr lang="ru-RU"/>
+          </a:p>
+        </p:txBody>
+      </p:sp>
+    </p:spTree>
+    <p:extLst>
+      <p:ext uri="{BB962C8B-B14F-4D97-AF65-F5344CB8AC3E}">
+        <p14:creationId xmlns:p14="http://schemas.microsoft.com/office/powerpoint/2010/main" val="375079856"/>
+      </p:ext>
+    </p:extLst>
+  </p:cSld>
+  <p:clrMapOvr>
+    <a:masterClrMapping/>
+  </p:clrMapOvr>
+</p:notes>
+</file>
+
+<file path=ppt/notesSlides/notesSlide2.xml><?xml version="1.0" encoding="utf-8"?>
+<p:notes xmlns:a="http://schemas.openxmlformats.org/drawingml/2006/main" xmlns:r="http://schemas.openxmlformats.org/officeDocument/2006/relationships" xmlns:p="http://schemas.openxmlformats.org/presentationml/2006/main">
+  <p:cSld>
+    <p:spTree>
+      <p:nvGrpSpPr>
+        <p:cNvPr id="1" name=""/>
+        <p:cNvGrpSpPr/>
+        <p:nvPr/>
+      </p:nvGrpSpPr>
+      <p:grpSpPr>
+        <a:xfrm>
+          <a:off x="0" y="0"/>
+          <a:ext cx="0" cy="0"/>
+          <a:chOff x="0" y="0"/>
+          <a:chExt cx="0" cy="0"/>
+        </a:xfrm>
+      </p:grpSpPr>
+      <p:sp>
+        <p:nvSpPr>
+          <p:cNvPr id="2" name="Образ слайда 1"/>
+          <p:cNvSpPr>
+            <a:spLocks noGrp="1" noRot="1" noChangeAspect="1"/>
+          </p:cNvSpPr>
+          <p:nvPr>
+            <p:ph type="sldImg"/>
+          </p:nvPr>
+        </p:nvSpPr>
+        <p:spPr/>
+      </p:sp>
+      <p:sp>
+        <p:nvSpPr>
+          <p:cNvPr id="3" name="Заметки 2"/>
+          <p:cNvSpPr>
+            <a:spLocks noGrp="1"/>
+          </p:cNvSpPr>
+          <p:nvPr>
+            <p:ph type="body" idx="1"/>
+          </p:nvPr>
+        </p:nvSpPr>
+        <p:spPr/>
+        <p:txBody>
+          <a:bodyPr/>
+          <a:lstStyle/>
+          <a:p>
+            <a:endParaRPr lang="ru-RU" dirty="0"/>
+          </a:p>
+        </p:txBody>
+      </p:sp>
+      <p:sp>
+        <p:nvSpPr>
+          <p:cNvPr id="4" name="Номер слайда 3"/>
+          <p:cNvSpPr>
+            <a:spLocks noGrp="1"/>
+          </p:cNvSpPr>
+          <p:nvPr>
+            <p:ph type="sldNum" sz="quarter" idx="5"/>
+          </p:nvPr>
+        </p:nvSpPr>
+        <p:spPr/>
+        <p:txBody>
+          <a:bodyPr/>
+          <a:lstStyle/>
+          <a:p>
+            <a:fld id="{A3DC8647-A8F2-4A8D-8F90-7E55E52D761A}" type="slidenum">
+              <a:rPr lang="ru-RU" smtClean="0"/>
+              <a:t>4</a:t>
+            </a:fld>
+            <a:endParaRPr lang="ru-RU"/>
+          </a:p>
+        </p:txBody>
+      </p:sp>
+    </p:spTree>
+    <p:extLst>
+      <p:ext uri="{BB962C8B-B14F-4D97-AF65-F5344CB8AC3E}">
+        <p14:creationId xmlns:p14="http://schemas.microsoft.com/office/powerpoint/2010/main" val="1386223741"/>
+      </p:ext>
+    </p:extLst>
+  </p:cSld>
+  <p:clrMapOvr>
+    <a:masterClrMapping/>
+  </p:clrMapOvr>
+</p:notes>
+</file>
+
 <file path=ppt/slideLayouts/slideLayout1.xml><?xml version="1.0" encoding="utf-8"?>
 <p:sldLayout xmlns:a="http://schemas.openxmlformats.org/drawingml/2006/main" xmlns:r="http://schemas.openxmlformats.org/officeDocument/2006/relationships" xmlns:p="http://schemas.openxmlformats.org/presentationml/2006/main" type="title" preserve="1">
   <p:cSld name="Титульный слайд">
@@ -618,7 +784,7 @@
           <a:p>
             <a:fld id="{6157714A-B5FA-4BDA-BAC5-CE551E0D5C71}" type="datetime1">
               <a:rPr lang="ru-RU" smtClean="0"/>
-              <a:t>10.02.2023</a:t>
+              <a:t>16.02.2023</a:t>
             </a:fld>
             <a:endParaRPr lang="ru-RU"/>
           </a:p>
@@ -788,7 +954,7 @@
           <a:p>
             <a:fld id="{27CE9654-3562-4100-A766-537F27551235}" type="datetime1">
               <a:rPr lang="ru-RU" smtClean="0"/>
-              <a:t>10.02.2023</a:t>
+              <a:t>16.02.2023</a:t>
             </a:fld>
             <a:endParaRPr lang="ru-RU"/>
           </a:p>
@@ -968,7 +1134,7 @@
           <a:p>
             <a:fld id="{820807FA-9BD8-40AF-A59F-C82356EC0E74}" type="datetime1">
               <a:rPr lang="ru-RU" smtClean="0"/>
-              <a:t>10.02.2023</a:t>
+              <a:t>16.02.2023</a:t>
             </a:fld>
             <a:endParaRPr lang="ru-RU"/>
           </a:p>
@@ -1143,7 +1309,7 @@
           <a:p>
             <a:fld id="{5878E360-8AEE-4B90-99BC-1D6B98DA5EE2}" type="datetime1">
               <a:rPr lang="ru-RU" smtClean="0"/>
-              <a:t>10.02.2023</a:t>
+              <a:t>16.02.2023</a:t>
             </a:fld>
             <a:endParaRPr lang="ru-RU"/>
           </a:p>
@@ -1405,7 +1571,7 @@
           <a:p>
             <a:fld id="{D429DEF6-BF7E-4AAA-BE08-A3E2C310E23A}" type="datetime1">
               <a:rPr lang="ru-RU" smtClean="0"/>
-              <a:t>10.02.2023</a:t>
+              <a:t>16.02.2023</a:t>
             </a:fld>
             <a:endParaRPr lang="ru-RU"/>
           </a:p>
@@ -1637,7 +1803,7 @@
           <a:p>
             <a:fld id="{2118AE50-8815-4DDF-8D38-374A41423F79}" type="datetime1">
               <a:rPr lang="ru-RU" smtClean="0"/>
-              <a:t>10.02.2023</a:t>
+              <a:t>16.02.2023</a:t>
             </a:fld>
             <a:endParaRPr lang="ru-RU"/>
           </a:p>
@@ -2004,7 +2170,7 @@
           <a:p>
             <a:fld id="{3B4F339C-11A2-47C7-8682-F5E088FCD6CD}" type="datetime1">
               <a:rPr lang="ru-RU" smtClean="0"/>
-              <a:t>10.02.2023</a:t>
+              <a:t>16.02.2023</a:t>
             </a:fld>
             <a:endParaRPr lang="ru-RU"/>
           </a:p>
@@ -2122,7 +2288,7 @@
           <a:p>
             <a:fld id="{541086C6-E43C-4031-9DEE-B110F5665883}" type="datetime1">
               <a:rPr lang="ru-RU" smtClean="0"/>
-              <a:t>10.02.2023</a:t>
+              <a:t>16.02.2023</a:t>
             </a:fld>
             <a:endParaRPr lang="ru-RU"/>
           </a:p>
@@ -2217,7 +2383,7 @@
           <a:p>
             <a:fld id="{6E673D86-633A-4A5C-99A8-AF67CDA3F4C5}" type="datetime1">
               <a:rPr lang="ru-RU" smtClean="0"/>
-              <a:t>10.02.2023</a:t>
+              <a:t>16.02.2023</a:t>
             </a:fld>
             <a:endParaRPr lang="ru-RU"/>
           </a:p>
@@ -2494,7 +2660,7 @@
           <a:p>
             <a:fld id="{9F141B0F-4B70-46F9-8E49-A8927A8EF61C}" type="datetime1">
               <a:rPr lang="ru-RU" smtClean="0"/>
-              <a:t>10.02.2023</a:t>
+              <a:t>16.02.2023</a:t>
             </a:fld>
             <a:endParaRPr lang="ru-RU"/>
           </a:p>
@@ -2751,7 +2917,7 @@
           <a:p>
             <a:fld id="{66E4E755-3C6B-40C3-812B-8DBAD8856AD3}" type="datetime1">
               <a:rPr lang="ru-RU" smtClean="0"/>
-              <a:t>10.02.2023</a:t>
+              <a:t>16.02.2023</a:t>
             </a:fld>
             <a:endParaRPr lang="ru-RU"/>
           </a:p>
@@ -2964,7 +3130,7 @@
           <a:p>
             <a:fld id="{41888E7E-34F9-43C6-9C08-101ACE33D9FB}" type="datetime1">
               <a:rPr lang="ru-RU" smtClean="0"/>
-              <a:t>10.02.2023</a:t>
+              <a:t>16.02.2023</a:t>
             </a:fld>
             <a:endParaRPr lang="ru-RU"/>
           </a:p>
@@ -3404,19 +3570,8 @@
                 <a:latin typeface="Times New Roman" panose="02020603050405020304" pitchFamily="18" charset="0"/>
                 <a:cs typeface="Times New Roman" panose="02020603050405020304" pitchFamily="18" charset="0"/>
               </a:rPr>
-              <a:t>Разработка библиотеки функций на языке Python, реализующей автоматизированное построение динамических графических пользовательских интерфейсов в рамках CMS </a:t>
-            </a:r>
-            <a:r>
-              <a:rPr lang="ru-RU" sz="4200" dirty="0" err="1">
-                <a:latin typeface="Times New Roman" panose="02020603050405020304" pitchFamily="18" charset="0"/>
-                <a:cs typeface="Times New Roman" panose="02020603050405020304" pitchFamily="18" charset="0"/>
-              </a:rPr>
-              <a:t>Django</a:t>
-            </a:r>
-            <a:endParaRPr lang="ru-RU" sz="4200" dirty="0">
-              <a:latin typeface="Times New Roman" panose="02020603050405020304" pitchFamily="18" charset="0"/>
-              <a:cs typeface="Times New Roman" panose="02020603050405020304" pitchFamily="18" charset="0"/>
-            </a:endParaRPr>
+              <a:t>Разработка библиотеки функций на языке Python, реализующей автоматизированное построение динамических графических пользовательских интерфейсов</a:t>
+            </a:r>
           </a:p>
         </p:txBody>
       </p:sp>
@@ -3677,7 +3832,7 @@
             <p:ph idx="4294967295"/>
           </p:nvPr>
         </p:nvPicPr>
-        <p:blipFill>
+        <p:blipFill rotWithShape="1">
           <a:blip r:embed="rId2">
             <a:extLst>
               <a:ext uri="{28A0092B-C50C-407E-A947-70E740481C1C}">
@@ -3685,50 +3840,14 @@
               </a:ext>
             </a:extLst>
           </a:blip>
-          <a:stretch>
-            <a:fillRect/>
-          </a:stretch>
-        </p:blipFill>
-        <p:spPr>
-          <a:xfrm>
-            <a:off x="346591" y="1043805"/>
-            <a:ext cx="8154538" cy="2648320"/>
-          </a:xfrm>
-        </p:spPr>
-      </p:pic>
-      <p:pic>
-        <p:nvPicPr>
-          <p:cNvPr id="7" name="Рисунок 6">
-            <a:extLst>
-              <a:ext uri="{FF2B5EF4-FFF2-40B4-BE49-F238E27FC236}">
-                <a16:creationId xmlns:a16="http://schemas.microsoft.com/office/drawing/2014/main" id="{218E7F00-5701-CF1D-C377-21DFAFAF610B}"/>
-              </a:ext>
-            </a:extLst>
-          </p:cNvPr>
-          <p:cNvPicPr>
-            <a:picLocks noChangeAspect="1"/>
-          </p:cNvPicPr>
-          <p:nvPr/>
-        </p:nvPicPr>
-        <p:blipFill rotWithShape="1">
-          <a:blip r:embed="rId3">
-            <a:extLst>
-              <a:ext uri="{28A0092B-C50C-407E-A947-70E740481C1C}">
-                <a14:useLocalDpi xmlns:a14="http://schemas.microsoft.com/office/drawing/2010/main" val="0"/>
-              </a:ext>
-            </a:extLst>
-          </a:blip>
-          <a:srcRect l="1751" t="5258" b="37209"/>
+          <a:srcRect r="33080"/>
           <a:stretch/>
         </p:blipFill>
         <p:spPr>
           <a:xfrm>
-            <a:off x="7120647" y="4579692"/>
-            <a:ext cx="4724761" cy="879407"/>
+            <a:off x="448994" y="1781674"/>
+            <a:ext cx="5457050" cy="2648320"/>
           </a:xfrm>
-          <a:prstGeom prst="rect">
-            <a:avLst/>
-          </a:prstGeom>
         </p:spPr>
       </p:pic>
       <p:sp>
@@ -3925,8 +4044,8 @@
         </p:nvSpPr>
         <p:spPr>
           <a:xfrm>
-            <a:off x="1776656" y="3692125"/>
-            <a:ext cx="5294407" cy="369332"/>
+            <a:off x="448994" y="4429994"/>
+            <a:ext cx="5457050" cy="369332"/>
           </a:xfrm>
           <a:prstGeom prst="rect">
             <a:avLst/>
@@ -3945,14 +4064,14 @@
                 <a:latin typeface="Times New Roman" panose="02020603050405020304" pitchFamily="18" charset="0"/>
                 <a:ea typeface="Calibri" panose="020F0502020204030204" pitchFamily="34" charset="0"/>
               </a:rPr>
-              <a:t>Рис. 5</a:t>
+              <a:t>Рис. </a:t>
             </a:r>
             <a:r>
               <a:rPr lang="en-US" dirty="0">
                 <a:latin typeface="Times New Roman" panose="02020603050405020304" pitchFamily="18" charset="0"/>
                 <a:ea typeface="Calibri" panose="020F0502020204030204" pitchFamily="34" charset="0"/>
               </a:rPr>
-              <a:t>. </a:t>
+              <a:t>6. </a:t>
             </a:r>
             <a:r>
               <a:rPr lang="ru-RU" dirty="0">
@@ -3999,14 +4118,14 @@
                 <a:latin typeface="Times New Roman" panose="02020603050405020304" pitchFamily="18" charset="0"/>
                 <a:ea typeface="Calibri" panose="020F0502020204030204" pitchFamily="34" charset="0"/>
               </a:rPr>
-              <a:t>Рис. 6</a:t>
+              <a:t>Рис. </a:t>
             </a:r>
             <a:r>
               <a:rPr lang="en-US" dirty="0">
                 <a:latin typeface="Times New Roman" panose="02020603050405020304" pitchFamily="18" charset="0"/>
                 <a:ea typeface="Calibri" panose="020F0502020204030204" pitchFamily="34" charset="0"/>
               </a:rPr>
-              <a:t>.</a:t>
+              <a:t>7.</a:t>
             </a:r>
             <a:r>
               <a:rPr lang="ru-RU" dirty="0">
@@ -4040,796 +4159,39 @@
           </a:p>
         </p:txBody>
       </p:sp>
-    </p:spTree>
-    <p:extLst>
-      <p:ext uri="{BB962C8B-B14F-4D97-AF65-F5344CB8AC3E}">
-        <p14:creationId xmlns:p14="http://schemas.microsoft.com/office/powerpoint/2010/main" val="1028294093"/>
-      </p:ext>
-    </p:extLst>
-  </p:cSld>
-  <p:clrMapOvr>
-    <a:masterClrMapping/>
-  </p:clrMapOvr>
-</p:sld>
-</file>
-
-<file path=ppt/slides/slide11.xml><?xml version="1.0" encoding="utf-8"?>
-<p:sld xmlns:a="http://schemas.openxmlformats.org/drawingml/2006/main" xmlns:r="http://schemas.openxmlformats.org/officeDocument/2006/relationships" xmlns:p="http://schemas.openxmlformats.org/presentationml/2006/main">
-  <p:cSld>
-    <p:spTree>
-      <p:nvGrpSpPr>
-        <p:cNvPr id="1" name=""/>
-        <p:cNvGrpSpPr/>
-        <p:nvPr/>
-      </p:nvGrpSpPr>
-      <p:grpSpPr>
-        <a:xfrm>
-          <a:off x="0" y="0"/>
-          <a:ext cx="0" cy="0"/>
-          <a:chOff x="0" y="0"/>
-          <a:chExt cx="0" cy="0"/>
-        </a:xfrm>
-      </p:grpSpPr>
-      <p:sp>
-        <p:nvSpPr>
-          <p:cNvPr id="5" name="Объект 2">
+      <p:pic>
+        <p:nvPicPr>
+          <p:cNvPr id="8" name="Рисунок 7">
             <a:extLst>
               <a:ext uri="{FF2B5EF4-FFF2-40B4-BE49-F238E27FC236}">
-                <a16:creationId xmlns:a16="http://schemas.microsoft.com/office/drawing/2014/main" id="{55A50336-E84D-AD90-D45D-744D2CC6BCC6}"/>
+                <a16:creationId xmlns:a16="http://schemas.microsoft.com/office/drawing/2014/main" id="{4EEDB8CB-08ED-A71C-10B6-028BED7EADE7}"/>
               </a:ext>
             </a:extLst>
           </p:cNvPr>
-          <p:cNvSpPr>
-            <a:spLocks noGrp="1"/>
-          </p:cNvSpPr>
-          <p:nvPr>
-            <p:ph idx="4294967295"/>
-          </p:nvPr>
-        </p:nvSpPr>
+          <p:cNvPicPr>
+            <a:picLocks noChangeAspect="1"/>
+          </p:cNvPicPr>
+          <p:nvPr/>
+        </p:nvPicPr>
+        <p:blipFill rotWithShape="1">
+          <a:blip r:embed="rId3"/>
+          <a:srcRect t="6429"/>
+          <a:stretch/>
+        </p:blipFill>
         <p:spPr>
           <a:xfrm>
-            <a:off x="346590" y="1777050"/>
-            <a:ext cx="11498817" cy="3303900"/>
-          </a:xfrm>
-        </p:spPr>
-        <p:txBody>
-          <a:bodyPr>
-            <a:normAutofit/>
-          </a:bodyPr>
-          <a:lstStyle/>
-          <a:p>
-            <a:pPr algn="just"/>
-            <a:r>
-              <a:rPr lang="ru-RU" sz="2400" dirty="0">
-                <a:latin typeface="Times New Roman" panose="02020603050405020304" pitchFamily="18" charset="0"/>
-                <a:cs typeface="Times New Roman" panose="02020603050405020304" pitchFamily="18" charset="0"/>
-              </a:rPr>
-              <a:t>Изучение существующего </a:t>
-            </a:r>
-            <a:r>
-              <a:rPr lang="en-US" sz="2400" dirty="0">
-                <a:latin typeface="Times New Roman" panose="02020603050405020304" pitchFamily="18" charset="0"/>
-                <a:cs typeface="Times New Roman" panose="02020603050405020304" pitchFamily="18" charset="0"/>
-              </a:rPr>
-              <a:t>web-</a:t>
-            </a:r>
-            <a:r>
-              <a:rPr lang="ru-RU" sz="2400" dirty="0">
-                <a:latin typeface="Times New Roman" panose="02020603050405020304" pitchFamily="18" charset="0"/>
-                <a:cs typeface="Times New Roman" panose="02020603050405020304" pitchFamily="18" charset="0"/>
-              </a:rPr>
-              <a:t>приложения </a:t>
-            </a:r>
-            <a:r>
-              <a:rPr lang="en-US" sz="2400" dirty="0" err="1">
-                <a:latin typeface="Times New Roman" panose="02020603050405020304" pitchFamily="18" charset="0"/>
-                <a:cs typeface="Times New Roman" panose="02020603050405020304" pitchFamily="18" charset="0"/>
-              </a:rPr>
-              <a:t>comwpc</a:t>
-            </a:r>
-            <a:r>
-              <a:rPr lang="ru-RU" sz="2400" dirty="0">
-                <a:latin typeface="Times New Roman" panose="02020603050405020304" pitchFamily="18" charset="0"/>
-                <a:cs typeface="Times New Roman" panose="02020603050405020304" pitchFamily="18" charset="0"/>
-              </a:rPr>
-              <a:t> (проект по разработке </a:t>
-            </a:r>
-            <a:r>
-              <a:rPr lang="en-US" sz="2400" dirty="0">
-                <a:latin typeface="Times New Roman" panose="02020603050405020304" pitchFamily="18" charset="0"/>
-                <a:cs typeface="Times New Roman" panose="02020603050405020304" pitchFamily="18" charset="0"/>
-              </a:rPr>
-              <a:t>web</a:t>
-            </a:r>
-            <a:r>
-              <a:rPr lang="ru-RU" sz="2400" dirty="0">
-                <a:latin typeface="Times New Roman" panose="02020603050405020304" pitchFamily="18" charset="0"/>
-                <a:cs typeface="Times New Roman" panose="02020603050405020304" pitchFamily="18" charset="0"/>
-              </a:rPr>
-              <a:t>-клиента для доступа к подсистемам РВС GCD и другим программным системам).</a:t>
-            </a:r>
-            <a:endParaRPr lang="en-US" sz="2400" dirty="0">
-              <a:latin typeface="Times New Roman" panose="02020603050405020304" pitchFamily="18" charset="0"/>
-              <a:cs typeface="Times New Roman" panose="02020603050405020304" pitchFamily="18" charset="0"/>
-            </a:endParaRPr>
-          </a:p>
-          <a:p>
-            <a:pPr algn="just"/>
-            <a:r>
-              <a:rPr lang="ru-RU" sz="2400" dirty="0">
-                <a:latin typeface="Times New Roman" panose="02020603050405020304" pitchFamily="18" charset="0"/>
-                <a:cs typeface="Times New Roman" panose="02020603050405020304" pitchFamily="18" charset="0"/>
-              </a:rPr>
-              <a:t>Доработка библиотеки</a:t>
-            </a:r>
-            <a:r>
-              <a:rPr lang="en-US" sz="2400" dirty="0">
-                <a:latin typeface="Times New Roman" panose="02020603050405020304" pitchFamily="18" charset="0"/>
-                <a:cs typeface="Times New Roman" panose="02020603050405020304" pitchFamily="18" charset="0"/>
-              </a:rPr>
-              <a:t> </a:t>
-            </a:r>
-            <a:r>
-              <a:rPr lang="en-US" sz="2400" dirty="0" err="1">
-                <a:latin typeface="Times New Roman" panose="02020603050405020304" pitchFamily="18" charset="0"/>
-                <a:cs typeface="Times New Roman" panose="02020603050405020304" pitchFamily="18" charset="0"/>
-              </a:rPr>
-              <a:t>pycomsdk</a:t>
-            </a:r>
-            <a:r>
-              <a:rPr lang="en-US" sz="2400" dirty="0">
-                <a:latin typeface="Times New Roman" panose="02020603050405020304" pitchFamily="18" charset="0"/>
-                <a:cs typeface="Times New Roman" panose="02020603050405020304" pitchFamily="18" charset="0"/>
-              </a:rPr>
-              <a:t> (</a:t>
-            </a:r>
-            <a:r>
-              <a:rPr lang="ru-RU" sz="2400" dirty="0">
-                <a:latin typeface="Times New Roman" panose="02020603050405020304" pitchFamily="18" charset="0"/>
-                <a:cs typeface="Times New Roman" panose="02020603050405020304" pitchFamily="18" charset="0"/>
-              </a:rPr>
-              <a:t>SDK для программных реализаций сложных вычислительных методов в рамках </a:t>
-            </a:r>
-            <a:r>
-              <a:rPr lang="ru-RU" sz="2400" dirty="0" err="1">
-                <a:latin typeface="Times New Roman" panose="02020603050405020304" pitchFamily="18" charset="0"/>
-                <a:cs typeface="Times New Roman" panose="02020603050405020304" pitchFamily="18" charset="0"/>
-              </a:rPr>
-              <a:t>графоориентированной</a:t>
-            </a:r>
-            <a:r>
-              <a:rPr lang="ru-RU" sz="2400" dirty="0">
-                <a:latin typeface="Times New Roman" panose="02020603050405020304" pitchFamily="18" charset="0"/>
-                <a:cs typeface="Times New Roman" panose="02020603050405020304" pitchFamily="18" charset="0"/>
-              </a:rPr>
-              <a:t> технологии GBSE</a:t>
-            </a:r>
-            <a:r>
-              <a:rPr lang="en-US" sz="2400" dirty="0">
-                <a:latin typeface="Times New Roman" panose="02020603050405020304" pitchFamily="18" charset="0"/>
-                <a:cs typeface="Times New Roman" panose="02020603050405020304" pitchFamily="18" charset="0"/>
-              </a:rPr>
-              <a:t>) </a:t>
-            </a:r>
-            <a:r>
-              <a:rPr lang="ru-RU" sz="2400" dirty="0">
-                <a:latin typeface="Times New Roman" panose="02020603050405020304" pitchFamily="18" charset="0"/>
-                <a:cs typeface="Times New Roman" panose="02020603050405020304" pitchFamily="18" charset="0"/>
-              </a:rPr>
-              <a:t>в части возможности генерации </a:t>
-            </a:r>
-            <a:r>
-              <a:rPr lang="en-US" sz="2400" dirty="0">
-                <a:latin typeface="Times New Roman" panose="02020603050405020304" pitchFamily="18" charset="0"/>
-                <a:cs typeface="Times New Roman" panose="02020603050405020304" pitchFamily="18" charset="0"/>
-              </a:rPr>
-              <a:t>GUI</a:t>
-            </a:r>
-            <a:r>
-              <a:rPr lang="ru-RU" sz="2400" dirty="0">
-                <a:latin typeface="Times New Roman" panose="02020603050405020304" pitchFamily="18" charset="0"/>
-                <a:cs typeface="Times New Roman" panose="02020603050405020304" pitchFamily="18" charset="0"/>
-              </a:rPr>
-              <a:t>.</a:t>
-            </a:r>
-            <a:endParaRPr lang="en-US" sz="2400" dirty="0">
-              <a:latin typeface="Times New Roman" panose="02020603050405020304" pitchFamily="18" charset="0"/>
-              <a:cs typeface="Times New Roman" panose="02020603050405020304" pitchFamily="18" charset="0"/>
-            </a:endParaRPr>
-          </a:p>
-          <a:p>
-            <a:pPr algn="just"/>
-            <a:r>
-              <a:rPr lang="ru-RU" sz="2400" dirty="0">
-                <a:latin typeface="Times New Roman" panose="02020603050405020304" pitchFamily="18" charset="0"/>
-                <a:cs typeface="Times New Roman" panose="02020603050405020304" pitchFamily="18" charset="0"/>
-              </a:rPr>
-              <a:t>Интеграция разработки в состав </a:t>
-            </a:r>
-            <a:r>
-              <a:rPr lang="ru-RU" sz="2400" dirty="0" err="1">
-                <a:latin typeface="Times New Roman" panose="02020603050405020304" pitchFamily="18" charset="0"/>
-                <a:cs typeface="Times New Roman" panose="02020603050405020304" pitchFamily="18" charset="0"/>
-              </a:rPr>
-              <a:t>web</a:t>
-            </a:r>
-            <a:r>
-              <a:rPr lang="ru-RU" sz="2400" dirty="0">
-                <a:latin typeface="Times New Roman" panose="02020603050405020304" pitchFamily="18" charset="0"/>
-                <a:cs typeface="Times New Roman" panose="02020603050405020304" pitchFamily="18" charset="0"/>
-              </a:rPr>
-              <a:t>-приложения </a:t>
-            </a:r>
-            <a:r>
-              <a:rPr lang="ru-RU" sz="2400" dirty="0" err="1">
-                <a:latin typeface="Times New Roman" panose="02020603050405020304" pitchFamily="18" charset="0"/>
-                <a:cs typeface="Times New Roman" panose="02020603050405020304" pitchFamily="18" charset="0"/>
-              </a:rPr>
-              <a:t>comwpc</a:t>
-            </a:r>
-            <a:r>
-              <a:rPr lang="ru-RU" sz="2400" dirty="0">
-                <a:latin typeface="Times New Roman" panose="02020603050405020304" pitchFamily="18" charset="0"/>
-                <a:cs typeface="Times New Roman" panose="02020603050405020304" pitchFamily="18" charset="0"/>
-              </a:rPr>
-              <a:t> и тестирование работоспособности созданных программных средств.</a:t>
-            </a:r>
-          </a:p>
-        </p:txBody>
-      </p:sp>
-      <p:sp>
-        <p:nvSpPr>
-          <p:cNvPr id="2" name="Номер слайда 1">
-            <a:extLst>
-              <a:ext uri="{FF2B5EF4-FFF2-40B4-BE49-F238E27FC236}">
-                <a16:creationId xmlns:a16="http://schemas.microsoft.com/office/drawing/2014/main" id="{7FB0AEA9-13B1-BB11-3C6E-1CCA91B1B681}"/>
-              </a:ext>
-            </a:extLst>
-          </p:cNvPr>
-          <p:cNvSpPr>
-            <a:spLocks noGrp="1"/>
-          </p:cNvSpPr>
-          <p:nvPr>
-            <p:ph type="sldNum" sz="quarter" idx="12"/>
-          </p:nvPr>
-        </p:nvSpPr>
-        <p:spPr/>
-        <p:txBody>
-          <a:bodyPr/>
-          <a:lstStyle/>
-          <a:p>
-            <a:fld id="{5552E39F-73D0-4A16-9BC8-08DD5BB183DF}" type="slidenum">
-              <a:rPr lang="ru-RU" smtClean="0"/>
-              <a:t>10</a:t>
-            </a:fld>
-            <a:endParaRPr lang="ru-RU"/>
-          </a:p>
-        </p:txBody>
-      </p:sp>
-      <p:sp>
-        <p:nvSpPr>
-          <p:cNvPr id="3" name="Заголовок 1">
-            <a:extLst>
-              <a:ext uri="{FF2B5EF4-FFF2-40B4-BE49-F238E27FC236}">
-                <a16:creationId xmlns:a16="http://schemas.microsoft.com/office/drawing/2014/main" id="{CAFED0E2-96AF-82DE-BF2F-7838CBB4B992}"/>
-              </a:ext>
-            </a:extLst>
-          </p:cNvPr>
-          <p:cNvSpPr txBox="1">
-            <a:spLocks/>
-          </p:cNvSpPr>
-          <p:nvPr/>
-        </p:nvSpPr>
-        <p:spPr>
-          <a:xfrm>
-            <a:off x="346591" y="147767"/>
-            <a:ext cx="11498817" cy="1046920"/>
+            <a:off x="8120761" y="752570"/>
+            <a:ext cx="2724530" cy="4706529"/>
           </a:xfrm>
           <a:prstGeom prst="rect">
             <a:avLst/>
           </a:prstGeom>
         </p:spPr>
-        <p:txBody>
-          <a:bodyPr vert="horz" lIns="91440" tIns="45720" rIns="91440" bIns="45720" rtlCol="0" anchor="t">
-            <a:normAutofit fontScale="97500"/>
-          </a:bodyPr>
-          <a:lstStyle>
-            <a:lvl1pPr algn="l" defTabSz="457200" rtl="0" eaLnBrk="1" latinLnBrk="0" hangingPunct="1">
-              <a:spcBef>
-                <a:spcPct val="0"/>
-              </a:spcBef>
-              <a:buNone/>
-              <a:defRPr sz="3600" kern="1200">
-                <a:solidFill>
-                  <a:schemeClr val="accent1"/>
-                </a:solidFill>
-                <a:latin typeface="+mj-lt"/>
-                <a:ea typeface="+mj-ea"/>
-                <a:cs typeface="+mj-cs"/>
-              </a:defRPr>
-            </a:lvl1pPr>
-            <a:lvl2pPr eaLnBrk="1" hangingPunct="1">
-              <a:defRPr>
-                <a:solidFill>
-                  <a:schemeClr val="tx2"/>
-                </a:solidFill>
-              </a:defRPr>
-            </a:lvl2pPr>
-            <a:lvl3pPr eaLnBrk="1" hangingPunct="1">
-              <a:defRPr>
-                <a:solidFill>
-                  <a:schemeClr val="tx2"/>
-                </a:solidFill>
-              </a:defRPr>
-            </a:lvl3pPr>
-            <a:lvl4pPr eaLnBrk="1" hangingPunct="1">
-              <a:defRPr>
-                <a:solidFill>
-                  <a:schemeClr val="tx2"/>
-                </a:solidFill>
-              </a:defRPr>
-            </a:lvl4pPr>
-            <a:lvl5pPr eaLnBrk="1" hangingPunct="1">
-              <a:defRPr>
-                <a:solidFill>
-                  <a:schemeClr val="tx2"/>
-                </a:solidFill>
-              </a:defRPr>
-            </a:lvl5pPr>
-            <a:lvl6pPr eaLnBrk="1" hangingPunct="1">
-              <a:defRPr>
-                <a:solidFill>
-                  <a:schemeClr val="tx2"/>
-                </a:solidFill>
-              </a:defRPr>
-            </a:lvl6pPr>
-            <a:lvl7pPr eaLnBrk="1" hangingPunct="1">
-              <a:defRPr>
-                <a:solidFill>
-                  <a:schemeClr val="tx2"/>
-                </a:solidFill>
-              </a:defRPr>
-            </a:lvl7pPr>
-            <a:lvl8pPr eaLnBrk="1" hangingPunct="1">
-              <a:defRPr>
-                <a:solidFill>
-                  <a:schemeClr val="tx2"/>
-                </a:solidFill>
-              </a:defRPr>
-            </a:lvl8pPr>
-            <a:lvl9pPr eaLnBrk="1" hangingPunct="1">
-              <a:defRPr>
-                <a:solidFill>
-                  <a:schemeClr val="tx2"/>
-                </a:solidFill>
-              </a:defRPr>
-            </a:lvl9pPr>
-          </a:lstStyle>
-          <a:p>
-            <a:r>
-              <a:rPr lang="ru-RU" sz="2600" b="1" dirty="0">
-                <a:solidFill>
-                  <a:schemeClr val="tx1"/>
-                </a:solidFill>
-                <a:latin typeface="Times New Roman" panose="02020603050405020304" pitchFamily="18" charset="0"/>
-                <a:cs typeface="Times New Roman" panose="02020603050405020304" pitchFamily="18" charset="0"/>
-              </a:rPr>
-              <a:t>Дальнейшие планы</a:t>
-            </a:r>
-          </a:p>
-          <a:p>
-            <a:r>
-              <a:rPr lang="ru-RU" sz="2700" b="1" dirty="0">
-                <a:solidFill>
-                  <a:schemeClr val="tx1"/>
-                </a:solidFill>
-                <a:latin typeface="Times New Roman" panose="02020603050405020304" pitchFamily="18" charset="0"/>
-                <a:cs typeface="Times New Roman" panose="02020603050405020304" pitchFamily="18" charset="0"/>
-              </a:rPr>
-              <a:t> </a:t>
-            </a:r>
-          </a:p>
-          <a:p>
-            <a:endParaRPr lang="ru-RU" sz="2700" b="1" dirty="0">
-              <a:solidFill>
-                <a:schemeClr val="tx1"/>
-              </a:solidFill>
-              <a:latin typeface="Times New Roman" panose="02020603050405020304" pitchFamily="18" charset="0"/>
-              <a:cs typeface="Times New Roman" panose="02020603050405020304" pitchFamily="18" charset="0"/>
-            </a:endParaRPr>
-          </a:p>
-          <a:p>
-            <a:endParaRPr lang="ru-RU" sz="2500" b="1" dirty="0">
-              <a:solidFill>
-                <a:schemeClr val="tx1"/>
-              </a:solidFill>
-              <a:latin typeface="Times New Roman" panose="02020603050405020304" pitchFamily="18" charset="0"/>
-              <a:cs typeface="Times New Roman" panose="02020603050405020304" pitchFamily="18" charset="0"/>
-            </a:endParaRPr>
-          </a:p>
-        </p:txBody>
-      </p:sp>
+      </p:pic>
     </p:spTree>
     <p:extLst>
       <p:ext uri="{BB962C8B-B14F-4D97-AF65-F5344CB8AC3E}">
-        <p14:creationId xmlns:p14="http://schemas.microsoft.com/office/powerpoint/2010/main" val="2236620265"/>
-      </p:ext>
-    </p:extLst>
-  </p:cSld>
-  <p:clrMapOvr>
-    <a:masterClrMapping/>
-  </p:clrMapOvr>
-</p:sld>
-</file>
-
-<file path=ppt/slides/slide12.xml><?xml version="1.0" encoding="utf-8"?>
-<p:sld xmlns:a="http://schemas.openxmlformats.org/drawingml/2006/main" xmlns:r="http://schemas.openxmlformats.org/officeDocument/2006/relationships" xmlns:p="http://schemas.openxmlformats.org/presentationml/2006/main">
-  <p:cSld>
-    <p:spTree>
-      <p:nvGrpSpPr>
-        <p:cNvPr id="1" name=""/>
-        <p:cNvGrpSpPr/>
-        <p:nvPr/>
-      </p:nvGrpSpPr>
-      <p:grpSpPr>
-        <a:xfrm>
-          <a:off x="0" y="0"/>
-          <a:ext cx="0" cy="0"/>
-          <a:chOff x="0" y="0"/>
-          <a:chExt cx="0" cy="0"/>
-        </a:xfrm>
-      </p:grpSpPr>
-      <p:sp>
-        <p:nvSpPr>
-          <p:cNvPr id="5" name="Объект 2">
-            <a:extLst>
-              <a:ext uri="{FF2B5EF4-FFF2-40B4-BE49-F238E27FC236}">
-                <a16:creationId xmlns:a16="http://schemas.microsoft.com/office/drawing/2014/main" id="{55A50336-E84D-AD90-D45D-744D2CC6BCC6}"/>
-              </a:ext>
-            </a:extLst>
-          </p:cNvPr>
-          <p:cNvSpPr>
-            <a:spLocks noGrp="1"/>
-          </p:cNvSpPr>
-          <p:nvPr>
-            <p:ph idx="4294967295"/>
-          </p:nvPr>
-        </p:nvSpPr>
-        <p:spPr>
-          <a:xfrm>
-            <a:off x="346591" y="1535806"/>
-            <a:ext cx="11498817" cy="3786387"/>
-          </a:xfrm>
-        </p:spPr>
-        <p:txBody>
-          <a:bodyPr>
-            <a:normAutofit/>
-          </a:bodyPr>
-          <a:lstStyle/>
-          <a:p>
-            <a:pPr marL="0" indent="0" algn="just">
-              <a:buNone/>
-            </a:pPr>
-            <a:r>
-              <a:rPr lang="en-US" sz="2400" dirty="0">
-                <a:latin typeface="Times New Roman" panose="02020603050405020304" pitchFamily="18" charset="0"/>
-                <a:cs typeface="Times New Roman" panose="02020603050405020304" pitchFamily="18" charset="0"/>
-              </a:rPr>
-              <a:t>[1] </a:t>
-            </a:r>
-            <a:r>
-              <a:rPr lang="ru-RU" sz="2400" dirty="0">
-                <a:latin typeface="Times New Roman" panose="02020603050405020304" pitchFamily="18" charset="0"/>
-                <a:cs typeface="Times New Roman" panose="02020603050405020304" pitchFamily="18" charset="0"/>
-              </a:rPr>
-              <a:t>Лукьянов Д. В. Разработка графического пользовательского интерфейса // Новые информационные технологии в автоматизированных системах. 2012</a:t>
-            </a:r>
-            <a:endParaRPr lang="en-US" sz="2400" dirty="0">
-              <a:latin typeface="Times New Roman" panose="02020603050405020304" pitchFamily="18" charset="0"/>
-              <a:cs typeface="Times New Roman" panose="02020603050405020304" pitchFamily="18" charset="0"/>
-            </a:endParaRPr>
-          </a:p>
-          <a:p>
-            <a:pPr marL="0" indent="0" algn="just">
-              <a:buNone/>
-            </a:pPr>
-            <a:r>
-              <a:rPr lang="en-US" sz="2400" dirty="0">
-                <a:latin typeface="Times New Roman" panose="02020603050405020304" pitchFamily="18" charset="0"/>
-                <a:cs typeface="Times New Roman" panose="02020603050405020304" pitchFamily="18" charset="0"/>
-              </a:rPr>
-              <a:t>[2] </a:t>
-            </a:r>
-            <a:r>
-              <a:rPr lang="ru-RU" sz="2400" dirty="0" err="1">
-                <a:latin typeface="Times New Roman" panose="02020603050405020304" pitchFamily="18" charset="0"/>
-                <a:cs typeface="Times New Roman" panose="02020603050405020304" pitchFamily="18" charset="0"/>
-              </a:rPr>
-              <a:t>Санковский</a:t>
-            </a:r>
-            <a:r>
-              <a:rPr lang="ru-RU" sz="2400" dirty="0">
-                <a:latin typeface="Times New Roman" panose="02020603050405020304" pitchFamily="18" charset="0"/>
-                <a:cs typeface="Times New Roman" panose="02020603050405020304" pitchFamily="18" charset="0"/>
-              </a:rPr>
-              <a:t> Ю.Е. Метод построения оконного интерфейса пользователя на основе моделирования пользовательских целей. 1998</a:t>
-            </a:r>
-          </a:p>
-          <a:p>
-            <a:pPr marL="0" indent="0" algn="just">
-              <a:buNone/>
-            </a:pPr>
-            <a:r>
-              <a:rPr lang="en-US" sz="2400" dirty="0">
-                <a:latin typeface="Times New Roman" panose="02020603050405020304" pitchFamily="18" charset="0"/>
-                <a:cs typeface="Times New Roman" panose="02020603050405020304" pitchFamily="18" charset="0"/>
-              </a:rPr>
-              <a:t>[3] </a:t>
-            </a:r>
-            <a:r>
-              <a:rPr lang="ru-RU" sz="2400" dirty="0">
-                <a:latin typeface="Times New Roman" panose="02020603050405020304" pitchFamily="18" charset="0"/>
-                <a:cs typeface="Times New Roman" panose="02020603050405020304" pitchFamily="18" charset="0"/>
-              </a:rPr>
-              <a:t>Казаков Г.В., </a:t>
-            </a:r>
-            <a:r>
-              <a:rPr lang="ru-RU" sz="2400" dirty="0" err="1">
-                <a:latin typeface="Times New Roman" panose="02020603050405020304" pitchFamily="18" charset="0"/>
-                <a:cs typeface="Times New Roman" panose="02020603050405020304" pitchFamily="18" charset="0"/>
-              </a:rPr>
-              <a:t>Корянов</a:t>
-            </a:r>
-            <a:r>
-              <a:rPr lang="ru-RU" sz="2400" dirty="0">
-                <a:latin typeface="Times New Roman" panose="02020603050405020304" pitchFamily="18" charset="0"/>
-                <a:cs typeface="Times New Roman" panose="02020603050405020304" pitchFamily="18" charset="0"/>
-              </a:rPr>
-              <a:t> В.В., </a:t>
-            </a:r>
-            <a:r>
-              <a:rPr lang="ru-RU" sz="2400" dirty="0" err="1">
-                <a:latin typeface="Times New Roman" panose="02020603050405020304" pitchFamily="18" charset="0"/>
-                <a:cs typeface="Times New Roman" panose="02020603050405020304" pitchFamily="18" charset="0"/>
-              </a:rPr>
-              <a:t>Чемирисов</a:t>
-            </a:r>
-            <a:r>
-              <a:rPr lang="ru-RU" sz="2400" dirty="0">
-                <a:latin typeface="Times New Roman" panose="02020603050405020304" pitchFamily="18" charset="0"/>
-                <a:cs typeface="Times New Roman" panose="02020603050405020304" pitchFamily="18" charset="0"/>
-              </a:rPr>
-              <a:t> В.В., Уваров А.В. Методический подход к созданию универсального пользовательского интерфейса // Наука и инновации. 2020. №11.</a:t>
-            </a:r>
-            <a:endParaRPr lang="en-US" sz="2400" dirty="0">
-              <a:latin typeface="Times New Roman" panose="02020603050405020304" pitchFamily="18" charset="0"/>
-              <a:cs typeface="Times New Roman" panose="02020603050405020304" pitchFamily="18" charset="0"/>
-            </a:endParaRPr>
-          </a:p>
-          <a:p>
-            <a:pPr marL="0" indent="0" algn="just">
-              <a:buNone/>
-            </a:pPr>
-            <a:r>
-              <a:rPr lang="en-US" sz="2400" dirty="0">
-                <a:latin typeface="Times New Roman" panose="02020603050405020304" pitchFamily="18" charset="0"/>
-                <a:cs typeface="Times New Roman" panose="02020603050405020304" pitchFamily="18" charset="0"/>
-              </a:rPr>
-              <a:t>[4] </a:t>
-            </a:r>
-            <a:r>
-              <a:rPr lang="ru-RU" sz="2400" dirty="0">
-                <a:latin typeface="Times New Roman" panose="02020603050405020304" pitchFamily="18" charset="0"/>
-                <a:cs typeface="Times New Roman" panose="02020603050405020304" pitchFamily="18" charset="0"/>
-              </a:rPr>
-              <a:t>Юркин В.А., </a:t>
-            </a:r>
-            <a:r>
-              <a:rPr lang="ru-RU" sz="2400" dirty="0" err="1">
-                <a:latin typeface="Times New Roman" panose="02020603050405020304" pitchFamily="18" charset="0"/>
-                <a:cs typeface="Times New Roman" panose="02020603050405020304" pitchFamily="18" charset="0"/>
-              </a:rPr>
-              <a:t>Сараджишвили</a:t>
-            </a:r>
-            <a:r>
-              <a:rPr lang="ru-RU" sz="2400" dirty="0">
-                <a:latin typeface="Times New Roman" panose="02020603050405020304" pitchFamily="18" charset="0"/>
-                <a:cs typeface="Times New Roman" panose="02020603050405020304" pitchFamily="18" charset="0"/>
-              </a:rPr>
-              <a:t> С.Э. Построение пользовательского интерфейса с использованием интерактивного машинного обучения // СОВРЕМЕННАЯ НАУКА: АКТУАЛЬНЫЕ ПРОБЛЕМЫ ТЕОРИИ И ПРАКТИКИ. 2020. №3.</a:t>
-            </a:r>
-            <a:endParaRPr lang="en-US" sz="2400" dirty="0">
-              <a:latin typeface="Times New Roman" panose="02020603050405020304" pitchFamily="18" charset="0"/>
-              <a:cs typeface="Times New Roman" panose="02020603050405020304" pitchFamily="18" charset="0"/>
-            </a:endParaRPr>
-          </a:p>
-          <a:p>
-            <a:pPr marL="0" indent="0" algn="just">
-              <a:buNone/>
-            </a:pPr>
-            <a:endParaRPr lang="en-US" sz="2400" dirty="0">
-              <a:latin typeface="Times New Roman" panose="02020603050405020304" pitchFamily="18" charset="0"/>
-              <a:cs typeface="Times New Roman" panose="02020603050405020304" pitchFamily="18" charset="0"/>
-            </a:endParaRPr>
-          </a:p>
-        </p:txBody>
-      </p:sp>
-      <p:sp>
-        <p:nvSpPr>
-          <p:cNvPr id="2" name="Номер слайда 1">
-            <a:extLst>
-              <a:ext uri="{FF2B5EF4-FFF2-40B4-BE49-F238E27FC236}">
-                <a16:creationId xmlns:a16="http://schemas.microsoft.com/office/drawing/2014/main" id="{7FB0AEA9-13B1-BB11-3C6E-1CCA91B1B681}"/>
-              </a:ext>
-            </a:extLst>
-          </p:cNvPr>
-          <p:cNvSpPr>
-            <a:spLocks noGrp="1"/>
-          </p:cNvSpPr>
-          <p:nvPr>
-            <p:ph type="sldNum" sz="quarter" idx="12"/>
-          </p:nvPr>
-        </p:nvSpPr>
-        <p:spPr/>
-        <p:txBody>
-          <a:bodyPr/>
-          <a:lstStyle/>
-          <a:p>
-            <a:fld id="{5552E39F-73D0-4A16-9BC8-08DD5BB183DF}" type="slidenum">
-              <a:rPr lang="ru-RU" smtClean="0"/>
-              <a:t>11</a:t>
-            </a:fld>
-            <a:endParaRPr lang="ru-RU"/>
-          </a:p>
-        </p:txBody>
-      </p:sp>
-      <p:sp>
-        <p:nvSpPr>
-          <p:cNvPr id="3" name="Заголовок 1">
-            <a:extLst>
-              <a:ext uri="{FF2B5EF4-FFF2-40B4-BE49-F238E27FC236}">
-                <a16:creationId xmlns:a16="http://schemas.microsoft.com/office/drawing/2014/main" id="{CAFED0E2-96AF-82DE-BF2F-7838CBB4B992}"/>
-              </a:ext>
-            </a:extLst>
-          </p:cNvPr>
-          <p:cNvSpPr txBox="1">
-            <a:spLocks/>
-          </p:cNvSpPr>
-          <p:nvPr/>
-        </p:nvSpPr>
-        <p:spPr>
-          <a:xfrm>
-            <a:off x="346591" y="147767"/>
-            <a:ext cx="11498817" cy="1046920"/>
-          </a:xfrm>
-          <a:prstGeom prst="rect">
-            <a:avLst/>
-          </a:prstGeom>
-        </p:spPr>
-        <p:txBody>
-          <a:bodyPr vert="horz" lIns="91440" tIns="45720" rIns="91440" bIns="45720" rtlCol="0" anchor="t">
-            <a:normAutofit fontScale="97500"/>
-          </a:bodyPr>
-          <a:lstStyle>
-            <a:lvl1pPr algn="l" defTabSz="457200" rtl="0" eaLnBrk="1" latinLnBrk="0" hangingPunct="1">
-              <a:spcBef>
-                <a:spcPct val="0"/>
-              </a:spcBef>
-              <a:buNone/>
-              <a:defRPr sz="3600" kern="1200">
-                <a:solidFill>
-                  <a:schemeClr val="accent1"/>
-                </a:solidFill>
-                <a:latin typeface="+mj-lt"/>
-                <a:ea typeface="+mj-ea"/>
-                <a:cs typeface="+mj-cs"/>
-              </a:defRPr>
-            </a:lvl1pPr>
-            <a:lvl2pPr eaLnBrk="1" hangingPunct="1">
-              <a:defRPr>
-                <a:solidFill>
-                  <a:schemeClr val="tx2"/>
-                </a:solidFill>
-              </a:defRPr>
-            </a:lvl2pPr>
-            <a:lvl3pPr eaLnBrk="1" hangingPunct="1">
-              <a:defRPr>
-                <a:solidFill>
-                  <a:schemeClr val="tx2"/>
-                </a:solidFill>
-              </a:defRPr>
-            </a:lvl3pPr>
-            <a:lvl4pPr eaLnBrk="1" hangingPunct="1">
-              <a:defRPr>
-                <a:solidFill>
-                  <a:schemeClr val="tx2"/>
-                </a:solidFill>
-              </a:defRPr>
-            </a:lvl4pPr>
-            <a:lvl5pPr eaLnBrk="1" hangingPunct="1">
-              <a:defRPr>
-                <a:solidFill>
-                  <a:schemeClr val="tx2"/>
-                </a:solidFill>
-              </a:defRPr>
-            </a:lvl5pPr>
-            <a:lvl6pPr eaLnBrk="1" hangingPunct="1">
-              <a:defRPr>
-                <a:solidFill>
-                  <a:schemeClr val="tx2"/>
-                </a:solidFill>
-              </a:defRPr>
-            </a:lvl6pPr>
-            <a:lvl7pPr eaLnBrk="1" hangingPunct="1">
-              <a:defRPr>
-                <a:solidFill>
-                  <a:schemeClr val="tx2"/>
-                </a:solidFill>
-              </a:defRPr>
-            </a:lvl7pPr>
-            <a:lvl8pPr eaLnBrk="1" hangingPunct="1">
-              <a:defRPr>
-                <a:solidFill>
-                  <a:schemeClr val="tx2"/>
-                </a:solidFill>
-              </a:defRPr>
-            </a:lvl8pPr>
-            <a:lvl9pPr eaLnBrk="1" hangingPunct="1">
-              <a:defRPr>
-                <a:solidFill>
-                  <a:schemeClr val="tx2"/>
-                </a:solidFill>
-              </a:defRPr>
-            </a:lvl9pPr>
-          </a:lstStyle>
-          <a:p>
-            <a:r>
-              <a:rPr lang="ru-RU" sz="2600" b="1" dirty="0">
-                <a:solidFill>
-                  <a:schemeClr val="tx1"/>
-                </a:solidFill>
-                <a:latin typeface="Times New Roman" panose="02020603050405020304" pitchFamily="18" charset="0"/>
-                <a:cs typeface="Times New Roman" panose="02020603050405020304" pitchFamily="18" charset="0"/>
-              </a:rPr>
-              <a:t>Список литературы</a:t>
-            </a:r>
-          </a:p>
-          <a:p>
-            <a:r>
-              <a:rPr lang="ru-RU" sz="2700" b="1" dirty="0">
-                <a:solidFill>
-                  <a:schemeClr val="tx1"/>
-                </a:solidFill>
-                <a:latin typeface="Times New Roman" panose="02020603050405020304" pitchFamily="18" charset="0"/>
-                <a:cs typeface="Times New Roman" panose="02020603050405020304" pitchFamily="18" charset="0"/>
-              </a:rPr>
-              <a:t> </a:t>
-            </a:r>
-          </a:p>
-          <a:p>
-            <a:endParaRPr lang="ru-RU" sz="2700" b="1" dirty="0">
-              <a:solidFill>
-                <a:schemeClr val="tx1"/>
-              </a:solidFill>
-              <a:latin typeface="Times New Roman" panose="02020603050405020304" pitchFamily="18" charset="0"/>
-              <a:cs typeface="Times New Roman" panose="02020603050405020304" pitchFamily="18" charset="0"/>
-            </a:endParaRPr>
-          </a:p>
-          <a:p>
-            <a:endParaRPr lang="ru-RU" sz="2500" b="1" dirty="0">
-              <a:solidFill>
-                <a:schemeClr val="tx1"/>
-              </a:solidFill>
-              <a:latin typeface="Times New Roman" panose="02020603050405020304" pitchFamily="18" charset="0"/>
-              <a:cs typeface="Times New Roman" panose="02020603050405020304" pitchFamily="18" charset="0"/>
-            </a:endParaRPr>
-          </a:p>
-        </p:txBody>
-      </p:sp>
-    </p:spTree>
-    <p:extLst>
-      <p:ext uri="{BB962C8B-B14F-4D97-AF65-F5344CB8AC3E}">
-        <p14:creationId xmlns:p14="http://schemas.microsoft.com/office/powerpoint/2010/main" val="2100443327"/>
+        <p14:creationId xmlns:p14="http://schemas.microsoft.com/office/powerpoint/2010/main" val="1028294093"/>
       </p:ext>
     </p:extLst>
   </p:cSld>
@@ -5242,29 +4604,121 @@
             </a:r>
           </a:p>
           <a:p>
+            <a:pPr lvl="1" algn="just"/>
+            <a:r>
+              <a:rPr lang="ru-RU" dirty="0">
+                <a:latin typeface="Times New Roman" panose="02020603050405020304" pitchFamily="18" charset="0"/>
+                <a:cs typeface="Times New Roman" panose="02020603050405020304" pitchFamily="18" charset="0"/>
+              </a:rPr>
+              <a:t>Цель и задачи.</a:t>
+            </a:r>
+          </a:p>
+          <a:p>
+            <a:pPr lvl="1" algn="just"/>
+            <a:r>
+              <a:rPr lang="ru-RU" dirty="0">
+                <a:latin typeface="Times New Roman" panose="02020603050405020304" pitchFamily="18" charset="0"/>
+                <a:cs typeface="Times New Roman" panose="02020603050405020304" pitchFamily="18" charset="0"/>
+              </a:rPr>
+              <a:t>Базовый принцип генерации </a:t>
+            </a:r>
+            <a:r>
+              <a:rPr lang="en-US" dirty="0">
+                <a:latin typeface="Times New Roman" panose="02020603050405020304" pitchFamily="18" charset="0"/>
+                <a:cs typeface="Times New Roman" panose="02020603050405020304" pitchFamily="18" charset="0"/>
+              </a:rPr>
+              <a:t>GUI</a:t>
+            </a:r>
+            <a:r>
+              <a:rPr lang="ru-RU" dirty="0">
+                <a:latin typeface="Times New Roman" panose="02020603050405020304" pitchFamily="18" charset="0"/>
+                <a:cs typeface="Times New Roman" panose="02020603050405020304" pitchFamily="18" charset="0"/>
+              </a:rPr>
+              <a:t>.</a:t>
+            </a:r>
+          </a:p>
+          <a:p>
             <a:pPr algn="just"/>
             <a:r>
               <a:rPr lang="ru-RU" sz="2400" dirty="0">
                 <a:latin typeface="Times New Roman" panose="02020603050405020304" pitchFamily="18" charset="0"/>
                 <a:cs typeface="Times New Roman" panose="02020603050405020304" pitchFamily="18" charset="0"/>
               </a:rPr>
+              <a:t>Программная реализация.</a:t>
+            </a:r>
+          </a:p>
+          <a:p>
+            <a:pPr lvl="1" algn="just"/>
+            <a:r>
+              <a:rPr lang="ru-RU" dirty="0">
+                <a:latin typeface="Times New Roman" panose="02020603050405020304" pitchFamily="18" charset="0"/>
+                <a:cs typeface="Times New Roman" panose="02020603050405020304" pitchFamily="18" charset="0"/>
+              </a:rPr>
               <a:t>Разработка тестового </a:t>
             </a:r>
             <a:r>
-              <a:rPr lang="en-US" sz="2400" dirty="0">
+              <a:rPr lang="en-US" dirty="0">
                 <a:latin typeface="Times New Roman" panose="02020603050405020304" pitchFamily="18" charset="0"/>
                 <a:cs typeface="Times New Roman" panose="02020603050405020304" pitchFamily="18" charset="0"/>
               </a:rPr>
               <a:t>web-</a:t>
             </a:r>
             <a:r>
-              <a:rPr lang="ru-RU" sz="2400" dirty="0">
+              <a:rPr lang="ru-RU" dirty="0">
                 <a:latin typeface="Times New Roman" panose="02020603050405020304" pitchFamily="18" charset="0"/>
                 <a:cs typeface="Times New Roman" panose="02020603050405020304" pitchFamily="18" charset="0"/>
               </a:rPr>
               <a:t>приложения.</a:t>
             </a:r>
-            <a:endParaRPr lang="en-US" sz="2400" dirty="0">
+          </a:p>
+          <a:p>
+            <a:pPr lvl="1" algn="just"/>
+            <a:r>
+              <a:rPr lang="ru-RU" dirty="0">
+                <a:latin typeface="Times New Roman" panose="02020603050405020304" pitchFamily="18" charset="0"/>
+                <a:cs typeface="Times New Roman" panose="02020603050405020304" pitchFamily="18" charset="0"/>
+              </a:rPr>
+              <a:t>Особенности генерации GUI на основе </a:t>
+            </a:r>
+            <a:r>
+              <a:rPr lang="ru-RU" dirty="0" err="1">
+                <a:latin typeface="Times New Roman" panose="02020603050405020304" pitchFamily="18" charset="0"/>
+                <a:cs typeface="Times New Roman" panose="02020603050405020304" pitchFamily="18" charset="0"/>
+              </a:rPr>
+              <a:t>aINI</a:t>
+            </a:r>
+            <a:r>
+              <a:rPr lang="ru-RU" dirty="0">
+                <a:latin typeface="Times New Roman" panose="02020603050405020304" pitchFamily="18" charset="0"/>
+                <a:cs typeface="Times New Roman" panose="02020603050405020304" pitchFamily="18" charset="0"/>
+              </a:rPr>
+              <a:t>.</a:t>
+            </a:r>
+          </a:p>
+          <a:p>
+            <a:pPr lvl="1" algn="just"/>
+            <a:r>
+              <a:rPr lang="ru-RU" dirty="0">
+                <a:latin typeface="Times New Roman" panose="02020603050405020304" pitchFamily="18" charset="0"/>
+                <a:cs typeface="Times New Roman" panose="02020603050405020304" pitchFamily="18" charset="0"/>
+              </a:rPr>
+              <a:t>Пример генерации GUI на основе </a:t>
+            </a:r>
+            <a:r>
+              <a:rPr lang="ru-RU" dirty="0" err="1">
+                <a:latin typeface="Times New Roman" panose="02020603050405020304" pitchFamily="18" charset="0"/>
+                <a:cs typeface="Times New Roman" panose="02020603050405020304" pitchFamily="18" charset="0"/>
+              </a:rPr>
+              <a:t>aINI</a:t>
+            </a:r>
+            <a:r>
+              <a:rPr lang="ru-RU" dirty="0">
+                <a:latin typeface="Times New Roman" panose="02020603050405020304" pitchFamily="18" charset="0"/>
+                <a:cs typeface="Times New Roman" panose="02020603050405020304" pitchFamily="18" charset="0"/>
+              </a:rPr>
+              <a:t>. </a:t>
+            </a:r>
+            <a:endParaRPr lang="en-US" dirty="0">
               <a:latin typeface="Times New Roman" panose="02020603050405020304" pitchFamily="18" charset="0"/>
               <a:cs typeface="Times New Roman" panose="02020603050405020304" pitchFamily="18" charset="0"/>
             </a:endParaRPr>
@@ -5292,44 +4746,6 @@
               </a:rPr>
               <a:t>-приложения на тестовом сервере.</a:t>
             </a:r>
-          </a:p>
-          <a:p>
-            <a:pPr algn="just"/>
-            <a:r>
-              <a:rPr lang="ru-RU" sz="2400" dirty="0">
-                <a:latin typeface="Times New Roman" panose="02020603050405020304" pitchFamily="18" charset="0"/>
-                <a:cs typeface="Times New Roman" panose="02020603050405020304" pitchFamily="18" charset="0"/>
-              </a:rPr>
-              <a:t>Дальнейшие планы</a:t>
-            </a:r>
-            <a:r>
-              <a:rPr lang="en-US" sz="2400" dirty="0">
-                <a:latin typeface="Times New Roman" panose="02020603050405020304" pitchFamily="18" charset="0"/>
-                <a:cs typeface="Times New Roman" panose="02020603050405020304" pitchFamily="18" charset="0"/>
-              </a:rPr>
-              <a:t>.</a:t>
-            </a:r>
-            <a:endParaRPr lang="ru-RU" sz="2400" dirty="0">
-              <a:latin typeface="Times New Roman" panose="02020603050405020304" pitchFamily="18" charset="0"/>
-              <a:cs typeface="Times New Roman" panose="02020603050405020304" pitchFamily="18" charset="0"/>
-            </a:endParaRPr>
-          </a:p>
-          <a:p>
-            <a:pPr algn="just"/>
-            <a:r>
-              <a:rPr lang="ru-RU" sz="2400" dirty="0">
-                <a:latin typeface="Times New Roman" panose="02020603050405020304" pitchFamily="18" charset="0"/>
-                <a:cs typeface="Times New Roman" panose="02020603050405020304" pitchFamily="18" charset="0"/>
-              </a:rPr>
-              <a:t>Список литературы.</a:t>
-            </a:r>
-          </a:p>
-          <a:p>
-            <a:pPr algn="just"/>
-            <a:endParaRPr lang="ru-RU" sz="2400" dirty="0">
-              <a:latin typeface="Times New Roman" panose="02020603050405020304" pitchFamily="18" charset="0"/>
-              <a:cs typeface="Times New Roman" panose="02020603050405020304" pitchFamily="18" charset="0"/>
-            </a:endParaRPr>
           </a:p>
           <a:p>
             <a:pPr algn="just"/>
@@ -5377,610 +4793,474 @@
           <a:chExt cx="0" cy="0"/>
         </a:xfrm>
       </p:grpSpPr>
-      <mc:AlternateContent xmlns:mc="http://schemas.openxmlformats.org/markup-compatibility/2006" xmlns:a14="http://schemas.microsoft.com/office/drawing/2010/main">
-        <mc:Choice Requires="a14">
-          <p:sp>
-            <p:nvSpPr>
-              <p:cNvPr id="3" name="Объект 2">
-                <a:extLst>
-                  <a:ext uri="{FF2B5EF4-FFF2-40B4-BE49-F238E27FC236}">
-                    <a16:creationId xmlns:a16="http://schemas.microsoft.com/office/drawing/2014/main" id="{24102B1F-A0A8-F7E5-1EE9-48E49DD46F25}"/>
-                  </a:ext>
-                </a:extLst>
-              </p:cNvPr>
-              <p:cNvSpPr>
-                <a:spLocks noGrp="1"/>
-              </p:cNvSpPr>
-              <p:nvPr>
-                <p:ph idx="4294967295"/>
-              </p:nvPr>
-            </p:nvSpPr>
-            <p:spPr>
-              <a:xfrm>
-                <a:off x="346591" y="808826"/>
-                <a:ext cx="11498817" cy="3386667"/>
-              </a:xfrm>
-            </p:spPr>
-            <p:txBody>
-              <a:bodyPr>
-                <a:normAutofit/>
-              </a:bodyPr>
-              <a:lstStyle/>
-              <a:p>
-                <a:pPr algn="just">
-                  <a:buClr>
-                    <a:schemeClr val="tx1"/>
-                  </a:buClr>
-                </a:pPr>
-                <a14:m>
-                  <m:oMath xmlns:m="http://schemas.openxmlformats.org/officeDocument/2006/math">
-                    <m:sSup>
-                      <m:sSupPr>
-                        <m:ctrlPr>
-                          <a:rPr lang="ru-RU" sz="2400" i="1" smtClean="0">
-                            <a:solidFill>
-                              <a:srgbClr val="7030A0"/>
-                            </a:solidFill>
-                            <a:latin typeface="Cambria Math" panose="02040503050406030204" pitchFamily="18" charset="0"/>
-                            <a:cs typeface="Times New Roman" panose="02020603050405020304" pitchFamily="18" charset="0"/>
-                          </a:rPr>
-                        </m:ctrlPr>
-                      </m:sSupPr>
-                      <m:e>
-                        <m:r>
-                          <a:rPr lang="ru-RU" sz="2400" i="0">
-                            <a:solidFill>
-                              <a:srgbClr val="7030A0"/>
-                            </a:solidFill>
-                            <a:latin typeface="Cambria Math" panose="02040503050406030204" pitchFamily="18" charset="0"/>
-                            <a:cs typeface="Times New Roman" panose="02020603050405020304" pitchFamily="18" charset="0"/>
-                          </a:rPr>
-                          <m:t>Интерфейс</m:t>
-                        </m:r>
-                      </m:e>
-                      <m:sup>
-                        <m:r>
-                          <a:rPr lang="ru-RU" sz="2400" b="0" i="0" smtClean="0">
-                            <a:solidFill>
-                              <a:srgbClr val="7030A0"/>
-                            </a:solidFill>
-                            <a:latin typeface="Cambria Math" panose="02040503050406030204" pitchFamily="18" charset="0"/>
-                            <a:cs typeface="Times New Roman" panose="02020603050405020304" pitchFamily="18" charset="0"/>
-                          </a:rPr>
-                          <m:t>1</m:t>
-                        </m:r>
-                      </m:sup>
-                    </m:sSup>
-                  </m:oMath>
-                </a14:m>
-                <a:r>
-                  <a:rPr lang="ru-RU" sz="2400" dirty="0">
-                    <a:latin typeface="Times New Roman" panose="02020603050405020304" pitchFamily="18" charset="0"/>
-                    <a:cs typeface="Times New Roman" panose="02020603050405020304" pitchFamily="18" charset="0"/>
-                  </a:rPr>
-                  <a:t> </a:t>
-                </a:r>
-                <a:r>
-                  <a:rPr lang="ru-RU" sz="2400" dirty="0">
-                    <a:effectLst/>
-                    <a:latin typeface="Times New Roman" panose="02020603050405020304" pitchFamily="18" charset="0"/>
-                    <a:ea typeface="Calibri" panose="020F0502020204030204" pitchFamily="34" charset="0"/>
-                    <a:cs typeface="Times New Roman" panose="02020603050405020304" pitchFamily="18" charset="0"/>
-                  </a:rPr>
-                  <a:t>— </a:t>
-                </a:r>
-                <a:r>
-                  <a:rPr lang="ru-RU" sz="2400" dirty="0">
-                    <a:latin typeface="Times New Roman" panose="02020603050405020304" pitchFamily="18" charset="0"/>
-                    <a:cs typeface="Times New Roman" panose="02020603050405020304" pitchFamily="18" charset="0"/>
-                  </a:rPr>
-                  <a:t>это совокупность средств методов и правил взаимодействия</a:t>
-                </a:r>
-                <a:r>
-                  <a:rPr lang="en-US" sz="2400" dirty="0">
-                    <a:latin typeface="Times New Roman" panose="02020603050405020304" pitchFamily="18" charset="0"/>
-                    <a:cs typeface="Times New Roman" panose="02020603050405020304" pitchFamily="18" charset="0"/>
-                  </a:rPr>
-                  <a:t> </a:t>
-                </a:r>
-                <a:r>
-                  <a:rPr lang="ru-RU" sz="2400" dirty="0">
-                    <a:latin typeface="Times New Roman" panose="02020603050405020304" pitchFamily="18" charset="0"/>
-                    <a:cs typeface="Times New Roman" panose="02020603050405020304" pitchFamily="18" charset="0"/>
-                  </a:rPr>
-                  <a:t>управления контроля и т</a:t>
-                </a:r>
-                <a:r>
-                  <a:rPr lang="en-US" sz="2400" dirty="0">
-                    <a:latin typeface="Times New Roman" panose="02020603050405020304" pitchFamily="18" charset="0"/>
-                    <a:cs typeface="Times New Roman" panose="02020603050405020304" pitchFamily="18" charset="0"/>
-                  </a:rPr>
-                  <a:t>.</a:t>
-                </a:r>
-                <a:r>
-                  <a:rPr lang="ru-RU" sz="2400" dirty="0">
-                    <a:latin typeface="Times New Roman" panose="02020603050405020304" pitchFamily="18" charset="0"/>
-                    <a:cs typeface="Times New Roman" panose="02020603050405020304" pitchFamily="18" charset="0"/>
-                  </a:rPr>
-                  <a:t>д</a:t>
-                </a:r>
-                <a:r>
-                  <a:rPr lang="en-US" sz="2400" dirty="0">
-                    <a:latin typeface="Times New Roman" panose="02020603050405020304" pitchFamily="18" charset="0"/>
-                    <a:cs typeface="Times New Roman" panose="02020603050405020304" pitchFamily="18" charset="0"/>
-                  </a:rPr>
-                  <a:t>.</a:t>
-                </a:r>
-                <a:r>
-                  <a:rPr lang="ru-RU" sz="2400" dirty="0">
-                    <a:latin typeface="Times New Roman" panose="02020603050405020304" pitchFamily="18" charset="0"/>
-                    <a:cs typeface="Times New Roman" panose="02020603050405020304" pitchFamily="18" charset="0"/>
-                  </a:rPr>
-                  <a:t> между элементами системы</a:t>
-                </a:r>
-                <a:r>
-                  <a:rPr lang="en-US" sz="2400" dirty="0">
-                    <a:latin typeface="Times New Roman" panose="02020603050405020304" pitchFamily="18" charset="0"/>
-                    <a:cs typeface="Times New Roman" panose="02020603050405020304" pitchFamily="18" charset="0"/>
-                  </a:rPr>
-                  <a:t>;</a:t>
-                </a:r>
-              </a:p>
-              <a:p>
-                <a:pPr algn="just">
-                  <a:buClr>
-                    <a:schemeClr val="tx1"/>
-                  </a:buClr>
-                </a:pPr>
-                <a14:m>
-                  <m:oMath xmlns:m="http://schemas.openxmlformats.org/officeDocument/2006/math">
-                    <m:sSup>
-                      <m:sSupPr>
-                        <m:ctrlPr>
-                          <a:rPr lang="ru-RU" sz="2400" i="1" dirty="0" smtClean="0">
-                            <a:solidFill>
-                              <a:srgbClr val="7030A0"/>
-                            </a:solidFill>
-                            <a:latin typeface="Cambria Math" panose="02040503050406030204" pitchFamily="18" charset="0"/>
-                            <a:cs typeface="Times New Roman" panose="02020603050405020304" pitchFamily="18" charset="0"/>
-                          </a:rPr>
-                        </m:ctrlPr>
-                      </m:sSupPr>
-                      <m:e>
-                        <m:r>
-                          <a:rPr lang="ru-RU" sz="2400" i="0" dirty="0">
-                            <a:solidFill>
-                              <a:srgbClr val="7030A0"/>
-                            </a:solidFill>
-                            <a:latin typeface="Cambria Math" panose="02040503050406030204" pitchFamily="18" charset="0"/>
-                            <a:cs typeface="Times New Roman" panose="02020603050405020304" pitchFamily="18" charset="0"/>
-                          </a:rPr>
-                          <m:t>Пользовательский интерфейс</m:t>
-                        </m:r>
-                      </m:e>
-                      <m:sup>
-                        <m:r>
-                          <a:rPr lang="ru-RU" sz="2400" b="0" i="0" dirty="0" smtClean="0">
-                            <a:solidFill>
-                              <a:srgbClr val="7030A0"/>
-                            </a:solidFill>
-                            <a:latin typeface="Cambria Math" panose="02040503050406030204" pitchFamily="18" charset="0"/>
-                            <a:cs typeface="Times New Roman" panose="02020603050405020304" pitchFamily="18" charset="0"/>
-                          </a:rPr>
-                          <m:t>1</m:t>
-                        </m:r>
-                      </m:sup>
-                    </m:sSup>
-                  </m:oMath>
-                </a14:m>
-                <a:r>
-                  <a:rPr lang="ru-RU" sz="2400" dirty="0">
-                    <a:effectLst/>
-                    <a:latin typeface="Times New Roman" panose="02020603050405020304" pitchFamily="18" charset="0"/>
-                    <a:ea typeface="Calibri" panose="020F0502020204030204" pitchFamily="34" charset="0"/>
-                    <a:cs typeface="Times New Roman" panose="02020603050405020304" pitchFamily="18" charset="0"/>
-                  </a:rPr>
-                  <a:t>—</a:t>
-                </a:r>
-                <a:r>
-                  <a:rPr lang="en-US" sz="2400" dirty="0">
-                    <a:effectLst/>
-                    <a:latin typeface="Times New Roman" panose="02020603050405020304" pitchFamily="18" charset="0"/>
-                    <a:ea typeface="Calibri" panose="020F0502020204030204" pitchFamily="34" charset="0"/>
-                    <a:cs typeface="Times New Roman" panose="02020603050405020304" pitchFamily="18" charset="0"/>
-                  </a:rPr>
-                  <a:t> </a:t>
-                </a:r>
-                <a:r>
-                  <a:rPr lang="ru-RU" sz="2400" dirty="0">
-                    <a:latin typeface="Times New Roman" panose="02020603050405020304" pitchFamily="18" charset="0"/>
-                    <a:cs typeface="Times New Roman" panose="02020603050405020304" pitchFamily="18" charset="0"/>
-                  </a:rPr>
-                  <a:t>это разновидность интерфейсов</a:t>
-                </a:r>
-                <a:r>
-                  <a:rPr lang="en-US" sz="2400" dirty="0">
-                    <a:latin typeface="Times New Roman" panose="02020603050405020304" pitchFamily="18" charset="0"/>
-                    <a:cs typeface="Times New Roman" panose="02020603050405020304" pitchFamily="18" charset="0"/>
-                  </a:rPr>
-                  <a:t>,</a:t>
-                </a:r>
-                <a:r>
-                  <a:rPr lang="ru-RU" sz="2400" dirty="0">
-                    <a:latin typeface="Times New Roman" panose="02020603050405020304" pitchFamily="18" charset="0"/>
-                    <a:cs typeface="Times New Roman" panose="02020603050405020304" pitchFamily="18" charset="0"/>
-                  </a:rPr>
-                  <a:t> в котором одна</a:t>
-                </a:r>
-                <a:r>
-                  <a:rPr lang="en-US" sz="2400" dirty="0">
-                    <a:latin typeface="Times New Roman" panose="02020603050405020304" pitchFamily="18" charset="0"/>
-                    <a:cs typeface="Times New Roman" panose="02020603050405020304" pitchFamily="18" charset="0"/>
-                  </a:rPr>
-                  <a:t> </a:t>
-                </a:r>
-                <a:r>
-                  <a:rPr lang="ru-RU" sz="2400" dirty="0">
-                    <a:latin typeface="Times New Roman" panose="02020603050405020304" pitchFamily="18" charset="0"/>
-                    <a:cs typeface="Times New Roman" panose="02020603050405020304" pitchFamily="18" charset="0"/>
-                  </a:rPr>
-                  <a:t>сторона представлена человеком</a:t>
-                </a:r>
-                <a:r>
-                  <a:rPr lang="en-US" sz="2400" dirty="0">
-                    <a:latin typeface="Times New Roman" panose="02020603050405020304" pitchFamily="18" charset="0"/>
-                    <a:cs typeface="Times New Roman" panose="02020603050405020304" pitchFamily="18" charset="0"/>
-                  </a:rPr>
-                  <a:t>-</a:t>
-                </a:r>
-                <a:r>
-                  <a:rPr lang="ru-RU" sz="2400" dirty="0">
-                    <a:latin typeface="Times New Roman" panose="02020603050405020304" pitchFamily="18" charset="0"/>
-                    <a:cs typeface="Times New Roman" panose="02020603050405020304" pitchFamily="18" charset="0"/>
-                  </a:rPr>
-                  <a:t>пользователем</a:t>
-                </a:r>
-                <a:r>
-                  <a:rPr lang="en-US" sz="2400" dirty="0">
-                    <a:latin typeface="Times New Roman" panose="02020603050405020304" pitchFamily="18" charset="0"/>
-                    <a:cs typeface="Times New Roman" panose="02020603050405020304" pitchFamily="18" charset="0"/>
-                  </a:rPr>
-                  <a:t>,</a:t>
-                </a:r>
-                <a:r>
-                  <a:rPr lang="ru-RU" sz="2400" dirty="0">
-                    <a:latin typeface="Times New Roman" panose="02020603050405020304" pitchFamily="18" charset="0"/>
-                    <a:cs typeface="Times New Roman" panose="02020603050405020304" pitchFamily="18" charset="0"/>
-                  </a:rPr>
-                  <a:t> другая</a:t>
-                </a:r>
-                <a:r>
-                  <a:rPr lang="en-US" sz="2400" dirty="0">
-                    <a:latin typeface="Times New Roman" panose="02020603050405020304" pitchFamily="18" charset="0"/>
-                    <a:cs typeface="Times New Roman" panose="02020603050405020304" pitchFamily="18" charset="0"/>
-                  </a:rPr>
-                  <a:t> </a:t>
-                </a:r>
-                <a:r>
-                  <a:rPr lang="ru-RU" sz="2400" dirty="0">
-                    <a:effectLst/>
-                    <a:latin typeface="Times New Roman" panose="02020603050405020304" pitchFamily="18" charset="0"/>
-                    <a:ea typeface="Calibri" panose="020F0502020204030204" pitchFamily="34" charset="0"/>
-                    <a:cs typeface="Times New Roman" panose="02020603050405020304" pitchFamily="18" charset="0"/>
-                  </a:rPr>
-                  <a:t>—</a:t>
-                </a:r>
-                <a:r>
-                  <a:rPr lang="en-US" sz="2400" dirty="0">
-                    <a:latin typeface="Times New Roman" panose="02020603050405020304" pitchFamily="18" charset="0"/>
-                    <a:cs typeface="Times New Roman" panose="02020603050405020304" pitchFamily="18" charset="0"/>
-                  </a:rPr>
-                  <a:t> </a:t>
-                </a:r>
-                <a:r>
-                  <a:rPr lang="ru-RU" sz="2400" dirty="0">
-                    <a:latin typeface="Times New Roman" panose="02020603050405020304" pitchFamily="18" charset="0"/>
-                    <a:cs typeface="Times New Roman" panose="02020603050405020304" pitchFamily="18" charset="0"/>
-                  </a:rPr>
-                  <a:t>машиной</a:t>
-                </a:r>
-                <a:r>
-                  <a:rPr lang="en-US" sz="2400" dirty="0">
-                    <a:latin typeface="Times New Roman" panose="02020603050405020304" pitchFamily="18" charset="0"/>
-                    <a:cs typeface="Times New Roman" panose="02020603050405020304" pitchFamily="18" charset="0"/>
-                  </a:rPr>
-                  <a:t>-</a:t>
-                </a:r>
-                <a:r>
-                  <a:rPr lang="ru-RU" sz="2400" dirty="0">
-                    <a:latin typeface="Times New Roman" panose="02020603050405020304" pitchFamily="18" charset="0"/>
-                    <a:cs typeface="Times New Roman" panose="02020603050405020304" pitchFamily="18" charset="0"/>
-                  </a:rPr>
-                  <a:t>устройством</a:t>
-                </a:r>
-                <a:r>
-                  <a:rPr lang="en-US" sz="2400" dirty="0">
-                    <a:latin typeface="Times New Roman" panose="02020603050405020304" pitchFamily="18" charset="0"/>
-                    <a:cs typeface="Times New Roman" panose="02020603050405020304" pitchFamily="18" charset="0"/>
-                  </a:rPr>
-                  <a:t>. </a:t>
-                </a:r>
-                <a:endParaRPr lang="ru-RU" sz="2400" dirty="0">
-                  <a:latin typeface="Times New Roman" panose="02020603050405020304" pitchFamily="18" charset="0"/>
-                  <a:cs typeface="Times New Roman" panose="02020603050405020304" pitchFamily="18" charset="0"/>
-                </a:endParaRPr>
-              </a:p>
-              <a:p>
-                <a:pPr algn="just">
-                  <a:buClr>
-                    <a:schemeClr val="tx1"/>
-                  </a:buClr>
-                </a:pPr>
-                <a14:m>
-                  <m:oMath xmlns:m="http://schemas.openxmlformats.org/officeDocument/2006/math">
-                    <m:sSup>
-                      <m:sSupPr>
-                        <m:ctrlPr>
-                          <a:rPr lang="ru-RU" sz="2400" i="1" smtClean="0">
-                            <a:latin typeface="Cambria Math" panose="02040503050406030204" pitchFamily="18" charset="0"/>
-                            <a:cs typeface="Times New Roman" panose="02020603050405020304" pitchFamily="18" charset="0"/>
-                          </a:rPr>
-                        </m:ctrlPr>
-                      </m:sSupPr>
-                      <m:e>
-                        <m:r>
-                          <m:rPr>
-                            <m:nor/>
-                          </m:rPr>
-                          <a:rPr lang="ru-RU" sz="2400" dirty="0">
-                            <a:solidFill>
-                              <a:srgbClr val="7030A0"/>
-                            </a:solidFill>
-                            <a:latin typeface="Times New Roman" panose="02020603050405020304" pitchFamily="18" charset="0"/>
-                            <a:cs typeface="Times New Roman" panose="02020603050405020304" pitchFamily="18" charset="0"/>
-                          </a:rPr>
-                          <m:t>Графический пользовательский интерфейс</m:t>
-                        </m:r>
-                      </m:e>
-                      <m:sup>
-                        <m:r>
-                          <a:rPr lang="ru-RU" sz="2400" b="0" i="0" smtClean="0">
-                            <a:latin typeface="Cambria Math" panose="02040503050406030204" pitchFamily="18" charset="0"/>
-                            <a:cs typeface="Times New Roman" panose="02020603050405020304" pitchFamily="18" charset="0"/>
-                          </a:rPr>
-                          <m:t>1</m:t>
-                        </m:r>
-                      </m:sup>
-                    </m:sSup>
-                  </m:oMath>
-                </a14:m>
-                <a:r>
-                  <a:rPr lang="ru-RU" sz="2400" dirty="0">
-                    <a:latin typeface="Times New Roman" panose="02020603050405020304" pitchFamily="18" charset="0"/>
-                    <a:cs typeface="Times New Roman" panose="02020603050405020304" pitchFamily="18" charset="0"/>
-                  </a:rPr>
-                  <a:t>(</a:t>
-                </a:r>
-                <a:r>
-                  <a:rPr lang="en-US" sz="2400" dirty="0">
-                    <a:solidFill>
-                      <a:srgbClr val="7030A0"/>
-                    </a:solidFill>
-                    <a:latin typeface="Times New Roman" panose="02020603050405020304" pitchFamily="18" charset="0"/>
-                    <a:cs typeface="Times New Roman" panose="02020603050405020304" pitchFamily="18" charset="0"/>
-                  </a:rPr>
-                  <a:t>GUI</a:t>
-                </a:r>
-                <a:r>
-                  <a:rPr lang="ru-RU" sz="2400" dirty="0">
-                    <a:latin typeface="Times New Roman" panose="02020603050405020304" pitchFamily="18" charset="0"/>
-                    <a:cs typeface="Times New Roman" panose="02020603050405020304" pitchFamily="18" charset="0"/>
-                  </a:rPr>
-                  <a:t>)</a:t>
-                </a:r>
-                <a:r>
-                  <a:rPr lang="en-US" sz="2400" dirty="0">
-                    <a:latin typeface="Times New Roman" panose="02020603050405020304" pitchFamily="18" charset="0"/>
-                    <a:cs typeface="Times New Roman" panose="02020603050405020304" pitchFamily="18" charset="0"/>
-                  </a:rPr>
-                  <a:t> </a:t>
-                </a:r>
-                <a:r>
-                  <a:rPr lang="ru-RU" sz="2400" dirty="0">
-                    <a:effectLst/>
-                    <a:latin typeface="Times New Roman" panose="02020603050405020304" pitchFamily="18" charset="0"/>
-                    <a:ea typeface="Calibri" panose="020F0502020204030204" pitchFamily="34" charset="0"/>
-                    <a:cs typeface="Times New Roman" panose="02020603050405020304" pitchFamily="18" charset="0"/>
-                  </a:rPr>
-                  <a:t>—</a:t>
-                </a:r>
-                <a:r>
-                  <a:rPr lang="en-US" sz="2400" dirty="0">
-                    <a:effectLst/>
-                    <a:latin typeface="Times New Roman" panose="02020603050405020304" pitchFamily="18" charset="0"/>
-                    <a:ea typeface="Calibri" panose="020F0502020204030204" pitchFamily="34" charset="0"/>
-                    <a:cs typeface="Times New Roman" panose="02020603050405020304" pitchFamily="18" charset="0"/>
-                  </a:rPr>
-                  <a:t> </a:t>
-                </a:r>
-                <a:r>
-                  <a:rPr lang="ru-RU" sz="2400" dirty="0">
-                    <a:latin typeface="Times New Roman" panose="02020603050405020304" pitchFamily="18" charset="0"/>
-                    <a:cs typeface="Times New Roman" panose="02020603050405020304" pitchFamily="18" charset="0"/>
-                  </a:rPr>
-                  <a:t>это</a:t>
-                </a:r>
-                <a:r>
-                  <a:rPr lang="en-US" sz="2400" dirty="0">
-                    <a:latin typeface="Times New Roman" panose="02020603050405020304" pitchFamily="18" charset="0"/>
-                    <a:cs typeface="Times New Roman" panose="02020603050405020304" pitchFamily="18" charset="0"/>
-                  </a:rPr>
-                  <a:t> </a:t>
-                </a:r>
-                <a:r>
-                  <a:rPr lang="ru-RU" sz="2400" dirty="0">
-                    <a:latin typeface="Times New Roman" panose="02020603050405020304" pitchFamily="18" charset="0"/>
-                    <a:cs typeface="Times New Roman" panose="02020603050405020304" pitchFamily="18" charset="0"/>
-                  </a:rPr>
-                  <a:t>разновидность</a:t>
-                </a:r>
-                <a:r>
-                  <a:rPr lang="en-US" sz="2400" dirty="0">
-                    <a:latin typeface="Times New Roman" panose="02020603050405020304" pitchFamily="18" charset="0"/>
-                    <a:cs typeface="Times New Roman" panose="02020603050405020304" pitchFamily="18" charset="0"/>
-                  </a:rPr>
-                  <a:t> </a:t>
-                </a:r>
-                <a:r>
-                  <a:rPr lang="ru-RU" sz="2400" dirty="0">
-                    <a:latin typeface="Times New Roman" panose="02020603050405020304" pitchFamily="18" charset="0"/>
-                    <a:cs typeface="Times New Roman" panose="02020603050405020304" pitchFamily="18" charset="0"/>
-                  </a:rPr>
-                  <a:t>пользовательского интерфейса</a:t>
-                </a:r>
-                <a:r>
-                  <a:rPr lang="en-US" sz="2400" dirty="0">
-                    <a:latin typeface="Times New Roman" panose="02020603050405020304" pitchFamily="18" charset="0"/>
-                    <a:cs typeface="Times New Roman" panose="02020603050405020304" pitchFamily="18" charset="0"/>
-                  </a:rPr>
-                  <a:t>,</a:t>
-                </a:r>
-                <a:r>
-                  <a:rPr lang="ru-RU" sz="2400" dirty="0">
-                    <a:latin typeface="Times New Roman" panose="02020603050405020304" pitchFamily="18" charset="0"/>
-                    <a:cs typeface="Times New Roman" panose="02020603050405020304" pitchFamily="18" charset="0"/>
-                  </a:rPr>
-                  <a:t> в котором элементы интерфейса меню кнопки</a:t>
-                </a:r>
-                <a:r>
-                  <a:rPr lang="en-US" sz="2400" dirty="0">
-                    <a:latin typeface="Times New Roman" panose="02020603050405020304" pitchFamily="18" charset="0"/>
-                    <a:cs typeface="Times New Roman" panose="02020603050405020304" pitchFamily="18" charset="0"/>
-                  </a:rPr>
-                  <a:t> </a:t>
-                </a:r>
-                <a:r>
-                  <a:rPr lang="ru-RU" sz="2400" dirty="0">
-                    <a:latin typeface="Times New Roman" panose="02020603050405020304" pitchFamily="18" charset="0"/>
-                    <a:cs typeface="Times New Roman" panose="02020603050405020304" pitchFamily="18" charset="0"/>
-                  </a:rPr>
-                  <a:t>значки списки и т</a:t>
-                </a:r>
-                <a:r>
-                  <a:rPr lang="en-US" sz="2400" dirty="0">
-                    <a:latin typeface="Times New Roman" panose="02020603050405020304" pitchFamily="18" charset="0"/>
-                    <a:cs typeface="Times New Roman" panose="02020603050405020304" pitchFamily="18" charset="0"/>
-                  </a:rPr>
-                  <a:t>.</a:t>
-                </a:r>
-                <a:r>
-                  <a:rPr lang="ru-RU" sz="2400" dirty="0">
-                    <a:latin typeface="Times New Roman" panose="02020603050405020304" pitchFamily="18" charset="0"/>
-                    <a:cs typeface="Times New Roman" panose="02020603050405020304" pitchFamily="18" charset="0"/>
-                  </a:rPr>
-                  <a:t>п</a:t>
-                </a:r>
-                <a:r>
-                  <a:rPr lang="en-US" sz="2400" dirty="0">
-                    <a:latin typeface="Times New Roman" panose="02020603050405020304" pitchFamily="18" charset="0"/>
-                    <a:cs typeface="Times New Roman" panose="02020603050405020304" pitchFamily="18" charset="0"/>
-                  </a:rPr>
-                  <a:t>.,</a:t>
-                </a:r>
-                <a:r>
-                  <a:rPr lang="ru-RU" sz="2400" dirty="0">
-                    <a:latin typeface="Times New Roman" panose="02020603050405020304" pitchFamily="18" charset="0"/>
-                    <a:cs typeface="Times New Roman" panose="02020603050405020304" pitchFamily="18" charset="0"/>
-                  </a:rPr>
-                  <a:t> представленные пользователю на дисплее</a:t>
-                </a:r>
-                <a:r>
-                  <a:rPr lang="en-US" sz="2400" dirty="0">
-                    <a:latin typeface="Times New Roman" panose="02020603050405020304" pitchFamily="18" charset="0"/>
-                    <a:cs typeface="Times New Roman" panose="02020603050405020304" pitchFamily="18" charset="0"/>
-                  </a:rPr>
-                  <a:t>,</a:t>
-                </a:r>
-                <a:r>
-                  <a:rPr lang="ru-RU" sz="2400" dirty="0">
-                    <a:latin typeface="Times New Roman" panose="02020603050405020304" pitchFamily="18" charset="0"/>
-                    <a:cs typeface="Times New Roman" panose="02020603050405020304" pitchFamily="18" charset="0"/>
-                  </a:rPr>
-                  <a:t> исполнены в виде</a:t>
-                </a:r>
-                <a:r>
-                  <a:rPr lang="en-US" sz="2400" dirty="0">
-                    <a:latin typeface="Times New Roman" panose="02020603050405020304" pitchFamily="18" charset="0"/>
-                    <a:cs typeface="Times New Roman" panose="02020603050405020304" pitchFamily="18" charset="0"/>
-                  </a:rPr>
-                  <a:t> </a:t>
-                </a:r>
-                <a:r>
-                  <a:rPr lang="ru-RU" sz="2400" dirty="0">
-                    <a:latin typeface="Times New Roman" panose="02020603050405020304" pitchFamily="18" charset="0"/>
-                    <a:cs typeface="Times New Roman" panose="02020603050405020304" pitchFamily="18" charset="0"/>
-                  </a:rPr>
-                  <a:t>графических изображений</a:t>
-                </a:r>
-                <a:r>
-                  <a:rPr lang="en-US" sz="2400" dirty="0">
-                    <a:latin typeface="Times New Roman" panose="02020603050405020304" pitchFamily="18" charset="0"/>
-                    <a:cs typeface="Times New Roman" panose="02020603050405020304" pitchFamily="18" charset="0"/>
-                  </a:rPr>
-                  <a:t>.</a:t>
-                </a:r>
-                <a:endParaRPr lang="ru-RU" sz="2400" dirty="0">
-                  <a:latin typeface="Times New Roman" panose="02020603050405020304" pitchFamily="18" charset="0"/>
-                  <a:cs typeface="Times New Roman" panose="02020603050405020304" pitchFamily="18" charset="0"/>
-                </a:endParaRPr>
-              </a:p>
-            </p:txBody>
-          </p:sp>
-        </mc:Choice>
-        <mc:Fallback xmlns="">
-          <p:sp>
-            <p:nvSpPr>
-              <p:cNvPr id="3" name="Объект 2">
-                <a:extLst>
-                  <a:ext uri="{FF2B5EF4-FFF2-40B4-BE49-F238E27FC236}">
-                    <a16:creationId xmlns:a16="http://schemas.microsoft.com/office/drawing/2014/main" id="{24102B1F-A0A8-F7E5-1EE9-48E49DD46F25}"/>
-                  </a:ext>
-                </a:extLst>
-              </p:cNvPr>
-              <p:cNvSpPr>
-                <a:spLocks noGrp="1" noRot="1" noChangeAspect="1" noMove="1" noResize="1" noEditPoints="1" noAdjustHandles="1" noChangeArrowheads="1" noChangeShapeType="1" noTextEdit="1"/>
-              </p:cNvSpPr>
-              <p:nvPr>
-                <p:ph idx="4294967295"/>
-              </p:nvPr>
-            </p:nvSpPr>
-            <p:spPr>
-              <a:xfrm>
-                <a:off x="346591" y="808826"/>
-                <a:ext cx="11498817" cy="3386667"/>
-              </a:xfrm>
-              <a:blipFill>
-                <a:blip r:embed="rId2"/>
-                <a:stretch>
-                  <a:fillRect l="-742" t="-2523" r="-795"/>
-                </a:stretch>
-              </a:blipFill>
-            </p:spPr>
-            <p:txBody>
-              <a:bodyPr/>
-              <a:lstStyle/>
-              <a:p>
-                <a:r>
-                  <a:rPr lang="ru-RU">
-                    <a:noFill/>
-                  </a:rPr>
-                  <a:t> </a:t>
-                </a:r>
-              </a:p>
-            </p:txBody>
-          </p:sp>
-        </mc:Fallback>
-      </mc:AlternateContent>
+      <p:sp>
+        <p:nvSpPr>
+          <p:cNvPr id="3" name="Объект 2">
+            <a:extLst>
+              <a:ext uri="{FF2B5EF4-FFF2-40B4-BE49-F238E27FC236}">
+                <a16:creationId xmlns:a16="http://schemas.microsoft.com/office/drawing/2014/main" id="{24102B1F-A0A8-F7E5-1EE9-48E49DD46F25}"/>
+              </a:ext>
+            </a:extLst>
+          </p:cNvPr>
+          <p:cNvSpPr>
+            <a:spLocks noGrp="1"/>
+          </p:cNvSpPr>
+          <p:nvPr>
+            <p:ph idx="4294967295"/>
+          </p:nvPr>
+        </p:nvSpPr>
+        <p:spPr>
+          <a:xfrm>
+            <a:off x="346591" y="808826"/>
+            <a:ext cx="11498817" cy="3386667"/>
+          </a:xfrm>
+        </p:spPr>
+        <p:txBody>
+          <a:bodyPr>
+            <a:normAutofit/>
+          </a:bodyPr>
+          <a:lstStyle/>
+          <a:p>
+            <a:pPr algn="just">
+              <a:buClr>
+                <a:schemeClr val="tx1"/>
+              </a:buClr>
+            </a:pPr>
+            <a:r>
+              <a:rPr lang="ru-RU" sz="2000" dirty="0">
+                <a:solidFill>
+                  <a:srgbClr val="7030A0"/>
+                </a:solidFill>
+                <a:effectLst/>
+                <a:latin typeface="Times New Roman" panose="02020603050405020304" pitchFamily="18" charset="0"/>
+                <a:ea typeface="Calibri" panose="020F0502020204030204" pitchFamily="34" charset="0"/>
+                <a:cs typeface="Times New Roman" panose="02020603050405020304" pitchFamily="18" charset="0"/>
+              </a:rPr>
+              <a:t>Интерфейс</a:t>
+            </a:r>
+            <a:r>
+              <a:rPr lang="ru-RU" sz="2000" baseline="30000" dirty="0">
+                <a:solidFill>
+                  <a:srgbClr val="7030A0"/>
+                </a:solidFill>
+                <a:effectLst/>
+                <a:latin typeface="Times New Roman" panose="02020603050405020304" pitchFamily="18" charset="0"/>
+                <a:ea typeface="Calibri" panose="020F0502020204030204" pitchFamily="34" charset="0"/>
+                <a:cs typeface="Times New Roman" panose="02020603050405020304" pitchFamily="18" charset="0"/>
+              </a:rPr>
+              <a:t>1</a:t>
+            </a:r>
+            <a:r>
+              <a:rPr lang="ru-RU" sz="2000" dirty="0">
+                <a:effectLst/>
+                <a:latin typeface="Times New Roman" panose="02020603050405020304" pitchFamily="18" charset="0"/>
+                <a:ea typeface="Calibri" panose="020F0502020204030204" pitchFamily="34" charset="0"/>
+                <a:cs typeface="Times New Roman" panose="02020603050405020304" pitchFamily="18" charset="0"/>
+              </a:rPr>
+              <a:t>— </a:t>
+            </a:r>
+            <a:r>
+              <a:rPr lang="ru-RU" sz="2000" dirty="0">
+                <a:latin typeface="Times New Roman" panose="02020603050405020304" pitchFamily="18" charset="0"/>
+                <a:cs typeface="Times New Roman" panose="02020603050405020304" pitchFamily="18" charset="0"/>
+              </a:rPr>
+              <a:t>это совокупность средств, методов и правил взаимодействия,</a:t>
+            </a:r>
+            <a:r>
+              <a:rPr lang="en-US" sz="2000" dirty="0">
+                <a:latin typeface="Times New Roman" panose="02020603050405020304" pitchFamily="18" charset="0"/>
+                <a:cs typeface="Times New Roman" panose="02020603050405020304" pitchFamily="18" charset="0"/>
+              </a:rPr>
+              <a:t> </a:t>
+            </a:r>
+            <a:r>
+              <a:rPr lang="ru-RU" sz="2000" dirty="0">
+                <a:latin typeface="Times New Roman" panose="02020603050405020304" pitchFamily="18" charset="0"/>
+                <a:cs typeface="Times New Roman" panose="02020603050405020304" pitchFamily="18" charset="0"/>
+              </a:rPr>
+              <a:t>управления, контроля и т</a:t>
+            </a:r>
+            <a:r>
+              <a:rPr lang="en-US" sz="2000" dirty="0">
+                <a:latin typeface="Times New Roman" panose="02020603050405020304" pitchFamily="18" charset="0"/>
+                <a:cs typeface="Times New Roman" panose="02020603050405020304" pitchFamily="18" charset="0"/>
+              </a:rPr>
+              <a:t>.</a:t>
+            </a:r>
+            <a:r>
+              <a:rPr lang="ru-RU" sz="2000" dirty="0">
+                <a:latin typeface="Times New Roman" panose="02020603050405020304" pitchFamily="18" charset="0"/>
+                <a:cs typeface="Times New Roman" panose="02020603050405020304" pitchFamily="18" charset="0"/>
+              </a:rPr>
+              <a:t>д</a:t>
+            </a:r>
+            <a:r>
+              <a:rPr lang="en-US" sz="2000" dirty="0">
+                <a:latin typeface="Times New Roman" panose="02020603050405020304" pitchFamily="18" charset="0"/>
+                <a:cs typeface="Times New Roman" panose="02020603050405020304" pitchFamily="18" charset="0"/>
+              </a:rPr>
+              <a:t>.</a:t>
+            </a:r>
+            <a:r>
+              <a:rPr lang="ru-RU" sz="2000" dirty="0">
+                <a:latin typeface="Times New Roman" panose="02020603050405020304" pitchFamily="18" charset="0"/>
+                <a:cs typeface="Times New Roman" panose="02020603050405020304" pitchFamily="18" charset="0"/>
+              </a:rPr>
+              <a:t> между элементами системы</a:t>
+            </a:r>
+            <a:r>
+              <a:rPr lang="en-US" sz="2000" dirty="0">
+                <a:latin typeface="Times New Roman" panose="02020603050405020304" pitchFamily="18" charset="0"/>
+                <a:cs typeface="Times New Roman" panose="02020603050405020304" pitchFamily="18" charset="0"/>
+              </a:rPr>
+              <a:t>;</a:t>
+            </a:r>
+          </a:p>
+          <a:p>
+            <a:pPr algn="just">
+              <a:buClr>
+                <a:schemeClr val="tx1"/>
+              </a:buClr>
+            </a:pPr>
+            <a:r>
+              <a:rPr lang="ru-RU" sz="2000" dirty="0">
+                <a:solidFill>
+                  <a:srgbClr val="7030A0"/>
+                </a:solidFill>
+                <a:effectLst/>
+                <a:latin typeface="Times New Roman" panose="02020603050405020304" pitchFamily="18" charset="0"/>
+                <a:ea typeface="Calibri" panose="020F0502020204030204" pitchFamily="34" charset="0"/>
+                <a:cs typeface="Times New Roman" panose="02020603050405020304" pitchFamily="18" charset="0"/>
+              </a:rPr>
+              <a:t>Пользовательский интерфейс</a:t>
+            </a:r>
+            <a:r>
+              <a:rPr lang="ru-RU" sz="2000" baseline="30000" dirty="0">
+                <a:solidFill>
+                  <a:srgbClr val="7030A0"/>
+                </a:solidFill>
+                <a:effectLst/>
+                <a:latin typeface="Times New Roman" panose="02020603050405020304" pitchFamily="18" charset="0"/>
+                <a:ea typeface="Calibri" panose="020F0502020204030204" pitchFamily="34" charset="0"/>
+                <a:cs typeface="Times New Roman" panose="02020603050405020304" pitchFamily="18" charset="0"/>
+              </a:rPr>
+              <a:t>1</a:t>
+            </a:r>
+            <a:r>
+              <a:rPr lang="ru-RU" sz="2000" dirty="0">
+                <a:solidFill>
+                  <a:srgbClr val="7030A0"/>
+                </a:solidFill>
+                <a:effectLst/>
+                <a:latin typeface="Times New Roman" panose="02020603050405020304" pitchFamily="18" charset="0"/>
+                <a:ea typeface="Calibri" panose="020F0502020204030204" pitchFamily="34" charset="0"/>
+                <a:cs typeface="Times New Roman" panose="02020603050405020304" pitchFamily="18" charset="0"/>
+              </a:rPr>
+              <a:t> </a:t>
+            </a:r>
+            <a:r>
+              <a:rPr lang="ru-RU" sz="2000" dirty="0">
+                <a:effectLst/>
+                <a:latin typeface="Times New Roman" panose="02020603050405020304" pitchFamily="18" charset="0"/>
+                <a:ea typeface="Calibri" panose="020F0502020204030204" pitchFamily="34" charset="0"/>
+                <a:cs typeface="Times New Roman" panose="02020603050405020304" pitchFamily="18" charset="0"/>
+              </a:rPr>
+              <a:t>—</a:t>
+            </a:r>
+            <a:r>
+              <a:rPr lang="en-US" sz="2000" dirty="0">
+                <a:effectLst/>
+                <a:latin typeface="Times New Roman" panose="02020603050405020304" pitchFamily="18" charset="0"/>
+                <a:ea typeface="Calibri" panose="020F0502020204030204" pitchFamily="34" charset="0"/>
+                <a:cs typeface="Times New Roman" panose="02020603050405020304" pitchFamily="18" charset="0"/>
+              </a:rPr>
+              <a:t> </a:t>
+            </a:r>
+            <a:r>
+              <a:rPr lang="ru-RU" sz="2000" dirty="0">
+                <a:latin typeface="Times New Roman" panose="02020603050405020304" pitchFamily="18" charset="0"/>
+                <a:cs typeface="Times New Roman" panose="02020603050405020304" pitchFamily="18" charset="0"/>
+              </a:rPr>
+              <a:t>это разновидность интерфейсов</a:t>
+            </a:r>
+            <a:r>
+              <a:rPr lang="en-US" sz="2000" dirty="0">
+                <a:latin typeface="Times New Roman" panose="02020603050405020304" pitchFamily="18" charset="0"/>
+                <a:cs typeface="Times New Roman" panose="02020603050405020304" pitchFamily="18" charset="0"/>
+              </a:rPr>
+              <a:t>,</a:t>
+            </a:r>
+            <a:r>
+              <a:rPr lang="ru-RU" sz="2000" dirty="0">
+                <a:latin typeface="Times New Roman" panose="02020603050405020304" pitchFamily="18" charset="0"/>
+                <a:cs typeface="Times New Roman" panose="02020603050405020304" pitchFamily="18" charset="0"/>
+              </a:rPr>
+              <a:t> в котором одна</a:t>
+            </a:r>
+            <a:r>
+              <a:rPr lang="en-US" sz="2000" dirty="0">
+                <a:latin typeface="Times New Roman" panose="02020603050405020304" pitchFamily="18" charset="0"/>
+                <a:cs typeface="Times New Roman" panose="02020603050405020304" pitchFamily="18" charset="0"/>
+              </a:rPr>
+              <a:t> </a:t>
+            </a:r>
+            <a:r>
+              <a:rPr lang="ru-RU" sz="2000" dirty="0">
+                <a:latin typeface="Times New Roman" panose="02020603050405020304" pitchFamily="18" charset="0"/>
+                <a:cs typeface="Times New Roman" panose="02020603050405020304" pitchFamily="18" charset="0"/>
+              </a:rPr>
+              <a:t>сторона представлена человеком</a:t>
+            </a:r>
+            <a:r>
+              <a:rPr lang="en-US" sz="2000" dirty="0">
+                <a:latin typeface="Times New Roman" panose="02020603050405020304" pitchFamily="18" charset="0"/>
+                <a:cs typeface="Times New Roman" panose="02020603050405020304" pitchFamily="18" charset="0"/>
+              </a:rPr>
+              <a:t>-</a:t>
+            </a:r>
+            <a:r>
+              <a:rPr lang="ru-RU" sz="2000" dirty="0">
+                <a:latin typeface="Times New Roman" panose="02020603050405020304" pitchFamily="18" charset="0"/>
+                <a:cs typeface="Times New Roman" panose="02020603050405020304" pitchFamily="18" charset="0"/>
+              </a:rPr>
+              <a:t>пользователем</a:t>
+            </a:r>
+            <a:r>
+              <a:rPr lang="en-US" sz="2000" dirty="0">
+                <a:latin typeface="Times New Roman" panose="02020603050405020304" pitchFamily="18" charset="0"/>
+                <a:cs typeface="Times New Roman" panose="02020603050405020304" pitchFamily="18" charset="0"/>
+              </a:rPr>
+              <a:t>,</a:t>
+            </a:r>
+            <a:r>
+              <a:rPr lang="ru-RU" sz="2000" dirty="0">
+                <a:latin typeface="Times New Roman" panose="02020603050405020304" pitchFamily="18" charset="0"/>
+                <a:cs typeface="Times New Roman" panose="02020603050405020304" pitchFamily="18" charset="0"/>
+              </a:rPr>
+              <a:t> другая</a:t>
+            </a:r>
+            <a:r>
+              <a:rPr lang="en-US" sz="2000" dirty="0">
+                <a:latin typeface="Times New Roman" panose="02020603050405020304" pitchFamily="18" charset="0"/>
+                <a:cs typeface="Times New Roman" panose="02020603050405020304" pitchFamily="18" charset="0"/>
+              </a:rPr>
+              <a:t> </a:t>
+            </a:r>
+            <a:r>
+              <a:rPr lang="ru-RU" sz="2000" dirty="0">
+                <a:effectLst/>
+                <a:latin typeface="Times New Roman" panose="02020603050405020304" pitchFamily="18" charset="0"/>
+                <a:ea typeface="Calibri" panose="020F0502020204030204" pitchFamily="34" charset="0"/>
+                <a:cs typeface="Times New Roman" panose="02020603050405020304" pitchFamily="18" charset="0"/>
+              </a:rPr>
+              <a:t>—</a:t>
+            </a:r>
+            <a:r>
+              <a:rPr lang="en-US" sz="2000" dirty="0">
+                <a:latin typeface="Times New Roman" panose="02020603050405020304" pitchFamily="18" charset="0"/>
+                <a:cs typeface="Times New Roman" panose="02020603050405020304" pitchFamily="18" charset="0"/>
+              </a:rPr>
+              <a:t> </a:t>
+            </a:r>
+            <a:r>
+              <a:rPr lang="ru-RU" sz="2000" dirty="0">
+                <a:latin typeface="Times New Roman" panose="02020603050405020304" pitchFamily="18" charset="0"/>
+                <a:cs typeface="Times New Roman" panose="02020603050405020304" pitchFamily="18" charset="0"/>
+              </a:rPr>
+              <a:t>машиной</a:t>
+            </a:r>
+            <a:r>
+              <a:rPr lang="en-US" sz="2000" dirty="0">
+                <a:latin typeface="Times New Roman" panose="02020603050405020304" pitchFamily="18" charset="0"/>
+                <a:cs typeface="Times New Roman" panose="02020603050405020304" pitchFamily="18" charset="0"/>
+              </a:rPr>
+              <a:t>-</a:t>
+            </a:r>
+            <a:r>
+              <a:rPr lang="ru-RU" sz="2000" dirty="0">
+                <a:latin typeface="Times New Roman" panose="02020603050405020304" pitchFamily="18" charset="0"/>
+                <a:cs typeface="Times New Roman" panose="02020603050405020304" pitchFamily="18" charset="0"/>
+              </a:rPr>
+              <a:t>устройством</a:t>
+            </a:r>
+            <a:r>
+              <a:rPr lang="en-US" sz="2000" dirty="0">
+                <a:latin typeface="Times New Roman" panose="02020603050405020304" pitchFamily="18" charset="0"/>
+                <a:cs typeface="Times New Roman" panose="02020603050405020304" pitchFamily="18" charset="0"/>
+              </a:rPr>
+              <a:t>. </a:t>
+            </a:r>
+            <a:endParaRPr lang="ru-RU" sz="2000" dirty="0">
+              <a:latin typeface="Times New Roman" panose="02020603050405020304" pitchFamily="18" charset="0"/>
+              <a:cs typeface="Times New Roman" panose="02020603050405020304" pitchFamily="18" charset="0"/>
+            </a:endParaRPr>
+          </a:p>
+          <a:p>
+            <a:pPr algn="just">
+              <a:buClr>
+                <a:schemeClr val="tx1"/>
+              </a:buClr>
+            </a:pPr>
+            <a:r>
+              <a:rPr lang="ru-RU" sz="2000" dirty="0">
+                <a:solidFill>
+                  <a:srgbClr val="7030A0"/>
+                </a:solidFill>
+                <a:latin typeface="Times New Roman" panose="02020603050405020304" pitchFamily="18" charset="0"/>
+                <a:cs typeface="Times New Roman" panose="02020603050405020304" pitchFamily="18" charset="0"/>
+              </a:rPr>
+              <a:t>Графический пользовательский интерфейс</a:t>
+            </a:r>
+            <a:r>
+              <a:rPr lang="ru-RU" sz="2000" baseline="30000" dirty="0">
+                <a:solidFill>
+                  <a:srgbClr val="7030A0"/>
+                </a:solidFill>
+                <a:latin typeface="Times New Roman" panose="02020603050405020304" pitchFamily="18" charset="0"/>
+                <a:cs typeface="Times New Roman" panose="02020603050405020304" pitchFamily="18" charset="0"/>
+              </a:rPr>
+              <a:t>1 </a:t>
+            </a:r>
+            <a:r>
+              <a:rPr lang="ru-RU" sz="2000" dirty="0">
+                <a:latin typeface="Times New Roman" panose="02020603050405020304" pitchFamily="18" charset="0"/>
+                <a:cs typeface="Times New Roman" panose="02020603050405020304" pitchFamily="18" charset="0"/>
+              </a:rPr>
+              <a:t>(</a:t>
+            </a:r>
+            <a:r>
+              <a:rPr lang="en-US" sz="2000" dirty="0">
+                <a:solidFill>
+                  <a:srgbClr val="7030A0"/>
+                </a:solidFill>
+                <a:latin typeface="Times New Roman" panose="02020603050405020304" pitchFamily="18" charset="0"/>
+                <a:cs typeface="Times New Roman" panose="02020603050405020304" pitchFamily="18" charset="0"/>
+              </a:rPr>
+              <a:t>GUI</a:t>
+            </a:r>
+            <a:r>
+              <a:rPr lang="ru-RU" sz="2000" dirty="0">
+                <a:latin typeface="Times New Roman" panose="02020603050405020304" pitchFamily="18" charset="0"/>
+                <a:cs typeface="Times New Roman" panose="02020603050405020304" pitchFamily="18" charset="0"/>
+              </a:rPr>
+              <a:t>)</a:t>
+            </a:r>
+            <a:r>
+              <a:rPr lang="en-US" sz="2000" dirty="0">
+                <a:latin typeface="Times New Roman" panose="02020603050405020304" pitchFamily="18" charset="0"/>
+                <a:cs typeface="Times New Roman" panose="02020603050405020304" pitchFamily="18" charset="0"/>
+              </a:rPr>
+              <a:t> </a:t>
+            </a:r>
+            <a:r>
+              <a:rPr lang="ru-RU" sz="2000" dirty="0">
+                <a:effectLst/>
+                <a:latin typeface="Times New Roman" panose="02020603050405020304" pitchFamily="18" charset="0"/>
+                <a:ea typeface="Calibri" panose="020F0502020204030204" pitchFamily="34" charset="0"/>
+                <a:cs typeface="Times New Roman" panose="02020603050405020304" pitchFamily="18" charset="0"/>
+              </a:rPr>
+              <a:t>—</a:t>
+            </a:r>
+            <a:r>
+              <a:rPr lang="en-US" sz="2000" dirty="0">
+                <a:effectLst/>
+                <a:latin typeface="Times New Roman" panose="02020603050405020304" pitchFamily="18" charset="0"/>
+                <a:ea typeface="Calibri" panose="020F0502020204030204" pitchFamily="34" charset="0"/>
+                <a:cs typeface="Times New Roman" panose="02020603050405020304" pitchFamily="18" charset="0"/>
+              </a:rPr>
+              <a:t> </a:t>
+            </a:r>
+            <a:r>
+              <a:rPr lang="ru-RU" sz="2000" dirty="0">
+                <a:latin typeface="Times New Roman" panose="02020603050405020304" pitchFamily="18" charset="0"/>
+                <a:cs typeface="Times New Roman" panose="02020603050405020304" pitchFamily="18" charset="0"/>
+              </a:rPr>
+              <a:t>это</a:t>
+            </a:r>
+            <a:r>
+              <a:rPr lang="en-US" sz="2000" dirty="0">
+                <a:latin typeface="Times New Roman" panose="02020603050405020304" pitchFamily="18" charset="0"/>
+                <a:cs typeface="Times New Roman" panose="02020603050405020304" pitchFamily="18" charset="0"/>
+              </a:rPr>
+              <a:t> </a:t>
+            </a:r>
+            <a:r>
+              <a:rPr lang="ru-RU" sz="2000" dirty="0">
+                <a:latin typeface="Times New Roman" panose="02020603050405020304" pitchFamily="18" charset="0"/>
+                <a:cs typeface="Times New Roman" panose="02020603050405020304" pitchFamily="18" charset="0"/>
+              </a:rPr>
+              <a:t>разновидность</a:t>
+            </a:r>
+            <a:r>
+              <a:rPr lang="en-US" sz="2000" dirty="0">
+                <a:latin typeface="Times New Roman" panose="02020603050405020304" pitchFamily="18" charset="0"/>
+                <a:cs typeface="Times New Roman" panose="02020603050405020304" pitchFamily="18" charset="0"/>
+              </a:rPr>
+              <a:t> </a:t>
+            </a:r>
+            <a:r>
+              <a:rPr lang="ru-RU" sz="2000" dirty="0">
+                <a:latin typeface="Times New Roman" panose="02020603050405020304" pitchFamily="18" charset="0"/>
+                <a:cs typeface="Times New Roman" panose="02020603050405020304" pitchFamily="18" charset="0"/>
+              </a:rPr>
+              <a:t>пользовательского интерфейса</a:t>
+            </a:r>
+            <a:r>
+              <a:rPr lang="en-US" sz="2000" dirty="0">
+                <a:latin typeface="Times New Roman" panose="02020603050405020304" pitchFamily="18" charset="0"/>
+                <a:cs typeface="Times New Roman" panose="02020603050405020304" pitchFamily="18" charset="0"/>
+              </a:rPr>
+              <a:t>,</a:t>
+            </a:r>
+            <a:r>
+              <a:rPr lang="ru-RU" sz="2000" dirty="0">
+                <a:latin typeface="Times New Roman" panose="02020603050405020304" pitchFamily="18" charset="0"/>
+                <a:cs typeface="Times New Roman" panose="02020603050405020304" pitchFamily="18" charset="0"/>
+              </a:rPr>
+              <a:t> в котором элементы интерфейса, представленные пользователю на дисплее</a:t>
+            </a:r>
+            <a:r>
+              <a:rPr lang="en-US" sz="2000" dirty="0">
+                <a:latin typeface="Times New Roman" panose="02020603050405020304" pitchFamily="18" charset="0"/>
+                <a:cs typeface="Times New Roman" panose="02020603050405020304" pitchFamily="18" charset="0"/>
+              </a:rPr>
+              <a:t>,</a:t>
+            </a:r>
+            <a:r>
+              <a:rPr lang="ru-RU" sz="2000" dirty="0">
+                <a:latin typeface="Times New Roman" panose="02020603050405020304" pitchFamily="18" charset="0"/>
+                <a:cs typeface="Times New Roman" panose="02020603050405020304" pitchFamily="18" charset="0"/>
+              </a:rPr>
+              <a:t> исполнены в виде</a:t>
+            </a:r>
+            <a:r>
+              <a:rPr lang="en-US" sz="2000" dirty="0">
+                <a:latin typeface="Times New Roman" panose="02020603050405020304" pitchFamily="18" charset="0"/>
+                <a:cs typeface="Times New Roman" panose="02020603050405020304" pitchFamily="18" charset="0"/>
+              </a:rPr>
+              <a:t> </a:t>
+            </a:r>
+            <a:r>
+              <a:rPr lang="ru-RU" sz="2000" dirty="0">
+                <a:latin typeface="Times New Roman" panose="02020603050405020304" pitchFamily="18" charset="0"/>
+                <a:cs typeface="Times New Roman" panose="02020603050405020304" pitchFamily="18" charset="0"/>
+              </a:rPr>
+              <a:t>графических изображений</a:t>
+            </a:r>
+            <a:r>
+              <a:rPr lang="en-US" sz="2000" dirty="0">
+                <a:latin typeface="Times New Roman" panose="02020603050405020304" pitchFamily="18" charset="0"/>
+                <a:cs typeface="Times New Roman" panose="02020603050405020304" pitchFamily="18" charset="0"/>
+              </a:rPr>
+              <a:t>.</a:t>
+            </a:r>
+            <a:endParaRPr lang="ru-RU" sz="2000" dirty="0">
+              <a:latin typeface="Times New Roman" panose="02020603050405020304" pitchFamily="18" charset="0"/>
+              <a:cs typeface="Times New Roman" panose="02020603050405020304" pitchFamily="18" charset="0"/>
+            </a:endParaRPr>
+          </a:p>
+        </p:txBody>
+      </p:sp>
       <p:sp>
         <p:nvSpPr>
           <p:cNvPr id="2" name="Номер слайда 1">
@@ -6152,8 +5432,8 @@
         </p:blipFill>
         <p:spPr bwMode="auto">
           <a:xfrm>
-            <a:off x="6397083" y="3429000"/>
-            <a:ext cx="4046982" cy="3012317"/>
+            <a:off x="6397082" y="3048368"/>
+            <a:ext cx="3758899" cy="2797886"/>
           </a:xfrm>
           <a:prstGeom prst="rect">
             <a:avLst/>
@@ -6184,8 +5464,8 @@
         </p:nvSpPr>
         <p:spPr>
           <a:xfrm>
-            <a:off x="6397083" y="6441317"/>
-            <a:ext cx="4046982" cy="369332"/>
+            <a:off x="6397083" y="5864508"/>
+            <a:ext cx="3758898" cy="338554"/>
           </a:xfrm>
           <a:prstGeom prst="rect">
             <a:avLst/>
@@ -6200,34 +5480,118 @@
           <a:p>
             <a:pPr algn="ctr"/>
             <a:r>
+              <a:rPr lang="ru-RU" sz="1600" dirty="0">
+                <a:latin typeface="Times New Roman" panose="02020603050405020304" pitchFamily="18" charset="0"/>
+                <a:ea typeface="Calibri" panose="020F0502020204030204" pitchFamily="34" charset="0"/>
+              </a:rPr>
+              <a:t>Рис. 1</a:t>
+            </a:r>
+            <a:r>
+              <a:rPr lang="en-US" sz="1600" dirty="0">
+                <a:latin typeface="Times New Roman" panose="02020603050405020304" pitchFamily="18" charset="0"/>
+                <a:ea typeface="Calibri" panose="020F0502020204030204" pitchFamily="34" charset="0"/>
+              </a:rPr>
+              <a:t>.</a:t>
+            </a:r>
+            <a:r>
+              <a:rPr lang="ru-RU" sz="1600" dirty="0">
+                <a:latin typeface="Times New Roman" panose="02020603050405020304" pitchFamily="18" charset="0"/>
+                <a:ea typeface="Calibri" panose="020F0502020204030204" pitchFamily="34" charset="0"/>
+              </a:rPr>
+              <a:t> Пример </a:t>
+            </a:r>
+            <a:r>
+              <a:rPr lang="en-US" sz="1600" dirty="0">
+                <a:latin typeface="Times New Roman" panose="02020603050405020304" pitchFamily="18" charset="0"/>
+                <a:ea typeface="Calibri" panose="020F0502020204030204" pitchFamily="34" charset="0"/>
+              </a:rPr>
+              <a:t>GUI</a:t>
+            </a:r>
+            <a:endParaRPr lang="ru-RU" sz="1600" dirty="0"/>
+          </a:p>
+        </p:txBody>
+      </p:sp>
+      <p:sp>
+        <p:nvSpPr>
+          <p:cNvPr id="6" name="Нижний колонтитул 5">
+            <a:extLst>
+              <a:ext uri="{FF2B5EF4-FFF2-40B4-BE49-F238E27FC236}">
+                <a16:creationId xmlns:a16="http://schemas.microsoft.com/office/drawing/2014/main" id="{B89C1BD0-EF30-9FC6-18CB-306C61A9A3DC}"/>
+              </a:ext>
+            </a:extLst>
+          </p:cNvPr>
+          <p:cNvSpPr>
+            <a:spLocks noGrp="1"/>
+          </p:cNvSpPr>
+          <p:nvPr>
+            <p:ph type="ftr" sz="quarter" idx="11"/>
+          </p:nvPr>
+        </p:nvSpPr>
+        <p:spPr>
+          <a:xfrm>
+            <a:off x="627184" y="6356350"/>
+            <a:ext cx="11218223" cy="365125"/>
+          </a:xfrm>
+        </p:spPr>
+        <p:txBody>
+          <a:bodyPr/>
+          <a:lstStyle/>
+          <a:p>
+            <a:pPr algn="l"/>
+            <a:r>
               <a:rPr lang="ru-RU" dirty="0">
-                <a:latin typeface="Times New Roman" panose="02020603050405020304" pitchFamily="18" charset="0"/>
-                <a:ea typeface="Calibri" panose="020F0502020204030204" pitchFamily="34" charset="0"/>
-              </a:rPr>
-              <a:t>Рис. 1</a:t>
-            </a:r>
-            <a:r>
-              <a:rPr lang="en-US" dirty="0">
-                <a:latin typeface="Times New Roman" panose="02020603050405020304" pitchFamily="18" charset="0"/>
-                <a:ea typeface="Calibri" panose="020F0502020204030204" pitchFamily="34" charset="0"/>
-              </a:rPr>
-              <a:t>.</a:t>
-            </a:r>
-            <a:r>
-              <a:rPr lang="ru-RU" dirty="0">
-                <a:latin typeface="Times New Roman" panose="02020603050405020304" pitchFamily="18" charset="0"/>
-                <a:ea typeface="Calibri" panose="020F0502020204030204" pitchFamily="34" charset="0"/>
-              </a:rPr>
-              <a:t> Пример </a:t>
-            </a:r>
-            <a:r>
-              <a:rPr lang="en-US" dirty="0">
-                <a:latin typeface="Times New Roman" panose="02020603050405020304" pitchFamily="18" charset="0"/>
-                <a:ea typeface="Calibri" panose="020F0502020204030204" pitchFamily="34" charset="0"/>
-              </a:rPr>
-              <a:t>GUI</a:t>
-            </a:r>
-            <a:endParaRPr lang="ru-RU" dirty="0"/>
+                <a:solidFill>
+                  <a:schemeClr val="tx1"/>
+                </a:solidFill>
+                <a:latin typeface="Times New Roman" panose="02020603050405020304" pitchFamily="18" charset="0"/>
+                <a:cs typeface="Times New Roman" panose="02020603050405020304" pitchFamily="18" charset="0"/>
+              </a:rPr>
+              <a:t>________________________________________________________________________________________________________________________________________________</a:t>
+            </a:r>
+            <a:endParaRPr lang="ru-RU" sz="1200" dirty="0">
+              <a:solidFill>
+                <a:schemeClr val="tx1"/>
+              </a:solidFill>
+              <a:latin typeface="Times New Roman" panose="02020603050405020304" pitchFamily="18" charset="0"/>
+              <a:cs typeface="Times New Roman" panose="02020603050405020304" pitchFamily="18" charset="0"/>
+            </a:endParaRPr>
+          </a:p>
+          <a:p>
+            <a:pPr algn="l"/>
+            <a:r>
+              <a:rPr lang="en-US" sz="1200" dirty="0">
+                <a:solidFill>
+                  <a:schemeClr val="tx1"/>
+                </a:solidFill>
+                <a:latin typeface="Times New Roman" panose="02020603050405020304" pitchFamily="18" charset="0"/>
+                <a:cs typeface="Times New Roman" panose="02020603050405020304" pitchFamily="18" charset="0"/>
+              </a:rPr>
+              <a:t>[1] </a:t>
+            </a:r>
+            <a:r>
+              <a:rPr lang="ru-RU" sz="1200" dirty="0">
+                <a:solidFill>
+                  <a:schemeClr val="tx1"/>
+                </a:solidFill>
+                <a:latin typeface="Times New Roman" panose="02020603050405020304" pitchFamily="18" charset="0"/>
+                <a:cs typeface="Times New Roman" panose="02020603050405020304" pitchFamily="18" charset="0"/>
+              </a:rPr>
+              <a:t>Лукьянов Д. В. Разработка графического пользовательского интерфейса // Новые информационные технологии в автоматизированных системах. 2012</a:t>
+            </a:r>
+            <a:endParaRPr lang="en-US" sz="1200" dirty="0">
+              <a:solidFill>
+                <a:schemeClr val="tx1"/>
+              </a:solidFill>
+              <a:latin typeface="Times New Roman" panose="02020603050405020304" pitchFamily="18" charset="0"/>
+              <a:cs typeface="Times New Roman" panose="02020603050405020304" pitchFamily="18" charset="0"/>
+            </a:endParaRPr>
+          </a:p>
+          <a:p>
+            <a:endParaRPr lang="ru-RU" dirty="0">
+              <a:solidFill>
+                <a:schemeClr val="tx1"/>
+              </a:solidFill>
+            </a:endParaRPr>
           </a:p>
         </p:txBody>
       </p:sp>
@@ -6404,393 +5768,497 @@
           </a:p>
         </p:txBody>
       </p:sp>
-      <mc:AlternateContent xmlns:mc="http://schemas.openxmlformats.org/markup-compatibility/2006" xmlns:a14="http://schemas.microsoft.com/office/drawing/2010/main">
-        <mc:Choice Requires="a14">
-          <p:sp>
-            <p:nvSpPr>
-              <p:cNvPr id="6" name="TextBox 5">
-                <a:extLst>
-                  <a:ext uri="{FF2B5EF4-FFF2-40B4-BE49-F238E27FC236}">
-                    <a16:creationId xmlns:a16="http://schemas.microsoft.com/office/drawing/2014/main" id="{33275310-278B-D68A-F141-341B0933FC1D}"/>
-                  </a:ext>
-                </a:extLst>
-              </p:cNvPr>
-              <p:cNvSpPr txBox="1"/>
-              <p:nvPr/>
-            </p:nvSpPr>
-            <p:spPr>
-              <a:xfrm>
-                <a:off x="346591" y="669634"/>
-                <a:ext cx="11498818" cy="5397055"/>
-              </a:xfrm>
-              <a:prstGeom prst="rect">
-                <a:avLst/>
-              </a:prstGeom>
-              <a:noFill/>
-            </p:spPr>
-            <p:txBody>
-              <a:bodyPr wrap="square">
-                <a:spAutoFit/>
-              </a:bodyPr>
-              <a:lstStyle/>
-              <a:p>
-                <a:pPr algn="just"/>
-                <a:r>
-                  <a:rPr lang="ru-RU" sz="1900" dirty="0">
-                    <a:latin typeface="Times New Roman" panose="02020603050405020304" pitchFamily="18" charset="0"/>
-                    <a:cs typeface="Times New Roman" panose="02020603050405020304" pitchFamily="18" charset="0"/>
-                  </a:rPr>
-                  <a:t>При изучении статьи о </a:t>
-                </a:r>
-                <a:r>
-                  <a:rPr lang="ru-RU" sz="1900" dirty="0">
-                    <a:solidFill>
-                      <a:srgbClr val="7030A0"/>
-                    </a:solidFill>
-                    <a:latin typeface="Times New Roman" panose="02020603050405020304" pitchFamily="18" charset="0"/>
-                    <a:cs typeface="Times New Roman" panose="02020603050405020304" pitchFamily="18" charset="0"/>
-                  </a:rPr>
-                  <a:t>построении интерфейса на основе пользовательских </a:t>
-                </a:r>
-                <a14:m>
-                  <m:oMath xmlns:m="http://schemas.openxmlformats.org/officeDocument/2006/math">
-                    <m:sSup>
-                      <m:sSupPr>
-                        <m:ctrlPr>
-                          <a:rPr lang="ru-RU" sz="1900" i="1" smtClean="0">
-                            <a:latin typeface="Cambria Math" panose="02040503050406030204" pitchFamily="18" charset="0"/>
-                            <a:cs typeface="Times New Roman" panose="02020603050405020304" pitchFamily="18" charset="0"/>
-                          </a:rPr>
-                        </m:ctrlPr>
-                      </m:sSupPr>
-                      <m:e>
-                        <m:r>
-                          <a:rPr lang="ru-RU" sz="1900" i="0" smtClean="0">
-                            <a:solidFill>
-                              <a:srgbClr val="7030A0"/>
-                            </a:solidFill>
-                            <a:latin typeface="Cambria Math" panose="02040503050406030204" pitchFamily="18" charset="0"/>
-                            <a:cs typeface="Times New Roman" panose="02020603050405020304" pitchFamily="18" charset="0"/>
-                          </a:rPr>
-                          <m:t>целей</m:t>
-                        </m:r>
-                      </m:e>
-                      <m:sup>
-                        <m:r>
-                          <a:rPr lang="en-US" sz="1900" b="0" i="1" smtClean="0">
-                            <a:latin typeface="Cambria Math" panose="02040503050406030204" pitchFamily="18" charset="0"/>
-                            <a:cs typeface="Times New Roman" panose="02020603050405020304" pitchFamily="18" charset="0"/>
-                          </a:rPr>
-                          <m:t>2</m:t>
-                        </m:r>
-                      </m:sup>
-                    </m:sSup>
-                  </m:oMath>
-                </a14:m>
-                <a:r>
-                  <a:rPr lang="ru-RU" sz="1900" dirty="0">
-                    <a:latin typeface="Times New Roman" panose="02020603050405020304" pitchFamily="18" charset="0"/>
-                    <a:cs typeface="Times New Roman" panose="02020603050405020304" pitchFamily="18" charset="0"/>
-                  </a:rPr>
-                  <a:t> были выделены два метода взаимодействия человека и ЭВМ: </a:t>
-                </a:r>
-              </a:p>
-              <a:p>
-                <a:pPr marL="342900" indent="-342900" algn="just">
-                  <a:buClr>
-                    <a:schemeClr val="tx1"/>
-                  </a:buClr>
-                  <a:buFont typeface="+mj-lt"/>
-                  <a:buAutoNum type="arabicPeriod"/>
-                </a:pPr>
-                <a:r>
-                  <a:rPr lang="ru-RU" sz="1900" dirty="0">
-                    <a:solidFill>
-                      <a:srgbClr val="7030A0"/>
-                    </a:solidFill>
-                    <a:latin typeface="Times New Roman" panose="02020603050405020304" pitchFamily="18" charset="0"/>
-                    <a:cs typeface="Times New Roman" panose="02020603050405020304" pitchFamily="18" charset="0"/>
-                  </a:rPr>
-                  <a:t>Ограничительный</a:t>
-                </a:r>
-                <a:r>
-                  <a:rPr lang="ru-RU" sz="1900" dirty="0">
-                    <a:latin typeface="Times New Roman" panose="02020603050405020304" pitchFamily="18" charset="0"/>
-                    <a:cs typeface="Times New Roman" panose="02020603050405020304" pitchFamily="18" charset="0"/>
-                  </a:rPr>
-                  <a:t>. Пользователь должен иметь необходимые знания для того, чтобы самому планировать ход выполнения своего задания из предоставляемых ему операций.</a:t>
-                </a:r>
-              </a:p>
-              <a:p>
-                <a:pPr marL="342900" indent="-342900" algn="just">
-                  <a:buClr>
-                    <a:schemeClr val="tx1"/>
-                  </a:buClr>
-                  <a:buFont typeface="+mj-lt"/>
-                  <a:buAutoNum type="arabicPeriod"/>
-                </a:pPr>
-                <a:r>
-                  <a:rPr lang="ru-RU" sz="1900" dirty="0">
-                    <a:solidFill>
-                      <a:srgbClr val="7030A0"/>
-                    </a:solidFill>
-                    <a:latin typeface="Times New Roman" panose="02020603050405020304" pitchFamily="18" charset="0"/>
-                    <a:cs typeface="Times New Roman" panose="02020603050405020304" pitchFamily="18" charset="0"/>
-                  </a:rPr>
-                  <a:t>Направляющий</a:t>
-                </a:r>
-                <a:r>
-                  <a:rPr lang="ru-RU" sz="1900" dirty="0">
-                    <a:latin typeface="Times New Roman" panose="02020603050405020304" pitchFamily="18" charset="0"/>
-                    <a:cs typeface="Times New Roman" panose="02020603050405020304" pitchFamily="18" charset="0"/>
-                  </a:rPr>
-                  <a:t>. Каждая из целей соответствует определенному пользовательскому заданию, которое может выполнить ЭВМ, взаимодействуя с пользователем. </a:t>
-                </a:r>
-              </a:p>
-              <a:p>
-                <a:pPr algn="just"/>
-                <a:endParaRPr lang="ru-RU" sz="1900" dirty="0">
-                  <a:latin typeface="Times New Roman" panose="02020603050405020304" pitchFamily="18" charset="0"/>
-                  <a:cs typeface="Times New Roman" panose="02020603050405020304" pitchFamily="18" charset="0"/>
-                </a:endParaRPr>
-              </a:p>
-              <a:p>
-                <a:pPr algn="just"/>
-                <a:r>
-                  <a:rPr lang="ru-RU" sz="1900" dirty="0">
-                    <a:solidFill>
-                      <a:srgbClr val="7030A0"/>
-                    </a:solidFill>
-                    <a:latin typeface="Times New Roman" panose="02020603050405020304" pitchFamily="18" charset="0"/>
-                    <a:cs typeface="Times New Roman" panose="02020603050405020304" pitchFamily="18" charset="0"/>
-                  </a:rPr>
-                  <a:t>Методический подход к созданию средства построения пользовательского </a:t>
-                </a:r>
-                <a14:m>
-                  <m:oMath xmlns:m="http://schemas.openxmlformats.org/officeDocument/2006/math">
-                    <m:sSup>
-                      <m:sSupPr>
-                        <m:ctrlPr>
-                          <a:rPr lang="ru-RU" sz="1900" i="1" smtClean="0">
-                            <a:latin typeface="Cambria Math" panose="02040503050406030204" pitchFamily="18" charset="0"/>
-                            <a:cs typeface="Times New Roman" panose="02020603050405020304" pitchFamily="18" charset="0"/>
-                          </a:rPr>
-                        </m:ctrlPr>
-                      </m:sSupPr>
-                      <m:e>
-                        <m:r>
-                          <m:rPr>
-                            <m:nor/>
-                          </m:rPr>
-                          <a:rPr lang="ru-RU" sz="1900" dirty="0">
-                            <a:solidFill>
-                              <a:srgbClr val="7030A0"/>
-                            </a:solidFill>
-                            <a:latin typeface="Times New Roman" panose="02020603050405020304" pitchFamily="18" charset="0"/>
-                            <a:cs typeface="Times New Roman" panose="02020603050405020304" pitchFamily="18" charset="0"/>
-                          </a:rPr>
-                          <m:t>интерфейса</m:t>
-                        </m:r>
-                      </m:e>
-                      <m:sup>
-                        <m:r>
-                          <a:rPr lang="en-US" sz="1900" b="0" i="1" smtClean="0">
-                            <a:latin typeface="Cambria Math" panose="02040503050406030204" pitchFamily="18" charset="0"/>
-                            <a:cs typeface="Times New Roman" panose="02020603050405020304" pitchFamily="18" charset="0"/>
-                          </a:rPr>
-                          <m:t>3</m:t>
-                        </m:r>
-                      </m:sup>
-                    </m:sSup>
-                  </m:oMath>
-                </a14:m>
-                <a:r>
-                  <a:rPr lang="ru-RU" sz="1900" dirty="0">
-                    <a:latin typeface="Times New Roman" panose="02020603050405020304" pitchFamily="18" charset="0"/>
-                    <a:cs typeface="Times New Roman" panose="02020603050405020304" pitchFamily="18" charset="0"/>
-                  </a:rPr>
-                  <a:t>. </a:t>
-                </a:r>
-              </a:p>
-              <a:p>
-                <a:pPr marL="457200" indent="-457200" algn="just">
-                  <a:buFont typeface="+mj-lt"/>
-                  <a:buAutoNum type="arabicPeriod"/>
-                </a:pPr>
-                <a:r>
-                  <a:rPr lang="ru-RU" sz="1900" dirty="0">
-                    <a:latin typeface="Times New Roman" panose="02020603050405020304" pitchFamily="18" charset="0"/>
-                    <a:cs typeface="Times New Roman" panose="02020603050405020304" pitchFamily="18" charset="0"/>
-                  </a:rPr>
-                  <a:t>Мониторинг действий оператора.</a:t>
-                </a:r>
-              </a:p>
-              <a:p>
-                <a:pPr marL="457200" indent="-457200" algn="just">
-                  <a:buFont typeface="+mj-lt"/>
-                  <a:buAutoNum type="arabicPeriod"/>
-                </a:pPr>
-                <a:r>
-                  <a:rPr lang="ru-RU" sz="1900" dirty="0">
-                    <a:latin typeface="Times New Roman" panose="02020603050405020304" pitchFamily="18" charset="0"/>
-                    <a:cs typeface="Times New Roman" panose="02020603050405020304" pitchFamily="18" charset="0"/>
-                  </a:rPr>
-                  <a:t>Применения типовой системы показателей качества. Обеспечивается оценка качества пользовательского интерфейса.</a:t>
-                </a:r>
-              </a:p>
-              <a:p>
-                <a:pPr marL="457200" indent="-457200" algn="just">
-                  <a:buFont typeface="+mj-lt"/>
-                  <a:buAutoNum type="arabicPeriod"/>
-                </a:pPr>
-                <a:r>
-                  <a:rPr lang="ru-RU" sz="1900" dirty="0">
-                    <a:latin typeface="Times New Roman" panose="02020603050405020304" pitchFamily="18" charset="0"/>
-                    <a:cs typeface="Times New Roman" panose="02020603050405020304" pitchFamily="18" charset="0"/>
-                  </a:rPr>
-                  <a:t>Автоматизация программирования и документирования пользовательского интерфейса (возможность автоматизированного документирования интерфейса программы).</a:t>
-                </a:r>
-              </a:p>
-              <a:p>
-                <a:pPr marL="457200" indent="-457200" algn="just">
-                  <a:buFont typeface="+mj-lt"/>
-                  <a:buAutoNum type="arabicPeriod"/>
-                </a:pPr>
-                <a:r>
-                  <a:rPr lang="ru-RU" sz="1900" dirty="0">
-                    <a:latin typeface="Times New Roman" panose="02020603050405020304" pitchFamily="18" charset="0"/>
-                    <a:cs typeface="Times New Roman" panose="02020603050405020304" pitchFamily="18" charset="0"/>
-                  </a:rPr>
-                  <a:t>Отображение некоторого абстрактного сценария осуществляет механизм его интерпретации в стандартные программные процедуры. </a:t>
-                </a:r>
-              </a:p>
-              <a:p>
-                <a:pPr marL="457200" indent="-457200" algn="just">
-                  <a:buFont typeface="+mj-lt"/>
-                  <a:buAutoNum type="arabicPeriod"/>
-                </a:pPr>
-                <a:endParaRPr lang="ru-RU" sz="1900" dirty="0">
-                  <a:latin typeface="Times New Roman" panose="02020603050405020304" pitchFamily="18" charset="0"/>
-                  <a:cs typeface="Times New Roman" panose="02020603050405020304" pitchFamily="18" charset="0"/>
-                </a:endParaRPr>
-              </a:p>
-              <a:p>
-                <a:pPr algn="just"/>
-                <a:r>
-                  <a:rPr lang="ru-RU" sz="1900" dirty="0">
-                    <a:latin typeface="Times New Roman" panose="02020603050405020304" pitchFamily="18" charset="0"/>
-                    <a:cs typeface="Times New Roman" panose="02020603050405020304" pitchFamily="18" charset="0"/>
-                  </a:rPr>
-                  <a:t>Так же существует метод  </a:t>
-                </a:r>
-                <a:r>
-                  <a:rPr lang="ru-RU" sz="1900" dirty="0">
-                    <a:solidFill>
-                      <a:srgbClr val="7030A0"/>
-                    </a:solidFill>
-                    <a:latin typeface="Times New Roman" panose="02020603050405020304" pitchFamily="18" charset="0"/>
-                    <a:cs typeface="Times New Roman" panose="02020603050405020304" pitchFamily="18" charset="0"/>
-                  </a:rPr>
-                  <a:t>построение пользовательского интерфейса с использованием интерактивного машинного </a:t>
-                </a:r>
-                <a14:m>
-                  <m:oMath xmlns:m="http://schemas.openxmlformats.org/officeDocument/2006/math">
-                    <m:sSup>
-                      <m:sSupPr>
-                        <m:ctrlPr>
-                          <a:rPr lang="ru-RU" sz="1900" i="1" smtClean="0">
-                            <a:latin typeface="Cambria Math" panose="02040503050406030204" pitchFamily="18" charset="0"/>
-                            <a:cs typeface="Times New Roman" panose="02020603050405020304" pitchFamily="18" charset="0"/>
-                          </a:rPr>
-                        </m:ctrlPr>
-                      </m:sSupPr>
-                      <m:e>
-                        <m:r>
-                          <a:rPr lang="ru-RU" sz="1900" i="0" smtClean="0">
-                            <a:solidFill>
-                              <a:srgbClr val="7030A0"/>
-                            </a:solidFill>
-                            <a:latin typeface="Cambria Math" panose="02040503050406030204" pitchFamily="18" charset="0"/>
-                            <a:cs typeface="Times New Roman" panose="02020603050405020304" pitchFamily="18" charset="0"/>
-                          </a:rPr>
-                          <m:t>обучения</m:t>
-                        </m:r>
-                      </m:e>
-                      <m:sup>
-                        <m:r>
-                          <a:rPr lang="en-US" sz="1900" b="0" i="1" smtClean="0">
-                            <a:latin typeface="Cambria Math" panose="02040503050406030204" pitchFamily="18" charset="0"/>
-                            <a:cs typeface="Times New Roman" panose="02020603050405020304" pitchFamily="18" charset="0"/>
-                          </a:rPr>
-                          <m:t>4</m:t>
-                        </m:r>
-                      </m:sup>
-                    </m:sSup>
-                  </m:oMath>
-                </a14:m>
-                <a:r>
-                  <a:rPr lang="ru-RU" sz="1900" dirty="0">
-                    <a:latin typeface="Times New Roman" panose="02020603050405020304" pitchFamily="18" charset="0"/>
-                    <a:cs typeface="Times New Roman" panose="02020603050405020304" pitchFamily="18" charset="0"/>
-                  </a:rPr>
-                  <a:t>.</a:t>
-                </a:r>
-                <a:endParaRPr lang="ru-RU" sz="1900" dirty="0">
-                  <a:solidFill>
-                    <a:srgbClr val="7030A0"/>
-                  </a:solidFill>
-                  <a:latin typeface="Times New Roman" panose="02020603050405020304" pitchFamily="18" charset="0"/>
-                  <a:cs typeface="Times New Roman" panose="02020603050405020304" pitchFamily="18" charset="0"/>
-                </a:endParaRPr>
-              </a:p>
-            </p:txBody>
-          </p:sp>
-        </mc:Choice>
-        <mc:Fallback xmlns="">
-          <p:sp>
-            <p:nvSpPr>
-              <p:cNvPr id="6" name="TextBox 5">
-                <a:extLst>
-                  <a:ext uri="{FF2B5EF4-FFF2-40B4-BE49-F238E27FC236}">
-                    <a16:creationId xmlns:a16="http://schemas.microsoft.com/office/drawing/2014/main" id="{33275310-278B-D68A-F141-341B0933FC1D}"/>
-                  </a:ext>
-                </a:extLst>
-              </p:cNvPr>
-              <p:cNvSpPr txBox="1">
-                <a:spLocks noRot="1" noChangeAspect="1" noMove="1" noResize="1" noEditPoints="1" noAdjustHandles="1" noChangeArrowheads="1" noChangeShapeType="1" noTextEdit="1"/>
-              </p:cNvSpPr>
-              <p:nvPr/>
-            </p:nvSpPr>
-            <p:spPr>
-              <a:xfrm>
-                <a:off x="346591" y="669634"/>
-                <a:ext cx="11498818" cy="5397055"/>
-              </a:xfrm>
-              <a:prstGeom prst="rect">
-                <a:avLst/>
-              </a:prstGeom>
-              <a:blipFill>
-                <a:blip r:embed="rId2"/>
-                <a:stretch>
-                  <a:fillRect l="-530" t="-565" r="-477" b="-339"/>
-                </a:stretch>
-              </a:blipFill>
-            </p:spPr>
-            <p:txBody>
-              <a:bodyPr/>
-              <a:lstStyle/>
-              <a:p>
-                <a:r>
-                  <a:rPr lang="ru-RU">
-                    <a:noFill/>
-                  </a:rPr>
-                  <a:t> </a:t>
-                </a:r>
-              </a:p>
-            </p:txBody>
-          </p:sp>
-        </mc:Fallback>
-      </mc:AlternateContent>
+      <p:sp>
+        <p:nvSpPr>
+          <p:cNvPr id="6" name="TextBox 5">
+            <a:extLst>
+              <a:ext uri="{FF2B5EF4-FFF2-40B4-BE49-F238E27FC236}">
+                <a16:creationId xmlns:a16="http://schemas.microsoft.com/office/drawing/2014/main" id="{33275310-278B-D68A-F141-341B0933FC1D}"/>
+              </a:ext>
+            </a:extLst>
+          </p:cNvPr>
+          <p:cNvSpPr txBox="1"/>
+          <p:nvPr/>
+        </p:nvSpPr>
+        <p:spPr>
+          <a:xfrm>
+            <a:off x="346591" y="669634"/>
+            <a:ext cx="11498818" cy="4801314"/>
+          </a:xfrm>
+          <a:prstGeom prst="rect">
+            <a:avLst/>
+          </a:prstGeom>
+          <a:noFill/>
+        </p:spPr>
+        <p:txBody>
+          <a:bodyPr wrap="square">
+            <a:spAutoFit/>
+          </a:bodyPr>
+          <a:lstStyle/>
+          <a:p>
+            <a:pPr algn="just"/>
+            <a:r>
+              <a:rPr lang="ru-RU" dirty="0">
+                <a:solidFill>
+                  <a:srgbClr val="7030A0"/>
+                </a:solidFill>
+                <a:latin typeface="Times New Roman" panose="02020603050405020304" pitchFamily="18" charset="0"/>
+                <a:cs typeface="Times New Roman" panose="02020603050405020304" pitchFamily="18" charset="0"/>
+              </a:rPr>
+              <a:t>На основе пользовательских целей</a:t>
+            </a:r>
+            <a:r>
+              <a:rPr lang="ru-RU" baseline="30000" dirty="0">
+                <a:solidFill>
+                  <a:srgbClr val="7030A0"/>
+                </a:solidFill>
+                <a:latin typeface="Times New Roman" panose="02020603050405020304" pitchFamily="18" charset="0"/>
+                <a:cs typeface="Times New Roman" panose="02020603050405020304" pitchFamily="18" charset="0"/>
+              </a:rPr>
+              <a:t>2</a:t>
+            </a:r>
+            <a:r>
+              <a:rPr lang="ru-RU" dirty="0">
+                <a:solidFill>
+                  <a:srgbClr val="7030A0"/>
+                </a:solidFill>
+                <a:latin typeface="Times New Roman" panose="02020603050405020304" pitchFamily="18" charset="0"/>
+                <a:cs typeface="Times New Roman" panose="02020603050405020304" pitchFamily="18" charset="0"/>
+              </a:rPr>
+              <a:t>.</a:t>
+            </a:r>
+            <a:endParaRPr lang="ru-RU" dirty="0">
+              <a:latin typeface="Times New Roman" panose="02020603050405020304" pitchFamily="18" charset="0"/>
+              <a:cs typeface="Times New Roman" panose="02020603050405020304" pitchFamily="18" charset="0"/>
+            </a:endParaRPr>
+          </a:p>
+          <a:p>
+            <a:pPr algn="just"/>
+            <a:r>
+              <a:rPr lang="ru-RU" dirty="0">
+                <a:latin typeface="Times New Roman" panose="02020603050405020304" pitchFamily="18" charset="0"/>
+                <a:cs typeface="Times New Roman" panose="02020603050405020304" pitchFamily="18" charset="0"/>
+              </a:rPr>
+              <a:t>Метода взаимодействия человека и ЭВМ: </a:t>
+            </a:r>
+          </a:p>
+          <a:p>
+            <a:pPr marL="342900" indent="-342900" algn="just">
+              <a:buClr>
+                <a:schemeClr val="tx1"/>
+              </a:buClr>
+              <a:buFont typeface="+mj-lt"/>
+              <a:buAutoNum type="arabicPeriod"/>
+            </a:pPr>
+            <a:r>
+              <a:rPr lang="ru-RU" dirty="0">
+                <a:solidFill>
+                  <a:srgbClr val="7030A0"/>
+                </a:solidFill>
+                <a:latin typeface="Times New Roman" panose="02020603050405020304" pitchFamily="18" charset="0"/>
+                <a:cs typeface="Times New Roman" panose="02020603050405020304" pitchFamily="18" charset="0"/>
+              </a:rPr>
+              <a:t>Ограничительный</a:t>
+            </a:r>
+            <a:r>
+              <a:rPr lang="ru-RU" dirty="0">
+                <a:latin typeface="Times New Roman" panose="02020603050405020304" pitchFamily="18" charset="0"/>
+                <a:cs typeface="Times New Roman" panose="02020603050405020304" pitchFamily="18" charset="0"/>
+              </a:rPr>
+              <a:t>. Пользователь должен иметь необходимые знания для того, чтобы самому планировать ход выполнения своего задания из предоставляемых ему операций.</a:t>
+            </a:r>
+          </a:p>
+          <a:p>
+            <a:pPr marL="342900" indent="-342900" algn="just">
+              <a:buClr>
+                <a:schemeClr val="tx1"/>
+              </a:buClr>
+              <a:buFont typeface="+mj-lt"/>
+              <a:buAutoNum type="arabicPeriod"/>
+            </a:pPr>
+            <a:r>
+              <a:rPr lang="ru-RU" dirty="0">
+                <a:solidFill>
+                  <a:srgbClr val="7030A0"/>
+                </a:solidFill>
+                <a:latin typeface="Times New Roman" panose="02020603050405020304" pitchFamily="18" charset="0"/>
+                <a:cs typeface="Times New Roman" panose="02020603050405020304" pitchFamily="18" charset="0"/>
+              </a:rPr>
+              <a:t>Направляющий</a:t>
+            </a:r>
+            <a:r>
+              <a:rPr lang="ru-RU" dirty="0">
+                <a:latin typeface="Times New Roman" panose="02020603050405020304" pitchFamily="18" charset="0"/>
+                <a:cs typeface="Times New Roman" panose="02020603050405020304" pitchFamily="18" charset="0"/>
+              </a:rPr>
+              <a:t>. Каждая из целей соответствует определенному пользовательскому заданию, которое может выполнить ЭВМ, взаимодействуя с пользователем. </a:t>
+            </a:r>
+          </a:p>
+          <a:p>
+            <a:pPr algn="just"/>
+            <a:endParaRPr lang="ru-RU" dirty="0">
+              <a:latin typeface="Times New Roman" panose="02020603050405020304" pitchFamily="18" charset="0"/>
+              <a:cs typeface="Times New Roman" panose="02020603050405020304" pitchFamily="18" charset="0"/>
+            </a:endParaRPr>
+          </a:p>
+          <a:p>
+            <a:pPr algn="just"/>
+            <a:r>
+              <a:rPr lang="ru-RU" dirty="0">
+                <a:solidFill>
+                  <a:srgbClr val="7030A0"/>
+                </a:solidFill>
+                <a:latin typeface="Times New Roman" panose="02020603050405020304" pitchFamily="18" charset="0"/>
+                <a:cs typeface="Times New Roman" panose="02020603050405020304" pitchFamily="18" charset="0"/>
+              </a:rPr>
+              <a:t>Методический подход</a:t>
+            </a:r>
+            <a:r>
+              <a:rPr lang="ru-RU" baseline="30000" dirty="0">
+                <a:solidFill>
+                  <a:srgbClr val="7030A0"/>
+                </a:solidFill>
+                <a:latin typeface="Times New Roman" panose="02020603050405020304" pitchFamily="18" charset="0"/>
+                <a:cs typeface="Times New Roman" panose="02020603050405020304" pitchFamily="18" charset="0"/>
+              </a:rPr>
+              <a:t>3</a:t>
+            </a:r>
+            <a:r>
+              <a:rPr lang="ru-RU" dirty="0">
+                <a:latin typeface="Times New Roman" panose="02020603050405020304" pitchFamily="18" charset="0"/>
+                <a:cs typeface="Times New Roman" panose="02020603050405020304" pitchFamily="18" charset="0"/>
+              </a:rPr>
+              <a:t>. </a:t>
+            </a:r>
+          </a:p>
+          <a:p>
+            <a:pPr marL="285750" indent="-285750" algn="just">
+              <a:buFont typeface="Arial" panose="020B0604020202020204" pitchFamily="34" charset="0"/>
+              <a:buChar char="•"/>
+            </a:pPr>
+            <a:r>
+              <a:rPr lang="ru-RU" dirty="0">
+                <a:latin typeface="Times New Roman" panose="02020603050405020304" pitchFamily="18" charset="0"/>
+                <a:cs typeface="Times New Roman" panose="02020603050405020304" pitchFamily="18" charset="0"/>
+              </a:rPr>
+              <a:t>Мониторинг действий оператора.</a:t>
+            </a:r>
+          </a:p>
+          <a:p>
+            <a:pPr marL="285750" indent="-285750" algn="just">
+              <a:buFont typeface="Arial" panose="020B0604020202020204" pitchFamily="34" charset="0"/>
+              <a:buChar char="•"/>
+            </a:pPr>
+            <a:r>
+              <a:rPr lang="ru-RU" dirty="0">
+                <a:latin typeface="Times New Roman" panose="02020603050405020304" pitchFamily="18" charset="0"/>
+                <a:cs typeface="Times New Roman" panose="02020603050405020304" pitchFamily="18" charset="0"/>
+              </a:rPr>
+              <a:t>Применения типовой системы показателей качества. Обеспечивается оценка качества пользовательского интерфейса.</a:t>
+            </a:r>
+          </a:p>
+          <a:p>
+            <a:pPr marL="285750" indent="-285750" algn="just">
+              <a:buFont typeface="Arial" panose="020B0604020202020204" pitchFamily="34" charset="0"/>
+              <a:buChar char="•"/>
+            </a:pPr>
+            <a:r>
+              <a:rPr lang="ru-RU" dirty="0">
+                <a:latin typeface="Times New Roman" panose="02020603050405020304" pitchFamily="18" charset="0"/>
+                <a:cs typeface="Times New Roman" panose="02020603050405020304" pitchFamily="18" charset="0"/>
+              </a:rPr>
+              <a:t>Автоматизация программирования и документирования пользовательского интерфейса (возможность автоматизированного документирования интерфейса программы).</a:t>
+            </a:r>
+          </a:p>
+          <a:p>
+            <a:pPr marL="285750" indent="-285750" algn="just">
+              <a:buFont typeface="Arial" panose="020B0604020202020204" pitchFamily="34" charset="0"/>
+              <a:buChar char="•"/>
+            </a:pPr>
+            <a:r>
+              <a:rPr lang="ru-RU" dirty="0">
+                <a:latin typeface="Times New Roman" panose="02020603050405020304" pitchFamily="18" charset="0"/>
+                <a:cs typeface="Times New Roman" panose="02020603050405020304" pitchFamily="18" charset="0"/>
+              </a:rPr>
+              <a:t>Интерпретация сценария воздействия пользователя в </a:t>
+            </a:r>
+            <a:r>
+              <a:rPr lang="ru-RU" sz="1800" dirty="0">
+                <a:effectLst/>
+                <a:latin typeface="Times New Roman" panose="02020603050405020304" pitchFamily="18" charset="0"/>
+                <a:ea typeface="Times New Roman" panose="02020603050405020304" pitchFamily="18" charset="0"/>
+              </a:rPr>
+              <a:t>стандартные программные процедуры.</a:t>
+            </a:r>
+            <a:endParaRPr lang="ru-RU" dirty="0">
+              <a:latin typeface="Times New Roman" panose="02020603050405020304" pitchFamily="18" charset="0"/>
+              <a:cs typeface="Times New Roman" panose="02020603050405020304" pitchFamily="18" charset="0"/>
+            </a:endParaRPr>
+          </a:p>
+          <a:p>
+            <a:pPr marL="457200" indent="-457200" algn="just">
+              <a:buFont typeface="+mj-lt"/>
+              <a:buAutoNum type="arabicPeriod"/>
+            </a:pPr>
+            <a:endParaRPr lang="ru-RU" dirty="0">
+              <a:latin typeface="Times New Roman" panose="02020603050405020304" pitchFamily="18" charset="0"/>
+              <a:cs typeface="Times New Roman" panose="02020603050405020304" pitchFamily="18" charset="0"/>
+            </a:endParaRPr>
+          </a:p>
+          <a:p>
+            <a:pPr algn="just"/>
+            <a:r>
+              <a:rPr lang="ru-RU" dirty="0">
+                <a:latin typeface="Times New Roman" panose="02020603050405020304" pitchFamily="18" charset="0"/>
+                <a:cs typeface="Times New Roman" panose="02020603050405020304" pitchFamily="18" charset="0"/>
+              </a:rPr>
+              <a:t>Так же существует метод  </a:t>
+            </a:r>
+            <a:r>
+              <a:rPr lang="ru-RU" dirty="0">
+                <a:solidFill>
+                  <a:srgbClr val="7030A0"/>
+                </a:solidFill>
+                <a:latin typeface="Times New Roman" panose="02020603050405020304" pitchFamily="18" charset="0"/>
+                <a:cs typeface="Times New Roman" panose="02020603050405020304" pitchFamily="18" charset="0"/>
+              </a:rPr>
+              <a:t>построение пользовательского интерфейса с использованием интерактивного машинного обучения</a:t>
+            </a:r>
+            <a:r>
+              <a:rPr lang="ru-RU" baseline="30000" dirty="0">
+                <a:solidFill>
+                  <a:srgbClr val="7030A0"/>
+                </a:solidFill>
+                <a:latin typeface="Times New Roman" panose="02020603050405020304" pitchFamily="18" charset="0"/>
+                <a:cs typeface="Times New Roman" panose="02020603050405020304" pitchFamily="18" charset="0"/>
+              </a:rPr>
+              <a:t>4</a:t>
+            </a:r>
+            <a:r>
+              <a:rPr lang="ru-RU" dirty="0">
+                <a:latin typeface="Times New Roman" panose="02020603050405020304" pitchFamily="18" charset="0"/>
+                <a:cs typeface="Times New Roman" panose="02020603050405020304" pitchFamily="18" charset="0"/>
+              </a:rPr>
+              <a:t>.</a:t>
+            </a:r>
+            <a:endParaRPr lang="ru-RU" dirty="0">
+              <a:solidFill>
+                <a:srgbClr val="7030A0"/>
+              </a:solidFill>
+              <a:latin typeface="Times New Roman" panose="02020603050405020304" pitchFamily="18" charset="0"/>
+              <a:cs typeface="Times New Roman" panose="02020603050405020304" pitchFamily="18" charset="0"/>
+            </a:endParaRPr>
+          </a:p>
+        </p:txBody>
+      </p:sp>
+      <p:sp>
+        <p:nvSpPr>
+          <p:cNvPr id="3" name="Нижний колонтитул 2">
+            <a:extLst>
+              <a:ext uri="{FF2B5EF4-FFF2-40B4-BE49-F238E27FC236}">
+                <a16:creationId xmlns:a16="http://schemas.microsoft.com/office/drawing/2014/main" id="{89FB1680-F40A-B27C-799C-FBDC6433940F}"/>
+              </a:ext>
+            </a:extLst>
+          </p:cNvPr>
+          <p:cNvSpPr>
+            <a:spLocks noGrp="1"/>
+          </p:cNvSpPr>
+          <p:nvPr>
+            <p:ph type="ftr" sz="quarter" idx="11"/>
+          </p:nvPr>
+        </p:nvSpPr>
+        <p:spPr>
+          <a:xfrm>
+            <a:off x="627185" y="6096000"/>
+            <a:ext cx="11218223" cy="625476"/>
+          </a:xfrm>
+        </p:spPr>
+        <p:txBody>
+          <a:bodyPr/>
+          <a:lstStyle/>
+          <a:p>
+            <a:pPr marL="0" indent="0" algn="just">
+              <a:buNone/>
+            </a:pPr>
+            <a:r>
+              <a:rPr lang="ru-RU" sz="1200" dirty="0">
+                <a:solidFill>
+                  <a:schemeClr val="tx1"/>
+                </a:solidFill>
+                <a:latin typeface="Times New Roman" panose="02020603050405020304" pitchFamily="18" charset="0"/>
+                <a:cs typeface="Times New Roman" panose="02020603050405020304" pitchFamily="18" charset="0"/>
+              </a:rPr>
+              <a:t>________________________________________________________________________________________________________________________________________________</a:t>
+            </a:r>
+          </a:p>
+          <a:p>
+            <a:pPr marL="0" indent="0" algn="just">
+              <a:buNone/>
+            </a:pPr>
+            <a:r>
+              <a:rPr lang="en-US" sz="1200" dirty="0">
+                <a:solidFill>
+                  <a:schemeClr val="tx1"/>
+                </a:solidFill>
+                <a:latin typeface="Times New Roman" panose="02020603050405020304" pitchFamily="18" charset="0"/>
+                <a:cs typeface="Times New Roman" panose="02020603050405020304" pitchFamily="18" charset="0"/>
+              </a:rPr>
+              <a:t>[2] </a:t>
+            </a:r>
+            <a:r>
+              <a:rPr lang="ru-RU" sz="1200" dirty="0" err="1">
+                <a:solidFill>
+                  <a:schemeClr val="tx1"/>
+                </a:solidFill>
+                <a:latin typeface="Times New Roman" panose="02020603050405020304" pitchFamily="18" charset="0"/>
+                <a:cs typeface="Times New Roman" panose="02020603050405020304" pitchFamily="18" charset="0"/>
+              </a:rPr>
+              <a:t>Санковский</a:t>
+            </a:r>
+            <a:r>
+              <a:rPr lang="ru-RU" sz="1200" dirty="0">
+                <a:solidFill>
+                  <a:schemeClr val="tx1"/>
+                </a:solidFill>
+                <a:latin typeface="Times New Roman" panose="02020603050405020304" pitchFamily="18" charset="0"/>
+                <a:cs typeface="Times New Roman" panose="02020603050405020304" pitchFamily="18" charset="0"/>
+              </a:rPr>
+              <a:t> Ю.Е. Метод построения оконного интерфейса пользователя на основе моделирования пользовательских целей. 1998</a:t>
+            </a:r>
+          </a:p>
+          <a:p>
+            <a:pPr marL="0" indent="0" algn="just">
+              <a:buNone/>
+            </a:pPr>
+            <a:r>
+              <a:rPr lang="en-US" sz="1200" dirty="0">
+                <a:solidFill>
+                  <a:schemeClr val="tx1"/>
+                </a:solidFill>
+                <a:latin typeface="Times New Roman" panose="02020603050405020304" pitchFamily="18" charset="0"/>
+                <a:cs typeface="Times New Roman" panose="02020603050405020304" pitchFamily="18" charset="0"/>
+              </a:rPr>
+              <a:t>[3] </a:t>
+            </a:r>
+            <a:r>
+              <a:rPr lang="ru-RU" sz="1200" dirty="0">
+                <a:solidFill>
+                  <a:schemeClr val="tx1"/>
+                </a:solidFill>
+                <a:latin typeface="Times New Roman" panose="02020603050405020304" pitchFamily="18" charset="0"/>
+                <a:cs typeface="Times New Roman" panose="02020603050405020304" pitchFamily="18" charset="0"/>
+              </a:rPr>
+              <a:t>Казаков Г.В., </a:t>
+            </a:r>
+            <a:r>
+              <a:rPr lang="ru-RU" sz="1200" dirty="0" err="1">
+                <a:solidFill>
+                  <a:schemeClr val="tx1"/>
+                </a:solidFill>
+                <a:latin typeface="Times New Roman" panose="02020603050405020304" pitchFamily="18" charset="0"/>
+                <a:cs typeface="Times New Roman" panose="02020603050405020304" pitchFamily="18" charset="0"/>
+              </a:rPr>
+              <a:t>Корянов</a:t>
+            </a:r>
+            <a:r>
+              <a:rPr lang="ru-RU" sz="1200" dirty="0">
+                <a:solidFill>
+                  <a:schemeClr val="tx1"/>
+                </a:solidFill>
+                <a:latin typeface="Times New Roman" panose="02020603050405020304" pitchFamily="18" charset="0"/>
+                <a:cs typeface="Times New Roman" panose="02020603050405020304" pitchFamily="18" charset="0"/>
+              </a:rPr>
+              <a:t> В.В., </a:t>
+            </a:r>
+            <a:r>
+              <a:rPr lang="ru-RU" sz="1200" dirty="0" err="1">
+                <a:solidFill>
+                  <a:schemeClr val="tx1"/>
+                </a:solidFill>
+                <a:latin typeface="Times New Roman" panose="02020603050405020304" pitchFamily="18" charset="0"/>
+                <a:cs typeface="Times New Roman" panose="02020603050405020304" pitchFamily="18" charset="0"/>
+              </a:rPr>
+              <a:t>Чемирисов</a:t>
+            </a:r>
+            <a:r>
+              <a:rPr lang="ru-RU" sz="1200" dirty="0">
+                <a:solidFill>
+                  <a:schemeClr val="tx1"/>
+                </a:solidFill>
+                <a:latin typeface="Times New Roman" panose="02020603050405020304" pitchFamily="18" charset="0"/>
+                <a:cs typeface="Times New Roman" panose="02020603050405020304" pitchFamily="18" charset="0"/>
+              </a:rPr>
+              <a:t> В.В., Уваров А.В. Методический подход к созданию универсального пользовательского интерфейса. 2020.</a:t>
+            </a:r>
+            <a:endParaRPr lang="en-US" sz="1200" dirty="0">
+              <a:solidFill>
+                <a:schemeClr val="tx1"/>
+              </a:solidFill>
+              <a:latin typeface="Times New Roman" panose="02020603050405020304" pitchFamily="18" charset="0"/>
+              <a:cs typeface="Times New Roman" panose="02020603050405020304" pitchFamily="18" charset="0"/>
+            </a:endParaRPr>
+          </a:p>
+          <a:p>
+            <a:pPr marL="0" indent="0" algn="just">
+              <a:buNone/>
+            </a:pPr>
+            <a:r>
+              <a:rPr lang="en-US" sz="1200" dirty="0">
+                <a:solidFill>
+                  <a:schemeClr val="tx1"/>
+                </a:solidFill>
+                <a:latin typeface="Times New Roman" panose="02020603050405020304" pitchFamily="18" charset="0"/>
+                <a:cs typeface="Times New Roman" panose="02020603050405020304" pitchFamily="18" charset="0"/>
+              </a:rPr>
+              <a:t>[4] </a:t>
+            </a:r>
+            <a:r>
+              <a:rPr lang="ru-RU" sz="1200" dirty="0">
+                <a:solidFill>
+                  <a:schemeClr val="tx1"/>
+                </a:solidFill>
+                <a:latin typeface="Times New Roman" panose="02020603050405020304" pitchFamily="18" charset="0"/>
+                <a:cs typeface="Times New Roman" panose="02020603050405020304" pitchFamily="18" charset="0"/>
+              </a:rPr>
+              <a:t>Юркин В.А., </a:t>
+            </a:r>
+            <a:r>
+              <a:rPr lang="ru-RU" sz="1200" dirty="0" err="1">
+                <a:solidFill>
+                  <a:schemeClr val="tx1"/>
+                </a:solidFill>
+                <a:latin typeface="Times New Roman" panose="02020603050405020304" pitchFamily="18" charset="0"/>
+                <a:cs typeface="Times New Roman" panose="02020603050405020304" pitchFamily="18" charset="0"/>
+              </a:rPr>
+              <a:t>Сараджишвили</a:t>
+            </a:r>
+            <a:r>
+              <a:rPr lang="ru-RU" sz="1200" dirty="0">
+                <a:solidFill>
+                  <a:schemeClr val="tx1"/>
+                </a:solidFill>
+                <a:latin typeface="Times New Roman" panose="02020603050405020304" pitchFamily="18" charset="0"/>
+                <a:cs typeface="Times New Roman" panose="02020603050405020304" pitchFamily="18" charset="0"/>
+              </a:rPr>
+              <a:t> С.Э. Построение пользовательского интерфейса с использованием интерактивного машинного обучения. 2020.</a:t>
+            </a:r>
+            <a:endParaRPr lang="en-US" sz="1200" dirty="0">
+              <a:solidFill>
+                <a:schemeClr val="tx1"/>
+              </a:solidFill>
+              <a:latin typeface="Times New Roman" panose="02020603050405020304" pitchFamily="18" charset="0"/>
+              <a:cs typeface="Times New Roman" panose="02020603050405020304" pitchFamily="18" charset="0"/>
+            </a:endParaRPr>
+          </a:p>
+          <a:p>
+            <a:endParaRPr lang="ru-RU" dirty="0">
+              <a:solidFill>
+                <a:schemeClr val="tx1"/>
+              </a:solidFill>
+            </a:endParaRPr>
+          </a:p>
+        </p:txBody>
+      </p:sp>
     </p:spTree>
     <p:extLst>
       <p:ext uri="{BB962C8B-B14F-4D97-AF65-F5344CB8AC3E}">
@@ -6947,8 +6415,8 @@
         </p:nvSpPr>
         <p:spPr>
           <a:xfrm>
-            <a:off x="346591" y="752669"/>
-            <a:ext cx="11498817" cy="5949093"/>
+            <a:off x="346591" y="975360"/>
+            <a:ext cx="11498817" cy="5726402"/>
           </a:xfrm>
         </p:spPr>
         <p:txBody>
@@ -6979,21 +6447,7 @@
                 <a:latin typeface="Times New Roman" panose="02020603050405020304" pitchFamily="18" charset="0"/>
                 <a:cs typeface="Times New Roman" panose="02020603050405020304" pitchFamily="18" charset="0"/>
               </a:rPr>
-              <a:t>разработать библиотеку, обеспечивающую автоматизацию построения динамических пользовательских интерфейсов и создать основу для разработки </a:t>
-            </a:r>
-            <a:r>
-              <a:rPr lang="ru-RU" sz="2400" dirty="0" err="1">
-                <a:latin typeface="Times New Roman" panose="02020603050405020304" pitchFamily="18" charset="0"/>
-                <a:cs typeface="Times New Roman" panose="02020603050405020304" pitchFamily="18" charset="0"/>
-              </a:rPr>
-              <a:t>web</a:t>
-            </a:r>
-            <a:r>
-              <a:rPr lang="ru-RU" sz="2400" dirty="0">
-                <a:latin typeface="Times New Roman" panose="02020603050405020304" pitchFamily="18" charset="0"/>
-                <a:cs typeface="Times New Roman" panose="02020603050405020304" pitchFamily="18" charset="0"/>
-              </a:rPr>
-              <a:t>-ориентированного препроцессора инженерной программной системы.</a:t>
+              <a:t>разработать библиотеку, обеспечивающую автоматизацию построения динамических пользовательских интерфейсов.</a:t>
             </a:r>
           </a:p>
           <a:p>
@@ -7031,179 +6485,18 @@
           <a:p>
             <a:pPr algn="just"/>
             <a:r>
-              <a:rPr lang="ru-RU" sz="2400">
-                <a:solidFill>
-                  <a:srgbClr val="7030A0"/>
-                </a:solidFill>
-                <a:latin typeface="Times New Roman" panose="02020603050405020304" pitchFamily="18" charset="0"/>
-                <a:cs typeface="Times New Roman" panose="02020603050405020304" pitchFamily="18" charset="0"/>
-              </a:rPr>
-              <a:t>Рассмотреть </a:t>
-            </a:r>
-            <a:r>
               <a:rPr lang="ru-RU" sz="2400" dirty="0">
-                <a:solidFill>
-                  <a:srgbClr val="7030A0"/>
-                </a:solidFill>
-                <a:latin typeface="Times New Roman" panose="02020603050405020304" pitchFamily="18" charset="0"/>
-                <a:cs typeface="Times New Roman" panose="02020603050405020304" pitchFamily="18" charset="0"/>
-              </a:rPr>
-              <a:t>существующие подходы разработки </a:t>
+                <a:latin typeface="Times New Roman" panose="02020603050405020304" pitchFamily="18" charset="0"/>
+                <a:cs typeface="Times New Roman" panose="02020603050405020304" pitchFamily="18" charset="0"/>
+              </a:rPr>
+              <a:t>Рассмотреть существующие подходы разработки </a:t>
             </a:r>
             <a:r>
               <a:rPr lang="en-US" sz="2400" dirty="0">
-                <a:solidFill>
-                  <a:srgbClr val="7030A0"/>
-                </a:solidFill>
                 <a:latin typeface="Times New Roman" panose="02020603050405020304" pitchFamily="18" charset="0"/>
                 <a:cs typeface="Times New Roman" panose="02020603050405020304" pitchFamily="18" charset="0"/>
               </a:rPr>
               <a:t>GUI.</a:t>
-            </a:r>
-            <a:endParaRPr lang="ru-RU" sz="2400" dirty="0">
-              <a:solidFill>
-                <a:srgbClr val="7030A0"/>
-              </a:solidFill>
-              <a:latin typeface="Times New Roman" panose="02020603050405020304" pitchFamily="18" charset="0"/>
-              <a:cs typeface="Times New Roman" panose="02020603050405020304" pitchFamily="18" charset="0"/>
-            </a:endParaRPr>
-          </a:p>
-          <a:p>
-            <a:pPr algn="just"/>
-            <a:r>
-              <a:rPr lang="ru-RU" sz="2400" dirty="0">
-                <a:solidFill>
-                  <a:srgbClr val="7030A0"/>
-                </a:solidFill>
-                <a:latin typeface="Times New Roman" panose="02020603050405020304" pitchFamily="18" charset="0"/>
-                <a:cs typeface="Times New Roman" panose="02020603050405020304" pitchFamily="18" charset="0"/>
-              </a:rPr>
-              <a:t>Разработать тестовое </a:t>
-            </a:r>
-            <a:r>
-              <a:rPr lang="en-US" sz="2400" dirty="0">
-                <a:solidFill>
-                  <a:srgbClr val="7030A0"/>
-                </a:solidFill>
-                <a:latin typeface="Times New Roman" panose="02020603050405020304" pitchFamily="18" charset="0"/>
-                <a:cs typeface="Times New Roman" panose="02020603050405020304" pitchFamily="18" charset="0"/>
-              </a:rPr>
-              <a:t>web-</a:t>
-            </a:r>
-            <a:r>
-              <a:rPr lang="ru-RU" sz="2400" dirty="0">
-                <a:solidFill>
-                  <a:srgbClr val="7030A0"/>
-                </a:solidFill>
-                <a:latin typeface="Times New Roman" panose="02020603050405020304" pitchFamily="18" charset="0"/>
-                <a:cs typeface="Times New Roman" panose="02020603050405020304" pitchFamily="18" charset="0"/>
-              </a:rPr>
-              <a:t>приложение</a:t>
-            </a:r>
-            <a:r>
-              <a:rPr lang="en-US" sz="2400" dirty="0">
-                <a:solidFill>
-                  <a:srgbClr val="7030A0"/>
-                </a:solidFill>
-                <a:latin typeface="Times New Roman" panose="02020603050405020304" pitchFamily="18" charset="0"/>
-                <a:cs typeface="Times New Roman" panose="02020603050405020304" pitchFamily="18" charset="0"/>
-              </a:rPr>
-              <a:t>.</a:t>
-            </a:r>
-            <a:endParaRPr lang="ru-RU" sz="2400" dirty="0">
-              <a:solidFill>
-                <a:srgbClr val="7030A0"/>
-              </a:solidFill>
-              <a:latin typeface="Times New Roman" panose="02020603050405020304" pitchFamily="18" charset="0"/>
-              <a:cs typeface="Times New Roman" panose="02020603050405020304" pitchFamily="18" charset="0"/>
-            </a:endParaRPr>
-          </a:p>
-          <a:p>
-            <a:pPr algn="just"/>
-            <a:r>
-              <a:rPr lang="ru-RU" sz="2400" dirty="0">
-                <a:solidFill>
-                  <a:srgbClr val="7030A0"/>
-                </a:solidFill>
-                <a:latin typeface="Times New Roman" panose="02020603050405020304" pitchFamily="18" charset="0"/>
-                <a:cs typeface="Times New Roman" panose="02020603050405020304" pitchFamily="18" charset="0"/>
-              </a:rPr>
-              <a:t>Запустить разработанное </a:t>
-            </a:r>
-            <a:r>
-              <a:rPr lang="en-US" sz="2400" dirty="0">
-                <a:solidFill>
-                  <a:srgbClr val="7030A0"/>
-                </a:solidFill>
-                <a:latin typeface="Times New Roman" panose="02020603050405020304" pitchFamily="18" charset="0"/>
-                <a:cs typeface="Times New Roman" panose="02020603050405020304" pitchFamily="18" charset="0"/>
-              </a:rPr>
-              <a:t>web-</a:t>
-            </a:r>
-            <a:r>
-              <a:rPr lang="ru-RU" sz="2400" dirty="0">
-                <a:solidFill>
-                  <a:srgbClr val="7030A0"/>
-                </a:solidFill>
-                <a:latin typeface="Times New Roman" panose="02020603050405020304" pitchFamily="18" charset="0"/>
-                <a:cs typeface="Times New Roman" panose="02020603050405020304" pitchFamily="18" charset="0"/>
-              </a:rPr>
-              <a:t>приложение на тестовом сервере</a:t>
-            </a:r>
-            <a:r>
-              <a:rPr lang="en-US" sz="2400" dirty="0">
-                <a:solidFill>
-                  <a:srgbClr val="7030A0"/>
-                </a:solidFill>
-                <a:latin typeface="Times New Roman" panose="02020603050405020304" pitchFamily="18" charset="0"/>
-                <a:cs typeface="Times New Roman" panose="02020603050405020304" pitchFamily="18" charset="0"/>
-              </a:rPr>
-              <a:t>.</a:t>
-            </a:r>
-            <a:endParaRPr lang="ru-RU" sz="2400" dirty="0">
-              <a:solidFill>
-                <a:srgbClr val="7030A0"/>
-              </a:solidFill>
-              <a:latin typeface="Times New Roman" panose="02020603050405020304" pitchFamily="18" charset="0"/>
-              <a:cs typeface="Times New Roman" panose="02020603050405020304" pitchFamily="18" charset="0"/>
-            </a:endParaRPr>
-          </a:p>
-          <a:p>
-            <a:pPr algn="just"/>
-            <a:r>
-              <a:rPr lang="ru-RU" sz="2400" dirty="0">
-                <a:latin typeface="Times New Roman" panose="02020603050405020304" pitchFamily="18" charset="0"/>
-                <a:cs typeface="Times New Roman" panose="02020603050405020304" pitchFamily="18" charset="0"/>
-              </a:rPr>
-              <a:t>Изучение существующего </a:t>
-            </a:r>
-            <a:r>
-              <a:rPr lang="ru-RU" sz="2400" dirty="0" err="1">
-                <a:latin typeface="Times New Roman" panose="02020603050405020304" pitchFamily="18" charset="0"/>
-                <a:cs typeface="Times New Roman" panose="02020603050405020304" pitchFamily="18" charset="0"/>
-              </a:rPr>
-              <a:t>web</a:t>
-            </a:r>
-            <a:r>
-              <a:rPr lang="ru-RU" sz="2400" dirty="0">
-                <a:latin typeface="Times New Roman" panose="02020603050405020304" pitchFamily="18" charset="0"/>
-                <a:cs typeface="Times New Roman" panose="02020603050405020304" pitchFamily="18" charset="0"/>
-              </a:rPr>
-              <a:t>-приложения </a:t>
-            </a:r>
-            <a:r>
-              <a:rPr lang="ru-RU" sz="2400" dirty="0" err="1">
-                <a:latin typeface="Times New Roman" panose="02020603050405020304" pitchFamily="18" charset="0"/>
-                <a:cs typeface="Times New Roman" panose="02020603050405020304" pitchFamily="18" charset="0"/>
-              </a:rPr>
-              <a:t>comwpc</a:t>
-            </a:r>
-            <a:r>
-              <a:rPr lang="en-US" sz="2400" dirty="0">
-                <a:latin typeface="Times New Roman" panose="02020603050405020304" pitchFamily="18" charset="0"/>
-                <a:cs typeface="Times New Roman" panose="02020603050405020304" pitchFamily="18" charset="0"/>
-              </a:rPr>
-              <a:t>.</a:t>
             </a:r>
             <a:endParaRPr lang="ru-RU" sz="2400" dirty="0">
               <a:latin typeface="Times New Roman" panose="02020603050405020304" pitchFamily="18" charset="0"/>
@@ -7217,21 +6510,21 @@
                 <a:latin typeface="Times New Roman" panose="02020603050405020304" pitchFamily="18" charset="0"/>
                 <a:cs typeface="Times New Roman" panose="02020603050405020304" pitchFamily="18" charset="0"/>
               </a:rPr>
-              <a:t>Доработка библиотеки </a:t>
-            </a:r>
-            <a:r>
-              <a:rPr lang="ru-RU" sz="2400" dirty="0" err="1">
-                <a:latin typeface="Times New Roman" panose="02020603050405020304" pitchFamily="18" charset="0"/>
-                <a:cs typeface="Times New Roman" panose="02020603050405020304" pitchFamily="18" charset="0"/>
-              </a:rPr>
-              <a:t>pycomsdk</a:t>
+              <a:t>Разработать тестовое </a:t>
+            </a:r>
+            <a:r>
+              <a:rPr lang="en-US" sz="2400" dirty="0">
+                <a:latin typeface="Times New Roman" panose="02020603050405020304" pitchFamily="18" charset="0"/>
+                <a:cs typeface="Times New Roman" panose="02020603050405020304" pitchFamily="18" charset="0"/>
+              </a:rPr>
+              <a:t>web-</a:t>
             </a:r>
             <a:r>
               <a:rPr lang="ru-RU" sz="2400" dirty="0">
                 <a:latin typeface="Times New Roman" panose="02020603050405020304" pitchFamily="18" charset="0"/>
                 <a:cs typeface="Times New Roman" panose="02020603050405020304" pitchFamily="18" charset="0"/>
               </a:rPr>
-              <a:t> в части возможности генерации GUI</a:t>
+              <a:t>приложение</a:t>
             </a:r>
             <a:r>
               <a:rPr lang="en-US" sz="2400" dirty="0">
@@ -7252,6 +6545,124 @@
                 <a:latin typeface="Times New Roman" panose="02020603050405020304" pitchFamily="18" charset="0"/>
                 <a:cs typeface="Times New Roman" panose="02020603050405020304" pitchFamily="18" charset="0"/>
               </a:rPr>
+              <a:t>Запустить разработанное </a:t>
+            </a:r>
+            <a:r>
+              <a:rPr lang="en-US" sz="2400" dirty="0">
+                <a:latin typeface="Times New Roman" panose="02020603050405020304" pitchFamily="18" charset="0"/>
+                <a:cs typeface="Times New Roman" panose="02020603050405020304" pitchFamily="18" charset="0"/>
+              </a:rPr>
+              <a:t>web-</a:t>
+            </a:r>
+            <a:r>
+              <a:rPr lang="ru-RU" sz="2400" dirty="0">
+                <a:latin typeface="Times New Roman" panose="02020603050405020304" pitchFamily="18" charset="0"/>
+                <a:cs typeface="Times New Roman" panose="02020603050405020304" pitchFamily="18" charset="0"/>
+              </a:rPr>
+              <a:t>приложение на тестовом сервере</a:t>
+            </a:r>
+            <a:r>
+              <a:rPr lang="en-US" sz="2400" dirty="0">
+                <a:latin typeface="Times New Roman" panose="02020603050405020304" pitchFamily="18" charset="0"/>
+                <a:cs typeface="Times New Roman" panose="02020603050405020304" pitchFamily="18" charset="0"/>
+              </a:rPr>
+              <a:t>.</a:t>
+            </a:r>
+            <a:endParaRPr lang="ru-RU" sz="2400" dirty="0">
+              <a:latin typeface="Times New Roman" panose="02020603050405020304" pitchFamily="18" charset="0"/>
+              <a:cs typeface="Times New Roman" panose="02020603050405020304" pitchFamily="18" charset="0"/>
+            </a:endParaRPr>
+          </a:p>
+          <a:p>
+            <a:pPr algn="just"/>
+            <a:r>
+              <a:rPr lang="ru-RU" sz="2400" dirty="0">
+                <a:latin typeface="Times New Roman" panose="02020603050405020304" pitchFamily="18" charset="0"/>
+                <a:cs typeface="Times New Roman" panose="02020603050405020304" pitchFamily="18" charset="0"/>
+              </a:rPr>
+              <a:t>Изучение существующего </a:t>
+            </a:r>
+            <a:r>
+              <a:rPr lang="ru-RU" sz="2400" dirty="0" err="1">
+                <a:latin typeface="Times New Roman" panose="02020603050405020304" pitchFamily="18" charset="0"/>
+                <a:cs typeface="Times New Roman" panose="02020603050405020304" pitchFamily="18" charset="0"/>
+              </a:rPr>
+              <a:t>web</a:t>
+            </a:r>
+            <a:r>
+              <a:rPr lang="ru-RU" sz="2400" dirty="0">
+                <a:latin typeface="Times New Roman" panose="02020603050405020304" pitchFamily="18" charset="0"/>
+                <a:cs typeface="Times New Roman" panose="02020603050405020304" pitchFamily="18" charset="0"/>
+              </a:rPr>
+              <a:t>-приложения </a:t>
+            </a:r>
+            <a:r>
+              <a:rPr lang="ru-RU" sz="2400" dirty="0" err="1">
+                <a:latin typeface="Times New Roman" panose="02020603050405020304" pitchFamily="18" charset="0"/>
+                <a:cs typeface="Times New Roman" panose="02020603050405020304" pitchFamily="18" charset="0"/>
+              </a:rPr>
+              <a:t>comwpc</a:t>
+            </a:r>
+            <a:r>
+              <a:rPr lang="en-US" sz="2400" dirty="0">
+                <a:latin typeface="Times New Roman" panose="02020603050405020304" pitchFamily="18" charset="0"/>
+                <a:cs typeface="Times New Roman" panose="02020603050405020304" pitchFamily="18" charset="0"/>
+              </a:rPr>
+              <a:t>.</a:t>
+            </a:r>
+            <a:r>
+              <a:rPr lang="ru-RU" sz="2400" dirty="0">
+                <a:latin typeface="Times New Roman" panose="02020603050405020304" pitchFamily="18" charset="0"/>
+                <a:cs typeface="Times New Roman" panose="02020603050405020304" pitchFamily="18" charset="0"/>
+              </a:rPr>
+              <a:t>*</a:t>
+            </a:r>
+          </a:p>
+          <a:p>
+            <a:pPr algn="just"/>
+            <a:r>
+              <a:rPr lang="ru-RU" sz="2400" dirty="0">
+                <a:latin typeface="Times New Roman" panose="02020603050405020304" pitchFamily="18" charset="0"/>
+                <a:cs typeface="Times New Roman" panose="02020603050405020304" pitchFamily="18" charset="0"/>
+              </a:rPr>
+              <a:t>Доработка библиотеки </a:t>
+            </a:r>
+            <a:r>
+              <a:rPr lang="ru-RU" sz="2400" dirty="0" err="1">
+                <a:latin typeface="Times New Roman" panose="02020603050405020304" pitchFamily="18" charset="0"/>
+                <a:cs typeface="Times New Roman" panose="02020603050405020304" pitchFamily="18" charset="0"/>
+              </a:rPr>
+              <a:t>pycomsdk</a:t>
+            </a:r>
+            <a:r>
+              <a:rPr lang="ru-RU" sz="2400" dirty="0">
+                <a:latin typeface="Times New Roman" panose="02020603050405020304" pitchFamily="18" charset="0"/>
+                <a:cs typeface="Times New Roman" panose="02020603050405020304" pitchFamily="18" charset="0"/>
+              </a:rPr>
+              <a:t> в части возможности генерации GUI</a:t>
+            </a:r>
+            <a:r>
+              <a:rPr lang="en-US" sz="2400" dirty="0">
+                <a:latin typeface="Times New Roman" panose="02020603050405020304" pitchFamily="18" charset="0"/>
+                <a:cs typeface="Times New Roman" panose="02020603050405020304" pitchFamily="18" charset="0"/>
+              </a:rPr>
+              <a:t>.</a:t>
+            </a:r>
+            <a:r>
+              <a:rPr lang="ru-RU" sz="2400" dirty="0">
+                <a:latin typeface="Times New Roman" panose="02020603050405020304" pitchFamily="18" charset="0"/>
+                <a:cs typeface="Times New Roman" panose="02020603050405020304" pitchFamily="18" charset="0"/>
+              </a:rPr>
+              <a:t>*</a:t>
+            </a:r>
+          </a:p>
+          <a:p>
+            <a:pPr algn="just"/>
+            <a:r>
+              <a:rPr lang="ru-RU" sz="2400" dirty="0">
+                <a:latin typeface="Times New Roman" panose="02020603050405020304" pitchFamily="18" charset="0"/>
+                <a:cs typeface="Times New Roman" panose="02020603050405020304" pitchFamily="18" charset="0"/>
+              </a:rPr>
               <a:t>Интеграция разработки в состав </a:t>
             </a:r>
             <a:r>
@@ -7280,7 +6691,7 @@
                 <a:latin typeface="Times New Roman" panose="02020603050405020304" pitchFamily="18" charset="0"/>
                 <a:cs typeface="Times New Roman" panose="02020603050405020304" pitchFamily="18" charset="0"/>
               </a:rPr>
-              <a:t> и тестирование.</a:t>
+              <a:t> и тестирование.*</a:t>
             </a:r>
           </a:p>
         </p:txBody>
@@ -7427,6 +6838,18 @@
           </a:p>
           <a:p>
             <a:r>
+              <a:rPr lang="ru-RU" sz="2100" b="1" dirty="0">
+                <a:solidFill>
+                  <a:schemeClr val="tx1"/>
+                </a:solidFill>
+                <a:latin typeface="Times New Roman" panose="02020603050405020304" pitchFamily="18" charset="0"/>
+                <a:cs typeface="Times New Roman" panose="02020603050405020304" pitchFamily="18" charset="0"/>
+              </a:rPr>
+              <a:t>Цель и задачи</a:t>
+            </a:r>
+          </a:p>
+          <a:p>
+            <a:r>
               <a:rPr lang="ru-RU" sz="2500" b="1" dirty="0">
                 <a:solidFill>
                   <a:schemeClr val="tx1"/>
@@ -7445,6 +6868,66 @@
               <a:latin typeface="Times New Roman" panose="02020603050405020304" pitchFamily="18" charset="0"/>
               <a:cs typeface="Times New Roman" panose="02020603050405020304" pitchFamily="18" charset="0"/>
             </a:endParaRPr>
+          </a:p>
+        </p:txBody>
+      </p:sp>
+      <p:sp>
+        <p:nvSpPr>
+          <p:cNvPr id="6" name="Нижний колонтитул 5">
+            <a:extLst>
+              <a:ext uri="{FF2B5EF4-FFF2-40B4-BE49-F238E27FC236}">
+                <a16:creationId xmlns:a16="http://schemas.microsoft.com/office/drawing/2014/main" id="{BD1A234B-D586-59B9-8807-797D44EB3EB5}"/>
+              </a:ext>
+            </a:extLst>
+          </p:cNvPr>
+          <p:cNvSpPr>
+            <a:spLocks noGrp="1"/>
+          </p:cNvSpPr>
+          <p:nvPr>
+            <p:ph type="ftr" sz="quarter" idx="11"/>
+          </p:nvPr>
+        </p:nvSpPr>
+        <p:spPr>
+          <a:xfrm>
+            <a:off x="627185" y="5804841"/>
+            <a:ext cx="11218223" cy="905393"/>
+          </a:xfrm>
+        </p:spPr>
+        <p:txBody>
+          <a:bodyPr/>
+          <a:lstStyle/>
+          <a:p>
+            <a:r>
+              <a:rPr lang="ru-RU" dirty="0">
+                <a:solidFill>
+                  <a:schemeClr val="tx1"/>
+                </a:solidFill>
+              </a:rPr>
+              <a:t>________________________________________________________________________________________________________________________________________________</a:t>
+            </a:r>
+          </a:p>
+          <a:p>
+            <a:pPr algn="l"/>
+            <a:r>
+              <a:rPr lang="en-US" dirty="0">
+                <a:solidFill>
+                  <a:schemeClr val="tx1"/>
+                </a:solidFill>
+                <a:latin typeface="Times New Roman" panose="02020603050405020304" pitchFamily="18" charset="0"/>
+                <a:cs typeface="Times New Roman" panose="02020603050405020304" pitchFamily="18" charset="0"/>
+              </a:rPr>
+              <a:t>[*] </a:t>
+            </a:r>
+            <a:r>
+              <a:rPr lang="ru-RU" dirty="0">
+                <a:solidFill>
+                  <a:schemeClr val="tx1"/>
+                </a:solidFill>
+                <a:latin typeface="Times New Roman" panose="02020603050405020304" pitchFamily="18" charset="0"/>
+                <a:cs typeface="Times New Roman" panose="02020603050405020304" pitchFamily="18" charset="0"/>
+              </a:rPr>
+              <a:t>в рамках ВКР</a:t>
+            </a:r>
           </a:p>
         </p:txBody>
       </p:sp>
@@ -7631,8 +7114,8 @@
         </p:nvSpPr>
         <p:spPr>
           <a:xfrm>
-            <a:off x="346591" y="147767"/>
-            <a:ext cx="11498817" cy="1046920"/>
+            <a:off x="346591" y="147766"/>
+            <a:ext cx="11498817" cy="1108755"/>
           </a:xfrm>
           <a:prstGeom prst="rect">
             <a:avLst/>
@@ -7640,7 +7123,7 @@
         </p:spPr>
         <p:txBody>
           <a:bodyPr vert="horz" lIns="91440" tIns="45720" rIns="91440" bIns="45720" rtlCol="0" anchor="t">
-            <a:normAutofit fontScale="97500"/>
+            <a:normAutofit fontScale="90000" lnSpcReduction="10000"/>
           </a:bodyPr>
           <a:lstStyle>
             <a:lvl1pPr algn="l" defTabSz="457200" rtl="0" eaLnBrk="1" latinLnBrk="0" hangingPunct="1">
@@ -7716,7 +7199,7 @@
           </a:lstStyle>
           <a:p>
             <a:r>
-              <a:rPr lang="ru-RU" sz="2600" b="1" dirty="0">
+              <a:rPr lang="ru-RU" sz="2800" b="1" dirty="0">
                 <a:solidFill>
                   <a:schemeClr val="tx1"/>
                 </a:solidFill>
@@ -7725,6 +7208,42 @@
               </a:rPr>
               <a:t>Постановка задачи</a:t>
             </a:r>
+            <a:endParaRPr lang="en-US" sz="2800" b="1" dirty="0">
+              <a:solidFill>
+                <a:schemeClr val="tx1"/>
+              </a:solidFill>
+              <a:latin typeface="Times New Roman" panose="02020603050405020304" pitchFamily="18" charset="0"/>
+              <a:cs typeface="Times New Roman" panose="02020603050405020304" pitchFamily="18" charset="0"/>
+            </a:endParaRPr>
+          </a:p>
+          <a:p>
+            <a:r>
+              <a:rPr lang="ru-RU" sz="2200" b="1" dirty="0">
+                <a:solidFill>
+                  <a:schemeClr val="tx1"/>
+                </a:solidFill>
+                <a:latin typeface="Times New Roman" panose="02020603050405020304" pitchFamily="18" charset="0"/>
+                <a:cs typeface="Times New Roman" panose="02020603050405020304" pitchFamily="18" charset="0"/>
+              </a:rPr>
+              <a:t>Базовый принцип генерации </a:t>
+            </a:r>
+            <a:r>
+              <a:rPr lang="en-US" sz="2200" b="1" dirty="0">
+                <a:solidFill>
+                  <a:schemeClr val="tx1"/>
+                </a:solidFill>
+                <a:latin typeface="Times New Roman" panose="02020603050405020304" pitchFamily="18" charset="0"/>
+                <a:cs typeface="Times New Roman" panose="02020603050405020304" pitchFamily="18" charset="0"/>
+              </a:rPr>
+              <a:t>GUI</a:t>
+            </a:r>
+            <a:endParaRPr lang="ru-RU" sz="2200" b="1" dirty="0">
+              <a:solidFill>
+                <a:schemeClr val="tx1"/>
+              </a:solidFill>
+              <a:latin typeface="Times New Roman" panose="02020603050405020304" pitchFamily="18" charset="0"/>
+              <a:cs typeface="Times New Roman" panose="02020603050405020304" pitchFamily="18" charset="0"/>
+            </a:endParaRPr>
           </a:p>
           <a:p>
             <a:r>
@@ -7765,19 +7284,382 @@
         </p:nvPicPr>
         <p:blipFill rotWithShape="1">
           <a:blip r:embed="rId2"/>
-          <a:srcRect l="7809" t="3628" r="3167" b="1991"/>
+          <a:srcRect l="7809" t="10034" r="3167" b="1992"/>
           <a:stretch/>
         </p:blipFill>
         <p:spPr>
           <a:xfrm>
-            <a:off x="3396342" y="0"/>
-            <a:ext cx="8469092" cy="6858000"/>
+            <a:off x="5398319" y="1201704"/>
+            <a:ext cx="6512659" cy="4915766"/>
           </a:xfrm>
           <a:prstGeom prst="rect">
             <a:avLst/>
           </a:prstGeom>
         </p:spPr>
       </p:pic>
+      <p:sp>
+        <p:nvSpPr>
+          <p:cNvPr id="6" name="Объект 2">
+            <a:extLst>
+              <a:ext uri="{FF2B5EF4-FFF2-40B4-BE49-F238E27FC236}">
+                <a16:creationId xmlns:a16="http://schemas.microsoft.com/office/drawing/2014/main" id="{447DDB7F-F76F-7F38-1B48-3ED5BA7CE575}"/>
+              </a:ext>
+            </a:extLst>
+          </p:cNvPr>
+          <p:cNvSpPr txBox="1">
+            <a:spLocks/>
+          </p:cNvSpPr>
+          <p:nvPr/>
+        </p:nvSpPr>
+        <p:spPr>
+          <a:xfrm>
+            <a:off x="395654" y="2294972"/>
+            <a:ext cx="4455564" cy="2268056"/>
+          </a:xfrm>
+          <a:prstGeom prst="rect">
+            <a:avLst/>
+          </a:prstGeom>
+        </p:spPr>
+        <p:txBody>
+          <a:bodyPr vert="horz" lIns="91440" tIns="45720" rIns="91440" bIns="45720" rtlCol="0">
+            <a:normAutofit/>
+          </a:bodyPr>
+          <a:lstStyle>
+            <a:lvl1pPr marL="228600" indent="-228600" algn="l" defTabSz="914400" rtl="0" eaLnBrk="1" latinLnBrk="0" hangingPunct="1">
+              <a:lnSpc>
+                <a:spcPct val="90000"/>
+              </a:lnSpc>
+              <a:spcBef>
+                <a:spcPts val="1000"/>
+              </a:spcBef>
+              <a:buFont typeface="Arial" panose="020B0604020202020204" pitchFamily="34" charset="0"/>
+              <a:buChar char="•"/>
+              <a:defRPr sz="2800" kern="1200">
+                <a:solidFill>
+                  <a:schemeClr val="tx1"/>
+                </a:solidFill>
+                <a:latin typeface="+mn-lt"/>
+                <a:ea typeface="+mn-ea"/>
+                <a:cs typeface="+mn-cs"/>
+              </a:defRPr>
+            </a:lvl1pPr>
+            <a:lvl2pPr marL="685800" indent="-228600" algn="l" defTabSz="914400" rtl="0" eaLnBrk="1" latinLnBrk="0" hangingPunct="1">
+              <a:lnSpc>
+                <a:spcPct val="90000"/>
+              </a:lnSpc>
+              <a:spcBef>
+                <a:spcPts val="500"/>
+              </a:spcBef>
+              <a:buFont typeface="Arial" panose="020B0604020202020204" pitchFamily="34" charset="0"/>
+              <a:buChar char="•"/>
+              <a:defRPr sz="2400" kern="1200">
+                <a:solidFill>
+                  <a:schemeClr val="tx1"/>
+                </a:solidFill>
+                <a:latin typeface="+mn-lt"/>
+                <a:ea typeface="+mn-ea"/>
+                <a:cs typeface="+mn-cs"/>
+              </a:defRPr>
+            </a:lvl2pPr>
+            <a:lvl3pPr marL="1143000" indent="-228600" algn="l" defTabSz="914400" rtl="0" eaLnBrk="1" latinLnBrk="0" hangingPunct="1">
+              <a:lnSpc>
+                <a:spcPct val="90000"/>
+              </a:lnSpc>
+              <a:spcBef>
+                <a:spcPts val="500"/>
+              </a:spcBef>
+              <a:buFont typeface="Arial" panose="020B0604020202020204" pitchFamily="34" charset="0"/>
+              <a:buChar char="•"/>
+              <a:defRPr sz="2000" kern="1200">
+                <a:solidFill>
+                  <a:schemeClr val="tx1"/>
+                </a:solidFill>
+                <a:latin typeface="+mn-lt"/>
+                <a:ea typeface="+mn-ea"/>
+                <a:cs typeface="+mn-cs"/>
+              </a:defRPr>
+            </a:lvl3pPr>
+            <a:lvl4pPr marL="1600200" indent="-228600" algn="l" defTabSz="914400" rtl="0" eaLnBrk="1" latinLnBrk="0" hangingPunct="1">
+              <a:lnSpc>
+                <a:spcPct val="90000"/>
+              </a:lnSpc>
+              <a:spcBef>
+                <a:spcPts val="500"/>
+              </a:spcBef>
+              <a:buFont typeface="Arial" panose="020B0604020202020204" pitchFamily="34" charset="0"/>
+              <a:buChar char="•"/>
+              <a:defRPr sz="1800" kern="1200">
+                <a:solidFill>
+                  <a:schemeClr val="tx1"/>
+                </a:solidFill>
+                <a:latin typeface="+mn-lt"/>
+                <a:ea typeface="+mn-ea"/>
+                <a:cs typeface="+mn-cs"/>
+              </a:defRPr>
+            </a:lvl4pPr>
+            <a:lvl5pPr marL="2057400" indent="-228600" algn="l" defTabSz="914400" rtl="0" eaLnBrk="1" latinLnBrk="0" hangingPunct="1">
+              <a:lnSpc>
+                <a:spcPct val="90000"/>
+              </a:lnSpc>
+              <a:spcBef>
+                <a:spcPts val="500"/>
+              </a:spcBef>
+              <a:buFont typeface="Arial" panose="020B0604020202020204" pitchFamily="34" charset="0"/>
+              <a:buChar char="•"/>
+              <a:defRPr sz="1800" kern="1200">
+                <a:solidFill>
+                  <a:schemeClr val="tx1"/>
+                </a:solidFill>
+                <a:latin typeface="+mn-lt"/>
+                <a:ea typeface="+mn-ea"/>
+                <a:cs typeface="+mn-cs"/>
+              </a:defRPr>
+            </a:lvl5pPr>
+            <a:lvl6pPr marL="2514600" indent="-228600" algn="l" defTabSz="914400" rtl="0" eaLnBrk="1" latinLnBrk="0" hangingPunct="1">
+              <a:lnSpc>
+                <a:spcPct val="90000"/>
+              </a:lnSpc>
+              <a:spcBef>
+                <a:spcPts val="500"/>
+              </a:spcBef>
+              <a:buFont typeface="Arial" panose="020B0604020202020204" pitchFamily="34" charset="0"/>
+              <a:buChar char="•"/>
+              <a:defRPr sz="1800" kern="1200">
+                <a:solidFill>
+                  <a:schemeClr val="tx1"/>
+                </a:solidFill>
+                <a:latin typeface="+mn-lt"/>
+                <a:ea typeface="+mn-ea"/>
+                <a:cs typeface="+mn-cs"/>
+              </a:defRPr>
+            </a:lvl6pPr>
+            <a:lvl7pPr marL="2971800" indent="-228600" algn="l" defTabSz="914400" rtl="0" eaLnBrk="1" latinLnBrk="0" hangingPunct="1">
+              <a:lnSpc>
+                <a:spcPct val="90000"/>
+              </a:lnSpc>
+              <a:spcBef>
+                <a:spcPts val="500"/>
+              </a:spcBef>
+              <a:buFont typeface="Arial" panose="020B0604020202020204" pitchFamily="34" charset="0"/>
+              <a:buChar char="•"/>
+              <a:defRPr sz="1800" kern="1200">
+                <a:solidFill>
+                  <a:schemeClr val="tx1"/>
+                </a:solidFill>
+                <a:latin typeface="+mn-lt"/>
+                <a:ea typeface="+mn-ea"/>
+                <a:cs typeface="+mn-cs"/>
+              </a:defRPr>
+            </a:lvl7pPr>
+            <a:lvl8pPr marL="3429000" indent="-228600" algn="l" defTabSz="914400" rtl="0" eaLnBrk="1" latinLnBrk="0" hangingPunct="1">
+              <a:lnSpc>
+                <a:spcPct val="90000"/>
+              </a:lnSpc>
+              <a:spcBef>
+                <a:spcPts val="500"/>
+              </a:spcBef>
+              <a:buFont typeface="Arial" panose="020B0604020202020204" pitchFamily="34" charset="0"/>
+              <a:buChar char="•"/>
+              <a:defRPr sz="1800" kern="1200">
+                <a:solidFill>
+                  <a:schemeClr val="tx1"/>
+                </a:solidFill>
+                <a:latin typeface="+mn-lt"/>
+                <a:ea typeface="+mn-ea"/>
+                <a:cs typeface="+mn-cs"/>
+              </a:defRPr>
+            </a:lvl8pPr>
+            <a:lvl9pPr marL="3886200" indent="-228600" algn="l" defTabSz="914400" rtl="0" eaLnBrk="1" latinLnBrk="0" hangingPunct="1">
+              <a:lnSpc>
+                <a:spcPct val="90000"/>
+              </a:lnSpc>
+              <a:spcBef>
+                <a:spcPts val="500"/>
+              </a:spcBef>
+              <a:buFont typeface="Arial" panose="020B0604020202020204" pitchFamily="34" charset="0"/>
+              <a:buChar char="•"/>
+              <a:defRPr sz="1800" kern="1200">
+                <a:solidFill>
+                  <a:schemeClr val="tx1"/>
+                </a:solidFill>
+                <a:latin typeface="+mn-lt"/>
+                <a:ea typeface="+mn-ea"/>
+                <a:cs typeface="+mn-cs"/>
+              </a:defRPr>
+            </a:lvl9pPr>
+          </a:lstStyle>
+          <a:p>
+            <a:r>
+              <a:rPr lang="ru-RU" sz="1800" dirty="0">
+                <a:latin typeface="Times New Roman" panose="02020603050405020304" pitchFamily="18" charset="0"/>
+                <a:cs typeface="Times New Roman" panose="02020603050405020304" pitchFamily="18" charset="0"/>
+              </a:rPr>
+              <a:t>На рис.2 слева представлены предметно-ориентированные языки (</a:t>
+            </a:r>
+            <a:r>
+              <a:rPr lang="en-US" sz="1800" dirty="0">
+                <a:latin typeface="Times New Roman" panose="02020603050405020304" pitchFamily="18" charset="0"/>
+                <a:cs typeface="Times New Roman" panose="02020603050405020304" pitchFamily="18" charset="0"/>
+              </a:rPr>
+              <a:t>DSL</a:t>
+            </a:r>
+            <a:r>
+              <a:rPr lang="ru-RU" sz="1800" dirty="0">
+                <a:latin typeface="Times New Roman" panose="02020603050405020304" pitchFamily="18" charset="0"/>
+                <a:cs typeface="Times New Roman" panose="02020603050405020304" pitchFamily="18" charset="0"/>
+              </a:rPr>
+              <a:t>), с помощью которых можно описать элементы интерфейса для дальнейшей генерации.</a:t>
+            </a:r>
+          </a:p>
+          <a:p>
+            <a:r>
+              <a:rPr lang="ru-RU" sz="1800" dirty="0">
+                <a:latin typeface="Times New Roman" panose="02020603050405020304" pitchFamily="18" charset="0"/>
+                <a:cs typeface="Times New Roman" panose="02020603050405020304" pitchFamily="18" charset="0"/>
+              </a:rPr>
+              <a:t>В рамках проекта был выбран </a:t>
+            </a:r>
+            <a:r>
+              <a:rPr lang="en-US" sz="1800" dirty="0" err="1">
+                <a:latin typeface="Times New Roman" panose="02020603050405020304" pitchFamily="18" charset="0"/>
+                <a:cs typeface="Times New Roman" panose="02020603050405020304" pitchFamily="18" charset="0"/>
+              </a:rPr>
+              <a:t>aINI</a:t>
+            </a:r>
+            <a:r>
+              <a:rPr lang="ru-RU" sz="1800" dirty="0">
+                <a:latin typeface="Times New Roman" panose="02020603050405020304" pitchFamily="18" charset="0"/>
+                <a:cs typeface="Times New Roman" panose="02020603050405020304" pitchFamily="18" charset="0"/>
+              </a:rPr>
+              <a:t> из-за несложного синтаксиса</a:t>
+            </a:r>
+          </a:p>
+        </p:txBody>
+      </p:sp>
+      <p:sp>
+        <p:nvSpPr>
+          <p:cNvPr id="5" name="TextBox 4">
+            <a:extLst>
+              <a:ext uri="{FF2B5EF4-FFF2-40B4-BE49-F238E27FC236}">
+                <a16:creationId xmlns:a16="http://schemas.microsoft.com/office/drawing/2014/main" id="{6481F43A-D294-1627-D568-1AD3AE176987}"/>
+              </a:ext>
+            </a:extLst>
+          </p:cNvPr>
+          <p:cNvSpPr txBox="1"/>
+          <p:nvPr/>
+        </p:nvSpPr>
+        <p:spPr>
+          <a:xfrm>
+            <a:off x="7996269" y="793547"/>
+            <a:ext cx="3914709" cy="338554"/>
+          </a:xfrm>
+          <a:prstGeom prst="rect">
+            <a:avLst/>
+          </a:prstGeom>
+          <a:noFill/>
+        </p:spPr>
+        <p:txBody>
+          <a:bodyPr wrap="square">
+            <a:spAutoFit/>
+          </a:bodyPr>
+          <a:lstStyle/>
+          <a:p>
+            <a:r>
+              <a:rPr lang="ru-RU" sz="1600" dirty="0">
+                <a:latin typeface="Times New Roman" panose="02020603050405020304" pitchFamily="18" charset="0"/>
+                <a:cs typeface="Times New Roman" panose="02020603050405020304" pitchFamily="18" charset="0"/>
+              </a:rPr>
+              <a:t>Возможные типы графических форм ввода</a:t>
+            </a:r>
+            <a:endParaRPr lang="en-US" sz="1600" dirty="0">
+              <a:latin typeface="Times New Roman" panose="02020603050405020304" pitchFamily="18" charset="0"/>
+              <a:cs typeface="Times New Roman" panose="02020603050405020304" pitchFamily="18" charset="0"/>
+            </a:endParaRPr>
+          </a:p>
+        </p:txBody>
+      </p:sp>
+      <p:sp>
+        <p:nvSpPr>
+          <p:cNvPr id="7" name="TextBox 6">
+            <a:extLst>
+              <a:ext uri="{FF2B5EF4-FFF2-40B4-BE49-F238E27FC236}">
+                <a16:creationId xmlns:a16="http://schemas.microsoft.com/office/drawing/2014/main" id="{292E5A17-2A03-8CC0-E2AC-A538B1D4C6E9}"/>
+              </a:ext>
+            </a:extLst>
+          </p:cNvPr>
+          <p:cNvSpPr txBox="1"/>
+          <p:nvPr/>
+        </p:nvSpPr>
+        <p:spPr>
+          <a:xfrm>
+            <a:off x="5398319" y="6169580"/>
+            <a:ext cx="6512659" cy="369332"/>
+          </a:xfrm>
+          <a:prstGeom prst="rect">
+            <a:avLst/>
+          </a:prstGeom>
+          <a:noFill/>
+        </p:spPr>
+        <p:txBody>
+          <a:bodyPr wrap="square">
+            <a:spAutoFit/>
+          </a:bodyPr>
+          <a:lstStyle/>
+          <a:p>
+            <a:pPr algn="ctr"/>
+            <a:r>
+              <a:rPr lang="ru-RU" dirty="0">
+                <a:latin typeface="Times New Roman" panose="02020603050405020304" pitchFamily="18" charset="0"/>
+                <a:ea typeface="Calibri" panose="020F0502020204030204" pitchFamily="34" charset="0"/>
+              </a:rPr>
+              <a:t>Рис. </a:t>
+            </a:r>
+            <a:r>
+              <a:rPr lang="en-US" dirty="0">
+                <a:latin typeface="Times New Roman" panose="02020603050405020304" pitchFamily="18" charset="0"/>
+                <a:ea typeface="Calibri" panose="020F0502020204030204" pitchFamily="34" charset="0"/>
+              </a:rPr>
+              <a:t>2. </a:t>
+            </a:r>
+            <a:r>
+              <a:rPr lang="ru-RU" dirty="0">
+                <a:latin typeface="Times New Roman" panose="02020603050405020304" pitchFamily="18" charset="0"/>
+                <a:ea typeface="Calibri" panose="020F0502020204030204" pitchFamily="34" charset="0"/>
+              </a:rPr>
+              <a:t>Схема базового принципа генерации </a:t>
+            </a:r>
+            <a:r>
+              <a:rPr lang="en-US" dirty="0">
+                <a:latin typeface="Times New Roman" panose="02020603050405020304" pitchFamily="18" charset="0"/>
+                <a:ea typeface="Calibri" panose="020F0502020204030204" pitchFamily="34" charset="0"/>
+              </a:rPr>
+              <a:t>GUI</a:t>
+            </a:r>
+            <a:r>
+              <a:rPr lang="ru-RU" dirty="0">
+                <a:latin typeface="Times New Roman" panose="02020603050405020304" pitchFamily="18" charset="0"/>
+                <a:ea typeface="Calibri" panose="020F0502020204030204" pitchFamily="34" charset="0"/>
+              </a:rPr>
+              <a:t> на основе </a:t>
+            </a:r>
+            <a:r>
+              <a:rPr lang="en-US" dirty="0">
+                <a:latin typeface="Times New Roman" panose="02020603050405020304" pitchFamily="18" charset="0"/>
+                <a:ea typeface="Calibri" panose="020F0502020204030204" pitchFamily="34" charset="0"/>
+              </a:rPr>
+              <a:t>DSL</a:t>
+            </a:r>
+            <a:r>
+              <a:rPr lang="ru-RU" dirty="0">
+                <a:latin typeface="Times New Roman" panose="02020603050405020304" pitchFamily="18" charset="0"/>
+                <a:ea typeface="Calibri" panose="020F0502020204030204" pitchFamily="34" charset="0"/>
+              </a:rPr>
+              <a:t> </a:t>
+            </a:r>
+            <a:endParaRPr lang="ru-RU" dirty="0"/>
+          </a:p>
+        </p:txBody>
+      </p:sp>
     </p:spTree>
     <p:extLst>
       <p:ext uri="{BB962C8B-B14F-4D97-AF65-F5344CB8AC3E}">
@@ -7853,7 +7735,7 @@
         </p:nvSpPr>
         <p:spPr>
           <a:xfrm>
-            <a:off x="346591" y="147767"/>
+            <a:off x="346586" y="126082"/>
             <a:ext cx="11498817" cy="873165"/>
           </a:xfrm>
           <a:prstGeom prst="rect">
@@ -8014,8 +7896,8 @@
         </p:nvSpPr>
         <p:spPr>
           <a:xfrm>
-            <a:off x="346591" y="1511109"/>
-            <a:ext cx="11498817" cy="637288"/>
+            <a:off x="346590" y="1368903"/>
+            <a:ext cx="11498817" cy="1915101"/>
           </a:xfrm>
           <a:prstGeom prst="rect">
             <a:avLst/>
@@ -8192,109 +8074,77 @@
           <a:p>
             <a:pPr algn="just"/>
             <a:r>
-              <a:rPr lang="ru-RU" sz="1800" dirty="0">
+              <a:rPr lang="ru-RU" sz="2000" dirty="0">
                 <a:latin typeface="Times New Roman" panose="02020603050405020304" pitchFamily="18" charset="0"/>
                 <a:cs typeface="Times New Roman" panose="02020603050405020304" pitchFamily="18" charset="0"/>
               </a:rPr>
               <a:t>Использовались: </a:t>
             </a:r>
             <a:r>
-              <a:rPr lang="en-US" sz="1800" dirty="0">
-                <a:solidFill>
-                  <a:srgbClr val="7030A0"/>
-                </a:solidFill>
+              <a:rPr lang="en-US" sz="2000" dirty="0">
                 <a:latin typeface="Times New Roman" panose="02020603050405020304" pitchFamily="18" charset="0"/>
                 <a:cs typeface="Times New Roman" panose="02020603050405020304" pitchFamily="18" charset="0"/>
               </a:rPr>
               <a:t>Django</a:t>
             </a:r>
             <a:r>
-              <a:rPr lang="ru-RU" sz="1800" baseline="30000" dirty="0">
-                <a:solidFill>
-                  <a:srgbClr val="7030A0"/>
-                </a:solidFill>
+              <a:rPr lang="ru-RU" sz="2000" baseline="30000" dirty="0">
                 <a:latin typeface="Times New Roman" panose="02020603050405020304" pitchFamily="18" charset="0"/>
                 <a:cs typeface="Times New Roman" panose="02020603050405020304" pitchFamily="18" charset="0"/>
               </a:rPr>
               <a:t>1</a:t>
             </a:r>
             <a:r>
-              <a:rPr lang="ru-RU" sz="1800" dirty="0">
-                <a:solidFill>
-                  <a:srgbClr val="7030A0"/>
-                </a:solidFill>
-                <a:latin typeface="Times New Roman" panose="02020603050405020304" pitchFamily="18" charset="0"/>
-                <a:cs typeface="Times New Roman" panose="02020603050405020304" pitchFamily="18" charset="0"/>
-              </a:rPr>
-              <a:t>,</a:t>
-            </a:r>
-            <a:r>
-              <a:rPr lang="ru-RU" sz="1800" dirty="0">
-                <a:latin typeface="Times New Roman" panose="02020603050405020304" pitchFamily="18" charset="0"/>
-                <a:cs typeface="Times New Roman" panose="02020603050405020304" pitchFamily="18" charset="0"/>
-              </a:rPr>
-              <a:t> </a:t>
-            </a:r>
-            <a:r>
-              <a:rPr lang="en-US" sz="1800" dirty="0">
-                <a:solidFill>
-                  <a:srgbClr val="7030A0"/>
-                </a:solidFill>
+              <a:rPr lang="ru-RU" sz="2000" dirty="0">
+                <a:latin typeface="Times New Roman" panose="02020603050405020304" pitchFamily="18" charset="0"/>
+                <a:cs typeface="Times New Roman" panose="02020603050405020304" pitchFamily="18" charset="0"/>
+              </a:rPr>
+              <a:t>, </a:t>
+            </a:r>
+            <a:r>
+              <a:rPr lang="en-US" sz="2000" dirty="0">
                 <a:latin typeface="Times New Roman" panose="02020603050405020304" pitchFamily="18" charset="0"/>
                 <a:cs typeface="Times New Roman" panose="02020603050405020304" pitchFamily="18" charset="0"/>
               </a:rPr>
               <a:t>Docker</a:t>
             </a:r>
             <a:r>
-              <a:rPr lang="ru-RU" sz="1800" baseline="30000" dirty="0">
-                <a:solidFill>
-                  <a:srgbClr val="7030A0"/>
-                </a:solidFill>
+              <a:rPr lang="ru-RU" sz="2000" baseline="30000" dirty="0">
                 <a:latin typeface="Times New Roman" panose="02020603050405020304" pitchFamily="18" charset="0"/>
                 <a:cs typeface="Times New Roman" panose="02020603050405020304" pitchFamily="18" charset="0"/>
               </a:rPr>
               <a:t>2</a:t>
             </a:r>
             <a:r>
-              <a:rPr lang="en-US" sz="1800" dirty="0">
+              <a:rPr lang="en-US" sz="2000" dirty="0">
                 <a:latin typeface="Times New Roman" panose="02020603050405020304" pitchFamily="18" charset="0"/>
                 <a:cs typeface="Times New Roman" panose="02020603050405020304" pitchFamily="18" charset="0"/>
               </a:rPr>
               <a:t>, </a:t>
             </a:r>
             <a:r>
-              <a:rPr lang="en-US" sz="1800" dirty="0">
+              <a:rPr lang="en-US" sz="2000" dirty="0">
                 <a:latin typeface="Times New Roman" panose="02020603050405020304" pitchFamily="18" charset="0"/>
                 <a:ea typeface="Calibri" panose="020F0502020204030204" pitchFamily="34" charset="0"/>
               </a:rPr>
-              <a:t>NGINX</a:t>
-            </a:r>
-            <a:r>
-              <a:rPr lang="ru-RU" sz="1800" dirty="0">
+              <a:t>Nginx</a:t>
+            </a:r>
+            <a:r>
+              <a:rPr lang="en-US" sz="2000" baseline="30000" dirty="0">
                 <a:latin typeface="Times New Roman" panose="02020603050405020304" pitchFamily="18" charset="0"/>
                 <a:ea typeface="Calibri" panose="020F0502020204030204" pitchFamily="34" charset="0"/>
               </a:rPr>
-              <a:t>, </a:t>
-            </a:r>
-            <a:r>
-              <a:rPr lang="en-US" sz="1800" dirty="0">
+              <a:t>3</a:t>
+            </a:r>
+            <a:r>
+              <a:rPr lang="ru-RU" sz="2000" dirty="0">
+                <a:effectLst/>
                 <a:latin typeface="Times New Roman" panose="02020603050405020304" pitchFamily="18" charset="0"/>
                 <a:ea typeface="Calibri" panose="020F0502020204030204" pitchFamily="34" charset="0"/>
               </a:rPr>
-              <a:t>YAML …</a:t>
-            </a:r>
-            <a:r>
-              <a:rPr lang="ru-RU" sz="1800" dirty="0">
-                <a:effectLst/>
-                <a:latin typeface="Times New Roman" panose="02020603050405020304" pitchFamily="18" charset="0"/>
-                <a:ea typeface="Calibri" panose="020F0502020204030204" pitchFamily="34" charset="0"/>
-              </a:rPr>
               <a:t>.</a:t>
             </a:r>
-          </a:p>
-          <a:p>
-            <a:pPr algn="just"/>
-            <a:endParaRPr lang="en-US" sz="1800" dirty="0">
+            <a:endParaRPr lang="en-US" sz="2000" dirty="0">
               <a:effectLst/>
               <a:latin typeface="Times New Roman" panose="02020603050405020304" pitchFamily="18" charset="0"/>
               <a:ea typeface="Calibri" panose="020F0502020204030204" pitchFamily="34" charset="0"/>
@@ -8302,7 +8152,64 @@
           </a:p>
           <a:p>
             <a:pPr algn="just"/>
-            <a:endParaRPr lang="ru-RU" sz="1800" dirty="0">
+            <a:endParaRPr lang="ru-RU" sz="2000" dirty="0">
+              <a:effectLst/>
+              <a:latin typeface="Times New Roman" panose="02020603050405020304" pitchFamily="18" charset="0"/>
+              <a:ea typeface="Calibri" panose="020F0502020204030204" pitchFamily="34" charset="0"/>
+            </a:endParaRPr>
+          </a:p>
+          <a:p>
+            <a:pPr algn="just"/>
+            <a:r>
+              <a:rPr lang="ru-RU" sz="2000" dirty="0">
+                <a:effectLst/>
+                <a:latin typeface="Times New Roman" panose="02020603050405020304" pitchFamily="18" charset="0"/>
+                <a:ea typeface="Calibri" panose="020F0502020204030204" pitchFamily="34" charset="0"/>
+                <a:cs typeface="Times New Roman" panose="02020603050405020304" pitchFamily="18" charset="0"/>
+              </a:rPr>
+              <a:t>Контейнеризация — это способ упаковки приложения и всех его зависимостей в один образ, который запускается в изолированной среде, не влияющей на основную операционную систему.</a:t>
+            </a:r>
+            <a:endParaRPr lang="ru-RU" sz="2000" dirty="0">
+              <a:effectLst/>
+              <a:latin typeface="Times New Roman" panose="02020603050405020304" pitchFamily="18" charset="0"/>
+              <a:ea typeface="Calibri" panose="020F0502020204030204" pitchFamily="34" charset="0"/>
+            </a:endParaRPr>
+          </a:p>
+          <a:p>
+            <a:pPr algn="just"/>
+            <a:r>
+              <a:rPr lang="ru-RU" sz="2000" dirty="0" err="1">
+                <a:effectLst/>
+                <a:latin typeface="Times New Roman" panose="02020603050405020304" pitchFamily="18" charset="0"/>
+                <a:ea typeface="Calibri" panose="020F0502020204030204" pitchFamily="34" charset="0"/>
+              </a:rPr>
+              <a:t>Docker</a:t>
+            </a:r>
+            <a:r>
+              <a:rPr lang="ru-RU" sz="2000" dirty="0">
+                <a:effectLst/>
+                <a:latin typeface="Times New Roman" panose="02020603050405020304" pitchFamily="18" charset="0"/>
+                <a:ea typeface="Calibri" panose="020F0502020204030204" pitchFamily="34" charset="0"/>
+              </a:rPr>
+              <a:t>-образ — шаблон для создания </a:t>
+            </a:r>
+            <a:r>
+              <a:rPr lang="ru-RU" sz="2000" dirty="0" err="1">
+                <a:effectLst/>
+                <a:latin typeface="Times New Roman" panose="02020603050405020304" pitchFamily="18" charset="0"/>
+                <a:ea typeface="Calibri" panose="020F0502020204030204" pitchFamily="34" charset="0"/>
+              </a:rPr>
+              <a:t>Docker</a:t>
+            </a:r>
+            <a:r>
+              <a:rPr lang="ru-RU" sz="2000" dirty="0">
+                <a:effectLst/>
+                <a:latin typeface="Times New Roman" panose="02020603050405020304" pitchFamily="18" charset="0"/>
+                <a:ea typeface="Calibri" panose="020F0502020204030204" pitchFamily="34" charset="0"/>
+              </a:rPr>
+              <a:t>-контейнеров.</a:t>
+            </a:r>
+            <a:endParaRPr lang="en-US" sz="2000" dirty="0">
               <a:effectLst/>
               <a:latin typeface="Times New Roman" panose="02020603050405020304" pitchFamily="18" charset="0"/>
               <a:ea typeface="Calibri" panose="020F0502020204030204" pitchFamily="34" charset="0"/>
@@ -8331,7 +8238,7 @@
         </p:blipFill>
         <p:spPr>
           <a:xfrm>
-            <a:off x="3124249" y="2422807"/>
+            <a:off x="3698155" y="3573996"/>
             <a:ext cx="4795681" cy="1193555"/>
           </a:xfrm>
           <a:prstGeom prst="rect">
@@ -8353,8 +8260,8 @@
         </p:nvSpPr>
         <p:spPr>
           <a:xfrm>
-            <a:off x="3045040" y="3688700"/>
-            <a:ext cx="4700986" cy="369332"/>
+            <a:off x="3698155" y="4767551"/>
+            <a:ext cx="4795681" cy="369332"/>
           </a:xfrm>
           <a:prstGeom prst="rect">
             <a:avLst/>
@@ -8387,7 +8294,21 @@
                 <a:latin typeface="Times New Roman" panose="02020603050405020304" pitchFamily="18" charset="0"/>
                 <a:ea typeface="Calibri" panose="020F0502020204030204" pitchFamily="34" charset="0"/>
               </a:rPr>
-              <a:t>Создание контейнера на основе образа </a:t>
+              <a:t>Создание контейнера на основе образа</a:t>
+            </a:r>
+            <a:r>
+              <a:rPr lang="en-US" baseline="30000" dirty="0">
+                <a:latin typeface="Times New Roman" panose="02020603050405020304" pitchFamily="18" charset="0"/>
+                <a:ea typeface="Calibri" panose="020F0502020204030204" pitchFamily="34" charset="0"/>
+              </a:rPr>
+              <a:t>4</a:t>
+            </a:r>
+            <a:r>
+              <a:rPr lang="ru-RU" dirty="0">
+                <a:latin typeface="Times New Roman" panose="02020603050405020304" pitchFamily="18" charset="0"/>
+                <a:ea typeface="Calibri" panose="020F0502020204030204" pitchFamily="34" charset="0"/>
+              </a:rPr>
+              <a:t> </a:t>
             </a:r>
             <a:endParaRPr lang="ru-RU" dirty="0"/>
           </a:p>
@@ -8409,8 +8330,8 @@
         </p:nvSpPr>
         <p:spPr>
           <a:xfrm>
-            <a:off x="754962" y="5432744"/>
-            <a:ext cx="9534257" cy="1359573"/>
+            <a:off x="627185" y="4229878"/>
+            <a:ext cx="11218223" cy="2562439"/>
           </a:xfrm>
           <a:prstGeom prst="rect">
             <a:avLst/>
@@ -8418,7 +8339,7 @@
         </p:spPr>
         <p:txBody>
           <a:bodyPr vert="horz" lIns="91440" tIns="45720" rIns="91440" bIns="45720" rtlCol="0">
-            <a:normAutofit fontScale="85000" lnSpcReduction="20000"/>
+            <a:normAutofit/>
           </a:bodyPr>
           <a:lstStyle>
             <a:lvl1pPr marL="228600" indent="-228600" algn="l" defTabSz="914400" rtl="0" eaLnBrk="1" latinLnBrk="0" hangingPunct="1">
@@ -8588,8 +8509,47 @@
             <a:pPr marL="0" indent="0" algn="just">
               <a:buNone/>
             </a:pPr>
-            <a:r>
-              <a:rPr lang="ru-RU" sz="1800" dirty="0">
+            <a:endParaRPr lang="en-US" sz="1200" dirty="0">
+              <a:effectLst/>
+              <a:latin typeface="Times New Roman" panose="02020603050405020304" pitchFamily="18" charset="0"/>
+              <a:ea typeface="Calibri" panose="020F0502020204030204" pitchFamily="34" charset="0"/>
+            </a:endParaRPr>
+          </a:p>
+        </p:txBody>
+      </p:sp>
+      <p:sp>
+        <p:nvSpPr>
+          <p:cNvPr id="5" name="TextBox 4">
+            <a:extLst>
+              <a:ext uri="{FF2B5EF4-FFF2-40B4-BE49-F238E27FC236}">
+                <a16:creationId xmlns:a16="http://schemas.microsoft.com/office/drawing/2014/main" id="{1D9FD517-C6B8-EA08-5BB7-17C254233BC6}"/>
+              </a:ext>
+            </a:extLst>
+          </p:cNvPr>
+          <p:cNvSpPr txBox="1"/>
+          <p:nvPr/>
+        </p:nvSpPr>
+        <p:spPr>
+          <a:xfrm>
+            <a:off x="627185" y="5674556"/>
+            <a:ext cx="11400692" cy="923330"/>
+          </a:xfrm>
+          <a:prstGeom prst="rect">
+            <a:avLst/>
+          </a:prstGeom>
+          <a:noFill/>
+        </p:spPr>
+        <p:txBody>
+          <a:bodyPr wrap="square">
+            <a:spAutoFit/>
+          </a:bodyPr>
+          <a:lstStyle/>
+          <a:p>
+            <a:pPr marL="0" indent="0" algn="just">
+              <a:buNone/>
+            </a:pPr>
+            <a:r>
+              <a:rPr lang="ru-RU" sz="1200" dirty="0">
                 <a:effectLst/>
                 <a:latin typeface="Times New Roman" panose="02020603050405020304" pitchFamily="18" charset="0"/>
                 <a:ea typeface="Calibri" panose="020F0502020204030204" pitchFamily="34" charset="0"/>
@@ -8597,6 +8557,21 @@
               </a:rPr>
               <a:t>________________________________________________________________________________________</a:t>
             </a:r>
+            <a:r>
+              <a:rPr lang="en-US" sz="1200" dirty="0">
+                <a:effectLst/>
+                <a:latin typeface="Times New Roman" panose="02020603050405020304" pitchFamily="18" charset="0"/>
+                <a:ea typeface="Calibri" panose="020F0502020204030204" pitchFamily="34" charset="0"/>
+                <a:cs typeface="Times New Roman" panose="02020603050405020304" pitchFamily="18" charset="0"/>
+              </a:rPr>
+              <a:t>________________________________________________________</a:t>
+            </a:r>
+            <a:endParaRPr lang="ru-RU" sz="1200" dirty="0">
+              <a:effectLst/>
+              <a:latin typeface="Times New Roman" panose="02020603050405020304" pitchFamily="18" charset="0"/>
+              <a:ea typeface="Calibri" panose="020F0502020204030204" pitchFamily="34" charset="0"/>
+              <a:cs typeface="Times New Roman" panose="02020603050405020304" pitchFamily="18" charset="0"/>
+            </a:endParaRPr>
           </a:p>
           <a:p>
             <a:pPr marL="342900" indent="-342900" algn="just">
@@ -8604,7 +8579,7 @@
               <a:buAutoNum type="arabicPeriod"/>
             </a:pPr>
             <a:r>
-              <a:rPr lang="ru-RU" sz="1800" dirty="0" err="1">
+              <a:rPr lang="ru-RU" sz="1400" dirty="0" err="1">
                 <a:effectLst/>
                 <a:latin typeface="Times New Roman" panose="02020603050405020304" pitchFamily="18" charset="0"/>
                 <a:ea typeface="Calibri" panose="020F0502020204030204" pitchFamily="34" charset="0"/>
@@ -8613,7 +8588,7 @@
               <a:t>Django</a:t>
             </a:r>
             <a:r>
-              <a:rPr lang="ru-RU" sz="1800" dirty="0">
+              <a:rPr lang="ru-RU" sz="1400" dirty="0">
                 <a:effectLst/>
                 <a:latin typeface="Times New Roman" panose="02020603050405020304" pitchFamily="18" charset="0"/>
                 <a:ea typeface="Calibri" panose="020F0502020204030204" pitchFamily="34" charset="0"/>
@@ -8622,7 +8597,7 @@
               <a:t> — это Python </a:t>
             </a:r>
             <a:r>
-              <a:rPr lang="ru-RU" sz="1800" dirty="0" err="1">
+              <a:rPr lang="ru-RU" sz="1400" dirty="0" err="1">
                 <a:effectLst/>
                 <a:latin typeface="Times New Roman" panose="02020603050405020304" pitchFamily="18" charset="0"/>
                 <a:ea typeface="Calibri" panose="020F0502020204030204" pitchFamily="34" charset="0"/>
@@ -8631,7 +8606,7 @@
               <a:t>web</a:t>
             </a:r>
             <a:r>
-              <a:rPr lang="ru-RU" sz="1800" dirty="0">
+              <a:rPr lang="ru-RU" sz="1400" dirty="0">
                 <a:effectLst/>
                 <a:latin typeface="Times New Roman" panose="02020603050405020304" pitchFamily="18" charset="0"/>
                 <a:ea typeface="Calibri" panose="020F0502020204030204" pitchFamily="34" charset="0"/>
@@ -8640,7 +8615,7 @@
               <a:t>-фреймворк, с помощью которого можно вести разработку </a:t>
             </a:r>
             <a:r>
-              <a:rPr lang="ru-RU" sz="1800" dirty="0" err="1">
+              <a:rPr lang="ru-RU" sz="1400" dirty="0" err="1">
                 <a:effectLst/>
                 <a:latin typeface="Times New Roman" panose="02020603050405020304" pitchFamily="18" charset="0"/>
                 <a:ea typeface="Calibri" panose="020F0502020204030204" pitchFamily="34" charset="0"/>
@@ -8649,7 +8624,7 @@
               <a:t>web</a:t>
             </a:r>
             <a:r>
-              <a:rPr lang="ru-RU" sz="1800" dirty="0">
+              <a:rPr lang="ru-RU" sz="1400" dirty="0">
                 <a:effectLst/>
                 <a:latin typeface="Times New Roman" panose="02020603050405020304" pitchFamily="18" charset="0"/>
                 <a:ea typeface="Calibri" panose="020F0502020204030204" pitchFamily="34" charset="0"/>
@@ -8657,7 +8632,7 @@
               </a:rPr>
               <a:t>-приложения.</a:t>
             </a:r>
-            <a:endParaRPr lang="ru-RU" sz="1800" dirty="0">
+            <a:endParaRPr lang="ru-RU" sz="1400" dirty="0">
               <a:latin typeface="Calibri" panose="020F0502020204030204" pitchFamily="34" charset="0"/>
               <a:ea typeface="Calibri" panose="020F0502020204030204" pitchFamily="34" charset="0"/>
               <a:cs typeface="Times New Roman" panose="02020603050405020304" pitchFamily="18" charset="0"/>
@@ -8669,7 +8644,7 @@
               <a:buAutoNum type="arabicPeriod"/>
             </a:pPr>
             <a:r>
-              <a:rPr lang="ru-RU" sz="1800" dirty="0" err="1">
+              <a:rPr lang="ru-RU" sz="1400" dirty="0" err="1">
                 <a:effectLst/>
                 <a:latin typeface="Times New Roman" panose="02020603050405020304" pitchFamily="18" charset="0"/>
                 <a:ea typeface="Calibri" panose="020F0502020204030204" pitchFamily="34" charset="0"/>
@@ -8677,7 +8652,7 @@
               <a:t>Docker</a:t>
             </a:r>
             <a:r>
-              <a:rPr lang="ru-RU" sz="1800" dirty="0">
+              <a:rPr lang="ru-RU" sz="1400" dirty="0">
                 <a:effectLst/>
                 <a:latin typeface="Times New Roman" panose="02020603050405020304" pitchFamily="18" charset="0"/>
                 <a:ea typeface="Calibri" panose="020F0502020204030204" pitchFamily="34" charset="0"/>
@@ -8685,7 +8660,7 @@
               <a:t> — программное обеспечение, применяемое для разработки </a:t>
             </a:r>
             <a:r>
-              <a:rPr lang="ru-RU" sz="1800" dirty="0" err="1">
+              <a:rPr lang="ru-RU" sz="1400" dirty="0" err="1">
                 <a:effectLst/>
                 <a:latin typeface="Times New Roman" panose="02020603050405020304" pitchFamily="18" charset="0"/>
                 <a:ea typeface="Calibri" panose="020F0502020204030204" pitchFamily="34" charset="0"/>
@@ -8693,13 +8668,18 @@
               <a:t>web</a:t>
             </a:r>
             <a:r>
-              <a:rPr lang="ru-RU" sz="1800" dirty="0">
+              <a:rPr lang="ru-RU" sz="1400" dirty="0">
                 <a:effectLst/>
                 <a:latin typeface="Times New Roman" panose="02020603050405020304" pitchFamily="18" charset="0"/>
                 <a:ea typeface="Calibri" panose="020F0502020204030204" pitchFamily="34" charset="0"/>
               </a:rPr>
               <a:t>-приложений в средах с поддержкой контейнеризации.</a:t>
             </a:r>
+            <a:endParaRPr lang="en-US" sz="1400" dirty="0">
+              <a:effectLst/>
+              <a:latin typeface="Times New Roman" panose="02020603050405020304" pitchFamily="18" charset="0"/>
+              <a:ea typeface="Calibri" panose="020F0502020204030204" pitchFamily="34" charset="0"/>
+            </a:endParaRPr>
           </a:p>
           <a:p>
             <a:pPr marL="342900" indent="-342900" algn="just">
@@ -8707,37 +8687,24 @@
               <a:buAutoNum type="arabicPeriod"/>
             </a:pPr>
             <a:r>
-              <a:rPr lang="ru-RU" sz="1800" dirty="0" err="1">
+              <a:rPr lang="en-US" sz="1400" dirty="0">
+                <a:latin typeface="Times New Roman" panose="02020603050405020304" pitchFamily="18" charset="0"/>
+                <a:ea typeface="Calibri" panose="020F0502020204030204" pitchFamily="34" charset="0"/>
+              </a:rPr>
+              <a:t>Nginx </a:t>
+            </a:r>
+            <a:r>
+              <a:rPr lang="ru-RU" sz="1400" dirty="0">
                 <a:effectLst/>
                 <a:latin typeface="Times New Roman" panose="02020603050405020304" pitchFamily="18" charset="0"/>
                 <a:ea typeface="Calibri" panose="020F0502020204030204" pitchFamily="34" charset="0"/>
               </a:rPr>
-              <a:t>Docker</a:t>
-            </a:r>
-            <a:r>
-              <a:rPr lang="ru-RU" sz="1800" dirty="0">
-                <a:effectLst/>
-                <a:latin typeface="Times New Roman" panose="02020603050405020304" pitchFamily="18" charset="0"/>
-                <a:ea typeface="Calibri" panose="020F0502020204030204" pitchFamily="34" charset="0"/>
-              </a:rPr>
-              <a:t>-образ — шаблон для создания </a:t>
-            </a:r>
-            <a:r>
-              <a:rPr lang="ru-RU" sz="1800" dirty="0" err="1">
-                <a:effectLst/>
-                <a:latin typeface="Times New Roman" panose="02020603050405020304" pitchFamily="18" charset="0"/>
-                <a:ea typeface="Calibri" panose="020F0502020204030204" pitchFamily="34" charset="0"/>
-              </a:rPr>
-              <a:t>Docker</a:t>
-            </a:r>
-            <a:r>
-              <a:rPr lang="ru-RU" sz="1800" dirty="0">
-                <a:effectLst/>
-                <a:latin typeface="Times New Roman" panose="02020603050405020304" pitchFamily="18" charset="0"/>
-                <a:ea typeface="Calibri" panose="020F0502020204030204" pitchFamily="34" charset="0"/>
-              </a:rPr>
-              <a:t>-контейнеров.</a:t>
-            </a:r>
+              <a:t>— веб-сервер и почтовый прокси-сервер.</a:t>
+            </a:r>
+            <a:endParaRPr lang="en-US" sz="1400" dirty="0">
+              <a:latin typeface="Times New Roman" panose="02020603050405020304" pitchFamily="18" charset="0"/>
+              <a:ea typeface="Calibri" panose="020F0502020204030204" pitchFamily="34" charset="0"/>
+            </a:endParaRPr>
           </a:p>
         </p:txBody>
       </p:sp>
@@ -8815,8 +8782,8 @@
         </p:nvSpPr>
         <p:spPr>
           <a:xfrm>
-            <a:off x="6405873" y="941248"/>
-            <a:ext cx="4368476" cy="1384995"/>
+            <a:off x="7096337" y="1445425"/>
+            <a:ext cx="4368476" cy="1600438"/>
           </a:xfrm>
           <a:prstGeom prst="rect">
             <a:avLst/>
@@ -8844,6 +8811,9 @@
           <a:p>
             <a:r>
               <a:rPr lang="en-US" sz="1400" dirty="0" err="1">
+                <a:solidFill>
+                  <a:srgbClr val="7030A0"/>
+                </a:solidFill>
                 <a:latin typeface="Consolas" panose="020B0609020204030204" pitchFamily="49" charset="0"/>
               </a:rPr>
               <a:t>urlpatterns</a:t>
@@ -8867,6 +8837,38 @@
                 <a:solidFill>
                   <a:srgbClr val="7030A0"/>
                 </a:solidFill>
+                <a:latin typeface="Consolas" panose="020B0609020204030204" pitchFamily="49" charset="0"/>
+              </a:rPr>
+              <a:t>gui</a:t>
+            </a:r>
+            <a:r>
+              <a:rPr lang="en-US" sz="1400" dirty="0">
+                <a:latin typeface="Consolas" panose="020B0609020204030204" pitchFamily="49" charset="0"/>
+              </a:rPr>
+              <a:t>, name="</a:t>
+            </a:r>
+            <a:r>
+              <a:rPr lang="en-US" sz="1400" dirty="0" err="1">
+                <a:latin typeface="Consolas" panose="020B0609020204030204" pitchFamily="49" charset="0"/>
+              </a:rPr>
+              <a:t>gui</a:t>
+            </a:r>
+            <a:r>
+              <a:rPr lang="en-US" sz="1400" dirty="0">
+                <a:latin typeface="Consolas" panose="020B0609020204030204" pitchFamily="49" charset="0"/>
+              </a:rPr>
+              <a:t>"),</a:t>
+            </a:r>
+          </a:p>
+          <a:p>
+            <a:r>
+              <a:rPr lang="en-US" sz="1400" dirty="0">
+                <a:latin typeface="Consolas" panose="020B0609020204030204" pitchFamily="49" charset="0"/>
+              </a:rPr>
+              <a:t>    path("", </a:t>
+            </a:r>
+            <a:r>
+              <a:rPr lang="en-US" sz="1400" dirty="0" err="1">
                 <a:latin typeface="Consolas" panose="020B0609020204030204" pitchFamily="49" charset="0"/>
               </a:rPr>
               <a:t>image_upload</a:t>
@@ -8933,8 +8935,8 @@
         </p:nvSpPr>
         <p:spPr>
           <a:xfrm>
-            <a:off x="5565635" y="3436710"/>
-            <a:ext cx="5749407" cy="2123658"/>
+            <a:off x="6371312" y="3747118"/>
+            <a:ext cx="5093501" cy="523220"/>
           </a:xfrm>
           <a:prstGeom prst="rect">
             <a:avLst/>
@@ -8953,19 +8955,19 @@
           <a:lstStyle/>
           <a:p>
             <a:r>
-              <a:rPr lang="en-US" sz="1200" dirty="0">
+              <a:rPr lang="en-US" sz="1400" dirty="0">
                 <a:latin typeface="Consolas" panose="020B0609020204030204" pitchFamily="49" charset="0"/>
               </a:rPr>
               <a:t>def </a:t>
             </a:r>
             <a:r>
-              <a:rPr lang="en-US" sz="1200" dirty="0" err="1">
+              <a:rPr lang="en-US" sz="1400" dirty="0" err="1">
                 <a:latin typeface="Consolas" panose="020B0609020204030204" pitchFamily="49" charset="0"/>
               </a:rPr>
-              <a:t>image_upload</a:t>
-            </a:r>
-            <a:r>
-              <a:rPr lang="en-US" sz="1200" dirty="0">
+              <a:t>gui</a:t>
+            </a:r>
+            <a:r>
+              <a:rPr lang="en-US" sz="1400" dirty="0">
                 <a:latin typeface="Consolas" panose="020B0609020204030204" pitchFamily="49" charset="0"/>
               </a:rPr>
               <a:t>(request):</a:t>
@@ -8973,267 +8975,27 @@
           </a:p>
           <a:p>
             <a:r>
-              <a:rPr lang="en-US" sz="1200" dirty="0">
+              <a:rPr lang="en-US" sz="1400" dirty="0">
                 <a:latin typeface="Consolas" panose="020B0609020204030204" pitchFamily="49" charset="0"/>
               </a:rPr>
-              <a:t>    if </a:t>
-            </a:r>
-            <a:r>
-              <a:rPr lang="en-US" sz="1200" dirty="0" err="1">
+              <a:t>    return render(request, "</a:t>
+            </a:r>
+            <a:r>
+              <a:rPr lang="en-US" sz="1400" dirty="0">
+                <a:solidFill>
+                  <a:srgbClr val="7030A0"/>
+                </a:solidFill>
                 <a:latin typeface="Consolas" panose="020B0609020204030204" pitchFamily="49" charset="0"/>
               </a:rPr>
-              <a:t>request.method</a:t>
-            </a:r>
-            <a:r>
-              <a:rPr lang="en-US" sz="1200" dirty="0">
+              <a:t>title.html</a:t>
+            </a:r>
+            <a:r>
+              <a:rPr lang="en-US" sz="1400" dirty="0">
                 <a:latin typeface="Consolas" panose="020B0609020204030204" pitchFamily="49" charset="0"/>
               </a:rPr>
-              <a:t> == "POST" and </a:t>
-            </a:r>
-            <a:r>
-              <a:rPr lang="en-US" sz="1200" dirty="0" err="1">
-                <a:latin typeface="Consolas" panose="020B0609020204030204" pitchFamily="49" charset="0"/>
-              </a:rPr>
-              <a:t>request.FILES</a:t>
-            </a:r>
-            <a:r>
-              <a:rPr lang="en-US" sz="1200" dirty="0">
-                <a:latin typeface="Consolas" panose="020B0609020204030204" pitchFamily="49" charset="0"/>
-              </a:rPr>
-              <a:t>["</a:t>
-            </a:r>
-            <a:r>
-              <a:rPr lang="en-US" sz="1200" dirty="0" err="1">
-                <a:latin typeface="Consolas" panose="020B0609020204030204" pitchFamily="49" charset="0"/>
-              </a:rPr>
-              <a:t>image_file</a:t>
-            </a:r>
-            <a:r>
-              <a:rPr lang="en-US" sz="1200" dirty="0">
-                <a:latin typeface="Consolas" panose="020B0609020204030204" pitchFamily="49" charset="0"/>
-              </a:rPr>
-              <a:t>"]:</a:t>
-            </a:r>
-          </a:p>
-          <a:p>
-            <a:r>
-              <a:rPr lang="en-US" sz="1200" dirty="0">
-                <a:latin typeface="Consolas" panose="020B0609020204030204" pitchFamily="49" charset="0"/>
-              </a:rPr>
-              <a:t>        </a:t>
-            </a:r>
-            <a:r>
-              <a:rPr lang="en-US" sz="1200" dirty="0" err="1">
-                <a:latin typeface="Consolas" panose="020B0609020204030204" pitchFamily="49" charset="0"/>
-              </a:rPr>
-              <a:t>image_file</a:t>
-            </a:r>
-            <a:r>
-              <a:rPr lang="en-US" sz="1200" dirty="0">
-                <a:latin typeface="Consolas" panose="020B0609020204030204" pitchFamily="49" charset="0"/>
-              </a:rPr>
-              <a:t> = </a:t>
-            </a:r>
-            <a:r>
-              <a:rPr lang="en-US" sz="1200" dirty="0" err="1">
-                <a:latin typeface="Consolas" panose="020B0609020204030204" pitchFamily="49" charset="0"/>
-              </a:rPr>
-              <a:t>request.FILES</a:t>
-            </a:r>
-            <a:r>
-              <a:rPr lang="en-US" sz="1200" dirty="0">
-                <a:latin typeface="Consolas" panose="020B0609020204030204" pitchFamily="49" charset="0"/>
-              </a:rPr>
-              <a:t>["</a:t>
-            </a:r>
-            <a:r>
-              <a:rPr lang="en-US" sz="1200" dirty="0" err="1">
-                <a:latin typeface="Consolas" panose="020B0609020204030204" pitchFamily="49" charset="0"/>
-              </a:rPr>
-              <a:t>image_file</a:t>
-            </a:r>
-            <a:r>
-              <a:rPr lang="en-US" sz="1200" dirty="0">
-                <a:latin typeface="Consolas" panose="020B0609020204030204" pitchFamily="49" charset="0"/>
-              </a:rPr>
-              <a:t>"]</a:t>
-            </a:r>
-          </a:p>
-          <a:p>
-            <a:r>
-              <a:rPr lang="en-US" sz="1200" dirty="0">
-                <a:latin typeface="Consolas" panose="020B0609020204030204" pitchFamily="49" charset="0"/>
-              </a:rPr>
-              <a:t>        fs = </a:t>
-            </a:r>
-            <a:r>
-              <a:rPr lang="en-US" sz="1200" dirty="0" err="1">
-                <a:latin typeface="Consolas" panose="020B0609020204030204" pitchFamily="49" charset="0"/>
-              </a:rPr>
-              <a:t>FileSystemStorage</a:t>
-            </a:r>
-            <a:r>
-              <a:rPr lang="en-US" sz="1200" dirty="0">
-                <a:latin typeface="Consolas" panose="020B0609020204030204" pitchFamily="49" charset="0"/>
-              </a:rPr>
-              <a:t>()</a:t>
-            </a:r>
-          </a:p>
-          <a:p>
-            <a:r>
-              <a:rPr lang="en-US" sz="1200" dirty="0">
-                <a:latin typeface="Consolas" panose="020B0609020204030204" pitchFamily="49" charset="0"/>
-              </a:rPr>
-              <a:t>        filename = </a:t>
-            </a:r>
-            <a:r>
-              <a:rPr lang="en-US" sz="1200" dirty="0" err="1">
-                <a:latin typeface="Consolas" panose="020B0609020204030204" pitchFamily="49" charset="0"/>
-              </a:rPr>
-              <a:t>fs.save</a:t>
-            </a:r>
-            <a:r>
-              <a:rPr lang="en-US" sz="1200" dirty="0">
-                <a:latin typeface="Consolas" panose="020B0609020204030204" pitchFamily="49" charset="0"/>
-              </a:rPr>
-              <a:t>(image_file.name, </a:t>
-            </a:r>
-            <a:r>
-              <a:rPr lang="en-US" sz="1200" dirty="0" err="1">
-                <a:latin typeface="Consolas" panose="020B0609020204030204" pitchFamily="49" charset="0"/>
-              </a:rPr>
-              <a:t>image_file</a:t>
-            </a:r>
-            <a:r>
-              <a:rPr lang="en-US" sz="1200" dirty="0">
-                <a:latin typeface="Consolas" panose="020B0609020204030204" pitchFamily="49" charset="0"/>
-              </a:rPr>
-              <a:t>)</a:t>
-            </a:r>
-          </a:p>
-          <a:p>
-            <a:r>
-              <a:rPr lang="en-US" sz="1200" dirty="0">
-                <a:latin typeface="Consolas" panose="020B0609020204030204" pitchFamily="49" charset="0"/>
-              </a:rPr>
-              <a:t>        </a:t>
-            </a:r>
-            <a:r>
-              <a:rPr lang="en-US" sz="1200" dirty="0" err="1">
-                <a:latin typeface="Consolas" panose="020B0609020204030204" pitchFamily="49" charset="0"/>
-              </a:rPr>
-              <a:t>image_url</a:t>
-            </a:r>
-            <a:r>
-              <a:rPr lang="en-US" sz="1200" dirty="0">
-                <a:latin typeface="Consolas" panose="020B0609020204030204" pitchFamily="49" charset="0"/>
-              </a:rPr>
-              <a:t> = fs.url(filename)</a:t>
-            </a:r>
-          </a:p>
-          <a:p>
-            <a:r>
-              <a:rPr lang="en-US" sz="1200" dirty="0">
-                <a:latin typeface="Consolas" panose="020B0609020204030204" pitchFamily="49" charset="0"/>
-              </a:rPr>
-              <a:t>        print(</a:t>
-            </a:r>
-            <a:r>
-              <a:rPr lang="en-US" sz="1200" dirty="0" err="1">
-                <a:latin typeface="Consolas" panose="020B0609020204030204" pitchFamily="49" charset="0"/>
-              </a:rPr>
-              <a:t>image_url</a:t>
-            </a:r>
-            <a:r>
-              <a:rPr lang="en-US" sz="1200" dirty="0">
-                <a:latin typeface="Consolas" panose="020B0609020204030204" pitchFamily="49" charset="0"/>
-              </a:rPr>
-              <a:t>)</a:t>
-            </a:r>
-          </a:p>
-          <a:p>
-            <a:r>
-              <a:rPr lang="en-US" sz="1200" dirty="0">
-                <a:latin typeface="Consolas" panose="020B0609020204030204" pitchFamily="49" charset="0"/>
-              </a:rPr>
-              <a:t>        return render(request, "</a:t>
-            </a:r>
-            <a:r>
-              <a:rPr lang="en-US" sz="1200" dirty="0">
-                <a:solidFill>
-                  <a:srgbClr val="7030A0"/>
-                </a:solidFill>
-                <a:latin typeface="Consolas" panose="020B0609020204030204" pitchFamily="49" charset="0"/>
-              </a:rPr>
-              <a:t>upload.html</a:t>
-            </a:r>
-            <a:r>
-              <a:rPr lang="en-US" sz="1200" dirty="0">
-                <a:latin typeface="Consolas" panose="020B0609020204030204" pitchFamily="49" charset="0"/>
-              </a:rPr>
-              <a:t>", {</a:t>
-            </a:r>
-          </a:p>
-          <a:p>
-            <a:r>
-              <a:rPr lang="en-US" sz="1200" dirty="0">
-                <a:latin typeface="Consolas" panose="020B0609020204030204" pitchFamily="49" charset="0"/>
-              </a:rPr>
-              <a:t>            "</a:t>
-            </a:r>
-            <a:r>
-              <a:rPr lang="en-US" sz="1200" dirty="0" err="1">
-                <a:latin typeface="Consolas" panose="020B0609020204030204" pitchFamily="49" charset="0"/>
-              </a:rPr>
-              <a:t>image_url</a:t>
-            </a:r>
-            <a:r>
-              <a:rPr lang="en-US" sz="1200" dirty="0">
-                <a:latin typeface="Consolas" panose="020B0609020204030204" pitchFamily="49" charset="0"/>
-              </a:rPr>
-              <a:t>": </a:t>
-            </a:r>
-            <a:r>
-              <a:rPr lang="en-US" sz="1200" dirty="0" err="1">
-                <a:latin typeface="Consolas" panose="020B0609020204030204" pitchFamily="49" charset="0"/>
-              </a:rPr>
-              <a:t>image_url</a:t>
-            </a:r>
-            <a:endParaRPr lang="en-US" sz="1200" dirty="0">
-              <a:latin typeface="Consolas" panose="020B0609020204030204" pitchFamily="49" charset="0"/>
-            </a:endParaRPr>
-          </a:p>
-          <a:p>
-            <a:r>
-              <a:rPr lang="en-US" sz="1200" dirty="0">
-                <a:latin typeface="Consolas" panose="020B0609020204030204" pitchFamily="49" charset="0"/>
-              </a:rPr>
-              <a:t>        })</a:t>
-            </a:r>
-          </a:p>
-          <a:p>
-            <a:r>
-              <a:rPr lang="en-US" sz="1200" dirty="0">
-                <a:latin typeface="Consolas" panose="020B0609020204030204" pitchFamily="49" charset="0"/>
-              </a:rPr>
-              <a:t>    return render(request, "</a:t>
-            </a:r>
-            <a:r>
-              <a:rPr lang="en-US" sz="1200" dirty="0">
-                <a:solidFill>
-                  <a:srgbClr val="7030A0"/>
-                </a:solidFill>
-                <a:latin typeface="Consolas" panose="020B0609020204030204" pitchFamily="49" charset="0"/>
-              </a:rPr>
-              <a:t>upload.html</a:t>
-            </a:r>
-            <a:r>
-              <a:rPr lang="en-US" sz="1200" dirty="0">
-                <a:latin typeface="Consolas" panose="020B0609020204030204" pitchFamily="49" charset="0"/>
-              </a:rPr>
               <a:t>")</a:t>
             </a:r>
-            <a:endParaRPr lang="ru-RU" sz="1200" dirty="0">
+            <a:endParaRPr lang="ru-RU" sz="1400" dirty="0">
               <a:latin typeface="Consolas" panose="020B0609020204030204" pitchFamily="49" charset="0"/>
             </a:endParaRPr>
           </a:p>
@@ -9253,7 +9015,7 @@
         </p:nvSpPr>
         <p:spPr>
           <a:xfrm>
-            <a:off x="6405873" y="2326243"/>
+            <a:off x="7096337" y="3059668"/>
             <a:ext cx="4368476" cy="369332"/>
           </a:xfrm>
           <a:prstGeom prst="rect">
@@ -9300,8 +9062,8 @@
         </p:nvSpPr>
         <p:spPr>
           <a:xfrm>
-            <a:off x="5186190" y="5590183"/>
-            <a:ext cx="6508296" cy="369332"/>
+            <a:off x="6371311" y="4337718"/>
+            <a:ext cx="5093501" cy="369332"/>
           </a:xfrm>
           <a:prstGeom prst="rect">
             <a:avLst/>
@@ -9341,7 +9103,7 @@
                 <a:latin typeface="Times New Roman" panose="02020603050405020304" pitchFamily="18" charset="0"/>
                 <a:ea typeface="Calibri" panose="020F0502020204030204" pitchFamily="34" charset="0"/>
               </a:rPr>
-              <a:t>image_upload</a:t>
+              <a:t>gui</a:t>
             </a:r>
             <a:r>
               <a:rPr lang="en-US" dirty="0">
@@ -9476,86 +9238,60 @@
                 <a:latin typeface="Times New Roman" panose="02020603050405020304" pitchFamily="18" charset="0"/>
                 <a:cs typeface="Times New Roman" panose="02020603050405020304" pitchFamily="18" charset="0"/>
               </a:rPr>
-              <a:t>Разработка тестового </a:t>
-            </a:r>
-            <a:r>
-              <a:rPr lang="en-US" sz="2600" b="1" dirty="0">
+              <a:t>Программная реализация</a:t>
+            </a:r>
+          </a:p>
+          <a:p>
+            <a:r>
+              <a:rPr lang="ru-RU" sz="2100" b="1" dirty="0">
                 <a:solidFill>
                   <a:schemeClr val="tx1"/>
                 </a:solidFill>
                 <a:latin typeface="Times New Roman" panose="02020603050405020304" pitchFamily="18" charset="0"/>
                 <a:cs typeface="Times New Roman" panose="02020603050405020304" pitchFamily="18" charset="0"/>
               </a:rPr>
-              <a:t>web-</a:t>
-            </a:r>
-            <a:r>
-              <a:rPr lang="ru-RU" sz="2600" b="1" dirty="0">
+              <a:t>Особенности генерации </a:t>
+            </a:r>
+            <a:r>
+              <a:rPr lang="en-US" sz="2100" b="1" dirty="0">
                 <a:solidFill>
                   <a:schemeClr val="tx1"/>
                 </a:solidFill>
                 <a:latin typeface="Times New Roman" panose="02020603050405020304" pitchFamily="18" charset="0"/>
                 <a:cs typeface="Times New Roman" panose="02020603050405020304" pitchFamily="18" charset="0"/>
               </a:rPr>
-              <a:t>приложения</a:t>
-            </a:r>
-          </a:p>
-          <a:p>
-            <a:r>
-              <a:rPr lang="ru-RU" sz="2600" b="1" dirty="0">
+              <a:t>GUI </a:t>
+            </a:r>
+            <a:r>
+              <a:rPr lang="ru-RU" sz="2100" b="1" dirty="0">
                 <a:solidFill>
                   <a:schemeClr val="tx1"/>
                 </a:solidFill>
-                <a:highlight>
-                  <a:srgbClr val="FFFF00"/>
-                </a:highlight>
-                <a:latin typeface="Times New Roman" panose="02020603050405020304" pitchFamily="18" charset="0"/>
-                <a:cs typeface="Times New Roman" panose="02020603050405020304" pitchFamily="18" charset="0"/>
-              </a:rPr>
-              <a:t>Особенности генерации </a:t>
-            </a:r>
-            <a:r>
-              <a:rPr lang="en-US" sz="2600" b="1" dirty="0">
+                <a:latin typeface="Times New Roman" panose="02020603050405020304" pitchFamily="18" charset="0"/>
+                <a:cs typeface="Times New Roman" panose="02020603050405020304" pitchFamily="18" charset="0"/>
+              </a:rPr>
+              <a:t>на основе </a:t>
+            </a:r>
+            <a:r>
+              <a:rPr lang="en-US" sz="2100" b="1" dirty="0" err="1">
                 <a:solidFill>
                   <a:schemeClr val="tx1"/>
                 </a:solidFill>
-                <a:highlight>
-                  <a:srgbClr val="FFFF00"/>
-                </a:highlight>
-                <a:latin typeface="Times New Roman" panose="02020603050405020304" pitchFamily="18" charset="0"/>
-                <a:cs typeface="Times New Roman" panose="02020603050405020304" pitchFamily="18" charset="0"/>
-              </a:rPr>
-              <a:t>GUI </a:t>
-            </a:r>
-            <a:r>
-              <a:rPr lang="ru-RU" sz="2600" b="1">
+                <a:latin typeface="Times New Roman" panose="02020603050405020304" pitchFamily="18" charset="0"/>
+                <a:cs typeface="Times New Roman" panose="02020603050405020304" pitchFamily="18" charset="0"/>
+              </a:rPr>
+              <a:t>aINI</a:t>
+            </a:r>
+            <a:r>
+              <a:rPr lang="ru-RU" sz="2100" b="1" dirty="0">
                 <a:solidFill>
                   <a:schemeClr val="tx1"/>
                 </a:solidFill>
-                <a:highlight>
-                  <a:srgbClr val="FFFF00"/>
-                </a:highlight>
-                <a:latin typeface="Times New Roman" panose="02020603050405020304" pitchFamily="18" charset="0"/>
-                <a:cs typeface="Times New Roman" panose="02020603050405020304" pitchFamily="18" charset="0"/>
-              </a:rPr>
-              <a:t>на основе ???</a:t>
-            </a:r>
-            <a:r>
-              <a:rPr lang="ru-RU" sz="2600" b="1">
-                <a:solidFill>
-                  <a:schemeClr val="tx1"/>
-                </a:solidFill>
                 <a:latin typeface="Times New Roman" panose="02020603050405020304" pitchFamily="18" charset="0"/>
                 <a:cs typeface="Times New Roman" panose="02020603050405020304" pitchFamily="18" charset="0"/>
               </a:rPr>
               <a:t> </a:t>
             </a:r>
-            <a:endParaRPr lang="ru-RU" sz="2600" b="1" dirty="0">
-              <a:solidFill>
-                <a:schemeClr val="tx1"/>
-              </a:solidFill>
-              <a:latin typeface="Times New Roman" panose="02020603050405020304" pitchFamily="18" charset="0"/>
-              <a:cs typeface="Times New Roman" panose="02020603050405020304" pitchFamily="18" charset="0"/>
-            </a:endParaRPr>
           </a:p>
           <a:p>
             <a:endParaRPr lang="ru-RU" sz="2500" b="1" dirty="0">
@@ -9584,7 +9320,7 @@
         </p:nvSpPr>
         <p:spPr>
           <a:xfrm>
-            <a:off x="346591" y="1022800"/>
+            <a:off x="395654" y="1445425"/>
             <a:ext cx="5219044" cy="2093120"/>
           </a:xfrm>
           <a:prstGeom prst="rect">
@@ -9762,6 +9498,9 @@
           <a:p>
             <a:r>
               <a:rPr lang="en-US" sz="1800" dirty="0" err="1">
+                <a:solidFill>
+                  <a:srgbClr val="7030A0"/>
+                </a:solidFill>
                 <a:latin typeface="Times New Roman" panose="02020603050405020304" pitchFamily="18" charset="0"/>
                 <a:cs typeface="Times New Roman" panose="02020603050405020304" pitchFamily="18" charset="0"/>
               </a:rPr>
@@ -9823,17 +9562,7 @@
                 <a:latin typeface="Times New Roman" panose="02020603050405020304" pitchFamily="18" charset="0"/>
                 <a:cs typeface="Times New Roman" panose="02020603050405020304" pitchFamily="18" charset="0"/>
               </a:rPr>
-              <a:t>image_upload</a:t>
-            </a:r>
-            <a:r>
-              <a:rPr lang="en-US" sz="1800" dirty="0">
-                <a:solidFill>
-                  <a:srgbClr val="7030A0"/>
-                </a:solidFill>
-                <a:latin typeface="Times New Roman" panose="02020603050405020304" pitchFamily="18" charset="0"/>
-                <a:cs typeface="Times New Roman" panose="02020603050405020304" pitchFamily="18" charset="0"/>
-              </a:rPr>
-              <a:t> </a:t>
+              <a:t>gui</a:t>
             </a:r>
             <a:r>
               <a:rPr lang="en-US" sz="1800" dirty="0">
@@ -9966,8 +9695,8 @@
         </p:nvSpPr>
         <p:spPr>
           <a:xfrm>
-            <a:off x="346591" y="3439023"/>
-            <a:ext cx="5219044" cy="1754326"/>
+            <a:off x="395654" y="3747118"/>
+            <a:ext cx="5219044" cy="1200329"/>
           </a:xfrm>
           <a:prstGeom prst="rect">
             <a:avLst/>
@@ -9999,10 +9728,10 @@
                 <a:latin typeface="Times New Roman" panose="02020603050405020304" pitchFamily="18" charset="0"/>
                 <a:cs typeface="Times New Roman" panose="02020603050405020304" pitchFamily="18" charset="0"/>
               </a:rPr>
-              <a:t>image_upload</a:t>
-            </a:r>
-            <a:r>
-              <a:rPr lang="ru-RU" dirty="0">
+              <a:t>gui</a:t>
+            </a:r>
+            <a:r>
+              <a:rPr lang="en-US" dirty="0">
                 <a:solidFill>
                   <a:srgbClr val="7030A0"/>
                 </a:solidFill>
@@ -10047,76 +9776,424 @@
                 <a:latin typeface="Times New Roman" panose="02020603050405020304" pitchFamily="18" charset="0"/>
                 <a:cs typeface="Times New Roman" panose="02020603050405020304" pitchFamily="18" charset="0"/>
               </a:rPr>
-              <a:t>upload.html</a:t>
+              <a:t>title.html</a:t>
             </a:r>
             <a:r>
               <a:rPr lang="ru-RU" sz="1800" dirty="0">
                 <a:latin typeface="Times New Roman" panose="02020603050405020304" pitchFamily="18" charset="0"/>
                 <a:cs typeface="Times New Roman" panose="02020603050405020304" pitchFamily="18" charset="0"/>
               </a:rPr>
-              <a:t>), который должен быть </a:t>
+              <a:t>), который был сгенерирован</a:t>
+            </a:r>
+            <a:r>
+              <a:rPr lang="en-US" sz="1800" dirty="0">
+                <a:latin typeface="Times New Roman" panose="02020603050405020304" pitchFamily="18" charset="0"/>
+                <a:cs typeface="Times New Roman" panose="02020603050405020304" pitchFamily="18" charset="0"/>
+              </a:rPr>
+              <a:t> c </a:t>
             </a:r>
             <a:r>
               <a:rPr lang="ru-RU" sz="1800" dirty="0">
-                <a:highlight>
-                  <a:srgbClr val="00FF00"/>
-                </a:highlight>
-                <a:latin typeface="Times New Roman" panose="02020603050405020304" pitchFamily="18" charset="0"/>
-                <a:cs typeface="Times New Roman" panose="02020603050405020304" pitchFamily="18" charset="0"/>
-              </a:rPr>
-              <a:t>сгенерирован</a:t>
+                <a:latin typeface="Times New Roman" panose="02020603050405020304" pitchFamily="18" charset="0"/>
+                <a:cs typeface="Times New Roman" panose="02020603050405020304" pitchFamily="18" charset="0"/>
+              </a:rPr>
+              <a:t>помощью преобразователя данных в формате </a:t>
+            </a:r>
+            <a:r>
+              <a:rPr lang="en-US" sz="1800" dirty="0" err="1">
+                <a:latin typeface="Times New Roman" panose="02020603050405020304" pitchFamily="18" charset="0"/>
+                <a:cs typeface="Times New Roman" panose="02020603050405020304" pitchFamily="18" charset="0"/>
+              </a:rPr>
+              <a:t>aINI</a:t>
+            </a:r>
+            <a:r>
+              <a:rPr lang="en-US" sz="1800" dirty="0">
+                <a:latin typeface="Times New Roman" panose="02020603050405020304" pitchFamily="18" charset="0"/>
+                <a:cs typeface="Times New Roman" panose="02020603050405020304" pitchFamily="18" charset="0"/>
+              </a:rPr>
+              <a:t> </a:t>
             </a:r>
             <a:r>
               <a:rPr lang="ru-RU" sz="1800" dirty="0">
                 <a:latin typeface="Times New Roman" panose="02020603050405020304" pitchFamily="18" charset="0"/>
                 <a:cs typeface="Times New Roman" panose="02020603050405020304" pitchFamily="18" charset="0"/>
               </a:rPr>
-              <a:t>. </a:t>
+              <a:t>в </a:t>
+            </a:r>
+            <a:r>
+              <a:rPr lang="en-US" sz="1800" dirty="0">
+                <a:latin typeface="Times New Roman" panose="02020603050405020304" pitchFamily="18" charset="0"/>
+                <a:cs typeface="Times New Roman" panose="02020603050405020304" pitchFamily="18" charset="0"/>
+              </a:rPr>
+              <a:t>HTML</a:t>
+            </a:r>
+            <a:r>
+              <a:rPr lang="ru-RU" sz="1800" dirty="0">
+                <a:latin typeface="Times New Roman" panose="02020603050405020304" pitchFamily="18" charset="0"/>
+                <a:cs typeface="Times New Roman" panose="02020603050405020304" pitchFamily="18" charset="0"/>
+              </a:rPr>
+              <a:t>-код.</a:t>
             </a:r>
             <a:endParaRPr lang="ru-RU" dirty="0">
               <a:latin typeface="Times New Roman" panose="02020603050405020304" pitchFamily="18" charset="0"/>
               <a:cs typeface="Times New Roman" panose="02020603050405020304" pitchFamily="18" charset="0"/>
             </a:endParaRPr>
           </a:p>
-          <a:p>
-            <a:pPr marL="285750" indent="-285750">
+        </p:txBody>
+      </p:sp>
+      <p:sp>
+        <p:nvSpPr>
+          <p:cNvPr id="16" name="Объект 2">
+            <a:extLst>
+              <a:ext uri="{FF2B5EF4-FFF2-40B4-BE49-F238E27FC236}">
+                <a16:creationId xmlns:a16="http://schemas.microsoft.com/office/drawing/2014/main" id="{2123724C-8ACB-64C0-785B-51C68B6E45DE}"/>
+              </a:ext>
+            </a:extLst>
+          </p:cNvPr>
+          <p:cNvSpPr txBox="1">
+            <a:spLocks/>
+          </p:cNvSpPr>
+          <p:nvPr/>
+        </p:nvSpPr>
+        <p:spPr>
+          <a:xfrm>
+            <a:off x="395654" y="5295524"/>
+            <a:ext cx="11069158" cy="637288"/>
+          </a:xfrm>
+          <a:prstGeom prst="rect">
+            <a:avLst/>
+          </a:prstGeom>
+        </p:spPr>
+        <p:txBody>
+          <a:bodyPr vert="horz" lIns="91440" tIns="45720" rIns="91440" bIns="45720" rtlCol="0">
+            <a:normAutofit/>
+          </a:bodyPr>
+          <a:lstStyle>
+            <a:lvl1pPr marL="228600" indent="-228600" algn="l" defTabSz="914400" rtl="0" eaLnBrk="1" latinLnBrk="0" hangingPunct="1">
+              <a:lnSpc>
+                <a:spcPct val="90000"/>
+              </a:lnSpc>
+              <a:spcBef>
+                <a:spcPts val="1000"/>
+              </a:spcBef>
               <a:buFont typeface="Arial" panose="020B0604020202020204" pitchFamily="34" charset="0"/>
               <a:buChar char="•"/>
+              <a:defRPr sz="2800" kern="1200">
+                <a:solidFill>
+                  <a:schemeClr val="tx1"/>
+                </a:solidFill>
+                <a:latin typeface="+mn-lt"/>
+                <a:ea typeface="+mn-ea"/>
+                <a:cs typeface="+mn-cs"/>
+              </a:defRPr>
+            </a:lvl1pPr>
+            <a:lvl2pPr marL="685800" indent="-228600" algn="l" defTabSz="914400" rtl="0" eaLnBrk="1" latinLnBrk="0" hangingPunct="1">
+              <a:lnSpc>
+                <a:spcPct val="90000"/>
+              </a:lnSpc>
+              <a:spcBef>
+                <a:spcPts val="500"/>
+              </a:spcBef>
+              <a:buFont typeface="Arial" panose="020B0604020202020204" pitchFamily="34" charset="0"/>
+              <a:buChar char="•"/>
+              <a:defRPr sz="2400" kern="1200">
+                <a:solidFill>
+                  <a:schemeClr val="tx1"/>
+                </a:solidFill>
+                <a:latin typeface="+mn-lt"/>
+                <a:ea typeface="+mn-ea"/>
+                <a:cs typeface="+mn-cs"/>
+              </a:defRPr>
+            </a:lvl2pPr>
+            <a:lvl3pPr marL="1143000" indent="-228600" algn="l" defTabSz="914400" rtl="0" eaLnBrk="1" latinLnBrk="0" hangingPunct="1">
+              <a:lnSpc>
+                <a:spcPct val="90000"/>
+              </a:lnSpc>
+              <a:spcBef>
+                <a:spcPts val="500"/>
+              </a:spcBef>
+              <a:buFont typeface="Arial" panose="020B0604020202020204" pitchFamily="34" charset="0"/>
+              <a:buChar char="•"/>
+              <a:defRPr sz="2000" kern="1200">
+                <a:solidFill>
+                  <a:schemeClr val="tx1"/>
+                </a:solidFill>
+                <a:latin typeface="+mn-lt"/>
+                <a:ea typeface="+mn-ea"/>
+                <a:cs typeface="+mn-cs"/>
+              </a:defRPr>
+            </a:lvl3pPr>
+            <a:lvl4pPr marL="1600200" indent="-228600" algn="l" defTabSz="914400" rtl="0" eaLnBrk="1" latinLnBrk="0" hangingPunct="1">
+              <a:lnSpc>
+                <a:spcPct val="90000"/>
+              </a:lnSpc>
+              <a:spcBef>
+                <a:spcPts val="500"/>
+              </a:spcBef>
+              <a:buFont typeface="Arial" panose="020B0604020202020204" pitchFamily="34" charset="0"/>
+              <a:buChar char="•"/>
+              <a:defRPr sz="1800" kern="1200">
+                <a:solidFill>
+                  <a:schemeClr val="tx1"/>
+                </a:solidFill>
+                <a:latin typeface="+mn-lt"/>
+                <a:ea typeface="+mn-ea"/>
+                <a:cs typeface="+mn-cs"/>
+              </a:defRPr>
+            </a:lvl4pPr>
+            <a:lvl5pPr marL="2057400" indent="-228600" algn="l" defTabSz="914400" rtl="0" eaLnBrk="1" latinLnBrk="0" hangingPunct="1">
+              <a:lnSpc>
+                <a:spcPct val="90000"/>
+              </a:lnSpc>
+              <a:spcBef>
+                <a:spcPts val="500"/>
+              </a:spcBef>
+              <a:buFont typeface="Arial" panose="020B0604020202020204" pitchFamily="34" charset="0"/>
+              <a:buChar char="•"/>
+              <a:defRPr sz="1800" kern="1200">
+                <a:solidFill>
+                  <a:schemeClr val="tx1"/>
+                </a:solidFill>
+                <a:latin typeface="+mn-lt"/>
+                <a:ea typeface="+mn-ea"/>
+                <a:cs typeface="+mn-cs"/>
+              </a:defRPr>
+            </a:lvl5pPr>
+            <a:lvl6pPr marL="2514600" indent="-228600" algn="l" defTabSz="914400" rtl="0" eaLnBrk="1" latinLnBrk="0" hangingPunct="1">
+              <a:lnSpc>
+                <a:spcPct val="90000"/>
+              </a:lnSpc>
+              <a:spcBef>
+                <a:spcPts val="500"/>
+              </a:spcBef>
+              <a:buFont typeface="Arial" panose="020B0604020202020204" pitchFamily="34" charset="0"/>
+              <a:buChar char="•"/>
+              <a:defRPr sz="1800" kern="1200">
+                <a:solidFill>
+                  <a:schemeClr val="tx1"/>
+                </a:solidFill>
+                <a:latin typeface="+mn-lt"/>
+                <a:ea typeface="+mn-ea"/>
+                <a:cs typeface="+mn-cs"/>
+              </a:defRPr>
+            </a:lvl6pPr>
+            <a:lvl7pPr marL="2971800" indent="-228600" algn="l" defTabSz="914400" rtl="0" eaLnBrk="1" latinLnBrk="0" hangingPunct="1">
+              <a:lnSpc>
+                <a:spcPct val="90000"/>
+              </a:lnSpc>
+              <a:spcBef>
+                <a:spcPts val="500"/>
+              </a:spcBef>
+              <a:buFont typeface="Arial" panose="020B0604020202020204" pitchFamily="34" charset="0"/>
+              <a:buChar char="•"/>
+              <a:defRPr sz="1800" kern="1200">
+                <a:solidFill>
+                  <a:schemeClr val="tx1"/>
+                </a:solidFill>
+                <a:latin typeface="+mn-lt"/>
+                <a:ea typeface="+mn-ea"/>
+                <a:cs typeface="+mn-cs"/>
+              </a:defRPr>
+            </a:lvl7pPr>
+            <a:lvl8pPr marL="3429000" indent="-228600" algn="l" defTabSz="914400" rtl="0" eaLnBrk="1" latinLnBrk="0" hangingPunct="1">
+              <a:lnSpc>
+                <a:spcPct val="90000"/>
+              </a:lnSpc>
+              <a:spcBef>
+                <a:spcPts val="500"/>
+              </a:spcBef>
+              <a:buFont typeface="Arial" panose="020B0604020202020204" pitchFamily="34" charset="0"/>
+              <a:buChar char="•"/>
+              <a:defRPr sz="1800" kern="1200">
+                <a:solidFill>
+                  <a:schemeClr val="tx1"/>
+                </a:solidFill>
+                <a:latin typeface="+mn-lt"/>
+                <a:ea typeface="+mn-ea"/>
+                <a:cs typeface="+mn-cs"/>
+              </a:defRPr>
+            </a:lvl8pPr>
+            <a:lvl9pPr marL="3886200" indent="-228600" algn="l" defTabSz="914400" rtl="0" eaLnBrk="1" latinLnBrk="0" hangingPunct="1">
+              <a:lnSpc>
+                <a:spcPct val="90000"/>
+              </a:lnSpc>
+              <a:spcBef>
+                <a:spcPts val="500"/>
+              </a:spcBef>
+              <a:buFont typeface="Arial" panose="020B0604020202020204" pitchFamily="34" charset="0"/>
+              <a:buChar char="•"/>
+              <a:defRPr sz="1800" kern="1200">
+                <a:solidFill>
+                  <a:schemeClr val="tx1"/>
+                </a:solidFill>
+                <a:latin typeface="+mn-lt"/>
+                <a:ea typeface="+mn-ea"/>
+                <a:cs typeface="+mn-cs"/>
+              </a:defRPr>
+            </a:lvl9pPr>
+          </a:lstStyle>
+          <a:p>
+            <a:pPr algn="just"/>
+            <a:r>
+              <a:rPr lang="ru-RU" sz="1800" dirty="0">
+                <a:latin typeface="Times New Roman" panose="02020603050405020304" pitchFamily="18" charset="0"/>
+                <a:cs typeface="Times New Roman" panose="02020603050405020304" pitchFamily="18" charset="0"/>
+              </a:rPr>
+              <a:t>В разработке программы для</a:t>
+            </a:r>
+            <a:r>
+              <a:rPr lang="en-US" sz="1800" dirty="0">
+                <a:latin typeface="Times New Roman" panose="02020603050405020304" pitchFamily="18" charset="0"/>
+                <a:cs typeface="Times New Roman" panose="02020603050405020304" pitchFamily="18" charset="0"/>
+              </a:rPr>
+              <a:t> </a:t>
+            </a:r>
+            <a:r>
+              <a:rPr lang="ru-RU" sz="1800" dirty="0">
+                <a:latin typeface="Times New Roman" panose="02020603050405020304" pitchFamily="18" charset="0"/>
+                <a:cs typeface="Times New Roman" panose="02020603050405020304" pitchFamily="18" charset="0"/>
+              </a:rPr>
+              <a:t>генерации</a:t>
+            </a:r>
+            <a:r>
+              <a:rPr lang="en-US" sz="1800" dirty="0">
+                <a:latin typeface="Times New Roman" panose="02020603050405020304" pitchFamily="18" charset="0"/>
+                <a:cs typeface="Times New Roman" panose="02020603050405020304" pitchFamily="18" charset="0"/>
+              </a:rPr>
+              <a:t> HTML </a:t>
+            </a:r>
+            <a:r>
+              <a:rPr lang="ru-RU" sz="1800" dirty="0">
+                <a:latin typeface="Times New Roman" panose="02020603050405020304" pitchFamily="18" charset="0"/>
+                <a:cs typeface="Times New Roman" panose="02020603050405020304" pitchFamily="18" charset="0"/>
+              </a:rPr>
+              <a:t>файла на основе </a:t>
+            </a:r>
+            <a:r>
+              <a:rPr lang="en-US" sz="1800" dirty="0" err="1">
+                <a:latin typeface="Times New Roman" panose="02020603050405020304" pitchFamily="18" charset="0"/>
+                <a:cs typeface="Times New Roman" panose="02020603050405020304" pitchFamily="18" charset="0"/>
+              </a:rPr>
+              <a:t>aINI</a:t>
+            </a:r>
+            <a:r>
+              <a:rPr lang="ru-RU" sz="1800" dirty="0">
+                <a:latin typeface="Times New Roman" panose="02020603050405020304" pitchFamily="18" charset="0"/>
+                <a:cs typeface="Times New Roman" panose="02020603050405020304" pitchFamily="18" charset="0"/>
+              </a:rPr>
+              <a:t> использовалась библиотека </a:t>
+            </a:r>
+            <a:r>
+              <a:rPr lang="en-US" sz="1800" dirty="0" err="1">
+                <a:latin typeface="Times New Roman" panose="02020603050405020304" pitchFamily="18" charset="0"/>
+                <a:cs typeface="Times New Roman" panose="02020603050405020304" pitchFamily="18" charset="0"/>
+              </a:rPr>
+              <a:t>pyparsing</a:t>
+            </a:r>
+            <a:r>
+              <a:rPr lang="ru-RU" sz="1800" baseline="30000" dirty="0">
+                <a:latin typeface="Times New Roman" panose="02020603050405020304" pitchFamily="18" charset="0"/>
+                <a:cs typeface="Times New Roman" panose="02020603050405020304" pitchFamily="18" charset="0"/>
+              </a:rPr>
+              <a:t>1</a:t>
+            </a:r>
+            <a:r>
+              <a:rPr lang="ru-RU" sz="1800" dirty="0">
+                <a:effectLst/>
+                <a:latin typeface="Times New Roman" panose="02020603050405020304" pitchFamily="18" charset="0"/>
+                <a:ea typeface="Calibri" panose="020F0502020204030204" pitchFamily="34" charset="0"/>
+              </a:rPr>
+              <a:t>.</a:t>
+            </a:r>
+          </a:p>
+          <a:p>
+            <a:pPr algn="just"/>
+            <a:endParaRPr lang="en-US" sz="1800" dirty="0">
+              <a:effectLst/>
+              <a:latin typeface="Times New Roman" panose="02020603050405020304" pitchFamily="18" charset="0"/>
+              <a:ea typeface="Calibri" panose="020F0502020204030204" pitchFamily="34" charset="0"/>
+            </a:endParaRPr>
+          </a:p>
+          <a:p>
+            <a:pPr algn="just"/>
+            <a:endParaRPr lang="ru-RU" sz="1800" dirty="0">
+              <a:effectLst/>
+              <a:latin typeface="Times New Roman" panose="02020603050405020304" pitchFamily="18" charset="0"/>
+              <a:ea typeface="Calibri" panose="020F0502020204030204" pitchFamily="34" charset="0"/>
+            </a:endParaRPr>
+          </a:p>
+        </p:txBody>
+      </p:sp>
+      <p:sp>
+        <p:nvSpPr>
+          <p:cNvPr id="17" name="Нижний колонтитул 2">
+            <a:extLst>
+              <a:ext uri="{FF2B5EF4-FFF2-40B4-BE49-F238E27FC236}">
+                <a16:creationId xmlns:a16="http://schemas.microsoft.com/office/drawing/2014/main" id="{984D3F84-A7BF-BA2F-8779-F2CBDF442710}"/>
+              </a:ext>
+            </a:extLst>
+          </p:cNvPr>
+          <p:cNvSpPr>
+            <a:spLocks noGrp="1"/>
+          </p:cNvSpPr>
+          <p:nvPr>
+            <p:ph type="ftr" sz="quarter" idx="11"/>
+          </p:nvPr>
+        </p:nvSpPr>
+        <p:spPr>
+          <a:xfrm>
+            <a:off x="627185" y="6356350"/>
+            <a:ext cx="11218221" cy="365125"/>
+          </a:xfrm>
+        </p:spPr>
+        <p:txBody>
+          <a:bodyPr/>
+          <a:lstStyle/>
+          <a:p>
+            <a:pPr algn="l"/>
+            <a:r>
+              <a:rPr lang="ru-RU" i="0" dirty="0">
+                <a:solidFill>
+                  <a:schemeClr val="tx1"/>
+                </a:solidFill>
+                <a:effectLst/>
+                <a:latin typeface="Times New Roman" panose="02020603050405020304" pitchFamily="18" charset="0"/>
+                <a:cs typeface="Times New Roman" panose="02020603050405020304" pitchFamily="18" charset="0"/>
+              </a:rPr>
+              <a:t>________________________________________________________________________________________________________________________________________________</a:t>
+            </a:r>
+          </a:p>
+          <a:p>
+            <a:pPr marL="228600" indent="-228600" algn="l">
+              <a:buFont typeface="+mj-lt"/>
+              <a:buAutoNum type="arabicPeriod"/>
             </a:pPr>
             <a:r>
-              <a:rPr lang="ru-RU" dirty="0">
-                <a:highlight>
-                  <a:srgbClr val="FFFF00"/>
-                </a:highlight>
-                <a:latin typeface="Times New Roman" panose="02020603050405020304" pitchFamily="18" charset="0"/>
-                <a:cs typeface="Times New Roman" panose="02020603050405020304" pitchFamily="18" charset="0"/>
-              </a:rPr>
-              <a:t>При изменении взаимодействия пользователя со страницей, помимо </a:t>
-            </a:r>
-            <a:r>
-              <a:rPr lang="en-US" dirty="0">
-                <a:highlight>
-                  <a:srgbClr val="FFFF00"/>
-                </a:highlight>
-                <a:latin typeface="Times New Roman" panose="02020603050405020304" pitchFamily="18" charset="0"/>
-                <a:cs typeface="Times New Roman" panose="02020603050405020304" pitchFamily="18" charset="0"/>
-              </a:rPr>
-              <a:t>HTML-</a:t>
-            </a:r>
-            <a:r>
-              <a:rPr lang="ru-RU" dirty="0">
-                <a:highlight>
-                  <a:srgbClr val="FFFF00"/>
-                </a:highlight>
-                <a:latin typeface="Times New Roman" panose="02020603050405020304" pitchFamily="18" charset="0"/>
-                <a:cs typeface="Times New Roman" panose="02020603050405020304" pitchFamily="18" charset="0"/>
-              </a:rPr>
-              <a:t>файла требуется также переписать функцию-представления.</a:t>
-            </a:r>
-            <a:endParaRPr lang="en-US" sz="1800" dirty="0">
-              <a:highlight>
-                <a:srgbClr val="FFFF00"/>
-              </a:highlight>
+              <a:rPr lang="ru-RU" i="0" dirty="0" err="1">
+                <a:solidFill>
+                  <a:schemeClr val="tx1"/>
+                </a:solidFill>
+                <a:effectLst/>
+                <a:latin typeface="Times New Roman" panose="02020603050405020304" pitchFamily="18" charset="0"/>
+                <a:cs typeface="Times New Roman" panose="02020603050405020304" pitchFamily="18" charset="0"/>
+              </a:rPr>
+              <a:t>Pyparsing</a:t>
+            </a:r>
+            <a:r>
+              <a:rPr lang="ru-RU" i="0" dirty="0">
+                <a:solidFill>
+                  <a:schemeClr val="tx1"/>
+                </a:solidFill>
+                <a:effectLst/>
+                <a:latin typeface="Times New Roman" panose="02020603050405020304" pitchFamily="18" charset="0"/>
+                <a:cs typeface="Times New Roman" panose="02020603050405020304" pitchFamily="18" charset="0"/>
+              </a:rPr>
+              <a:t> — модуль синтаксического анализа для языка Python.</a:t>
+            </a:r>
+            <a:endParaRPr lang="ru-RU" dirty="0">
+              <a:solidFill>
+                <a:schemeClr val="tx1"/>
+              </a:solidFill>
               <a:latin typeface="Times New Roman" panose="02020603050405020304" pitchFamily="18" charset="0"/>
               <a:cs typeface="Times New Roman" panose="02020603050405020304" pitchFamily="18" charset="0"/>
             </a:endParaRPr>
@@ -10153,47 +10230,12 @@
           <a:chExt cx="0" cy="0"/>
         </a:xfrm>
       </p:grpSpPr>
-      <p:pic>
-        <p:nvPicPr>
-          <p:cNvPr id="6" name="Рисунок 5">
+      <p:sp>
+        <p:nvSpPr>
+          <p:cNvPr id="4" name="Номер слайда 3">
             <a:extLst>
               <a:ext uri="{FF2B5EF4-FFF2-40B4-BE49-F238E27FC236}">
-                <a16:creationId xmlns:a16="http://schemas.microsoft.com/office/drawing/2014/main" id="{51B6B1D6-A733-5B75-DC9A-970E71DDAC36}"/>
-              </a:ext>
-            </a:extLst>
-          </p:cNvPr>
-          <p:cNvPicPr>
-            <a:picLocks noChangeAspect="1"/>
-          </p:cNvPicPr>
-          <p:nvPr/>
-        </p:nvPicPr>
-        <p:blipFill rotWithShape="1">
-          <a:blip r:embed="rId2">
-            <a:extLst>
-              <a:ext uri="{28A0092B-C50C-407E-A947-70E740481C1C}">
-                <a14:useLocalDpi xmlns:a14="http://schemas.microsoft.com/office/drawing/2010/main" val="0"/>
-              </a:ext>
-            </a:extLst>
-          </a:blip>
-          <a:srcRect r="5671"/>
-          <a:stretch/>
-        </p:blipFill>
-        <p:spPr>
-          <a:xfrm>
-            <a:off x="6616972" y="2058765"/>
-            <a:ext cx="5482791" cy="2028995"/>
-          </a:xfrm>
-          <a:prstGeom prst="rect">
-            <a:avLst/>
-          </a:prstGeom>
-        </p:spPr>
-      </p:pic>
-      <p:sp>
-        <p:nvSpPr>
-          <p:cNvPr id="2" name="Номер слайда 1">
-            <a:extLst>
-              <a:ext uri="{FF2B5EF4-FFF2-40B4-BE49-F238E27FC236}">
-                <a16:creationId xmlns:a16="http://schemas.microsoft.com/office/drawing/2014/main" id="{59106089-6942-817E-3737-7B853F109B46}"/>
+                <a16:creationId xmlns:a16="http://schemas.microsoft.com/office/drawing/2014/main" id="{59612D7D-C773-CDA1-1EA1-88B35573C4F6}"/>
               </a:ext>
             </a:extLst>
           </p:cNvPr>
@@ -10211,18 +10253,19 @@
           <a:p>
             <a:fld id="{5552E39F-73D0-4A16-9BC8-08DD5BB183DF}" type="slidenum">
               <a:rPr lang="ru-RU" smtClean="0"/>
+              <a:pPr/>
               <a:t>8</a:t>
             </a:fld>
-            <a:endParaRPr lang="ru-RU"/>
-          </a:p>
-        </p:txBody>
-      </p:sp>
-      <p:sp>
-        <p:nvSpPr>
-          <p:cNvPr id="3" name="Заголовок 1">
+            <a:endParaRPr lang="ru-RU" dirty="0"/>
+          </a:p>
+        </p:txBody>
+      </p:sp>
+      <p:sp>
+        <p:nvSpPr>
+          <p:cNvPr id="9" name="Заголовок 1">
             <a:extLst>
               <a:ext uri="{FF2B5EF4-FFF2-40B4-BE49-F238E27FC236}">
-                <a16:creationId xmlns:a16="http://schemas.microsoft.com/office/drawing/2014/main" id="{07D84D18-7307-42D8-543E-C1DFC8471C8A}"/>
+                <a16:creationId xmlns:a16="http://schemas.microsoft.com/office/drawing/2014/main" id="{39860686-D546-B862-D873-DD73D627F28E}"/>
               </a:ext>
             </a:extLst>
           </p:cNvPr>
@@ -10325,27 +10368,59 @@
                 <a:latin typeface="Times New Roman" panose="02020603050405020304" pitchFamily="18" charset="0"/>
                 <a:cs typeface="Times New Roman" panose="02020603050405020304" pitchFamily="18" charset="0"/>
               </a:rPr>
-              <a:t>Разработка тестового </a:t>
-            </a:r>
-            <a:r>
-              <a:rPr lang="en-US" sz="2600" b="1" dirty="0">
+              <a:t>Программная реализация</a:t>
+            </a:r>
+          </a:p>
+          <a:p>
+            <a:r>
+              <a:rPr lang="ru-RU" sz="2100" b="1" dirty="0">
                 <a:solidFill>
                   <a:schemeClr val="tx1"/>
                 </a:solidFill>
                 <a:latin typeface="Times New Roman" panose="02020603050405020304" pitchFamily="18" charset="0"/>
                 <a:cs typeface="Times New Roman" panose="02020603050405020304" pitchFamily="18" charset="0"/>
               </a:rPr>
-              <a:t>web-</a:t>
-            </a:r>
-            <a:r>
-              <a:rPr lang="ru-RU" sz="2600" b="1" dirty="0">
+              <a:t>Пример генерации </a:t>
+            </a:r>
+            <a:r>
+              <a:rPr lang="en-US" sz="2100" b="1" dirty="0">
                 <a:solidFill>
                   <a:schemeClr val="tx1"/>
                 </a:solidFill>
                 <a:latin typeface="Times New Roman" panose="02020603050405020304" pitchFamily="18" charset="0"/>
                 <a:cs typeface="Times New Roman" panose="02020603050405020304" pitchFamily="18" charset="0"/>
               </a:rPr>
-              <a:t>приложения</a:t>
+              <a:t>GUI </a:t>
+            </a:r>
+            <a:r>
+              <a:rPr lang="ru-RU" sz="2100" b="1" dirty="0">
+                <a:solidFill>
+                  <a:schemeClr val="tx1"/>
+                </a:solidFill>
+                <a:latin typeface="Times New Roman" panose="02020603050405020304" pitchFamily="18" charset="0"/>
+                <a:cs typeface="Times New Roman" panose="02020603050405020304" pitchFamily="18" charset="0"/>
+              </a:rPr>
+              <a:t>на основе </a:t>
+            </a:r>
+            <a:r>
+              <a:rPr lang="en-US" sz="2100" b="1" dirty="0" err="1">
+                <a:solidFill>
+                  <a:schemeClr val="tx1"/>
+                </a:solidFill>
+                <a:latin typeface="Times New Roman" panose="02020603050405020304" pitchFamily="18" charset="0"/>
+                <a:cs typeface="Times New Roman" panose="02020603050405020304" pitchFamily="18" charset="0"/>
+              </a:rPr>
+              <a:t>aINI</a:t>
+            </a:r>
+            <a:r>
+              <a:rPr lang="ru-RU" sz="2100" b="1" dirty="0">
+                <a:solidFill>
+                  <a:schemeClr val="tx1"/>
+                </a:solidFill>
+                <a:latin typeface="Times New Roman" panose="02020603050405020304" pitchFamily="18" charset="0"/>
+                <a:cs typeface="Times New Roman" panose="02020603050405020304" pitchFamily="18" charset="0"/>
+              </a:rPr>
+              <a:t> </a:t>
             </a:r>
           </a:p>
           <a:p>
@@ -10361,10 +10436,10 @@
       </p:sp>
       <p:sp>
         <p:nvSpPr>
-          <p:cNvPr id="10" name="TextBox 9">
+          <p:cNvPr id="6" name="TextBox 5">
             <a:extLst>
               <a:ext uri="{FF2B5EF4-FFF2-40B4-BE49-F238E27FC236}">
-                <a16:creationId xmlns:a16="http://schemas.microsoft.com/office/drawing/2014/main" id="{E101E289-7160-C728-2D92-8E4EDDC5D440}"/>
+                <a16:creationId xmlns:a16="http://schemas.microsoft.com/office/drawing/2014/main" id="{2AD4CC1C-1CFA-4D8D-60A1-955C30438E14}"/>
               </a:ext>
             </a:extLst>
           </p:cNvPr>
@@ -10373,8 +10448,132 @@
         </p:nvSpPr>
         <p:spPr>
           <a:xfrm>
-            <a:off x="6711163" y="4187138"/>
-            <a:ext cx="5294407" cy="369332"/>
+            <a:off x="627185" y="2413336"/>
+            <a:ext cx="4022866" cy="2031325"/>
+          </a:xfrm>
+          <a:prstGeom prst="rect">
+            <a:avLst/>
+          </a:prstGeom>
+        </p:spPr>
+        <p:style>
+          <a:lnRef idx="2">
+            <a:schemeClr val="dk1"/>
+          </a:lnRef>
+          <a:fillRef idx="1">
+            <a:schemeClr val="lt1"/>
+          </a:fillRef>
+          <a:effectRef idx="0">
+            <a:schemeClr val="dk1"/>
+          </a:effectRef>
+          <a:fontRef idx="minor">
+            <a:schemeClr val="dk1"/>
+          </a:fontRef>
+        </p:style>
+        <p:txBody>
+          <a:bodyPr wrap="square">
+            <a:spAutoFit/>
+          </a:bodyPr>
+          <a:lstStyle/>
+          <a:p>
+            <a:r>
+              <a:rPr lang="en-US" dirty="0"/>
+              <a:t>[sec1]//</a:t>
+            </a:r>
+            <a:r>
+              <a:rPr lang="ru-RU" dirty="0"/>
+              <a:t>Пункт 1</a:t>
+            </a:r>
+          </a:p>
+          <a:p>
+            <a:r>
+              <a:rPr lang="en-US" dirty="0"/>
+              <a:t>X=VX//</a:t>
+            </a:r>
+            <a:r>
+              <a:rPr lang="ru-RU" dirty="0"/>
+              <a:t>Параметр </a:t>
+            </a:r>
+            <a:r>
+              <a:rPr lang="en-US" dirty="0"/>
+              <a:t>X</a:t>
+            </a:r>
+          </a:p>
+          <a:p>
+            <a:r>
+              <a:rPr lang="en-US" dirty="0"/>
+              <a:t>Y=YX//</a:t>
+            </a:r>
+            <a:r>
+              <a:rPr lang="ru-RU" dirty="0"/>
+              <a:t>Параметр </a:t>
+            </a:r>
+            <a:r>
+              <a:rPr lang="en-US" dirty="0"/>
+              <a:t>Y</a:t>
+            </a:r>
+          </a:p>
+          <a:p>
+            <a:r>
+              <a:rPr lang="en-US" dirty="0"/>
+              <a:t>box=[1] {0|1}//</a:t>
+            </a:r>
+            <a:r>
+              <a:rPr lang="ru-RU" dirty="0"/>
+              <a:t>Флажок 1</a:t>
+            </a:r>
+          </a:p>
+          <a:p>
+            <a:r>
+              <a:rPr lang="en-US" dirty="0"/>
+              <a:t>box=[1] {0|1}//</a:t>
+            </a:r>
+            <a:r>
+              <a:rPr lang="ru-RU" dirty="0"/>
+              <a:t>Флажок 2</a:t>
+            </a:r>
+          </a:p>
+          <a:p>
+            <a:r>
+              <a:rPr lang="ru-RU" dirty="0"/>
+              <a:t>[</a:t>
+            </a:r>
+            <a:r>
+              <a:rPr lang="en-US" dirty="0"/>
+              <a:t>sec1]//</a:t>
+            </a:r>
+            <a:r>
+              <a:rPr lang="ru-RU" dirty="0"/>
+              <a:t>Пункт 2</a:t>
+            </a:r>
+          </a:p>
+          <a:p>
+            <a:r>
+              <a:rPr lang="en-US" dirty="0"/>
+              <a:t>box=[0] {0|1}//</a:t>
+            </a:r>
+            <a:r>
+              <a:rPr lang="ru-RU" dirty="0"/>
+              <a:t>Флажок 3</a:t>
+            </a:r>
+          </a:p>
+        </p:txBody>
+      </p:sp>
+      <p:sp>
+        <p:nvSpPr>
+          <p:cNvPr id="12" name="TextBox 11">
+            <a:extLst>
+              <a:ext uri="{FF2B5EF4-FFF2-40B4-BE49-F238E27FC236}">
+                <a16:creationId xmlns:a16="http://schemas.microsoft.com/office/drawing/2014/main" id="{6A89F57F-7C0D-5965-BB2E-13A996BCD67D}"/>
+              </a:ext>
+            </a:extLst>
+          </p:cNvPr>
+          <p:cNvSpPr txBox="1"/>
+          <p:nvPr/>
+        </p:nvSpPr>
+        <p:spPr>
+          <a:xfrm>
+            <a:off x="627185" y="4368159"/>
+            <a:ext cx="4022866" cy="369332"/>
           </a:xfrm>
           <a:prstGeom prst="rect">
             <a:avLst/>
@@ -10393,76 +10592,39 @@
                 <a:latin typeface="Times New Roman" panose="02020603050405020304" pitchFamily="18" charset="0"/>
                 <a:ea typeface="Calibri" panose="020F0502020204030204" pitchFamily="34" charset="0"/>
               </a:rPr>
-              <a:t>Рис. 4</a:t>
+              <a:t>Рис. </a:t>
             </a:r>
             <a:r>
               <a:rPr lang="en-US" dirty="0">
                 <a:latin typeface="Times New Roman" panose="02020603050405020304" pitchFamily="18" charset="0"/>
                 <a:ea typeface="Calibri" panose="020F0502020204030204" pitchFamily="34" charset="0"/>
               </a:rPr>
-              <a:t>. </a:t>
+              <a:t>3. </a:t>
             </a:r>
             <a:r>
               <a:rPr lang="ru-RU" dirty="0">
                 <a:latin typeface="Times New Roman" panose="02020603050405020304" pitchFamily="18" charset="0"/>
                 <a:ea typeface="Calibri" panose="020F0502020204030204" pitchFamily="34" charset="0"/>
               </a:rPr>
-              <a:t>Проверка таблиц</a:t>
+              <a:t>Входные данные в формате </a:t>
+            </a:r>
+            <a:r>
+              <a:rPr lang="en-US" dirty="0" err="1">
+                <a:latin typeface="Times New Roman" panose="02020603050405020304" pitchFamily="18" charset="0"/>
+                <a:ea typeface="Calibri" panose="020F0502020204030204" pitchFamily="34" charset="0"/>
+              </a:rPr>
+              <a:t>aINI</a:t>
             </a:r>
             <a:endParaRPr lang="ru-RU" dirty="0"/>
           </a:p>
         </p:txBody>
       </p:sp>
-      <p:cxnSp>
-        <p:nvCxnSpPr>
-          <p:cNvPr id="12" name="Прямая со стрелкой 11">
+      <p:sp>
+        <p:nvSpPr>
+          <p:cNvPr id="13" name="TextBox 12">
             <a:extLst>
               <a:ext uri="{FF2B5EF4-FFF2-40B4-BE49-F238E27FC236}">
-                <a16:creationId xmlns:a16="http://schemas.microsoft.com/office/drawing/2014/main" id="{F8609579-830D-AC72-3542-7B2C1EA1C273}"/>
-              </a:ext>
-            </a:extLst>
-          </p:cNvPr>
-          <p:cNvCxnSpPr>
-            <a:cxnSpLocks/>
-          </p:cNvCxnSpPr>
-          <p:nvPr/>
-        </p:nvCxnSpPr>
-        <p:spPr>
-          <a:xfrm>
-            <a:off x="3246868" y="1682885"/>
-            <a:ext cx="0" cy="375880"/>
-          </a:xfrm>
-          <a:prstGeom prst="straightConnector1">
-            <a:avLst/>
-          </a:prstGeom>
-          <a:ln w="76200">
-            <a:solidFill>
-              <a:schemeClr val="tx1"/>
-            </a:solidFill>
-            <a:tailEnd type="triangle"/>
-          </a:ln>
-        </p:spPr>
-        <p:style>
-          <a:lnRef idx="1">
-            <a:schemeClr val="accent1"/>
-          </a:lnRef>
-          <a:fillRef idx="0">
-            <a:schemeClr val="accent1"/>
-          </a:fillRef>
-          <a:effectRef idx="0">
-            <a:schemeClr val="accent1"/>
-          </a:effectRef>
-          <a:fontRef idx="minor">
-            <a:schemeClr val="tx1"/>
-          </a:fontRef>
-        </p:style>
-      </p:cxnSp>
-      <p:sp>
-        <p:nvSpPr>
-          <p:cNvPr id="15" name="TextBox 14">
-            <a:extLst>
-              <a:ext uri="{FF2B5EF4-FFF2-40B4-BE49-F238E27FC236}">
-                <a16:creationId xmlns:a16="http://schemas.microsoft.com/office/drawing/2014/main" id="{A924E1CD-7CF3-6775-81CF-6C9D6E51C01C}"/>
+                <a16:creationId xmlns:a16="http://schemas.microsoft.com/office/drawing/2014/main" id="{DAE4DCAD-5D6D-DBB4-A2B1-3770A30F7363}"/>
               </a:ext>
             </a:extLst>
           </p:cNvPr>
@@ -10471,8 +10633,8 @@
         </p:nvSpPr>
         <p:spPr>
           <a:xfrm>
-            <a:off x="599663" y="6120495"/>
-            <a:ext cx="5294407" cy="369332"/>
+            <a:off x="5516879" y="5414158"/>
+            <a:ext cx="6484620" cy="369332"/>
           </a:xfrm>
           <a:prstGeom prst="rect">
             <a:avLst/>
@@ -10491,102 +10653,351 @@
                 <a:latin typeface="Times New Roman" panose="02020603050405020304" pitchFamily="18" charset="0"/>
                 <a:ea typeface="Calibri" panose="020F0502020204030204" pitchFamily="34" charset="0"/>
               </a:rPr>
-              <a:t>Рис. 3</a:t>
+              <a:t>Рис. </a:t>
             </a:r>
             <a:r>
               <a:rPr lang="en-US" dirty="0">
                 <a:latin typeface="Times New Roman" panose="02020603050405020304" pitchFamily="18" charset="0"/>
                 <a:ea typeface="Calibri" panose="020F0502020204030204" pitchFamily="34" charset="0"/>
               </a:rPr>
-              <a:t>. </a:t>
+              <a:t>4. </a:t>
             </a:r>
             <a:r>
               <a:rPr lang="ru-RU" dirty="0">
                 <a:latin typeface="Times New Roman" panose="02020603050405020304" pitchFamily="18" charset="0"/>
                 <a:ea typeface="Calibri" panose="020F0502020204030204" pitchFamily="34" charset="0"/>
               </a:rPr>
-              <a:t>Работа </a:t>
-            </a:r>
-            <a:r>
-              <a:rPr lang="en-US" dirty="0">
-                <a:latin typeface="Times New Roman" panose="02020603050405020304" pitchFamily="18" charset="0"/>
-                <a:ea typeface="Calibri" panose="020F0502020204030204" pitchFamily="34" charset="0"/>
-              </a:rPr>
-              <a:t>web-</a:t>
-            </a:r>
-            <a:r>
-              <a:rPr lang="ru-RU" dirty="0">
-                <a:latin typeface="Times New Roman" panose="02020603050405020304" pitchFamily="18" charset="0"/>
-                <a:ea typeface="Calibri" panose="020F0502020204030204" pitchFamily="34" charset="0"/>
-              </a:rPr>
-              <a:t>приложения </a:t>
+              <a:t>Результат работы разработанного преобразователя</a:t>
             </a:r>
             <a:endParaRPr lang="ru-RU" dirty="0"/>
           </a:p>
         </p:txBody>
       </p:sp>
-      <p:pic>
-        <p:nvPicPr>
-          <p:cNvPr id="17" name="Рисунок 16">
+      <p:sp>
+        <p:nvSpPr>
+          <p:cNvPr id="15" name="TextBox 14">
             <a:extLst>
               <a:ext uri="{FF2B5EF4-FFF2-40B4-BE49-F238E27FC236}">
-                <a16:creationId xmlns:a16="http://schemas.microsoft.com/office/drawing/2014/main" id="{BCACE9EB-5095-F1B7-656D-FF4DA9AA11D3}"/>
+                <a16:creationId xmlns:a16="http://schemas.microsoft.com/office/drawing/2014/main" id="{A6CAE1CB-C611-A391-DD61-7822DD6150CE}"/>
               </a:ext>
             </a:extLst>
           </p:cNvPr>
-          <p:cNvPicPr>
-            <a:picLocks noChangeAspect="1"/>
-          </p:cNvPicPr>
+          <p:cNvSpPr txBox="1"/>
           <p:nvPr/>
-        </p:nvPicPr>
-        <p:blipFill rotWithShape="1">
-          <a:blip r:embed="rId3"/>
-          <a:srcRect l="1795" b="14759"/>
-          <a:stretch/>
-        </p:blipFill>
+        </p:nvSpPr>
         <p:spPr>
           <a:xfrm>
-            <a:off x="904342" y="717927"/>
-            <a:ext cx="4685048" cy="964958"/>
+            <a:off x="5516879" y="1443840"/>
+            <a:ext cx="6484621" cy="3970318"/>
           </a:xfrm>
           <a:prstGeom prst="rect">
             <a:avLst/>
           </a:prstGeom>
         </p:spPr>
-      </p:pic>
-      <p:pic>
-        <p:nvPicPr>
-          <p:cNvPr id="21" name="Рисунок 20">
-            <a:extLst>
-              <a:ext uri="{FF2B5EF4-FFF2-40B4-BE49-F238E27FC236}">
-                <a16:creationId xmlns:a16="http://schemas.microsoft.com/office/drawing/2014/main" id="{538D4DC5-F8FB-14B0-85A9-81180FACA19C}"/>
-              </a:ext>
-            </a:extLst>
-          </p:cNvPr>
-          <p:cNvPicPr>
-            <a:picLocks noChangeAspect="1"/>
-          </p:cNvPicPr>
-          <p:nvPr/>
-        </p:nvPicPr>
-        <p:blipFill rotWithShape="1">
-          <a:blip r:embed="rId4"/>
-          <a:srcRect l="1013" r="6889" b="4237"/>
-          <a:stretch/>
-        </p:blipFill>
-        <p:spPr>
-          <a:xfrm>
-            <a:off x="1734356" y="2057765"/>
-            <a:ext cx="3025019" cy="4082308"/>
-          </a:xfrm>
-          <a:prstGeom prst="rect">
-            <a:avLst/>
-          </a:prstGeom>
-        </p:spPr>
-      </p:pic>
+        <p:style>
+          <a:lnRef idx="2">
+            <a:schemeClr val="dk1"/>
+          </a:lnRef>
+          <a:fillRef idx="1">
+            <a:schemeClr val="lt1"/>
+          </a:fillRef>
+          <a:effectRef idx="0">
+            <a:schemeClr val="dk1"/>
+          </a:effectRef>
+          <a:fontRef idx="minor">
+            <a:schemeClr val="dk1"/>
+          </a:fontRef>
+        </p:style>
+        <p:txBody>
+          <a:bodyPr wrap="square">
+            <a:spAutoFit/>
+          </a:bodyPr>
+          <a:lstStyle/>
+          <a:p>
+            <a:r>
+              <a:rPr lang="en-US" sz="1400" dirty="0">
+                <a:latin typeface="Consolas" panose="020B0609020204030204" pitchFamily="49" charset="0"/>
+              </a:rPr>
+              <a:t>&lt;!DOCTYPE HTML&gt;</a:t>
+            </a:r>
+          </a:p>
+          <a:p>
+            <a:r>
+              <a:rPr lang="en-US" sz="1400" dirty="0">
+                <a:latin typeface="Consolas" panose="020B0609020204030204" pitchFamily="49" charset="0"/>
+              </a:rPr>
+              <a:t>&lt;html&gt;</a:t>
+            </a:r>
+          </a:p>
+          <a:p>
+            <a:r>
+              <a:rPr lang="en-US" sz="1400" dirty="0">
+                <a:latin typeface="Consolas" panose="020B0609020204030204" pitchFamily="49" charset="0"/>
+              </a:rPr>
+              <a:t>&lt;head&gt;</a:t>
+            </a:r>
+          </a:p>
+          <a:p>
+            <a:r>
+              <a:rPr lang="en-US" sz="1400" dirty="0">
+                <a:latin typeface="Consolas" panose="020B0609020204030204" pitchFamily="49" charset="0"/>
+              </a:rPr>
+              <a:t>&lt;meta charset="utf-8"&gt;</a:t>
+            </a:r>
+          </a:p>
+          <a:p>
+            <a:r>
+              <a:rPr lang="en-US" sz="1400" dirty="0">
+                <a:latin typeface="Consolas" panose="020B0609020204030204" pitchFamily="49" charset="0"/>
+              </a:rPr>
+              <a:t>&lt;title&gt;title&lt;/title&gt;</a:t>
+            </a:r>
+          </a:p>
+          <a:p>
+            <a:r>
+              <a:rPr lang="en-US" sz="1400" dirty="0">
+                <a:latin typeface="Consolas" panose="020B0609020204030204" pitchFamily="49" charset="0"/>
+              </a:rPr>
+              <a:t>&lt;/head&gt;</a:t>
+            </a:r>
+          </a:p>
+          <a:p>
+            <a:r>
+              <a:rPr lang="en-US" sz="1400" dirty="0">
+                <a:latin typeface="Consolas" panose="020B0609020204030204" pitchFamily="49" charset="0"/>
+              </a:rPr>
+              <a:t>&lt;body&gt;</a:t>
+            </a:r>
+          </a:p>
+          <a:p>
+            <a:r>
+              <a:rPr lang="en-US" sz="1400" dirty="0">
+                <a:latin typeface="Consolas" panose="020B0609020204030204" pitchFamily="49" charset="0"/>
+              </a:rPr>
+              <a:t>&lt;h1&gt;</a:t>
+            </a:r>
+            <a:r>
+              <a:rPr lang="ru-RU" sz="1400" dirty="0">
+                <a:latin typeface="Consolas" panose="020B0609020204030204" pitchFamily="49" charset="0"/>
+              </a:rPr>
+              <a:t>Пункт 1&lt;/</a:t>
+            </a:r>
+            <a:r>
+              <a:rPr lang="en-US" sz="1400" dirty="0">
+                <a:latin typeface="Consolas" panose="020B0609020204030204" pitchFamily="49" charset="0"/>
+              </a:rPr>
+              <a:t>h1&gt;</a:t>
+            </a:r>
+          </a:p>
+          <a:p>
+            <a:r>
+              <a:rPr lang="en-US" sz="1400" dirty="0">
+                <a:latin typeface="Consolas" panose="020B0609020204030204" pitchFamily="49" charset="0"/>
+              </a:rPr>
+              <a:t>&lt;p&gt;&lt;b&gt;</a:t>
+            </a:r>
+            <a:r>
+              <a:rPr lang="ru-RU" sz="1400" dirty="0">
+                <a:latin typeface="Consolas" panose="020B0609020204030204" pitchFamily="49" charset="0"/>
+              </a:rPr>
+              <a:t>Параметр </a:t>
+            </a:r>
+            <a:r>
+              <a:rPr lang="en-US" sz="1400" dirty="0">
+                <a:latin typeface="Consolas" panose="020B0609020204030204" pitchFamily="49" charset="0"/>
+              </a:rPr>
+              <a:t>X&lt;/b&gt;&lt;</a:t>
+            </a:r>
+            <a:r>
+              <a:rPr lang="en-US" sz="1400" dirty="0" err="1">
+                <a:latin typeface="Consolas" panose="020B0609020204030204" pitchFamily="49" charset="0"/>
+              </a:rPr>
+              <a:t>br</a:t>
+            </a:r>
+            <a:r>
+              <a:rPr lang="en-US" sz="1400" dirty="0">
+                <a:latin typeface="Consolas" panose="020B0609020204030204" pitchFamily="49" charset="0"/>
+              </a:rPr>
+              <a:t>&gt;</a:t>
+            </a:r>
+          </a:p>
+          <a:p>
+            <a:r>
+              <a:rPr lang="en-US" sz="1400" dirty="0">
+                <a:latin typeface="Consolas" panose="020B0609020204030204" pitchFamily="49" charset="0"/>
+              </a:rPr>
+              <a:t>&lt;input type="text" value="VX"&gt;&lt;/p&gt;</a:t>
+            </a:r>
+          </a:p>
+          <a:p>
+            <a:r>
+              <a:rPr lang="en-US" sz="1400" dirty="0">
+                <a:latin typeface="Consolas" panose="020B0609020204030204" pitchFamily="49" charset="0"/>
+              </a:rPr>
+              <a:t>&lt;p&gt;&lt;b&gt;</a:t>
+            </a:r>
+            <a:r>
+              <a:rPr lang="ru-RU" sz="1400" dirty="0">
+                <a:latin typeface="Consolas" panose="020B0609020204030204" pitchFamily="49" charset="0"/>
+              </a:rPr>
+              <a:t>Параметр </a:t>
+            </a:r>
+            <a:r>
+              <a:rPr lang="en-US" sz="1400" dirty="0">
+                <a:latin typeface="Consolas" panose="020B0609020204030204" pitchFamily="49" charset="0"/>
+              </a:rPr>
+              <a:t>Y&lt;/b&gt;&lt;</a:t>
+            </a:r>
+            <a:r>
+              <a:rPr lang="en-US" sz="1400" dirty="0" err="1">
+                <a:latin typeface="Consolas" panose="020B0609020204030204" pitchFamily="49" charset="0"/>
+              </a:rPr>
+              <a:t>br</a:t>
+            </a:r>
+            <a:r>
+              <a:rPr lang="en-US" sz="1400" dirty="0">
+                <a:latin typeface="Consolas" panose="020B0609020204030204" pitchFamily="49" charset="0"/>
+              </a:rPr>
+              <a:t>&gt;</a:t>
+            </a:r>
+          </a:p>
+          <a:p>
+            <a:r>
+              <a:rPr lang="en-US" sz="1400" dirty="0">
+                <a:latin typeface="Consolas" panose="020B0609020204030204" pitchFamily="49" charset="0"/>
+              </a:rPr>
+              <a:t>&lt;input type="text" value="YX"&gt;&lt;/p&gt;</a:t>
+            </a:r>
+          </a:p>
+          <a:p>
+            <a:r>
+              <a:rPr lang="en-US" sz="1400" dirty="0">
+                <a:latin typeface="Consolas" panose="020B0609020204030204" pitchFamily="49" charset="0"/>
+              </a:rPr>
+              <a:t>&lt;p&gt;&lt;&lt;input type="checkbox" name="</a:t>
+            </a:r>
+            <a:r>
+              <a:rPr lang="ru-RU" sz="1400" dirty="0">
+                <a:latin typeface="Consolas" panose="020B0609020204030204" pitchFamily="49" charset="0"/>
+              </a:rPr>
+              <a:t>Флажок 1" </a:t>
+            </a:r>
+            <a:r>
+              <a:rPr lang="en-US" sz="1400" dirty="0">
+                <a:latin typeface="Consolas" panose="020B0609020204030204" pitchFamily="49" charset="0"/>
+              </a:rPr>
+              <a:t>checked&gt;</a:t>
+            </a:r>
+            <a:r>
+              <a:rPr lang="ru-RU" sz="1400" dirty="0">
+                <a:latin typeface="Consolas" panose="020B0609020204030204" pitchFamily="49" charset="0"/>
+              </a:rPr>
+              <a:t>Флажок 1&lt;/</a:t>
+            </a:r>
+            <a:r>
+              <a:rPr lang="en-US" sz="1400" dirty="0">
+                <a:latin typeface="Consolas" panose="020B0609020204030204" pitchFamily="49" charset="0"/>
+              </a:rPr>
+              <a:t>p&gt;</a:t>
+            </a:r>
+          </a:p>
+          <a:p>
+            <a:r>
+              <a:rPr lang="en-US" sz="1400" dirty="0">
+                <a:latin typeface="Consolas" panose="020B0609020204030204" pitchFamily="49" charset="0"/>
+              </a:rPr>
+              <a:t>&lt;p&gt;&lt;&lt;input type="checkbox" name="</a:t>
+            </a:r>
+            <a:r>
+              <a:rPr lang="ru-RU" sz="1400" dirty="0">
+                <a:latin typeface="Consolas" panose="020B0609020204030204" pitchFamily="49" charset="0"/>
+              </a:rPr>
+              <a:t>Флажок 2" </a:t>
+            </a:r>
+            <a:r>
+              <a:rPr lang="en-US" sz="1400" dirty="0">
+                <a:latin typeface="Consolas" panose="020B0609020204030204" pitchFamily="49" charset="0"/>
+              </a:rPr>
+              <a:t>checked&gt;</a:t>
+            </a:r>
+            <a:r>
+              <a:rPr lang="ru-RU" sz="1400" dirty="0">
+                <a:latin typeface="Consolas" panose="020B0609020204030204" pitchFamily="49" charset="0"/>
+              </a:rPr>
+              <a:t>Флажок 2&lt;/</a:t>
+            </a:r>
+            <a:r>
+              <a:rPr lang="en-US" sz="1400" dirty="0">
+                <a:latin typeface="Consolas" panose="020B0609020204030204" pitchFamily="49" charset="0"/>
+              </a:rPr>
+              <a:t>p&gt;</a:t>
+            </a:r>
+          </a:p>
+          <a:p>
+            <a:r>
+              <a:rPr lang="en-US" sz="1400" dirty="0">
+                <a:latin typeface="Consolas" panose="020B0609020204030204" pitchFamily="49" charset="0"/>
+              </a:rPr>
+              <a:t>&lt;h1&gt;</a:t>
+            </a:r>
+            <a:r>
+              <a:rPr lang="ru-RU" sz="1400" dirty="0">
+                <a:latin typeface="Consolas" panose="020B0609020204030204" pitchFamily="49" charset="0"/>
+              </a:rPr>
+              <a:t>Пункт 2&lt;/</a:t>
+            </a:r>
+            <a:r>
+              <a:rPr lang="en-US" sz="1400" dirty="0">
+                <a:latin typeface="Consolas" panose="020B0609020204030204" pitchFamily="49" charset="0"/>
+              </a:rPr>
+              <a:t>h1&gt;</a:t>
+            </a:r>
+          </a:p>
+          <a:p>
+            <a:r>
+              <a:rPr lang="en-US" sz="1400" dirty="0">
+                <a:latin typeface="Consolas" panose="020B0609020204030204" pitchFamily="49" charset="0"/>
+              </a:rPr>
+              <a:t>&lt;p&gt;&lt;&lt;input type="checkbox" name="</a:t>
+            </a:r>
+            <a:r>
+              <a:rPr lang="ru-RU" sz="1400" dirty="0">
+                <a:latin typeface="Consolas" panose="020B0609020204030204" pitchFamily="49" charset="0"/>
+              </a:rPr>
+              <a:t>Флажок 3"&gt;Флажок 3&lt;/</a:t>
+            </a:r>
+            <a:r>
+              <a:rPr lang="en-US" sz="1400" dirty="0">
+                <a:latin typeface="Consolas" panose="020B0609020204030204" pitchFamily="49" charset="0"/>
+              </a:rPr>
+              <a:t>p&gt;</a:t>
+            </a:r>
+          </a:p>
+          <a:p>
+            <a:r>
+              <a:rPr lang="en-US" sz="1400" dirty="0">
+                <a:latin typeface="Consolas" panose="020B0609020204030204" pitchFamily="49" charset="0"/>
+              </a:rPr>
+              <a:t>&lt;/body&gt;</a:t>
+            </a:r>
+          </a:p>
+          <a:p>
+            <a:r>
+              <a:rPr lang="en-US" sz="1400" dirty="0">
+                <a:latin typeface="Consolas" panose="020B0609020204030204" pitchFamily="49" charset="0"/>
+              </a:rPr>
+              <a:t>&lt;/html&gt;</a:t>
+            </a:r>
+            <a:endParaRPr lang="ru-RU" sz="1400" dirty="0">
+              <a:latin typeface="Consolas" panose="020B0609020204030204" pitchFamily="49" charset="0"/>
+            </a:endParaRPr>
+          </a:p>
+        </p:txBody>
+      </p:sp>
     </p:spTree>
     <p:extLst>
       <p:ext uri="{BB962C8B-B14F-4D97-AF65-F5344CB8AC3E}">
-        <p14:creationId xmlns:p14="http://schemas.microsoft.com/office/powerpoint/2010/main" val="592710792"/>
+        <p14:creationId xmlns:p14="http://schemas.microsoft.com/office/powerpoint/2010/main" val="2075915913"/>
       </p:ext>
     </p:extLst>
   </p:cSld>

--- a/01 - Курсовые проекты/2022-2023 - Разработка библиотеки функций на языке Python, реализующей автоматизированное построение динамических GUI/rndhpc_rpt_pres_gui_2023_73_VasilyanA.pptx
+++ b/01 - Курсовые проекты/2022-2023 - Разработка библиотеки функций на языке Python, реализующей автоматизированное построение динамических GUI/rndhpc_rpt_pres_gui_2023_73_VasilyanA.pptx
@@ -5,7 +5,7 @@
     <p:sldMasterId id="2147483754" r:id="rId1"/>
   </p:sldMasterIdLst>
   <p:notesMasterIdLst>
-    <p:notesMasterId r:id="rId12"/>
+    <p:notesMasterId r:id="rId13"/>
   </p:notesMasterIdLst>
   <p:sldIdLst>
     <p:sldId id="256" r:id="rId2"/>
@@ -18,6 +18,7 @@
     <p:sldId id="274" r:id="rId9"/>
     <p:sldId id="275" r:id="rId10"/>
     <p:sldId id="264" r:id="rId11"/>
+    <p:sldId id="276" r:id="rId12"/>
   </p:sldIdLst>
   <p:sldSz cx="12192000" cy="6858000"/>
   <p:notesSz cx="6858000" cy="9144000"/>
@@ -218,7 +219,7 @@
           <a:p>
             <a:fld id="{1433DABF-D097-44E0-82C0-1AAF5966212D}" type="datetimeFigureOut">
               <a:rPr lang="ru-RU" smtClean="0"/>
-              <a:t>16.02.2023</a:t>
+              <a:t>17.02.2023</a:t>
             </a:fld>
             <a:endParaRPr lang="ru-RU"/>
           </a:p>
@@ -784,7 +785,7 @@
           <a:p>
             <a:fld id="{6157714A-B5FA-4BDA-BAC5-CE551E0D5C71}" type="datetime1">
               <a:rPr lang="ru-RU" smtClean="0"/>
-              <a:t>16.02.2023</a:t>
+              <a:t>17.02.2023</a:t>
             </a:fld>
             <a:endParaRPr lang="ru-RU"/>
           </a:p>
@@ -954,7 +955,7 @@
           <a:p>
             <a:fld id="{27CE9654-3562-4100-A766-537F27551235}" type="datetime1">
               <a:rPr lang="ru-RU" smtClean="0"/>
-              <a:t>16.02.2023</a:t>
+              <a:t>17.02.2023</a:t>
             </a:fld>
             <a:endParaRPr lang="ru-RU"/>
           </a:p>
@@ -1134,7 +1135,7 @@
           <a:p>
             <a:fld id="{820807FA-9BD8-40AF-A59F-C82356EC0E74}" type="datetime1">
               <a:rPr lang="ru-RU" smtClean="0"/>
-              <a:t>16.02.2023</a:t>
+              <a:t>17.02.2023</a:t>
             </a:fld>
             <a:endParaRPr lang="ru-RU"/>
           </a:p>
@@ -1309,7 +1310,7 @@
           <a:p>
             <a:fld id="{5878E360-8AEE-4B90-99BC-1D6B98DA5EE2}" type="datetime1">
               <a:rPr lang="ru-RU" smtClean="0"/>
-              <a:t>16.02.2023</a:t>
+              <a:t>17.02.2023</a:t>
             </a:fld>
             <a:endParaRPr lang="ru-RU"/>
           </a:p>
@@ -1571,7 +1572,7 @@
           <a:p>
             <a:fld id="{D429DEF6-BF7E-4AAA-BE08-A3E2C310E23A}" type="datetime1">
               <a:rPr lang="ru-RU" smtClean="0"/>
-              <a:t>16.02.2023</a:t>
+              <a:t>17.02.2023</a:t>
             </a:fld>
             <a:endParaRPr lang="ru-RU"/>
           </a:p>
@@ -1803,7 +1804,7 @@
           <a:p>
             <a:fld id="{2118AE50-8815-4DDF-8D38-374A41423F79}" type="datetime1">
               <a:rPr lang="ru-RU" smtClean="0"/>
-              <a:t>16.02.2023</a:t>
+              <a:t>17.02.2023</a:t>
             </a:fld>
             <a:endParaRPr lang="ru-RU"/>
           </a:p>
@@ -2170,7 +2171,7 @@
           <a:p>
             <a:fld id="{3B4F339C-11A2-47C7-8682-F5E088FCD6CD}" type="datetime1">
               <a:rPr lang="ru-RU" smtClean="0"/>
-              <a:t>16.02.2023</a:t>
+              <a:t>17.02.2023</a:t>
             </a:fld>
             <a:endParaRPr lang="ru-RU"/>
           </a:p>
@@ -2288,7 +2289,7 @@
           <a:p>
             <a:fld id="{541086C6-E43C-4031-9DEE-B110F5665883}" type="datetime1">
               <a:rPr lang="ru-RU" smtClean="0"/>
-              <a:t>16.02.2023</a:t>
+              <a:t>17.02.2023</a:t>
             </a:fld>
             <a:endParaRPr lang="ru-RU"/>
           </a:p>
@@ -2383,7 +2384,7 @@
           <a:p>
             <a:fld id="{6E673D86-633A-4A5C-99A8-AF67CDA3F4C5}" type="datetime1">
               <a:rPr lang="ru-RU" smtClean="0"/>
-              <a:t>16.02.2023</a:t>
+              <a:t>17.02.2023</a:t>
             </a:fld>
             <a:endParaRPr lang="ru-RU"/>
           </a:p>
@@ -2660,7 +2661,7 @@
           <a:p>
             <a:fld id="{9F141B0F-4B70-46F9-8E49-A8927A8EF61C}" type="datetime1">
               <a:rPr lang="ru-RU" smtClean="0"/>
-              <a:t>16.02.2023</a:t>
+              <a:t>17.02.2023</a:t>
             </a:fld>
             <a:endParaRPr lang="ru-RU"/>
           </a:p>
@@ -2917,7 +2918,7 @@
           <a:p>
             <a:fld id="{66E4E755-3C6B-40C3-812B-8DBAD8856AD3}" type="datetime1">
               <a:rPr lang="ru-RU" smtClean="0"/>
-              <a:t>16.02.2023</a:t>
+              <a:t>17.02.2023</a:t>
             </a:fld>
             <a:endParaRPr lang="ru-RU"/>
           </a:p>
@@ -3130,7 +3131,7 @@
           <a:p>
             <a:fld id="{41888E7E-34F9-43C6-9C08-101ACE33D9FB}" type="datetime1">
               <a:rPr lang="ru-RU" smtClean="0"/>
-              <a:t>16.02.2023</a:t>
+              <a:t>17.02.2023</a:t>
             </a:fld>
             <a:endParaRPr lang="ru-RU"/>
           </a:p>
@@ -4201,6 +4202,556 @@
 </p:sld>
 </file>
 
+<file path=ppt/slides/slide11.xml><?xml version="1.0" encoding="utf-8"?>
+<p:sld xmlns:a="http://schemas.openxmlformats.org/drawingml/2006/main" xmlns:r="http://schemas.openxmlformats.org/officeDocument/2006/relationships" xmlns:p="http://schemas.openxmlformats.org/presentationml/2006/main">
+  <p:cSld>
+    <p:spTree>
+      <p:nvGrpSpPr>
+        <p:cNvPr id="1" name=""/>
+        <p:cNvGrpSpPr/>
+        <p:nvPr/>
+      </p:nvGrpSpPr>
+      <p:grpSpPr>
+        <a:xfrm>
+          <a:off x="0" y="0"/>
+          <a:ext cx="0" cy="0"/>
+          <a:chOff x="0" y="0"/>
+          <a:chExt cx="0" cy="0"/>
+        </a:xfrm>
+      </p:grpSpPr>
+      <p:sp>
+        <p:nvSpPr>
+          <p:cNvPr id="4" name="Номер слайда 3">
+            <a:extLst>
+              <a:ext uri="{FF2B5EF4-FFF2-40B4-BE49-F238E27FC236}">
+                <a16:creationId xmlns:a16="http://schemas.microsoft.com/office/drawing/2014/main" id="{459418B2-06D8-9657-4C6D-3B2AC120327A}"/>
+              </a:ext>
+            </a:extLst>
+          </p:cNvPr>
+          <p:cNvSpPr>
+            <a:spLocks noGrp="1"/>
+          </p:cNvSpPr>
+          <p:nvPr>
+            <p:ph type="sldNum" sz="quarter" idx="12"/>
+          </p:nvPr>
+        </p:nvSpPr>
+        <p:spPr/>
+        <p:txBody>
+          <a:bodyPr/>
+          <a:lstStyle/>
+          <a:p>
+            <a:fld id="{5552E39F-73D0-4A16-9BC8-08DD5BB183DF}" type="slidenum">
+              <a:rPr lang="ru-RU" smtClean="0"/>
+              <a:pPr/>
+              <a:t>10</a:t>
+            </a:fld>
+            <a:endParaRPr lang="ru-RU" dirty="0"/>
+          </a:p>
+        </p:txBody>
+      </p:sp>
+      <p:sp>
+        <p:nvSpPr>
+          <p:cNvPr id="5" name="Заголовок 1">
+            <a:extLst>
+              <a:ext uri="{FF2B5EF4-FFF2-40B4-BE49-F238E27FC236}">
+                <a16:creationId xmlns:a16="http://schemas.microsoft.com/office/drawing/2014/main" id="{6BD84DEF-3D52-34B6-631F-22A316D622DB}"/>
+              </a:ext>
+            </a:extLst>
+          </p:cNvPr>
+          <p:cNvSpPr txBox="1">
+            <a:spLocks/>
+          </p:cNvSpPr>
+          <p:nvPr/>
+        </p:nvSpPr>
+        <p:spPr>
+          <a:xfrm>
+            <a:off x="346591" y="147767"/>
+            <a:ext cx="11498817" cy="1046920"/>
+          </a:xfrm>
+          <a:prstGeom prst="rect">
+            <a:avLst/>
+          </a:prstGeom>
+        </p:spPr>
+        <p:txBody>
+          <a:bodyPr vert="horz" lIns="91440" tIns="45720" rIns="91440" bIns="45720" rtlCol="0" anchor="t">
+            <a:normAutofit fontScale="97500"/>
+          </a:bodyPr>
+          <a:lstStyle>
+            <a:lvl1pPr algn="l" defTabSz="457200" rtl="0" eaLnBrk="1" latinLnBrk="0" hangingPunct="1">
+              <a:spcBef>
+                <a:spcPct val="0"/>
+              </a:spcBef>
+              <a:buNone/>
+              <a:defRPr sz="3600" kern="1200">
+                <a:solidFill>
+                  <a:schemeClr val="accent1"/>
+                </a:solidFill>
+                <a:latin typeface="+mj-lt"/>
+                <a:ea typeface="+mj-ea"/>
+                <a:cs typeface="+mj-cs"/>
+              </a:defRPr>
+            </a:lvl1pPr>
+            <a:lvl2pPr eaLnBrk="1" hangingPunct="1">
+              <a:defRPr>
+                <a:solidFill>
+                  <a:schemeClr val="tx2"/>
+                </a:solidFill>
+              </a:defRPr>
+            </a:lvl2pPr>
+            <a:lvl3pPr eaLnBrk="1" hangingPunct="1">
+              <a:defRPr>
+                <a:solidFill>
+                  <a:schemeClr val="tx2"/>
+                </a:solidFill>
+              </a:defRPr>
+            </a:lvl3pPr>
+            <a:lvl4pPr eaLnBrk="1" hangingPunct="1">
+              <a:defRPr>
+                <a:solidFill>
+                  <a:schemeClr val="tx2"/>
+                </a:solidFill>
+              </a:defRPr>
+            </a:lvl4pPr>
+            <a:lvl5pPr eaLnBrk="1" hangingPunct="1">
+              <a:defRPr>
+                <a:solidFill>
+                  <a:schemeClr val="tx2"/>
+                </a:solidFill>
+              </a:defRPr>
+            </a:lvl5pPr>
+            <a:lvl6pPr eaLnBrk="1" hangingPunct="1">
+              <a:defRPr>
+                <a:solidFill>
+                  <a:schemeClr val="tx2"/>
+                </a:solidFill>
+              </a:defRPr>
+            </a:lvl6pPr>
+            <a:lvl7pPr eaLnBrk="1" hangingPunct="1">
+              <a:defRPr>
+                <a:solidFill>
+                  <a:schemeClr val="tx2"/>
+                </a:solidFill>
+              </a:defRPr>
+            </a:lvl7pPr>
+            <a:lvl8pPr eaLnBrk="1" hangingPunct="1">
+              <a:defRPr>
+                <a:solidFill>
+                  <a:schemeClr val="tx2"/>
+                </a:solidFill>
+              </a:defRPr>
+            </a:lvl8pPr>
+            <a:lvl9pPr eaLnBrk="1" hangingPunct="1">
+              <a:defRPr>
+                <a:solidFill>
+                  <a:schemeClr val="tx2"/>
+                </a:solidFill>
+              </a:defRPr>
+            </a:lvl9pPr>
+          </a:lstStyle>
+          <a:p>
+            <a:r>
+              <a:rPr lang="ru-RU" sz="2600" b="1" dirty="0">
+                <a:solidFill>
+                  <a:schemeClr val="tx1"/>
+                </a:solidFill>
+                <a:latin typeface="Times New Roman" panose="02020603050405020304" pitchFamily="18" charset="0"/>
+                <a:cs typeface="Times New Roman" panose="02020603050405020304" pitchFamily="18" charset="0"/>
+              </a:rPr>
+              <a:t>Заключение</a:t>
+            </a:r>
+          </a:p>
+          <a:p>
+            <a:endParaRPr lang="ru-RU" sz="2700" b="1" dirty="0">
+              <a:solidFill>
+                <a:schemeClr val="tx1"/>
+              </a:solidFill>
+              <a:latin typeface="Times New Roman" panose="02020603050405020304" pitchFamily="18" charset="0"/>
+              <a:cs typeface="Times New Roman" panose="02020603050405020304" pitchFamily="18" charset="0"/>
+            </a:endParaRPr>
+          </a:p>
+          <a:p>
+            <a:endParaRPr lang="ru-RU" sz="2500" b="1" dirty="0">
+              <a:solidFill>
+                <a:schemeClr val="tx1"/>
+              </a:solidFill>
+              <a:latin typeface="Times New Roman" panose="02020603050405020304" pitchFamily="18" charset="0"/>
+              <a:cs typeface="Times New Roman" panose="02020603050405020304" pitchFamily="18" charset="0"/>
+            </a:endParaRPr>
+          </a:p>
+        </p:txBody>
+      </p:sp>
+      <p:sp>
+        <p:nvSpPr>
+          <p:cNvPr id="6" name="Объект 2">
+            <a:extLst>
+              <a:ext uri="{FF2B5EF4-FFF2-40B4-BE49-F238E27FC236}">
+                <a16:creationId xmlns:a16="http://schemas.microsoft.com/office/drawing/2014/main" id="{1E89AE9E-DEE0-9B59-EBD5-FF7C11C05C7D}"/>
+              </a:ext>
+            </a:extLst>
+          </p:cNvPr>
+          <p:cNvSpPr txBox="1">
+            <a:spLocks/>
+          </p:cNvSpPr>
+          <p:nvPr/>
+        </p:nvSpPr>
+        <p:spPr>
+          <a:xfrm>
+            <a:off x="413383" y="1997242"/>
+            <a:ext cx="11516546" cy="2863515"/>
+          </a:xfrm>
+          <a:prstGeom prst="rect">
+            <a:avLst/>
+          </a:prstGeom>
+        </p:spPr>
+        <p:txBody>
+          <a:bodyPr vert="horz" lIns="91440" tIns="45720" rIns="91440" bIns="45720" rtlCol="0">
+            <a:normAutofit lnSpcReduction="10000"/>
+          </a:bodyPr>
+          <a:lstStyle>
+            <a:lvl1pPr marL="228600" indent="-228600" algn="l" defTabSz="914400" rtl="0" eaLnBrk="1" latinLnBrk="0" hangingPunct="1">
+              <a:lnSpc>
+                <a:spcPct val="90000"/>
+              </a:lnSpc>
+              <a:spcBef>
+                <a:spcPts val="1000"/>
+              </a:spcBef>
+              <a:buFont typeface="Arial" panose="020B0604020202020204" pitchFamily="34" charset="0"/>
+              <a:buChar char="•"/>
+              <a:defRPr sz="2800" kern="1200">
+                <a:solidFill>
+                  <a:schemeClr val="tx1"/>
+                </a:solidFill>
+                <a:latin typeface="+mn-lt"/>
+                <a:ea typeface="+mn-ea"/>
+                <a:cs typeface="+mn-cs"/>
+              </a:defRPr>
+            </a:lvl1pPr>
+            <a:lvl2pPr marL="685800" indent="-228600" algn="l" defTabSz="914400" rtl="0" eaLnBrk="1" latinLnBrk="0" hangingPunct="1">
+              <a:lnSpc>
+                <a:spcPct val="90000"/>
+              </a:lnSpc>
+              <a:spcBef>
+                <a:spcPts val="500"/>
+              </a:spcBef>
+              <a:buFont typeface="Arial" panose="020B0604020202020204" pitchFamily="34" charset="0"/>
+              <a:buChar char="•"/>
+              <a:defRPr sz="2400" kern="1200">
+                <a:solidFill>
+                  <a:schemeClr val="tx1"/>
+                </a:solidFill>
+                <a:latin typeface="+mn-lt"/>
+                <a:ea typeface="+mn-ea"/>
+                <a:cs typeface="+mn-cs"/>
+              </a:defRPr>
+            </a:lvl2pPr>
+            <a:lvl3pPr marL="1143000" indent="-228600" algn="l" defTabSz="914400" rtl="0" eaLnBrk="1" latinLnBrk="0" hangingPunct="1">
+              <a:lnSpc>
+                <a:spcPct val="90000"/>
+              </a:lnSpc>
+              <a:spcBef>
+                <a:spcPts val="500"/>
+              </a:spcBef>
+              <a:buFont typeface="Arial" panose="020B0604020202020204" pitchFamily="34" charset="0"/>
+              <a:buChar char="•"/>
+              <a:defRPr sz="2000" kern="1200">
+                <a:solidFill>
+                  <a:schemeClr val="tx1"/>
+                </a:solidFill>
+                <a:latin typeface="+mn-lt"/>
+                <a:ea typeface="+mn-ea"/>
+                <a:cs typeface="+mn-cs"/>
+              </a:defRPr>
+            </a:lvl3pPr>
+            <a:lvl4pPr marL="1600200" indent="-228600" algn="l" defTabSz="914400" rtl="0" eaLnBrk="1" latinLnBrk="0" hangingPunct="1">
+              <a:lnSpc>
+                <a:spcPct val="90000"/>
+              </a:lnSpc>
+              <a:spcBef>
+                <a:spcPts val="500"/>
+              </a:spcBef>
+              <a:buFont typeface="Arial" panose="020B0604020202020204" pitchFamily="34" charset="0"/>
+              <a:buChar char="•"/>
+              <a:defRPr sz="1800" kern="1200">
+                <a:solidFill>
+                  <a:schemeClr val="tx1"/>
+                </a:solidFill>
+                <a:latin typeface="+mn-lt"/>
+                <a:ea typeface="+mn-ea"/>
+                <a:cs typeface="+mn-cs"/>
+              </a:defRPr>
+            </a:lvl4pPr>
+            <a:lvl5pPr marL="2057400" indent="-228600" algn="l" defTabSz="914400" rtl="0" eaLnBrk="1" latinLnBrk="0" hangingPunct="1">
+              <a:lnSpc>
+                <a:spcPct val="90000"/>
+              </a:lnSpc>
+              <a:spcBef>
+                <a:spcPts val="500"/>
+              </a:spcBef>
+              <a:buFont typeface="Arial" panose="020B0604020202020204" pitchFamily="34" charset="0"/>
+              <a:buChar char="•"/>
+              <a:defRPr sz="1800" kern="1200">
+                <a:solidFill>
+                  <a:schemeClr val="tx1"/>
+                </a:solidFill>
+                <a:latin typeface="+mn-lt"/>
+                <a:ea typeface="+mn-ea"/>
+                <a:cs typeface="+mn-cs"/>
+              </a:defRPr>
+            </a:lvl5pPr>
+            <a:lvl6pPr marL="2514600" indent="-228600" algn="l" defTabSz="914400" rtl="0" eaLnBrk="1" latinLnBrk="0" hangingPunct="1">
+              <a:lnSpc>
+                <a:spcPct val="90000"/>
+              </a:lnSpc>
+              <a:spcBef>
+                <a:spcPts val="500"/>
+              </a:spcBef>
+              <a:buFont typeface="Arial" panose="020B0604020202020204" pitchFamily="34" charset="0"/>
+              <a:buChar char="•"/>
+              <a:defRPr sz="1800" kern="1200">
+                <a:solidFill>
+                  <a:schemeClr val="tx1"/>
+                </a:solidFill>
+                <a:latin typeface="+mn-lt"/>
+                <a:ea typeface="+mn-ea"/>
+                <a:cs typeface="+mn-cs"/>
+              </a:defRPr>
+            </a:lvl6pPr>
+            <a:lvl7pPr marL="2971800" indent="-228600" algn="l" defTabSz="914400" rtl="0" eaLnBrk="1" latinLnBrk="0" hangingPunct="1">
+              <a:lnSpc>
+                <a:spcPct val="90000"/>
+              </a:lnSpc>
+              <a:spcBef>
+                <a:spcPts val="500"/>
+              </a:spcBef>
+              <a:buFont typeface="Arial" panose="020B0604020202020204" pitchFamily="34" charset="0"/>
+              <a:buChar char="•"/>
+              <a:defRPr sz="1800" kern="1200">
+                <a:solidFill>
+                  <a:schemeClr val="tx1"/>
+                </a:solidFill>
+                <a:latin typeface="+mn-lt"/>
+                <a:ea typeface="+mn-ea"/>
+                <a:cs typeface="+mn-cs"/>
+              </a:defRPr>
+            </a:lvl7pPr>
+            <a:lvl8pPr marL="3429000" indent="-228600" algn="l" defTabSz="914400" rtl="0" eaLnBrk="1" latinLnBrk="0" hangingPunct="1">
+              <a:lnSpc>
+                <a:spcPct val="90000"/>
+              </a:lnSpc>
+              <a:spcBef>
+                <a:spcPts val="500"/>
+              </a:spcBef>
+              <a:buFont typeface="Arial" panose="020B0604020202020204" pitchFamily="34" charset="0"/>
+              <a:buChar char="•"/>
+              <a:defRPr sz="1800" kern="1200">
+                <a:solidFill>
+                  <a:schemeClr val="tx1"/>
+                </a:solidFill>
+                <a:latin typeface="+mn-lt"/>
+                <a:ea typeface="+mn-ea"/>
+                <a:cs typeface="+mn-cs"/>
+              </a:defRPr>
+            </a:lvl8pPr>
+            <a:lvl9pPr marL="3886200" indent="-228600" algn="l" defTabSz="914400" rtl="0" eaLnBrk="1" latinLnBrk="0" hangingPunct="1">
+              <a:lnSpc>
+                <a:spcPct val="90000"/>
+              </a:lnSpc>
+              <a:spcBef>
+                <a:spcPts val="500"/>
+              </a:spcBef>
+              <a:buFont typeface="Arial" panose="020B0604020202020204" pitchFamily="34" charset="0"/>
+              <a:buChar char="•"/>
+              <a:defRPr sz="1800" kern="1200">
+                <a:solidFill>
+                  <a:schemeClr val="tx1"/>
+                </a:solidFill>
+                <a:latin typeface="+mn-lt"/>
+                <a:ea typeface="+mn-ea"/>
+                <a:cs typeface="+mn-cs"/>
+              </a:defRPr>
+            </a:lvl9pPr>
+          </a:lstStyle>
+          <a:p>
+            <a:pPr algn="just"/>
+            <a:r>
+              <a:rPr lang="ru-RU" sz="2400" dirty="0">
+                <a:latin typeface="Times New Roman" panose="02020603050405020304" pitchFamily="18" charset="0"/>
+                <a:cs typeface="Times New Roman" panose="02020603050405020304" pitchFamily="18" charset="0"/>
+              </a:rPr>
+              <a:t>Были рассмотрены существующие подходы разработки </a:t>
+            </a:r>
+            <a:r>
+              <a:rPr lang="en-US" sz="2400" dirty="0">
+                <a:latin typeface="Times New Roman" panose="02020603050405020304" pitchFamily="18" charset="0"/>
+                <a:cs typeface="Times New Roman" panose="02020603050405020304" pitchFamily="18" charset="0"/>
+              </a:rPr>
+              <a:t>GUI</a:t>
+            </a:r>
+            <a:r>
+              <a:rPr lang="ru-RU" sz="2400" dirty="0">
+                <a:latin typeface="Times New Roman" panose="02020603050405020304" pitchFamily="18" charset="0"/>
+                <a:cs typeface="Times New Roman" panose="02020603050405020304" pitchFamily="18" charset="0"/>
+              </a:rPr>
+              <a:t>;</a:t>
+            </a:r>
+            <a:endParaRPr lang="en-US" sz="2400" dirty="0">
+              <a:latin typeface="Times New Roman" panose="02020603050405020304" pitchFamily="18" charset="0"/>
+              <a:cs typeface="Times New Roman" panose="02020603050405020304" pitchFamily="18" charset="0"/>
+            </a:endParaRPr>
+          </a:p>
+          <a:p>
+            <a:pPr algn="just"/>
+            <a:r>
+              <a:rPr lang="ru-RU" sz="2400" dirty="0">
+                <a:latin typeface="Times New Roman" panose="02020603050405020304" pitchFamily="18" charset="0"/>
+                <a:cs typeface="Times New Roman" panose="02020603050405020304" pitchFamily="18" charset="0"/>
+              </a:rPr>
+              <a:t>была разработана программа для преобразования данных формата </a:t>
+            </a:r>
+            <a:r>
+              <a:rPr lang="en-US" sz="2400" dirty="0" err="1">
+                <a:latin typeface="Times New Roman" panose="02020603050405020304" pitchFamily="18" charset="0"/>
+                <a:cs typeface="Times New Roman" panose="02020603050405020304" pitchFamily="18" charset="0"/>
+              </a:rPr>
+              <a:t>aINI</a:t>
+            </a:r>
+            <a:r>
+              <a:rPr lang="en-US" sz="2400" dirty="0">
+                <a:latin typeface="Times New Roman" panose="02020603050405020304" pitchFamily="18" charset="0"/>
+                <a:cs typeface="Times New Roman" panose="02020603050405020304" pitchFamily="18" charset="0"/>
+              </a:rPr>
+              <a:t> </a:t>
+            </a:r>
+            <a:r>
+              <a:rPr lang="ru-RU" sz="2400" dirty="0">
+                <a:latin typeface="Times New Roman" panose="02020603050405020304" pitchFamily="18" charset="0"/>
+                <a:cs typeface="Times New Roman" panose="02020603050405020304" pitchFamily="18" charset="0"/>
+              </a:rPr>
+              <a:t>в </a:t>
+            </a:r>
+            <a:r>
+              <a:rPr lang="en-US" sz="2400" dirty="0">
+                <a:latin typeface="Times New Roman" panose="02020603050405020304" pitchFamily="18" charset="0"/>
+                <a:cs typeface="Times New Roman" panose="02020603050405020304" pitchFamily="18" charset="0"/>
+              </a:rPr>
+              <a:t>HTML-</a:t>
+            </a:r>
+            <a:r>
+              <a:rPr lang="ru-RU" sz="2400" dirty="0">
+                <a:latin typeface="Times New Roman" panose="02020603050405020304" pitchFamily="18" charset="0"/>
+                <a:cs typeface="Times New Roman" panose="02020603050405020304" pitchFamily="18" charset="0"/>
+              </a:rPr>
+              <a:t>код</a:t>
+            </a:r>
+            <a:r>
+              <a:rPr lang="en-US" sz="2400" dirty="0">
+                <a:latin typeface="Times New Roman" panose="02020603050405020304" pitchFamily="18" charset="0"/>
+                <a:cs typeface="Times New Roman" panose="02020603050405020304" pitchFamily="18" charset="0"/>
+              </a:rPr>
+              <a:t>;</a:t>
+            </a:r>
+          </a:p>
+          <a:p>
+            <a:pPr algn="just"/>
+            <a:r>
+              <a:rPr lang="ru-RU" sz="2400" dirty="0">
+                <a:latin typeface="Times New Roman" panose="02020603050405020304" pitchFamily="18" charset="0"/>
+                <a:cs typeface="Times New Roman" panose="02020603050405020304" pitchFamily="18" charset="0"/>
+              </a:rPr>
+              <a:t>было разработано </a:t>
+            </a:r>
+            <a:r>
+              <a:rPr lang="en-US" sz="2400" dirty="0">
+                <a:latin typeface="Times New Roman" panose="02020603050405020304" pitchFamily="18" charset="0"/>
+                <a:cs typeface="Times New Roman" panose="02020603050405020304" pitchFamily="18" charset="0"/>
+              </a:rPr>
+              <a:t>web-</a:t>
+            </a:r>
+            <a:r>
+              <a:rPr lang="ru-RU" sz="2400" dirty="0">
+                <a:latin typeface="Times New Roman" panose="02020603050405020304" pitchFamily="18" charset="0"/>
+                <a:cs typeface="Times New Roman" panose="02020603050405020304" pitchFamily="18" charset="0"/>
+              </a:rPr>
+              <a:t>приложение, использующее сгенерированный интерфейс</a:t>
+            </a:r>
+            <a:r>
+              <a:rPr lang="en-US" sz="2400" dirty="0">
+                <a:latin typeface="Times New Roman" panose="02020603050405020304" pitchFamily="18" charset="0"/>
+                <a:cs typeface="Times New Roman" panose="02020603050405020304" pitchFamily="18" charset="0"/>
+              </a:rPr>
+              <a:t>;</a:t>
+            </a:r>
+          </a:p>
+          <a:p>
+            <a:pPr algn="just"/>
+            <a:r>
+              <a:rPr lang="ru-RU" sz="2400" dirty="0">
+                <a:latin typeface="Times New Roman" panose="02020603050405020304" pitchFamily="18" charset="0"/>
+                <a:cs typeface="Times New Roman" panose="02020603050405020304" pitchFamily="18" charset="0"/>
+              </a:rPr>
+              <a:t>разработанное </a:t>
+            </a:r>
+            <a:r>
+              <a:rPr lang="en-US" sz="2400" dirty="0">
+                <a:latin typeface="Times New Roman" panose="02020603050405020304" pitchFamily="18" charset="0"/>
+                <a:cs typeface="Times New Roman" panose="02020603050405020304" pitchFamily="18" charset="0"/>
+              </a:rPr>
+              <a:t>web-</a:t>
+            </a:r>
+            <a:r>
+              <a:rPr lang="ru-RU" sz="2400" dirty="0">
+                <a:latin typeface="Times New Roman" panose="02020603050405020304" pitchFamily="18" charset="0"/>
+                <a:cs typeface="Times New Roman" panose="02020603050405020304" pitchFamily="18" charset="0"/>
+              </a:rPr>
+              <a:t>приложение было запущено на тестовом сервере</a:t>
+            </a:r>
+            <a:r>
+              <a:rPr lang="en-US" sz="2400" dirty="0">
+                <a:latin typeface="Times New Roman" panose="02020603050405020304" pitchFamily="18" charset="0"/>
+                <a:cs typeface="Times New Roman" panose="02020603050405020304" pitchFamily="18" charset="0"/>
+              </a:rPr>
+              <a:t>;</a:t>
+            </a:r>
+          </a:p>
+          <a:p>
+            <a:pPr algn="just"/>
+            <a:r>
+              <a:rPr lang="ru-RU" sz="2400" dirty="0">
+                <a:latin typeface="Times New Roman" panose="02020603050405020304" pitchFamily="18" charset="0"/>
+                <a:cs typeface="Times New Roman" panose="02020603050405020304" pitchFamily="18" charset="0"/>
+              </a:rPr>
+              <a:t>автоматизированная генерация </a:t>
+            </a:r>
+            <a:r>
+              <a:rPr lang="en-US" sz="2400" dirty="0">
+                <a:latin typeface="Times New Roman" panose="02020603050405020304" pitchFamily="18" charset="0"/>
+                <a:cs typeface="Times New Roman" panose="02020603050405020304" pitchFamily="18" charset="0"/>
+              </a:rPr>
+              <a:t>GUI</a:t>
+            </a:r>
+            <a:r>
+              <a:rPr lang="ru-RU" sz="2400" dirty="0">
+                <a:latin typeface="Times New Roman" panose="02020603050405020304" pitchFamily="18" charset="0"/>
+                <a:cs typeface="Times New Roman" panose="02020603050405020304" pitchFamily="18" charset="0"/>
+              </a:rPr>
+              <a:t> на основе данных формата с несложным синтаксисом позволит просто создавать интерфейс пользователю без знаний программирования.</a:t>
+            </a:r>
+          </a:p>
+        </p:txBody>
+      </p:sp>
+    </p:spTree>
+    <p:extLst>
+      <p:ext uri="{BB962C8B-B14F-4D97-AF65-F5344CB8AC3E}">
+        <p14:creationId xmlns:p14="http://schemas.microsoft.com/office/powerpoint/2010/main" val="2850630125"/>
+      </p:ext>
+    </p:extLst>
+  </p:cSld>
+  <p:clrMapOvr>
+    <a:masterClrMapping/>
+  </p:clrMapOvr>
+</p:sld>
+</file>
+
 <file path=ppt/slides/slide2.xml><?xml version="1.0" encoding="utf-8"?>
 <p:sld xmlns:a="http://schemas.openxmlformats.org/drawingml/2006/main" xmlns:r="http://schemas.openxmlformats.org/officeDocument/2006/relationships" xmlns:p="http://schemas.openxmlformats.org/presentationml/2006/main">
   <p:cSld>
@@ -5815,7 +6366,7 @@
                 <a:latin typeface="Times New Roman" panose="02020603050405020304" pitchFamily="18" charset="0"/>
                 <a:cs typeface="Times New Roman" panose="02020603050405020304" pitchFamily="18" charset="0"/>
               </a:rPr>
-              <a:t>2</a:t>
+              <a:t>1</a:t>
             </a:r>
             <a:r>
               <a:rPr lang="ru-RU" dirty="0">
@@ -5921,7 +6472,7 @@
                 <a:latin typeface="Times New Roman" panose="02020603050405020304" pitchFamily="18" charset="0"/>
                 <a:cs typeface="Times New Roman" panose="02020603050405020304" pitchFamily="18" charset="0"/>
               </a:rPr>
-              <a:t>3</a:t>
+              <a:t>2</a:t>
             </a:r>
             <a:r>
               <a:rPr lang="ru-RU" dirty="0">
@@ -6032,7 +6583,7 @@
                 <a:latin typeface="Times New Roman" panose="02020603050405020304" pitchFamily="18" charset="0"/>
                 <a:cs typeface="Times New Roman" panose="02020603050405020304" pitchFamily="18" charset="0"/>
               </a:rPr>
-              <a:t>4</a:t>
+              <a:t>3</a:t>
             </a:r>
             <a:r>
               <a:rPr lang="ru-RU" dirty="0">
@@ -6103,7 +6654,27 @@
                 <a:latin typeface="Times New Roman" panose="02020603050405020304" pitchFamily="18" charset="0"/>
                 <a:cs typeface="Times New Roman" panose="02020603050405020304" pitchFamily="18" charset="0"/>
               </a:rPr>
-              <a:t>[2] </a:t>
+              <a:t>[</a:t>
+            </a:r>
+            <a:r>
+              <a:rPr lang="ru-RU" sz="1200" dirty="0">
+                <a:solidFill>
+                  <a:schemeClr val="tx1"/>
+                </a:solidFill>
+                <a:latin typeface="Times New Roman" panose="02020603050405020304" pitchFamily="18" charset="0"/>
+                <a:cs typeface="Times New Roman" panose="02020603050405020304" pitchFamily="18" charset="0"/>
+              </a:rPr>
+              <a:t>1</a:t>
+            </a:r>
+            <a:r>
+              <a:rPr lang="en-US" sz="1200" dirty="0">
+                <a:solidFill>
+                  <a:schemeClr val="tx1"/>
+                </a:solidFill>
+                <a:latin typeface="Times New Roman" panose="02020603050405020304" pitchFamily="18" charset="0"/>
+                <a:cs typeface="Times New Roman" panose="02020603050405020304" pitchFamily="18" charset="0"/>
+              </a:rPr>
+              <a:t>] </a:t>
             </a:r>
             <a:r>
               <a:rPr lang="ru-RU" sz="1200" dirty="0" err="1">
@@ -6138,7 +6709,27 @@
                 <a:latin typeface="Times New Roman" panose="02020603050405020304" pitchFamily="18" charset="0"/>
                 <a:cs typeface="Times New Roman" panose="02020603050405020304" pitchFamily="18" charset="0"/>
               </a:rPr>
-              <a:t>[3] </a:t>
+              <a:t>[</a:t>
+            </a:r>
+            <a:r>
+              <a:rPr lang="ru-RU" sz="1200" dirty="0">
+                <a:solidFill>
+                  <a:schemeClr val="tx1"/>
+                </a:solidFill>
+                <a:latin typeface="Times New Roman" panose="02020603050405020304" pitchFamily="18" charset="0"/>
+                <a:cs typeface="Times New Roman" panose="02020603050405020304" pitchFamily="18" charset="0"/>
+              </a:rPr>
+              <a:t>2</a:t>
+            </a:r>
+            <a:r>
+              <a:rPr lang="en-US" sz="1200" dirty="0">
+                <a:solidFill>
+                  <a:schemeClr val="tx1"/>
+                </a:solidFill>
+                <a:latin typeface="Times New Roman" panose="02020603050405020304" pitchFamily="18" charset="0"/>
+                <a:cs typeface="Times New Roman" panose="02020603050405020304" pitchFamily="18" charset="0"/>
+              </a:rPr>
+              <a:t>] </a:t>
             </a:r>
             <a:r>
               <a:rPr lang="ru-RU" sz="1200" dirty="0">
@@ -6210,7 +6801,27 @@
                 <a:latin typeface="Times New Roman" panose="02020603050405020304" pitchFamily="18" charset="0"/>
                 <a:cs typeface="Times New Roman" panose="02020603050405020304" pitchFamily="18" charset="0"/>
               </a:rPr>
-              <a:t>[4] </a:t>
+              <a:t>[</a:t>
+            </a:r>
+            <a:r>
+              <a:rPr lang="ru-RU" sz="1200" dirty="0">
+                <a:solidFill>
+                  <a:schemeClr val="tx1"/>
+                </a:solidFill>
+                <a:latin typeface="Times New Roman" panose="02020603050405020304" pitchFamily="18" charset="0"/>
+                <a:cs typeface="Times New Roman" panose="02020603050405020304" pitchFamily="18" charset="0"/>
+              </a:rPr>
+              <a:t>3</a:t>
+            </a:r>
+            <a:r>
+              <a:rPr lang="en-US" sz="1200" dirty="0">
+                <a:solidFill>
+                  <a:schemeClr val="tx1"/>
+                </a:solidFill>
+                <a:latin typeface="Times New Roman" panose="02020603050405020304" pitchFamily="18" charset="0"/>
+                <a:cs typeface="Times New Roman" panose="02020603050405020304" pitchFamily="18" charset="0"/>
+              </a:rPr>
+              <a:t>] </a:t>
             </a:r>
             <a:r>
               <a:rPr lang="ru-RU" sz="1200" dirty="0">
@@ -8574,10 +9185,15 @@
             </a:endParaRPr>
           </a:p>
           <a:p>
-            <a:pPr marL="342900" indent="-342900" algn="just">
-              <a:buFont typeface="+mj-lt"/>
-              <a:buAutoNum type="arabicPeriod"/>
-            </a:pPr>
+            <a:pPr algn="just"/>
+            <a:r>
+              <a:rPr lang="en-US" sz="1400" dirty="0">
+                <a:latin typeface="Times New Roman" panose="02020603050405020304" pitchFamily="18" charset="0"/>
+                <a:ea typeface="Calibri" panose="020F0502020204030204" pitchFamily="34" charset="0"/>
+                <a:cs typeface="Times New Roman" panose="02020603050405020304" pitchFamily="18" charset="0"/>
+              </a:rPr>
+              <a:t>[1] </a:t>
+            </a:r>
             <a:r>
               <a:rPr lang="ru-RU" sz="1400" dirty="0" err="1">
                 <a:effectLst/>
@@ -8639,10 +9255,15 @@
             </a:endParaRPr>
           </a:p>
           <a:p>
-            <a:pPr marL="342900" indent="-342900" algn="just">
-              <a:buFont typeface="+mj-lt"/>
-              <a:buAutoNum type="arabicPeriod"/>
-            </a:pPr>
+            <a:pPr algn="just"/>
+            <a:r>
+              <a:rPr lang="en-US" sz="1400" dirty="0">
+                <a:effectLst/>
+                <a:latin typeface="Times New Roman" panose="02020603050405020304" pitchFamily="18" charset="0"/>
+                <a:ea typeface="Calibri" panose="020F0502020204030204" pitchFamily="34" charset="0"/>
+              </a:rPr>
+              <a:t>[2] </a:t>
+            </a:r>
             <a:r>
               <a:rPr lang="ru-RU" sz="1400" dirty="0" err="1">
                 <a:effectLst/>
@@ -8682,16 +9303,13 @@
             </a:endParaRPr>
           </a:p>
           <a:p>
-            <a:pPr marL="342900" indent="-342900" algn="just">
-              <a:buFont typeface="+mj-lt"/>
-              <a:buAutoNum type="arabicPeriod"/>
-            </a:pPr>
+            <a:pPr algn="just"/>
             <a:r>
               <a:rPr lang="en-US" sz="1400" dirty="0">
                 <a:latin typeface="Times New Roman" panose="02020603050405020304" pitchFamily="18" charset="0"/>
                 <a:ea typeface="Calibri" panose="020F0502020204030204" pitchFamily="34" charset="0"/>
               </a:rPr>
-              <a:t>Nginx </a:t>
+              <a:t>[3] Nginx </a:t>
             </a:r>
             <a:r>
               <a:rPr lang="ru-RU" sz="1400" dirty="0">
@@ -10164,10 +10782,18 @@
             </a:r>
           </a:p>
           <a:p>
-            <a:pPr marL="228600" indent="-228600" algn="l">
-              <a:buFont typeface="+mj-lt"/>
-              <a:buAutoNum type="arabicPeriod"/>
-            </a:pPr>
+            <a:pPr algn="l"/>
+            <a:r>
+              <a:rPr lang="en-US" i="0" dirty="0">
+                <a:solidFill>
+                  <a:schemeClr val="tx1"/>
+                </a:solidFill>
+                <a:effectLst/>
+                <a:latin typeface="Times New Roman" panose="02020603050405020304" pitchFamily="18" charset="0"/>
+                <a:cs typeface="Times New Roman" panose="02020603050405020304" pitchFamily="18" charset="0"/>
+              </a:rPr>
+              <a:t>[1] </a:t>
+            </a:r>
             <a:r>
               <a:rPr lang="ru-RU" i="0" dirty="0" err="1">
                 <a:solidFill>

--- a/01 - Курсовые проекты/2022-2023 - Разработка библиотеки функций на языке Python, реализующей автоматизированное построение динамических GUI/rndhpc_rpt_pres_gui_2023_73_VasilyanA.pptx
+++ b/01 - Курсовые проекты/2022-2023 - Разработка библиотеки функций на языке Python, реализующей автоматизированное построение динамических GUI/rndhpc_rpt_pres_gui_2023_73_VasilyanA.pptx
@@ -219,7 +219,7 @@
           <a:p>
             <a:fld id="{1433DABF-D097-44E0-82C0-1AAF5966212D}" type="datetimeFigureOut">
               <a:rPr lang="ru-RU" smtClean="0"/>
-              <a:t>17.02.2023</a:t>
+              <a:t>18.02.2023</a:t>
             </a:fld>
             <a:endParaRPr lang="ru-RU"/>
           </a:p>
@@ -785,7 +785,7 @@
           <a:p>
             <a:fld id="{6157714A-B5FA-4BDA-BAC5-CE551E0D5C71}" type="datetime1">
               <a:rPr lang="ru-RU" smtClean="0"/>
-              <a:t>17.02.2023</a:t>
+              <a:t>18.02.2023</a:t>
             </a:fld>
             <a:endParaRPr lang="ru-RU"/>
           </a:p>
@@ -955,7 +955,7 @@
           <a:p>
             <a:fld id="{27CE9654-3562-4100-A766-537F27551235}" type="datetime1">
               <a:rPr lang="ru-RU" smtClean="0"/>
-              <a:t>17.02.2023</a:t>
+              <a:t>18.02.2023</a:t>
             </a:fld>
             <a:endParaRPr lang="ru-RU"/>
           </a:p>
@@ -1135,7 +1135,7 @@
           <a:p>
             <a:fld id="{820807FA-9BD8-40AF-A59F-C82356EC0E74}" type="datetime1">
               <a:rPr lang="ru-RU" smtClean="0"/>
-              <a:t>17.02.2023</a:t>
+              <a:t>18.02.2023</a:t>
             </a:fld>
             <a:endParaRPr lang="ru-RU"/>
           </a:p>
@@ -1310,7 +1310,7 @@
           <a:p>
             <a:fld id="{5878E360-8AEE-4B90-99BC-1D6B98DA5EE2}" type="datetime1">
               <a:rPr lang="ru-RU" smtClean="0"/>
-              <a:t>17.02.2023</a:t>
+              <a:t>18.02.2023</a:t>
             </a:fld>
             <a:endParaRPr lang="ru-RU"/>
           </a:p>
@@ -1572,7 +1572,7 @@
           <a:p>
             <a:fld id="{D429DEF6-BF7E-4AAA-BE08-A3E2C310E23A}" type="datetime1">
               <a:rPr lang="ru-RU" smtClean="0"/>
-              <a:t>17.02.2023</a:t>
+              <a:t>18.02.2023</a:t>
             </a:fld>
             <a:endParaRPr lang="ru-RU"/>
           </a:p>
@@ -1804,7 +1804,7 @@
           <a:p>
             <a:fld id="{2118AE50-8815-4DDF-8D38-374A41423F79}" type="datetime1">
               <a:rPr lang="ru-RU" smtClean="0"/>
-              <a:t>17.02.2023</a:t>
+              <a:t>18.02.2023</a:t>
             </a:fld>
             <a:endParaRPr lang="ru-RU"/>
           </a:p>
@@ -2171,7 +2171,7 @@
           <a:p>
             <a:fld id="{3B4F339C-11A2-47C7-8682-F5E088FCD6CD}" type="datetime1">
               <a:rPr lang="ru-RU" smtClean="0"/>
-              <a:t>17.02.2023</a:t>
+              <a:t>18.02.2023</a:t>
             </a:fld>
             <a:endParaRPr lang="ru-RU"/>
           </a:p>
@@ -2289,7 +2289,7 @@
           <a:p>
             <a:fld id="{541086C6-E43C-4031-9DEE-B110F5665883}" type="datetime1">
               <a:rPr lang="ru-RU" smtClean="0"/>
-              <a:t>17.02.2023</a:t>
+              <a:t>18.02.2023</a:t>
             </a:fld>
             <a:endParaRPr lang="ru-RU"/>
           </a:p>
@@ -2384,7 +2384,7 @@
           <a:p>
             <a:fld id="{6E673D86-633A-4A5C-99A8-AF67CDA3F4C5}" type="datetime1">
               <a:rPr lang="ru-RU" smtClean="0"/>
-              <a:t>17.02.2023</a:t>
+              <a:t>18.02.2023</a:t>
             </a:fld>
             <a:endParaRPr lang="ru-RU"/>
           </a:p>
@@ -2661,7 +2661,7 @@
           <a:p>
             <a:fld id="{9F141B0F-4B70-46F9-8E49-A8927A8EF61C}" type="datetime1">
               <a:rPr lang="ru-RU" smtClean="0"/>
-              <a:t>17.02.2023</a:t>
+              <a:t>18.02.2023</a:t>
             </a:fld>
             <a:endParaRPr lang="ru-RU"/>
           </a:p>
@@ -2918,7 +2918,7 @@
           <a:p>
             <a:fld id="{66E4E755-3C6B-40C3-812B-8DBAD8856AD3}" type="datetime1">
               <a:rPr lang="ru-RU" smtClean="0"/>
-              <a:t>17.02.2023</a:t>
+              <a:t>18.02.2023</a:t>
             </a:fld>
             <a:endParaRPr lang="ru-RU"/>
           </a:p>
@@ -3131,7 +3131,7 @@
           <a:p>
             <a:fld id="{41888E7E-34F9-43C6-9C08-101ACE33D9FB}" type="datetime1">
               <a:rPr lang="ru-RU" smtClean="0"/>
-              <a:t>17.02.2023</a:t>
+              <a:t>18.02.2023</a:t>
             </a:fld>
             <a:endParaRPr lang="ru-RU"/>
           </a:p>
@@ -5302,6 +5302,31 @@
               </a:rPr>
               <a:t>-приложения на тестовом сервере.</a:t>
             </a:r>
+            <a:endParaRPr lang="en-US" sz="2400" dirty="0">
+              <a:latin typeface="Times New Roman" panose="02020603050405020304" pitchFamily="18" charset="0"/>
+              <a:cs typeface="Times New Roman" panose="02020603050405020304" pitchFamily="18" charset="0"/>
+            </a:endParaRPr>
+          </a:p>
+          <a:p>
+            <a:pPr algn="just"/>
+            <a:r>
+              <a:rPr lang="ru-RU" sz="2400" dirty="0">
+                <a:latin typeface="Times New Roman" panose="02020603050405020304" pitchFamily="18" charset="0"/>
+                <a:cs typeface="Times New Roman" panose="02020603050405020304" pitchFamily="18" charset="0"/>
+              </a:rPr>
+              <a:t>Заключение</a:t>
+            </a:r>
+            <a:r>
+              <a:rPr lang="en-US" sz="2400" dirty="0">
+                <a:latin typeface="Times New Roman" panose="02020603050405020304" pitchFamily="18" charset="0"/>
+                <a:cs typeface="Times New Roman" panose="02020603050405020304" pitchFamily="18" charset="0"/>
+              </a:rPr>
+              <a:t>.</a:t>
+            </a:r>
+            <a:endParaRPr lang="ru-RU" sz="2400" dirty="0">
+              <a:latin typeface="Times New Roman" panose="02020603050405020304" pitchFamily="18" charset="0"/>
+              <a:cs typeface="Times New Roman" panose="02020603050405020304" pitchFamily="18" charset="0"/>
+            </a:endParaRPr>
           </a:p>
           <a:p>
             <a:pPr algn="just"/>
